--- a/slides/Tag-2_2-Tags-und-Releases.pptx
+++ b/slides/Tag-2_2-Tags-und-Releases.pptx
@@ -4,33 +4,36 @@
   <p:sldMasterIdLst>
     <p:sldMasterId id="2147483648" r:id="rId1"/>
     <p:sldMasterId id="2147483649" r:id="rId2"/>
+    <p:sldMasterId id="2147483897" r:id="rId3"/>
   </p:sldMasterIdLst>
   <p:notesMasterIdLst>
-    <p:notesMasterId r:id="rId22"/>
+    <p:notesMasterId r:id="rId25"/>
   </p:notesMasterIdLst>
   <p:handoutMasterIdLst>
-    <p:handoutMasterId r:id="rId23"/>
+    <p:handoutMasterId r:id="rId26"/>
   </p:handoutMasterIdLst>
   <p:sldIdLst>
-    <p:sldId id="288" r:id="rId3"/>
-    <p:sldId id="287" r:id="rId4"/>
-    <p:sldId id="368" r:id="rId5"/>
-    <p:sldId id="420" r:id="rId6"/>
-    <p:sldId id="421" r:id="rId7"/>
-    <p:sldId id="422" r:id="rId8"/>
-    <p:sldId id="424" r:id="rId9"/>
-    <p:sldId id="423" r:id="rId10"/>
-    <p:sldId id="425" r:id="rId11"/>
-    <p:sldId id="426" r:id="rId12"/>
-    <p:sldId id="427" r:id="rId13"/>
-    <p:sldId id="434" r:id="rId14"/>
-    <p:sldId id="428" r:id="rId15"/>
-    <p:sldId id="429" r:id="rId16"/>
-    <p:sldId id="435" r:id="rId17"/>
-    <p:sldId id="430" r:id="rId18"/>
-    <p:sldId id="431" r:id="rId19"/>
-    <p:sldId id="432" r:id="rId20"/>
-    <p:sldId id="433" r:id="rId21"/>
+    <p:sldId id="288" r:id="rId4"/>
+    <p:sldId id="387" r:id="rId5"/>
+    <p:sldId id="287" r:id="rId6"/>
+    <p:sldId id="596" r:id="rId7"/>
+    <p:sldId id="368" r:id="rId8"/>
+    <p:sldId id="420" r:id="rId9"/>
+    <p:sldId id="421" r:id="rId10"/>
+    <p:sldId id="422" r:id="rId11"/>
+    <p:sldId id="424" r:id="rId12"/>
+    <p:sldId id="423" r:id="rId13"/>
+    <p:sldId id="425" r:id="rId14"/>
+    <p:sldId id="426" r:id="rId15"/>
+    <p:sldId id="427" r:id="rId16"/>
+    <p:sldId id="597" r:id="rId17"/>
+    <p:sldId id="428" r:id="rId18"/>
+    <p:sldId id="429" r:id="rId19"/>
+    <p:sldId id="598" r:id="rId20"/>
+    <p:sldId id="430" r:id="rId21"/>
+    <p:sldId id="431" r:id="rId22"/>
+    <p:sldId id="432" r:id="rId23"/>
+    <p:sldId id="433" r:id="rId24"/>
   </p:sldIdLst>
   <p:sldSz cx="9144000" cy="6858000" type="screen4x3"/>
   <p:notesSz cx="6784975" cy="9921875"/>
@@ -1100,7 +1103,7 @@
                 <a:latin typeface="Arial" panose="020B0604020202020204" pitchFamily="34" charset="0"/>
               </a:rPr>
               <a:pPr/>
-              <a:t>2</a:t>
+              <a:t>3</a:t>
             </a:fld>
             <a:endParaRPr lang="de-DE" altLang="de-DE" sz="1000">
               <a:latin typeface="Arial" panose="020B0604020202020204" pitchFamily="34" charset="0"/>
@@ -1192,524 +1195,6 @@
 </p:notes>
 </file>
 
-<file path=ppt/notesSlides/notesSlide2.xml><?xml version="1.0" encoding="utf-8"?>
-<p:notes xmlns:a="http://schemas.openxmlformats.org/drawingml/2006/main" xmlns:r="http://schemas.openxmlformats.org/officeDocument/2006/relationships" xmlns:p="http://schemas.openxmlformats.org/presentationml/2006/main">
-  <p:cSld>
-    <p:spTree>
-      <p:nvGrpSpPr>
-        <p:cNvPr id="1" name=""/>
-        <p:cNvGrpSpPr/>
-        <p:nvPr/>
-      </p:nvGrpSpPr>
-      <p:grpSpPr>
-        <a:xfrm>
-          <a:off x="0" y="0"/>
-          <a:ext cx="0" cy="0"/>
-          <a:chOff x="0" y="0"/>
-          <a:chExt cx="0" cy="0"/>
-        </a:xfrm>
-      </p:grpSpPr>
-      <p:sp>
-        <p:nvSpPr>
-          <p:cNvPr id="9218" name="Rectangle 5">
-            <a:extLst>
-              <a:ext uri="{FF2B5EF4-FFF2-40B4-BE49-F238E27FC236}">
-                <a16:creationId xmlns:a16="http://schemas.microsoft.com/office/drawing/2014/main" id="{CAB5EC0A-C9CC-A6BA-EE54-8860552589C9}"/>
-              </a:ext>
-            </a:extLst>
-          </p:cNvPr>
-          <p:cNvSpPr>
-            <a:spLocks noGrp="1" noChangeArrowheads="1"/>
-          </p:cNvSpPr>
-          <p:nvPr>
-            <p:ph type="sldNum" sz="quarter" idx="5"/>
-          </p:nvPr>
-        </p:nvSpPr>
-        <p:spPr>
-          <a:noFill/>
-          <a:ln/>
-          <a:extLst>
-            <a:ext uri="{909E8E84-426E-40DD-AFC4-6F175D3DCCD1}">
-              <a14:hiddenFill xmlns:a14="http://schemas.microsoft.com/office/drawing/2010/main">
-                <a:solidFill>
-                  <a:srgbClr val="FFFFFF"/>
-                </a:solidFill>
-              </a14:hiddenFill>
-            </a:ext>
-            <a:ext uri="{91240B29-F687-4F45-9708-019B960494DF}">
-              <a14:hiddenLine xmlns:a14="http://schemas.microsoft.com/office/drawing/2010/main" w="9525">
-                <a:solidFill>
-                  <a:srgbClr val="000000"/>
-                </a:solidFill>
-                <a:miter lim="800000"/>
-                <a:headEnd/>
-                <a:tailEnd/>
-              </a14:hiddenLine>
-            </a:ext>
-          </a:extLst>
-        </p:spPr>
-        <p:txBody>
-          <a:bodyPr/>
-          <a:lstStyle>
-            <a:lvl1pPr defTabSz="762000">
-              <a:defRPr sz="2400">
-                <a:solidFill>
-                  <a:schemeClr val="tx1"/>
-                </a:solidFill>
-                <a:latin typeface="Times New Roman" panose="02020603050405020304" pitchFamily="18" charset="0"/>
-              </a:defRPr>
-            </a:lvl1pPr>
-            <a:lvl2pPr marL="742950" indent="-285750" defTabSz="762000">
-              <a:defRPr sz="2400">
-                <a:solidFill>
-                  <a:schemeClr val="tx1"/>
-                </a:solidFill>
-                <a:latin typeface="Times New Roman" panose="02020603050405020304" pitchFamily="18" charset="0"/>
-              </a:defRPr>
-            </a:lvl2pPr>
-            <a:lvl3pPr marL="1143000" indent="-228600" defTabSz="762000">
-              <a:defRPr sz="2400">
-                <a:solidFill>
-                  <a:schemeClr val="tx1"/>
-                </a:solidFill>
-                <a:latin typeface="Times New Roman" panose="02020603050405020304" pitchFamily="18" charset="0"/>
-              </a:defRPr>
-            </a:lvl3pPr>
-            <a:lvl4pPr marL="1600200" indent="-228600" defTabSz="762000">
-              <a:defRPr sz="2400">
-                <a:solidFill>
-                  <a:schemeClr val="tx1"/>
-                </a:solidFill>
-                <a:latin typeface="Times New Roman" panose="02020603050405020304" pitchFamily="18" charset="0"/>
-              </a:defRPr>
-            </a:lvl4pPr>
-            <a:lvl5pPr marL="2057400" indent="-228600" defTabSz="762000">
-              <a:defRPr sz="2400">
-                <a:solidFill>
-                  <a:schemeClr val="tx1"/>
-                </a:solidFill>
-                <a:latin typeface="Times New Roman" panose="02020603050405020304" pitchFamily="18" charset="0"/>
-              </a:defRPr>
-            </a:lvl5pPr>
-            <a:lvl6pPr marL="2514600" indent="-228600" defTabSz="762000" eaLnBrk="0" fontAlgn="base" hangingPunct="0">
-              <a:spcBef>
-                <a:spcPct val="0"/>
-              </a:spcBef>
-              <a:spcAft>
-                <a:spcPct val="0"/>
-              </a:spcAft>
-              <a:defRPr sz="2400">
-                <a:solidFill>
-                  <a:schemeClr val="tx1"/>
-                </a:solidFill>
-                <a:latin typeface="Times New Roman" panose="02020603050405020304" pitchFamily="18" charset="0"/>
-              </a:defRPr>
-            </a:lvl6pPr>
-            <a:lvl7pPr marL="2971800" indent="-228600" defTabSz="762000" eaLnBrk="0" fontAlgn="base" hangingPunct="0">
-              <a:spcBef>
-                <a:spcPct val="0"/>
-              </a:spcBef>
-              <a:spcAft>
-                <a:spcPct val="0"/>
-              </a:spcAft>
-              <a:defRPr sz="2400">
-                <a:solidFill>
-                  <a:schemeClr val="tx1"/>
-                </a:solidFill>
-                <a:latin typeface="Times New Roman" panose="02020603050405020304" pitchFamily="18" charset="0"/>
-              </a:defRPr>
-            </a:lvl7pPr>
-            <a:lvl8pPr marL="3429000" indent="-228600" defTabSz="762000" eaLnBrk="0" fontAlgn="base" hangingPunct="0">
-              <a:spcBef>
-                <a:spcPct val="0"/>
-              </a:spcBef>
-              <a:spcAft>
-                <a:spcPct val="0"/>
-              </a:spcAft>
-              <a:defRPr sz="2400">
-                <a:solidFill>
-                  <a:schemeClr val="tx1"/>
-                </a:solidFill>
-                <a:latin typeface="Times New Roman" panose="02020603050405020304" pitchFamily="18" charset="0"/>
-              </a:defRPr>
-            </a:lvl8pPr>
-            <a:lvl9pPr marL="3886200" indent="-228600" defTabSz="762000" eaLnBrk="0" fontAlgn="base" hangingPunct="0">
-              <a:spcBef>
-                <a:spcPct val="0"/>
-              </a:spcBef>
-              <a:spcAft>
-                <a:spcPct val="0"/>
-              </a:spcAft>
-              <a:defRPr sz="2400">
-                <a:solidFill>
-                  <a:schemeClr val="tx1"/>
-                </a:solidFill>
-                <a:latin typeface="Times New Roman" panose="02020603050405020304" pitchFamily="18" charset="0"/>
-              </a:defRPr>
-            </a:lvl9pPr>
-          </a:lstStyle>
-          <a:p>
-            <a:fld id="{0DFA95FD-393F-42A8-A207-199B4A6476FA}" type="slidenum">
-              <a:rPr lang="de-DE" altLang="de-DE" sz="1000">
-                <a:latin typeface="Arial" panose="020B0604020202020204" pitchFamily="34" charset="0"/>
-              </a:rPr>
-              <a:pPr/>
-              <a:t>12</a:t>
-            </a:fld>
-            <a:endParaRPr lang="de-DE" altLang="de-DE" sz="1000">
-              <a:latin typeface="Arial" panose="020B0604020202020204" pitchFamily="34" charset="0"/>
-            </a:endParaRPr>
-          </a:p>
-        </p:txBody>
-      </p:sp>
-      <p:sp>
-        <p:nvSpPr>
-          <p:cNvPr id="9219" name="Rectangle 2">
-            <a:extLst>
-              <a:ext uri="{FF2B5EF4-FFF2-40B4-BE49-F238E27FC236}">
-                <a16:creationId xmlns:a16="http://schemas.microsoft.com/office/drawing/2014/main" id="{55ADAD09-5AD8-D6A8-82FA-8696898FF393}"/>
-              </a:ext>
-            </a:extLst>
-          </p:cNvPr>
-          <p:cNvSpPr>
-            <a:spLocks noGrp="1" noRot="1" noChangeAspect="1" noChangeArrowheads="1" noTextEdit="1"/>
-          </p:cNvSpPr>
-          <p:nvPr>
-            <p:ph type="sldImg"/>
-          </p:nvPr>
-        </p:nvSpPr>
-        <p:spPr>
-          <a:xfrm>
-            <a:off x="911225" y="744538"/>
-            <a:ext cx="4962525" cy="3722687"/>
-          </a:xfrm>
-          <a:ln/>
-        </p:spPr>
-      </p:sp>
-      <p:sp>
-        <p:nvSpPr>
-          <p:cNvPr id="9220" name="Rectangle 3">
-            <a:extLst>
-              <a:ext uri="{FF2B5EF4-FFF2-40B4-BE49-F238E27FC236}">
-                <a16:creationId xmlns:a16="http://schemas.microsoft.com/office/drawing/2014/main" id="{6CD01483-3634-269A-689A-A2F198F34B73}"/>
-              </a:ext>
-            </a:extLst>
-          </p:cNvPr>
-          <p:cNvSpPr>
-            <a:spLocks noGrp="1" noChangeArrowheads="1"/>
-          </p:cNvSpPr>
-          <p:nvPr>
-            <p:ph type="body" idx="1"/>
-          </p:nvPr>
-        </p:nvSpPr>
-        <p:spPr>
-          <a:xfrm>
-            <a:off x="679450" y="4713288"/>
-            <a:ext cx="5426075" cy="4464050"/>
-          </a:xfrm>
-          <a:noFill/>
-          <a:ln/>
-          <a:extLst>
-            <a:ext uri="{909E8E84-426E-40DD-AFC4-6F175D3DCCD1}">
-              <a14:hiddenFill xmlns:a14="http://schemas.microsoft.com/office/drawing/2010/main">
-                <a:solidFill>
-                  <a:srgbClr val="FFFFFF"/>
-                </a:solidFill>
-              </a14:hiddenFill>
-            </a:ext>
-            <a:ext uri="{91240B29-F687-4F45-9708-019B960494DF}">
-              <a14:hiddenLine xmlns:a14="http://schemas.microsoft.com/office/drawing/2010/main" w="9525">
-                <a:solidFill>
-                  <a:srgbClr val="000000"/>
-                </a:solidFill>
-                <a:miter lim="800000"/>
-                <a:headEnd/>
-                <a:tailEnd/>
-              </a14:hiddenLine>
-            </a:ext>
-          </a:extLst>
-        </p:spPr>
-        <p:txBody>
-          <a:bodyPr/>
-          <a:lstStyle/>
-          <a:p>
-            <a:pPr defTabSz="914400" eaLnBrk="1" hangingPunct="1"/>
-            <a:endParaRPr lang="de-DE" altLang="de-DE"/>
-          </a:p>
-        </p:txBody>
-      </p:sp>
-    </p:spTree>
-    <p:extLst>
-      <p:ext uri="{BB962C8B-B14F-4D97-AF65-F5344CB8AC3E}">
-        <p14:creationId xmlns:p14="http://schemas.microsoft.com/office/powerpoint/2010/main" val="855525040"/>
-      </p:ext>
-    </p:extLst>
-  </p:cSld>
-  <p:clrMapOvr>
-    <a:masterClrMapping/>
-  </p:clrMapOvr>
-</p:notes>
-</file>
-
-<file path=ppt/notesSlides/notesSlide3.xml><?xml version="1.0" encoding="utf-8"?>
-<p:notes xmlns:a="http://schemas.openxmlformats.org/drawingml/2006/main" xmlns:r="http://schemas.openxmlformats.org/officeDocument/2006/relationships" xmlns:p="http://schemas.openxmlformats.org/presentationml/2006/main">
-  <p:cSld>
-    <p:spTree>
-      <p:nvGrpSpPr>
-        <p:cNvPr id="1" name=""/>
-        <p:cNvGrpSpPr/>
-        <p:nvPr/>
-      </p:nvGrpSpPr>
-      <p:grpSpPr>
-        <a:xfrm>
-          <a:off x="0" y="0"/>
-          <a:ext cx="0" cy="0"/>
-          <a:chOff x="0" y="0"/>
-          <a:chExt cx="0" cy="0"/>
-        </a:xfrm>
-      </p:grpSpPr>
-      <p:sp>
-        <p:nvSpPr>
-          <p:cNvPr id="9218" name="Rectangle 5">
-            <a:extLst>
-              <a:ext uri="{FF2B5EF4-FFF2-40B4-BE49-F238E27FC236}">
-                <a16:creationId xmlns:a16="http://schemas.microsoft.com/office/drawing/2014/main" id="{CAB5EC0A-C9CC-A6BA-EE54-8860552589C9}"/>
-              </a:ext>
-            </a:extLst>
-          </p:cNvPr>
-          <p:cNvSpPr>
-            <a:spLocks noGrp="1" noChangeArrowheads="1"/>
-          </p:cNvSpPr>
-          <p:nvPr>
-            <p:ph type="sldNum" sz="quarter" idx="5"/>
-          </p:nvPr>
-        </p:nvSpPr>
-        <p:spPr>
-          <a:noFill/>
-          <a:ln/>
-          <a:extLst>
-            <a:ext uri="{909E8E84-426E-40DD-AFC4-6F175D3DCCD1}">
-              <a14:hiddenFill xmlns:a14="http://schemas.microsoft.com/office/drawing/2010/main">
-                <a:solidFill>
-                  <a:srgbClr val="FFFFFF"/>
-                </a:solidFill>
-              </a14:hiddenFill>
-            </a:ext>
-            <a:ext uri="{91240B29-F687-4F45-9708-019B960494DF}">
-              <a14:hiddenLine xmlns:a14="http://schemas.microsoft.com/office/drawing/2010/main" w="9525">
-                <a:solidFill>
-                  <a:srgbClr val="000000"/>
-                </a:solidFill>
-                <a:miter lim="800000"/>
-                <a:headEnd/>
-                <a:tailEnd/>
-              </a14:hiddenLine>
-            </a:ext>
-          </a:extLst>
-        </p:spPr>
-        <p:txBody>
-          <a:bodyPr/>
-          <a:lstStyle>
-            <a:lvl1pPr defTabSz="762000">
-              <a:defRPr sz="2400">
-                <a:solidFill>
-                  <a:schemeClr val="tx1"/>
-                </a:solidFill>
-                <a:latin typeface="Times New Roman" panose="02020603050405020304" pitchFamily="18" charset="0"/>
-              </a:defRPr>
-            </a:lvl1pPr>
-            <a:lvl2pPr marL="742950" indent="-285750" defTabSz="762000">
-              <a:defRPr sz="2400">
-                <a:solidFill>
-                  <a:schemeClr val="tx1"/>
-                </a:solidFill>
-                <a:latin typeface="Times New Roman" panose="02020603050405020304" pitchFamily="18" charset="0"/>
-              </a:defRPr>
-            </a:lvl2pPr>
-            <a:lvl3pPr marL="1143000" indent="-228600" defTabSz="762000">
-              <a:defRPr sz="2400">
-                <a:solidFill>
-                  <a:schemeClr val="tx1"/>
-                </a:solidFill>
-                <a:latin typeface="Times New Roman" panose="02020603050405020304" pitchFamily="18" charset="0"/>
-              </a:defRPr>
-            </a:lvl3pPr>
-            <a:lvl4pPr marL="1600200" indent="-228600" defTabSz="762000">
-              <a:defRPr sz="2400">
-                <a:solidFill>
-                  <a:schemeClr val="tx1"/>
-                </a:solidFill>
-                <a:latin typeface="Times New Roman" panose="02020603050405020304" pitchFamily="18" charset="0"/>
-              </a:defRPr>
-            </a:lvl4pPr>
-            <a:lvl5pPr marL="2057400" indent="-228600" defTabSz="762000">
-              <a:defRPr sz="2400">
-                <a:solidFill>
-                  <a:schemeClr val="tx1"/>
-                </a:solidFill>
-                <a:latin typeface="Times New Roman" panose="02020603050405020304" pitchFamily="18" charset="0"/>
-              </a:defRPr>
-            </a:lvl5pPr>
-            <a:lvl6pPr marL="2514600" indent="-228600" defTabSz="762000" eaLnBrk="0" fontAlgn="base" hangingPunct="0">
-              <a:spcBef>
-                <a:spcPct val="0"/>
-              </a:spcBef>
-              <a:spcAft>
-                <a:spcPct val="0"/>
-              </a:spcAft>
-              <a:defRPr sz="2400">
-                <a:solidFill>
-                  <a:schemeClr val="tx1"/>
-                </a:solidFill>
-                <a:latin typeface="Times New Roman" panose="02020603050405020304" pitchFamily="18" charset="0"/>
-              </a:defRPr>
-            </a:lvl6pPr>
-            <a:lvl7pPr marL="2971800" indent="-228600" defTabSz="762000" eaLnBrk="0" fontAlgn="base" hangingPunct="0">
-              <a:spcBef>
-                <a:spcPct val="0"/>
-              </a:spcBef>
-              <a:spcAft>
-                <a:spcPct val="0"/>
-              </a:spcAft>
-              <a:defRPr sz="2400">
-                <a:solidFill>
-                  <a:schemeClr val="tx1"/>
-                </a:solidFill>
-                <a:latin typeface="Times New Roman" panose="02020603050405020304" pitchFamily="18" charset="0"/>
-              </a:defRPr>
-            </a:lvl7pPr>
-            <a:lvl8pPr marL="3429000" indent="-228600" defTabSz="762000" eaLnBrk="0" fontAlgn="base" hangingPunct="0">
-              <a:spcBef>
-                <a:spcPct val="0"/>
-              </a:spcBef>
-              <a:spcAft>
-                <a:spcPct val="0"/>
-              </a:spcAft>
-              <a:defRPr sz="2400">
-                <a:solidFill>
-                  <a:schemeClr val="tx1"/>
-                </a:solidFill>
-                <a:latin typeface="Times New Roman" panose="02020603050405020304" pitchFamily="18" charset="0"/>
-              </a:defRPr>
-            </a:lvl8pPr>
-            <a:lvl9pPr marL="3886200" indent="-228600" defTabSz="762000" eaLnBrk="0" fontAlgn="base" hangingPunct="0">
-              <a:spcBef>
-                <a:spcPct val="0"/>
-              </a:spcBef>
-              <a:spcAft>
-                <a:spcPct val="0"/>
-              </a:spcAft>
-              <a:defRPr sz="2400">
-                <a:solidFill>
-                  <a:schemeClr val="tx1"/>
-                </a:solidFill>
-                <a:latin typeface="Times New Roman" panose="02020603050405020304" pitchFamily="18" charset="0"/>
-              </a:defRPr>
-            </a:lvl9pPr>
-          </a:lstStyle>
-          <a:p>
-            <a:fld id="{0DFA95FD-393F-42A8-A207-199B4A6476FA}" type="slidenum">
-              <a:rPr lang="de-DE" altLang="de-DE" sz="1000">
-                <a:latin typeface="Arial" panose="020B0604020202020204" pitchFamily="34" charset="0"/>
-              </a:rPr>
-              <a:pPr/>
-              <a:t>15</a:t>
-            </a:fld>
-            <a:endParaRPr lang="de-DE" altLang="de-DE" sz="1000">
-              <a:latin typeface="Arial" panose="020B0604020202020204" pitchFamily="34" charset="0"/>
-            </a:endParaRPr>
-          </a:p>
-        </p:txBody>
-      </p:sp>
-      <p:sp>
-        <p:nvSpPr>
-          <p:cNvPr id="9219" name="Rectangle 2">
-            <a:extLst>
-              <a:ext uri="{FF2B5EF4-FFF2-40B4-BE49-F238E27FC236}">
-                <a16:creationId xmlns:a16="http://schemas.microsoft.com/office/drawing/2014/main" id="{55ADAD09-5AD8-D6A8-82FA-8696898FF393}"/>
-              </a:ext>
-            </a:extLst>
-          </p:cNvPr>
-          <p:cNvSpPr>
-            <a:spLocks noGrp="1" noRot="1" noChangeAspect="1" noChangeArrowheads="1" noTextEdit="1"/>
-          </p:cNvSpPr>
-          <p:nvPr>
-            <p:ph type="sldImg"/>
-          </p:nvPr>
-        </p:nvSpPr>
-        <p:spPr>
-          <a:xfrm>
-            <a:off x="911225" y="744538"/>
-            <a:ext cx="4962525" cy="3722687"/>
-          </a:xfrm>
-          <a:ln/>
-        </p:spPr>
-      </p:sp>
-      <p:sp>
-        <p:nvSpPr>
-          <p:cNvPr id="9220" name="Rectangle 3">
-            <a:extLst>
-              <a:ext uri="{FF2B5EF4-FFF2-40B4-BE49-F238E27FC236}">
-                <a16:creationId xmlns:a16="http://schemas.microsoft.com/office/drawing/2014/main" id="{6CD01483-3634-269A-689A-A2F198F34B73}"/>
-              </a:ext>
-            </a:extLst>
-          </p:cNvPr>
-          <p:cNvSpPr>
-            <a:spLocks noGrp="1" noChangeArrowheads="1"/>
-          </p:cNvSpPr>
-          <p:nvPr>
-            <p:ph type="body" idx="1"/>
-          </p:nvPr>
-        </p:nvSpPr>
-        <p:spPr>
-          <a:xfrm>
-            <a:off x="679450" y="4713288"/>
-            <a:ext cx="5426075" cy="4464050"/>
-          </a:xfrm>
-          <a:noFill/>
-          <a:ln/>
-          <a:extLst>
-            <a:ext uri="{909E8E84-426E-40DD-AFC4-6F175D3DCCD1}">
-              <a14:hiddenFill xmlns:a14="http://schemas.microsoft.com/office/drawing/2010/main">
-                <a:solidFill>
-                  <a:srgbClr val="FFFFFF"/>
-                </a:solidFill>
-              </a14:hiddenFill>
-            </a:ext>
-            <a:ext uri="{91240B29-F687-4F45-9708-019B960494DF}">
-              <a14:hiddenLine xmlns:a14="http://schemas.microsoft.com/office/drawing/2010/main" w="9525">
-                <a:solidFill>
-                  <a:srgbClr val="000000"/>
-                </a:solidFill>
-                <a:miter lim="800000"/>
-                <a:headEnd/>
-                <a:tailEnd/>
-              </a14:hiddenLine>
-            </a:ext>
-          </a:extLst>
-        </p:spPr>
-        <p:txBody>
-          <a:bodyPr/>
-          <a:lstStyle/>
-          <a:p>
-            <a:pPr defTabSz="914400" eaLnBrk="1" hangingPunct="1"/>
-            <a:endParaRPr lang="de-DE" altLang="de-DE"/>
-          </a:p>
-        </p:txBody>
-      </p:sp>
-    </p:spTree>
-    <p:extLst>
-      <p:ext uri="{BB962C8B-B14F-4D97-AF65-F5344CB8AC3E}">
-        <p14:creationId xmlns:p14="http://schemas.microsoft.com/office/powerpoint/2010/main" val="1973493498"/>
-      </p:ext>
-    </p:extLst>
-  </p:cSld>
-  <p:clrMapOvr>
-    <a:masterClrMapping/>
-  </p:clrMapOvr>
-</p:notes>
-</file>
-
 <file path=ppt/slideLayouts/slideLayout1.xml><?xml version="1.0" encoding="utf-8"?>
 <p:sldLayout xmlns:a="http://schemas.openxmlformats.org/drawingml/2006/main" xmlns:r="http://schemas.openxmlformats.org/officeDocument/2006/relationships" xmlns:p="http://schemas.openxmlformats.org/presentationml/2006/main" type="obj" preserve="1">
   <p:cSld name="Titel und Inhalt">
@@ -1865,6 +1350,132 @@
 </file>
 
 <file path=ppt/slideLayouts/slideLayout2.xml><?xml version="1.0" encoding="utf-8"?>
+<p:sldLayout xmlns:a="http://schemas.openxmlformats.org/drawingml/2006/main" xmlns:r="http://schemas.openxmlformats.org/officeDocument/2006/relationships" xmlns:p="http://schemas.openxmlformats.org/presentationml/2006/main" type="secHead">
+  <p:cSld name="Abschnittsüberschrift">
+    <p:spTree>
+      <p:nvGrpSpPr>
+        <p:cNvPr id="1" name=""/>
+        <p:cNvGrpSpPr/>
+        <p:nvPr/>
+      </p:nvGrpSpPr>
+      <p:grpSpPr>
+        <a:xfrm>
+          <a:off x="0" y="0"/>
+          <a:ext cx="0" cy="0"/>
+          <a:chOff x="0" y="0"/>
+          <a:chExt cx="0" cy="0"/>
+        </a:xfrm>
+      </p:grpSpPr>
+      <p:sp>
+        <p:nvSpPr>
+          <p:cNvPr id="2" name="Titel 1"/>
+          <p:cNvSpPr>
+            <a:spLocks noGrp="1"/>
+          </p:cNvSpPr>
+          <p:nvPr>
+            <p:ph type="title"/>
+          </p:nvPr>
+        </p:nvSpPr>
+        <p:spPr>
+          <a:xfrm>
+            <a:off x="722313" y="4406900"/>
+            <a:ext cx="7772400" cy="1362075"/>
+          </a:xfrm>
+        </p:spPr>
+        <p:txBody>
+          <a:bodyPr anchor="t"/>
+          <a:lstStyle>
+            <a:lvl1pPr algn="l">
+              <a:defRPr sz="4000" b="1" cap="all"/>
+            </a:lvl1pPr>
+          </a:lstStyle>
+          <a:p>
+            <a:r>
+              <a:rPr lang="de-DE" dirty="0"/>
+              <a:t>Titelmasterformat durch Klicken bearbeiten</a:t>
+            </a:r>
+          </a:p>
+        </p:txBody>
+      </p:sp>
+      <p:sp>
+        <p:nvSpPr>
+          <p:cNvPr id="3" name="Textplatzhalter 2"/>
+          <p:cNvSpPr>
+            <a:spLocks noGrp="1"/>
+          </p:cNvSpPr>
+          <p:nvPr>
+            <p:ph type="body" idx="1"/>
+          </p:nvPr>
+        </p:nvSpPr>
+        <p:spPr>
+          <a:xfrm>
+            <a:off x="722313" y="2906713"/>
+            <a:ext cx="7772400" cy="1500187"/>
+          </a:xfrm>
+        </p:spPr>
+        <p:txBody>
+          <a:bodyPr anchor="b"/>
+          <a:lstStyle>
+            <a:lvl1pPr marL="0" indent="0">
+              <a:buNone/>
+              <a:defRPr sz="2000"/>
+            </a:lvl1pPr>
+            <a:lvl2pPr marL="457200" indent="0">
+              <a:buNone/>
+              <a:defRPr sz="1800"/>
+            </a:lvl2pPr>
+            <a:lvl3pPr marL="914400" indent="0">
+              <a:buNone/>
+              <a:defRPr sz="1600"/>
+            </a:lvl3pPr>
+            <a:lvl4pPr marL="1371600" indent="0">
+              <a:buNone/>
+              <a:defRPr sz="1400"/>
+            </a:lvl4pPr>
+            <a:lvl5pPr marL="1828800" indent="0">
+              <a:buNone/>
+              <a:defRPr sz="1400"/>
+            </a:lvl5pPr>
+            <a:lvl6pPr marL="2286000" indent="0">
+              <a:buNone/>
+              <a:defRPr sz="1400"/>
+            </a:lvl6pPr>
+            <a:lvl7pPr marL="2743200" indent="0">
+              <a:buNone/>
+              <a:defRPr sz="1400"/>
+            </a:lvl7pPr>
+            <a:lvl8pPr marL="3200400" indent="0">
+              <a:buNone/>
+              <a:defRPr sz="1400"/>
+            </a:lvl8pPr>
+            <a:lvl9pPr marL="3657600" indent="0">
+              <a:buNone/>
+              <a:defRPr sz="1400"/>
+            </a:lvl9pPr>
+          </a:lstStyle>
+          <a:p>
+            <a:pPr lvl="0"/>
+            <a:r>
+              <a:rPr lang="de-DE"/>
+              <a:t>Textmasterformate durch Klicken bearbeiten</a:t>
+            </a:r>
+          </a:p>
+        </p:txBody>
+      </p:sp>
+    </p:spTree>
+    <p:extLst>
+      <p:ext uri="{BB962C8B-B14F-4D97-AF65-F5344CB8AC3E}">
+        <p14:creationId xmlns:p14="http://schemas.microsoft.com/office/powerpoint/2010/main" val="2555603350"/>
+      </p:ext>
+    </p:extLst>
+  </p:cSld>
+  <p:clrMapOvr>
+    <a:masterClrMapping/>
+  </p:clrMapOvr>
+</p:sldLayout>
+</file>
+
+<file path=ppt/slideLayouts/slideLayout3.xml><?xml version="1.0" encoding="utf-8"?>
 <p:sldLayout xmlns:a="http://schemas.openxmlformats.org/drawingml/2006/main" xmlns:r="http://schemas.openxmlformats.org/officeDocument/2006/relationships" xmlns:p="http://schemas.openxmlformats.org/presentationml/2006/main" preserve="1" userDrawn="1">
   <p:cSld name="Titelfolie">
     <p:spTree>
@@ -1930,6 +1541,241 @@
     <p:extLst>
       <p:ext uri="{BB962C8B-B14F-4D97-AF65-F5344CB8AC3E}">
         <p14:creationId xmlns:p14="http://schemas.microsoft.com/office/powerpoint/2010/main" val="1327672931"/>
+      </p:ext>
+    </p:extLst>
+  </p:cSld>
+  <p:clrMapOvr>
+    <a:masterClrMapping/>
+  </p:clrMapOvr>
+</p:sldLayout>
+</file>
+
+<file path=ppt/slideLayouts/slideLayout4.xml><?xml version="1.0" encoding="utf-8"?>
+<p:sldLayout xmlns:a="http://schemas.openxmlformats.org/drawingml/2006/main" xmlns:r="http://schemas.openxmlformats.org/officeDocument/2006/relationships" xmlns:p="http://schemas.openxmlformats.org/presentationml/2006/main" type="obj" preserve="1">
+  <p:cSld name="Titel und Inhalt">
+    <p:spTree>
+      <p:nvGrpSpPr>
+        <p:cNvPr id="1" name=""/>
+        <p:cNvGrpSpPr/>
+        <p:nvPr/>
+      </p:nvGrpSpPr>
+      <p:grpSpPr>
+        <a:xfrm>
+          <a:off x="0" y="0"/>
+          <a:ext cx="0" cy="0"/>
+          <a:chOff x="0" y="0"/>
+          <a:chExt cx="0" cy="0"/>
+        </a:xfrm>
+      </p:grpSpPr>
+      <p:sp>
+        <p:nvSpPr>
+          <p:cNvPr id="2" name="Titel 1"/>
+          <p:cNvSpPr>
+            <a:spLocks noGrp="1"/>
+          </p:cNvSpPr>
+          <p:nvPr>
+            <p:ph type="title"/>
+          </p:nvPr>
+        </p:nvSpPr>
+        <p:spPr>
+          <a:xfrm>
+            <a:off x="285720" y="150795"/>
+            <a:ext cx="5554663" cy="706437"/>
+          </a:xfrm>
+        </p:spPr>
+        <p:txBody>
+          <a:bodyPr/>
+          <a:lstStyle/>
+          <a:p>
+            <a:r>
+              <a:rPr lang="de-DE"/>
+              <a:t>Mastertitelformat bearbeiten</a:t>
+            </a:r>
+          </a:p>
+        </p:txBody>
+      </p:sp>
+      <p:sp>
+        <p:nvSpPr>
+          <p:cNvPr id="3" name="Inhaltsplatzhalter 2"/>
+          <p:cNvSpPr>
+            <a:spLocks noGrp="1"/>
+          </p:cNvSpPr>
+          <p:nvPr>
+            <p:ph idx="1"/>
+          </p:nvPr>
+        </p:nvSpPr>
+        <p:spPr/>
+        <p:txBody>
+          <a:bodyPr/>
+          <a:lstStyle/>
+          <a:p>
+            <a:pPr lvl="0"/>
+            <a:r>
+              <a:rPr lang="de-DE"/>
+              <a:t>Mastertextformat bearbeiten</a:t>
+            </a:r>
+          </a:p>
+          <a:p>
+            <a:pPr lvl="1"/>
+            <a:r>
+              <a:rPr lang="de-DE"/>
+              <a:t>Zweite Ebene</a:t>
+            </a:r>
+          </a:p>
+          <a:p>
+            <a:pPr lvl="2"/>
+            <a:r>
+              <a:rPr lang="de-DE"/>
+              <a:t>Dritte Ebene</a:t>
+            </a:r>
+          </a:p>
+          <a:p>
+            <a:pPr lvl="3"/>
+            <a:r>
+              <a:rPr lang="de-DE"/>
+              <a:t>Vierte Ebene</a:t>
+            </a:r>
+          </a:p>
+          <a:p>
+            <a:pPr lvl="4"/>
+            <a:r>
+              <a:rPr lang="de-DE"/>
+              <a:t>Fünfte Ebene</a:t>
+            </a:r>
+            <a:endParaRPr lang="de-DE" dirty="0"/>
+          </a:p>
+        </p:txBody>
+      </p:sp>
+    </p:spTree>
+    <p:extLst>
+      <p:ext uri="{BB962C8B-B14F-4D97-AF65-F5344CB8AC3E}">
+        <p14:creationId xmlns:p14="http://schemas.microsoft.com/office/powerpoint/2010/main" val="134863707"/>
+      </p:ext>
+    </p:extLst>
+  </p:cSld>
+  <p:clrMapOvr>
+    <a:masterClrMapping/>
+  </p:clrMapOvr>
+</p:sldLayout>
+</file>
+
+<file path=ppt/slideLayouts/slideLayout5.xml><?xml version="1.0" encoding="utf-8"?>
+<p:sldLayout xmlns:a="http://schemas.openxmlformats.org/drawingml/2006/main" xmlns:r="http://schemas.openxmlformats.org/officeDocument/2006/relationships" xmlns:p="http://schemas.openxmlformats.org/presentationml/2006/main" type="secHead">
+  <p:cSld name="Abschnittsüberschrift">
+    <p:spTree>
+      <p:nvGrpSpPr>
+        <p:cNvPr id="1" name=""/>
+        <p:cNvGrpSpPr/>
+        <p:nvPr/>
+      </p:nvGrpSpPr>
+      <p:grpSpPr>
+        <a:xfrm>
+          <a:off x="0" y="0"/>
+          <a:ext cx="0" cy="0"/>
+          <a:chOff x="0" y="0"/>
+          <a:chExt cx="0" cy="0"/>
+        </a:xfrm>
+      </p:grpSpPr>
+      <p:sp>
+        <p:nvSpPr>
+          <p:cNvPr id="2" name="Titel 1"/>
+          <p:cNvSpPr>
+            <a:spLocks noGrp="1"/>
+          </p:cNvSpPr>
+          <p:nvPr>
+            <p:ph type="title"/>
+          </p:nvPr>
+        </p:nvSpPr>
+        <p:spPr>
+          <a:xfrm>
+            <a:off x="722313" y="4406900"/>
+            <a:ext cx="7772400" cy="1362075"/>
+          </a:xfrm>
+        </p:spPr>
+        <p:txBody>
+          <a:bodyPr anchor="t"/>
+          <a:lstStyle>
+            <a:lvl1pPr algn="l">
+              <a:defRPr sz="4000" b="1" cap="all"/>
+            </a:lvl1pPr>
+          </a:lstStyle>
+          <a:p>
+            <a:r>
+              <a:rPr lang="de-DE" dirty="0"/>
+              <a:t>Titelmasterformat durch Klicken bearbeiten</a:t>
+            </a:r>
+          </a:p>
+        </p:txBody>
+      </p:sp>
+      <p:sp>
+        <p:nvSpPr>
+          <p:cNvPr id="3" name="Textplatzhalter 2"/>
+          <p:cNvSpPr>
+            <a:spLocks noGrp="1"/>
+          </p:cNvSpPr>
+          <p:nvPr>
+            <p:ph type="body" idx="1"/>
+          </p:nvPr>
+        </p:nvSpPr>
+        <p:spPr>
+          <a:xfrm>
+            <a:off x="722313" y="2906713"/>
+            <a:ext cx="7772400" cy="1500187"/>
+          </a:xfrm>
+        </p:spPr>
+        <p:txBody>
+          <a:bodyPr anchor="b"/>
+          <a:lstStyle>
+            <a:lvl1pPr marL="0" indent="0">
+              <a:buNone/>
+              <a:defRPr sz="2000"/>
+            </a:lvl1pPr>
+            <a:lvl2pPr marL="457200" indent="0">
+              <a:buNone/>
+              <a:defRPr sz="1800"/>
+            </a:lvl2pPr>
+            <a:lvl3pPr marL="914400" indent="0">
+              <a:buNone/>
+              <a:defRPr sz="1600"/>
+            </a:lvl3pPr>
+            <a:lvl4pPr marL="1371600" indent="0">
+              <a:buNone/>
+              <a:defRPr sz="1400"/>
+            </a:lvl4pPr>
+            <a:lvl5pPr marL="1828800" indent="0">
+              <a:buNone/>
+              <a:defRPr sz="1400"/>
+            </a:lvl5pPr>
+            <a:lvl6pPr marL="2286000" indent="0">
+              <a:buNone/>
+              <a:defRPr sz="1400"/>
+            </a:lvl6pPr>
+            <a:lvl7pPr marL="2743200" indent="0">
+              <a:buNone/>
+              <a:defRPr sz="1400"/>
+            </a:lvl7pPr>
+            <a:lvl8pPr marL="3200400" indent="0">
+              <a:buNone/>
+              <a:defRPr sz="1400"/>
+            </a:lvl8pPr>
+            <a:lvl9pPr marL="3657600" indent="0">
+              <a:buNone/>
+              <a:defRPr sz="1400"/>
+            </a:lvl9pPr>
+          </a:lstStyle>
+          <a:p>
+            <a:pPr lvl="0"/>
+            <a:r>
+              <a:rPr lang="de-DE"/>
+              <a:t>Textmasterformate durch Klicken bearbeiten</a:t>
+            </a:r>
+          </a:p>
+        </p:txBody>
+      </p:sp>
+    </p:spTree>
+    <p:extLst>
+      <p:ext uri="{BB962C8B-B14F-4D97-AF65-F5344CB8AC3E}">
+        <p14:creationId xmlns:p14="http://schemas.microsoft.com/office/powerpoint/2010/main" val="343108744"/>
       </p:ext>
     </p:extLst>
   </p:cSld>
@@ -2104,7 +1950,7 @@
               <a:pPr algn="ctr">
                 <a:defRPr/>
               </a:pPr>
-              <a:t>28.05.2024</a:t>
+              <a:t>06.06.2024</a:t>
             </a:fld>
             <a:endParaRPr lang="de-DE" sz="1000" dirty="0">
               <a:solidFill>
@@ -2542,7 +2388,7 @@
       <p:sp>
         <p:nvSpPr>
           <p:cNvPr id="1063" name="Rectangle 39">
-            <a:hlinkClick r:id="rId3"/>
+            <a:hlinkClick r:id="rId4"/>
             <a:extLst>
               <a:ext uri="{FF2B5EF4-FFF2-40B4-BE49-F238E27FC236}">
                 <a16:creationId xmlns:a16="http://schemas.microsoft.com/office/drawing/2014/main" id="{613611E0-DAA0-F230-CD0B-8592F1472163}"/>
@@ -2793,7 +2639,7 @@
           <p:nvPr userDrawn="1"/>
         </p:nvPicPr>
         <p:blipFill>
-          <a:blip r:embed="rId4">
+          <a:blip r:embed="rId5">
             <a:extLst>
               <a:ext uri="{28A0092B-C50C-407E-A947-70E740481C1C}">
                 <a14:useLocalDpi xmlns:a14="http://schemas.microsoft.com/office/drawing/2010/main" val="0"/>
@@ -2853,7 +2699,7 @@
           <p:nvPr userDrawn="1"/>
         </p:nvPicPr>
         <p:blipFill>
-          <a:blip r:embed="rId5">
+          <a:blip r:embed="rId6">
             <a:extLst>
               <a:ext uri="{28A0092B-C50C-407E-A947-70E740481C1C}">
                 <a14:useLocalDpi xmlns:a14="http://schemas.microsoft.com/office/drawing/2010/main" val="0"/>
@@ -2967,6 +2813,7 @@
   <p:clrMap bg1="lt1" tx1="dk1" bg2="lt2" tx2="dk2" accent1="accent1" accent2="accent2" accent3="accent3" accent4="accent4" accent5="accent5" accent6="accent6" hlink="hlink" folHlink="folHlink"/>
   <p:sldLayoutIdLst>
     <p:sldLayoutId id="2147483895" r:id="rId1"/>
+    <p:sldLayoutId id="2147483900" r:id="rId2"/>
   </p:sldLayoutIdLst>
   <p:txStyles>
     <p:titleStyle>
@@ -4045,6 +3892,1452 @@
 </p:sldMaster>
 </file>
 
+<file path=ppt/slideMasters/slideMaster3.xml><?xml version="1.0" encoding="utf-8"?>
+<p:sldMaster xmlns:a="http://schemas.openxmlformats.org/drawingml/2006/main" xmlns:r="http://schemas.openxmlformats.org/officeDocument/2006/relationships" xmlns:p="http://schemas.openxmlformats.org/presentationml/2006/main">
+  <p:cSld>
+    <p:bg>
+      <p:bgPr>
+        <a:solidFill>
+          <a:schemeClr val="bg1"/>
+        </a:solidFill>
+        <a:effectLst/>
+      </p:bgPr>
+    </p:bg>
+    <p:spTree>
+      <p:nvGrpSpPr>
+        <p:cNvPr id="1" name=""/>
+        <p:cNvGrpSpPr/>
+        <p:nvPr/>
+      </p:nvGrpSpPr>
+      <p:grpSpPr>
+        <a:xfrm>
+          <a:off x="0" y="0"/>
+          <a:ext cx="0" cy="0"/>
+          <a:chOff x="0" y="0"/>
+          <a:chExt cx="0" cy="0"/>
+        </a:xfrm>
+      </p:grpSpPr>
+      <p:sp>
+        <p:nvSpPr>
+          <p:cNvPr id="1071" name="Rectangle 47">
+            <a:extLst>
+              <a:ext uri="{FF2B5EF4-FFF2-40B4-BE49-F238E27FC236}">
+                <a16:creationId xmlns:a16="http://schemas.microsoft.com/office/drawing/2014/main" id="{BAECF73F-51DF-FDBE-6AE5-F37C2B1BD435}"/>
+              </a:ext>
+            </a:extLst>
+          </p:cNvPr>
+          <p:cNvSpPr>
+            <a:spLocks noChangeArrowheads="1"/>
+          </p:cNvSpPr>
+          <p:nvPr userDrawn="1"/>
+        </p:nvSpPr>
+        <p:spPr bwMode="auto">
+          <a:xfrm>
+            <a:off x="0" y="6453188"/>
+            <a:ext cx="9144000" cy="404812"/>
+          </a:xfrm>
+          <a:prstGeom prst="rect">
+            <a:avLst/>
+          </a:prstGeom>
+          <a:solidFill>
+            <a:srgbClr val="0D4F3C"/>
+          </a:solidFill>
+          <a:ln w="9525">
+            <a:noFill/>
+            <a:miter lim="800000"/>
+            <a:headEnd/>
+            <a:tailEnd/>
+          </a:ln>
+          <a:effectLst/>
+        </p:spPr>
+        <p:txBody>
+          <a:bodyPr wrap="none" anchor="ctr"/>
+          <a:lstStyle/>
+          <a:p>
+            <a:pPr>
+              <a:defRPr/>
+            </a:pPr>
+            <a:endParaRPr lang="de-DE" dirty="0">
+              <a:latin typeface="Arial" pitchFamily="34" charset="0"/>
+            </a:endParaRPr>
+          </a:p>
+        </p:txBody>
+      </p:sp>
+      <p:sp>
+        <p:nvSpPr>
+          <p:cNvPr id="1029" name="Rectangle 5">
+            <a:extLst>
+              <a:ext uri="{FF2B5EF4-FFF2-40B4-BE49-F238E27FC236}">
+                <a16:creationId xmlns:a16="http://schemas.microsoft.com/office/drawing/2014/main" id="{05F4B649-D280-50F3-C67E-6AAA9D00BFF3}"/>
+              </a:ext>
+            </a:extLst>
+          </p:cNvPr>
+          <p:cNvSpPr>
+            <a:spLocks noChangeArrowheads="1"/>
+          </p:cNvSpPr>
+          <p:nvPr/>
+        </p:nvSpPr>
+        <p:spPr bwMode="auto">
+          <a:xfrm>
+            <a:off x="7924800" y="457200"/>
+            <a:ext cx="895350" cy="457200"/>
+          </a:xfrm>
+          <a:prstGeom prst="rect">
+            <a:avLst/>
+          </a:prstGeom>
+          <a:noFill/>
+          <a:ln w="9525">
+            <a:noFill/>
+            <a:miter lim="800000"/>
+            <a:headEnd/>
+            <a:tailEnd/>
+          </a:ln>
+          <a:effectLst/>
+        </p:spPr>
+        <p:txBody>
+          <a:bodyPr wrap="none" anchor="ctr"/>
+          <a:lstStyle/>
+          <a:p>
+            <a:pPr>
+              <a:defRPr/>
+            </a:pPr>
+            <a:endParaRPr lang="de-DE" dirty="0">
+              <a:latin typeface="Arial" pitchFamily="34" charset="0"/>
+            </a:endParaRPr>
+          </a:p>
+        </p:txBody>
+      </p:sp>
+      <p:sp>
+        <p:nvSpPr>
+          <p:cNvPr id="1030" name="Rectangle 6">
+            <a:extLst>
+              <a:ext uri="{FF2B5EF4-FFF2-40B4-BE49-F238E27FC236}">
+                <a16:creationId xmlns:a16="http://schemas.microsoft.com/office/drawing/2014/main" id="{84F4050C-4DDC-EEE7-1F55-0CF6892CBFB1}"/>
+              </a:ext>
+            </a:extLst>
+          </p:cNvPr>
+          <p:cNvSpPr>
+            <a:spLocks noChangeArrowheads="1"/>
+          </p:cNvSpPr>
+          <p:nvPr/>
+        </p:nvSpPr>
+        <p:spPr bwMode="auto">
+          <a:xfrm>
+            <a:off x="4456113" y="6615113"/>
+            <a:ext cx="812800" cy="244475"/>
+          </a:xfrm>
+          <a:prstGeom prst="rect">
+            <a:avLst/>
+          </a:prstGeom>
+          <a:noFill/>
+          <a:ln w="9525">
+            <a:noFill/>
+            <a:miter lim="800000"/>
+            <a:headEnd/>
+            <a:tailEnd/>
+          </a:ln>
+          <a:effectLst/>
+        </p:spPr>
+        <p:txBody>
+          <a:bodyPr wrap="none" lIns="92075" tIns="46038" rIns="92075" bIns="46038" anchor="ctr">
+            <a:spAutoFit/>
+          </a:bodyPr>
+          <a:lstStyle/>
+          <a:p>
+            <a:pPr algn="ctr">
+              <a:defRPr/>
+            </a:pPr>
+            <a:fld id="{61B3D086-5D28-4B67-8868-985D0752D18E}" type="datetime1">
+              <a:rPr lang="de-DE" sz="1000">
+                <a:solidFill>
+                  <a:schemeClr val="bg1"/>
+                </a:solidFill>
+                <a:latin typeface="Arial" charset="0"/>
+              </a:rPr>
+              <a:pPr algn="ctr">
+                <a:defRPr/>
+              </a:pPr>
+              <a:t>06.06.2024</a:t>
+            </a:fld>
+            <a:endParaRPr lang="de-DE" sz="1000">
+              <a:solidFill>
+                <a:schemeClr val="bg1"/>
+              </a:solidFill>
+              <a:latin typeface="Arial" charset="0"/>
+            </a:endParaRPr>
+          </a:p>
+        </p:txBody>
+      </p:sp>
+      <p:sp>
+        <p:nvSpPr>
+          <p:cNvPr id="1031" name="Rectangle 7">
+            <a:extLst>
+              <a:ext uri="{FF2B5EF4-FFF2-40B4-BE49-F238E27FC236}">
+                <a16:creationId xmlns:a16="http://schemas.microsoft.com/office/drawing/2014/main" id="{F275FE2A-62CE-89A3-6F74-188DBF7725EF}"/>
+              </a:ext>
+            </a:extLst>
+          </p:cNvPr>
+          <p:cNvSpPr>
+            <a:spLocks noChangeArrowheads="1"/>
+          </p:cNvSpPr>
+          <p:nvPr/>
+        </p:nvSpPr>
+        <p:spPr bwMode="auto">
+          <a:xfrm>
+            <a:off x="8308975" y="6515100"/>
+            <a:ext cx="439738" cy="244475"/>
+          </a:xfrm>
+          <a:prstGeom prst="rect">
+            <a:avLst/>
+          </a:prstGeom>
+          <a:noFill/>
+          <a:ln w="9525">
+            <a:noFill/>
+            <a:miter lim="800000"/>
+            <a:headEnd/>
+            <a:tailEnd/>
+          </a:ln>
+          <a:effectLst/>
+        </p:spPr>
+        <p:txBody>
+          <a:bodyPr wrap="none" lIns="92075" tIns="46038" rIns="92075" bIns="46038" anchor="ctr">
+            <a:spAutoFit/>
+          </a:bodyPr>
+          <a:lstStyle>
+            <a:lvl1pPr>
+              <a:defRPr sz="2400">
+                <a:solidFill>
+                  <a:schemeClr val="tx1"/>
+                </a:solidFill>
+                <a:latin typeface="Times New Roman" panose="02020603050405020304" pitchFamily="18" charset="0"/>
+              </a:defRPr>
+            </a:lvl1pPr>
+            <a:lvl2pPr marL="742950" indent="-285750">
+              <a:defRPr sz="2400">
+                <a:solidFill>
+                  <a:schemeClr val="tx1"/>
+                </a:solidFill>
+                <a:latin typeface="Times New Roman" panose="02020603050405020304" pitchFamily="18" charset="0"/>
+              </a:defRPr>
+            </a:lvl2pPr>
+            <a:lvl3pPr marL="1143000" indent="-228600">
+              <a:defRPr sz="2400">
+                <a:solidFill>
+                  <a:schemeClr val="tx1"/>
+                </a:solidFill>
+                <a:latin typeface="Times New Roman" panose="02020603050405020304" pitchFamily="18" charset="0"/>
+              </a:defRPr>
+            </a:lvl3pPr>
+            <a:lvl4pPr marL="1600200" indent="-228600">
+              <a:defRPr sz="2400">
+                <a:solidFill>
+                  <a:schemeClr val="tx1"/>
+                </a:solidFill>
+                <a:latin typeface="Times New Roman" panose="02020603050405020304" pitchFamily="18" charset="0"/>
+              </a:defRPr>
+            </a:lvl4pPr>
+            <a:lvl5pPr marL="2057400" indent="-228600">
+              <a:defRPr sz="2400">
+                <a:solidFill>
+                  <a:schemeClr val="tx1"/>
+                </a:solidFill>
+                <a:latin typeface="Times New Roman" panose="02020603050405020304" pitchFamily="18" charset="0"/>
+              </a:defRPr>
+            </a:lvl5pPr>
+            <a:lvl6pPr marL="2514600" indent="-228600" eaLnBrk="0" fontAlgn="base" hangingPunct="0">
+              <a:spcBef>
+                <a:spcPct val="0"/>
+              </a:spcBef>
+              <a:spcAft>
+                <a:spcPct val="0"/>
+              </a:spcAft>
+              <a:defRPr sz="2400">
+                <a:solidFill>
+                  <a:schemeClr val="tx1"/>
+                </a:solidFill>
+                <a:latin typeface="Times New Roman" panose="02020603050405020304" pitchFamily="18" charset="0"/>
+              </a:defRPr>
+            </a:lvl6pPr>
+            <a:lvl7pPr marL="2971800" indent="-228600" eaLnBrk="0" fontAlgn="base" hangingPunct="0">
+              <a:spcBef>
+                <a:spcPct val="0"/>
+              </a:spcBef>
+              <a:spcAft>
+                <a:spcPct val="0"/>
+              </a:spcAft>
+              <a:defRPr sz="2400">
+                <a:solidFill>
+                  <a:schemeClr val="tx1"/>
+                </a:solidFill>
+                <a:latin typeface="Times New Roman" panose="02020603050405020304" pitchFamily="18" charset="0"/>
+              </a:defRPr>
+            </a:lvl7pPr>
+            <a:lvl8pPr marL="3429000" indent="-228600" eaLnBrk="0" fontAlgn="base" hangingPunct="0">
+              <a:spcBef>
+                <a:spcPct val="0"/>
+              </a:spcBef>
+              <a:spcAft>
+                <a:spcPct val="0"/>
+              </a:spcAft>
+              <a:defRPr sz="2400">
+                <a:solidFill>
+                  <a:schemeClr val="tx1"/>
+                </a:solidFill>
+                <a:latin typeface="Times New Roman" panose="02020603050405020304" pitchFamily="18" charset="0"/>
+              </a:defRPr>
+            </a:lvl8pPr>
+            <a:lvl9pPr marL="3886200" indent="-228600" eaLnBrk="0" fontAlgn="base" hangingPunct="0">
+              <a:spcBef>
+                <a:spcPct val="0"/>
+              </a:spcBef>
+              <a:spcAft>
+                <a:spcPct val="0"/>
+              </a:spcAft>
+              <a:defRPr sz="2400">
+                <a:solidFill>
+                  <a:schemeClr val="tx1"/>
+                </a:solidFill>
+                <a:latin typeface="Times New Roman" panose="02020603050405020304" pitchFamily="18" charset="0"/>
+              </a:defRPr>
+            </a:lvl9pPr>
+          </a:lstStyle>
+          <a:p>
+            <a:pPr algn="r"/>
+            <a:fld id="{412D5C9A-5062-4B85-AFEB-13425A69A721}" type="slidenum">
+              <a:rPr lang="de-DE" altLang="de-DE" sz="1000">
+                <a:solidFill>
+                  <a:schemeClr val="bg1"/>
+                </a:solidFill>
+                <a:latin typeface="Arial" panose="020B0604020202020204" pitchFamily="34" charset="0"/>
+              </a:rPr>
+              <a:pPr algn="r"/>
+              <a:t>‹Nr.›</a:t>
+            </a:fld>
+            <a:endParaRPr lang="de-DE" altLang="de-DE" sz="1000">
+              <a:solidFill>
+                <a:schemeClr val="bg1"/>
+              </a:solidFill>
+              <a:latin typeface="Arial" panose="020B0604020202020204" pitchFamily="34" charset="0"/>
+            </a:endParaRPr>
+          </a:p>
+        </p:txBody>
+      </p:sp>
+      <p:sp>
+        <p:nvSpPr>
+          <p:cNvPr id="2" name="Rectangle 9">
+            <a:extLst>
+              <a:ext uri="{FF2B5EF4-FFF2-40B4-BE49-F238E27FC236}">
+                <a16:creationId xmlns:a16="http://schemas.microsoft.com/office/drawing/2014/main" id="{2C8B5109-8C77-C5A8-61F4-5A9D9A719833}"/>
+              </a:ext>
+            </a:extLst>
+          </p:cNvPr>
+          <p:cNvSpPr>
+            <a:spLocks noGrp="1" noChangeArrowheads="1"/>
+          </p:cNvSpPr>
+          <p:nvPr>
+            <p:ph type="body" idx="1"/>
+          </p:nvPr>
+        </p:nvSpPr>
+        <p:spPr bwMode="auto">
+          <a:xfrm>
+            <a:off x="303213" y="981075"/>
+            <a:ext cx="8516937" cy="5400675"/>
+          </a:xfrm>
+          <a:prstGeom prst="rect">
+            <a:avLst/>
+          </a:prstGeom>
+          <a:noFill/>
+          <a:ln>
+            <a:noFill/>
+          </a:ln>
+          <a:extLst>
+            <a:ext uri="{909E8E84-426E-40DD-AFC4-6F175D3DCCD1}">
+              <a14:hiddenFill xmlns:a14="http://schemas.microsoft.com/office/drawing/2010/main">
+                <a:solidFill>
+                  <a:srgbClr val="FFFFFF"/>
+                </a:solidFill>
+              </a14:hiddenFill>
+            </a:ext>
+            <a:ext uri="{91240B29-F687-4F45-9708-019B960494DF}">
+              <a14:hiddenLine xmlns:a14="http://schemas.microsoft.com/office/drawing/2010/main" w="9525">
+                <a:solidFill>
+                  <a:srgbClr val="000000"/>
+                </a:solidFill>
+                <a:miter lim="800000"/>
+                <a:headEnd/>
+                <a:tailEnd/>
+              </a14:hiddenLine>
+            </a:ext>
+          </a:extLst>
+        </p:spPr>
+        <p:txBody>
+          <a:bodyPr vert="horz" wrap="square" lIns="92075" tIns="46038" rIns="92075" bIns="46038" numCol="1" anchor="t" anchorCtr="0" compatLnSpc="1">
+            <a:prstTxWarp prst="textNoShape">
+              <a:avLst/>
+            </a:prstTxWarp>
+          </a:bodyPr>
+          <a:lstStyle/>
+          <a:p>
+            <a:pPr lvl="0"/>
+            <a:r>
+              <a:rPr lang="de-DE" altLang="de-DE" dirty="0"/>
+              <a:t>Klicken Sie,  um die Formate des Vorlagentextes zu bearbeiten</a:t>
+            </a:r>
+          </a:p>
+          <a:p>
+            <a:pPr lvl="1"/>
+            <a:r>
+              <a:rPr lang="de-DE" altLang="de-DE" dirty="0"/>
+              <a:t>Zweite Ebene</a:t>
+            </a:r>
+          </a:p>
+          <a:p>
+            <a:pPr lvl="2"/>
+            <a:r>
+              <a:rPr lang="de-DE" altLang="de-DE" dirty="0"/>
+              <a:t>Dritte Ebene</a:t>
+            </a:r>
+          </a:p>
+          <a:p>
+            <a:pPr lvl="3"/>
+            <a:r>
+              <a:rPr lang="de-DE" altLang="de-DE" dirty="0"/>
+              <a:t>Vierte Ebene</a:t>
+            </a:r>
+          </a:p>
+          <a:p>
+            <a:pPr lvl="4"/>
+            <a:r>
+              <a:rPr lang="de-DE" altLang="de-DE"/>
+              <a:t>Fünfte Ebene</a:t>
+            </a:r>
+          </a:p>
+        </p:txBody>
+      </p:sp>
+      <p:sp>
+        <p:nvSpPr>
+          <p:cNvPr id="1048" name="Text Box 24">
+            <a:extLst>
+              <a:ext uri="{FF2B5EF4-FFF2-40B4-BE49-F238E27FC236}">
+                <a16:creationId xmlns:a16="http://schemas.microsoft.com/office/drawing/2014/main" id="{F1840321-693F-91D3-D149-F3E33CC4DB5D}"/>
+              </a:ext>
+            </a:extLst>
+          </p:cNvPr>
+          <p:cNvSpPr txBox="1">
+            <a:spLocks noChangeArrowheads="1"/>
+          </p:cNvSpPr>
+          <p:nvPr/>
+        </p:nvSpPr>
+        <p:spPr bwMode="auto">
+          <a:xfrm>
+            <a:off x="250825" y="6429375"/>
+            <a:ext cx="3035300" cy="427038"/>
+          </a:xfrm>
+          <a:prstGeom prst="rect">
+            <a:avLst/>
+          </a:prstGeom>
+          <a:noFill/>
+          <a:ln w="12700">
+            <a:noFill/>
+            <a:miter lim="800000"/>
+            <a:headEnd type="none" w="sm" len="sm"/>
+            <a:tailEnd type="none" w="sm" len="sm"/>
+          </a:ln>
+          <a:effectLst/>
+        </p:spPr>
+        <p:txBody>
+          <a:bodyPr wrap="none">
+            <a:spAutoFit/>
+          </a:bodyPr>
+          <a:lstStyle/>
+          <a:p>
+            <a:pPr defTabSz="762000">
+              <a:defRPr/>
+            </a:pPr>
+            <a:r>
+              <a:rPr lang="de-DE" sz="1000" dirty="0" err="1">
+                <a:solidFill>
+                  <a:schemeClr val="bg1"/>
+                </a:solidFill>
+                <a:latin typeface="Arial" charset="0"/>
+              </a:rPr>
+              <a:t>anderScore</a:t>
+            </a:r>
+            <a:r>
+              <a:rPr lang="de-DE" sz="1000" dirty="0">
+                <a:solidFill>
+                  <a:schemeClr val="bg1"/>
+                </a:solidFill>
+                <a:latin typeface="Arial" charset="0"/>
+              </a:rPr>
+              <a:t> GmbH </a:t>
+            </a:r>
+            <a:r>
+              <a:rPr lang="de-DE" sz="1200" dirty="0">
+                <a:solidFill>
+                  <a:schemeClr val="bg1"/>
+                </a:solidFill>
+                <a:latin typeface="Arial" charset="0"/>
+              </a:rPr>
+              <a:t>•</a:t>
+            </a:r>
+            <a:r>
+              <a:rPr lang="de-DE" sz="1000" dirty="0">
+                <a:solidFill>
+                  <a:schemeClr val="bg1"/>
+                </a:solidFill>
+                <a:latin typeface="Arial" charset="0"/>
+              </a:rPr>
+              <a:t> Frankenwerft 35 </a:t>
+            </a:r>
+            <a:r>
+              <a:rPr lang="de-DE" sz="1200" dirty="0">
+                <a:solidFill>
+                  <a:schemeClr val="bg1"/>
+                </a:solidFill>
+                <a:latin typeface="Arial" charset="0"/>
+              </a:rPr>
+              <a:t>•</a:t>
+            </a:r>
+            <a:r>
+              <a:rPr lang="de-DE" sz="1000" dirty="0">
+                <a:solidFill>
+                  <a:schemeClr val="bg1"/>
+                </a:solidFill>
+                <a:latin typeface="Arial" charset="0"/>
+              </a:rPr>
+              <a:t> 50667 Köln</a:t>
+            </a:r>
+          </a:p>
+          <a:p>
+            <a:pPr defTabSz="762000">
+              <a:defRPr/>
+            </a:pPr>
+            <a:r>
+              <a:rPr lang="de-DE" sz="1000" dirty="0">
+                <a:solidFill>
+                  <a:schemeClr val="bg1"/>
+                </a:solidFill>
+                <a:latin typeface="Arial" charset="0"/>
+              </a:rPr>
+              <a:t>&lt;Autor&gt;</a:t>
+            </a:r>
+          </a:p>
+        </p:txBody>
+      </p:sp>
+      <p:sp>
+        <p:nvSpPr>
+          <p:cNvPr id="1054" name="Text Box 30">
+            <a:extLst>
+              <a:ext uri="{FF2B5EF4-FFF2-40B4-BE49-F238E27FC236}">
+                <a16:creationId xmlns:a16="http://schemas.microsoft.com/office/drawing/2014/main" id="{9346920B-D70B-3A57-06DF-529E537954C8}"/>
+              </a:ext>
+            </a:extLst>
+          </p:cNvPr>
+          <p:cNvSpPr txBox="1">
+            <a:spLocks noChangeArrowheads="1"/>
+          </p:cNvSpPr>
+          <p:nvPr/>
+        </p:nvSpPr>
+        <p:spPr bwMode="auto">
+          <a:xfrm>
+            <a:off x="4252913" y="6424613"/>
+            <a:ext cx="1891865" cy="246221"/>
+          </a:xfrm>
+          <a:prstGeom prst="rect">
+            <a:avLst/>
+          </a:prstGeom>
+          <a:noFill/>
+          <a:ln w="12700">
+            <a:noFill/>
+            <a:miter lim="800000"/>
+            <a:headEnd type="none" w="sm" len="sm"/>
+            <a:tailEnd type="none" w="sm" len="sm"/>
+          </a:ln>
+          <a:effectLst/>
+        </p:spPr>
+        <p:txBody>
+          <a:bodyPr wrap="none">
+            <a:spAutoFit/>
+          </a:bodyPr>
+          <a:lstStyle/>
+          <a:p>
+            <a:pPr defTabSz="762000">
+              <a:defRPr/>
+            </a:pPr>
+            <a:r>
+              <a:rPr lang="de-DE" sz="1000" dirty="0">
+                <a:solidFill>
+                  <a:schemeClr val="bg1"/>
+                </a:solidFill>
+                <a:latin typeface="Arial" charset="0"/>
+              </a:rPr>
+              <a:t>Tag-3_2_1-GitLab-Runner.ppt</a:t>
+            </a:r>
+            <a:endParaRPr lang="de-DE" dirty="0">
+              <a:solidFill>
+                <a:schemeClr val="bg1"/>
+              </a:solidFill>
+              <a:latin typeface="Arial" pitchFamily="34" charset="0"/>
+            </a:endParaRPr>
+          </a:p>
+        </p:txBody>
+      </p:sp>
+      <p:sp>
+        <p:nvSpPr>
+          <p:cNvPr id="1063" name="Rectangle 39">
+            <a:hlinkClick r:id="rId4"/>
+            <a:extLst>
+              <a:ext uri="{FF2B5EF4-FFF2-40B4-BE49-F238E27FC236}">
+                <a16:creationId xmlns:a16="http://schemas.microsoft.com/office/drawing/2014/main" id="{613611E0-DAA0-F230-CD0B-8592F1472163}"/>
+              </a:ext>
+            </a:extLst>
+          </p:cNvPr>
+          <p:cNvSpPr>
+            <a:spLocks noChangeArrowheads="1"/>
+          </p:cNvSpPr>
+          <p:nvPr userDrawn="1"/>
+        </p:nvSpPr>
+        <p:spPr bwMode="auto">
+          <a:xfrm>
+            <a:off x="3914775" y="3105150"/>
+            <a:ext cx="9144000" cy="461963"/>
+          </a:xfrm>
+          <a:prstGeom prst="rect">
+            <a:avLst/>
+          </a:prstGeom>
+          <a:noFill/>
+          <a:ln w="12700">
+            <a:noFill/>
+            <a:miter lim="800000"/>
+            <a:headEnd type="none" w="sm" len="sm"/>
+            <a:tailEnd type="none" w="sm" len="sm"/>
+          </a:ln>
+          <a:effectLst/>
+        </p:spPr>
+        <p:txBody>
+          <a:bodyPr>
+            <a:spAutoFit/>
+          </a:bodyPr>
+          <a:lstStyle/>
+          <a:p>
+            <a:pPr>
+              <a:defRPr/>
+            </a:pPr>
+            <a:endParaRPr lang="de-DE" dirty="0">
+              <a:latin typeface="Arial" pitchFamily="34" charset="0"/>
+            </a:endParaRPr>
+          </a:p>
+        </p:txBody>
+      </p:sp>
+      <p:sp>
+        <p:nvSpPr>
+          <p:cNvPr id="1064" name="Rectangle 40">
+            <a:extLst>
+              <a:ext uri="{FF2B5EF4-FFF2-40B4-BE49-F238E27FC236}">
+                <a16:creationId xmlns:a16="http://schemas.microsoft.com/office/drawing/2014/main" id="{29E915F4-DDDF-F121-AC80-954D75E00DFB}"/>
+              </a:ext>
+            </a:extLst>
+          </p:cNvPr>
+          <p:cNvSpPr>
+            <a:spLocks noChangeArrowheads="1"/>
+          </p:cNvSpPr>
+          <p:nvPr userDrawn="1"/>
+        </p:nvSpPr>
+        <p:spPr bwMode="auto">
+          <a:xfrm>
+            <a:off x="0" y="0"/>
+            <a:ext cx="252413" cy="260350"/>
+          </a:xfrm>
+          <a:prstGeom prst="rect">
+            <a:avLst/>
+          </a:prstGeom>
+          <a:noFill/>
+          <a:ln w="12700">
+            <a:noFill/>
+            <a:miter lim="800000"/>
+            <a:headEnd type="none" w="sm" len="sm"/>
+            <a:tailEnd type="none" w="sm" len="sm"/>
+          </a:ln>
+          <a:effectLst/>
+        </p:spPr>
+        <p:txBody>
+          <a:bodyPr wrap="none" anchor="ctr">
+            <a:spAutoFit/>
+          </a:bodyPr>
+          <a:lstStyle/>
+          <a:p>
+            <a:pPr defTabSz="762000">
+              <a:defRPr/>
+            </a:pPr>
+            <a:r>
+              <a:rPr lang="de-DE" sz="800" dirty="0">
+                <a:latin typeface="Arial" charset="0"/>
+                <a:ea typeface="Times New Roman" pitchFamily="18" charset="0"/>
+                <a:cs typeface="Arial" charset="0"/>
+              </a:rPr>
+              <a:t> </a:t>
+            </a:r>
+            <a:r>
+              <a:rPr lang="de-DE" sz="1100" dirty="0">
+                <a:latin typeface="Arial" pitchFamily="34" charset="0"/>
+                <a:ea typeface="Times New Roman" pitchFamily="18" charset="0"/>
+                <a:cs typeface="Arial" charset="0"/>
+              </a:rPr>
+              <a:t> </a:t>
+            </a:r>
+            <a:endParaRPr lang="de-DE" dirty="0">
+              <a:latin typeface="Arial" pitchFamily="34" charset="0"/>
+              <a:ea typeface="Times New Roman" pitchFamily="18" charset="0"/>
+              <a:cs typeface="Arial" charset="0"/>
+            </a:endParaRPr>
+          </a:p>
+        </p:txBody>
+      </p:sp>
+      <p:sp>
+        <p:nvSpPr>
+          <p:cNvPr id="1065" name="Rectangle 41">
+            <a:extLst>
+              <a:ext uri="{FF2B5EF4-FFF2-40B4-BE49-F238E27FC236}">
+                <a16:creationId xmlns:a16="http://schemas.microsoft.com/office/drawing/2014/main" id="{1AC20BC3-24D2-D550-0D11-5B051D92208E}"/>
+              </a:ext>
+            </a:extLst>
+          </p:cNvPr>
+          <p:cNvSpPr>
+            <a:spLocks noChangeArrowheads="1"/>
+          </p:cNvSpPr>
+          <p:nvPr userDrawn="1"/>
+        </p:nvSpPr>
+        <p:spPr bwMode="auto">
+          <a:xfrm>
+            <a:off x="0" y="0"/>
+            <a:ext cx="252413" cy="260350"/>
+          </a:xfrm>
+          <a:prstGeom prst="rect">
+            <a:avLst/>
+          </a:prstGeom>
+          <a:noFill/>
+          <a:ln w="12700">
+            <a:noFill/>
+            <a:miter lim="800000"/>
+            <a:headEnd type="none" w="sm" len="sm"/>
+            <a:tailEnd type="none" w="sm" len="sm"/>
+          </a:ln>
+          <a:effectLst/>
+        </p:spPr>
+        <p:txBody>
+          <a:bodyPr wrap="none" anchor="ctr">
+            <a:spAutoFit/>
+          </a:bodyPr>
+          <a:lstStyle/>
+          <a:p>
+            <a:pPr defTabSz="762000">
+              <a:defRPr/>
+            </a:pPr>
+            <a:r>
+              <a:rPr lang="de-DE" sz="800" dirty="0">
+                <a:latin typeface="Arial" charset="0"/>
+                <a:ea typeface="Times New Roman" pitchFamily="18" charset="0"/>
+                <a:cs typeface="Arial" charset="0"/>
+              </a:rPr>
+              <a:t> </a:t>
+            </a:r>
+            <a:r>
+              <a:rPr lang="de-DE" sz="1100" dirty="0">
+                <a:latin typeface="Arial" pitchFamily="34" charset="0"/>
+                <a:ea typeface="Times New Roman" pitchFamily="18" charset="0"/>
+                <a:cs typeface="Arial" charset="0"/>
+              </a:rPr>
+              <a:t> </a:t>
+            </a:r>
+            <a:endParaRPr lang="de-DE" dirty="0">
+              <a:latin typeface="Arial" pitchFamily="34" charset="0"/>
+              <a:ea typeface="Times New Roman" pitchFamily="18" charset="0"/>
+              <a:cs typeface="Arial" charset="0"/>
+            </a:endParaRPr>
+          </a:p>
+        </p:txBody>
+      </p:sp>
+      <p:sp>
+        <p:nvSpPr>
+          <p:cNvPr id="1066" name="Rectangle 42">
+            <a:extLst>
+              <a:ext uri="{FF2B5EF4-FFF2-40B4-BE49-F238E27FC236}">
+                <a16:creationId xmlns:a16="http://schemas.microsoft.com/office/drawing/2014/main" id="{492F53AD-7BED-DC98-EB8F-A0EE8D11CB43}"/>
+              </a:ext>
+            </a:extLst>
+          </p:cNvPr>
+          <p:cNvSpPr>
+            <a:spLocks noChangeArrowheads="1"/>
+          </p:cNvSpPr>
+          <p:nvPr userDrawn="1"/>
+        </p:nvSpPr>
+        <p:spPr bwMode="auto">
+          <a:xfrm>
+            <a:off x="0" y="0"/>
+            <a:ext cx="252413" cy="260350"/>
+          </a:xfrm>
+          <a:prstGeom prst="rect">
+            <a:avLst/>
+          </a:prstGeom>
+          <a:noFill/>
+          <a:ln w="12700">
+            <a:noFill/>
+            <a:miter lim="800000"/>
+            <a:headEnd type="none" w="sm" len="sm"/>
+            <a:tailEnd type="none" w="sm" len="sm"/>
+          </a:ln>
+          <a:effectLst/>
+        </p:spPr>
+        <p:txBody>
+          <a:bodyPr wrap="none" anchor="ctr">
+            <a:spAutoFit/>
+          </a:bodyPr>
+          <a:lstStyle/>
+          <a:p>
+            <a:pPr defTabSz="762000">
+              <a:defRPr/>
+            </a:pPr>
+            <a:r>
+              <a:rPr lang="de-DE" sz="800" dirty="0">
+                <a:latin typeface="Arial" charset="0"/>
+                <a:ea typeface="Times New Roman" pitchFamily="18" charset="0"/>
+                <a:cs typeface="Arial" charset="0"/>
+              </a:rPr>
+              <a:t> </a:t>
+            </a:r>
+            <a:r>
+              <a:rPr lang="de-DE" sz="1100" dirty="0">
+                <a:latin typeface="Arial" pitchFamily="34" charset="0"/>
+                <a:ea typeface="Times New Roman" pitchFamily="18" charset="0"/>
+                <a:cs typeface="Arial" charset="0"/>
+              </a:rPr>
+              <a:t> </a:t>
+            </a:r>
+            <a:endParaRPr lang="de-DE" dirty="0">
+              <a:latin typeface="Arial" pitchFamily="34" charset="0"/>
+              <a:ea typeface="Times New Roman" pitchFamily="18" charset="0"/>
+              <a:cs typeface="Arial" charset="0"/>
+            </a:endParaRPr>
+          </a:p>
+        </p:txBody>
+      </p:sp>
+      <p:pic>
+        <p:nvPicPr>
+          <p:cNvPr id="1037" name="713fdfc0-1a72-49da-bd13-b47278f75372" descr="EAF3711E-BEB0-47E0-BD76-8002A3B4EEFA@localdomain">
+            <a:extLst>
+              <a:ext uri="{FF2B5EF4-FFF2-40B4-BE49-F238E27FC236}">
+                <a16:creationId xmlns:a16="http://schemas.microsoft.com/office/drawing/2014/main" id="{4AE00106-8F78-C96F-8B30-D2683A6B8AAD}"/>
+              </a:ext>
+            </a:extLst>
+          </p:cNvPr>
+          <p:cNvPicPr>
+            <a:picLocks noChangeAspect="1" noChangeArrowheads="1"/>
+          </p:cNvPicPr>
+          <p:nvPr userDrawn="1"/>
+        </p:nvPicPr>
+        <p:blipFill>
+          <a:blip r:embed="rId5">
+            <a:extLst>
+              <a:ext uri="{28A0092B-C50C-407E-A947-70E740481C1C}">
+                <a14:useLocalDpi xmlns:a14="http://schemas.microsoft.com/office/drawing/2010/main" val="0"/>
+              </a:ext>
+            </a:extLst>
+          </a:blip>
+          <a:srcRect/>
+          <a:stretch>
+            <a:fillRect/>
+          </a:stretch>
+        </p:blipFill>
+        <p:spPr bwMode="auto">
+          <a:xfrm>
+            <a:off x="0" y="0"/>
+            <a:ext cx="9144000" cy="955675"/>
+          </a:xfrm>
+          <a:prstGeom prst="rect">
+            <a:avLst/>
+          </a:prstGeom>
+          <a:noFill/>
+          <a:ln>
+            <a:noFill/>
+          </a:ln>
+          <a:extLst>
+            <a:ext uri="{909E8E84-426E-40DD-AFC4-6F175D3DCCD1}">
+              <a14:hiddenFill xmlns:a14="http://schemas.microsoft.com/office/drawing/2010/main">
+                <a:solidFill>
+                  <a:srgbClr val="FFFFFF"/>
+                </a:solidFill>
+              </a14:hiddenFill>
+            </a:ext>
+            <a:ext uri="{91240B29-F687-4F45-9708-019B960494DF}">
+              <a14:hiddenLine xmlns:a14="http://schemas.microsoft.com/office/drawing/2010/main" w="9525">
+                <a:solidFill>
+                  <a:srgbClr val="000000"/>
+                </a:solidFill>
+                <a:miter lim="800000"/>
+                <a:headEnd/>
+                <a:tailEnd/>
+              </a14:hiddenLine>
+            </a:ext>
+          </a:extLst>
+        </p:spPr>
+      </p:pic>
+      <p:pic>
+        <p:nvPicPr>
+          <p:cNvPr id="1038" name="Picture 43" descr="_anderScore-Logo_2773x575_new">
+            <a:extLst>
+              <a:ext uri="{FF2B5EF4-FFF2-40B4-BE49-F238E27FC236}">
+                <a16:creationId xmlns:a16="http://schemas.microsoft.com/office/drawing/2014/main" id="{CC9E1C11-27DD-E217-D73D-AA9C236B0D54}"/>
+              </a:ext>
+            </a:extLst>
+          </p:cNvPr>
+          <p:cNvPicPr>
+            <a:picLocks noChangeAspect="1" noChangeArrowheads="1"/>
+          </p:cNvPicPr>
+          <p:nvPr userDrawn="1"/>
+        </p:nvPicPr>
+        <p:blipFill>
+          <a:blip r:embed="rId6">
+            <a:extLst>
+              <a:ext uri="{28A0092B-C50C-407E-A947-70E740481C1C}">
+                <a14:useLocalDpi xmlns:a14="http://schemas.microsoft.com/office/drawing/2010/main" val="0"/>
+              </a:ext>
+            </a:extLst>
+          </a:blip>
+          <a:srcRect/>
+          <a:stretch>
+            <a:fillRect/>
+          </a:stretch>
+        </p:blipFill>
+        <p:spPr bwMode="auto">
+          <a:xfrm>
+            <a:off x="6084888" y="231775"/>
+            <a:ext cx="2754312" cy="576263"/>
+          </a:xfrm>
+          <a:prstGeom prst="rect">
+            <a:avLst/>
+          </a:prstGeom>
+          <a:noFill/>
+          <a:ln>
+            <a:noFill/>
+          </a:ln>
+          <a:extLst>
+            <a:ext uri="{909E8E84-426E-40DD-AFC4-6F175D3DCCD1}">
+              <a14:hiddenFill xmlns:a14="http://schemas.microsoft.com/office/drawing/2010/main">
+                <a:solidFill>
+                  <a:srgbClr val="FFFFFF"/>
+                </a:solidFill>
+              </a14:hiddenFill>
+            </a:ext>
+            <a:ext uri="{91240B29-F687-4F45-9708-019B960494DF}">
+              <a14:hiddenLine xmlns:a14="http://schemas.microsoft.com/office/drawing/2010/main" w="9525">
+                <a:solidFill>
+                  <a:srgbClr val="000000"/>
+                </a:solidFill>
+                <a:miter lim="800000"/>
+                <a:headEnd/>
+                <a:tailEnd/>
+              </a14:hiddenLine>
+            </a:ext>
+          </a:extLst>
+        </p:spPr>
+      </p:pic>
+      <p:sp>
+        <p:nvSpPr>
+          <p:cNvPr id="1039" name="Rectangle 45">
+            <a:extLst>
+              <a:ext uri="{FF2B5EF4-FFF2-40B4-BE49-F238E27FC236}">
+                <a16:creationId xmlns:a16="http://schemas.microsoft.com/office/drawing/2014/main" id="{ECFE2338-BCA1-E902-1A46-C4FCCF006FB2}"/>
+              </a:ext>
+            </a:extLst>
+          </p:cNvPr>
+          <p:cNvSpPr>
+            <a:spLocks noGrp="1" noChangeArrowheads="1"/>
+          </p:cNvSpPr>
+          <p:nvPr>
+            <p:ph type="title"/>
+          </p:nvPr>
+        </p:nvSpPr>
+        <p:spPr bwMode="auto">
+          <a:xfrm>
+            <a:off x="303213" y="115888"/>
+            <a:ext cx="5554662" cy="706437"/>
+          </a:xfrm>
+          <a:prstGeom prst="rect">
+            <a:avLst/>
+          </a:prstGeom>
+          <a:noFill/>
+          <a:ln>
+            <a:noFill/>
+          </a:ln>
+          <a:extLst>
+            <a:ext uri="{909E8E84-426E-40DD-AFC4-6F175D3DCCD1}">
+              <a14:hiddenFill xmlns:a14="http://schemas.microsoft.com/office/drawing/2010/main">
+                <a:solidFill>
+                  <a:srgbClr val="FFFFFF"/>
+                </a:solidFill>
+              </a14:hiddenFill>
+            </a:ext>
+            <a:ext uri="{91240B29-F687-4F45-9708-019B960494DF}">
+              <a14:hiddenLine xmlns:a14="http://schemas.microsoft.com/office/drawing/2010/main" w="9525">
+                <a:solidFill>
+                  <a:srgbClr val="000000"/>
+                </a:solidFill>
+                <a:miter lim="800000"/>
+                <a:headEnd/>
+                <a:tailEnd/>
+              </a14:hiddenLine>
+            </a:ext>
+          </a:extLst>
+        </p:spPr>
+        <p:txBody>
+          <a:bodyPr vert="horz" wrap="square" lIns="91440" tIns="45720" rIns="91440" bIns="45720" numCol="1" anchor="ctr" anchorCtr="0" compatLnSpc="1">
+            <a:prstTxWarp prst="textNoShape">
+              <a:avLst/>
+            </a:prstTxWarp>
+          </a:bodyPr>
+          <a:lstStyle/>
+          <a:p>
+            <a:pPr lvl="0"/>
+            <a:r>
+              <a:rPr lang="de-DE" altLang="de-DE"/>
+              <a:t>Titelmasterformat durch Klicken bearbeiten</a:t>
+            </a:r>
+          </a:p>
+        </p:txBody>
+      </p:sp>
+    </p:spTree>
+    <p:extLst>
+      <p:ext uri="{BB962C8B-B14F-4D97-AF65-F5344CB8AC3E}">
+        <p14:creationId xmlns:p14="http://schemas.microsoft.com/office/powerpoint/2010/main" val="3987920710"/>
+      </p:ext>
+    </p:extLst>
+  </p:cSld>
+  <p:clrMap bg1="lt1" tx1="dk1" bg2="lt2" tx2="dk2" accent1="accent1" accent2="accent2" accent3="accent3" accent4="accent4" accent5="accent5" accent6="accent6" hlink="hlink" folHlink="folHlink"/>
+  <p:sldLayoutIdLst>
+    <p:sldLayoutId id="2147483898" r:id="rId1"/>
+    <p:sldLayoutId id="2147483899" r:id="rId2"/>
+  </p:sldLayoutIdLst>
+  <p:txStyles>
+    <p:titleStyle>
+      <a:lvl1pPr algn="l" rtl="0" eaLnBrk="1" fontAlgn="base" hangingPunct="1">
+        <a:lnSpc>
+          <a:spcPct val="90000"/>
+        </a:lnSpc>
+        <a:spcBef>
+          <a:spcPct val="0"/>
+        </a:spcBef>
+        <a:spcAft>
+          <a:spcPct val="0"/>
+        </a:spcAft>
+        <a:defRPr sz="3000">
+          <a:solidFill>
+            <a:srgbClr val="0D4F3C"/>
+          </a:solidFill>
+          <a:latin typeface="+mj-lt"/>
+          <a:ea typeface="+mj-ea"/>
+          <a:cs typeface="+mj-cs"/>
+        </a:defRPr>
+      </a:lvl1pPr>
+      <a:lvl2pPr algn="l" rtl="0" eaLnBrk="1" fontAlgn="base" hangingPunct="1">
+        <a:lnSpc>
+          <a:spcPct val="90000"/>
+        </a:lnSpc>
+        <a:spcBef>
+          <a:spcPct val="0"/>
+        </a:spcBef>
+        <a:spcAft>
+          <a:spcPct val="0"/>
+        </a:spcAft>
+        <a:defRPr sz="3000">
+          <a:solidFill>
+            <a:srgbClr val="0D4F3C"/>
+          </a:solidFill>
+          <a:latin typeface="Arial" charset="0"/>
+        </a:defRPr>
+      </a:lvl2pPr>
+      <a:lvl3pPr algn="l" rtl="0" eaLnBrk="1" fontAlgn="base" hangingPunct="1">
+        <a:lnSpc>
+          <a:spcPct val="90000"/>
+        </a:lnSpc>
+        <a:spcBef>
+          <a:spcPct val="0"/>
+        </a:spcBef>
+        <a:spcAft>
+          <a:spcPct val="0"/>
+        </a:spcAft>
+        <a:defRPr sz="3000">
+          <a:solidFill>
+            <a:srgbClr val="0D4F3C"/>
+          </a:solidFill>
+          <a:latin typeface="Arial" charset="0"/>
+        </a:defRPr>
+      </a:lvl3pPr>
+      <a:lvl4pPr algn="l" rtl="0" eaLnBrk="1" fontAlgn="base" hangingPunct="1">
+        <a:lnSpc>
+          <a:spcPct val="90000"/>
+        </a:lnSpc>
+        <a:spcBef>
+          <a:spcPct val="0"/>
+        </a:spcBef>
+        <a:spcAft>
+          <a:spcPct val="0"/>
+        </a:spcAft>
+        <a:defRPr sz="3000">
+          <a:solidFill>
+            <a:srgbClr val="0D4F3C"/>
+          </a:solidFill>
+          <a:latin typeface="Arial" charset="0"/>
+        </a:defRPr>
+      </a:lvl4pPr>
+      <a:lvl5pPr algn="l" rtl="0" eaLnBrk="1" fontAlgn="base" hangingPunct="1">
+        <a:lnSpc>
+          <a:spcPct val="90000"/>
+        </a:lnSpc>
+        <a:spcBef>
+          <a:spcPct val="0"/>
+        </a:spcBef>
+        <a:spcAft>
+          <a:spcPct val="0"/>
+        </a:spcAft>
+        <a:defRPr sz="3000">
+          <a:solidFill>
+            <a:srgbClr val="0D4F3C"/>
+          </a:solidFill>
+          <a:latin typeface="Arial" charset="0"/>
+        </a:defRPr>
+      </a:lvl5pPr>
+      <a:lvl6pPr marL="457200" algn="l" rtl="0" eaLnBrk="1" fontAlgn="base" hangingPunct="1">
+        <a:spcBef>
+          <a:spcPct val="0"/>
+        </a:spcBef>
+        <a:spcAft>
+          <a:spcPct val="0"/>
+        </a:spcAft>
+        <a:defRPr sz="3000">
+          <a:solidFill>
+            <a:srgbClr val="0D4F3C"/>
+          </a:solidFill>
+          <a:latin typeface="Arial" charset="0"/>
+        </a:defRPr>
+      </a:lvl6pPr>
+      <a:lvl7pPr marL="914400" algn="l" rtl="0" eaLnBrk="1" fontAlgn="base" hangingPunct="1">
+        <a:spcBef>
+          <a:spcPct val="0"/>
+        </a:spcBef>
+        <a:spcAft>
+          <a:spcPct val="0"/>
+        </a:spcAft>
+        <a:defRPr sz="3000">
+          <a:solidFill>
+            <a:srgbClr val="0D4F3C"/>
+          </a:solidFill>
+          <a:latin typeface="Arial" charset="0"/>
+        </a:defRPr>
+      </a:lvl7pPr>
+      <a:lvl8pPr marL="1371600" algn="l" rtl="0" eaLnBrk="1" fontAlgn="base" hangingPunct="1">
+        <a:spcBef>
+          <a:spcPct val="0"/>
+        </a:spcBef>
+        <a:spcAft>
+          <a:spcPct val="0"/>
+        </a:spcAft>
+        <a:defRPr sz="3000">
+          <a:solidFill>
+            <a:srgbClr val="0D4F3C"/>
+          </a:solidFill>
+          <a:latin typeface="Arial" charset="0"/>
+        </a:defRPr>
+      </a:lvl8pPr>
+      <a:lvl9pPr marL="1828800" algn="l" rtl="0" eaLnBrk="1" fontAlgn="base" hangingPunct="1">
+        <a:spcBef>
+          <a:spcPct val="0"/>
+        </a:spcBef>
+        <a:spcAft>
+          <a:spcPct val="0"/>
+        </a:spcAft>
+        <a:defRPr sz="3000">
+          <a:solidFill>
+            <a:srgbClr val="0D4F3C"/>
+          </a:solidFill>
+          <a:latin typeface="Arial" charset="0"/>
+        </a:defRPr>
+      </a:lvl9pPr>
+    </p:titleStyle>
+    <p:bodyStyle>
+      <a:lvl1pPr marL="342900" indent="-342900" algn="l" rtl="0" eaLnBrk="1" fontAlgn="base" hangingPunct="1">
+        <a:spcBef>
+          <a:spcPct val="20000"/>
+        </a:spcBef>
+        <a:spcAft>
+          <a:spcPct val="0"/>
+        </a:spcAft>
+        <a:buClr>
+          <a:srgbClr val="008C5A"/>
+        </a:buClr>
+        <a:buFont typeface="Monotype Sorts" pitchFamily="2" charset="2"/>
+        <a:buChar char="l"/>
+        <a:defRPr sz="2400">
+          <a:solidFill>
+            <a:schemeClr val="tx1"/>
+          </a:solidFill>
+          <a:latin typeface="+mn-lt"/>
+          <a:ea typeface="+mn-ea"/>
+          <a:cs typeface="+mn-cs"/>
+        </a:defRPr>
+      </a:lvl1pPr>
+      <a:lvl2pPr marL="742950" indent="-285750" algn="l" rtl="0" eaLnBrk="1" fontAlgn="base" hangingPunct="1">
+        <a:spcBef>
+          <a:spcPct val="20000"/>
+        </a:spcBef>
+        <a:spcAft>
+          <a:spcPct val="0"/>
+        </a:spcAft>
+        <a:buClr>
+          <a:srgbClr val="008C5A"/>
+        </a:buClr>
+        <a:buFont typeface="Monotype Sorts" pitchFamily="2" charset="2"/>
+        <a:buChar char="l"/>
+        <a:defRPr sz="2000">
+          <a:solidFill>
+            <a:schemeClr val="tx1"/>
+          </a:solidFill>
+          <a:latin typeface="+mn-lt"/>
+        </a:defRPr>
+      </a:lvl2pPr>
+      <a:lvl3pPr marL="1143000" indent="-228600" algn="l" rtl="0" eaLnBrk="1" fontAlgn="base" hangingPunct="1">
+        <a:spcBef>
+          <a:spcPct val="20000"/>
+        </a:spcBef>
+        <a:spcAft>
+          <a:spcPct val="0"/>
+        </a:spcAft>
+        <a:buClr>
+          <a:srgbClr val="008C5A"/>
+        </a:buClr>
+        <a:buFont typeface="Monotype Sorts" pitchFamily="2" charset="2"/>
+        <a:buChar char="l"/>
+        <a:defRPr sz="2400">
+          <a:solidFill>
+            <a:schemeClr val="tx1"/>
+          </a:solidFill>
+          <a:latin typeface="+mn-lt"/>
+        </a:defRPr>
+      </a:lvl3pPr>
+      <a:lvl4pPr marL="1562100" indent="-228600" algn="l" rtl="0" eaLnBrk="1" fontAlgn="base" hangingPunct="1">
+        <a:spcBef>
+          <a:spcPct val="20000"/>
+        </a:spcBef>
+        <a:spcAft>
+          <a:spcPct val="0"/>
+        </a:spcAft>
+        <a:buClr>
+          <a:srgbClr val="008C5A"/>
+        </a:buClr>
+        <a:buFont typeface="Monotype Sorts" pitchFamily="2" charset="2"/>
+        <a:buChar char="l"/>
+        <a:defRPr sz="1600">
+          <a:solidFill>
+            <a:schemeClr val="tx1"/>
+          </a:solidFill>
+          <a:latin typeface="+mn-lt"/>
+        </a:defRPr>
+      </a:lvl4pPr>
+      <a:lvl5pPr marL="1981200" indent="-228600" algn="l" rtl="0" eaLnBrk="1" fontAlgn="base" hangingPunct="1">
+        <a:spcBef>
+          <a:spcPct val="20000"/>
+        </a:spcBef>
+        <a:spcAft>
+          <a:spcPct val="0"/>
+        </a:spcAft>
+        <a:buClr>
+          <a:srgbClr val="008C5A"/>
+        </a:buClr>
+        <a:buFont typeface="Monotype Sorts" pitchFamily="2" charset="2"/>
+        <a:buChar char="l"/>
+        <a:defRPr sz="1600">
+          <a:solidFill>
+            <a:schemeClr val="tx1"/>
+          </a:solidFill>
+          <a:latin typeface="+mn-lt"/>
+        </a:defRPr>
+      </a:lvl5pPr>
+      <a:lvl6pPr marL="2438400" indent="-228600" algn="l" rtl="0" eaLnBrk="1" fontAlgn="base" hangingPunct="1">
+        <a:spcBef>
+          <a:spcPct val="20000"/>
+        </a:spcBef>
+        <a:spcAft>
+          <a:spcPct val="0"/>
+        </a:spcAft>
+        <a:buClr>
+          <a:srgbClr val="008C5A"/>
+        </a:buClr>
+        <a:buFont typeface="Monotype Sorts" pitchFamily="2" charset="2"/>
+        <a:buChar char="l"/>
+        <a:defRPr sz="1600">
+          <a:solidFill>
+            <a:schemeClr val="tx1"/>
+          </a:solidFill>
+          <a:latin typeface="+mn-lt"/>
+        </a:defRPr>
+      </a:lvl6pPr>
+      <a:lvl7pPr marL="2895600" indent="-228600" algn="l" rtl="0" eaLnBrk="1" fontAlgn="base" hangingPunct="1">
+        <a:spcBef>
+          <a:spcPct val="20000"/>
+        </a:spcBef>
+        <a:spcAft>
+          <a:spcPct val="0"/>
+        </a:spcAft>
+        <a:buClr>
+          <a:srgbClr val="008C5A"/>
+        </a:buClr>
+        <a:buFont typeface="Monotype Sorts" pitchFamily="2" charset="2"/>
+        <a:buChar char="l"/>
+        <a:defRPr sz="1600">
+          <a:solidFill>
+            <a:schemeClr val="tx1"/>
+          </a:solidFill>
+          <a:latin typeface="+mn-lt"/>
+        </a:defRPr>
+      </a:lvl7pPr>
+      <a:lvl8pPr marL="3352800" indent="-228600" algn="l" rtl="0" eaLnBrk="1" fontAlgn="base" hangingPunct="1">
+        <a:spcBef>
+          <a:spcPct val="20000"/>
+        </a:spcBef>
+        <a:spcAft>
+          <a:spcPct val="0"/>
+        </a:spcAft>
+        <a:buClr>
+          <a:srgbClr val="008C5A"/>
+        </a:buClr>
+        <a:buFont typeface="Monotype Sorts" pitchFamily="2" charset="2"/>
+        <a:buChar char="l"/>
+        <a:defRPr sz="1600">
+          <a:solidFill>
+            <a:schemeClr val="tx1"/>
+          </a:solidFill>
+          <a:latin typeface="+mn-lt"/>
+        </a:defRPr>
+      </a:lvl8pPr>
+      <a:lvl9pPr marL="3810000" indent="-228600" algn="l" rtl="0" eaLnBrk="1" fontAlgn="base" hangingPunct="1">
+        <a:spcBef>
+          <a:spcPct val="20000"/>
+        </a:spcBef>
+        <a:spcAft>
+          <a:spcPct val="0"/>
+        </a:spcAft>
+        <a:buClr>
+          <a:srgbClr val="008C5A"/>
+        </a:buClr>
+        <a:buFont typeface="Monotype Sorts" pitchFamily="2" charset="2"/>
+        <a:buChar char="l"/>
+        <a:defRPr sz="1600">
+          <a:solidFill>
+            <a:schemeClr val="tx1"/>
+          </a:solidFill>
+          <a:latin typeface="+mn-lt"/>
+        </a:defRPr>
+      </a:lvl9pPr>
+    </p:bodyStyle>
+    <p:otherStyle>
+      <a:defPPr>
+        <a:defRPr lang="de-DE"/>
+      </a:defPPr>
+      <a:lvl1pPr marL="0" algn="l" defTabSz="914400" rtl="0" eaLnBrk="1" latinLnBrk="0" hangingPunct="1">
+        <a:defRPr sz="1800" kern="1200">
+          <a:solidFill>
+            <a:schemeClr val="tx1"/>
+          </a:solidFill>
+          <a:latin typeface="+mn-lt"/>
+          <a:ea typeface="+mn-ea"/>
+          <a:cs typeface="+mn-cs"/>
+        </a:defRPr>
+      </a:lvl1pPr>
+      <a:lvl2pPr marL="457200" algn="l" defTabSz="914400" rtl="0" eaLnBrk="1" latinLnBrk="0" hangingPunct="1">
+        <a:defRPr sz="1800" kern="1200">
+          <a:solidFill>
+            <a:schemeClr val="tx1"/>
+          </a:solidFill>
+          <a:latin typeface="+mn-lt"/>
+          <a:ea typeface="+mn-ea"/>
+          <a:cs typeface="+mn-cs"/>
+        </a:defRPr>
+      </a:lvl2pPr>
+      <a:lvl3pPr marL="914400" algn="l" defTabSz="914400" rtl="0" eaLnBrk="1" latinLnBrk="0" hangingPunct="1">
+        <a:defRPr sz="1800" kern="1200">
+          <a:solidFill>
+            <a:schemeClr val="tx1"/>
+          </a:solidFill>
+          <a:latin typeface="+mn-lt"/>
+          <a:ea typeface="+mn-ea"/>
+          <a:cs typeface="+mn-cs"/>
+        </a:defRPr>
+      </a:lvl3pPr>
+      <a:lvl4pPr marL="1371600" algn="l" defTabSz="914400" rtl="0" eaLnBrk="1" latinLnBrk="0" hangingPunct="1">
+        <a:defRPr sz="1800" kern="1200">
+          <a:solidFill>
+            <a:schemeClr val="tx1"/>
+          </a:solidFill>
+          <a:latin typeface="+mn-lt"/>
+          <a:ea typeface="+mn-ea"/>
+          <a:cs typeface="+mn-cs"/>
+        </a:defRPr>
+      </a:lvl4pPr>
+      <a:lvl5pPr marL="1828800" algn="l" defTabSz="914400" rtl="0" eaLnBrk="1" latinLnBrk="0" hangingPunct="1">
+        <a:defRPr sz="1800" kern="1200">
+          <a:solidFill>
+            <a:schemeClr val="tx1"/>
+          </a:solidFill>
+          <a:latin typeface="+mn-lt"/>
+          <a:ea typeface="+mn-ea"/>
+          <a:cs typeface="+mn-cs"/>
+        </a:defRPr>
+      </a:lvl5pPr>
+      <a:lvl6pPr marL="2286000" algn="l" defTabSz="914400" rtl="0" eaLnBrk="1" latinLnBrk="0" hangingPunct="1">
+        <a:defRPr sz="1800" kern="1200">
+          <a:solidFill>
+            <a:schemeClr val="tx1"/>
+          </a:solidFill>
+          <a:latin typeface="+mn-lt"/>
+          <a:ea typeface="+mn-ea"/>
+          <a:cs typeface="+mn-cs"/>
+        </a:defRPr>
+      </a:lvl6pPr>
+      <a:lvl7pPr marL="2743200" algn="l" defTabSz="914400" rtl="0" eaLnBrk="1" latinLnBrk="0" hangingPunct="1">
+        <a:defRPr sz="1800" kern="1200">
+          <a:solidFill>
+            <a:schemeClr val="tx1"/>
+          </a:solidFill>
+          <a:latin typeface="+mn-lt"/>
+          <a:ea typeface="+mn-ea"/>
+          <a:cs typeface="+mn-cs"/>
+        </a:defRPr>
+      </a:lvl7pPr>
+      <a:lvl8pPr marL="3200400" algn="l" defTabSz="914400" rtl="0" eaLnBrk="1" latinLnBrk="0" hangingPunct="1">
+        <a:defRPr sz="1800" kern="1200">
+          <a:solidFill>
+            <a:schemeClr val="tx1"/>
+          </a:solidFill>
+          <a:latin typeface="+mn-lt"/>
+          <a:ea typeface="+mn-ea"/>
+          <a:cs typeface="+mn-cs"/>
+        </a:defRPr>
+      </a:lvl8pPr>
+      <a:lvl9pPr marL="3657600" algn="l" defTabSz="914400" rtl="0" eaLnBrk="1" latinLnBrk="0" hangingPunct="1">
+        <a:defRPr sz="1800" kern="1200">
+          <a:solidFill>
+            <a:schemeClr val="tx1"/>
+          </a:solidFill>
+          <a:latin typeface="+mn-lt"/>
+          <a:ea typeface="+mn-ea"/>
+          <a:cs typeface="+mn-cs"/>
+        </a:defRPr>
+      </a:lvl9pPr>
+    </p:otherStyle>
+  </p:txStyles>
+</p:sldMaster>
+</file>
+
 <file path=ppt/slides/slide1.xml><?xml version="1.0" encoding="utf-8"?>
 <p:sld xmlns:a="http://schemas.openxmlformats.org/drawingml/2006/main" xmlns:r="http://schemas.openxmlformats.org/officeDocument/2006/relationships" xmlns:p="http://schemas.openxmlformats.org/presentationml/2006/main">
   <p:cSld>
@@ -4391,83 +5684,313 @@
           <a:lstStyle/>
           <a:p>
             <a:r>
+              <a:rPr lang="de-DE" altLang="de-DE" dirty="0" err="1">
+                <a:latin typeface="Consolas" panose="020B0609020204030204" pitchFamily="49" charset="0"/>
+              </a:rPr>
+              <a:t>git</a:t>
+            </a:r>
+            <a:r>
+              <a:rPr lang="de-DE" altLang="de-DE" dirty="0">
+                <a:latin typeface="Consolas" panose="020B0609020204030204" pitchFamily="49" charset="0"/>
+              </a:rPr>
+              <a:t> </a:t>
+            </a:r>
+            <a:r>
+              <a:rPr lang="de-DE" altLang="de-DE" dirty="0" err="1">
+                <a:latin typeface="Consolas" panose="020B0609020204030204" pitchFamily="49" charset="0"/>
+              </a:rPr>
+              <a:t>checkout</a:t>
+            </a:r>
+            <a:r>
+              <a:rPr lang="de-DE" altLang="de-DE" dirty="0">
+                <a:latin typeface="Consolas" panose="020B0609020204030204" pitchFamily="49" charset="0"/>
+              </a:rPr>
+              <a:t> &lt;tag-name&gt; </a:t>
+            </a:r>
+            <a:r>
               <a:rPr lang="de-DE" altLang="de-DE" dirty="0"/>
-              <a:t>Lightweight Tags geben dem jeweiligen Commit nur ein Alias</a:t>
-            </a:r>
-          </a:p>
-          <a:p>
-            <a:r>
-              <a:rPr lang="de-DE" altLang="de-DE" dirty="0" err="1"/>
-              <a:t>Annotated</a:t>
-            </a:r>
-            <a:r>
-              <a:rPr lang="de-DE" altLang="de-DE" dirty="0"/>
-              <a:t> Tags sind schwergewichtiger und enthalten daher mehr Informationen</a:t>
-            </a:r>
-          </a:p>
-          <a:p>
-            <a:pPr lvl="1"/>
-            <a:r>
-              <a:rPr lang="de-DE" altLang="de-DE" dirty="0"/>
-              <a:t>Tagger Name</a:t>
-            </a:r>
-          </a:p>
-          <a:p>
-            <a:pPr lvl="1"/>
-            <a:r>
-              <a:rPr lang="de-DE" altLang="de-DE" dirty="0"/>
-              <a:t>Tagger E-Mail</a:t>
-            </a:r>
-          </a:p>
-          <a:p>
-            <a:pPr lvl="1"/>
-            <a:r>
-              <a:rPr lang="de-DE" altLang="de-DE" dirty="0"/>
-              <a:t>Datum</a:t>
-            </a:r>
-          </a:p>
-          <a:p>
-            <a:pPr lvl="1"/>
-            <a:r>
-              <a:rPr lang="de-DE" altLang="de-DE" dirty="0"/>
-              <a:t>Tagging Message</a:t>
-            </a:r>
-          </a:p>
-          <a:p>
-            <a:pPr lvl="1"/>
-            <a:r>
-              <a:rPr lang="de-DE" altLang="de-DE" dirty="0"/>
-              <a:t>Checksumme</a:t>
-            </a:r>
-          </a:p>
-          <a:p>
-            <a:pPr lvl="1"/>
-            <a:r>
-              <a:rPr lang="de-DE" altLang="de-DE" dirty="0"/>
-              <a:t>Signierung</a:t>
-            </a:r>
-          </a:p>
-          <a:p>
-            <a:r>
-              <a:rPr lang="de-DE" altLang="de-DE" dirty="0"/>
-              <a:t>Sinnvoll bei </a:t>
-            </a:r>
-            <a:r>
-              <a:rPr lang="de-DE" altLang="de-DE" dirty="0" err="1"/>
-              <a:t>Mulit</a:t>
-            </a:r>
-            <a:r>
-              <a:rPr lang="de-DE" altLang="de-DE" dirty="0"/>
-              <a:t>-Developer oder </a:t>
-            </a:r>
-            <a:r>
-              <a:rPr lang="de-DE" altLang="de-DE" dirty="0" err="1"/>
-              <a:t>Mulit</a:t>
-            </a:r>
-            <a:r>
-              <a:rPr lang="de-DE" altLang="de-DE" dirty="0"/>
-              <a:t>-Repository Umgebungen, um bspw. Releases zu markieren</a:t>
-            </a:r>
+              <a:t>ermöglicht das Auschecken eines getaggten Commit</a:t>
+            </a:r>
+          </a:p>
+          <a:p>
+            <a:pPr marL="457200" lvl="1" indent="0">
+              <a:spcBef>
+                <a:spcPts val="0"/>
+              </a:spcBef>
+              <a:buNone/>
+            </a:pPr>
+            <a:endParaRPr lang="en-US" altLang="de-DE" sz="1200" dirty="0">
+              <a:latin typeface="Consolas" panose="020B0609020204030204" pitchFamily="49" charset="0"/>
+            </a:endParaRPr>
+          </a:p>
+          <a:p>
+            <a:pPr marL="457200" lvl="1" indent="0">
+              <a:spcBef>
+                <a:spcPts val="0"/>
+              </a:spcBef>
+              <a:buNone/>
+            </a:pPr>
+            <a:r>
+              <a:rPr lang="en-US" altLang="de-DE" sz="1200" dirty="0">
+                <a:latin typeface="Consolas" panose="020B0609020204030204" pitchFamily="49" charset="0"/>
+              </a:rPr>
+              <a:t>$ git checkout release-v0.0.1</a:t>
+            </a:r>
+          </a:p>
+          <a:p>
+            <a:pPr marL="457200" lvl="1" indent="0">
+              <a:spcBef>
+                <a:spcPts val="0"/>
+              </a:spcBef>
+              <a:buNone/>
+            </a:pPr>
+            <a:r>
+              <a:rPr lang="en-US" altLang="de-DE" sz="1200" dirty="0">
+                <a:latin typeface="Consolas" panose="020B0609020204030204" pitchFamily="49" charset="0"/>
+              </a:rPr>
+              <a:t>Note: switching to 'release-v0.0.1'.</a:t>
+            </a:r>
+          </a:p>
+          <a:p>
+            <a:pPr marL="457200" lvl="1" indent="0">
+              <a:spcBef>
+                <a:spcPts val="0"/>
+              </a:spcBef>
+              <a:buNone/>
+            </a:pPr>
+            <a:endParaRPr lang="en-US" altLang="de-DE" sz="1200" dirty="0">
+              <a:latin typeface="Consolas" panose="020B0609020204030204" pitchFamily="49" charset="0"/>
+            </a:endParaRPr>
+          </a:p>
+          <a:p>
+            <a:pPr marL="457200" lvl="1" indent="0">
+              <a:spcBef>
+                <a:spcPts val="0"/>
+              </a:spcBef>
+              <a:buNone/>
+            </a:pPr>
+            <a:r>
+              <a:rPr lang="en-US" altLang="de-DE" sz="1200" dirty="0">
+                <a:latin typeface="Consolas" panose="020B0609020204030204" pitchFamily="49" charset="0"/>
+              </a:rPr>
+              <a:t>You are in 'detached HEAD' state. You can look around, make experimental</a:t>
+            </a:r>
+          </a:p>
+          <a:p>
+            <a:pPr marL="457200" lvl="1" indent="0">
+              <a:spcBef>
+                <a:spcPts val="0"/>
+              </a:spcBef>
+              <a:buNone/>
+            </a:pPr>
+            <a:r>
+              <a:rPr lang="en-US" altLang="de-DE" sz="1200" dirty="0">
+                <a:latin typeface="Consolas" panose="020B0609020204030204" pitchFamily="49" charset="0"/>
+              </a:rPr>
+              <a:t>changes and commit them, and you can discard any commits you make in this</a:t>
+            </a:r>
+          </a:p>
+          <a:p>
+            <a:pPr marL="457200" lvl="1" indent="0">
+              <a:spcBef>
+                <a:spcPts val="0"/>
+              </a:spcBef>
+              <a:buNone/>
+            </a:pPr>
+            <a:r>
+              <a:rPr lang="en-US" altLang="de-DE" sz="1200" dirty="0">
+                <a:latin typeface="Consolas" panose="020B0609020204030204" pitchFamily="49" charset="0"/>
+              </a:rPr>
+              <a:t>state without impacting any branches by switching back to a branch.</a:t>
+            </a:r>
+          </a:p>
+          <a:p>
+            <a:pPr marL="457200" lvl="1" indent="0">
+              <a:spcBef>
+                <a:spcPts val="0"/>
+              </a:spcBef>
+              <a:buNone/>
+            </a:pPr>
+            <a:endParaRPr lang="en-US" altLang="de-DE" sz="1200" dirty="0">
+              <a:latin typeface="Consolas" panose="020B0609020204030204" pitchFamily="49" charset="0"/>
+            </a:endParaRPr>
+          </a:p>
+          <a:p>
+            <a:pPr marL="457200" lvl="1" indent="0">
+              <a:spcBef>
+                <a:spcPts val="0"/>
+              </a:spcBef>
+              <a:buNone/>
+            </a:pPr>
+            <a:r>
+              <a:rPr lang="en-US" altLang="de-DE" sz="1200" dirty="0">
+                <a:latin typeface="Consolas" panose="020B0609020204030204" pitchFamily="49" charset="0"/>
+              </a:rPr>
+              <a:t>If you want to create a new branch to retain commits you create, you may</a:t>
+            </a:r>
+          </a:p>
+          <a:p>
+            <a:pPr marL="457200" lvl="1" indent="0">
+              <a:spcBef>
+                <a:spcPts val="0"/>
+              </a:spcBef>
+              <a:buNone/>
+            </a:pPr>
+            <a:r>
+              <a:rPr lang="en-US" altLang="de-DE" sz="1200" dirty="0">
+                <a:latin typeface="Consolas" panose="020B0609020204030204" pitchFamily="49" charset="0"/>
+              </a:rPr>
+              <a:t>do so (now or later) by using -c with the switch command. Example:</a:t>
+            </a:r>
+          </a:p>
+          <a:p>
+            <a:pPr marL="457200" lvl="1" indent="0">
+              <a:spcBef>
+                <a:spcPts val="0"/>
+              </a:spcBef>
+              <a:buNone/>
+            </a:pPr>
+            <a:endParaRPr lang="en-US" altLang="de-DE" sz="1200" dirty="0">
+              <a:latin typeface="Consolas" panose="020B0609020204030204" pitchFamily="49" charset="0"/>
+            </a:endParaRPr>
+          </a:p>
+          <a:p>
+            <a:pPr marL="457200" lvl="1" indent="0">
+              <a:spcBef>
+                <a:spcPts val="0"/>
+              </a:spcBef>
+              <a:buNone/>
+            </a:pPr>
+            <a:r>
+              <a:rPr lang="en-US" altLang="de-DE" sz="1200" dirty="0">
+                <a:latin typeface="Consolas" panose="020B0609020204030204" pitchFamily="49" charset="0"/>
+              </a:rPr>
+              <a:t>  git switch -c &lt;new-branch-name&gt;</a:t>
+            </a:r>
+          </a:p>
+          <a:p>
+            <a:pPr marL="457200" lvl="1" indent="0">
+              <a:spcBef>
+                <a:spcPts val="0"/>
+              </a:spcBef>
+              <a:buNone/>
+            </a:pPr>
+            <a:endParaRPr lang="en-US" altLang="de-DE" sz="1200" dirty="0">
+              <a:latin typeface="Consolas" panose="020B0609020204030204" pitchFamily="49" charset="0"/>
+            </a:endParaRPr>
+          </a:p>
+          <a:p>
+            <a:pPr marL="457200" lvl="1" indent="0">
+              <a:spcBef>
+                <a:spcPts val="0"/>
+              </a:spcBef>
+              <a:buNone/>
+            </a:pPr>
+            <a:r>
+              <a:rPr lang="en-US" altLang="de-DE" sz="1200" dirty="0">
+                <a:latin typeface="Consolas" panose="020B0609020204030204" pitchFamily="49" charset="0"/>
+              </a:rPr>
+              <a:t>Or undo this operation with:</a:t>
+            </a:r>
+          </a:p>
+          <a:p>
+            <a:pPr marL="457200" lvl="1" indent="0">
+              <a:spcBef>
+                <a:spcPts val="0"/>
+              </a:spcBef>
+              <a:buNone/>
+            </a:pPr>
+            <a:endParaRPr lang="en-US" altLang="de-DE" sz="1200" dirty="0">
+              <a:latin typeface="Consolas" panose="020B0609020204030204" pitchFamily="49" charset="0"/>
+            </a:endParaRPr>
+          </a:p>
+          <a:p>
+            <a:pPr marL="457200" lvl="1" indent="0">
+              <a:spcBef>
+                <a:spcPts val="0"/>
+              </a:spcBef>
+              <a:buNone/>
+            </a:pPr>
+            <a:r>
+              <a:rPr lang="en-US" altLang="de-DE" sz="1200" dirty="0">
+                <a:latin typeface="Consolas" panose="020B0609020204030204" pitchFamily="49" charset="0"/>
+              </a:rPr>
+              <a:t>  git switch -</a:t>
+            </a:r>
+          </a:p>
+          <a:p>
+            <a:pPr marL="457200" lvl="1" indent="0">
+              <a:spcBef>
+                <a:spcPts val="0"/>
+              </a:spcBef>
+              <a:buNone/>
+            </a:pPr>
+            <a:endParaRPr lang="en-US" altLang="de-DE" sz="1200" dirty="0">
+              <a:latin typeface="Consolas" panose="020B0609020204030204" pitchFamily="49" charset="0"/>
+            </a:endParaRPr>
+          </a:p>
+          <a:p>
+            <a:pPr marL="457200" lvl="1" indent="0">
+              <a:spcBef>
+                <a:spcPts val="0"/>
+              </a:spcBef>
+              <a:buNone/>
+            </a:pPr>
+            <a:r>
+              <a:rPr lang="en-US" altLang="de-DE" sz="1200" dirty="0">
+                <a:latin typeface="Consolas" panose="020B0609020204030204" pitchFamily="49" charset="0"/>
+              </a:rPr>
+              <a:t>Turn off this advice by setting config variable </a:t>
+            </a:r>
+            <a:r>
+              <a:rPr lang="en-US" altLang="de-DE" sz="1200" dirty="0" err="1">
+                <a:latin typeface="Consolas" panose="020B0609020204030204" pitchFamily="49" charset="0"/>
+              </a:rPr>
+              <a:t>advice.detachedHead</a:t>
+            </a:r>
+            <a:r>
+              <a:rPr lang="en-US" altLang="de-DE" sz="1200" dirty="0">
+                <a:latin typeface="Consolas" panose="020B0609020204030204" pitchFamily="49" charset="0"/>
+              </a:rPr>
+              <a:t> to false</a:t>
+            </a:r>
+          </a:p>
+          <a:p>
+            <a:pPr marL="457200" lvl="1" indent="0">
+              <a:spcBef>
+                <a:spcPts val="0"/>
+              </a:spcBef>
+              <a:buNone/>
+            </a:pPr>
+            <a:endParaRPr lang="en-US" altLang="de-DE" sz="1200" dirty="0">
+              <a:latin typeface="Consolas" panose="020B0609020204030204" pitchFamily="49" charset="0"/>
+            </a:endParaRPr>
+          </a:p>
+          <a:p>
+            <a:pPr marL="457200" lvl="1" indent="0">
+              <a:spcBef>
+                <a:spcPts val="0"/>
+              </a:spcBef>
+              <a:buNone/>
+            </a:pPr>
+            <a:r>
+              <a:rPr lang="en-US" altLang="de-DE" sz="1200" dirty="0">
+                <a:latin typeface="Consolas" panose="020B0609020204030204" pitchFamily="49" charset="0"/>
+              </a:rPr>
+              <a:t>HEAD is now at c3a059e Add </a:t>
+            </a:r>
+            <a:r>
+              <a:rPr lang="en-US" altLang="de-DE" sz="1200" dirty="0" err="1">
+                <a:latin typeface="Consolas" panose="020B0609020204030204" pitchFamily="49" charset="0"/>
+              </a:rPr>
+              <a:t>final_file</a:t>
+            </a:r>
+            <a:endParaRPr lang="de-DE" altLang="de-DE" sz="1200" dirty="0">
+              <a:latin typeface="Consolas" panose="020B0609020204030204" pitchFamily="49" charset="0"/>
+            </a:endParaRPr>
+          </a:p>
+          <a:p>
+            <a:endParaRPr lang="de-DE" altLang="de-DE" dirty="0"/>
           </a:p>
         </p:txBody>
       </p:sp>
@@ -4499,11 +6022,11 @@
           <a:p>
             <a:r>
               <a:rPr lang="de-DE" altLang="de-DE" dirty="0" err="1"/>
-              <a:t>Annotated</a:t>
+              <a:t>Git</a:t>
             </a:r>
             <a:r>
               <a:rPr lang="de-DE" altLang="de-DE" dirty="0"/>
-              <a:t> Tags</a:t>
+              <a:t> – Tags </a:t>
             </a:r>
           </a:p>
         </p:txBody>
@@ -4511,7 +6034,7 @@
     </p:spTree>
     <p:extLst>
       <p:ext uri="{BB962C8B-B14F-4D97-AF65-F5344CB8AC3E}">
-        <p14:creationId xmlns:p14="http://schemas.microsoft.com/office/powerpoint/2010/main" val="968504568"/>
+        <p14:creationId xmlns:p14="http://schemas.microsoft.com/office/powerpoint/2010/main" val="1904022772"/>
       </p:ext>
     </p:extLst>
   </p:cSld>
@@ -4565,42 +6088,53 @@
           <a:lstStyle/>
           <a:p>
             <a:r>
+              <a:rPr lang="de-DE" altLang="de-DE" dirty="0" err="1">
+                <a:latin typeface="Consolas" panose="020B0609020204030204" pitchFamily="49" charset="0"/>
+              </a:rPr>
+              <a:t>git</a:t>
+            </a:r>
+            <a:r>
+              <a:rPr lang="de-DE" altLang="de-DE" dirty="0">
+                <a:latin typeface="Consolas" panose="020B0609020204030204" pitchFamily="49" charset="0"/>
+              </a:rPr>
+              <a:t> </a:t>
+            </a:r>
+            <a:r>
+              <a:rPr lang="de-DE" altLang="de-DE" dirty="0" err="1">
+                <a:latin typeface="Consolas" panose="020B0609020204030204" pitchFamily="49" charset="0"/>
+              </a:rPr>
+              <a:t>checkout</a:t>
+            </a:r>
+            <a:r>
+              <a:rPr lang="de-DE" altLang="de-DE" dirty="0">
+                <a:latin typeface="Consolas" panose="020B0609020204030204" pitchFamily="49" charset="0"/>
+              </a:rPr>
+              <a:t> –b &lt;</a:t>
+            </a:r>
+            <a:r>
+              <a:rPr lang="de-DE" altLang="de-DE" dirty="0" err="1">
+                <a:latin typeface="Consolas" panose="020B0609020204030204" pitchFamily="49" charset="0"/>
+              </a:rPr>
+              <a:t>branch</a:t>
+            </a:r>
+            <a:r>
+              <a:rPr lang="de-DE" altLang="de-DE" dirty="0">
+                <a:latin typeface="Consolas" panose="020B0609020204030204" pitchFamily="49" charset="0"/>
+              </a:rPr>
+              <a:t>-name&gt; &lt;tag-name&gt; </a:t>
+            </a:r>
+            <a:r>
+              <a:rPr lang="de-DE" altLang="de-DE" dirty="0"/>
+              <a:t>ermöglicht das Erstellen eines </a:t>
+            </a:r>
+            <a:r>
               <a:rPr lang="de-DE" altLang="de-DE" dirty="0" err="1"/>
-              <a:t>Annotated</a:t>
+              <a:t>Branches</a:t>
             </a:r>
             <a:r>
               <a:rPr lang="de-DE" altLang="de-DE" dirty="0"/>
-              <a:t> Tag erstellen mittels</a:t>
-            </a:r>
-          </a:p>
-          <a:p>
-            <a:pPr marL="0" indent="0">
-              <a:buNone/>
-            </a:pPr>
-            <a:r>
-              <a:rPr lang="de-DE" altLang="de-DE" dirty="0"/>
-              <a:t>	</a:t>
-            </a:r>
-            <a:r>
-              <a:rPr lang="de-DE" altLang="de-DE" dirty="0" err="1">
-                <a:latin typeface="Consolas" panose="020B0609020204030204" pitchFamily="49" charset="0"/>
-              </a:rPr>
-              <a:t>git</a:t>
-            </a:r>
-            <a:r>
-              <a:rPr lang="de-DE" altLang="de-DE" dirty="0">
-                <a:latin typeface="Consolas" panose="020B0609020204030204" pitchFamily="49" charset="0"/>
-              </a:rPr>
-              <a:t> tag -a &lt;tag-name&gt;</a:t>
-            </a:r>
-          </a:p>
-          <a:p>
-            <a:pPr marL="457200" lvl="1" indent="0">
-              <a:buNone/>
-            </a:pPr>
-            <a:endParaRPr lang="de-DE" altLang="de-DE" sz="1200" dirty="0">
-              <a:latin typeface="Consolas" panose="020B0609020204030204" pitchFamily="49" charset="0"/>
-            </a:endParaRPr>
+              <a:t> abzweigend vom getaggten Commit</a:t>
+            </a:r>
           </a:p>
           <a:p>
             <a:pPr marL="457200" lvl="1" indent="0">
@@ -4609,36 +6143,9 @@
               </a:spcBef>
               <a:buNone/>
             </a:pPr>
-            <a:r>
-              <a:rPr lang="de-DE" altLang="de-DE" sz="1200" dirty="0">
-                <a:latin typeface="Consolas" panose="020B0609020204030204" pitchFamily="49" charset="0"/>
-              </a:rPr>
-              <a:t>$ </a:t>
-            </a:r>
-            <a:r>
-              <a:rPr lang="de-DE" altLang="de-DE" sz="1200" dirty="0" err="1">
-                <a:latin typeface="Consolas" panose="020B0609020204030204" pitchFamily="49" charset="0"/>
-              </a:rPr>
-              <a:t>git</a:t>
-            </a:r>
-            <a:r>
-              <a:rPr lang="de-DE" altLang="de-DE" sz="1200" dirty="0">
-                <a:latin typeface="Consolas" panose="020B0609020204030204" pitchFamily="49" charset="0"/>
-              </a:rPr>
-              <a:t> tag -a release-v1.0.0 -m "</a:t>
-            </a:r>
-            <a:r>
-              <a:rPr lang="de-DE" altLang="de-DE" sz="1200" dirty="0" err="1">
-                <a:latin typeface="Consolas" panose="020B0609020204030204" pitchFamily="49" charset="0"/>
-              </a:rPr>
-              <a:t>Latest</a:t>
-            </a:r>
-            <a:r>
-              <a:rPr lang="de-DE" altLang="de-DE" sz="1200" dirty="0">
-                <a:latin typeface="Consolas" panose="020B0609020204030204" pitchFamily="49" charset="0"/>
-              </a:rPr>
-              <a:t> v1 release"</a:t>
-            </a:r>
+            <a:endParaRPr lang="en-US" altLang="de-DE" sz="1200" dirty="0">
+              <a:latin typeface="Consolas" panose="020B0609020204030204" pitchFamily="49" charset="0"/>
+            </a:endParaRPr>
           </a:p>
           <a:p>
             <a:pPr marL="457200" lvl="1" indent="0">
@@ -4647,9 +6154,12 @@
               </a:spcBef>
               <a:buNone/>
             </a:pPr>
-            <a:endParaRPr lang="de-DE" altLang="de-DE" sz="1200" dirty="0">
-              <a:latin typeface="Consolas" panose="020B0609020204030204" pitchFamily="49" charset="0"/>
-            </a:endParaRPr>
+            <a:r>
+              <a:rPr lang="en-US" altLang="de-DE" sz="1200" dirty="0">
+                <a:latin typeface="Consolas" panose="020B0609020204030204" pitchFamily="49" charset="0"/>
+              </a:rPr>
+              <a:t>$ git checkout -b hotfix release-v0.0.1</a:t>
+            </a:r>
           </a:p>
           <a:p>
             <a:pPr marL="457200" lvl="1" indent="0">
@@ -4659,34 +6169,35 @@
               <a:buNone/>
             </a:pPr>
             <a:r>
-              <a:rPr lang="de-DE" altLang="de-DE" sz="1200" dirty="0">
-                <a:latin typeface="Consolas" panose="020B0609020204030204" pitchFamily="49" charset="0"/>
-              </a:rPr>
-              <a:t>$ </a:t>
-            </a:r>
-            <a:r>
-              <a:rPr lang="de-DE" altLang="de-DE" sz="1200" dirty="0" err="1">
+              <a:rPr lang="en-US" altLang="de-DE" sz="1200" dirty="0">
+                <a:latin typeface="Consolas" panose="020B0609020204030204" pitchFamily="49" charset="0"/>
+              </a:rPr>
+              <a:t>Switched to a new branch 'hotfix‘</a:t>
+            </a:r>
+            <a:endParaRPr lang="de-DE" altLang="de-DE" sz="1200" dirty="0">
+              <a:latin typeface="Consolas" panose="020B0609020204030204" pitchFamily="49" charset="0"/>
+            </a:endParaRPr>
+          </a:p>
+          <a:p>
+            <a:r>
+              <a:rPr lang="de-DE" altLang="de-DE" dirty="0"/>
+              <a:t>Löschen eines Tags ist mit dem Befehl </a:t>
+            </a:r>
+            <a:r>
+              <a:rPr lang="de-DE" altLang="de-DE" dirty="0" err="1">
                 <a:latin typeface="Consolas" panose="020B0609020204030204" pitchFamily="49" charset="0"/>
               </a:rPr>
               <a:t>git</a:t>
             </a:r>
             <a:r>
-              <a:rPr lang="de-DE" altLang="de-DE" sz="1200" dirty="0">
-                <a:latin typeface="Consolas" panose="020B0609020204030204" pitchFamily="49" charset="0"/>
-              </a:rPr>
-              <a:t> </a:t>
-            </a:r>
-            <a:r>
-              <a:rPr lang="de-DE" altLang="de-DE" sz="1200" dirty="0" err="1">
-                <a:latin typeface="Consolas" panose="020B0609020204030204" pitchFamily="49" charset="0"/>
-              </a:rPr>
-              <a:t>show</a:t>
-            </a:r>
-            <a:r>
-              <a:rPr lang="de-DE" altLang="de-DE" sz="1200" dirty="0">
-                <a:latin typeface="Consolas" panose="020B0609020204030204" pitchFamily="49" charset="0"/>
-              </a:rPr>
-              <a:t> release-v1.0.0</a:t>
+              <a:rPr lang="de-DE" altLang="de-DE" dirty="0">
+                <a:latin typeface="Consolas" panose="020B0609020204030204" pitchFamily="49" charset="0"/>
+              </a:rPr>
+              <a:t> tag -d &lt;tag-name&gt; </a:t>
+            </a:r>
+            <a:r>
+              <a:rPr lang="de-DE" altLang="de-DE" dirty="0"/>
+              <a:t>möglich</a:t>
             </a:r>
           </a:p>
           <a:p>
@@ -4696,12 +6207,9 @@
               </a:spcBef>
               <a:buNone/>
             </a:pPr>
-            <a:r>
-              <a:rPr lang="de-DE" altLang="de-DE" sz="1200" dirty="0">
-                <a:latin typeface="Consolas" panose="020B0609020204030204" pitchFamily="49" charset="0"/>
-              </a:rPr>
-              <a:t>tag release-v1.0.0</a:t>
-            </a:r>
+            <a:endParaRPr lang="en-US" altLang="de-DE" sz="1200" dirty="0">
+              <a:latin typeface="Consolas" panose="020B0609020204030204" pitchFamily="49" charset="0"/>
+            </a:endParaRPr>
           </a:p>
           <a:p>
             <a:pPr marL="457200" lvl="1" indent="0">
@@ -4711,10 +6219,10 @@
               <a:buNone/>
             </a:pPr>
             <a:r>
-              <a:rPr lang="de-DE" altLang="de-DE" sz="1200" dirty="0">
-                <a:latin typeface="Consolas" panose="020B0609020204030204" pitchFamily="49" charset="0"/>
-              </a:rPr>
-              <a:t>Tagger: Christopher Keutner &lt;christopher.keutner@alumni.fh-aachen.de&gt;</a:t>
+              <a:rPr lang="en-US" altLang="de-DE" sz="1200" dirty="0">
+                <a:latin typeface="Consolas" panose="020B0609020204030204" pitchFamily="49" charset="0"/>
+              </a:rPr>
+              <a:t>$ git tag -d release-v0.0.0</a:t>
             </a:r>
           </a:p>
           <a:p>
@@ -4725,272 +6233,14 @@
               <a:buNone/>
             </a:pPr>
             <a:r>
-              <a:rPr lang="de-DE" altLang="de-DE" sz="1200" dirty="0">
-                <a:latin typeface="Consolas" panose="020B0609020204030204" pitchFamily="49" charset="0"/>
-              </a:rPr>
-              <a:t>Date:   Tue May 28 15:13:44 2024 +0200</a:t>
-            </a:r>
-          </a:p>
-          <a:p>
-            <a:pPr marL="457200" lvl="1" indent="0">
-              <a:spcBef>
-                <a:spcPts val="0"/>
-              </a:spcBef>
-              <a:buNone/>
-            </a:pPr>
+              <a:rPr lang="en-US" altLang="de-DE" sz="1200" dirty="0">
+                <a:latin typeface="Consolas" panose="020B0609020204030204" pitchFamily="49" charset="0"/>
+              </a:rPr>
+              <a:t>Deleted tag 'release-v0.0.0' (was a908be7)</a:t>
+            </a:r>
             <a:endParaRPr lang="de-DE" altLang="de-DE" sz="1200" dirty="0">
               <a:latin typeface="Consolas" panose="020B0609020204030204" pitchFamily="49" charset="0"/>
             </a:endParaRPr>
-          </a:p>
-          <a:p>
-            <a:pPr marL="457200" lvl="1" indent="0">
-              <a:spcBef>
-                <a:spcPts val="0"/>
-              </a:spcBef>
-              <a:buNone/>
-            </a:pPr>
-            <a:r>
-              <a:rPr lang="de-DE" altLang="de-DE" sz="1200" dirty="0" err="1">
-                <a:latin typeface="Consolas" panose="020B0609020204030204" pitchFamily="49" charset="0"/>
-              </a:rPr>
-              <a:t>Latest</a:t>
-            </a:r>
-            <a:r>
-              <a:rPr lang="de-DE" altLang="de-DE" sz="1200" dirty="0">
-                <a:latin typeface="Consolas" panose="020B0609020204030204" pitchFamily="49" charset="0"/>
-              </a:rPr>
-              <a:t> v1 release</a:t>
-            </a:r>
-          </a:p>
-          <a:p>
-            <a:pPr marL="457200" lvl="1" indent="0">
-              <a:spcBef>
-                <a:spcPts val="0"/>
-              </a:spcBef>
-              <a:buNone/>
-            </a:pPr>
-            <a:endParaRPr lang="de-DE" altLang="de-DE" sz="1200" dirty="0">
-              <a:latin typeface="Consolas" panose="020B0609020204030204" pitchFamily="49" charset="0"/>
-            </a:endParaRPr>
-          </a:p>
-          <a:p>
-            <a:pPr marL="457200" lvl="1" indent="0">
-              <a:spcBef>
-                <a:spcPts val="0"/>
-              </a:spcBef>
-              <a:buNone/>
-            </a:pPr>
-            <a:r>
-              <a:rPr lang="de-DE" altLang="de-DE" sz="1200" dirty="0" err="1">
-                <a:latin typeface="Consolas" panose="020B0609020204030204" pitchFamily="49" charset="0"/>
-              </a:rPr>
-              <a:t>commit</a:t>
-            </a:r>
-            <a:r>
-              <a:rPr lang="de-DE" altLang="de-DE" sz="1200" dirty="0">
-                <a:latin typeface="Consolas" panose="020B0609020204030204" pitchFamily="49" charset="0"/>
-              </a:rPr>
-              <a:t> 11f6b62f8bc7a3403ceae4e8923d7a54abab7b6d (HEAD -&gt; </a:t>
-            </a:r>
-            <a:r>
-              <a:rPr lang="de-DE" altLang="de-DE" sz="1200" dirty="0" err="1">
-                <a:latin typeface="Consolas" panose="020B0609020204030204" pitchFamily="49" charset="0"/>
-              </a:rPr>
-              <a:t>main</a:t>
-            </a:r>
-            <a:r>
-              <a:rPr lang="de-DE" altLang="de-DE" sz="1200" dirty="0">
-                <a:latin typeface="Consolas" panose="020B0609020204030204" pitchFamily="49" charset="0"/>
-              </a:rPr>
-              <a:t>, tag: release-v1.0.0)</a:t>
-            </a:r>
-          </a:p>
-          <a:p>
-            <a:pPr marL="457200" lvl="1" indent="0">
-              <a:spcBef>
-                <a:spcPts val="0"/>
-              </a:spcBef>
-              <a:buNone/>
-            </a:pPr>
-            <a:r>
-              <a:rPr lang="de-DE" altLang="de-DE" sz="1200" dirty="0" err="1">
-                <a:latin typeface="Consolas" panose="020B0609020204030204" pitchFamily="49" charset="0"/>
-              </a:rPr>
-              <a:t>Author</a:t>
-            </a:r>
-            <a:r>
-              <a:rPr lang="de-DE" altLang="de-DE" sz="1200" dirty="0">
-                <a:latin typeface="Consolas" panose="020B0609020204030204" pitchFamily="49" charset="0"/>
-              </a:rPr>
-              <a:t>: Christopher Keutner &lt;christopher.keutner@alumni.fh-aachen.de&gt;</a:t>
-            </a:r>
-          </a:p>
-          <a:p>
-            <a:pPr marL="457200" lvl="1" indent="0">
-              <a:spcBef>
-                <a:spcPts val="0"/>
-              </a:spcBef>
-              <a:buNone/>
-            </a:pPr>
-            <a:r>
-              <a:rPr lang="de-DE" altLang="de-DE" sz="1200" dirty="0">
-                <a:latin typeface="Consolas" panose="020B0609020204030204" pitchFamily="49" charset="0"/>
-              </a:rPr>
-              <a:t>Date:   Tue May 28 15:13:10 2024 +0200</a:t>
-            </a:r>
-          </a:p>
-          <a:p>
-            <a:pPr marL="457200" lvl="1" indent="0">
-              <a:spcBef>
-                <a:spcPts val="0"/>
-              </a:spcBef>
-              <a:buNone/>
-            </a:pPr>
-            <a:endParaRPr lang="de-DE" altLang="de-DE" sz="1200" dirty="0">
-              <a:latin typeface="Consolas" panose="020B0609020204030204" pitchFamily="49" charset="0"/>
-            </a:endParaRPr>
-          </a:p>
-          <a:p>
-            <a:pPr marL="457200" lvl="1" indent="0">
-              <a:spcBef>
-                <a:spcPts val="0"/>
-              </a:spcBef>
-              <a:buNone/>
-            </a:pPr>
-            <a:r>
-              <a:rPr lang="de-DE" altLang="de-DE" sz="1200" dirty="0">
-                <a:latin typeface="Consolas" panose="020B0609020204030204" pitchFamily="49" charset="0"/>
-              </a:rPr>
-              <a:t>    Add </a:t>
-            </a:r>
-            <a:r>
-              <a:rPr lang="de-DE" altLang="de-DE" sz="1200" dirty="0" err="1">
-                <a:latin typeface="Consolas" panose="020B0609020204030204" pitchFamily="49" charset="0"/>
-              </a:rPr>
-              <a:t>new</a:t>
-            </a:r>
-            <a:r>
-              <a:rPr lang="de-DE" altLang="de-DE" sz="1200" dirty="0">
-                <a:latin typeface="Consolas" panose="020B0609020204030204" pitchFamily="49" charset="0"/>
-              </a:rPr>
-              <a:t> </a:t>
-            </a:r>
-            <a:r>
-              <a:rPr lang="de-DE" altLang="de-DE" sz="1200" dirty="0" err="1">
-                <a:latin typeface="Consolas" panose="020B0609020204030204" pitchFamily="49" charset="0"/>
-              </a:rPr>
-              <a:t>file</a:t>
-            </a:r>
-            <a:endParaRPr lang="de-DE" altLang="de-DE" sz="1200" dirty="0">
-              <a:latin typeface="Consolas" panose="020B0609020204030204" pitchFamily="49" charset="0"/>
-            </a:endParaRPr>
-          </a:p>
-          <a:p>
-            <a:pPr marL="457200" lvl="1" indent="0">
-              <a:spcBef>
-                <a:spcPts val="0"/>
-              </a:spcBef>
-              <a:buNone/>
-            </a:pPr>
-            <a:endParaRPr lang="de-DE" altLang="de-DE" sz="1200" dirty="0">
-              <a:latin typeface="Consolas" panose="020B0609020204030204" pitchFamily="49" charset="0"/>
-            </a:endParaRPr>
-          </a:p>
-          <a:p>
-            <a:pPr marL="457200" lvl="1" indent="0">
-              <a:spcBef>
-                <a:spcPts val="0"/>
-              </a:spcBef>
-              <a:buNone/>
-            </a:pPr>
-            <a:r>
-              <a:rPr lang="de-DE" altLang="de-DE" sz="1200" dirty="0" err="1">
-                <a:latin typeface="Consolas" panose="020B0609020204030204" pitchFamily="49" charset="0"/>
-              </a:rPr>
-              <a:t>diff</a:t>
-            </a:r>
-            <a:r>
-              <a:rPr lang="de-DE" altLang="de-DE" sz="1200" dirty="0">
-                <a:latin typeface="Consolas" panose="020B0609020204030204" pitchFamily="49" charset="0"/>
-              </a:rPr>
-              <a:t> --</a:t>
-            </a:r>
-            <a:r>
-              <a:rPr lang="de-DE" altLang="de-DE" sz="1200" dirty="0" err="1">
-                <a:latin typeface="Consolas" panose="020B0609020204030204" pitchFamily="49" charset="0"/>
-              </a:rPr>
-              <a:t>git</a:t>
-            </a:r>
-            <a:r>
-              <a:rPr lang="de-DE" altLang="de-DE" sz="1200" dirty="0">
-                <a:latin typeface="Consolas" panose="020B0609020204030204" pitchFamily="49" charset="0"/>
-              </a:rPr>
-              <a:t> a/file8.txt b/file8.txt</a:t>
-            </a:r>
-          </a:p>
-          <a:p>
-            <a:pPr marL="457200" lvl="1" indent="0">
-              <a:spcBef>
-                <a:spcPts val="0"/>
-              </a:spcBef>
-              <a:buNone/>
-            </a:pPr>
-            <a:r>
-              <a:rPr lang="de-DE" altLang="de-DE" sz="1200" dirty="0" err="1">
-                <a:latin typeface="Consolas" panose="020B0609020204030204" pitchFamily="49" charset="0"/>
-              </a:rPr>
-              <a:t>new</a:t>
-            </a:r>
-            <a:r>
-              <a:rPr lang="de-DE" altLang="de-DE" sz="1200" dirty="0">
-                <a:latin typeface="Consolas" panose="020B0609020204030204" pitchFamily="49" charset="0"/>
-              </a:rPr>
-              <a:t> </a:t>
-            </a:r>
-            <a:r>
-              <a:rPr lang="de-DE" altLang="de-DE" sz="1200" dirty="0" err="1">
-                <a:latin typeface="Consolas" panose="020B0609020204030204" pitchFamily="49" charset="0"/>
-              </a:rPr>
-              <a:t>file</a:t>
-            </a:r>
-            <a:r>
-              <a:rPr lang="de-DE" altLang="de-DE" sz="1200" dirty="0">
-                <a:latin typeface="Consolas" panose="020B0609020204030204" pitchFamily="49" charset="0"/>
-              </a:rPr>
-              <a:t> </a:t>
-            </a:r>
-            <a:r>
-              <a:rPr lang="de-DE" altLang="de-DE" sz="1200" dirty="0" err="1">
-                <a:latin typeface="Consolas" panose="020B0609020204030204" pitchFamily="49" charset="0"/>
-              </a:rPr>
-              <a:t>mode</a:t>
-            </a:r>
-            <a:r>
-              <a:rPr lang="de-DE" altLang="de-DE" sz="1200" dirty="0">
-                <a:latin typeface="Consolas" panose="020B0609020204030204" pitchFamily="49" charset="0"/>
-              </a:rPr>
-              <a:t> 100644</a:t>
-            </a:r>
-          </a:p>
-          <a:p>
-            <a:pPr marL="457200" lvl="1" indent="0">
-              <a:spcBef>
-                <a:spcPts val="0"/>
-              </a:spcBef>
-              <a:buNone/>
-            </a:pPr>
-            <a:r>
-              <a:rPr lang="de-DE" altLang="de-DE" sz="1200" dirty="0" err="1">
-                <a:latin typeface="Consolas" panose="020B0609020204030204" pitchFamily="49" charset="0"/>
-              </a:rPr>
-              <a:t>index</a:t>
-            </a:r>
-            <a:r>
-              <a:rPr lang="de-DE" altLang="de-DE" sz="1200" dirty="0">
-                <a:latin typeface="Consolas" panose="020B0609020204030204" pitchFamily="49" charset="0"/>
-              </a:rPr>
-              <a:t> 0000000..e69de29</a:t>
-            </a:r>
           </a:p>
         </p:txBody>
       </p:sp>
@@ -5022,11 +6272,11 @@
           <a:p>
             <a:r>
               <a:rPr lang="de-DE" altLang="de-DE" dirty="0" err="1"/>
-              <a:t>Annotated</a:t>
+              <a:t>Git</a:t>
             </a:r>
             <a:r>
               <a:rPr lang="de-DE" altLang="de-DE" dirty="0"/>
-              <a:t> Tags</a:t>
+              <a:t> – Tags </a:t>
             </a:r>
           </a:p>
         </p:txBody>
@@ -5034,7 +6284,7 @@
     </p:spTree>
     <p:extLst>
       <p:ext uri="{BB962C8B-B14F-4D97-AF65-F5344CB8AC3E}">
-        <p14:creationId xmlns:p14="http://schemas.microsoft.com/office/powerpoint/2010/main" val="641179957"/>
+        <p14:creationId xmlns:p14="http://schemas.microsoft.com/office/powerpoint/2010/main" val="1311074186"/>
       </p:ext>
     </p:extLst>
   </p:cSld>
@@ -5063,43 +6313,10 @@
       </p:grpSpPr>
       <p:sp>
         <p:nvSpPr>
-          <p:cNvPr id="5123" name="Rectangle 6">
+          <p:cNvPr id="6146" name="Inhaltsplatzhalter 18">
             <a:extLst>
               <a:ext uri="{FF2B5EF4-FFF2-40B4-BE49-F238E27FC236}">
-                <a16:creationId xmlns:a16="http://schemas.microsoft.com/office/drawing/2014/main" id="{BC4BC2CC-AA18-345B-63ED-7D24CA6BD3B5}"/>
-              </a:ext>
-            </a:extLst>
-          </p:cNvPr>
-          <p:cNvSpPr>
-            <a:spLocks noGrp="1" noChangeArrowheads="1"/>
-          </p:cNvSpPr>
-          <p:nvPr>
-            <p:ph type="title"/>
-          </p:nvPr>
-        </p:nvSpPr>
-        <p:spPr>
-          <a:xfrm>
-            <a:off x="457200" y="115888"/>
-            <a:ext cx="3409950" cy="706437"/>
-          </a:xfrm>
-        </p:spPr>
-        <p:txBody>
-          <a:bodyPr/>
-          <a:lstStyle/>
-          <a:p>
-            <a:r>
-              <a:rPr lang="de-DE" altLang="de-DE"/>
-              <a:t>Inhalt</a:t>
-            </a:r>
-          </a:p>
-        </p:txBody>
-      </p:sp>
-      <p:sp>
-        <p:nvSpPr>
-          <p:cNvPr id="3" name="Inhaltsplatzhalter 18">
-            <a:extLst>
-              <a:ext uri="{FF2B5EF4-FFF2-40B4-BE49-F238E27FC236}">
-                <a16:creationId xmlns:a16="http://schemas.microsoft.com/office/drawing/2014/main" id="{722A59E8-4DC4-18C6-04BE-E59EF5F3246C}"/>
+                <a16:creationId xmlns:a16="http://schemas.microsoft.com/office/drawing/2014/main" id="{BE3C4C95-FD5D-27F0-ED0C-AB8113CAC9F1}"/>
               </a:ext>
             </a:extLst>
           </p:cNvPr>
@@ -5120,133 +6337,141 @@
           <a:bodyPr/>
           <a:lstStyle/>
           <a:p>
-            <a:pPr>
-              <a:spcBef>
-                <a:spcPts val="300"/>
-              </a:spcBef>
-            </a:pPr>
+            <a:pPr marL="0" indent="0">
+              <a:buNone/>
+            </a:pPr>
+            <a:r>
+              <a:rPr lang="de-DE" altLang="de-DE" b="1" dirty="0" err="1"/>
+              <a:t>Annotated</a:t>
+            </a:r>
+            <a:r>
+              <a:rPr lang="de-DE" altLang="de-DE" b="1" dirty="0"/>
+              <a:t> und Lightweight Tags</a:t>
+            </a:r>
+          </a:p>
+          <a:p>
             <a:r>
               <a:rPr lang="de-DE" altLang="de-DE" dirty="0"/>
-              <a:t>Tags in </a:t>
-            </a:r>
+              <a:t>Lightweight Tags geben dem jeweiligen Commit nur ein Alias</a:t>
+            </a:r>
+          </a:p>
+          <a:p>
+            <a:r>
+              <a:rPr lang="de-DE" altLang="de-DE" dirty="0" err="1"/>
+              <a:t>Annotated</a:t>
+            </a:r>
+            <a:r>
+              <a:rPr lang="de-DE" altLang="de-DE" dirty="0"/>
+              <a:t> Tags sind schwergewichtiger und enthalten daher mehr Informationen</a:t>
+            </a:r>
+          </a:p>
+          <a:p>
+            <a:pPr lvl="1"/>
+            <a:r>
+              <a:rPr lang="de-DE" altLang="de-DE" dirty="0"/>
+              <a:t>Tagger Name</a:t>
+            </a:r>
+          </a:p>
+          <a:p>
+            <a:pPr lvl="1"/>
+            <a:r>
+              <a:rPr lang="de-DE" altLang="de-DE" dirty="0"/>
+              <a:t>Tagger E-Mail</a:t>
+            </a:r>
+          </a:p>
+          <a:p>
+            <a:pPr lvl="1"/>
+            <a:r>
+              <a:rPr lang="de-DE" altLang="de-DE" dirty="0"/>
+              <a:t>Datum</a:t>
+            </a:r>
+          </a:p>
+          <a:p>
+            <a:pPr lvl="1"/>
+            <a:r>
+              <a:rPr lang="de-DE" altLang="de-DE" dirty="0"/>
+              <a:t>Tagging Message</a:t>
+            </a:r>
+          </a:p>
+          <a:p>
+            <a:pPr lvl="1"/>
+            <a:r>
+              <a:rPr lang="de-DE" altLang="de-DE" dirty="0"/>
+              <a:t>Checksumme</a:t>
+            </a:r>
+          </a:p>
+          <a:p>
+            <a:pPr lvl="1"/>
+            <a:r>
+              <a:rPr lang="de-DE" altLang="de-DE" dirty="0"/>
+              <a:t>Signierung</a:t>
+            </a:r>
+          </a:p>
+          <a:p>
+            <a:r>
+              <a:rPr lang="de-DE" altLang="de-DE" dirty="0"/>
+              <a:t>Sinnvoll bei </a:t>
+            </a:r>
+            <a:r>
+              <a:rPr lang="de-DE" altLang="de-DE" dirty="0" err="1"/>
+              <a:t>Mulit</a:t>
+            </a:r>
+            <a:r>
+              <a:rPr lang="de-DE" altLang="de-DE" dirty="0"/>
+              <a:t>-Developer oder </a:t>
+            </a:r>
+            <a:r>
+              <a:rPr lang="de-DE" altLang="de-DE" dirty="0" err="1"/>
+              <a:t>Mulit</a:t>
+            </a:r>
+            <a:r>
+              <a:rPr lang="de-DE" altLang="de-DE" dirty="0"/>
+              <a:t>-Repository Umgebungen, um bspw. Releases zu markieren</a:t>
+            </a:r>
+          </a:p>
+        </p:txBody>
+      </p:sp>
+      <p:sp>
+        <p:nvSpPr>
+          <p:cNvPr id="6147" name="Rectangle 1062">
+            <a:extLst>
+              <a:ext uri="{FF2B5EF4-FFF2-40B4-BE49-F238E27FC236}">
+                <a16:creationId xmlns:a16="http://schemas.microsoft.com/office/drawing/2014/main" id="{C46E9340-3256-8D55-A265-94F2F41E288E}"/>
+              </a:ext>
+            </a:extLst>
+          </p:cNvPr>
+          <p:cNvSpPr>
+            <a:spLocks noGrp="1" noChangeArrowheads="1"/>
+          </p:cNvSpPr>
+          <p:nvPr>
+            <p:ph type="title"/>
+          </p:nvPr>
+        </p:nvSpPr>
+        <p:spPr>
+          <a:xfrm>
+            <a:off x="285750" y="142875"/>
+            <a:ext cx="5654675" cy="706438"/>
+          </a:xfrm>
+        </p:spPr>
+        <p:txBody>
+          <a:bodyPr/>
+          <a:lstStyle/>
+          <a:p>
             <a:r>
               <a:rPr lang="de-DE" altLang="de-DE" dirty="0" err="1"/>
               <a:t>Git</a:t>
             </a:r>
-            <a:endParaRPr lang="de-DE" altLang="de-DE" dirty="0"/>
-          </a:p>
-          <a:p>
-            <a:pPr lvl="1">
-              <a:spcBef>
-                <a:spcPts val="300"/>
-              </a:spcBef>
-            </a:pPr>
             <a:r>
               <a:rPr lang="de-DE" altLang="de-DE" dirty="0"/>
-              <a:t>Tagging Konzept</a:t>
-            </a:r>
-          </a:p>
-          <a:p>
-            <a:pPr lvl="1">
-              <a:spcBef>
-                <a:spcPts val="300"/>
-              </a:spcBef>
-            </a:pPr>
-            <a:r>
-              <a:rPr lang="de-DE" altLang="de-DE" dirty="0"/>
-              <a:t>Erstellen von </a:t>
-            </a:r>
-            <a:r>
-              <a:rPr lang="de-DE" altLang="de-DE" dirty="0" err="1"/>
-              <a:t>Git</a:t>
-            </a:r>
-            <a:r>
-              <a:rPr lang="de-DE" altLang="de-DE" dirty="0"/>
-              <a:t> Tags</a:t>
-            </a:r>
-          </a:p>
-          <a:p>
-            <a:pPr lvl="1">
-              <a:spcBef>
-                <a:spcPts val="300"/>
-              </a:spcBef>
-            </a:pPr>
-            <a:r>
-              <a:rPr lang="de-DE" altLang="de-DE" dirty="0" err="1"/>
-              <a:t>Annotated</a:t>
-            </a:r>
-            <a:r>
-              <a:rPr lang="de-DE" altLang="de-DE" dirty="0"/>
-              <a:t> Tags</a:t>
-            </a:r>
-          </a:p>
-          <a:p>
-            <a:pPr>
-              <a:spcBef>
-                <a:spcPts val="600"/>
-              </a:spcBef>
-            </a:pPr>
-            <a:r>
-              <a:rPr lang="de-DE" altLang="de-DE" dirty="0">
-                <a:solidFill>
-                  <a:srgbClr val="008C5A"/>
-                </a:solidFill>
-              </a:rPr>
-              <a:t>Tags in </a:t>
-            </a:r>
-            <a:r>
-              <a:rPr lang="de-DE" altLang="de-DE" dirty="0" err="1">
-                <a:solidFill>
-                  <a:srgbClr val="008C5A"/>
-                </a:solidFill>
-              </a:rPr>
-              <a:t>GitLab</a:t>
-            </a:r>
-            <a:endParaRPr lang="de-DE" altLang="de-DE" dirty="0">
-              <a:solidFill>
-                <a:srgbClr val="008C5A"/>
-              </a:solidFill>
-            </a:endParaRPr>
-          </a:p>
-          <a:p>
-            <a:pPr>
-              <a:spcBef>
-                <a:spcPts val="600"/>
-              </a:spcBef>
-            </a:pPr>
-            <a:r>
-              <a:rPr lang="de-DE" altLang="de-DE" dirty="0" err="1"/>
-              <a:t>GitLab</a:t>
-            </a:r>
-            <a:r>
-              <a:rPr lang="de-DE" altLang="de-DE" dirty="0"/>
-              <a:t> Releases</a:t>
-            </a:r>
-          </a:p>
-          <a:p>
-            <a:pPr>
-              <a:spcBef>
-                <a:spcPts val="300"/>
-              </a:spcBef>
-            </a:pPr>
-            <a:endParaRPr lang="de-DE" altLang="de-DE" dirty="0"/>
-          </a:p>
-          <a:p>
-            <a:pPr lvl="1"/>
-            <a:endParaRPr lang="de-DE" altLang="de-DE" dirty="0"/>
-          </a:p>
-          <a:p>
-            <a:pPr marL="0" indent="0">
-              <a:buNone/>
-            </a:pPr>
-            <a:endParaRPr lang="de-DE" altLang="de-DE" dirty="0"/>
+              <a:t> – Tags </a:t>
+            </a:r>
           </a:p>
         </p:txBody>
       </p:sp>
     </p:spTree>
     <p:extLst>
       <p:ext uri="{BB962C8B-B14F-4D97-AF65-F5344CB8AC3E}">
-        <p14:creationId xmlns:p14="http://schemas.microsoft.com/office/powerpoint/2010/main" val="49883596"/>
+        <p14:creationId xmlns:p14="http://schemas.microsoft.com/office/powerpoint/2010/main" val="968504568"/>
       </p:ext>
     </p:extLst>
   </p:cSld>
@@ -5300,22 +6525,431 @@
           <a:lstStyle/>
           <a:p>
             <a:r>
+              <a:rPr lang="de-DE" altLang="de-DE" dirty="0" err="1"/>
+              <a:t>Annotated</a:t>
+            </a:r>
+            <a:r>
               <a:rPr lang="de-DE" altLang="de-DE" dirty="0"/>
-              <a:t>Tags können ebenfalls in </a:t>
-            </a:r>
-            <a:r>
-              <a:rPr lang="de-DE" altLang="de-DE" dirty="0" err="1"/>
-              <a:t>GitLab</a:t>
-            </a:r>
+              <a:t> Tag erstellen mittels</a:t>
+            </a:r>
+          </a:p>
+          <a:p>
+            <a:pPr marL="0" indent="0">
+              <a:buNone/>
+            </a:pPr>
             <a:r>
               <a:rPr lang="de-DE" altLang="de-DE" dirty="0"/>
-              <a:t> zum Repository hinzugefügt werden</a:t>
-            </a:r>
-          </a:p>
-          <a:p>
-            <a:r>
-              <a:rPr lang="de-DE" altLang="de-DE" dirty="0"/>
-              <a:t>Erzeugt gleichwertige Tags im Vergleich zu Command Line</a:t>
+              <a:t>	</a:t>
+            </a:r>
+            <a:r>
+              <a:rPr lang="de-DE" altLang="de-DE" dirty="0" err="1">
+                <a:latin typeface="Consolas" panose="020B0609020204030204" pitchFamily="49" charset="0"/>
+              </a:rPr>
+              <a:t>git</a:t>
+            </a:r>
+            <a:r>
+              <a:rPr lang="de-DE" altLang="de-DE" dirty="0">
+                <a:latin typeface="Consolas" panose="020B0609020204030204" pitchFamily="49" charset="0"/>
+              </a:rPr>
+              <a:t> tag -a &lt;tag-name&gt;</a:t>
+            </a:r>
+          </a:p>
+          <a:p>
+            <a:pPr marL="457200" lvl="1" indent="0">
+              <a:buNone/>
+            </a:pPr>
+            <a:endParaRPr lang="de-DE" altLang="de-DE" sz="1200" dirty="0">
+              <a:latin typeface="Consolas" panose="020B0609020204030204" pitchFamily="49" charset="0"/>
+            </a:endParaRPr>
+          </a:p>
+          <a:p>
+            <a:pPr marL="457200" lvl="1" indent="0">
+              <a:spcBef>
+                <a:spcPts val="0"/>
+              </a:spcBef>
+              <a:buNone/>
+            </a:pPr>
+            <a:r>
+              <a:rPr lang="de-DE" altLang="de-DE" sz="1200" dirty="0">
+                <a:latin typeface="Consolas" panose="020B0609020204030204" pitchFamily="49" charset="0"/>
+              </a:rPr>
+              <a:t>$ </a:t>
+            </a:r>
+            <a:r>
+              <a:rPr lang="de-DE" altLang="de-DE" sz="1200" dirty="0" err="1">
+                <a:latin typeface="Consolas" panose="020B0609020204030204" pitchFamily="49" charset="0"/>
+              </a:rPr>
+              <a:t>git</a:t>
+            </a:r>
+            <a:r>
+              <a:rPr lang="de-DE" altLang="de-DE" sz="1200" dirty="0">
+                <a:latin typeface="Consolas" panose="020B0609020204030204" pitchFamily="49" charset="0"/>
+              </a:rPr>
+              <a:t> tag -a release-v1.0.0 -m "</a:t>
+            </a:r>
+            <a:r>
+              <a:rPr lang="de-DE" altLang="de-DE" sz="1200" dirty="0" err="1">
+                <a:latin typeface="Consolas" panose="020B0609020204030204" pitchFamily="49" charset="0"/>
+              </a:rPr>
+              <a:t>Latest</a:t>
+            </a:r>
+            <a:r>
+              <a:rPr lang="de-DE" altLang="de-DE" sz="1200" dirty="0">
+                <a:latin typeface="Consolas" panose="020B0609020204030204" pitchFamily="49" charset="0"/>
+              </a:rPr>
+              <a:t> v1 release"</a:t>
+            </a:r>
+          </a:p>
+          <a:p>
+            <a:pPr marL="457200" lvl="1" indent="0">
+              <a:spcBef>
+                <a:spcPts val="0"/>
+              </a:spcBef>
+              <a:buNone/>
+            </a:pPr>
+            <a:endParaRPr lang="de-DE" altLang="de-DE" sz="1200" dirty="0">
+              <a:latin typeface="Consolas" panose="020B0609020204030204" pitchFamily="49" charset="0"/>
+            </a:endParaRPr>
+          </a:p>
+          <a:p>
+            <a:pPr marL="457200" lvl="1" indent="0">
+              <a:spcBef>
+                <a:spcPts val="0"/>
+              </a:spcBef>
+              <a:buNone/>
+            </a:pPr>
+            <a:r>
+              <a:rPr lang="de-DE" altLang="de-DE" sz="1200" dirty="0">
+                <a:latin typeface="Consolas" panose="020B0609020204030204" pitchFamily="49" charset="0"/>
+              </a:rPr>
+              <a:t>$ </a:t>
+            </a:r>
+            <a:r>
+              <a:rPr lang="de-DE" altLang="de-DE" sz="1200" dirty="0" err="1">
+                <a:latin typeface="Consolas" panose="020B0609020204030204" pitchFamily="49" charset="0"/>
+              </a:rPr>
+              <a:t>git</a:t>
+            </a:r>
+            <a:r>
+              <a:rPr lang="de-DE" altLang="de-DE" sz="1200" dirty="0">
+                <a:latin typeface="Consolas" panose="020B0609020204030204" pitchFamily="49" charset="0"/>
+              </a:rPr>
+              <a:t> </a:t>
+            </a:r>
+            <a:r>
+              <a:rPr lang="de-DE" altLang="de-DE" sz="1200" dirty="0" err="1">
+                <a:latin typeface="Consolas" panose="020B0609020204030204" pitchFamily="49" charset="0"/>
+              </a:rPr>
+              <a:t>show</a:t>
+            </a:r>
+            <a:r>
+              <a:rPr lang="de-DE" altLang="de-DE" sz="1200" dirty="0">
+                <a:latin typeface="Consolas" panose="020B0609020204030204" pitchFamily="49" charset="0"/>
+              </a:rPr>
+              <a:t> release-v1.0.0</a:t>
+            </a:r>
+          </a:p>
+          <a:p>
+            <a:pPr marL="457200" lvl="1" indent="0">
+              <a:spcBef>
+                <a:spcPts val="0"/>
+              </a:spcBef>
+              <a:buNone/>
+            </a:pPr>
+            <a:r>
+              <a:rPr lang="de-DE" altLang="de-DE" sz="1200" dirty="0">
+                <a:latin typeface="Consolas" panose="020B0609020204030204" pitchFamily="49" charset="0"/>
+              </a:rPr>
+              <a:t>tag release-v1.0.0</a:t>
+            </a:r>
+          </a:p>
+          <a:p>
+            <a:pPr marL="457200" lvl="1" indent="0">
+              <a:spcBef>
+                <a:spcPts val="0"/>
+              </a:spcBef>
+              <a:buNone/>
+            </a:pPr>
+            <a:r>
+              <a:rPr lang="de-DE" altLang="de-DE" sz="1200" dirty="0">
+                <a:latin typeface="Consolas" panose="020B0609020204030204" pitchFamily="49" charset="0"/>
+              </a:rPr>
+              <a:t>Tagger: Christopher Keutner &lt;christopher.keutner@alumni.fh-aachen.de&gt;</a:t>
+            </a:r>
+          </a:p>
+          <a:p>
+            <a:pPr marL="457200" lvl="1" indent="0">
+              <a:spcBef>
+                <a:spcPts val="0"/>
+              </a:spcBef>
+              <a:buNone/>
+            </a:pPr>
+            <a:r>
+              <a:rPr lang="de-DE" altLang="de-DE" sz="1200" dirty="0">
+                <a:latin typeface="Consolas" panose="020B0609020204030204" pitchFamily="49" charset="0"/>
+              </a:rPr>
+              <a:t>Date:   Tue May 28 15:13:44 2024 +0200</a:t>
+            </a:r>
+          </a:p>
+          <a:p>
+            <a:pPr marL="457200" lvl="1" indent="0">
+              <a:spcBef>
+                <a:spcPts val="0"/>
+              </a:spcBef>
+              <a:buNone/>
+            </a:pPr>
+            <a:endParaRPr lang="de-DE" altLang="de-DE" sz="1200" dirty="0">
+              <a:latin typeface="Consolas" panose="020B0609020204030204" pitchFamily="49" charset="0"/>
+            </a:endParaRPr>
+          </a:p>
+          <a:p>
+            <a:pPr marL="457200" lvl="1" indent="0">
+              <a:spcBef>
+                <a:spcPts val="0"/>
+              </a:spcBef>
+              <a:buNone/>
+            </a:pPr>
+            <a:r>
+              <a:rPr lang="de-DE" altLang="de-DE" sz="1200" dirty="0" err="1">
+                <a:latin typeface="Consolas" panose="020B0609020204030204" pitchFamily="49" charset="0"/>
+              </a:rPr>
+              <a:t>Latest</a:t>
+            </a:r>
+            <a:r>
+              <a:rPr lang="de-DE" altLang="de-DE" sz="1200" dirty="0">
+                <a:latin typeface="Consolas" panose="020B0609020204030204" pitchFamily="49" charset="0"/>
+              </a:rPr>
+              <a:t> v1 release</a:t>
+            </a:r>
+          </a:p>
+          <a:p>
+            <a:pPr marL="457200" lvl="1" indent="0">
+              <a:spcBef>
+                <a:spcPts val="0"/>
+              </a:spcBef>
+              <a:buNone/>
+            </a:pPr>
+            <a:endParaRPr lang="de-DE" altLang="de-DE" sz="1200" dirty="0">
+              <a:latin typeface="Consolas" panose="020B0609020204030204" pitchFamily="49" charset="0"/>
+            </a:endParaRPr>
+          </a:p>
+          <a:p>
+            <a:pPr marL="457200" lvl="1" indent="0">
+              <a:spcBef>
+                <a:spcPts val="0"/>
+              </a:spcBef>
+              <a:buNone/>
+            </a:pPr>
+            <a:r>
+              <a:rPr lang="de-DE" altLang="de-DE" sz="1200" dirty="0" err="1">
+                <a:latin typeface="Consolas" panose="020B0609020204030204" pitchFamily="49" charset="0"/>
+              </a:rPr>
+              <a:t>commit</a:t>
+            </a:r>
+            <a:r>
+              <a:rPr lang="de-DE" altLang="de-DE" sz="1200" dirty="0">
+                <a:latin typeface="Consolas" panose="020B0609020204030204" pitchFamily="49" charset="0"/>
+              </a:rPr>
+              <a:t> 11f6b62f8bc7a3403ceae4e8923d7a54abab7b6d (HEAD -&gt; </a:t>
+            </a:r>
+            <a:r>
+              <a:rPr lang="de-DE" altLang="de-DE" sz="1200" dirty="0" err="1">
+                <a:latin typeface="Consolas" panose="020B0609020204030204" pitchFamily="49" charset="0"/>
+              </a:rPr>
+              <a:t>main</a:t>
+            </a:r>
+            <a:r>
+              <a:rPr lang="de-DE" altLang="de-DE" sz="1200" dirty="0">
+                <a:latin typeface="Consolas" panose="020B0609020204030204" pitchFamily="49" charset="0"/>
+              </a:rPr>
+              <a:t>, tag: release-v1.0.0)</a:t>
+            </a:r>
+          </a:p>
+          <a:p>
+            <a:pPr marL="457200" lvl="1" indent="0">
+              <a:spcBef>
+                <a:spcPts val="0"/>
+              </a:spcBef>
+              <a:buNone/>
+            </a:pPr>
+            <a:r>
+              <a:rPr lang="de-DE" altLang="de-DE" sz="1200" dirty="0" err="1">
+                <a:latin typeface="Consolas" panose="020B0609020204030204" pitchFamily="49" charset="0"/>
+              </a:rPr>
+              <a:t>Author</a:t>
+            </a:r>
+            <a:r>
+              <a:rPr lang="de-DE" altLang="de-DE" sz="1200" dirty="0">
+                <a:latin typeface="Consolas" panose="020B0609020204030204" pitchFamily="49" charset="0"/>
+              </a:rPr>
+              <a:t>: Christopher Keutner &lt;christopher.keutner@alumni.fh-aachen.de&gt;</a:t>
+            </a:r>
+          </a:p>
+          <a:p>
+            <a:pPr marL="457200" lvl="1" indent="0">
+              <a:spcBef>
+                <a:spcPts val="0"/>
+              </a:spcBef>
+              <a:buNone/>
+            </a:pPr>
+            <a:r>
+              <a:rPr lang="de-DE" altLang="de-DE" sz="1200" dirty="0">
+                <a:latin typeface="Consolas" panose="020B0609020204030204" pitchFamily="49" charset="0"/>
+              </a:rPr>
+              <a:t>Date:   Tue May 28 15:13:10 2024 +0200</a:t>
+            </a:r>
+          </a:p>
+          <a:p>
+            <a:pPr marL="457200" lvl="1" indent="0">
+              <a:spcBef>
+                <a:spcPts val="0"/>
+              </a:spcBef>
+              <a:buNone/>
+            </a:pPr>
+            <a:endParaRPr lang="de-DE" altLang="de-DE" sz="1200" dirty="0">
+              <a:latin typeface="Consolas" panose="020B0609020204030204" pitchFamily="49" charset="0"/>
+            </a:endParaRPr>
+          </a:p>
+          <a:p>
+            <a:pPr marL="457200" lvl="1" indent="0">
+              <a:spcBef>
+                <a:spcPts val="0"/>
+              </a:spcBef>
+              <a:buNone/>
+            </a:pPr>
+            <a:r>
+              <a:rPr lang="de-DE" altLang="de-DE" sz="1200" dirty="0">
+                <a:latin typeface="Consolas" panose="020B0609020204030204" pitchFamily="49" charset="0"/>
+              </a:rPr>
+              <a:t>    Add </a:t>
+            </a:r>
+            <a:r>
+              <a:rPr lang="de-DE" altLang="de-DE" sz="1200" dirty="0" err="1">
+                <a:latin typeface="Consolas" panose="020B0609020204030204" pitchFamily="49" charset="0"/>
+              </a:rPr>
+              <a:t>new</a:t>
+            </a:r>
+            <a:r>
+              <a:rPr lang="de-DE" altLang="de-DE" sz="1200" dirty="0">
+                <a:latin typeface="Consolas" panose="020B0609020204030204" pitchFamily="49" charset="0"/>
+              </a:rPr>
+              <a:t> </a:t>
+            </a:r>
+            <a:r>
+              <a:rPr lang="de-DE" altLang="de-DE" sz="1200" dirty="0" err="1">
+                <a:latin typeface="Consolas" panose="020B0609020204030204" pitchFamily="49" charset="0"/>
+              </a:rPr>
+              <a:t>file</a:t>
+            </a:r>
+            <a:endParaRPr lang="de-DE" altLang="de-DE" sz="1200" dirty="0">
+              <a:latin typeface="Consolas" panose="020B0609020204030204" pitchFamily="49" charset="0"/>
+            </a:endParaRPr>
+          </a:p>
+          <a:p>
+            <a:pPr marL="457200" lvl="1" indent="0">
+              <a:spcBef>
+                <a:spcPts val="0"/>
+              </a:spcBef>
+              <a:buNone/>
+            </a:pPr>
+            <a:endParaRPr lang="de-DE" altLang="de-DE" sz="1200" dirty="0">
+              <a:latin typeface="Consolas" panose="020B0609020204030204" pitchFamily="49" charset="0"/>
+            </a:endParaRPr>
+          </a:p>
+          <a:p>
+            <a:pPr marL="457200" lvl="1" indent="0">
+              <a:spcBef>
+                <a:spcPts val="0"/>
+              </a:spcBef>
+              <a:buNone/>
+            </a:pPr>
+            <a:r>
+              <a:rPr lang="de-DE" altLang="de-DE" sz="1200" dirty="0" err="1">
+                <a:latin typeface="Consolas" panose="020B0609020204030204" pitchFamily="49" charset="0"/>
+              </a:rPr>
+              <a:t>diff</a:t>
+            </a:r>
+            <a:r>
+              <a:rPr lang="de-DE" altLang="de-DE" sz="1200" dirty="0">
+                <a:latin typeface="Consolas" panose="020B0609020204030204" pitchFamily="49" charset="0"/>
+              </a:rPr>
+              <a:t> --</a:t>
+            </a:r>
+            <a:r>
+              <a:rPr lang="de-DE" altLang="de-DE" sz="1200" dirty="0" err="1">
+                <a:latin typeface="Consolas" panose="020B0609020204030204" pitchFamily="49" charset="0"/>
+              </a:rPr>
+              <a:t>git</a:t>
+            </a:r>
+            <a:r>
+              <a:rPr lang="de-DE" altLang="de-DE" sz="1200" dirty="0">
+                <a:latin typeface="Consolas" panose="020B0609020204030204" pitchFamily="49" charset="0"/>
+              </a:rPr>
+              <a:t> a/file8.txt b/file8.txt</a:t>
+            </a:r>
+          </a:p>
+          <a:p>
+            <a:pPr marL="457200" lvl="1" indent="0">
+              <a:spcBef>
+                <a:spcPts val="0"/>
+              </a:spcBef>
+              <a:buNone/>
+            </a:pPr>
+            <a:r>
+              <a:rPr lang="de-DE" altLang="de-DE" sz="1200" dirty="0" err="1">
+                <a:latin typeface="Consolas" panose="020B0609020204030204" pitchFamily="49" charset="0"/>
+              </a:rPr>
+              <a:t>new</a:t>
+            </a:r>
+            <a:r>
+              <a:rPr lang="de-DE" altLang="de-DE" sz="1200" dirty="0">
+                <a:latin typeface="Consolas" panose="020B0609020204030204" pitchFamily="49" charset="0"/>
+              </a:rPr>
+              <a:t> </a:t>
+            </a:r>
+            <a:r>
+              <a:rPr lang="de-DE" altLang="de-DE" sz="1200" dirty="0" err="1">
+                <a:latin typeface="Consolas" panose="020B0609020204030204" pitchFamily="49" charset="0"/>
+              </a:rPr>
+              <a:t>file</a:t>
+            </a:r>
+            <a:r>
+              <a:rPr lang="de-DE" altLang="de-DE" sz="1200" dirty="0">
+                <a:latin typeface="Consolas" panose="020B0609020204030204" pitchFamily="49" charset="0"/>
+              </a:rPr>
+              <a:t> </a:t>
+            </a:r>
+            <a:r>
+              <a:rPr lang="de-DE" altLang="de-DE" sz="1200" dirty="0" err="1">
+                <a:latin typeface="Consolas" panose="020B0609020204030204" pitchFamily="49" charset="0"/>
+              </a:rPr>
+              <a:t>mode</a:t>
+            </a:r>
+            <a:r>
+              <a:rPr lang="de-DE" altLang="de-DE" sz="1200" dirty="0">
+                <a:latin typeface="Consolas" panose="020B0609020204030204" pitchFamily="49" charset="0"/>
+              </a:rPr>
+              <a:t> 100644</a:t>
+            </a:r>
+          </a:p>
+          <a:p>
+            <a:pPr marL="457200" lvl="1" indent="0">
+              <a:spcBef>
+                <a:spcPts val="0"/>
+              </a:spcBef>
+              <a:buNone/>
+            </a:pPr>
+            <a:r>
+              <a:rPr lang="de-DE" altLang="de-DE" sz="1200" dirty="0" err="1">
+                <a:latin typeface="Consolas" panose="020B0609020204030204" pitchFamily="49" charset="0"/>
+              </a:rPr>
+              <a:t>index</a:t>
+            </a:r>
+            <a:r>
+              <a:rPr lang="de-DE" altLang="de-DE" sz="1200" dirty="0">
+                <a:latin typeface="Consolas" panose="020B0609020204030204" pitchFamily="49" charset="0"/>
+              </a:rPr>
+              <a:t> 0000000..e69de29</a:t>
             </a:r>
           </a:p>
         </p:txBody>
@@ -5347,51 +6981,20 @@
           <a:lstStyle/>
           <a:p>
             <a:r>
+              <a:rPr lang="de-DE" altLang="de-DE" dirty="0" err="1"/>
+              <a:t>Git</a:t>
+            </a:r>
+            <a:r>
               <a:rPr lang="de-DE" altLang="de-DE" dirty="0"/>
-              <a:t>Tags in </a:t>
-            </a:r>
-            <a:r>
-              <a:rPr lang="de-DE" altLang="de-DE" dirty="0" err="1"/>
-              <a:t>GitLab</a:t>
-            </a:r>
-            <a:endParaRPr lang="de-DE" altLang="de-DE" dirty="0"/>
+              <a:t> – Tags </a:t>
+            </a:r>
           </a:p>
         </p:txBody>
       </p:sp>
-      <p:pic>
-        <p:nvPicPr>
-          <p:cNvPr id="3" name="Grafik 2">
-            <a:extLst>
-              <a:ext uri="{FF2B5EF4-FFF2-40B4-BE49-F238E27FC236}">
-                <a16:creationId xmlns:a16="http://schemas.microsoft.com/office/drawing/2014/main" id="{F6AF7D67-CC47-CBA1-9A93-DC357E462460}"/>
-              </a:ext>
-            </a:extLst>
-          </p:cNvPr>
-          <p:cNvPicPr>
-            <a:picLocks noChangeAspect="1"/>
-          </p:cNvPicPr>
-          <p:nvPr/>
-        </p:nvPicPr>
-        <p:blipFill>
-          <a:blip r:embed="rId2"/>
-          <a:stretch>
-            <a:fillRect/>
-          </a:stretch>
-        </p:blipFill>
-        <p:spPr>
-          <a:xfrm>
-            <a:off x="303213" y="1916832"/>
-            <a:ext cx="8489003" cy="4248472"/>
-          </a:xfrm>
-          <a:prstGeom prst="rect">
-            <a:avLst/>
-          </a:prstGeom>
-        </p:spPr>
-      </p:pic>
     </p:spTree>
     <p:extLst>
       <p:ext uri="{BB962C8B-B14F-4D97-AF65-F5344CB8AC3E}">
-        <p14:creationId xmlns:p14="http://schemas.microsoft.com/office/powerpoint/2010/main" val="2194428032"/>
+        <p14:creationId xmlns:p14="http://schemas.microsoft.com/office/powerpoint/2010/main" val="641179957"/>
       </p:ext>
     </p:extLst>
   </p:cSld>
@@ -5402,6 +7005,86 @@
 </file>
 
 <file path=ppt/slides/slide14.xml><?xml version="1.0" encoding="utf-8"?>
+<p:sld xmlns:a="http://schemas.openxmlformats.org/drawingml/2006/main" xmlns:r="http://schemas.openxmlformats.org/officeDocument/2006/relationships" xmlns:p="http://schemas.openxmlformats.org/presentationml/2006/main">
+  <p:cSld>
+    <p:spTree>
+      <p:nvGrpSpPr>
+        <p:cNvPr id="1" name=""/>
+        <p:cNvGrpSpPr/>
+        <p:nvPr/>
+      </p:nvGrpSpPr>
+      <p:grpSpPr>
+        <a:xfrm>
+          <a:off x="0" y="0"/>
+          <a:ext cx="0" cy="0"/>
+          <a:chOff x="0" y="0"/>
+          <a:chExt cx="0" cy="0"/>
+        </a:xfrm>
+      </p:grpSpPr>
+      <p:sp>
+        <p:nvSpPr>
+          <p:cNvPr id="2" name="Titel 1"/>
+          <p:cNvSpPr>
+            <a:spLocks noGrp="1"/>
+          </p:cNvSpPr>
+          <p:nvPr>
+            <p:ph type="title"/>
+          </p:nvPr>
+        </p:nvSpPr>
+        <p:spPr/>
+        <p:txBody>
+          <a:bodyPr/>
+          <a:lstStyle/>
+          <a:p>
+            <a:r>
+              <a:rPr lang="de-DE" cap="none" dirty="0"/>
+              <a:t>Tags in </a:t>
+            </a:r>
+            <a:r>
+              <a:rPr lang="de-DE" cap="none" dirty="0" err="1"/>
+              <a:t>GitLab</a:t>
+            </a:r>
+            <a:endParaRPr lang="de-DE" cap="none" dirty="0"/>
+          </a:p>
+        </p:txBody>
+      </p:sp>
+      <p:sp>
+        <p:nvSpPr>
+          <p:cNvPr id="3" name="Untertitel 2"/>
+          <p:cNvSpPr>
+            <a:spLocks noGrp="1"/>
+          </p:cNvSpPr>
+          <p:nvPr>
+            <p:ph type="body" idx="1"/>
+          </p:nvPr>
+        </p:nvSpPr>
+        <p:spPr/>
+        <p:txBody>
+          <a:bodyPr/>
+          <a:lstStyle/>
+          <a:p>
+            <a:r>
+              <a:rPr lang="de-DE" dirty="0" err="1"/>
+              <a:t>Git</a:t>
+            </a:r>
+            <a:endParaRPr lang="de-DE" dirty="0"/>
+          </a:p>
+        </p:txBody>
+      </p:sp>
+    </p:spTree>
+    <p:extLst>
+      <p:ext uri="{BB962C8B-B14F-4D97-AF65-F5344CB8AC3E}">
+        <p14:creationId xmlns:p14="http://schemas.microsoft.com/office/powerpoint/2010/main" val="4094180652"/>
+      </p:ext>
+    </p:extLst>
+  </p:cSld>
+  <p:clrMapOvr>
+    <a:masterClrMapping/>
+  </p:clrMapOvr>
+</p:sld>
+</file>
+
+<file path=ppt/slides/slide15.xml><?xml version="1.0" encoding="utf-8"?>
 <p:sld xmlns:a="http://schemas.openxmlformats.org/drawingml/2006/main" xmlns:r="http://schemas.openxmlformats.org/officeDocument/2006/relationships" xmlns:p="http://schemas.openxmlformats.org/presentationml/2006/main">
   <p:cSld>
     <p:spTree>
@@ -5446,29 +7129,21 @@
           <a:p>
             <a:r>
               <a:rPr lang="de-DE" altLang="de-DE" dirty="0"/>
-              <a:t>Tags können auch hier aus </a:t>
+              <a:t>Tags können ebenfalls in </a:t>
             </a:r>
             <a:r>
               <a:rPr lang="de-DE" altLang="de-DE" dirty="0" err="1"/>
-              <a:t>Commits</a:t>
+              <a:t>GitLab</a:t>
             </a:r>
             <a:r>
               <a:rPr lang="de-DE" altLang="de-DE" dirty="0"/>
-              <a:t>, </a:t>
-            </a:r>
-            <a:r>
-              <a:rPr lang="de-DE" altLang="de-DE" dirty="0" err="1"/>
-              <a:t>Branches</a:t>
-            </a:r>
+              <a:t> zum Repository hinzugefügt werden</a:t>
+            </a:r>
+          </a:p>
+          <a:p>
             <a:r>
               <a:rPr lang="de-DE" altLang="de-DE" dirty="0"/>
-              <a:t> oder anderen Tags erstellt werden</a:t>
-            </a:r>
-          </a:p>
-          <a:p>
-            <a:r>
-              <a:rPr lang="de-DE" altLang="de-DE" dirty="0"/>
-              <a:t>Ohne Nachricht wird ein Lightweight Tag erstellt</a:t>
+              <a:t>Erzeugt gleichwertige Tags im Vergleich zu Command Line</a:t>
             </a:r>
           </a:p>
         </p:txBody>
@@ -5513,10 +7188,10 @@
       </p:sp>
       <p:pic>
         <p:nvPicPr>
-          <p:cNvPr id="6" name="Grafik 5">
+          <p:cNvPr id="3" name="Grafik 2">
             <a:extLst>
               <a:ext uri="{FF2B5EF4-FFF2-40B4-BE49-F238E27FC236}">
-                <a16:creationId xmlns:a16="http://schemas.microsoft.com/office/drawing/2014/main" id="{F6D80E1D-3947-79E0-5666-CBC400228DEE}"/>
+                <a16:creationId xmlns:a16="http://schemas.microsoft.com/office/drawing/2014/main" id="{F6AF7D67-CC47-CBA1-9A93-DC357E462460}"/>
               </a:ext>
             </a:extLst>
           </p:cNvPr>
@@ -5533,8 +7208,8 @@
         </p:blipFill>
         <p:spPr>
           <a:xfrm>
-            <a:off x="323528" y="2279193"/>
-            <a:ext cx="8568952" cy="3598079"/>
+            <a:off x="303213" y="1916832"/>
+            <a:ext cx="8489003" cy="4248472"/>
           </a:xfrm>
           <a:prstGeom prst="rect">
             <a:avLst/>
@@ -5544,215 +7219,7 @@
     </p:spTree>
     <p:extLst>
       <p:ext uri="{BB962C8B-B14F-4D97-AF65-F5344CB8AC3E}">
-        <p14:creationId xmlns:p14="http://schemas.microsoft.com/office/powerpoint/2010/main" val="3715177656"/>
-      </p:ext>
-    </p:extLst>
-  </p:cSld>
-  <p:clrMapOvr>
-    <a:masterClrMapping/>
-  </p:clrMapOvr>
-</p:sld>
-</file>
-
-<file path=ppt/slides/slide15.xml><?xml version="1.0" encoding="utf-8"?>
-<p:sld xmlns:a="http://schemas.openxmlformats.org/drawingml/2006/main" xmlns:r="http://schemas.openxmlformats.org/officeDocument/2006/relationships" xmlns:p="http://schemas.openxmlformats.org/presentationml/2006/main">
-  <p:cSld>
-    <p:spTree>
-      <p:nvGrpSpPr>
-        <p:cNvPr id="1" name=""/>
-        <p:cNvGrpSpPr/>
-        <p:nvPr/>
-      </p:nvGrpSpPr>
-      <p:grpSpPr>
-        <a:xfrm>
-          <a:off x="0" y="0"/>
-          <a:ext cx="0" cy="0"/>
-          <a:chOff x="0" y="0"/>
-          <a:chExt cx="0" cy="0"/>
-        </a:xfrm>
-      </p:grpSpPr>
-      <p:sp>
-        <p:nvSpPr>
-          <p:cNvPr id="5123" name="Rectangle 6">
-            <a:extLst>
-              <a:ext uri="{FF2B5EF4-FFF2-40B4-BE49-F238E27FC236}">
-                <a16:creationId xmlns:a16="http://schemas.microsoft.com/office/drawing/2014/main" id="{BC4BC2CC-AA18-345B-63ED-7D24CA6BD3B5}"/>
-              </a:ext>
-            </a:extLst>
-          </p:cNvPr>
-          <p:cNvSpPr>
-            <a:spLocks noGrp="1" noChangeArrowheads="1"/>
-          </p:cNvSpPr>
-          <p:nvPr>
-            <p:ph type="title"/>
-          </p:nvPr>
-        </p:nvSpPr>
-        <p:spPr>
-          <a:xfrm>
-            <a:off x="457200" y="115888"/>
-            <a:ext cx="3409950" cy="706437"/>
-          </a:xfrm>
-        </p:spPr>
-        <p:txBody>
-          <a:bodyPr/>
-          <a:lstStyle/>
-          <a:p>
-            <a:r>
-              <a:rPr lang="de-DE" altLang="de-DE"/>
-              <a:t>Inhalt</a:t>
-            </a:r>
-          </a:p>
-        </p:txBody>
-      </p:sp>
-      <p:sp>
-        <p:nvSpPr>
-          <p:cNvPr id="3" name="Inhaltsplatzhalter 18">
-            <a:extLst>
-              <a:ext uri="{FF2B5EF4-FFF2-40B4-BE49-F238E27FC236}">
-                <a16:creationId xmlns:a16="http://schemas.microsoft.com/office/drawing/2014/main" id="{722A59E8-4DC4-18C6-04BE-E59EF5F3246C}"/>
-              </a:ext>
-            </a:extLst>
-          </p:cNvPr>
-          <p:cNvSpPr>
-            <a:spLocks noGrp="1"/>
-          </p:cNvSpPr>
-          <p:nvPr>
-            <p:ph idx="1"/>
-          </p:nvPr>
-        </p:nvSpPr>
-        <p:spPr>
-          <a:xfrm>
-            <a:off x="303214" y="981075"/>
-            <a:ext cx="8517258" cy="5400675"/>
-          </a:xfrm>
-        </p:spPr>
-        <p:txBody>
-          <a:bodyPr/>
-          <a:lstStyle/>
-          <a:p>
-            <a:pPr>
-              <a:spcBef>
-                <a:spcPts val="300"/>
-              </a:spcBef>
-            </a:pPr>
-            <a:r>
-              <a:rPr lang="de-DE" altLang="de-DE" dirty="0"/>
-              <a:t>Tags in </a:t>
-            </a:r>
-            <a:r>
-              <a:rPr lang="de-DE" altLang="de-DE" dirty="0" err="1"/>
-              <a:t>Git</a:t>
-            </a:r>
-            <a:endParaRPr lang="de-DE" altLang="de-DE" dirty="0"/>
-          </a:p>
-          <a:p>
-            <a:pPr lvl="1">
-              <a:spcBef>
-                <a:spcPts val="300"/>
-              </a:spcBef>
-            </a:pPr>
-            <a:r>
-              <a:rPr lang="de-DE" altLang="de-DE" dirty="0"/>
-              <a:t>Tagging Konzept</a:t>
-            </a:r>
-          </a:p>
-          <a:p>
-            <a:pPr lvl="1">
-              <a:spcBef>
-                <a:spcPts val="300"/>
-              </a:spcBef>
-            </a:pPr>
-            <a:r>
-              <a:rPr lang="de-DE" altLang="de-DE" dirty="0"/>
-              <a:t>Erstellen von </a:t>
-            </a:r>
-            <a:r>
-              <a:rPr lang="de-DE" altLang="de-DE" dirty="0" err="1"/>
-              <a:t>Git</a:t>
-            </a:r>
-            <a:r>
-              <a:rPr lang="de-DE" altLang="de-DE" dirty="0"/>
-              <a:t> Tags</a:t>
-            </a:r>
-          </a:p>
-          <a:p>
-            <a:pPr lvl="1">
-              <a:spcBef>
-                <a:spcPts val="300"/>
-              </a:spcBef>
-            </a:pPr>
-            <a:r>
-              <a:rPr lang="de-DE" altLang="de-DE" dirty="0" err="1"/>
-              <a:t>Annotated</a:t>
-            </a:r>
-            <a:r>
-              <a:rPr lang="de-DE" altLang="de-DE" dirty="0"/>
-              <a:t> Tags</a:t>
-            </a:r>
-          </a:p>
-          <a:p>
-            <a:pPr>
-              <a:spcBef>
-                <a:spcPts val="600"/>
-              </a:spcBef>
-            </a:pPr>
-            <a:r>
-              <a:rPr lang="de-DE" altLang="de-DE" dirty="0"/>
-              <a:t>Tags in </a:t>
-            </a:r>
-            <a:r>
-              <a:rPr lang="de-DE" altLang="de-DE" dirty="0" err="1"/>
-              <a:t>GitLab</a:t>
-            </a:r>
-            <a:endParaRPr lang="de-DE" altLang="de-DE" dirty="0"/>
-          </a:p>
-          <a:p>
-            <a:pPr>
-              <a:spcBef>
-                <a:spcPts val="600"/>
-              </a:spcBef>
-            </a:pPr>
-            <a:r>
-              <a:rPr lang="de-DE" altLang="de-DE" dirty="0" err="1">
-                <a:solidFill>
-                  <a:srgbClr val="008C5A"/>
-                </a:solidFill>
-              </a:rPr>
-              <a:t>GitLab</a:t>
-            </a:r>
-            <a:r>
-              <a:rPr lang="de-DE" altLang="de-DE" dirty="0">
-                <a:solidFill>
-                  <a:srgbClr val="008C5A"/>
-                </a:solidFill>
-              </a:rPr>
-              <a:t> Releases</a:t>
-            </a:r>
-          </a:p>
-          <a:p>
-            <a:pPr>
-              <a:spcBef>
-                <a:spcPts val="300"/>
-              </a:spcBef>
-            </a:pPr>
-            <a:endParaRPr lang="de-DE" altLang="de-DE" dirty="0"/>
-          </a:p>
-          <a:p>
-            <a:pPr lvl="1"/>
-            <a:endParaRPr lang="de-DE" altLang="de-DE" dirty="0"/>
-          </a:p>
-          <a:p>
-            <a:pPr marL="0" indent="0">
-              <a:buNone/>
-            </a:pPr>
-            <a:endParaRPr lang="de-DE" altLang="de-DE" dirty="0"/>
-          </a:p>
-        </p:txBody>
-      </p:sp>
-    </p:spTree>
-    <p:extLst>
-      <p:ext uri="{BB962C8B-B14F-4D97-AF65-F5344CB8AC3E}">
-        <p14:creationId xmlns:p14="http://schemas.microsoft.com/office/powerpoint/2010/main" val="3143655390"/>
+        <p14:creationId xmlns:p14="http://schemas.microsoft.com/office/powerpoint/2010/main" val="2194428032"/>
       </p:ext>
     </p:extLst>
   </p:cSld>
@@ -5806,94 +7273,30 @@
           <a:lstStyle/>
           <a:p>
             <a:r>
+              <a:rPr lang="de-DE" altLang="de-DE" dirty="0"/>
+              <a:t>Tags können auch hier aus </a:t>
+            </a:r>
+            <a:r>
               <a:rPr lang="de-DE" altLang="de-DE" dirty="0" err="1"/>
-              <a:t>GitLab</a:t>
+              <a:t>Commits</a:t>
             </a:r>
             <a:r>
               <a:rPr lang="de-DE" altLang="de-DE" dirty="0"/>
-              <a:t> Releases erstellen einen Snapshot des aktuellen Projektes</a:t>
-            </a:r>
-          </a:p>
-          <a:p>
+              <a:t>, </a:t>
+            </a:r>
+            <a:r>
+              <a:rPr lang="de-DE" altLang="de-DE" dirty="0" err="1"/>
+              <a:t>Branches</a:t>
+            </a:r>
             <a:r>
               <a:rPr lang="de-DE" altLang="de-DE" dirty="0"/>
-              <a:t>Werden aus einem bestimmten Tag erstellt</a:t>
+              <a:t> oder anderen Tags erstellt werden</a:t>
             </a:r>
           </a:p>
           <a:p>
             <a:r>
               <a:rPr lang="de-DE" altLang="de-DE" dirty="0"/>
-              <a:t>Ein </a:t>
-            </a:r>
-            <a:r>
-              <a:rPr lang="de-DE" altLang="de-DE" dirty="0" err="1"/>
-              <a:t>GitLab</a:t>
-            </a:r>
-            <a:r>
-              <a:rPr lang="de-DE" altLang="de-DE" dirty="0"/>
-              <a:t> Release kann beinhalten</a:t>
-            </a:r>
-          </a:p>
-          <a:p>
-            <a:pPr lvl="1"/>
-            <a:r>
-              <a:rPr lang="de-DE" altLang="de-DE" dirty="0"/>
-              <a:t>Einen Snapshot des Source Codes im Repository</a:t>
-            </a:r>
-          </a:p>
-          <a:p>
-            <a:pPr lvl="1"/>
-            <a:r>
-              <a:rPr lang="de-DE" altLang="de-DE" dirty="0"/>
-              <a:t>Packages aus Job Artefakten</a:t>
-            </a:r>
-          </a:p>
-          <a:p>
-            <a:pPr lvl="1"/>
-            <a:r>
-              <a:rPr lang="de-DE" altLang="de-DE" dirty="0"/>
-              <a:t>Metadaten</a:t>
-            </a:r>
-          </a:p>
-          <a:p>
-            <a:pPr lvl="1"/>
-            <a:r>
-              <a:rPr lang="de-DE" altLang="de-DE" dirty="0"/>
-              <a:t>Release Notes</a:t>
-            </a:r>
-          </a:p>
-          <a:p>
-            <a:r>
-              <a:rPr lang="de-DE" altLang="de-DE" dirty="0" err="1"/>
-              <a:t>GitLab</a:t>
-            </a:r>
-            <a:r>
-              <a:rPr lang="de-DE" altLang="de-DE" dirty="0"/>
-              <a:t> archiviert beim Erstellen eines Releases automatisch den Source Code und verknüpft diesen mit dem Release</a:t>
-            </a:r>
-          </a:p>
-          <a:p>
-            <a:r>
-              <a:rPr lang="de-DE" altLang="de-DE" dirty="0" err="1"/>
-              <a:t>GitLab</a:t>
-            </a:r>
-            <a:r>
-              <a:rPr lang="de-DE" altLang="de-DE" dirty="0"/>
-              <a:t> erstellt ebenfalls eine JSON Datei, welche den gesamten Release Inhalt auflistet (release </a:t>
-            </a:r>
-            <a:r>
-              <a:rPr lang="de-DE" altLang="de-DE" dirty="0" err="1"/>
-              <a:t>evidence</a:t>
-            </a:r>
-            <a:r>
-              <a:rPr lang="de-DE" altLang="de-DE" dirty="0"/>
-              <a:t>)</a:t>
-            </a:r>
-          </a:p>
-          <a:p>
-            <a:r>
-              <a:rPr lang="de-DE" altLang="de-DE" dirty="0"/>
-              <a:t>Löschung des Tags führt auch zur Löschung des Releases</a:t>
+              <a:t>Ohne Nachricht wird ein Lightweight Tag erstellt</a:t>
             </a:r>
           </a:p>
         </p:txBody>
@@ -5925,6 +7328,298 @@
           <a:lstStyle/>
           <a:p>
             <a:r>
+              <a:rPr lang="de-DE" altLang="de-DE" dirty="0"/>
+              <a:t>Tags in </a:t>
+            </a:r>
+            <a:r>
+              <a:rPr lang="de-DE" altLang="de-DE" dirty="0" err="1"/>
+              <a:t>GitLab</a:t>
+            </a:r>
+            <a:endParaRPr lang="de-DE" altLang="de-DE" dirty="0"/>
+          </a:p>
+        </p:txBody>
+      </p:sp>
+      <p:pic>
+        <p:nvPicPr>
+          <p:cNvPr id="6" name="Grafik 5">
+            <a:extLst>
+              <a:ext uri="{FF2B5EF4-FFF2-40B4-BE49-F238E27FC236}">
+                <a16:creationId xmlns:a16="http://schemas.microsoft.com/office/drawing/2014/main" id="{F6D80E1D-3947-79E0-5666-CBC400228DEE}"/>
+              </a:ext>
+            </a:extLst>
+          </p:cNvPr>
+          <p:cNvPicPr>
+            <a:picLocks noChangeAspect="1"/>
+          </p:cNvPicPr>
+          <p:nvPr/>
+        </p:nvPicPr>
+        <p:blipFill>
+          <a:blip r:embed="rId2"/>
+          <a:stretch>
+            <a:fillRect/>
+          </a:stretch>
+        </p:blipFill>
+        <p:spPr>
+          <a:xfrm>
+            <a:off x="323528" y="2279193"/>
+            <a:ext cx="8568952" cy="3598079"/>
+          </a:xfrm>
+          <a:prstGeom prst="rect">
+            <a:avLst/>
+          </a:prstGeom>
+        </p:spPr>
+      </p:pic>
+    </p:spTree>
+    <p:extLst>
+      <p:ext uri="{BB962C8B-B14F-4D97-AF65-F5344CB8AC3E}">
+        <p14:creationId xmlns:p14="http://schemas.microsoft.com/office/powerpoint/2010/main" val="3715177656"/>
+      </p:ext>
+    </p:extLst>
+  </p:cSld>
+  <p:clrMapOvr>
+    <a:masterClrMapping/>
+  </p:clrMapOvr>
+</p:sld>
+</file>
+
+<file path=ppt/slides/slide17.xml><?xml version="1.0" encoding="utf-8"?>
+<p:sld xmlns:a="http://schemas.openxmlformats.org/drawingml/2006/main" xmlns:r="http://schemas.openxmlformats.org/officeDocument/2006/relationships" xmlns:p="http://schemas.openxmlformats.org/presentationml/2006/main">
+  <p:cSld>
+    <p:spTree>
+      <p:nvGrpSpPr>
+        <p:cNvPr id="1" name=""/>
+        <p:cNvGrpSpPr/>
+        <p:nvPr/>
+      </p:nvGrpSpPr>
+      <p:grpSpPr>
+        <a:xfrm>
+          <a:off x="0" y="0"/>
+          <a:ext cx="0" cy="0"/>
+          <a:chOff x="0" y="0"/>
+          <a:chExt cx="0" cy="0"/>
+        </a:xfrm>
+      </p:grpSpPr>
+      <p:sp>
+        <p:nvSpPr>
+          <p:cNvPr id="2" name="Titel 1"/>
+          <p:cNvSpPr>
+            <a:spLocks noGrp="1"/>
+          </p:cNvSpPr>
+          <p:nvPr>
+            <p:ph type="title"/>
+          </p:nvPr>
+        </p:nvSpPr>
+        <p:spPr/>
+        <p:txBody>
+          <a:bodyPr/>
+          <a:lstStyle/>
+          <a:p>
+            <a:r>
+              <a:rPr lang="de-DE" cap="none" dirty="0"/>
+              <a:t>Releases</a:t>
+            </a:r>
+          </a:p>
+        </p:txBody>
+      </p:sp>
+      <p:sp>
+        <p:nvSpPr>
+          <p:cNvPr id="3" name="Untertitel 2"/>
+          <p:cNvSpPr>
+            <a:spLocks noGrp="1"/>
+          </p:cNvSpPr>
+          <p:nvPr>
+            <p:ph type="body" idx="1"/>
+          </p:nvPr>
+        </p:nvSpPr>
+        <p:spPr/>
+        <p:txBody>
+          <a:bodyPr/>
+          <a:lstStyle/>
+          <a:p>
+            <a:r>
+              <a:rPr lang="de-DE" dirty="0" err="1"/>
+              <a:t>GitLab</a:t>
+            </a:r>
+            <a:endParaRPr lang="de-DE" dirty="0"/>
+          </a:p>
+        </p:txBody>
+      </p:sp>
+    </p:spTree>
+    <p:extLst>
+      <p:ext uri="{BB962C8B-B14F-4D97-AF65-F5344CB8AC3E}">
+        <p14:creationId xmlns:p14="http://schemas.microsoft.com/office/powerpoint/2010/main" val="725577135"/>
+      </p:ext>
+    </p:extLst>
+  </p:cSld>
+  <p:clrMapOvr>
+    <a:masterClrMapping/>
+  </p:clrMapOvr>
+</p:sld>
+</file>
+
+<file path=ppt/slides/slide18.xml><?xml version="1.0" encoding="utf-8"?>
+<p:sld xmlns:a="http://schemas.openxmlformats.org/drawingml/2006/main" xmlns:r="http://schemas.openxmlformats.org/officeDocument/2006/relationships" xmlns:p="http://schemas.openxmlformats.org/presentationml/2006/main">
+  <p:cSld>
+    <p:spTree>
+      <p:nvGrpSpPr>
+        <p:cNvPr id="1" name=""/>
+        <p:cNvGrpSpPr/>
+        <p:nvPr/>
+      </p:nvGrpSpPr>
+      <p:grpSpPr>
+        <a:xfrm>
+          <a:off x="0" y="0"/>
+          <a:ext cx="0" cy="0"/>
+          <a:chOff x="0" y="0"/>
+          <a:chExt cx="0" cy="0"/>
+        </a:xfrm>
+      </p:grpSpPr>
+      <p:sp>
+        <p:nvSpPr>
+          <p:cNvPr id="6146" name="Inhaltsplatzhalter 18">
+            <a:extLst>
+              <a:ext uri="{FF2B5EF4-FFF2-40B4-BE49-F238E27FC236}">
+                <a16:creationId xmlns:a16="http://schemas.microsoft.com/office/drawing/2014/main" id="{BE3C4C95-FD5D-27F0-ED0C-AB8113CAC9F1}"/>
+              </a:ext>
+            </a:extLst>
+          </p:cNvPr>
+          <p:cNvSpPr>
+            <a:spLocks noGrp="1"/>
+          </p:cNvSpPr>
+          <p:nvPr>
+            <p:ph idx="1"/>
+          </p:nvPr>
+        </p:nvSpPr>
+        <p:spPr>
+          <a:xfrm>
+            <a:off x="303214" y="981075"/>
+            <a:ext cx="8517258" cy="5400675"/>
+          </a:xfrm>
+        </p:spPr>
+        <p:txBody>
+          <a:bodyPr/>
+          <a:lstStyle/>
+          <a:p>
+            <a:r>
+              <a:rPr lang="de-DE" altLang="de-DE" dirty="0" err="1"/>
+              <a:t>GitLab</a:t>
+            </a:r>
+            <a:r>
+              <a:rPr lang="de-DE" altLang="de-DE" dirty="0"/>
+              <a:t> Releases erstellen einen Snapshot des aktuellen Projektes</a:t>
+            </a:r>
+          </a:p>
+          <a:p>
+            <a:r>
+              <a:rPr lang="de-DE" altLang="de-DE" dirty="0"/>
+              <a:t>Werden aus einem bestimmten Tag erstellt</a:t>
+            </a:r>
+          </a:p>
+          <a:p>
+            <a:r>
+              <a:rPr lang="de-DE" altLang="de-DE" dirty="0"/>
+              <a:t>Ein </a:t>
+            </a:r>
+            <a:r>
+              <a:rPr lang="de-DE" altLang="de-DE" dirty="0" err="1"/>
+              <a:t>GitLab</a:t>
+            </a:r>
+            <a:r>
+              <a:rPr lang="de-DE" altLang="de-DE" dirty="0"/>
+              <a:t> Release kann beinhalten</a:t>
+            </a:r>
+          </a:p>
+          <a:p>
+            <a:pPr lvl="1"/>
+            <a:r>
+              <a:rPr lang="de-DE" altLang="de-DE" dirty="0"/>
+              <a:t>Einen Snapshot des Source Codes im Repository</a:t>
+            </a:r>
+          </a:p>
+          <a:p>
+            <a:pPr lvl="1"/>
+            <a:r>
+              <a:rPr lang="de-DE" altLang="de-DE" dirty="0"/>
+              <a:t>Packages aus Job Artefakten</a:t>
+            </a:r>
+          </a:p>
+          <a:p>
+            <a:pPr lvl="1"/>
+            <a:r>
+              <a:rPr lang="de-DE" altLang="de-DE" dirty="0"/>
+              <a:t>Metadaten</a:t>
+            </a:r>
+          </a:p>
+          <a:p>
+            <a:pPr lvl="1"/>
+            <a:r>
+              <a:rPr lang="de-DE" altLang="de-DE" dirty="0"/>
+              <a:t>Release Notes</a:t>
+            </a:r>
+          </a:p>
+          <a:p>
+            <a:r>
+              <a:rPr lang="de-DE" altLang="de-DE" dirty="0" err="1"/>
+              <a:t>GitLab</a:t>
+            </a:r>
+            <a:r>
+              <a:rPr lang="de-DE" altLang="de-DE" dirty="0"/>
+              <a:t> archiviert beim Erstellen eines Releases automatisch den Source Code und verknüpft diesen mit dem Release</a:t>
+            </a:r>
+          </a:p>
+          <a:p>
+            <a:r>
+              <a:rPr lang="de-DE" altLang="de-DE" dirty="0" err="1"/>
+              <a:t>GitLab</a:t>
+            </a:r>
+            <a:r>
+              <a:rPr lang="de-DE" altLang="de-DE" dirty="0"/>
+              <a:t> erstellt ebenfalls eine JSON Datei, welche den gesamten Release Inhalt auflistet (release </a:t>
+            </a:r>
+            <a:r>
+              <a:rPr lang="de-DE" altLang="de-DE" dirty="0" err="1"/>
+              <a:t>evidence</a:t>
+            </a:r>
+            <a:r>
+              <a:rPr lang="de-DE" altLang="de-DE" dirty="0"/>
+              <a:t>)</a:t>
+            </a:r>
+          </a:p>
+          <a:p>
+            <a:r>
+              <a:rPr lang="de-DE" altLang="de-DE" dirty="0"/>
+              <a:t>Löschung des Tags führt auch zur Löschung des Releases</a:t>
+            </a:r>
+          </a:p>
+        </p:txBody>
+      </p:sp>
+      <p:sp>
+        <p:nvSpPr>
+          <p:cNvPr id="6147" name="Rectangle 1062">
+            <a:extLst>
+              <a:ext uri="{FF2B5EF4-FFF2-40B4-BE49-F238E27FC236}">
+                <a16:creationId xmlns:a16="http://schemas.microsoft.com/office/drawing/2014/main" id="{C46E9340-3256-8D55-A265-94F2F41E288E}"/>
+              </a:ext>
+            </a:extLst>
+          </p:cNvPr>
+          <p:cNvSpPr>
+            <a:spLocks noGrp="1" noChangeArrowheads="1"/>
+          </p:cNvSpPr>
+          <p:nvPr>
+            <p:ph type="title"/>
+          </p:nvPr>
+        </p:nvSpPr>
+        <p:spPr>
+          <a:xfrm>
+            <a:off x="285750" y="142875"/>
+            <a:ext cx="5654675" cy="706438"/>
+          </a:xfrm>
+        </p:spPr>
+        <p:txBody>
+          <a:bodyPr/>
+          <a:lstStyle/>
+          <a:p>
+            <a:r>
               <a:rPr lang="de-DE" altLang="de-DE" dirty="0" err="1"/>
               <a:t>GitLab</a:t>
             </a:r>
@@ -5948,7 +7643,7 @@
 </p:sld>
 </file>
 
-<file path=ppt/slides/slide17.xml><?xml version="1.0" encoding="utf-8"?>
+<file path=ppt/slides/slide19.xml><?xml version="1.0" encoding="utf-8"?>
 <p:sld xmlns:a="http://schemas.openxmlformats.org/drawingml/2006/main" xmlns:r="http://schemas.openxmlformats.org/officeDocument/2006/relationships" xmlns:p="http://schemas.openxmlformats.org/presentationml/2006/main">
   <p:cSld>
     <p:spTree>
@@ -6104,7 +7799,397 @@
 </p:sld>
 </file>
 
-<file path=ppt/slides/slide18.xml><?xml version="1.0" encoding="utf-8"?>
+<file path=ppt/slides/slide2.xml><?xml version="1.0" encoding="utf-8"?>
+<p:sld xmlns:a="http://schemas.openxmlformats.org/drawingml/2006/main" xmlns:r="http://schemas.openxmlformats.org/officeDocument/2006/relationships" xmlns:p="http://schemas.openxmlformats.org/presentationml/2006/main">
+  <p:cSld>
+    <p:spTree>
+      <p:nvGrpSpPr>
+        <p:cNvPr id="1" name=""/>
+        <p:cNvGrpSpPr/>
+        <p:nvPr/>
+      </p:nvGrpSpPr>
+      <p:grpSpPr>
+        <a:xfrm>
+          <a:off x="0" y="0"/>
+          <a:ext cx="0" cy="0"/>
+          <a:chOff x="0" y="0"/>
+          <a:chExt cx="0" cy="0"/>
+        </a:xfrm>
+      </p:grpSpPr>
+      <p:sp>
+        <p:nvSpPr>
+          <p:cNvPr id="6146" name="Inhaltsplatzhalter 18">
+            <a:extLst>
+              <a:ext uri="{FF2B5EF4-FFF2-40B4-BE49-F238E27FC236}">
+                <a16:creationId xmlns:a16="http://schemas.microsoft.com/office/drawing/2014/main" id="{BE3C4C95-FD5D-27F0-ED0C-AB8113CAC9F1}"/>
+              </a:ext>
+            </a:extLst>
+          </p:cNvPr>
+          <p:cNvSpPr>
+            <a:spLocks noGrp="1"/>
+          </p:cNvSpPr>
+          <p:nvPr>
+            <p:ph idx="1"/>
+          </p:nvPr>
+        </p:nvSpPr>
+        <p:spPr/>
+        <p:txBody>
+          <a:bodyPr/>
+          <a:lstStyle/>
+          <a:p>
+            <a:pPr>
+              <a:buFont typeface="Arial" panose="020B0604020202020204" pitchFamily="34" charset="0"/>
+              <a:buChar char="•"/>
+            </a:pPr>
+            <a:endParaRPr lang="de-DE" altLang="de-DE" sz="1800" b="1" dirty="0"/>
+          </a:p>
+          <a:p>
+            <a:pPr>
+              <a:buFont typeface="Arial" panose="020B0604020202020204" pitchFamily="34" charset="0"/>
+              <a:buChar char="•"/>
+            </a:pPr>
+            <a:r>
+              <a:rPr lang="de-DE" altLang="de-DE" sz="1800" b="1" dirty="0"/>
+              <a:t>Tag 1 – Einführung in </a:t>
+            </a:r>
+            <a:r>
+              <a:rPr lang="de-DE" altLang="de-DE" sz="1800" b="1" dirty="0" err="1"/>
+              <a:t>Git</a:t>
+            </a:r>
+            <a:r>
+              <a:rPr lang="de-DE" altLang="de-DE" sz="1800" b="1" dirty="0"/>
+              <a:t> und </a:t>
+            </a:r>
+            <a:r>
+              <a:rPr lang="de-DE" altLang="de-DE" sz="1800" b="1" dirty="0" err="1"/>
+              <a:t>GitLab</a:t>
+            </a:r>
+            <a:r>
+              <a:rPr lang="de-DE" altLang="de-DE" sz="1800" b="1" dirty="0"/>
+              <a:t>, </a:t>
+            </a:r>
+            <a:r>
+              <a:rPr lang="de-DE" altLang="de-DE" sz="1800" b="1" dirty="0" err="1"/>
+              <a:t>Git</a:t>
+            </a:r>
+            <a:r>
+              <a:rPr lang="de-DE" altLang="de-DE" sz="1800" b="1" dirty="0"/>
+              <a:t>-Workflow im Team</a:t>
+            </a:r>
+          </a:p>
+          <a:p>
+            <a:pPr lvl="1">
+              <a:buFont typeface="Arial" panose="020B0604020202020204" pitchFamily="34" charset="0"/>
+              <a:buChar char="•"/>
+            </a:pPr>
+            <a:r>
+              <a:rPr lang="de-DE" altLang="de-DE" sz="1400" dirty="0"/>
+              <a:t>Einführung &amp; Kursüberblick</a:t>
+            </a:r>
+          </a:p>
+          <a:p>
+            <a:pPr lvl="1">
+              <a:buFont typeface="Arial" panose="020B0604020202020204" pitchFamily="34" charset="0"/>
+              <a:buChar char="•"/>
+            </a:pPr>
+            <a:r>
+              <a:rPr lang="de-DE" altLang="de-DE" sz="1400" dirty="0"/>
+              <a:t>Grundlagen von </a:t>
+            </a:r>
+            <a:r>
+              <a:rPr lang="de-DE" altLang="de-DE" sz="1400" dirty="0" err="1"/>
+              <a:t>Git</a:t>
+            </a:r>
+            <a:r>
+              <a:rPr lang="de-DE" altLang="de-DE" sz="1400" dirty="0"/>
+              <a:t> und </a:t>
+            </a:r>
+            <a:r>
+              <a:rPr lang="de-DE" altLang="de-DE" sz="1400" dirty="0" err="1"/>
+              <a:t>GitLab</a:t>
+            </a:r>
+            <a:endParaRPr lang="de-DE" altLang="de-DE" sz="1400" dirty="0"/>
+          </a:p>
+          <a:p>
+            <a:pPr lvl="1">
+              <a:buFont typeface="Arial" panose="020B0604020202020204" pitchFamily="34" charset="0"/>
+              <a:buChar char="•"/>
+            </a:pPr>
+            <a:r>
+              <a:rPr lang="de-DE" altLang="de-DE" sz="1400" dirty="0" err="1"/>
+              <a:t>Git</a:t>
+            </a:r>
+            <a:r>
+              <a:rPr lang="de-DE" altLang="de-DE" sz="1400" dirty="0"/>
+              <a:t> </a:t>
+            </a:r>
+            <a:r>
+              <a:rPr lang="de-DE" altLang="de-DE" sz="1400" dirty="0" err="1"/>
+              <a:t>Rebase</a:t>
+            </a:r>
+            <a:r>
+              <a:rPr lang="de-DE" altLang="de-DE" sz="1400" dirty="0"/>
+              <a:t> &amp; </a:t>
+            </a:r>
+            <a:r>
+              <a:rPr lang="de-DE" altLang="de-DE" sz="1400" dirty="0" err="1"/>
+              <a:t>Merge</a:t>
+            </a:r>
+            <a:r>
+              <a:rPr lang="de-DE" altLang="de-DE" sz="1400" dirty="0"/>
+              <a:t>-Strategien</a:t>
+            </a:r>
+          </a:p>
+          <a:p>
+            <a:pPr lvl="1">
+              <a:buFont typeface="Arial" panose="020B0604020202020204" pitchFamily="34" charset="0"/>
+              <a:buChar char="•"/>
+            </a:pPr>
+            <a:r>
+              <a:rPr lang="de-DE" altLang="de-DE" sz="1400" dirty="0" err="1"/>
+              <a:t>Git</a:t>
+            </a:r>
+            <a:r>
+              <a:rPr lang="de-DE" altLang="de-DE" sz="1400" dirty="0"/>
+              <a:t>-Workflow im Team</a:t>
+            </a:r>
+          </a:p>
+          <a:p>
+            <a:pPr lvl="1">
+              <a:buFont typeface="Arial" panose="020B0604020202020204" pitchFamily="34" charset="0"/>
+              <a:buChar char="•"/>
+            </a:pPr>
+            <a:endParaRPr lang="de-DE" altLang="de-DE" sz="1400" dirty="0"/>
+          </a:p>
+          <a:p>
+            <a:pPr>
+              <a:buFont typeface="Arial" panose="020B0604020202020204" pitchFamily="34" charset="0"/>
+              <a:buChar char="•"/>
+            </a:pPr>
+            <a:r>
+              <a:rPr lang="de-DE" altLang="de-DE" sz="1800" b="1" dirty="0"/>
+              <a:t>Tag 2 – Vertiefung </a:t>
+            </a:r>
+            <a:r>
+              <a:rPr lang="de-DE" altLang="de-DE" sz="1800" b="1" dirty="0" err="1"/>
+              <a:t>Git</a:t>
+            </a:r>
+            <a:r>
+              <a:rPr lang="de-DE" altLang="de-DE" sz="1800" b="1" dirty="0"/>
+              <a:t>-Workflow, CI/CD &amp; </a:t>
+            </a:r>
+            <a:r>
+              <a:rPr lang="de-DE" altLang="de-DE" sz="1800" b="1" dirty="0" err="1"/>
+              <a:t>GitOps</a:t>
+            </a:r>
+            <a:endParaRPr lang="de-DE" altLang="de-DE" sz="1800" b="1" dirty="0"/>
+          </a:p>
+          <a:p>
+            <a:pPr lvl="1">
+              <a:buFont typeface="Arial" panose="020B0604020202020204" pitchFamily="34" charset="0"/>
+              <a:buChar char="•"/>
+            </a:pPr>
+            <a:r>
+              <a:rPr lang="de-DE" altLang="de-DE" sz="1400" dirty="0" err="1"/>
+              <a:t>Gitflow</a:t>
+            </a:r>
+            <a:r>
+              <a:rPr lang="de-DE" altLang="de-DE" sz="1400" dirty="0"/>
+              <a:t>-Workflow</a:t>
+            </a:r>
+          </a:p>
+          <a:p>
+            <a:pPr lvl="1">
+              <a:buFont typeface="Arial" panose="020B0604020202020204" pitchFamily="34" charset="0"/>
+              <a:buChar char="•"/>
+            </a:pPr>
+            <a:r>
+              <a:rPr lang="de-DE" altLang="de-DE" sz="1400" dirty="0"/>
+              <a:t>Tags, Releases &amp; deren Verwaltung</a:t>
+            </a:r>
+          </a:p>
+          <a:p>
+            <a:pPr lvl="1">
+              <a:buFont typeface="Arial" panose="020B0604020202020204" pitchFamily="34" charset="0"/>
+              <a:buChar char="•"/>
+            </a:pPr>
+            <a:r>
+              <a:rPr lang="de-DE" altLang="de-DE" sz="1400" dirty="0"/>
+              <a:t>Einführung in </a:t>
+            </a:r>
+            <a:r>
+              <a:rPr lang="de-DE" altLang="de-DE" sz="1400" dirty="0" err="1"/>
+              <a:t>GitLab</a:t>
+            </a:r>
+            <a:r>
+              <a:rPr lang="de-DE" altLang="de-DE" sz="1400" dirty="0"/>
+              <a:t> CI/CD &amp; </a:t>
+            </a:r>
+            <a:r>
+              <a:rPr lang="de-DE" altLang="de-DE" sz="1400" dirty="0" err="1"/>
+              <a:t>gitlab.yml</a:t>
+            </a:r>
+            <a:endParaRPr lang="de-DE" altLang="de-DE" sz="1400" dirty="0"/>
+          </a:p>
+          <a:p>
+            <a:pPr lvl="1">
+              <a:buFont typeface="Arial" panose="020B0604020202020204" pitchFamily="34" charset="0"/>
+              <a:buChar char="•"/>
+            </a:pPr>
+            <a:r>
+              <a:rPr lang="de-DE" altLang="de-DE" sz="1400" dirty="0"/>
+              <a:t>Grundlagen von </a:t>
+            </a:r>
+            <a:r>
+              <a:rPr lang="de-DE" altLang="de-DE" sz="1400" dirty="0" err="1"/>
+              <a:t>GitOps</a:t>
+            </a:r>
+            <a:endParaRPr lang="de-DE" altLang="de-DE" sz="1400" dirty="0"/>
+          </a:p>
+          <a:p>
+            <a:pPr lvl="1">
+              <a:buFont typeface="Arial" panose="020B0604020202020204" pitchFamily="34" charset="0"/>
+              <a:buChar char="•"/>
+            </a:pPr>
+            <a:endParaRPr lang="de-DE" altLang="de-DE" sz="1400" dirty="0"/>
+          </a:p>
+          <a:p>
+            <a:pPr>
+              <a:buFont typeface="Arial" panose="020B0604020202020204" pitchFamily="34" charset="0"/>
+              <a:buChar char="•"/>
+            </a:pPr>
+            <a:r>
+              <a:rPr lang="de-DE" altLang="de-DE" sz="1800" b="1" dirty="0"/>
+              <a:t>Tag 3 – Docker in der Entwicklung, </a:t>
+            </a:r>
+            <a:r>
+              <a:rPr lang="de-DE" altLang="de-DE" sz="1800" b="1" dirty="0" err="1"/>
+              <a:t>GitLab</a:t>
+            </a:r>
+            <a:r>
+              <a:rPr lang="de-DE" altLang="de-DE" sz="1800" b="1" dirty="0"/>
+              <a:t> CI und </a:t>
+            </a:r>
+            <a:r>
+              <a:rPr lang="de-DE" altLang="de-DE" sz="1800" b="1" dirty="0" err="1"/>
+              <a:t>Deployment</a:t>
+            </a:r>
+            <a:r>
+              <a:rPr lang="de-DE" altLang="de-DE" sz="1800" b="1" dirty="0"/>
+              <a:t>-Strategien</a:t>
+            </a:r>
+          </a:p>
+          <a:p>
+            <a:pPr lvl="1">
+              <a:buFont typeface="Arial" panose="020B0604020202020204" pitchFamily="34" charset="0"/>
+              <a:buChar char="•"/>
+            </a:pPr>
+            <a:r>
+              <a:rPr lang="de-DE" altLang="de-DE" sz="1400" dirty="0"/>
+              <a:t>Lokale Entwicklung mit Docker</a:t>
+            </a:r>
+          </a:p>
+          <a:p>
+            <a:pPr lvl="1">
+              <a:buFont typeface="Arial" panose="020B0604020202020204" pitchFamily="34" charset="0"/>
+              <a:buChar char="•"/>
+            </a:pPr>
+            <a:r>
+              <a:rPr lang="de-DE" altLang="de-DE" sz="1400" dirty="0" err="1"/>
+              <a:t>GitLab</a:t>
+            </a:r>
+            <a:r>
+              <a:rPr lang="de-DE" altLang="de-DE" sz="1400" dirty="0"/>
+              <a:t>-Runner &amp; Docker-Registry</a:t>
+            </a:r>
+          </a:p>
+          <a:p>
+            <a:pPr lvl="1">
+              <a:buFont typeface="Arial" panose="020B0604020202020204" pitchFamily="34" charset="0"/>
+              <a:buChar char="•"/>
+            </a:pPr>
+            <a:r>
+              <a:rPr lang="de-DE" altLang="de-DE" sz="1400" dirty="0"/>
+              <a:t>Erstellen von Release- und </a:t>
+            </a:r>
+            <a:r>
+              <a:rPr lang="de-DE" altLang="de-DE" sz="1400" dirty="0" err="1"/>
+              <a:t>Tagged</a:t>
+            </a:r>
+            <a:r>
+              <a:rPr lang="de-DE" altLang="de-DE" sz="1400" dirty="0"/>
+              <a:t>-Images</a:t>
+            </a:r>
+          </a:p>
+          <a:p>
+            <a:pPr lvl="1">
+              <a:buFont typeface="Arial" panose="020B0604020202020204" pitchFamily="34" charset="0"/>
+              <a:buChar char="•"/>
+            </a:pPr>
+            <a:r>
+              <a:rPr lang="de-DE" altLang="de-DE" sz="1400" dirty="0"/>
+              <a:t>Möglichkeiten des </a:t>
+            </a:r>
+            <a:r>
+              <a:rPr lang="de-DE" altLang="de-DE" sz="1400" dirty="0" err="1"/>
+              <a:t>Deployments</a:t>
+            </a:r>
+            <a:r>
+              <a:rPr lang="de-DE" altLang="de-DE" sz="1400" dirty="0"/>
+              <a:t> &amp; Verwaltung von Konfiguration</a:t>
+            </a:r>
+          </a:p>
+          <a:p>
+            <a:pPr lvl="1">
+              <a:buFont typeface="Arial" panose="020B0604020202020204" pitchFamily="34" charset="0"/>
+              <a:buChar char="•"/>
+            </a:pPr>
+            <a:endParaRPr lang="de-DE" altLang="de-DE" sz="1400" dirty="0"/>
+          </a:p>
+        </p:txBody>
+      </p:sp>
+      <p:sp>
+        <p:nvSpPr>
+          <p:cNvPr id="6147" name="Rectangle 1062">
+            <a:extLst>
+              <a:ext uri="{FF2B5EF4-FFF2-40B4-BE49-F238E27FC236}">
+                <a16:creationId xmlns:a16="http://schemas.microsoft.com/office/drawing/2014/main" id="{C46E9340-3256-8D55-A265-94F2F41E288E}"/>
+              </a:ext>
+            </a:extLst>
+          </p:cNvPr>
+          <p:cNvSpPr>
+            <a:spLocks noGrp="1" noChangeArrowheads="1"/>
+          </p:cNvSpPr>
+          <p:nvPr>
+            <p:ph type="title"/>
+          </p:nvPr>
+        </p:nvSpPr>
+        <p:spPr>
+          <a:xfrm>
+            <a:off x="285750" y="142875"/>
+            <a:ext cx="5654675" cy="706438"/>
+          </a:xfrm>
+        </p:spPr>
+        <p:txBody>
+          <a:bodyPr/>
+          <a:lstStyle/>
+          <a:p>
+            <a:r>
+              <a:rPr lang="de-DE" altLang="de-DE" dirty="0"/>
+              <a:t>Agenda</a:t>
+            </a:r>
+          </a:p>
+        </p:txBody>
+      </p:sp>
+    </p:spTree>
+  </p:cSld>
+  <p:clrMapOvr>
+    <a:masterClrMapping/>
+  </p:clrMapOvr>
+</p:sld>
+</file>
+
+<file path=ppt/slides/slide20.xml><?xml version="1.0" encoding="utf-8"?>
 <p:sld xmlns:a="http://schemas.openxmlformats.org/drawingml/2006/main" xmlns:r="http://schemas.openxmlformats.org/officeDocument/2006/relationships" xmlns:p="http://schemas.openxmlformats.org/presentationml/2006/main">
   <p:cSld>
     <p:spTree>
@@ -6201,7 +8286,7 @@
 </p:sld>
 </file>
 
-<file path=ppt/slides/slide19.xml><?xml version="1.0" encoding="utf-8"?>
+<file path=ppt/slides/slide21.xml><?xml version="1.0" encoding="utf-8"?>
 <p:sld xmlns:a="http://schemas.openxmlformats.org/drawingml/2006/main" xmlns:r="http://schemas.openxmlformats.org/officeDocument/2006/relationships" xmlns:p="http://schemas.openxmlformats.org/presentationml/2006/main">
   <p:cSld>
     <p:spTree>
@@ -6400,7 +8485,7 @@
 </p:sld>
 </file>
 
-<file path=ppt/slides/slide2.xml><?xml version="1.0" encoding="utf-8"?>
+<file path=ppt/slides/slide3.xml><?xml version="1.0" encoding="utf-8"?>
 <p:sld xmlns:a="http://schemas.openxmlformats.org/drawingml/2006/main" xmlns:r="http://schemas.openxmlformats.org/officeDocument/2006/relationships" xmlns:p="http://schemas.openxmlformats.org/presentationml/2006/main">
   <p:cSld>
     <p:spTree>
@@ -6595,133 +8680,6 @@
 </p:sld>
 </file>
 
-<file path=ppt/slides/slide3.xml><?xml version="1.0" encoding="utf-8"?>
-<p:sld xmlns:a="http://schemas.openxmlformats.org/drawingml/2006/main" xmlns:r="http://schemas.openxmlformats.org/officeDocument/2006/relationships" xmlns:p="http://schemas.openxmlformats.org/presentationml/2006/main">
-  <p:cSld>
-    <p:spTree>
-      <p:nvGrpSpPr>
-        <p:cNvPr id="1" name=""/>
-        <p:cNvGrpSpPr/>
-        <p:nvPr/>
-      </p:nvGrpSpPr>
-      <p:grpSpPr>
-        <a:xfrm>
-          <a:off x="0" y="0"/>
-          <a:ext cx="0" cy="0"/>
-          <a:chOff x="0" y="0"/>
-          <a:chExt cx="0" cy="0"/>
-        </a:xfrm>
-      </p:grpSpPr>
-      <p:sp>
-        <p:nvSpPr>
-          <p:cNvPr id="6146" name="Inhaltsplatzhalter 18">
-            <a:extLst>
-              <a:ext uri="{FF2B5EF4-FFF2-40B4-BE49-F238E27FC236}">
-                <a16:creationId xmlns:a16="http://schemas.microsoft.com/office/drawing/2014/main" id="{BE3C4C95-FD5D-27F0-ED0C-AB8113CAC9F1}"/>
-              </a:ext>
-            </a:extLst>
-          </p:cNvPr>
-          <p:cNvSpPr>
-            <a:spLocks noGrp="1"/>
-          </p:cNvSpPr>
-          <p:nvPr>
-            <p:ph idx="1"/>
-          </p:nvPr>
-        </p:nvSpPr>
-        <p:spPr>
-          <a:xfrm>
-            <a:off x="303214" y="981075"/>
-            <a:ext cx="8517258" cy="5400675"/>
-          </a:xfrm>
-        </p:spPr>
-        <p:txBody>
-          <a:bodyPr/>
-          <a:lstStyle/>
-          <a:p>
-            <a:r>
-              <a:rPr lang="de-DE" altLang="de-DE" dirty="0"/>
-              <a:t>Tagging ist ein wichtiges Konzept der </a:t>
-            </a:r>
-            <a:r>
-              <a:rPr lang="de-DE" altLang="de-DE" dirty="0" err="1"/>
-              <a:t>Versionverwaltung</a:t>
-            </a:r>
-            <a:endParaRPr lang="de-DE" altLang="de-DE" dirty="0"/>
-          </a:p>
-          <a:p>
-            <a:r>
-              <a:rPr lang="de-DE" altLang="de-DE" dirty="0"/>
-              <a:t>Wird verwendet, um einen spezifischen Entwicklungsstand zu markieren und mit einem Label zu versehen</a:t>
-            </a:r>
-          </a:p>
-          <a:p>
-            <a:r>
-              <a:rPr lang="de-DE" altLang="de-DE" dirty="0"/>
-              <a:t>Entwicklungsstand wird als „</a:t>
-            </a:r>
-            <a:r>
-              <a:rPr lang="de-DE" altLang="de-DE" dirty="0" err="1"/>
-              <a:t>snapshot</a:t>
-            </a:r>
-            <a:r>
-              <a:rPr lang="de-DE" altLang="de-DE" dirty="0"/>
-              <a:t>“ bezeichnet</a:t>
-            </a:r>
-          </a:p>
-          <a:p>
-            <a:r>
-              <a:rPr lang="de-DE" altLang="de-DE" dirty="0"/>
-              <a:t>Einsatz häufig, um spezifische Releases in einem Projekt zu markieren </a:t>
-            </a:r>
-          </a:p>
-        </p:txBody>
-      </p:sp>
-      <p:sp>
-        <p:nvSpPr>
-          <p:cNvPr id="6147" name="Rectangle 1062">
-            <a:extLst>
-              <a:ext uri="{FF2B5EF4-FFF2-40B4-BE49-F238E27FC236}">
-                <a16:creationId xmlns:a16="http://schemas.microsoft.com/office/drawing/2014/main" id="{C46E9340-3256-8D55-A265-94F2F41E288E}"/>
-              </a:ext>
-            </a:extLst>
-          </p:cNvPr>
-          <p:cNvSpPr>
-            <a:spLocks noGrp="1" noChangeArrowheads="1"/>
-          </p:cNvSpPr>
-          <p:nvPr>
-            <p:ph type="title"/>
-          </p:nvPr>
-        </p:nvSpPr>
-        <p:spPr>
-          <a:xfrm>
-            <a:off x="285750" y="142875"/>
-            <a:ext cx="5654675" cy="706438"/>
-          </a:xfrm>
-        </p:spPr>
-        <p:txBody>
-          <a:bodyPr/>
-          <a:lstStyle/>
-          <a:p>
-            <a:r>
-              <a:rPr lang="de-DE" altLang="de-DE" dirty="0"/>
-              <a:t>Tags</a:t>
-            </a:r>
-          </a:p>
-        </p:txBody>
-      </p:sp>
-    </p:spTree>
-    <p:extLst>
-      <p:ext uri="{BB962C8B-B14F-4D97-AF65-F5344CB8AC3E}">
-        <p14:creationId xmlns:p14="http://schemas.microsoft.com/office/powerpoint/2010/main" val="3020803649"/>
-      </p:ext>
-    </p:extLst>
-  </p:cSld>
-  <p:clrMapOvr>
-    <a:masterClrMapping/>
-  </p:clrMapOvr>
-</p:sld>
-</file>
-
 <file path=ppt/slides/slide4.xml><?xml version="1.0" encoding="utf-8"?>
 <p:sld xmlns:a="http://schemas.openxmlformats.org/drawingml/2006/main" xmlns:r="http://schemas.openxmlformats.org/officeDocument/2006/relationships" xmlns:p="http://schemas.openxmlformats.org/presentationml/2006/main">
   <p:cSld>
@@ -6741,348 +8699,53 @@
       </p:grpSpPr>
       <p:sp>
         <p:nvSpPr>
-          <p:cNvPr id="6146" name="Inhaltsplatzhalter 18">
-            <a:extLst>
-              <a:ext uri="{FF2B5EF4-FFF2-40B4-BE49-F238E27FC236}">
-                <a16:creationId xmlns:a16="http://schemas.microsoft.com/office/drawing/2014/main" id="{BE3C4C95-FD5D-27F0-ED0C-AB8113CAC9F1}"/>
-              </a:ext>
-            </a:extLst>
-          </p:cNvPr>
+          <p:cNvPr id="2" name="Titel 1"/>
           <p:cNvSpPr>
             <a:spLocks noGrp="1"/>
-          </p:cNvSpPr>
-          <p:nvPr>
-            <p:ph idx="1"/>
-          </p:nvPr>
-        </p:nvSpPr>
-        <p:spPr>
-          <a:xfrm>
-            <a:off x="303214" y="981075"/>
-            <a:ext cx="8517258" cy="5400675"/>
-          </a:xfrm>
-        </p:spPr>
-        <p:txBody>
-          <a:bodyPr/>
-          <a:lstStyle/>
-          <a:p>
-            <a:r>
-              <a:rPr lang="de-DE" altLang="de-DE" dirty="0"/>
-              <a:t>Mit den Befehl </a:t>
-            </a:r>
-            <a:r>
-              <a:rPr lang="de-DE" altLang="de-DE" dirty="0" err="1">
-                <a:latin typeface="Consolas" panose="020B0609020204030204" pitchFamily="49" charset="0"/>
-              </a:rPr>
-              <a:t>git</a:t>
-            </a:r>
-            <a:r>
-              <a:rPr lang="de-DE" altLang="de-DE" dirty="0">
-                <a:latin typeface="Consolas" panose="020B0609020204030204" pitchFamily="49" charset="0"/>
-              </a:rPr>
-              <a:t> tag &lt;tag-name&gt; </a:t>
-            </a:r>
-            <a:r>
-              <a:rPr lang="de-DE" altLang="de-DE" dirty="0"/>
-              <a:t>lässt sich zum letzten </a:t>
-            </a:r>
-            <a:r>
-              <a:rPr lang="de-DE" altLang="de-DE" dirty="0" err="1"/>
-              <a:t>Commits</a:t>
-            </a:r>
-            <a:r>
-              <a:rPr lang="de-DE" altLang="de-DE" dirty="0"/>
-              <a:t> des aktiven </a:t>
-            </a:r>
-            <a:r>
-              <a:rPr lang="de-DE" altLang="de-DE" dirty="0" err="1"/>
-              <a:t>Branches</a:t>
-            </a:r>
-            <a:r>
-              <a:rPr lang="de-DE" altLang="de-DE" dirty="0"/>
-              <a:t> ein Tag hinzufügen</a:t>
-            </a:r>
-          </a:p>
-          <a:p>
-            <a:pPr marL="457200" lvl="1" indent="0">
-              <a:spcBef>
-                <a:spcPts val="0"/>
-              </a:spcBef>
-              <a:buNone/>
-            </a:pPr>
-            <a:endParaRPr lang="en-US" altLang="de-DE" sz="1200" dirty="0">
-              <a:latin typeface="Consolas" panose="020B0609020204030204" pitchFamily="49" charset="0"/>
-            </a:endParaRPr>
-          </a:p>
-          <a:p>
-            <a:pPr marL="457200" lvl="1" indent="0">
-              <a:spcBef>
-                <a:spcPts val="0"/>
-              </a:spcBef>
-              <a:buNone/>
-            </a:pPr>
-            <a:r>
-              <a:rPr lang="en-US" altLang="de-DE" sz="1200" dirty="0">
-                <a:latin typeface="Consolas" panose="020B0609020204030204" pitchFamily="49" charset="0"/>
-              </a:rPr>
-              <a:t>$ git log --</a:t>
-            </a:r>
-            <a:r>
-              <a:rPr lang="en-US" altLang="de-DE" sz="1200" dirty="0" err="1">
-                <a:latin typeface="Consolas" panose="020B0609020204030204" pitchFamily="49" charset="0"/>
-              </a:rPr>
-              <a:t>oneline</a:t>
-            </a:r>
-            <a:endParaRPr lang="en-US" altLang="de-DE" sz="1200" dirty="0">
-              <a:latin typeface="Consolas" panose="020B0609020204030204" pitchFamily="49" charset="0"/>
-            </a:endParaRPr>
-          </a:p>
-          <a:p>
-            <a:pPr marL="457200" lvl="1" indent="0">
-              <a:spcBef>
-                <a:spcPts val="0"/>
-              </a:spcBef>
-              <a:buNone/>
-            </a:pPr>
-            <a:r>
-              <a:rPr lang="en-US" altLang="de-DE" sz="1200" dirty="0">
-                <a:latin typeface="Consolas" panose="020B0609020204030204" pitchFamily="49" charset="0"/>
-              </a:rPr>
-              <a:t>c3a059e (HEAD -&gt; main) Add </a:t>
-            </a:r>
-            <a:r>
-              <a:rPr lang="en-US" altLang="de-DE" sz="1200" dirty="0" err="1">
-                <a:latin typeface="Consolas" panose="020B0609020204030204" pitchFamily="49" charset="0"/>
-              </a:rPr>
-              <a:t>final_file</a:t>
-            </a:r>
-            <a:endParaRPr lang="en-US" altLang="de-DE" sz="1200" dirty="0">
-              <a:latin typeface="Consolas" panose="020B0609020204030204" pitchFamily="49" charset="0"/>
-            </a:endParaRPr>
-          </a:p>
-          <a:p>
-            <a:pPr marL="457200" lvl="1" indent="0">
-              <a:spcBef>
-                <a:spcPts val="0"/>
-              </a:spcBef>
-              <a:buNone/>
-            </a:pPr>
-            <a:r>
-              <a:rPr lang="en-US" altLang="de-DE" sz="1200" dirty="0">
-                <a:latin typeface="Consolas" panose="020B0609020204030204" pitchFamily="49" charset="0"/>
-              </a:rPr>
-              <a:t>a908be7 Add file3</a:t>
-            </a:r>
-          </a:p>
-          <a:p>
-            <a:pPr marL="457200" lvl="1" indent="0">
-              <a:spcBef>
-                <a:spcPts val="0"/>
-              </a:spcBef>
-              <a:buNone/>
-            </a:pPr>
-            <a:r>
-              <a:rPr lang="en-US" altLang="de-DE" sz="1200" dirty="0">
-                <a:latin typeface="Consolas" panose="020B0609020204030204" pitchFamily="49" charset="0"/>
-              </a:rPr>
-              <a:t>722eaf0 Add file from main</a:t>
-            </a:r>
-          </a:p>
-          <a:p>
-            <a:pPr marL="457200" lvl="1" indent="0">
-              <a:spcBef>
-                <a:spcPts val="0"/>
-              </a:spcBef>
-              <a:buNone/>
-            </a:pPr>
-            <a:r>
-              <a:rPr lang="en-US" altLang="de-DE" sz="1200" dirty="0">
-                <a:latin typeface="Consolas" panose="020B0609020204030204" pitchFamily="49" charset="0"/>
-              </a:rPr>
-              <a:t>c61ef14 Initial commit</a:t>
-            </a:r>
-          </a:p>
-          <a:p>
-            <a:pPr marL="457200" lvl="1" indent="0">
-              <a:spcBef>
-                <a:spcPts val="0"/>
-              </a:spcBef>
-              <a:buNone/>
-            </a:pPr>
-            <a:endParaRPr lang="en-US" altLang="de-DE" sz="1200" dirty="0">
-              <a:latin typeface="Consolas" panose="020B0609020204030204" pitchFamily="49" charset="0"/>
-            </a:endParaRPr>
-          </a:p>
-          <a:p>
-            <a:pPr marL="457200" lvl="1" indent="0">
-              <a:spcBef>
-                <a:spcPts val="0"/>
-              </a:spcBef>
-              <a:buNone/>
-            </a:pPr>
-            <a:r>
-              <a:rPr lang="en-US" altLang="de-DE" sz="1200" dirty="0">
-                <a:latin typeface="Consolas" panose="020B0609020204030204" pitchFamily="49" charset="0"/>
-              </a:rPr>
-              <a:t>$ git tag "release-v0.0.1"</a:t>
-            </a:r>
-          </a:p>
-          <a:p>
-            <a:pPr marL="457200" lvl="1" indent="0">
-              <a:spcBef>
-                <a:spcPts val="0"/>
-              </a:spcBef>
-              <a:buNone/>
-            </a:pPr>
-            <a:endParaRPr lang="en-US" altLang="de-DE" sz="1200" dirty="0">
-              <a:latin typeface="Consolas" panose="020B0609020204030204" pitchFamily="49" charset="0"/>
-            </a:endParaRPr>
-          </a:p>
-          <a:p>
-            <a:pPr marL="457200" lvl="1" indent="0">
-              <a:spcBef>
-                <a:spcPts val="0"/>
-              </a:spcBef>
-              <a:buNone/>
-            </a:pPr>
-            <a:r>
-              <a:rPr lang="en-US" altLang="de-DE" sz="1200" dirty="0">
-                <a:latin typeface="Consolas" panose="020B0609020204030204" pitchFamily="49" charset="0"/>
-              </a:rPr>
-              <a:t>$ git log --</a:t>
-            </a:r>
-            <a:r>
-              <a:rPr lang="en-US" altLang="de-DE" sz="1200" dirty="0" err="1">
-                <a:latin typeface="Consolas" panose="020B0609020204030204" pitchFamily="49" charset="0"/>
-              </a:rPr>
-              <a:t>oneline</a:t>
-            </a:r>
-            <a:endParaRPr lang="en-US" altLang="de-DE" sz="1200" dirty="0">
-              <a:latin typeface="Consolas" panose="020B0609020204030204" pitchFamily="49" charset="0"/>
-            </a:endParaRPr>
-          </a:p>
-          <a:p>
-            <a:pPr marL="457200" lvl="1" indent="0">
-              <a:spcBef>
-                <a:spcPts val="0"/>
-              </a:spcBef>
-              <a:buNone/>
-            </a:pPr>
-            <a:r>
-              <a:rPr lang="en-US" altLang="de-DE" sz="1200" dirty="0">
-                <a:latin typeface="Consolas" panose="020B0609020204030204" pitchFamily="49" charset="0"/>
-              </a:rPr>
-              <a:t>c3a059e (HEAD -&gt; main, tag: release-v0.0.1) Add </a:t>
-            </a:r>
-            <a:r>
-              <a:rPr lang="en-US" altLang="de-DE" sz="1200" dirty="0" err="1">
-                <a:latin typeface="Consolas" panose="020B0609020204030204" pitchFamily="49" charset="0"/>
-              </a:rPr>
-              <a:t>final_file</a:t>
-            </a:r>
-            <a:endParaRPr lang="en-US" altLang="de-DE" sz="1200" dirty="0">
-              <a:latin typeface="Consolas" panose="020B0609020204030204" pitchFamily="49" charset="0"/>
-            </a:endParaRPr>
-          </a:p>
-          <a:p>
-            <a:pPr marL="457200" lvl="1" indent="0">
-              <a:spcBef>
-                <a:spcPts val="0"/>
-              </a:spcBef>
-              <a:buNone/>
-            </a:pPr>
-            <a:r>
-              <a:rPr lang="en-US" altLang="de-DE" sz="1200" dirty="0">
-                <a:latin typeface="Consolas" panose="020B0609020204030204" pitchFamily="49" charset="0"/>
-              </a:rPr>
-              <a:t>a908be7 Add file3</a:t>
-            </a:r>
-          </a:p>
-          <a:p>
-            <a:pPr marL="457200" lvl="1" indent="0">
-              <a:spcBef>
-                <a:spcPts val="0"/>
-              </a:spcBef>
-              <a:buNone/>
-            </a:pPr>
-            <a:r>
-              <a:rPr lang="en-US" altLang="de-DE" sz="1200" dirty="0">
-                <a:latin typeface="Consolas" panose="020B0609020204030204" pitchFamily="49" charset="0"/>
-              </a:rPr>
-              <a:t>722eaf0 Add file from main</a:t>
-            </a:r>
-          </a:p>
-          <a:p>
-            <a:pPr marL="457200" lvl="1" indent="0">
-              <a:spcBef>
-                <a:spcPts val="0"/>
-              </a:spcBef>
-              <a:buNone/>
-            </a:pPr>
-            <a:r>
-              <a:rPr lang="en-US" altLang="de-DE" sz="1200" dirty="0">
-                <a:latin typeface="Consolas" panose="020B0609020204030204" pitchFamily="49" charset="0"/>
-              </a:rPr>
-              <a:t>c61ef14 Initial commit</a:t>
-            </a:r>
-            <a:endParaRPr lang="de-DE" altLang="de-DE" sz="1200" dirty="0">
-              <a:latin typeface="Consolas" panose="020B0609020204030204" pitchFamily="49" charset="0"/>
-            </a:endParaRPr>
-          </a:p>
-          <a:p>
-            <a:r>
-              <a:rPr lang="de-DE" altLang="de-DE" dirty="0"/>
-              <a:t>Fügt leichtgewichtigen Tag hinzu</a:t>
-            </a:r>
-          </a:p>
-          <a:p>
-            <a:r>
-              <a:rPr lang="de-DE" altLang="de-DE" dirty="0"/>
-              <a:t>Tag wird an allen Files im Repository gesetzt, nicht nur solche, die beim Commit verändert wurden</a:t>
-            </a:r>
-          </a:p>
-        </p:txBody>
-      </p:sp>
-      <p:sp>
-        <p:nvSpPr>
-          <p:cNvPr id="6147" name="Rectangle 1062">
-            <a:extLst>
-              <a:ext uri="{FF2B5EF4-FFF2-40B4-BE49-F238E27FC236}">
-                <a16:creationId xmlns:a16="http://schemas.microsoft.com/office/drawing/2014/main" id="{C46E9340-3256-8D55-A265-94F2F41E288E}"/>
-              </a:ext>
-            </a:extLst>
-          </p:cNvPr>
-          <p:cNvSpPr>
-            <a:spLocks noGrp="1" noChangeArrowheads="1"/>
           </p:cNvSpPr>
           <p:nvPr>
             <p:ph type="title"/>
           </p:nvPr>
         </p:nvSpPr>
-        <p:spPr>
-          <a:xfrm>
-            <a:off x="285750" y="142875"/>
-            <a:ext cx="5654675" cy="706438"/>
-          </a:xfrm>
-        </p:spPr>
+        <p:spPr/>
         <p:txBody>
           <a:bodyPr/>
           <a:lstStyle/>
           <a:p>
             <a:r>
-              <a:rPr lang="de-DE" altLang="de-DE" dirty="0" err="1"/>
+              <a:rPr lang="de-DE" cap="none" dirty="0"/>
+              <a:t>Tags</a:t>
+            </a:r>
+          </a:p>
+        </p:txBody>
+      </p:sp>
+      <p:sp>
+        <p:nvSpPr>
+          <p:cNvPr id="3" name="Untertitel 2"/>
+          <p:cNvSpPr>
+            <a:spLocks noGrp="1"/>
+          </p:cNvSpPr>
+          <p:nvPr>
+            <p:ph type="body" idx="1"/>
+          </p:nvPr>
+        </p:nvSpPr>
+        <p:spPr/>
+        <p:txBody>
+          <a:bodyPr/>
+          <a:lstStyle/>
+          <a:p>
+            <a:r>
+              <a:rPr lang="de-DE" dirty="0" err="1"/>
               <a:t>Git</a:t>
             </a:r>
-            <a:r>
-              <a:rPr lang="de-DE" altLang="de-DE" dirty="0"/>
-              <a:t>-Tags</a:t>
-            </a:r>
+            <a:endParaRPr lang="de-DE" dirty="0"/>
           </a:p>
         </p:txBody>
       </p:sp>
     </p:spTree>
     <p:extLst>
       <p:ext uri="{BB962C8B-B14F-4D97-AF65-F5344CB8AC3E}">
-        <p14:creationId xmlns:p14="http://schemas.microsoft.com/office/powerpoint/2010/main" val="95346933"/>
+        <p14:creationId xmlns:p14="http://schemas.microsoft.com/office/powerpoint/2010/main" val="3092047359"/>
       </p:ext>
     </p:extLst>
   </p:cSld>
@@ -7136,281 +8799,40 @@
           <a:lstStyle/>
           <a:p>
             <a:r>
-              <a:rPr lang="de-DE" altLang="de-DE" dirty="0" err="1">
-                <a:latin typeface="Consolas" panose="020B0609020204030204" pitchFamily="49" charset="0"/>
-              </a:rPr>
-              <a:t>git</a:t>
-            </a:r>
-            <a:r>
-              <a:rPr lang="de-DE" altLang="de-DE" dirty="0">
-                <a:latin typeface="Consolas" panose="020B0609020204030204" pitchFamily="49" charset="0"/>
-              </a:rPr>
-              <a:t> tag </a:t>
-            </a:r>
-            <a:r>
               <a:rPr lang="de-DE" altLang="de-DE" dirty="0"/>
-              <a:t>zeigt alle Tags im aktuellen Projekt</a:t>
-            </a:r>
-          </a:p>
-          <a:p>
-            <a:pPr marL="457200" lvl="1" indent="0">
-              <a:spcBef>
-                <a:spcPts val="0"/>
-              </a:spcBef>
-              <a:buNone/>
-            </a:pPr>
-            <a:endParaRPr lang="en-US" altLang="de-DE" sz="1200" dirty="0">
-              <a:latin typeface="Consolas" panose="020B0609020204030204" pitchFamily="49" charset="0"/>
-            </a:endParaRPr>
-          </a:p>
-          <a:p>
-            <a:pPr marL="457200" lvl="1" indent="0">
-              <a:spcBef>
-                <a:spcPts val="0"/>
-              </a:spcBef>
-              <a:buNone/>
-            </a:pPr>
-            <a:r>
-              <a:rPr lang="en-US" altLang="de-DE" sz="1200" dirty="0">
-                <a:latin typeface="Consolas" panose="020B0609020204030204" pitchFamily="49" charset="0"/>
-              </a:rPr>
-              <a:t>$ git log --</a:t>
-            </a:r>
-            <a:r>
-              <a:rPr lang="en-US" altLang="de-DE" sz="1200" dirty="0" err="1">
-                <a:latin typeface="Consolas" panose="020B0609020204030204" pitchFamily="49" charset="0"/>
-              </a:rPr>
-              <a:t>oneline</a:t>
-            </a:r>
-            <a:endParaRPr lang="en-US" altLang="de-DE" sz="1200" dirty="0">
-              <a:latin typeface="Consolas" panose="020B0609020204030204" pitchFamily="49" charset="0"/>
-            </a:endParaRPr>
-          </a:p>
-          <a:p>
-            <a:pPr marL="457200" lvl="1" indent="0">
-              <a:spcBef>
-                <a:spcPts val="0"/>
-              </a:spcBef>
-              <a:buNone/>
-            </a:pPr>
-            <a:r>
-              <a:rPr lang="en-US" altLang="de-DE" sz="1200" dirty="0">
-                <a:latin typeface="Consolas" panose="020B0609020204030204" pitchFamily="49" charset="0"/>
-              </a:rPr>
-              <a:t>89c1108 (HEAD -&gt; main, tag: release-v0.0.2) Add release2_file</a:t>
-            </a:r>
-          </a:p>
-          <a:p>
-            <a:pPr marL="457200" lvl="1" indent="0">
-              <a:spcBef>
-                <a:spcPts val="0"/>
-              </a:spcBef>
-              <a:buNone/>
-            </a:pPr>
-            <a:r>
-              <a:rPr lang="en-US" altLang="de-DE" sz="1200" dirty="0">
-                <a:latin typeface="Consolas" panose="020B0609020204030204" pitchFamily="49" charset="0"/>
-              </a:rPr>
-              <a:t>c3a059e (tag: release-v0.0.1) Add </a:t>
-            </a:r>
-            <a:r>
-              <a:rPr lang="en-US" altLang="de-DE" sz="1200" dirty="0" err="1">
-                <a:latin typeface="Consolas" panose="020B0609020204030204" pitchFamily="49" charset="0"/>
-              </a:rPr>
-              <a:t>final_file</a:t>
-            </a:r>
-            <a:endParaRPr lang="en-US" altLang="de-DE" sz="1200" dirty="0">
-              <a:latin typeface="Consolas" panose="020B0609020204030204" pitchFamily="49" charset="0"/>
-            </a:endParaRPr>
-          </a:p>
-          <a:p>
-            <a:pPr marL="457200" lvl="1" indent="0">
-              <a:spcBef>
-                <a:spcPts val="0"/>
-              </a:spcBef>
-              <a:buNone/>
-            </a:pPr>
-            <a:r>
-              <a:rPr lang="en-US" altLang="de-DE" sz="1200" dirty="0">
-                <a:latin typeface="Consolas" panose="020B0609020204030204" pitchFamily="49" charset="0"/>
-              </a:rPr>
-              <a:t>a908be7 Add file3</a:t>
-            </a:r>
-          </a:p>
-          <a:p>
-            <a:pPr marL="457200" lvl="1" indent="0">
-              <a:spcBef>
-                <a:spcPts val="0"/>
-              </a:spcBef>
-              <a:buNone/>
-            </a:pPr>
-            <a:r>
-              <a:rPr lang="en-US" altLang="de-DE" sz="1200" dirty="0">
-                <a:latin typeface="Consolas" panose="020B0609020204030204" pitchFamily="49" charset="0"/>
-              </a:rPr>
-              <a:t>722eaf0 Add file from main</a:t>
-            </a:r>
-          </a:p>
-          <a:p>
-            <a:pPr marL="457200" lvl="1" indent="0">
-              <a:spcBef>
-                <a:spcPts val="0"/>
-              </a:spcBef>
-              <a:buNone/>
-            </a:pPr>
-            <a:r>
-              <a:rPr lang="en-US" altLang="de-DE" sz="1200" dirty="0">
-                <a:latin typeface="Consolas" panose="020B0609020204030204" pitchFamily="49" charset="0"/>
-              </a:rPr>
-              <a:t>c61ef14 Initial commit</a:t>
-            </a:r>
-          </a:p>
-          <a:p>
-            <a:pPr marL="457200" lvl="1" indent="0">
-              <a:spcBef>
-                <a:spcPts val="0"/>
-              </a:spcBef>
-              <a:buNone/>
-            </a:pPr>
-            <a:endParaRPr lang="en-US" altLang="de-DE" sz="1200" dirty="0">
-              <a:latin typeface="Consolas" panose="020B0609020204030204" pitchFamily="49" charset="0"/>
-            </a:endParaRPr>
-          </a:p>
-          <a:p>
-            <a:pPr marL="457200" lvl="1" indent="0">
-              <a:spcBef>
-                <a:spcPts val="0"/>
-              </a:spcBef>
-              <a:buNone/>
-            </a:pPr>
-            <a:r>
-              <a:rPr lang="en-US" altLang="de-DE" sz="1200" dirty="0">
-                <a:latin typeface="Consolas" panose="020B0609020204030204" pitchFamily="49" charset="0"/>
-              </a:rPr>
-              <a:t>$ git tag release-0.0.0 a908be7</a:t>
-            </a:r>
-          </a:p>
-          <a:p>
-            <a:pPr marL="457200" lvl="1" indent="0">
-              <a:spcBef>
-                <a:spcPts val="0"/>
-              </a:spcBef>
-              <a:buNone/>
-            </a:pPr>
-            <a:endParaRPr lang="en-US" altLang="de-DE" sz="1200" dirty="0">
-              <a:latin typeface="Consolas" panose="020B0609020204030204" pitchFamily="49" charset="0"/>
-            </a:endParaRPr>
-          </a:p>
-          <a:p>
-            <a:pPr marL="457200" lvl="1" indent="0">
-              <a:spcBef>
-                <a:spcPts val="0"/>
-              </a:spcBef>
-              <a:buNone/>
-            </a:pPr>
-            <a:r>
-              <a:rPr lang="en-US" altLang="de-DE" sz="1200" dirty="0">
-                <a:latin typeface="Consolas" panose="020B0609020204030204" pitchFamily="49" charset="0"/>
-              </a:rPr>
-              <a:t>$ git log --</a:t>
-            </a:r>
-            <a:r>
-              <a:rPr lang="en-US" altLang="de-DE" sz="1200" dirty="0" err="1">
-                <a:latin typeface="Consolas" panose="020B0609020204030204" pitchFamily="49" charset="0"/>
-              </a:rPr>
-              <a:t>oneline</a:t>
-            </a:r>
-            <a:endParaRPr lang="en-US" altLang="de-DE" sz="1200" dirty="0">
-              <a:latin typeface="Consolas" panose="020B0609020204030204" pitchFamily="49" charset="0"/>
-            </a:endParaRPr>
-          </a:p>
-          <a:p>
-            <a:pPr marL="457200" lvl="1" indent="0">
-              <a:spcBef>
-                <a:spcPts val="0"/>
-              </a:spcBef>
-              <a:buNone/>
-            </a:pPr>
-            <a:r>
-              <a:rPr lang="en-US" altLang="de-DE" sz="1200" dirty="0">
-                <a:latin typeface="Consolas" panose="020B0609020204030204" pitchFamily="49" charset="0"/>
-              </a:rPr>
-              <a:t>89c1108 (HEAD -&gt; main, tag: release-v0.0.2) Add release2_file</a:t>
-            </a:r>
-          </a:p>
-          <a:p>
-            <a:pPr marL="457200" lvl="1" indent="0">
-              <a:spcBef>
-                <a:spcPts val="0"/>
-              </a:spcBef>
-              <a:buNone/>
-            </a:pPr>
-            <a:r>
-              <a:rPr lang="en-US" altLang="de-DE" sz="1200" dirty="0">
-                <a:latin typeface="Consolas" panose="020B0609020204030204" pitchFamily="49" charset="0"/>
-              </a:rPr>
-              <a:t>c3a059e (tag: release-v0.0.1) Add </a:t>
-            </a:r>
-            <a:r>
-              <a:rPr lang="en-US" altLang="de-DE" sz="1200" dirty="0" err="1">
-                <a:latin typeface="Consolas" panose="020B0609020204030204" pitchFamily="49" charset="0"/>
-              </a:rPr>
-              <a:t>final_file</a:t>
-            </a:r>
-            <a:endParaRPr lang="en-US" altLang="de-DE" sz="1200" dirty="0">
-              <a:latin typeface="Consolas" panose="020B0609020204030204" pitchFamily="49" charset="0"/>
-            </a:endParaRPr>
-          </a:p>
-          <a:p>
-            <a:pPr marL="457200" lvl="1" indent="0">
-              <a:spcBef>
-                <a:spcPts val="0"/>
-              </a:spcBef>
-              <a:buNone/>
-            </a:pPr>
-            <a:r>
-              <a:rPr lang="en-US" altLang="de-DE" sz="1200" dirty="0">
-                <a:latin typeface="Consolas" panose="020B0609020204030204" pitchFamily="49" charset="0"/>
-              </a:rPr>
-              <a:t>a908be7 (tag: release-0.0.0) Add file3</a:t>
-            </a:r>
-          </a:p>
-          <a:p>
-            <a:pPr marL="457200" lvl="1" indent="0">
-              <a:spcBef>
-                <a:spcPts val="0"/>
-              </a:spcBef>
-              <a:buNone/>
-            </a:pPr>
-            <a:r>
-              <a:rPr lang="en-US" altLang="de-DE" sz="1200" dirty="0">
-                <a:latin typeface="Consolas" panose="020B0609020204030204" pitchFamily="49" charset="0"/>
-              </a:rPr>
-              <a:t>722eaf0 Add file from main</a:t>
-            </a:r>
-          </a:p>
-          <a:p>
-            <a:pPr marL="457200" lvl="1" indent="0">
-              <a:spcBef>
-                <a:spcPts val="0"/>
-              </a:spcBef>
-              <a:buNone/>
-            </a:pPr>
-            <a:r>
-              <a:rPr lang="en-US" altLang="de-DE" sz="1200" dirty="0">
-                <a:latin typeface="Consolas" panose="020B0609020204030204" pitchFamily="49" charset="0"/>
-              </a:rPr>
-              <a:t>c61ef14 Initial commit</a:t>
-            </a:r>
-            <a:endParaRPr lang="de-DE" altLang="de-DE" sz="1200" dirty="0">
-              <a:latin typeface="Consolas" panose="020B0609020204030204" pitchFamily="49" charset="0"/>
-            </a:endParaRPr>
-          </a:p>
-          <a:p>
-            <a:pPr marL="0" indent="0">
-              <a:buNone/>
-            </a:pPr>
+              <a:t>Tagging ist ein wichtiges Konzept der </a:t>
+            </a:r>
+            <a:r>
+              <a:rPr lang="de-DE" altLang="de-DE" dirty="0" err="1"/>
+              <a:t>Versionverwaltung</a:t>
+            </a:r>
             <a:endParaRPr lang="de-DE" altLang="de-DE" dirty="0"/>
+          </a:p>
+          <a:p>
+            <a:r>
+              <a:rPr lang="de-DE" altLang="de-DE" dirty="0"/>
+              <a:t>Wird verwendet, um einen spezifischen Entwicklungsstand zu markieren und mit einem Label zu versehen</a:t>
+            </a:r>
+          </a:p>
+          <a:p>
+            <a:r>
+              <a:rPr lang="de-DE" altLang="de-DE" dirty="0"/>
+              <a:t>Entwicklungsstand wird als „</a:t>
+            </a:r>
+            <a:r>
+              <a:rPr lang="de-DE" altLang="de-DE" dirty="0" err="1"/>
+              <a:t>snapshot</a:t>
+            </a:r>
+            <a:r>
+              <a:rPr lang="de-DE" altLang="de-DE" dirty="0"/>
+              <a:t>“ bezeichnet</a:t>
+            </a:r>
+          </a:p>
+          <a:p>
+            <a:r>
+              <a:rPr lang="de-DE" altLang="de-DE" dirty="0"/>
+              <a:t>Einsatz häufig, um spezifische Releases in einem Projekt zu markieren </a:t>
+            </a:r>
           </a:p>
         </p:txBody>
       </p:sp>
@@ -7446,7 +8868,7 @@
             </a:r>
             <a:r>
               <a:rPr lang="de-DE" altLang="de-DE" dirty="0"/>
-              <a:t>-Tags</a:t>
+              <a:t> – Tags </a:t>
             </a:r>
           </a:p>
         </p:txBody>
@@ -7454,7 +8876,7 @@
     </p:spTree>
     <p:extLst>
       <p:ext uri="{BB962C8B-B14F-4D97-AF65-F5344CB8AC3E}">
-        <p14:creationId xmlns:p14="http://schemas.microsoft.com/office/powerpoint/2010/main" val="1109548834"/>
+        <p14:creationId xmlns:p14="http://schemas.microsoft.com/office/powerpoint/2010/main" val="3020803649"/>
       </p:ext>
     </p:extLst>
   </p:cSld>
@@ -7508,6 +8930,10 @@
           <a:lstStyle/>
           <a:p>
             <a:r>
+              <a:rPr lang="de-DE" altLang="de-DE" dirty="0"/>
+              <a:t>Mit den Befehl </a:t>
+            </a:r>
+            <a:r>
               <a:rPr lang="de-DE" altLang="de-DE" dirty="0" err="1">
                 <a:latin typeface="Consolas" panose="020B0609020204030204" pitchFamily="49" charset="0"/>
               </a:rPr>
@@ -7517,23 +8943,27 @@
               <a:rPr lang="de-DE" altLang="de-DE" dirty="0">
                 <a:latin typeface="Consolas" panose="020B0609020204030204" pitchFamily="49" charset="0"/>
               </a:rPr>
-              <a:t> </a:t>
-            </a:r>
-            <a:r>
-              <a:rPr lang="de-DE" altLang="de-DE" dirty="0" err="1">
-                <a:latin typeface="Consolas" panose="020B0609020204030204" pitchFamily="49" charset="0"/>
-              </a:rPr>
-              <a:t>show</a:t>
-            </a:r>
-            <a:r>
-              <a:rPr lang="de-DE" altLang="de-DE" dirty="0">
-                <a:latin typeface="Consolas" panose="020B0609020204030204" pitchFamily="49" charset="0"/>
-              </a:rPr>
-              <a:t> &lt;tag-name&gt; </a:t>
+              <a:t> tag &lt;tag-name&gt; </a:t>
             </a:r>
             <a:r>
               <a:rPr lang="de-DE" altLang="de-DE" dirty="0"/>
-              <a:t>zeigt den Commit zum angegebenen Tag</a:t>
+              <a:t>lässt sich zum letzten </a:t>
+            </a:r>
+            <a:r>
+              <a:rPr lang="de-DE" altLang="de-DE" dirty="0" err="1"/>
+              <a:t>Commits</a:t>
+            </a:r>
+            <a:r>
+              <a:rPr lang="de-DE" altLang="de-DE" dirty="0"/>
+              <a:t> des aktiven </a:t>
+            </a:r>
+            <a:r>
+              <a:rPr lang="de-DE" altLang="de-DE" dirty="0" err="1"/>
+              <a:t>Branches</a:t>
+            </a:r>
+            <a:r>
+              <a:rPr lang="de-DE" altLang="de-DE" dirty="0"/>
+              <a:t> ein Tag hinzufügen</a:t>
             </a:r>
           </a:p>
           <a:p>
@@ -7543,7 +8973,7 @@
               </a:spcBef>
               <a:buNone/>
             </a:pPr>
-            <a:endParaRPr lang="de-DE" altLang="de-DE" sz="1200" dirty="0">
+            <a:endParaRPr lang="en-US" altLang="de-DE" sz="1200" dirty="0">
               <a:latin typeface="Consolas" panose="020B0609020204030204" pitchFamily="49" charset="0"/>
             </a:endParaRPr>
           </a:p>
@@ -7555,35 +8985,20 @@
               <a:buNone/>
             </a:pPr>
             <a:r>
-              <a:rPr lang="de-DE" altLang="de-DE" sz="1200" dirty="0">
-                <a:latin typeface="Consolas" panose="020B0609020204030204" pitchFamily="49" charset="0"/>
-              </a:rPr>
-              <a:t>$ </a:t>
-            </a:r>
-            <a:r>
-              <a:rPr lang="de-DE" altLang="de-DE" sz="1200" dirty="0" err="1">
-                <a:latin typeface="Consolas" panose="020B0609020204030204" pitchFamily="49" charset="0"/>
-              </a:rPr>
-              <a:t>git</a:t>
-            </a:r>
-            <a:r>
-              <a:rPr lang="de-DE" altLang="de-DE" sz="1200" dirty="0">
-                <a:latin typeface="Consolas" panose="020B0609020204030204" pitchFamily="49" charset="0"/>
-              </a:rPr>
-              <a:t> </a:t>
-            </a:r>
-            <a:r>
-              <a:rPr lang="de-DE" altLang="de-DE" sz="1200" dirty="0" err="1">
-                <a:latin typeface="Consolas" panose="020B0609020204030204" pitchFamily="49" charset="0"/>
-              </a:rPr>
-              <a:t>show</a:t>
-            </a:r>
-            <a:r>
-              <a:rPr lang="de-DE" altLang="de-DE" sz="1200" dirty="0">
-                <a:latin typeface="Consolas" panose="020B0609020204030204" pitchFamily="49" charset="0"/>
-              </a:rPr>
-              <a:t> release-v0.0.1</a:t>
-            </a:r>
+              <a:rPr lang="en-US" altLang="de-DE" sz="1200" dirty="0">
+                <a:latin typeface="Consolas" panose="020B0609020204030204" pitchFamily="49" charset="0"/>
+              </a:rPr>
+              <a:t>$ git log --</a:t>
+            </a:r>
+            <a:r>
+              <a:rPr lang="en-US" altLang="de-DE" sz="1200" dirty="0" err="1">
+                <a:latin typeface="Consolas" panose="020B0609020204030204" pitchFamily="49" charset="0"/>
+              </a:rPr>
+              <a:t>oneline</a:t>
+            </a:r>
+            <a:endParaRPr lang="en-US" altLang="de-DE" sz="1200" dirty="0">
+              <a:latin typeface="Consolas" panose="020B0609020204030204" pitchFamily="49" charset="0"/>
+            </a:endParaRPr>
           </a:p>
           <a:p>
             <a:pPr marL="457200" lvl="1" indent="0">
@@ -7593,17 +9008,20 @@
               <a:buNone/>
             </a:pPr>
             <a:r>
-              <a:rPr lang="de-DE" altLang="de-DE" sz="1200" dirty="0" err="1">
-                <a:latin typeface="Consolas" panose="020B0609020204030204" pitchFamily="49" charset="0"/>
-              </a:rPr>
-              <a:t>commit</a:t>
-            </a:r>
-            <a:r>
-              <a:rPr lang="de-DE" altLang="de-DE" sz="1200" dirty="0">
-                <a:latin typeface="Consolas" panose="020B0609020204030204" pitchFamily="49" charset="0"/>
-              </a:rPr>
-              <a:t> c3a059e2d6e4acfdca1295104b4d6a55f8bd00e4 (tag: release-v0.0.1)</a:t>
-            </a:r>
+              <a:rPr lang="en-US" altLang="de-DE" sz="1200" dirty="0">
+                <a:latin typeface="Consolas" panose="020B0609020204030204" pitchFamily="49" charset="0"/>
+              </a:rPr>
+              <a:t>c3a059e (HEAD -&gt; main) Add </a:t>
+            </a:r>
+            <a:r>
+              <a:rPr lang="en-US" altLang="de-DE" sz="1200" dirty="0" err="1">
+                <a:latin typeface="Consolas" panose="020B0609020204030204" pitchFamily="49" charset="0"/>
+              </a:rPr>
+              <a:t>final_file</a:t>
+            </a:r>
+            <a:endParaRPr lang="en-US" altLang="de-DE" sz="1200" dirty="0">
+              <a:latin typeface="Consolas" panose="020B0609020204030204" pitchFamily="49" charset="0"/>
+            </a:endParaRPr>
           </a:p>
           <a:p>
             <a:pPr marL="457200" lvl="1" indent="0">
@@ -7613,28 +9031,10 @@
               <a:buNone/>
             </a:pPr>
             <a:r>
-              <a:rPr lang="de-DE" altLang="de-DE" sz="1200" dirty="0" err="1">
-                <a:latin typeface="Consolas" panose="020B0609020204030204" pitchFamily="49" charset="0"/>
-              </a:rPr>
-              <a:t>Author</a:t>
-            </a:r>
-            <a:r>
-              <a:rPr lang="de-DE" altLang="de-DE" sz="1200" dirty="0">
-                <a:latin typeface="Consolas" panose="020B0609020204030204" pitchFamily="49" charset="0"/>
-              </a:rPr>
-              <a:t>: </a:t>
-            </a:r>
-            <a:r>
-              <a:rPr lang="de-DE" altLang="de-DE" sz="1200" dirty="0" err="1">
-                <a:latin typeface="Consolas" panose="020B0609020204030204" pitchFamily="49" charset="0"/>
-              </a:rPr>
-              <a:t>Example</a:t>
-            </a:r>
-            <a:r>
-              <a:rPr lang="de-DE" altLang="de-DE" sz="1200" dirty="0">
-                <a:latin typeface="Consolas" panose="020B0609020204030204" pitchFamily="49" charset="0"/>
-              </a:rPr>
-              <a:t> User &lt;example.user@example.de&gt;</a:t>
+              <a:rPr lang="en-US" altLang="de-DE" sz="1200" dirty="0">
+                <a:latin typeface="Consolas" panose="020B0609020204030204" pitchFamily="49" charset="0"/>
+              </a:rPr>
+              <a:t>a908be7 Add file3</a:t>
             </a:r>
           </a:p>
           <a:p>
@@ -7645,10 +9045,10 @@
               <a:buNone/>
             </a:pPr>
             <a:r>
-              <a:rPr lang="de-DE" altLang="de-DE" sz="1200" dirty="0">
-                <a:latin typeface="Consolas" panose="020B0609020204030204" pitchFamily="49" charset="0"/>
-              </a:rPr>
-              <a:t>Date:   Tue May 28 14:47:28 2024 +0200</a:t>
+              <a:rPr lang="en-US" altLang="de-DE" sz="1200" dirty="0">
+                <a:latin typeface="Consolas" panose="020B0609020204030204" pitchFamily="49" charset="0"/>
+              </a:rPr>
+              <a:t>722eaf0 Add file from main</a:t>
             </a:r>
           </a:p>
           <a:p>
@@ -7658,9 +9058,12 @@
               </a:spcBef>
               <a:buNone/>
             </a:pPr>
-            <a:endParaRPr lang="de-DE" altLang="de-DE" sz="1200" dirty="0">
-              <a:latin typeface="Consolas" panose="020B0609020204030204" pitchFamily="49" charset="0"/>
-            </a:endParaRPr>
+            <a:r>
+              <a:rPr lang="en-US" altLang="de-DE" sz="1200" dirty="0">
+                <a:latin typeface="Consolas" panose="020B0609020204030204" pitchFamily="49" charset="0"/>
+              </a:rPr>
+              <a:t>c61ef14 Initial commit</a:t>
+            </a:r>
           </a:p>
           <a:p>
             <a:pPr marL="457200" lvl="1" indent="0">
@@ -7669,19 +9072,7 @@
               </a:spcBef>
               <a:buNone/>
             </a:pPr>
-            <a:r>
-              <a:rPr lang="de-DE" altLang="de-DE" sz="1200" dirty="0">
-                <a:latin typeface="Consolas" panose="020B0609020204030204" pitchFamily="49" charset="0"/>
-              </a:rPr>
-              <a:t>    Add </a:t>
-            </a:r>
-            <a:r>
-              <a:rPr lang="de-DE" altLang="de-DE" sz="1200" dirty="0" err="1">
-                <a:latin typeface="Consolas" panose="020B0609020204030204" pitchFamily="49" charset="0"/>
-              </a:rPr>
-              <a:t>final_file</a:t>
-            </a:r>
-            <a:endParaRPr lang="de-DE" altLang="de-DE" sz="1200" dirty="0">
+            <a:endParaRPr lang="en-US" altLang="de-DE" sz="1200" dirty="0">
               <a:latin typeface="Consolas" panose="020B0609020204030204" pitchFamily="49" charset="0"/>
             </a:endParaRPr>
           </a:p>
@@ -7692,9 +9083,12 @@
               </a:spcBef>
               <a:buNone/>
             </a:pPr>
-            <a:endParaRPr lang="de-DE" altLang="de-DE" sz="1200" dirty="0">
-              <a:latin typeface="Consolas" panose="020B0609020204030204" pitchFamily="49" charset="0"/>
-            </a:endParaRPr>
+            <a:r>
+              <a:rPr lang="en-US" altLang="de-DE" sz="1200" dirty="0">
+                <a:latin typeface="Consolas" panose="020B0609020204030204" pitchFamily="49" charset="0"/>
+              </a:rPr>
+              <a:t>$ git tag "release-v0.0.1"</a:t>
+            </a:r>
           </a:p>
           <a:p>
             <a:pPr marL="457200" lvl="1" indent="0">
@@ -7703,30 +9097,9 @@
               </a:spcBef>
               <a:buNone/>
             </a:pPr>
-            <a:r>
-              <a:rPr lang="de-DE" altLang="de-DE" sz="1200" dirty="0" err="1">
-                <a:latin typeface="Consolas" panose="020B0609020204030204" pitchFamily="49" charset="0"/>
-              </a:rPr>
-              <a:t>diff</a:t>
-            </a:r>
-            <a:r>
-              <a:rPr lang="de-DE" altLang="de-DE" sz="1200" dirty="0">
-                <a:latin typeface="Consolas" panose="020B0609020204030204" pitchFamily="49" charset="0"/>
-              </a:rPr>
-              <a:t> --</a:t>
-            </a:r>
-            <a:r>
-              <a:rPr lang="de-DE" altLang="de-DE" sz="1200" dirty="0" err="1">
-                <a:latin typeface="Consolas" panose="020B0609020204030204" pitchFamily="49" charset="0"/>
-              </a:rPr>
-              <a:t>git</a:t>
-            </a:r>
-            <a:r>
-              <a:rPr lang="de-DE" altLang="de-DE" sz="1200" dirty="0">
-                <a:latin typeface="Consolas" panose="020B0609020204030204" pitchFamily="49" charset="0"/>
-              </a:rPr>
-              <a:t> a/final_file.txt b/final_file.txt</a:t>
-            </a:r>
+            <a:endParaRPr lang="en-US" altLang="de-DE" sz="1200" dirty="0">
+              <a:latin typeface="Consolas" panose="020B0609020204030204" pitchFamily="49" charset="0"/>
+            </a:endParaRPr>
           </a:p>
           <a:p>
             <a:pPr marL="457200" lvl="1" indent="0">
@@ -7736,41 +9109,20 @@
               <a:buNone/>
             </a:pPr>
             <a:r>
-              <a:rPr lang="de-DE" altLang="de-DE" sz="1200" dirty="0" err="1">
-                <a:latin typeface="Consolas" panose="020B0609020204030204" pitchFamily="49" charset="0"/>
-              </a:rPr>
-              <a:t>new</a:t>
-            </a:r>
-            <a:r>
-              <a:rPr lang="de-DE" altLang="de-DE" sz="1200" dirty="0">
-                <a:latin typeface="Consolas" panose="020B0609020204030204" pitchFamily="49" charset="0"/>
-              </a:rPr>
-              <a:t> </a:t>
-            </a:r>
-            <a:r>
-              <a:rPr lang="de-DE" altLang="de-DE" sz="1200" dirty="0" err="1">
-                <a:latin typeface="Consolas" panose="020B0609020204030204" pitchFamily="49" charset="0"/>
-              </a:rPr>
-              <a:t>file</a:t>
-            </a:r>
-            <a:r>
-              <a:rPr lang="de-DE" altLang="de-DE" sz="1200" dirty="0">
-                <a:latin typeface="Consolas" panose="020B0609020204030204" pitchFamily="49" charset="0"/>
-              </a:rPr>
-              <a:t> </a:t>
-            </a:r>
-            <a:r>
-              <a:rPr lang="de-DE" altLang="de-DE" sz="1200" dirty="0" err="1">
-                <a:latin typeface="Consolas" panose="020B0609020204030204" pitchFamily="49" charset="0"/>
-              </a:rPr>
-              <a:t>mode</a:t>
-            </a:r>
-            <a:r>
-              <a:rPr lang="de-DE" altLang="de-DE" sz="1200" dirty="0">
-                <a:latin typeface="Consolas" panose="020B0609020204030204" pitchFamily="49" charset="0"/>
-              </a:rPr>
-              <a:t> 100644</a:t>
-            </a:r>
+              <a:rPr lang="en-US" altLang="de-DE" sz="1200" dirty="0">
+                <a:latin typeface="Consolas" panose="020B0609020204030204" pitchFamily="49" charset="0"/>
+              </a:rPr>
+              <a:t>$ git log --</a:t>
+            </a:r>
+            <a:r>
+              <a:rPr lang="en-US" altLang="de-DE" sz="1200" dirty="0" err="1">
+                <a:latin typeface="Consolas" panose="020B0609020204030204" pitchFamily="49" charset="0"/>
+              </a:rPr>
+              <a:t>oneline</a:t>
+            </a:r>
+            <a:endParaRPr lang="en-US" altLang="de-DE" sz="1200" dirty="0">
+              <a:latin typeface="Consolas" panose="020B0609020204030204" pitchFamily="49" charset="0"/>
+            </a:endParaRPr>
           </a:p>
           <a:p>
             <a:pPr marL="457200" lvl="1" indent="0">
@@ -7780,20 +9132,77 @@
               <a:buNone/>
             </a:pPr>
             <a:r>
-              <a:rPr lang="de-DE" altLang="de-DE" sz="1200" dirty="0" err="1">
-                <a:latin typeface="Consolas" panose="020B0609020204030204" pitchFamily="49" charset="0"/>
-              </a:rPr>
-              <a:t>index</a:t>
-            </a:r>
-            <a:r>
-              <a:rPr lang="de-DE" altLang="de-DE" sz="1200" dirty="0">
-                <a:latin typeface="Consolas" panose="020B0609020204030204" pitchFamily="49" charset="0"/>
-              </a:rPr>
-              <a:t> 0000000..e69de29</a:t>
-            </a:r>
-          </a:p>
-          <a:p>
-            <a:endParaRPr lang="de-DE" altLang="de-DE" dirty="0"/>
+              <a:rPr lang="en-US" altLang="de-DE" sz="1200" dirty="0">
+                <a:latin typeface="Consolas" panose="020B0609020204030204" pitchFamily="49" charset="0"/>
+              </a:rPr>
+              <a:t>c3a059e (HEAD -&gt; main, tag: release-v0.0.1) Add </a:t>
+            </a:r>
+            <a:r>
+              <a:rPr lang="en-US" altLang="de-DE" sz="1200" dirty="0" err="1">
+                <a:latin typeface="Consolas" panose="020B0609020204030204" pitchFamily="49" charset="0"/>
+              </a:rPr>
+              <a:t>final_file</a:t>
+            </a:r>
+            <a:endParaRPr lang="en-US" altLang="de-DE" sz="1200" dirty="0">
+              <a:latin typeface="Consolas" panose="020B0609020204030204" pitchFamily="49" charset="0"/>
+            </a:endParaRPr>
+          </a:p>
+          <a:p>
+            <a:pPr marL="457200" lvl="1" indent="0">
+              <a:spcBef>
+                <a:spcPts val="0"/>
+              </a:spcBef>
+              <a:buNone/>
+            </a:pPr>
+            <a:r>
+              <a:rPr lang="en-US" altLang="de-DE" sz="1200" dirty="0">
+                <a:latin typeface="Consolas" panose="020B0609020204030204" pitchFamily="49" charset="0"/>
+              </a:rPr>
+              <a:t>a908be7 Add file3</a:t>
+            </a:r>
+          </a:p>
+          <a:p>
+            <a:pPr marL="457200" lvl="1" indent="0">
+              <a:spcBef>
+                <a:spcPts val="0"/>
+              </a:spcBef>
+              <a:buNone/>
+            </a:pPr>
+            <a:r>
+              <a:rPr lang="en-US" altLang="de-DE" sz="1200" dirty="0">
+                <a:latin typeface="Consolas" panose="020B0609020204030204" pitchFamily="49" charset="0"/>
+              </a:rPr>
+              <a:t>722eaf0 Add file from main</a:t>
+            </a:r>
+          </a:p>
+          <a:p>
+            <a:pPr marL="457200" lvl="1" indent="0">
+              <a:spcBef>
+                <a:spcPts val="0"/>
+              </a:spcBef>
+              <a:buNone/>
+            </a:pPr>
+            <a:r>
+              <a:rPr lang="en-US" altLang="de-DE" sz="1200" dirty="0">
+                <a:latin typeface="Consolas" panose="020B0609020204030204" pitchFamily="49" charset="0"/>
+              </a:rPr>
+              <a:t>c61ef14 Initial commit</a:t>
+            </a:r>
+            <a:endParaRPr lang="de-DE" altLang="de-DE" sz="1200" dirty="0">
+              <a:latin typeface="Consolas" panose="020B0609020204030204" pitchFamily="49" charset="0"/>
+            </a:endParaRPr>
+          </a:p>
+          <a:p>
+            <a:r>
+              <a:rPr lang="de-DE" altLang="de-DE" dirty="0"/>
+              <a:t>Fügt leichtgewichtigen Tag hinzu</a:t>
+            </a:r>
+          </a:p>
+          <a:p>
+            <a:r>
+              <a:rPr lang="de-DE" altLang="de-DE" dirty="0"/>
+              <a:t>Tag wird an allen Files im Repository gesetzt, nicht nur solche, die beim Commit verändert wurden</a:t>
+            </a:r>
           </a:p>
         </p:txBody>
       </p:sp>
@@ -7829,7 +9238,7 @@
             </a:r>
             <a:r>
               <a:rPr lang="de-DE" altLang="de-DE" dirty="0"/>
-              <a:t>-Tags</a:t>
+              <a:t> – Tags </a:t>
             </a:r>
           </a:p>
         </p:txBody>
@@ -7837,7 +9246,7 @@
     </p:spTree>
     <p:extLst>
       <p:ext uri="{BB962C8B-B14F-4D97-AF65-F5344CB8AC3E}">
-        <p14:creationId xmlns:p14="http://schemas.microsoft.com/office/powerpoint/2010/main" val="1126642407"/>
+        <p14:creationId xmlns:p14="http://schemas.microsoft.com/office/powerpoint/2010/main" val="95346933"/>
       </p:ext>
     </p:extLst>
   </p:cSld>
@@ -7891,8 +9300,20 @@
           <a:lstStyle/>
           <a:p>
             <a:r>
+              <a:rPr lang="de-DE" altLang="de-DE" dirty="0" err="1">
+                <a:latin typeface="Consolas" panose="020B0609020204030204" pitchFamily="49" charset="0"/>
+              </a:rPr>
+              <a:t>git</a:t>
+            </a:r>
+            <a:r>
+              <a:rPr lang="de-DE" altLang="de-DE" dirty="0">
+                <a:latin typeface="Consolas" panose="020B0609020204030204" pitchFamily="49" charset="0"/>
+              </a:rPr>
+              <a:t> tag </a:t>
+            </a:r>
+            <a:r>
               <a:rPr lang="de-DE" altLang="de-DE" dirty="0"/>
-              <a:t>Rückwirkendes Tagging ist mit Angabe der Commit-ID möglich</a:t>
+              <a:t>zeigt alle Tags im aktuellen Projekt</a:t>
             </a:r>
           </a:p>
           <a:p>
@@ -8030,7 +9451,7 @@
               <a:rPr lang="en-US" altLang="de-DE" sz="1200" dirty="0">
                 <a:latin typeface="Consolas" panose="020B0609020204030204" pitchFamily="49" charset="0"/>
               </a:rPr>
-              <a:t>$ git tag release-v0.0.0 a908be7</a:t>
+              <a:t>$ git tag release-0.0.0 a908be7</a:t>
             </a:r>
           </a:p>
           <a:p>
@@ -8115,7 +9536,7 @@
               <a:rPr lang="en-US" altLang="de-DE" sz="1200" dirty="0">
                 <a:latin typeface="Consolas" panose="020B0609020204030204" pitchFamily="49" charset="0"/>
               </a:rPr>
-              <a:t>a908be7 (tag: release-v0.0.0) Add file3</a:t>
+              <a:t>a908be7 (tag: release-0.0.0) Add file3</a:t>
             </a:r>
           </a:p>
           <a:p>
@@ -8150,17 +9571,9 @@
             </a:endParaRPr>
           </a:p>
           <a:p>
-            <a:pPr marL="457200" lvl="1" indent="0">
-              <a:spcBef>
-                <a:spcPts val="0"/>
-              </a:spcBef>
+            <a:pPr marL="0" indent="0">
               <a:buNone/>
             </a:pPr>
-            <a:endParaRPr lang="de-DE" altLang="de-DE" sz="1200" dirty="0">
-              <a:latin typeface="Consolas" panose="020B0609020204030204" pitchFamily="49" charset="0"/>
-            </a:endParaRPr>
-          </a:p>
-          <a:p>
             <a:endParaRPr lang="de-DE" altLang="de-DE" dirty="0"/>
           </a:p>
         </p:txBody>
@@ -8197,7 +9610,7 @@
             </a:r>
             <a:r>
               <a:rPr lang="de-DE" altLang="de-DE" dirty="0"/>
-              <a:t>-Tags</a:t>
+              <a:t> – Tags </a:t>
             </a:r>
           </a:p>
         </p:txBody>
@@ -8205,7 +9618,7 @@
     </p:spTree>
     <p:extLst>
       <p:ext uri="{BB962C8B-B14F-4D97-AF65-F5344CB8AC3E}">
-        <p14:creationId xmlns:p14="http://schemas.microsoft.com/office/powerpoint/2010/main" val="1475861676"/>
+        <p14:creationId xmlns:p14="http://schemas.microsoft.com/office/powerpoint/2010/main" val="1109548834"/>
       </p:ext>
     </p:extLst>
   </p:cSld>
@@ -8274,7 +9687,7 @@
               <a:rPr lang="de-DE" altLang="de-DE" dirty="0" err="1">
                 <a:latin typeface="Consolas" panose="020B0609020204030204" pitchFamily="49" charset="0"/>
               </a:rPr>
-              <a:t>checkout</a:t>
+              <a:t>show</a:t>
             </a:r>
             <a:r>
               <a:rPr lang="de-DE" altLang="de-DE" dirty="0">
@@ -8284,7 +9697,7 @@
             </a:r>
             <a:r>
               <a:rPr lang="de-DE" altLang="de-DE" dirty="0"/>
-              <a:t>ermöglicht das Auschecken eines getaggten Commit</a:t>
+              <a:t>zeigt den Commit zum angegebenen Tag</a:t>
             </a:r>
           </a:p>
           <a:p>
@@ -8294,7 +9707,7 @@
               </a:spcBef>
               <a:buNone/>
             </a:pPr>
-            <a:endParaRPr lang="en-US" altLang="de-DE" sz="1200" dirty="0">
+            <a:endParaRPr lang="de-DE" altLang="de-DE" sz="1200" dirty="0">
               <a:latin typeface="Consolas" panose="020B0609020204030204" pitchFamily="49" charset="0"/>
             </a:endParaRPr>
           </a:p>
@@ -8306,10 +9719,34 @@
               <a:buNone/>
             </a:pPr>
             <a:r>
-              <a:rPr lang="en-US" altLang="de-DE" sz="1200" dirty="0">
-                <a:latin typeface="Consolas" panose="020B0609020204030204" pitchFamily="49" charset="0"/>
-              </a:rPr>
-              <a:t>$ git checkout release-v0.0.1</a:t>
+              <a:rPr lang="de-DE" altLang="de-DE" sz="1200" dirty="0">
+                <a:latin typeface="Consolas" panose="020B0609020204030204" pitchFamily="49" charset="0"/>
+              </a:rPr>
+              <a:t>$ </a:t>
+            </a:r>
+            <a:r>
+              <a:rPr lang="de-DE" altLang="de-DE" sz="1200" dirty="0" err="1">
+                <a:latin typeface="Consolas" panose="020B0609020204030204" pitchFamily="49" charset="0"/>
+              </a:rPr>
+              <a:t>git</a:t>
+            </a:r>
+            <a:r>
+              <a:rPr lang="de-DE" altLang="de-DE" sz="1200" dirty="0">
+                <a:latin typeface="Consolas" panose="020B0609020204030204" pitchFamily="49" charset="0"/>
+              </a:rPr>
+              <a:t> </a:t>
+            </a:r>
+            <a:r>
+              <a:rPr lang="de-DE" altLang="de-DE" sz="1200" dirty="0" err="1">
+                <a:latin typeface="Consolas" panose="020B0609020204030204" pitchFamily="49" charset="0"/>
+              </a:rPr>
+              <a:t>show</a:t>
+            </a:r>
+            <a:r>
+              <a:rPr lang="de-DE" altLang="de-DE" sz="1200" dirty="0">
+                <a:latin typeface="Consolas" panose="020B0609020204030204" pitchFamily="49" charset="0"/>
+              </a:rPr>
+              <a:t> release-v0.0.1</a:t>
             </a:r>
           </a:p>
           <a:p>
@@ -8320,10 +9757,16 @@
               <a:buNone/>
             </a:pPr>
             <a:r>
-              <a:rPr lang="en-US" altLang="de-DE" sz="1200" dirty="0">
-                <a:latin typeface="Consolas" panose="020B0609020204030204" pitchFamily="49" charset="0"/>
-              </a:rPr>
-              <a:t>Note: switching to 'release-v0.0.1'.</a:t>
+              <a:rPr lang="de-DE" altLang="de-DE" sz="1200" dirty="0" err="1">
+                <a:latin typeface="Consolas" panose="020B0609020204030204" pitchFamily="49" charset="0"/>
+              </a:rPr>
+              <a:t>commit</a:t>
+            </a:r>
+            <a:r>
+              <a:rPr lang="de-DE" altLang="de-DE" sz="1200" dirty="0">
+                <a:latin typeface="Consolas" panose="020B0609020204030204" pitchFamily="49" charset="0"/>
+              </a:rPr>
+              <a:t> c3a059e2d6e4acfdca1295104b4d6a55f8bd00e4 (tag: release-v0.0.1)</a:t>
             </a:r>
           </a:p>
           <a:p>
@@ -8333,9 +9776,30 @@
               </a:spcBef>
               <a:buNone/>
             </a:pPr>
-            <a:endParaRPr lang="en-US" altLang="de-DE" sz="1200" dirty="0">
-              <a:latin typeface="Consolas" panose="020B0609020204030204" pitchFamily="49" charset="0"/>
-            </a:endParaRPr>
+            <a:r>
+              <a:rPr lang="de-DE" altLang="de-DE" sz="1200" dirty="0" err="1">
+                <a:latin typeface="Consolas" panose="020B0609020204030204" pitchFamily="49" charset="0"/>
+              </a:rPr>
+              <a:t>Author</a:t>
+            </a:r>
+            <a:r>
+              <a:rPr lang="de-DE" altLang="de-DE" sz="1200" dirty="0">
+                <a:latin typeface="Consolas" panose="020B0609020204030204" pitchFamily="49" charset="0"/>
+              </a:rPr>
+              <a:t>: </a:t>
+            </a:r>
+            <a:r>
+              <a:rPr lang="de-DE" altLang="de-DE" sz="1200" dirty="0" err="1">
+                <a:latin typeface="Consolas" panose="020B0609020204030204" pitchFamily="49" charset="0"/>
+              </a:rPr>
+              <a:t>Example</a:t>
+            </a:r>
+            <a:r>
+              <a:rPr lang="de-DE" altLang="de-DE" sz="1200" dirty="0">
+                <a:latin typeface="Consolas" panose="020B0609020204030204" pitchFamily="49" charset="0"/>
+              </a:rPr>
+              <a:t> User &lt;example.user@example.de&gt;</a:t>
+            </a:r>
           </a:p>
           <a:p>
             <a:pPr marL="457200" lvl="1" indent="0">
@@ -8345,10 +9809,10 @@
               <a:buNone/>
             </a:pPr>
             <a:r>
-              <a:rPr lang="en-US" altLang="de-DE" sz="1200" dirty="0">
-                <a:latin typeface="Consolas" panose="020B0609020204030204" pitchFamily="49" charset="0"/>
-              </a:rPr>
-              <a:t>You are in 'detached HEAD' state. You can look around, make experimental</a:t>
+              <a:rPr lang="de-DE" altLang="de-DE" sz="1200" dirty="0">
+                <a:latin typeface="Consolas" panose="020B0609020204030204" pitchFamily="49" charset="0"/>
+              </a:rPr>
+              <a:t>Date:   Tue May 28 14:47:28 2024 +0200</a:t>
             </a:r>
           </a:p>
           <a:p>
@@ -8358,12 +9822,9 @@
               </a:spcBef>
               <a:buNone/>
             </a:pPr>
-            <a:r>
-              <a:rPr lang="en-US" altLang="de-DE" sz="1200" dirty="0">
-                <a:latin typeface="Consolas" panose="020B0609020204030204" pitchFamily="49" charset="0"/>
-              </a:rPr>
-              <a:t>changes and commit them, and you can discard any commits you make in this</a:t>
-            </a:r>
+            <a:endParaRPr lang="de-DE" altLang="de-DE" sz="1200" dirty="0">
+              <a:latin typeface="Consolas" panose="020B0609020204030204" pitchFamily="49" charset="0"/>
+            </a:endParaRPr>
           </a:p>
           <a:p>
             <a:pPr marL="457200" lvl="1" indent="0">
@@ -8373,11 +9834,20 @@
               <a:buNone/>
             </a:pPr>
             <a:r>
-              <a:rPr lang="en-US" altLang="de-DE" sz="1200" dirty="0">
-                <a:latin typeface="Consolas" panose="020B0609020204030204" pitchFamily="49" charset="0"/>
-              </a:rPr>
-              <a:t>state without impacting any branches by switching back to a branch.</a:t>
-            </a:r>
+              <a:rPr lang="de-DE" altLang="de-DE" sz="1200" dirty="0">
+                <a:latin typeface="Consolas" panose="020B0609020204030204" pitchFamily="49" charset="0"/>
+              </a:rPr>
+              <a:t>    Add </a:t>
+            </a:r>
+            <a:r>
+              <a:rPr lang="de-DE" altLang="de-DE" sz="1200" dirty="0" err="1">
+                <a:latin typeface="Consolas" panose="020B0609020204030204" pitchFamily="49" charset="0"/>
+              </a:rPr>
+              <a:t>final_file</a:t>
+            </a:r>
+            <a:endParaRPr lang="de-DE" altLang="de-DE" sz="1200" dirty="0">
+              <a:latin typeface="Consolas" panose="020B0609020204030204" pitchFamily="49" charset="0"/>
+            </a:endParaRPr>
           </a:p>
           <a:p>
             <a:pPr marL="457200" lvl="1" indent="0">
@@ -8386,7 +9856,7 @@
               </a:spcBef>
               <a:buNone/>
             </a:pPr>
-            <a:endParaRPr lang="en-US" altLang="de-DE" sz="1200" dirty="0">
+            <a:endParaRPr lang="de-DE" altLang="de-DE" sz="1200" dirty="0">
               <a:latin typeface="Consolas" panose="020B0609020204030204" pitchFamily="49" charset="0"/>
             </a:endParaRPr>
           </a:p>
@@ -8398,10 +9868,28 @@
               <a:buNone/>
             </a:pPr>
             <a:r>
-              <a:rPr lang="en-US" altLang="de-DE" sz="1200" dirty="0">
-                <a:latin typeface="Consolas" panose="020B0609020204030204" pitchFamily="49" charset="0"/>
-              </a:rPr>
-              <a:t>If you want to create a new branch to retain commits you create, you may</a:t>
+              <a:rPr lang="de-DE" altLang="de-DE" sz="1200" dirty="0" err="1">
+                <a:latin typeface="Consolas" panose="020B0609020204030204" pitchFamily="49" charset="0"/>
+              </a:rPr>
+              <a:t>diff</a:t>
+            </a:r>
+            <a:r>
+              <a:rPr lang="de-DE" altLang="de-DE" sz="1200" dirty="0">
+                <a:latin typeface="Consolas" panose="020B0609020204030204" pitchFamily="49" charset="0"/>
+              </a:rPr>
+              <a:t> --</a:t>
+            </a:r>
+            <a:r>
+              <a:rPr lang="de-DE" altLang="de-DE" sz="1200" dirty="0" err="1">
+                <a:latin typeface="Consolas" panose="020B0609020204030204" pitchFamily="49" charset="0"/>
+              </a:rPr>
+              <a:t>git</a:t>
+            </a:r>
+            <a:r>
+              <a:rPr lang="de-DE" altLang="de-DE" sz="1200" dirty="0">
+                <a:latin typeface="Consolas" panose="020B0609020204030204" pitchFamily="49" charset="0"/>
+              </a:rPr>
+              <a:t> a/final_file.txt b/final_file.txt</a:t>
             </a:r>
           </a:p>
           <a:p>
@@ -8412,10 +9900,40 @@
               <a:buNone/>
             </a:pPr>
             <a:r>
-              <a:rPr lang="en-US" altLang="de-DE" sz="1200" dirty="0">
-                <a:latin typeface="Consolas" panose="020B0609020204030204" pitchFamily="49" charset="0"/>
-              </a:rPr>
-              <a:t>do so (now or later) by using -c with the switch command. Example:</a:t>
+              <a:rPr lang="de-DE" altLang="de-DE" sz="1200" dirty="0" err="1">
+                <a:latin typeface="Consolas" panose="020B0609020204030204" pitchFamily="49" charset="0"/>
+              </a:rPr>
+              <a:t>new</a:t>
+            </a:r>
+            <a:r>
+              <a:rPr lang="de-DE" altLang="de-DE" sz="1200" dirty="0">
+                <a:latin typeface="Consolas" panose="020B0609020204030204" pitchFamily="49" charset="0"/>
+              </a:rPr>
+              <a:t> </a:t>
+            </a:r>
+            <a:r>
+              <a:rPr lang="de-DE" altLang="de-DE" sz="1200" dirty="0" err="1">
+                <a:latin typeface="Consolas" panose="020B0609020204030204" pitchFamily="49" charset="0"/>
+              </a:rPr>
+              <a:t>file</a:t>
+            </a:r>
+            <a:r>
+              <a:rPr lang="de-DE" altLang="de-DE" sz="1200" dirty="0">
+                <a:latin typeface="Consolas" panose="020B0609020204030204" pitchFamily="49" charset="0"/>
+              </a:rPr>
+              <a:t> </a:t>
+            </a:r>
+            <a:r>
+              <a:rPr lang="de-DE" altLang="de-DE" sz="1200" dirty="0" err="1">
+                <a:latin typeface="Consolas" panose="020B0609020204030204" pitchFamily="49" charset="0"/>
+              </a:rPr>
+              <a:t>mode</a:t>
+            </a:r>
+            <a:r>
+              <a:rPr lang="de-DE" altLang="de-DE" sz="1200" dirty="0">
+                <a:latin typeface="Consolas" panose="020B0609020204030204" pitchFamily="49" charset="0"/>
+              </a:rPr>
+              <a:t> 100644</a:t>
             </a:r>
           </a:p>
           <a:p>
@@ -8425,144 +9943,18 @@
               </a:spcBef>
               <a:buNone/>
             </a:pPr>
-            <a:endParaRPr lang="en-US" altLang="de-DE" sz="1200" dirty="0">
-              <a:latin typeface="Consolas" panose="020B0609020204030204" pitchFamily="49" charset="0"/>
-            </a:endParaRPr>
-          </a:p>
-          <a:p>
-            <a:pPr marL="457200" lvl="1" indent="0">
-              <a:spcBef>
-                <a:spcPts val="0"/>
-              </a:spcBef>
-              <a:buNone/>
-            </a:pPr>
-            <a:r>
-              <a:rPr lang="en-US" altLang="de-DE" sz="1200" dirty="0">
-                <a:latin typeface="Consolas" panose="020B0609020204030204" pitchFamily="49" charset="0"/>
-              </a:rPr>
-              <a:t>  git switch -c &lt;new-branch-name&gt;</a:t>
-            </a:r>
-          </a:p>
-          <a:p>
-            <a:pPr marL="457200" lvl="1" indent="0">
-              <a:spcBef>
-                <a:spcPts val="0"/>
-              </a:spcBef>
-              <a:buNone/>
-            </a:pPr>
-            <a:endParaRPr lang="en-US" altLang="de-DE" sz="1200" dirty="0">
-              <a:latin typeface="Consolas" panose="020B0609020204030204" pitchFamily="49" charset="0"/>
-            </a:endParaRPr>
-          </a:p>
-          <a:p>
-            <a:pPr marL="457200" lvl="1" indent="0">
-              <a:spcBef>
-                <a:spcPts val="0"/>
-              </a:spcBef>
-              <a:buNone/>
-            </a:pPr>
-            <a:r>
-              <a:rPr lang="en-US" altLang="de-DE" sz="1200" dirty="0">
-                <a:latin typeface="Consolas" panose="020B0609020204030204" pitchFamily="49" charset="0"/>
-              </a:rPr>
-              <a:t>Or undo this operation with:</a:t>
-            </a:r>
-          </a:p>
-          <a:p>
-            <a:pPr marL="457200" lvl="1" indent="0">
-              <a:spcBef>
-                <a:spcPts val="0"/>
-              </a:spcBef>
-              <a:buNone/>
-            </a:pPr>
-            <a:endParaRPr lang="en-US" altLang="de-DE" sz="1200" dirty="0">
-              <a:latin typeface="Consolas" panose="020B0609020204030204" pitchFamily="49" charset="0"/>
-            </a:endParaRPr>
-          </a:p>
-          <a:p>
-            <a:pPr marL="457200" lvl="1" indent="0">
-              <a:spcBef>
-                <a:spcPts val="0"/>
-              </a:spcBef>
-              <a:buNone/>
-            </a:pPr>
-            <a:r>
-              <a:rPr lang="en-US" altLang="de-DE" sz="1200" dirty="0">
-                <a:latin typeface="Consolas" panose="020B0609020204030204" pitchFamily="49" charset="0"/>
-              </a:rPr>
-              <a:t>  git switch -</a:t>
-            </a:r>
-          </a:p>
-          <a:p>
-            <a:pPr marL="457200" lvl="1" indent="0">
-              <a:spcBef>
-                <a:spcPts val="0"/>
-              </a:spcBef>
-              <a:buNone/>
-            </a:pPr>
-            <a:endParaRPr lang="en-US" altLang="de-DE" sz="1200" dirty="0">
-              <a:latin typeface="Consolas" panose="020B0609020204030204" pitchFamily="49" charset="0"/>
-            </a:endParaRPr>
-          </a:p>
-          <a:p>
-            <a:pPr marL="457200" lvl="1" indent="0">
-              <a:spcBef>
-                <a:spcPts val="0"/>
-              </a:spcBef>
-              <a:buNone/>
-            </a:pPr>
-            <a:r>
-              <a:rPr lang="en-US" altLang="de-DE" sz="1200" dirty="0">
-                <a:latin typeface="Consolas" panose="020B0609020204030204" pitchFamily="49" charset="0"/>
-              </a:rPr>
-              <a:t>Turn off this advice by setting config variable </a:t>
-            </a:r>
-            <a:r>
-              <a:rPr lang="en-US" altLang="de-DE" sz="1200" dirty="0" err="1">
-                <a:latin typeface="Consolas" panose="020B0609020204030204" pitchFamily="49" charset="0"/>
-              </a:rPr>
-              <a:t>advice.detachedHead</a:t>
-            </a:r>
-            <a:r>
-              <a:rPr lang="en-US" altLang="de-DE" sz="1200" dirty="0">
-                <a:latin typeface="Consolas" panose="020B0609020204030204" pitchFamily="49" charset="0"/>
-              </a:rPr>
-              <a:t> to false</a:t>
-            </a:r>
-          </a:p>
-          <a:p>
-            <a:pPr marL="457200" lvl="1" indent="0">
-              <a:spcBef>
-                <a:spcPts val="0"/>
-              </a:spcBef>
-              <a:buNone/>
-            </a:pPr>
-            <a:endParaRPr lang="en-US" altLang="de-DE" sz="1200" dirty="0">
-              <a:latin typeface="Consolas" panose="020B0609020204030204" pitchFamily="49" charset="0"/>
-            </a:endParaRPr>
-          </a:p>
-          <a:p>
-            <a:pPr marL="457200" lvl="1" indent="0">
-              <a:spcBef>
-                <a:spcPts val="0"/>
-              </a:spcBef>
-              <a:buNone/>
-            </a:pPr>
-            <a:r>
-              <a:rPr lang="en-US" altLang="de-DE" sz="1200" dirty="0">
-                <a:latin typeface="Consolas" panose="020B0609020204030204" pitchFamily="49" charset="0"/>
-              </a:rPr>
-              <a:t>HEAD is now at c3a059e Add </a:t>
-            </a:r>
-            <a:r>
-              <a:rPr lang="en-US" altLang="de-DE" sz="1200" dirty="0" err="1">
-                <a:latin typeface="Consolas" panose="020B0609020204030204" pitchFamily="49" charset="0"/>
-              </a:rPr>
-              <a:t>final_file</a:t>
-            </a:r>
-            <a:endParaRPr lang="de-DE" altLang="de-DE" sz="1200" dirty="0">
-              <a:latin typeface="Consolas" panose="020B0609020204030204" pitchFamily="49" charset="0"/>
-            </a:endParaRPr>
+            <a:r>
+              <a:rPr lang="de-DE" altLang="de-DE" sz="1200" dirty="0" err="1">
+                <a:latin typeface="Consolas" panose="020B0609020204030204" pitchFamily="49" charset="0"/>
+              </a:rPr>
+              <a:t>index</a:t>
+            </a:r>
+            <a:r>
+              <a:rPr lang="de-DE" altLang="de-DE" sz="1200" dirty="0">
+                <a:latin typeface="Consolas" panose="020B0609020204030204" pitchFamily="49" charset="0"/>
+              </a:rPr>
+              <a:t> 0000000..e69de29</a:t>
+            </a:r>
           </a:p>
           <a:p>
             <a:endParaRPr lang="de-DE" altLang="de-DE" dirty="0"/>
@@ -8601,7 +9993,7 @@
             </a:r>
             <a:r>
               <a:rPr lang="de-DE" altLang="de-DE" dirty="0"/>
-              <a:t>-Tags</a:t>
+              <a:t> – Tags </a:t>
             </a:r>
           </a:p>
         </p:txBody>
@@ -8609,7 +10001,7 @@
     </p:spTree>
     <p:extLst>
       <p:ext uri="{BB962C8B-B14F-4D97-AF65-F5344CB8AC3E}">
-        <p14:creationId xmlns:p14="http://schemas.microsoft.com/office/powerpoint/2010/main" val="1904022772"/>
+        <p14:creationId xmlns:p14="http://schemas.microsoft.com/office/powerpoint/2010/main" val="1126642407"/>
       </p:ext>
     </p:extLst>
   </p:cSld>
@@ -8663,52 +10055,8 @@
           <a:lstStyle/>
           <a:p>
             <a:r>
-              <a:rPr lang="de-DE" altLang="de-DE" dirty="0" err="1">
-                <a:latin typeface="Consolas" panose="020B0609020204030204" pitchFamily="49" charset="0"/>
-              </a:rPr>
-              <a:t>git</a:t>
-            </a:r>
-            <a:r>
-              <a:rPr lang="de-DE" altLang="de-DE" dirty="0">
-                <a:latin typeface="Consolas" panose="020B0609020204030204" pitchFamily="49" charset="0"/>
-              </a:rPr>
-              <a:t> </a:t>
-            </a:r>
-            <a:r>
-              <a:rPr lang="de-DE" altLang="de-DE" dirty="0" err="1">
-                <a:latin typeface="Consolas" panose="020B0609020204030204" pitchFamily="49" charset="0"/>
-              </a:rPr>
-              <a:t>checkout</a:t>
-            </a:r>
-            <a:r>
-              <a:rPr lang="de-DE" altLang="de-DE" dirty="0">
-                <a:latin typeface="Consolas" panose="020B0609020204030204" pitchFamily="49" charset="0"/>
-              </a:rPr>
-              <a:t> –b &lt;</a:t>
-            </a:r>
-            <a:r>
-              <a:rPr lang="de-DE" altLang="de-DE" dirty="0" err="1">
-                <a:latin typeface="Consolas" panose="020B0609020204030204" pitchFamily="49" charset="0"/>
-              </a:rPr>
-              <a:t>branch</a:t>
-            </a:r>
-            <a:r>
-              <a:rPr lang="de-DE" altLang="de-DE" dirty="0">
-                <a:latin typeface="Consolas" panose="020B0609020204030204" pitchFamily="49" charset="0"/>
-              </a:rPr>
-              <a:t>-name&gt; &lt;tag-name&gt; </a:t>
-            </a:r>
-            <a:r>
               <a:rPr lang="de-DE" altLang="de-DE" dirty="0"/>
-              <a:t>ermöglicht das Erstellen eines </a:t>
-            </a:r>
-            <a:r>
-              <a:rPr lang="de-DE" altLang="de-DE" dirty="0" err="1"/>
-              <a:t>Branches</a:t>
-            </a:r>
-            <a:r>
-              <a:rPr lang="de-DE" altLang="de-DE" dirty="0"/>
-              <a:t> abzweigend vom getaggten Commit</a:t>
+              <a:t>Rückwirkendes Tagging ist mit Angabe der Commit-ID möglich</a:t>
             </a:r>
           </a:p>
           <a:p>
@@ -8733,8 +10081,17 @@
               <a:rPr lang="en-US" altLang="de-DE" sz="1200" dirty="0">
                 <a:latin typeface="Consolas" panose="020B0609020204030204" pitchFamily="49" charset="0"/>
               </a:rPr>
-              <a:t>$ git checkout -b hotfix release-v0.0.1</a:t>
-            </a:r>
+              <a:t>$ git log --</a:t>
+            </a:r>
+            <a:r>
+              <a:rPr lang="en-US" altLang="de-DE" sz="1200" dirty="0" err="1">
+                <a:latin typeface="Consolas" panose="020B0609020204030204" pitchFamily="49" charset="0"/>
+              </a:rPr>
+              <a:t>oneline</a:t>
+            </a:r>
+            <a:endParaRPr lang="en-US" altLang="de-DE" sz="1200" dirty="0">
+              <a:latin typeface="Consolas" panose="020B0609020204030204" pitchFamily="49" charset="0"/>
+            </a:endParaRPr>
           </a:p>
           <a:p>
             <a:pPr marL="457200" lvl="1" indent="0">
@@ -8747,32 +10104,7 @@
               <a:rPr lang="en-US" altLang="de-DE" sz="1200" dirty="0">
                 <a:latin typeface="Consolas" panose="020B0609020204030204" pitchFamily="49" charset="0"/>
               </a:rPr>
-              <a:t>Switched to a new branch 'hotfix‘</a:t>
-            </a:r>
-            <a:endParaRPr lang="de-DE" altLang="de-DE" sz="1200" dirty="0">
-              <a:latin typeface="Consolas" panose="020B0609020204030204" pitchFamily="49" charset="0"/>
-            </a:endParaRPr>
-          </a:p>
-          <a:p>
-            <a:r>
-              <a:rPr lang="de-DE" altLang="de-DE" dirty="0"/>
-              <a:t>Löschen eines Tags ist mit dem Befehl </a:t>
-            </a:r>
-            <a:r>
-              <a:rPr lang="de-DE" altLang="de-DE" dirty="0" err="1">
-                <a:latin typeface="Consolas" panose="020B0609020204030204" pitchFamily="49" charset="0"/>
-              </a:rPr>
-              <a:t>git</a:t>
-            </a:r>
-            <a:r>
-              <a:rPr lang="de-DE" altLang="de-DE" dirty="0">
-                <a:latin typeface="Consolas" panose="020B0609020204030204" pitchFamily="49" charset="0"/>
-              </a:rPr>
-              <a:t> tag -d &lt;tag-name&gt; </a:t>
-            </a:r>
-            <a:r>
-              <a:rPr lang="de-DE" altLang="de-DE" dirty="0"/>
-              <a:t>möglich</a:t>
+              <a:t>89c1108 (HEAD -&gt; main, tag: release-v0.0.2) Add release2_file</a:t>
             </a:r>
           </a:p>
           <a:p>
@@ -8782,6 +10114,18 @@
               </a:spcBef>
               <a:buNone/>
             </a:pPr>
+            <a:r>
+              <a:rPr lang="en-US" altLang="de-DE" sz="1200" dirty="0">
+                <a:latin typeface="Consolas" panose="020B0609020204030204" pitchFamily="49" charset="0"/>
+              </a:rPr>
+              <a:t>c3a059e (tag: release-v0.0.1) Add </a:t>
+            </a:r>
+            <a:r>
+              <a:rPr lang="en-US" altLang="de-DE" sz="1200" dirty="0" err="1">
+                <a:latin typeface="Consolas" panose="020B0609020204030204" pitchFamily="49" charset="0"/>
+              </a:rPr>
+              <a:t>final_file</a:t>
+            </a:r>
             <a:endParaRPr lang="en-US" altLang="de-DE" sz="1200" dirty="0">
               <a:latin typeface="Consolas" panose="020B0609020204030204" pitchFamily="49" charset="0"/>
             </a:endParaRPr>
@@ -8797,7 +10141,7 @@
               <a:rPr lang="en-US" altLang="de-DE" sz="1200" dirty="0">
                 <a:latin typeface="Consolas" panose="020B0609020204030204" pitchFamily="49" charset="0"/>
               </a:rPr>
-              <a:t>$ git tag -d release-v0.0.0</a:t>
+              <a:t>a908be7 Add file3</a:t>
             </a:r>
           </a:p>
           <a:p>
@@ -8811,11 +10155,177 @@
               <a:rPr lang="en-US" altLang="de-DE" sz="1200" dirty="0">
                 <a:latin typeface="Consolas" panose="020B0609020204030204" pitchFamily="49" charset="0"/>
               </a:rPr>
-              <a:t>Deleted tag 'release-v0.0.0' (was a908be7)</a:t>
+              <a:t>722eaf0 Add file from main</a:t>
+            </a:r>
+          </a:p>
+          <a:p>
+            <a:pPr marL="457200" lvl="1" indent="0">
+              <a:spcBef>
+                <a:spcPts val="0"/>
+              </a:spcBef>
+              <a:buNone/>
+            </a:pPr>
+            <a:r>
+              <a:rPr lang="en-US" altLang="de-DE" sz="1200" dirty="0">
+                <a:latin typeface="Consolas" panose="020B0609020204030204" pitchFamily="49" charset="0"/>
+              </a:rPr>
+              <a:t>c61ef14 Initial commit</a:t>
+            </a:r>
+          </a:p>
+          <a:p>
+            <a:pPr marL="457200" lvl="1" indent="0">
+              <a:spcBef>
+                <a:spcPts val="0"/>
+              </a:spcBef>
+              <a:buNone/>
+            </a:pPr>
+            <a:endParaRPr lang="en-US" altLang="de-DE" sz="1200" dirty="0">
+              <a:latin typeface="Consolas" panose="020B0609020204030204" pitchFamily="49" charset="0"/>
+            </a:endParaRPr>
+          </a:p>
+          <a:p>
+            <a:pPr marL="457200" lvl="1" indent="0">
+              <a:spcBef>
+                <a:spcPts val="0"/>
+              </a:spcBef>
+              <a:buNone/>
+            </a:pPr>
+            <a:r>
+              <a:rPr lang="en-US" altLang="de-DE" sz="1200" dirty="0">
+                <a:latin typeface="Consolas" panose="020B0609020204030204" pitchFamily="49" charset="0"/>
+              </a:rPr>
+              <a:t>$ git tag release-v0.0.0 a908be7</a:t>
+            </a:r>
+          </a:p>
+          <a:p>
+            <a:pPr marL="457200" lvl="1" indent="0">
+              <a:spcBef>
+                <a:spcPts val="0"/>
+              </a:spcBef>
+              <a:buNone/>
+            </a:pPr>
+            <a:endParaRPr lang="en-US" altLang="de-DE" sz="1200" dirty="0">
+              <a:latin typeface="Consolas" panose="020B0609020204030204" pitchFamily="49" charset="0"/>
+            </a:endParaRPr>
+          </a:p>
+          <a:p>
+            <a:pPr marL="457200" lvl="1" indent="0">
+              <a:spcBef>
+                <a:spcPts val="0"/>
+              </a:spcBef>
+              <a:buNone/>
+            </a:pPr>
+            <a:r>
+              <a:rPr lang="en-US" altLang="de-DE" sz="1200" dirty="0">
+                <a:latin typeface="Consolas" panose="020B0609020204030204" pitchFamily="49" charset="0"/>
+              </a:rPr>
+              <a:t>$ git log --</a:t>
+            </a:r>
+            <a:r>
+              <a:rPr lang="en-US" altLang="de-DE" sz="1200" dirty="0" err="1">
+                <a:latin typeface="Consolas" panose="020B0609020204030204" pitchFamily="49" charset="0"/>
+              </a:rPr>
+              <a:t>oneline</a:t>
+            </a:r>
+            <a:endParaRPr lang="en-US" altLang="de-DE" sz="1200" dirty="0">
+              <a:latin typeface="Consolas" panose="020B0609020204030204" pitchFamily="49" charset="0"/>
+            </a:endParaRPr>
+          </a:p>
+          <a:p>
+            <a:pPr marL="457200" lvl="1" indent="0">
+              <a:spcBef>
+                <a:spcPts val="0"/>
+              </a:spcBef>
+              <a:buNone/>
+            </a:pPr>
+            <a:r>
+              <a:rPr lang="en-US" altLang="de-DE" sz="1200" dirty="0">
+                <a:latin typeface="Consolas" panose="020B0609020204030204" pitchFamily="49" charset="0"/>
+              </a:rPr>
+              <a:t>89c1108 (HEAD -&gt; main, tag: release-v0.0.2) Add release2_file</a:t>
+            </a:r>
+          </a:p>
+          <a:p>
+            <a:pPr marL="457200" lvl="1" indent="0">
+              <a:spcBef>
+                <a:spcPts val="0"/>
+              </a:spcBef>
+              <a:buNone/>
+            </a:pPr>
+            <a:r>
+              <a:rPr lang="en-US" altLang="de-DE" sz="1200" dirty="0">
+                <a:latin typeface="Consolas" panose="020B0609020204030204" pitchFamily="49" charset="0"/>
+              </a:rPr>
+              <a:t>c3a059e (tag: release-v0.0.1) Add </a:t>
+            </a:r>
+            <a:r>
+              <a:rPr lang="en-US" altLang="de-DE" sz="1200" dirty="0" err="1">
+                <a:latin typeface="Consolas" panose="020B0609020204030204" pitchFamily="49" charset="0"/>
+              </a:rPr>
+              <a:t>final_file</a:t>
+            </a:r>
+            <a:endParaRPr lang="en-US" altLang="de-DE" sz="1200" dirty="0">
+              <a:latin typeface="Consolas" panose="020B0609020204030204" pitchFamily="49" charset="0"/>
+            </a:endParaRPr>
+          </a:p>
+          <a:p>
+            <a:pPr marL="457200" lvl="1" indent="0">
+              <a:spcBef>
+                <a:spcPts val="0"/>
+              </a:spcBef>
+              <a:buNone/>
+            </a:pPr>
+            <a:r>
+              <a:rPr lang="en-US" altLang="de-DE" sz="1200" dirty="0">
+                <a:latin typeface="Consolas" panose="020B0609020204030204" pitchFamily="49" charset="0"/>
+              </a:rPr>
+              <a:t>a908be7 (tag: release-v0.0.0) Add file3</a:t>
+            </a:r>
+          </a:p>
+          <a:p>
+            <a:pPr marL="457200" lvl="1" indent="0">
+              <a:spcBef>
+                <a:spcPts val="0"/>
+              </a:spcBef>
+              <a:buNone/>
+            </a:pPr>
+            <a:r>
+              <a:rPr lang="en-US" altLang="de-DE" sz="1200" dirty="0">
+                <a:latin typeface="Consolas" panose="020B0609020204030204" pitchFamily="49" charset="0"/>
+              </a:rPr>
+              <a:t>722eaf0 Add file from main</a:t>
+            </a:r>
+          </a:p>
+          <a:p>
+            <a:pPr marL="457200" lvl="1" indent="0">
+              <a:spcBef>
+                <a:spcPts val="0"/>
+              </a:spcBef>
+              <a:buNone/>
+            </a:pPr>
+            <a:r>
+              <a:rPr lang="en-US" altLang="de-DE" sz="1200" dirty="0">
+                <a:latin typeface="Consolas" panose="020B0609020204030204" pitchFamily="49" charset="0"/>
+              </a:rPr>
+              <a:t>c61ef14 Initial commit</a:t>
             </a:r>
             <a:endParaRPr lang="de-DE" altLang="de-DE" sz="1200" dirty="0">
               <a:latin typeface="Consolas" panose="020B0609020204030204" pitchFamily="49" charset="0"/>
             </a:endParaRPr>
+          </a:p>
+          <a:p>
+            <a:pPr marL="457200" lvl="1" indent="0">
+              <a:spcBef>
+                <a:spcPts val="0"/>
+              </a:spcBef>
+              <a:buNone/>
+            </a:pPr>
+            <a:endParaRPr lang="de-DE" altLang="de-DE" sz="1200" dirty="0">
+              <a:latin typeface="Consolas" panose="020B0609020204030204" pitchFamily="49" charset="0"/>
+            </a:endParaRPr>
+          </a:p>
+          <a:p>
+            <a:endParaRPr lang="de-DE" altLang="de-DE" dirty="0"/>
           </a:p>
         </p:txBody>
       </p:sp>
@@ -8851,7 +10361,7 @@
             </a:r>
             <a:r>
               <a:rPr lang="de-DE" altLang="de-DE" dirty="0"/>
-              <a:t>-Tags</a:t>
+              <a:t> – Tags </a:t>
             </a:r>
           </a:p>
         </p:txBody>
@@ -8859,7 +10369,7 @@
     </p:spTree>
     <p:extLst>
       <p:ext uri="{BB962C8B-B14F-4D97-AF65-F5344CB8AC3E}">
-        <p14:creationId xmlns:p14="http://schemas.microsoft.com/office/powerpoint/2010/main" val="1311074186"/>
+        <p14:creationId xmlns:p14="http://schemas.microsoft.com/office/powerpoint/2010/main" val="1475861676"/>
       </p:ext>
     </p:extLst>
   </p:cSld>
@@ -10504,7 +12014,7 @@
 </file>
 
 <file path=ppt/theme/theme3.xml><?xml version="1.0" encoding="utf-8"?>
-<a:theme xmlns:a="http://schemas.openxmlformats.org/drawingml/2006/main" name="Larissa-Design">
+<a:theme xmlns:a="http://schemas.openxmlformats.org/drawingml/2006/main" name="2_vorlneu">
   <a:themeElements>
     <a:clrScheme name="">
       <a:dk1>
@@ -10544,22 +12054,22 @@
         <a:srgbClr val="CECECE"/>
       </a:folHlink>
     </a:clrScheme>
-    <a:fontScheme name="Larissa">
+    <a:fontScheme name="Larissa Klassisch 2">
       <a:majorFont>
-        <a:latin typeface="Calibri"/>
+        <a:latin typeface="Arial"/>
         <a:ea typeface=""/>
         <a:cs typeface=""/>
         <a:font script="Jpan" typeface="ＭＳ Ｐゴシック"/>
-        <a:font script="Hang" typeface="맑은 고딕"/>
-        <a:font script="Hans" typeface="宋体"/>
-        <a:font script="Hant" typeface="新細明體"/>
-        <a:font script="Arab" typeface="Times New Roman"/>
-        <a:font script="Hebr" typeface="Times New Roman"/>
-        <a:font script="Thai" typeface="Angsana New"/>
+        <a:font script="Hang" typeface="굴림"/>
+        <a:font script="Hans" typeface="黑体"/>
+        <a:font script="Hant" typeface="微軟正黑體"/>
+        <a:font script="Arab" typeface="Arial"/>
+        <a:font script="Hebr" typeface="Arial"/>
+        <a:font script="Thai" typeface="Cordia New"/>
         <a:font script="Ethi" typeface="Nyala"/>
         <a:font script="Beng" typeface="Vrinda"/>
         <a:font script="Gujr" typeface="Shruti"/>
-        <a:font script="Khmr" typeface="MoolBoran"/>
+        <a:font script="Khmr" typeface="DaunPenh"/>
         <a:font script="Knda" typeface="Tunga"/>
         <a:font script="Guru" typeface="Raavi"/>
         <a:font script="Cans" typeface="Euphemia"/>
@@ -10576,17 +12086,17 @@
         <a:font script="Laoo" typeface="DokChampa"/>
         <a:font script="Sinh" typeface="Iskoola Pota"/>
         <a:font script="Mong" typeface="Mongolian Baiti"/>
-        <a:font script="Viet" typeface="Times New Roman"/>
+        <a:font script="Viet" typeface="Arial"/>
         <a:font script="Uigh" typeface="Microsoft Uighur"/>
       </a:majorFont>
       <a:minorFont>
-        <a:latin typeface="Calibri"/>
+        <a:latin typeface="Arial"/>
         <a:ea typeface=""/>
         <a:cs typeface=""/>
         <a:font script="Jpan" typeface="ＭＳ Ｐゴシック"/>
-        <a:font script="Hang" typeface="맑은 고딕"/>
-        <a:font script="Hans" typeface="宋体"/>
-        <a:font script="Hant" typeface="新細明體"/>
+        <a:font script="Hang" typeface="굴림"/>
+        <a:font script="Hans" typeface="黑体"/>
+        <a:font script="Hant" typeface="微軟正黑體"/>
         <a:font script="Arab" typeface="Arial"/>
         <a:font script="Hebr" typeface="Arial"/>
         <a:font script="Thai" typeface="Cordia New"/>
@@ -10781,8 +12291,442 @@
       </a:bgFillStyleLst>
     </a:fmtScheme>
   </a:themeElements>
-  <a:objectDefaults/>
-  <a:extraClrSchemeLst/>
+  <a:objectDefaults>
+    <a:spDef>
+      <a:spPr bwMode="auto">
+        <a:xfrm>
+          <a:off x="0" y="0"/>
+          <a:ext cx="1" cy="1"/>
+        </a:xfrm>
+        <a:custGeom>
+          <a:avLst/>
+          <a:gdLst/>
+          <a:ahLst/>
+          <a:cxnLst/>
+          <a:rect l="0" t="0" r="0" b="0"/>
+          <a:pathLst/>
+        </a:custGeom>
+        <a:solidFill>
+          <a:schemeClr val="accent1"/>
+        </a:solidFill>
+        <a:ln w="12700" cap="flat" cmpd="sng" algn="ctr">
+          <a:solidFill>
+            <a:schemeClr val="tx1"/>
+          </a:solidFill>
+          <a:prstDash val="solid"/>
+          <a:round/>
+          <a:headEnd type="none" w="sm" len="sm"/>
+          <a:tailEnd type="none" w="sm" len="sm"/>
+        </a:ln>
+        <a:effectLst/>
+      </a:spPr>
+      <a:bodyPr vert="horz" wrap="square" lIns="91440" tIns="45720" rIns="91440" bIns="45720" numCol="1" anchor="t" anchorCtr="0" compatLnSpc="1">
+        <a:prstTxWarp prst="textNoShape">
+          <a:avLst/>
+        </a:prstTxWarp>
+      </a:bodyPr>
+      <a:lstStyle>
+        <a:defPPr marL="0" marR="0" indent="0" algn="l" defTabSz="914400" rtl="0" eaLnBrk="0" fontAlgn="base" latinLnBrk="0" hangingPunct="0">
+          <a:lnSpc>
+            <a:spcPct val="100000"/>
+          </a:lnSpc>
+          <a:spcBef>
+            <a:spcPct val="0"/>
+          </a:spcBef>
+          <a:spcAft>
+            <a:spcPct val="0"/>
+          </a:spcAft>
+          <a:buClrTx/>
+          <a:buSzTx/>
+          <a:buFontTx/>
+          <a:buNone/>
+          <a:tabLst/>
+          <a:defRPr kumimoji="0" lang="de-DE" sz="2400" b="0" i="0" u="none" strike="noStrike" cap="none" normalizeH="0" baseline="0" smtClean="0">
+            <a:ln>
+              <a:noFill/>
+            </a:ln>
+            <a:solidFill>
+              <a:schemeClr val="tx1"/>
+            </a:solidFill>
+            <a:effectLst/>
+            <a:latin typeface="Times New Roman" pitchFamily="18" charset="0"/>
+          </a:defRPr>
+        </a:defPPr>
+      </a:lstStyle>
+    </a:spDef>
+    <a:lnDef>
+      <a:spPr bwMode="auto">
+        <a:xfrm>
+          <a:off x="0" y="0"/>
+          <a:ext cx="1" cy="1"/>
+        </a:xfrm>
+        <a:custGeom>
+          <a:avLst/>
+          <a:gdLst/>
+          <a:ahLst/>
+          <a:cxnLst/>
+          <a:rect l="0" t="0" r="0" b="0"/>
+          <a:pathLst/>
+        </a:custGeom>
+        <a:solidFill>
+          <a:schemeClr val="accent1"/>
+        </a:solidFill>
+        <a:ln w="12700" cap="flat" cmpd="sng" algn="ctr">
+          <a:solidFill>
+            <a:schemeClr val="tx1"/>
+          </a:solidFill>
+          <a:prstDash val="solid"/>
+          <a:round/>
+          <a:headEnd type="none" w="sm" len="sm"/>
+          <a:tailEnd type="none" w="sm" len="sm"/>
+        </a:ln>
+        <a:effectLst/>
+      </a:spPr>
+      <a:bodyPr vert="horz" wrap="square" lIns="91440" tIns="45720" rIns="91440" bIns="45720" numCol="1" anchor="t" anchorCtr="0" compatLnSpc="1">
+        <a:prstTxWarp prst="textNoShape">
+          <a:avLst/>
+        </a:prstTxWarp>
+      </a:bodyPr>
+      <a:lstStyle>
+        <a:defPPr marL="0" marR="0" indent="0" algn="l" defTabSz="914400" rtl="0" eaLnBrk="0" fontAlgn="base" latinLnBrk="0" hangingPunct="0">
+          <a:lnSpc>
+            <a:spcPct val="100000"/>
+          </a:lnSpc>
+          <a:spcBef>
+            <a:spcPct val="0"/>
+          </a:spcBef>
+          <a:spcAft>
+            <a:spcPct val="0"/>
+          </a:spcAft>
+          <a:buClrTx/>
+          <a:buSzTx/>
+          <a:buFontTx/>
+          <a:buNone/>
+          <a:tabLst/>
+          <a:defRPr kumimoji="0" lang="de-DE" sz="2400" b="0" i="0" u="none" strike="noStrike" cap="none" normalizeH="0" baseline="0" smtClean="0">
+            <a:ln>
+              <a:noFill/>
+            </a:ln>
+            <a:solidFill>
+              <a:schemeClr val="tx1"/>
+            </a:solidFill>
+            <a:effectLst/>
+            <a:latin typeface="Times New Roman" pitchFamily="18" charset="0"/>
+          </a:defRPr>
+        </a:defPPr>
+      </a:lstStyle>
+    </a:lnDef>
+    <a:txDef>
+      <a:spPr bwMode="auto">
+        <a:noFill/>
+        <a:ln w="9525">
+          <a:noFill/>
+          <a:miter lim="800000"/>
+          <a:headEnd/>
+          <a:tailEnd/>
+        </a:ln>
+      </a:spPr>
+      <a:bodyPr anchor="ctr">
+        <a:spAutoFit/>
+      </a:bodyPr>
+      <a:lstStyle>
+        <a:defPPr eaLnBrk="1" hangingPunct="1">
+          <a:defRPr sz="1800" dirty="0">
+            <a:latin typeface="Arial" charset="0"/>
+          </a:defRPr>
+        </a:defPPr>
+      </a:lstStyle>
+    </a:txDef>
+  </a:objectDefaults>
+  <a:extraClrSchemeLst>
+    <a:extraClrScheme>
+      <a:clrScheme name="vorlneu 1">
+        <a:dk1>
+          <a:srgbClr val="000000"/>
+        </a:dk1>
+        <a:lt1>
+          <a:srgbClr val="FFFFFF"/>
+        </a:lt1>
+        <a:dk2>
+          <a:srgbClr val="000000"/>
+        </a:dk2>
+        <a:lt2>
+          <a:srgbClr val="969696"/>
+        </a:lt2>
+        <a:accent1>
+          <a:srgbClr val="00CC99"/>
+        </a:accent1>
+        <a:accent2>
+          <a:srgbClr val="3333CC"/>
+        </a:accent2>
+        <a:accent3>
+          <a:srgbClr val="FFFFFF"/>
+        </a:accent3>
+        <a:accent4>
+          <a:srgbClr val="000000"/>
+        </a:accent4>
+        <a:accent5>
+          <a:srgbClr val="AAE2CA"/>
+        </a:accent5>
+        <a:accent6>
+          <a:srgbClr val="2D2DB9"/>
+        </a:accent6>
+        <a:hlink>
+          <a:srgbClr val="CCCCFF"/>
+        </a:hlink>
+        <a:folHlink>
+          <a:srgbClr val="B2B2B2"/>
+        </a:folHlink>
+      </a:clrScheme>
+      <a:clrMap bg1="lt1" tx1="dk1" bg2="lt2" tx2="dk2" accent1="accent1" accent2="accent2" accent3="accent3" accent4="accent4" accent5="accent5" accent6="accent6" hlink="hlink" folHlink="folHlink"/>
+    </a:extraClrScheme>
+    <a:extraClrScheme>
+      <a:clrScheme name="vorlneu 2">
+        <a:dk1>
+          <a:srgbClr val="000000"/>
+        </a:dk1>
+        <a:lt1>
+          <a:srgbClr val="FFFFFF"/>
+        </a:lt1>
+        <a:dk2>
+          <a:srgbClr val="0000FF"/>
+        </a:dk2>
+        <a:lt2>
+          <a:srgbClr val="FFFF00"/>
+        </a:lt2>
+        <a:accent1>
+          <a:srgbClr val="FF9900"/>
+        </a:accent1>
+        <a:accent2>
+          <a:srgbClr val="00FFFF"/>
+        </a:accent2>
+        <a:accent3>
+          <a:srgbClr val="AAAAFF"/>
+        </a:accent3>
+        <a:accent4>
+          <a:srgbClr val="DADADA"/>
+        </a:accent4>
+        <a:accent5>
+          <a:srgbClr val="FFCAAA"/>
+        </a:accent5>
+        <a:accent6>
+          <a:srgbClr val="00E7E7"/>
+        </a:accent6>
+        <a:hlink>
+          <a:srgbClr val="FF0033"/>
+        </a:hlink>
+        <a:folHlink>
+          <a:srgbClr val="969696"/>
+        </a:folHlink>
+      </a:clrScheme>
+      <a:clrMap bg1="dk2" tx1="lt1" bg2="dk1" tx2="lt2" accent1="accent1" accent2="accent2" accent3="accent3" accent4="accent4" accent5="accent5" accent6="accent6" hlink="hlink" folHlink="folHlink"/>
+    </a:extraClrScheme>
+    <a:extraClrScheme>
+      <a:clrScheme name="vorlneu 3">
+        <a:dk1>
+          <a:srgbClr val="000000"/>
+        </a:dk1>
+        <a:lt1>
+          <a:srgbClr val="FFFFCC"/>
+        </a:lt1>
+        <a:dk2>
+          <a:srgbClr val="999933"/>
+        </a:dk2>
+        <a:lt2>
+          <a:srgbClr val="808000"/>
+        </a:lt2>
+        <a:accent1>
+          <a:srgbClr val="339933"/>
+        </a:accent1>
+        <a:accent2>
+          <a:srgbClr val="800000"/>
+        </a:accent2>
+        <a:accent3>
+          <a:srgbClr val="FFFFE2"/>
+        </a:accent3>
+        <a:accent4>
+          <a:srgbClr val="000000"/>
+        </a:accent4>
+        <a:accent5>
+          <a:srgbClr val="ADCAAD"/>
+        </a:accent5>
+        <a:accent6>
+          <a:srgbClr val="730000"/>
+        </a:accent6>
+        <a:hlink>
+          <a:srgbClr val="0033CC"/>
+        </a:hlink>
+        <a:folHlink>
+          <a:srgbClr val="FFCC66"/>
+        </a:folHlink>
+      </a:clrScheme>
+      <a:clrMap bg1="lt1" tx1="dk1" bg2="lt2" tx2="dk2" accent1="accent1" accent2="accent2" accent3="accent3" accent4="accent4" accent5="accent5" accent6="accent6" hlink="hlink" folHlink="folHlink"/>
+    </a:extraClrScheme>
+    <a:extraClrScheme>
+      <a:clrScheme name="vorlneu 4">
+        <a:dk1>
+          <a:srgbClr val="000000"/>
+        </a:dk1>
+        <a:lt1>
+          <a:srgbClr val="FFFFFF"/>
+        </a:lt1>
+        <a:dk2>
+          <a:srgbClr val="000000"/>
+        </a:dk2>
+        <a:lt2>
+          <a:srgbClr val="393939"/>
+        </a:lt2>
+        <a:accent1>
+          <a:srgbClr val="CBCBCB"/>
+        </a:accent1>
+        <a:accent2>
+          <a:srgbClr val="868686"/>
+        </a:accent2>
+        <a:accent3>
+          <a:srgbClr val="FFFFFF"/>
+        </a:accent3>
+        <a:accent4>
+          <a:srgbClr val="000000"/>
+        </a:accent4>
+        <a:accent5>
+          <a:srgbClr val="E2E2E2"/>
+        </a:accent5>
+        <a:accent6>
+          <a:srgbClr val="797979"/>
+        </a:accent6>
+        <a:hlink>
+          <a:srgbClr val="4D4D4D"/>
+        </a:hlink>
+        <a:folHlink>
+          <a:srgbClr val="EAEAEA"/>
+        </a:folHlink>
+      </a:clrScheme>
+      <a:clrMap bg1="lt1" tx1="dk1" bg2="lt2" tx2="dk2" accent1="accent1" accent2="accent2" accent3="accent3" accent4="accent4" accent5="accent5" accent6="accent6" hlink="hlink" folHlink="folHlink"/>
+    </a:extraClrScheme>
+    <a:extraClrScheme>
+      <a:clrScheme name="vorlneu 5">
+        <a:dk1>
+          <a:srgbClr val="000000"/>
+        </a:dk1>
+        <a:lt1>
+          <a:srgbClr val="FFFFFF"/>
+        </a:lt1>
+        <a:dk2>
+          <a:srgbClr val="000000"/>
+        </a:dk2>
+        <a:lt2>
+          <a:srgbClr val="9F9F9F"/>
+        </a:lt2>
+        <a:accent1>
+          <a:srgbClr val="FFCC66"/>
+        </a:accent1>
+        <a:accent2>
+          <a:srgbClr val="0000FF"/>
+        </a:accent2>
+        <a:accent3>
+          <a:srgbClr val="FFFFFF"/>
+        </a:accent3>
+        <a:accent4>
+          <a:srgbClr val="000000"/>
+        </a:accent4>
+        <a:accent5>
+          <a:srgbClr val="FFE2B8"/>
+        </a:accent5>
+        <a:accent6>
+          <a:srgbClr val="0000E7"/>
+        </a:accent6>
+        <a:hlink>
+          <a:srgbClr val="CC00CC"/>
+        </a:hlink>
+        <a:folHlink>
+          <a:srgbClr val="C0C0C0"/>
+        </a:folHlink>
+      </a:clrScheme>
+      <a:clrMap bg1="lt1" tx1="dk1" bg2="lt2" tx2="dk2" accent1="accent1" accent2="accent2" accent3="accent3" accent4="accent4" accent5="accent5" accent6="accent6" hlink="hlink" folHlink="folHlink"/>
+    </a:extraClrScheme>
+    <a:extraClrScheme>
+      <a:clrScheme name="vorlneu 6">
+        <a:dk1>
+          <a:srgbClr val="000000"/>
+        </a:dk1>
+        <a:lt1>
+          <a:srgbClr val="FFFFFF"/>
+        </a:lt1>
+        <a:dk2>
+          <a:srgbClr val="000000"/>
+        </a:dk2>
+        <a:lt2>
+          <a:srgbClr val="868686"/>
+        </a:lt2>
+        <a:accent1>
+          <a:srgbClr val="CBCBCB"/>
+        </a:accent1>
+        <a:accent2>
+          <a:srgbClr val="0066FF"/>
+        </a:accent2>
+        <a:accent3>
+          <a:srgbClr val="FFFFFF"/>
+        </a:accent3>
+        <a:accent4>
+          <a:srgbClr val="000000"/>
+        </a:accent4>
+        <a:accent5>
+          <a:srgbClr val="E2E2E2"/>
+        </a:accent5>
+        <a:accent6>
+          <a:srgbClr val="005CE7"/>
+        </a:accent6>
+        <a:hlink>
+          <a:srgbClr val="FF0033"/>
+        </a:hlink>
+        <a:folHlink>
+          <a:srgbClr val="009900"/>
+        </a:folHlink>
+      </a:clrScheme>
+      <a:clrMap bg1="lt1" tx1="dk1" bg2="lt2" tx2="dk2" accent1="accent1" accent2="accent2" accent3="accent3" accent4="accent4" accent5="accent5" accent6="accent6" hlink="hlink" folHlink="folHlink"/>
+    </a:extraClrScheme>
+    <a:extraClrScheme>
+      <a:clrScheme name="vorlneu 7">
+        <a:dk1>
+          <a:srgbClr val="000000"/>
+        </a:dk1>
+        <a:lt1>
+          <a:srgbClr val="FFFFFF"/>
+        </a:lt1>
+        <a:dk2>
+          <a:srgbClr val="000000"/>
+        </a:dk2>
+        <a:lt2>
+          <a:srgbClr val="969696"/>
+        </a:lt2>
+        <a:accent1>
+          <a:srgbClr val="3399FF"/>
+        </a:accent1>
+        <a:accent2>
+          <a:srgbClr val="99FFCC"/>
+        </a:accent2>
+        <a:accent3>
+          <a:srgbClr val="FFFFFF"/>
+        </a:accent3>
+        <a:accent4>
+          <a:srgbClr val="000000"/>
+        </a:accent4>
+        <a:accent5>
+          <a:srgbClr val="ADCAFF"/>
+        </a:accent5>
+        <a:accent6>
+          <a:srgbClr val="8AE7B9"/>
+        </a:accent6>
+        <a:hlink>
+          <a:srgbClr val="CC00CC"/>
+        </a:hlink>
+        <a:folHlink>
+          <a:srgbClr val="B2B2B2"/>
+        </a:folHlink>
+      </a:clrScheme>
+      <a:clrMap bg1="lt1" tx1="dk1" bg2="lt2" tx2="dk2" accent1="accent1" accent2="accent2" accent3="accent3" accent4="accent4" accent5="accent5" accent6="accent6" hlink="hlink" folHlink="folHlink"/>
+    </a:extraClrScheme>
+  </a:extraClrSchemeLst>
 </a:theme>
 </file>
 
@@ -11067,4 +13011,287 @@
   <a:objectDefaults/>
   <a:extraClrSchemeLst/>
 </a:theme>
+</file>
+
+<file path=ppt/theme/theme5.xml><?xml version="1.0" encoding="utf-8"?>
+<a:theme xmlns:a="http://schemas.openxmlformats.org/drawingml/2006/main" name="Larissa-Design">
+  <a:themeElements>
+    <a:clrScheme name="">
+      <a:dk1>
+        <a:srgbClr val="000000"/>
+      </a:dk1>
+      <a:lt1>
+        <a:srgbClr val="FFFFFF"/>
+      </a:lt1>
+      <a:dk2>
+        <a:srgbClr val="000000"/>
+      </a:dk2>
+      <a:lt2>
+        <a:srgbClr val="919191"/>
+      </a:lt2>
+      <a:accent1>
+        <a:srgbClr val="618FFD"/>
+      </a:accent1>
+      <a:accent2>
+        <a:srgbClr val="00AE00"/>
+      </a:accent2>
+      <a:accent3>
+        <a:srgbClr val="FFFFFF"/>
+      </a:accent3>
+      <a:accent4>
+        <a:srgbClr val="000000"/>
+      </a:accent4>
+      <a:accent5>
+        <a:srgbClr val="B7C6FE"/>
+      </a:accent5>
+      <a:accent6>
+        <a:srgbClr val="009D00"/>
+      </a:accent6>
+      <a:hlink>
+        <a:srgbClr val="FC0128"/>
+      </a:hlink>
+      <a:folHlink>
+        <a:srgbClr val="CECECE"/>
+      </a:folHlink>
+    </a:clrScheme>
+    <a:fontScheme name="Larissa">
+      <a:majorFont>
+        <a:latin typeface="Calibri"/>
+        <a:ea typeface=""/>
+        <a:cs typeface=""/>
+        <a:font script="Jpan" typeface="ＭＳ Ｐゴシック"/>
+        <a:font script="Hang" typeface="맑은 고딕"/>
+        <a:font script="Hans" typeface="宋体"/>
+        <a:font script="Hant" typeface="新細明體"/>
+        <a:font script="Arab" typeface="Times New Roman"/>
+        <a:font script="Hebr" typeface="Times New Roman"/>
+        <a:font script="Thai" typeface="Angsana New"/>
+        <a:font script="Ethi" typeface="Nyala"/>
+        <a:font script="Beng" typeface="Vrinda"/>
+        <a:font script="Gujr" typeface="Shruti"/>
+        <a:font script="Khmr" typeface="MoolBoran"/>
+        <a:font script="Knda" typeface="Tunga"/>
+        <a:font script="Guru" typeface="Raavi"/>
+        <a:font script="Cans" typeface="Euphemia"/>
+        <a:font script="Cher" typeface="Plantagenet Cherokee"/>
+        <a:font script="Yiii" typeface="Microsoft Yi Baiti"/>
+        <a:font script="Tibt" typeface="Microsoft Himalaya"/>
+        <a:font script="Thaa" typeface="MV Boli"/>
+        <a:font script="Deva" typeface="Mangal"/>
+        <a:font script="Telu" typeface="Gautami"/>
+        <a:font script="Taml" typeface="Latha"/>
+        <a:font script="Syrc" typeface="Estrangelo Edessa"/>
+        <a:font script="Orya" typeface="Kalinga"/>
+        <a:font script="Mlym" typeface="Kartika"/>
+        <a:font script="Laoo" typeface="DokChampa"/>
+        <a:font script="Sinh" typeface="Iskoola Pota"/>
+        <a:font script="Mong" typeface="Mongolian Baiti"/>
+        <a:font script="Viet" typeface="Times New Roman"/>
+        <a:font script="Uigh" typeface="Microsoft Uighur"/>
+      </a:majorFont>
+      <a:minorFont>
+        <a:latin typeface="Calibri"/>
+        <a:ea typeface=""/>
+        <a:cs typeface=""/>
+        <a:font script="Jpan" typeface="ＭＳ Ｐゴシック"/>
+        <a:font script="Hang" typeface="맑은 고딕"/>
+        <a:font script="Hans" typeface="宋体"/>
+        <a:font script="Hant" typeface="新細明體"/>
+        <a:font script="Arab" typeface="Arial"/>
+        <a:font script="Hebr" typeface="Arial"/>
+        <a:font script="Thai" typeface="Cordia New"/>
+        <a:font script="Ethi" typeface="Nyala"/>
+        <a:font script="Beng" typeface="Vrinda"/>
+        <a:font script="Gujr" typeface="Shruti"/>
+        <a:font script="Khmr" typeface="DaunPenh"/>
+        <a:font script="Knda" typeface="Tunga"/>
+        <a:font script="Guru" typeface="Raavi"/>
+        <a:font script="Cans" typeface="Euphemia"/>
+        <a:font script="Cher" typeface="Plantagenet Cherokee"/>
+        <a:font script="Yiii" typeface="Microsoft Yi Baiti"/>
+        <a:font script="Tibt" typeface="Microsoft Himalaya"/>
+        <a:font script="Thaa" typeface="MV Boli"/>
+        <a:font script="Deva" typeface="Mangal"/>
+        <a:font script="Telu" typeface="Gautami"/>
+        <a:font script="Taml" typeface="Latha"/>
+        <a:font script="Syrc" typeface="Estrangelo Edessa"/>
+        <a:font script="Orya" typeface="Kalinga"/>
+        <a:font script="Mlym" typeface="Kartika"/>
+        <a:font script="Laoo" typeface="DokChampa"/>
+        <a:font script="Sinh" typeface="Iskoola Pota"/>
+        <a:font script="Mong" typeface="Mongolian Baiti"/>
+        <a:font script="Viet" typeface="Arial"/>
+        <a:font script="Uigh" typeface="Microsoft Uighur"/>
+      </a:minorFont>
+    </a:fontScheme>
+    <a:fmtScheme name="Larissa">
+      <a:fillStyleLst>
+        <a:solidFill>
+          <a:schemeClr val="phClr"/>
+        </a:solidFill>
+        <a:gradFill rotWithShape="1">
+          <a:gsLst>
+            <a:gs pos="0">
+              <a:schemeClr val="phClr">
+                <a:tint val="50000"/>
+                <a:satMod val="300000"/>
+              </a:schemeClr>
+            </a:gs>
+            <a:gs pos="35000">
+              <a:schemeClr val="phClr">
+                <a:tint val="37000"/>
+                <a:satMod val="300000"/>
+              </a:schemeClr>
+            </a:gs>
+            <a:gs pos="100000">
+              <a:schemeClr val="phClr">
+                <a:tint val="15000"/>
+                <a:satMod val="350000"/>
+              </a:schemeClr>
+            </a:gs>
+          </a:gsLst>
+          <a:lin ang="16200000" scaled="1"/>
+        </a:gradFill>
+        <a:gradFill rotWithShape="1">
+          <a:gsLst>
+            <a:gs pos="0">
+              <a:schemeClr val="phClr">
+                <a:shade val="51000"/>
+                <a:satMod val="130000"/>
+              </a:schemeClr>
+            </a:gs>
+            <a:gs pos="80000">
+              <a:schemeClr val="phClr">
+                <a:shade val="93000"/>
+                <a:satMod val="130000"/>
+              </a:schemeClr>
+            </a:gs>
+            <a:gs pos="100000">
+              <a:schemeClr val="phClr">
+                <a:shade val="94000"/>
+                <a:satMod val="135000"/>
+              </a:schemeClr>
+            </a:gs>
+          </a:gsLst>
+          <a:lin ang="16200000" scaled="0"/>
+        </a:gradFill>
+      </a:fillStyleLst>
+      <a:lnStyleLst>
+        <a:ln w="9525" cap="flat" cmpd="sng" algn="ctr">
+          <a:solidFill>
+            <a:schemeClr val="phClr">
+              <a:shade val="95000"/>
+              <a:satMod val="105000"/>
+            </a:schemeClr>
+          </a:solidFill>
+          <a:prstDash val="solid"/>
+        </a:ln>
+        <a:ln w="25400" cap="flat" cmpd="sng" algn="ctr">
+          <a:solidFill>
+            <a:schemeClr val="phClr"/>
+          </a:solidFill>
+          <a:prstDash val="solid"/>
+        </a:ln>
+        <a:ln w="38100" cap="flat" cmpd="sng" algn="ctr">
+          <a:solidFill>
+            <a:schemeClr val="phClr"/>
+          </a:solidFill>
+          <a:prstDash val="solid"/>
+        </a:ln>
+      </a:lnStyleLst>
+      <a:effectStyleLst>
+        <a:effectStyle>
+          <a:effectLst>
+            <a:outerShdw blurRad="40000" dist="20000" dir="5400000" rotWithShape="0">
+              <a:srgbClr val="000000">
+                <a:alpha val="38000"/>
+              </a:srgbClr>
+            </a:outerShdw>
+          </a:effectLst>
+        </a:effectStyle>
+        <a:effectStyle>
+          <a:effectLst>
+            <a:outerShdw blurRad="40000" dist="23000" dir="5400000" rotWithShape="0">
+              <a:srgbClr val="000000">
+                <a:alpha val="35000"/>
+              </a:srgbClr>
+            </a:outerShdw>
+          </a:effectLst>
+        </a:effectStyle>
+        <a:effectStyle>
+          <a:effectLst>
+            <a:outerShdw blurRad="40000" dist="23000" dir="5400000" rotWithShape="0">
+              <a:srgbClr val="000000">
+                <a:alpha val="35000"/>
+              </a:srgbClr>
+            </a:outerShdw>
+          </a:effectLst>
+          <a:scene3d>
+            <a:camera prst="orthographicFront">
+              <a:rot lat="0" lon="0" rev="0"/>
+            </a:camera>
+            <a:lightRig rig="threePt" dir="t">
+              <a:rot lat="0" lon="0" rev="1200000"/>
+            </a:lightRig>
+          </a:scene3d>
+          <a:sp3d>
+            <a:bevelT w="63500" h="25400"/>
+          </a:sp3d>
+        </a:effectStyle>
+      </a:effectStyleLst>
+      <a:bgFillStyleLst>
+        <a:solidFill>
+          <a:schemeClr val="phClr"/>
+        </a:solidFill>
+        <a:gradFill rotWithShape="1">
+          <a:gsLst>
+            <a:gs pos="0">
+              <a:schemeClr val="phClr">
+                <a:tint val="40000"/>
+                <a:satMod val="350000"/>
+              </a:schemeClr>
+            </a:gs>
+            <a:gs pos="40000">
+              <a:schemeClr val="phClr">
+                <a:tint val="45000"/>
+                <a:shade val="99000"/>
+                <a:satMod val="350000"/>
+              </a:schemeClr>
+            </a:gs>
+            <a:gs pos="100000">
+              <a:schemeClr val="phClr">
+                <a:shade val="20000"/>
+                <a:satMod val="255000"/>
+              </a:schemeClr>
+            </a:gs>
+          </a:gsLst>
+          <a:path path="circle">
+            <a:fillToRect l="50000" t="-80000" r="50000" b="180000"/>
+          </a:path>
+        </a:gradFill>
+        <a:gradFill rotWithShape="1">
+          <a:gsLst>
+            <a:gs pos="0">
+              <a:schemeClr val="phClr">
+                <a:tint val="80000"/>
+                <a:satMod val="300000"/>
+              </a:schemeClr>
+            </a:gs>
+            <a:gs pos="100000">
+              <a:schemeClr val="phClr">
+                <a:shade val="30000"/>
+                <a:satMod val="200000"/>
+              </a:schemeClr>
+            </a:gs>
+          </a:gsLst>
+          <a:path path="circle">
+            <a:fillToRect l="50000" t="50000" r="50000" b="50000"/>
+          </a:path>
+        </a:gradFill>
+      </a:bgFillStyleLst>
+    </a:fmtScheme>
+  </a:themeElements>
+  <a:objectDefaults/>
+  <a:extraClrSchemeLst/>
+</a:theme>
 </file>
--- a/slides/Tag-2_2-Tags-und-Releases.pptx
+++ b/slides/Tag-2_2-Tags-und-Releases.pptx
@@ -7,33 +7,34 @@
     <p:sldMasterId id="2147483897" r:id="rId3"/>
   </p:sldMasterIdLst>
   <p:notesMasterIdLst>
-    <p:notesMasterId r:id="rId25"/>
+    <p:notesMasterId r:id="rId26"/>
   </p:notesMasterIdLst>
   <p:handoutMasterIdLst>
-    <p:handoutMasterId r:id="rId26"/>
+    <p:handoutMasterId r:id="rId27"/>
   </p:handoutMasterIdLst>
   <p:sldIdLst>
-    <p:sldId id="288" r:id="rId4"/>
-    <p:sldId id="387" r:id="rId5"/>
-    <p:sldId id="287" r:id="rId6"/>
+    <p:sldId id="604" r:id="rId4"/>
+    <p:sldId id="606" r:id="rId5"/>
+    <p:sldId id="726" r:id="rId6"/>
     <p:sldId id="596" r:id="rId7"/>
-    <p:sldId id="368" r:id="rId8"/>
-    <p:sldId id="420" r:id="rId9"/>
-    <p:sldId id="421" r:id="rId10"/>
-    <p:sldId id="422" r:id="rId11"/>
-    <p:sldId id="424" r:id="rId12"/>
-    <p:sldId id="423" r:id="rId13"/>
-    <p:sldId id="425" r:id="rId14"/>
-    <p:sldId id="426" r:id="rId15"/>
-    <p:sldId id="427" r:id="rId16"/>
-    <p:sldId id="597" r:id="rId17"/>
-    <p:sldId id="428" r:id="rId18"/>
-    <p:sldId id="429" r:id="rId19"/>
-    <p:sldId id="598" r:id="rId20"/>
-    <p:sldId id="430" r:id="rId21"/>
-    <p:sldId id="431" r:id="rId22"/>
-    <p:sldId id="432" r:id="rId23"/>
-    <p:sldId id="433" r:id="rId24"/>
+    <p:sldId id="287" r:id="rId8"/>
+    <p:sldId id="368" r:id="rId9"/>
+    <p:sldId id="420" r:id="rId10"/>
+    <p:sldId id="421" r:id="rId11"/>
+    <p:sldId id="422" r:id="rId12"/>
+    <p:sldId id="424" r:id="rId13"/>
+    <p:sldId id="423" r:id="rId14"/>
+    <p:sldId id="425" r:id="rId15"/>
+    <p:sldId id="426" r:id="rId16"/>
+    <p:sldId id="427" r:id="rId17"/>
+    <p:sldId id="597" r:id="rId18"/>
+    <p:sldId id="428" r:id="rId19"/>
+    <p:sldId id="429" r:id="rId20"/>
+    <p:sldId id="598" r:id="rId21"/>
+    <p:sldId id="430" r:id="rId22"/>
+    <p:sldId id="431" r:id="rId23"/>
+    <p:sldId id="432" r:id="rId24"/>
+    <p:sldId id="433" r:id="rId25"/>
   </p:sldIdLst>
   <p:sldSz cx="9144000" cy="6858000" type="screen4x3"/>
   <p:notesSz cx="6784975" cy="9921875"/>
@@ -1103,7 +1104,7 @@
                 <a:latin typeface="Arial" panose="020B0604020202020204" pitchFamily="34" charset="0"/>
               </a:rPr>
               <a:pPr/>
-              <a:t>3</a:t>
+              <a:t>5</a:t>
             </a:fld>
             <a:endParaRPr lang="de-DE" altLang="de-DE" sz="1000">
               <a:latin typeface="Arial" panose="020B0604020202020204" pitchFamily="34" charset="0"/>
@@ -1950,7 +1951,7 @@
               <a:pPr algn="ctr">
                 <a:defRPr/>
               </a:pPr>
-              <a:t>06.06.2024</a:t>
+              <a:t>10.06.2024</a:t>
             </a:fld>
             <a:endParaRPr lang="de-DE" sz="1000" dirty="0">
               <a:solidFill>
@@ -2313,7 +2314,7 @@
                 </a:solidFill>
                 <a:latin typeface="Arial" charset="0"/>
               </a:rPr>
-              <a:t>&lt;Autor&gt;</a:t>
+              <a:t>Daniel Krämer &amp; Malte Fischer</a:t>
             </a:r>
           </a:p>
         </p:txBody>
@@ -2335,7 +2336,7 @@
         <p:spPr bwMode="auto">
           <a:xfrm>
             <a:off x="4252913" y="6424613"/>
-            <a:ext cx="1163637" cy="246062"/>
+            <a:ext cx="2092239" cy="246221"/>
           </a:xfrm>
           <a:prstGeom prst="rect">
             <a:avLst/>
@@ -2365,16 +2366,7 @@
                 </a:solidFill>
                 <a:latin typeface="Arial" charset="0"/>
               </a:rPr>
-              <a:t>&lt;Dateiname&gt;.</a:t>
-            </a:r>
-            <a:r>
-              <a:rPr lang="de-DE" sz="1000" dirty="0" err="1">
-                <a:solidFill>
-                  <a:schemeClr val="bg1"/>
-                </a:solidFill>
-                <a:latin typeface="Arial" charset="0"/>
-              </a:rPr>
-              <a:t>ppt</a:t>
+              <a:t>Tag-2_2-Tags-und-Releases.pptx</a:t>
             </a:r>
             <a:endParaRPr lang="de-DE" dirty="0">
               <a:solidFill>
@@ -4057,7 +4049,7 @@
               <a:pPr algn="ctr">
                 <a:defRPr/>
               </a:pPr>
-              <a:t>06.06.2024</a:t>
+              <a:t>10.06.2024</a:t>
             </a:fld>
             <a:endParaRPr lang="de-DE" sz="1000">
               <a:solidFill>
@@ -4420,7 +4412,7 @@
                 </a:solidFill>
                 <a:latin typeface="Arial" charset="0"/>
               </a:rPr>
-              <a:t>&lt;Autor&gt;</a:t>
+              <a:t>Daniel Krämer &amp; Malte Fischer</a:t>
             </a:r>
           </a:p>
         </p:txBody>
@@ -4442,7 +4434,7 @@
         <p:spPr bwMode="auto">
           <a:xfrm>
             <a:off x="4252913" y="6424613"/>
-            <a:ext cx="1891865" cy="246221"/>
+            <a:ext cx="2092239" cy="246221"/>
           </a:xfrm>
           <a:prstGeom prst="rect">
             <a:avLst/>
@@ -4472,7 +4464,7 @@
                 </a:solidFill>
                 <a:latin typeface="Arial" charset="0"/>
               </a:rPr>
-              <a:t>Tag-3_2_1-GitLab-Runner.ppt</a:t>
+              <a:t>Tag-2_2-Tags-und-Releases.pptx</a:t>
             </a:r>
             <a:endParaRPr lang="de-DE" dirty="0">
               <a:solidFill>
@@ -5374,7 +5366,7 @@
         <p:spPr bwMode="auto">
           <a:xfrm>
             <a:off x="468313" y="2562225"/>
-            <a:ext cx="4967287" cy="938213"/>
+            <a:ext cx="5471839" cy="938213"/>
           </a:xfrm>
           <a:prstGeom prst="rect">
             <a:avLst/>
@@ -5406,8 +5398,24 @@
           <a:p>
             <a:pPr algn="l" eaLnBrk="1" hangingPunct="1"/>
             <a:r>
-              <a:rPr lang="de-DE" altLang="de-DE" dirty="0"/>
-              <a:t>Tags und Releases</a:t>
+              <a:rPr lang="de-DE" altLang="de-DE" sz="3200" dirty="0"/>
+              <a:t>Tag 2: Vertiefung </a:t>
+            </a:r>
+            <a:r>
+              <a:rPr lang="de-DE" altLang="de-DE" sz="3200" dirty="0" err="1"/>
+              <a:t>Git</a:t>
+            </a:r>
+            <a:r>
+              <a:rPr lang="de-DE" altLang="de-DE" sz="3200" dirty="0"/>
+              <a:t>-Workflow, CI/CD &amp; </a:t>
+            </a:r>
+            <a:r>
+              <a:rPr lang="de-DE" altLang="de-DE" sz="3200" dirty="0" err="1"/>
+              <a:t>GitLab</a:t>
+            </a:r>
+            <a:r>
+              <a:rPr lang="de-DE" altLang="de-DE" sz="3200" dirty="0"/>
+              <a:t> CI </a:t>
             </a:r>
           </a:p>
         </p:txBody>
@@ -5430,8 +5438,8 @@
         </p:nvSpPr>
         <p:spPr bwMode="auto">
           <a:xfrm>
-            <a:off x="468313" y="4462463"/>
-            <a:ext cx="2159000" cy="622300"/>
+            <a:off x="468312" y="4462463"/>
+            <a:ext cx="4190603" cy="622300"/>
           </a:xfrm>
           <a:prstGeom prst="rect">
             <a:avLst/>
@@ -5466,8 +5474,8 @@
               <a:buNone/>
             </a:pPr>
             <a:r>
-              <a:rPr lang="de-DE" altLang="de-DE" sz="1600"/>
-              <a:t>&lt;Datum, Autor&gt;</a:t>
+              <a:rPr lang="de-DE" altLang="de-DE" sz="1600" dirty="0"/>
+              <a:t>18.06.2024, Daniel Krämer &amp; Malte Fischer</a:t>
             </a:r>
           </a:p>
         </p:txBody>
@@ -5620,18 +5628,54 @@
           </a:lstStyle>
           <a:p>
             <a:pPr eaLnBrk="1" hangingPunct="1"/>
-            <a:r>
-              <a:rPr lang="de-DE" altLang="de-DE" sz="4400">
-                <a:solidFill>
-                  <a:schemeClr val="tx2"/>
-                </a:solidFill>
-                <a:latin typeface="Arial" panose="020B0604020202020204" pitchFamily="34" charset="0"/>
-              </a:rPr>
-              <a:t>&lt;Kundenlogo&gt;</a:t>
-            </a:r>
+            <a:endParaRPr lang="de-DE" altLang="de-DE" sz="4400" dirty="0">
+              <a:solidFill>
+                <a:schemeClr val="tx2"/>
+              </a:solidFill>
+              <a:latin typeface="Arial" panose="020B0604020202020204" pitchFamily="34" charset="0"/>
+            </a:endParaRPr>
           </a:p>
         </p:txBody>
       </p:sp>
+      <p:pic>
+        <p:nvPicPr>
+          <p:cNvPr id="3" name="Grafik 2">
+            <a:extLst>
+              <a:ext uri="{FF2B5EF4-FFF2-40B4-BE49-F238E27FC236}">
+                <a16:creationId xmlns:a16="http://schemas.microsoft.com/office/drawing/2014/main" id="{F795EC6A-86ED-78D6-3916-EC81E8315965}"/>
+              </a:ext>
+            </a:extLst>
+          </p:cNvPr>
+          <p:cNvPicPr>
+            <a:picLocks noChangeAspect="1"/>
+          </p:cNvPicPr>
+          <p:nvPr/>
+        </p:nvPicPr>
+        <p:blipFill>
+          <a:blip r:embed="rId2">
+            <a:extLst>
+              <a:ext uri="{28A0092B-C50C-407E-A947-70E740481C1C}">
+                <a14:useLocalDpi xmlns:a14="http://schemas.microsoft.com/office/drawing/2010/main" val="0"/>
+              </a:ext>
+              <a:ext uri="{96DAC541-7B7A-43D3-8B79-37D633B846F1}">
+                <asvg:svgBlip xmlns:asvg="http://schemas.microsoft.com/office/drawing/2016/SVG/main" r:embed="rId3"/>
+              </a:ext>
+            </a:extLst>
+          </a:blip>
+          <a:stretch>
+            <a:fillRect/>
+          </a:stretch>
+        </p:blipFill>
+        <p:spPr>
+          <a:xfrm>
+            <a:off x="309959" y="263970"/>
+            <a:ext cx="4348957" cy="1508822"/>
+          </a:xfrm>
+          <a:prstGeom prst="rect">
+            <a:avLst/>
+          </a:prstGeom>
+        </p:spPr>
+      </p:pic>
     </p:spTree>
   </p:cSld>
   <p:clrMapOvr>
@@ -5684,32 +5728,8 @@
           <a:lstStyle/>
           <a:p>
             <a:r>
-              <a:rPr lang="de-DE" altLang="de-DE" dirty="0" err="1">
-                <a:latin typeface="Consolas" panose="020B0609020204030204" pitchFamily="49" charset="0"/>
-              </a:rPr>
-              <a:t>git</a:t>
-            </a:r>
-            <a:r>
-              <a:rPr lang="de-DE" altLang="de-DE" dirty="0">
-                <a:latin typeface="Consolas" panose="020B0609020204030204" pitchFamily="49" charset="0"/>
-              </a:rPr>
-              <a:t> </a:t>
-            </a:r>
-            <a:r>
-              <a:rPr lang="de-DE" altLang="de-DE" dirty="0" err="1">
-                <a:latin typeface="Consolas" panose="020B0609020204030204" pitchFamily="49" charset="0"/>
-              </a:rPr>
-              <a:t>checkout</a:t>
-            </a:r>
-            <a:r>
-              <a:rPr lang="de-DE" altLang="de-DE" dirty="0">
-                <a:latin typeface="Consolas" panose="020B0609020204030204" pitchFamily="49" charset="0"/>
-              </a:rPr>
-              <a:t> &lt;tag-name&gt; </a:t>
-            </a:r>
-            <a:r>
               <a:rPr lang="de-DE" altLang="de-DE" dirty="0"/>
-              <a:t>ermöglicht das Auschecken eines getaggten Commit</a:t>
+              <a:t>Rückwirkendes Tagging ist mit Angabe der Commit-ID möglich</a:t>
             </a:r>
           </a:p>
           <a:p>
@@ -5734,8 +5754,17 @@
               <a:rPr lang="en-US" altLang="de-DE" sz="1200" dirty="0">
                 <a:latin typeface="Consolas" panose="020B0609020204030204" pitchFamily="49" charset="0"/>
               </a:rPr>
-              <a:t>$ git checkout release-v0.0.1</a:t>
-            </a:r>
+              <a:t>$ git log --</a:t>
+            </a:r>
+            <a:r>
+              <a:rPr lang="en-US" altLang="de-DE" sz="1200" dirty="0" err="1">
+                <a:latin typeface="Consolas" panose="020B0609020204030204" pitchFamily="49" charset="0"/>
+              </a:rPr>
+              <a:t>oneline</a:t>
+            </a:r>
+            <a:endParaRPr lang="en-US" altLang="de-DE" sz="1200" dirty="0">
+              <a:latin typeface="Consolas" panose="020B0609020204030204" pitchFamily="49" charset="0"/>
+            </a:endParaRPr>
           </a:p>
           <a:p>
             <a:pPr marL="457200" lvl="1" indent="0">
@@ -5748,7 +5777,7 @@
               <a:rPr lang="en-US" altLang="de-DE" sz="1200" dirty="0">
                 <a:latin typeface="Consolas" panose="020B0609020204030204" pitchFamily="49" charset="0"/>
               </a:rPr>
-              <a:t>Note: switching to 'release-v0.0.1'.</a:t>
+              <a:t>89c1108 (HEAD -&gt; main, tag: release-v0.0.2) Add release2_file</a:t>
             </a:r>
           </a:p>
           <a:p>
@@ -5758,6 +5787,18 @@
               </a:spcBef>
               <a:buNone/>
             </a:pPr>
+            <a:r>
+              <a:rPr lang="en-US" altLang="de-DE" sz="1200" dirty="0">
+                <a:latin typeface="Consolas" panose="020B0609020204030204" pitchFamily="49" charset="0"/>
+              </a:rPr>
+              <a:t>c3a059e (tag: release-v0.0.1) Add </a:t>
+            </a:r>
+            <a:r>
+              <a:rPr lang="en-US" altLang="de-DE" sz="1200" dirty="0" err="1">
+                <a:latin typeface="Consolas" panose="020B0609020204030204" pitchFamily="49" charset="0"/>
+              </a:rPr>
+              <a:t>final_file</a:t>
+            </a:r>
             <a:endParaRPr lang="en-US" altLang="de-DE" sz="1200" dirty="0">
               <a:latin typeface="Consolas" panose="020B0609020204030204" pitchFamily="49" charset="0"/>
             </a:endParaRPr>
@@ -5773,7 +5814,7 @@
               <a:rPr lang="en-US" altLang="de-DE" sz="1200" dirty="0">
                 <a:latin typeface="Consolas" panose="020B0609020204030204" pitchFamily="49" charset="0"/>
               </a:rPr>
-              <a:t>You are in 'detached HEAD' state. You can look around, make experimental</a:t>
+              <a:t>a908be7 Add file3</a:t>
             </a:r>
           </a:p>
           <a:p>
@@ -5787,7 +5828,7 @@
               <a:rPr lang="en-US" altLang="de-DE" sz="1200" dirty="0">
                 <a:latin typeface="Consolas" panose="020B0609020204030204" pitchFamily="49" charset="0"/>
               </a:rPr>
-              <a:t>changes and commit them, and you can discard any commits you make in this</a:t>
+              <a:t>722eaf0 Add file from main</a:t>
             </a:r>
           </a:p>
           <a:p>
@@ -5801,7 +5842,7 @@
               <a:rPr lang="en-US" altLang="de-DE" sz="1200" dirty="0">
                 <a:latin typeface="Consolas" panose="020B0609020204030204" pitchFamily="49" charset="0"/>
               </a:rPr>
-              <a:t>state without impacting any branches by switching back to a branch.</a:t>
+              <a:t>c61ef14 Initial commit</a:t>
             </a:r>
           </a:p>
           <a:p>
@@ -5826,7 +5867,7 @@
               <a:rPr lang="en-US" altLang="de-DE" sz="1200" dirty="0">
                 <a:latin typeface="Consolas" panose="020B0609020204030204" pitchFamily="49" charset="0"/>
               </a:rPr>
-              <a:t>If you want to create a new branch to retain commits you create, you may</a:t>
+              <a:t>$ git tag release-v0.0.0 a908be7</a:t>
             </a:r>
           </a:p>
           <a:p>
@@ -5836,12 +5877,9 @@
               </a:spcBef>
               <a:buNone/>
             </a:pPr>
-            <a:r>
-              <a:rPr lang="en-US" altLang="de-DE" sz="1200" dirty="0">
-                <a:latin typeface="Consolas" panose="020B0609020204030204" pitchFamily="49" charset="0"/>
-              </a:rPr>
-              <a:t>do so (now or later) by using -c with the switch command. Example:</a:t>
-            </a:r>
+            <a:endParaRPr lang="en-US" altLang="de-DE" sz="1200" dirty="0">
+              <a:latin typeface="Consolas" panose="020B0609020204030204" pitchFamily="49" charset="0"/>
+            </a:endParaRPr>
           </a:p>
           <a:p>
             <a:pPr marL="457200" lvl="1" indent="0">
@@ -5850,6 +5888,18 @@
               </a:spcBef>
               <a:buNone/>
             </a:pPr>
+            <a:r>
+              <a:rPr lang="en-US" altLang="de-DE" sz="1200" dirty="0">
+                <a:latin typeface="Consolas" panose="020B0609020204030204" pitchFamily="49" charset="0"/>
+              </a:rPr>
+              <a:t>$ git log --</a:t>
+            </a:r>
+            <a:r>
+              <a:rPr lang="en-US" altLang="de-DE" sz="1200" dirty="0" err="1">
+                <a:latin typeface="Consolas" panose="020B0609020204030204" pitchFamily="49" charset="0"/>
+              </a:rPr>
+              <a:t>oneline</a:t>
+            </a:r>
             <a:endParaRPr lang="en-US" altLang="de-DE" sz="1200" dirty="0">
               <a:latin typeface="Consolas" panose="020B0609020204030204" pitchFamily="49" charset="0"/>
             </a:endParaRPr>
@@ -5865,7 +5915,7 @@
               <a:rPr lang="en-US" altLang="de-DE" sz="1200" dirty="0">
                 <a:latin typeface="Consolas" panose="020B0609020204030204" pitchFamily="49" charset="0"/>
               </a:rPr>
-              <a:t>  git switch -c &lt;new-branch-name&gt;</a:t>
+              <a:t>89c1108 (HEAD -&gt; main, tag: release-v0.0.2) Add release2_file</a:t>
             </a:r>
           </a:p>
           <a:p>
@@ -5875,6 +5925,18 @@
               </a:spcBef>
               <a:buNone/>
             </a:pPr>
+            <a:r>
+              <a:rPr lang="en-US" altLang="de-DE" sz="1200" dirty="0">
+                <a:latin typeface="Consolas" panose="020B0609020204030204" pitchFamily="49" charset="0"/>
+              </a:rPr>
+              <a:t>c3a059e (tag: release-v0.0.1) Add </a:t>
+            </a:r>
+            <a:r>
+              <a:rPr lang="en-US" altLang="de-DE" sz="1200" dirty="0" err="1">
+                <a:latin typeface="Consolas" panose="020B0609020204030204" pitchFamily="49" charset="0"/>
+              </a:rPr>
+              <a:t>final_file</a:t>
+            </a:r>
             <a:endParaRPr lang="en-US" altLang="de-DE" sz="1200" dirty="0">
               <a:latin typeface="Consolas" panose="020B0609020204030204" pitchFamily="49" charset="0"/>
             </a:endParaRPr>
@@ -5890,7 +5952,7 @@
               <a:rPr lang="en-US" altLang="de-DE" sz="1200" dirty="0">
                 <a:latin typeface="Consolas" panose="020B0609020204030204" pitchFamily="49" charset="0"/>
               </a:rPr>
-              <a:t>Or undo this operation with:</a:t>
+              <a:t>a908be7 (tag: release-v0.0.0) Add file3</a:t>
             </a:r>
           </a:p>
           <a:p>
@@ -5900,9 +5962,12 @@
               </a:spcBef>
               <a:buNone/>
             </a:pPr>
-            <a:endParaRPr lang="en-US" altLang="de-DE" sz="1200" dirty="0">
-              <a:latin typeface="Consolas" panose="020B0609020204030204" pitchFamily="49" charset="0"/>
-            </a:endParaRPr>
+            <a:r>
+              <a:rPr lang="en-US" altLang="de-DE" sz="1200" dirty="0">
+                <a:latin typeface="Consolas" panose="020B0609020204030204" pitchFamily="49" charset="0"/>
+              </a:rPr>
+              <a:t>722eaf0 Add file from main</a:t>
+            </a:r>
           </a:p>
           <a:p>
             <a:pPr marL="457200" lvl="1" indent="0">
@@ -5915,8 +5980,11 @@
               <a:rPr lang="en-US" altLang="de-DE" sz="1200" dirty="0">
                 <a:latin typeface="Consolas" panose="020B0609020204030204" pitchFamily="49" charset="0"/>
               </a:rPr>
-              <a:t>  git switch -</a:t>
-            </a:r>
+              <a:t>c61ef14 Initial commit</a:t>
+            </a:r>
+            <a:endParaRPr lang="de-DE" altLang="de-DE" sz="1200" dirty="0">
+              <a:latin typeface="Consolas" panose="020B0609020204030204" pitchFamily="49" charset="0"/>
+            </a:endParaRPr>
           </a:p>
           <a:p>
             <a:pPr marL="457200" lvl="1" indent="0">
@@ -5925,66 +5993,6 @@
               </a:spcBef>
               <a:buNone/>
             </a:pPr>
-            <a:endParaRPr lang="en-US" altLang="de-DE" sz="1200" dirty="0">
-              <a:latin typeface="Consolas" panose="020B0609020204030204" pitchFamily="49" charset="0"/>
-            </a:endParaRPr>
-          </a:p>
-          <a:p>
-            <a:pPr marL="457200" lvl="1" indent="0">
-              <a:spcBef>
-                <a:spcPts val="0"/>
-              </a:spcBef>
-              <a:buNone/>
-            </a:pPr>
-            <a:r>
-              <a:rPr lang="en-US" altLang="de-DE" sz="1200" dirty="0">
-                <a:latin typeface="Consolas" panose="020B0609020204030204" pitchFamily="49" charset="0"/>
-              </a:rPr>
-              <a:t>Turn off this advice by setting config variable </a:t>
-            </a:r>
-            <a:r>
-              <a:rPr lang="en-US" altLang="de-DE" sz="1200" dirty="0" err="1">
-                <a:latin typeface="Consolas" panose="020B0609020204030204" pitchFamily="49" charset="0"/>
-              </a:rPr>
-              <a:t>advice.detachedHead</a:t>
-            </a:r>
-            <a:r>
-              <a:rPr lang="en-US" altLang="de-DE" sz="1200" dirty="0">
-                <a:latin typeface="Consolas" panose="020B0609020204030204" pitchFamily="49" charset="0"/>
-              </a:rPr>
-              <a:t> to false</a:t>
-            </a:r>
-          </a:p>
-          <a:p>
-            <a:pPr marL="457200" lvl="1" indent="0">
-              <a:spcBef>
-                <a:spcPts val="0"/>
-              </a:spcBef>
-              <a:buNone/>
-            </a:pPr>
-            <a:endParaRPr lang="en-US" altLang="de-DE" sz="1200" dirty="0">
-              <a:latin typeface="Consolas" panose="020B0609020204030204" pitchFamily="49" charset="0"/>
-            </a:endParaRPr>
-          </a:p>
-          <a:p>
-            <a:pPr marL="457200" lvl="1" indent="0">
-              <a:spcBef>
-                <a:spcPts val="0"/>
-              </a:spcBef>
-              <a:buNone/>
-            </a:pPr>
-            <a:r>
-              <a:rPr lang="en-US" altLang="de-DE" sz="1200" dirty="0">
-                <a:latin typeface="Consolas" panose="020B0609020204030204" pitchFamily="49" charset="0"/>
-              </a:rPr>
-              <a:t>HEAD is now at c3a059e Add </a:t>
-            </a:r>
-            <a:r>
-              <a:rPr lang="en-US" altLang="de-DE" sz="1200" dirty="0" err="1">
-                <a:latin typeface="Consolas" panose="020B0609020204030204" pitchFamily="49" charset="0"/>
-              </a:rPr>
-              <a:t>final_file</a:t>
-            </a:r>
             <a:endParaRPr lang="de-DE" altLang="de-DE" sz="1200" dirty="0">
               <a:latin typeface="Consolas" panose="020B0609020204030204" pitchFamily="49" charset="0"/>
             </a:endParaRPr>
@@ -6034,7 +6042,7 @@
     </p:spTree>
     <p:extLst>
       <p:ext uri="{BB962C8B-B14F-4D97-AF65-F5344CB8AC3E}">
-        <p14:creationId xmlns:p14="http://schemas.microsoft.com/office/powerpoint/2010/main" val="1904022772"/>
+        <p14:creationId xmlns:p14="http://schemas.microsoft.com/office/powerpoint/2010/main" val="1475861676"/>
       </p:ext>
     </p:extLst>
   </p:cSld>
@@ -6109,31 +6117,11 @@
               <a:rPr lang="de-DE" altLang="de-DE" dirty="0">
                 <a:latin typeface="Consolas" panose="020B0609020204030204" pitchFamily="49" charset="0"/>
               </a:rPr>
-              <a:t> –b &lt;</a:t>
-            </a:r>
-            <a:r>
-              <a:rPr lang="de-DE" altLang="de-DE" dirty="0" err="1">
-                <a:latin typeface="Consolas" panose="020B0609020204030204" pitchFamily="49" charset="0"/>
-              </a:rPr>
-              <a:t>branch</a:t>
-            </a:r>
-            <a:r>
-              <a:rPr lang="de-DE" altLang="de-DE" dirty="0">
-                <a:latin typeface="Consolas" panose="020B0609020204030204" pitchFamily="49" charset="0"/>
-              </a:rPr>
-              <a:t>-name&gt; &lt;tag-name&gt; </a:t>
+              <a:t> &lt;tag-name&gt; </a:t>
             </a:r>
             <a:r>
               <a:rPr lang="de-DE" altLang="de-DE" dirty="0"/>
-              <a:t>ermöglicht das Erstellen eines </a:t>
-            </a:r>
-            <a:r>
-              <a:rPr lang="de-DE" altLang="de-DE" dirty="0" err="1"/>
-              <a:t>Branches</a:t>
-            </a:r>
-            <a:r>
-              <a:rPr lang="de-DE" altLang="de-DE" dirty="0"/>
-              <a:t> abzweigend vom getaggten Commit</a:t>
+              <a:t>ermöglicht das Auschecken eines getaggten Commit</a:t>
             </a:r>
           </a:p>
           <a:p>
@@ -6158,7 +6146,7 @@
               <a:rPr lang="en-US" altLang="de-DE" sz="1200" dirty="0">
                 <a:latin typeface="Consolas" panose="020B0609020204030204" pitchFamily="49" charset="0"/>
               </a:rPr>
-              <a:t>$ git checkout -b hotfix release-v0.0.1</a:t>
+              <a:t>$ git checkout release-v0.0.1</a:t>
             </a:r>
           </a:p>
           <a:p>
@@ -6172,32 +6160,7 @@
               <a:rPr lang="en-US" altLang="de-DE" sz="1200" dirty="0">
                 <a:latin typeface="Consolas" panose="020B0609020204030204" pitchFamily="49" charset="0"/>
               </a:rPr>
-              <a:t>Switched to a new branch 'hotfix‘</a:t>
-            </a:r>
-            <a:endParaRPr lang="de-DE" altLang="de-DE" sz="1200" dirty="0">
-              <a:latin typeface="Consolas" panose="020B0609020204030204" pitchFamily="49" charset="0"/>
-            </a:endParaRPr>
-          </a:p>
-          <a:p>
-            <a:r>
-              <a:rPr lang="de-DE" altLang="de-DE" dirty="0"/>
-              <a:t>Löschen eines Tags ist mit dem Befehl </a:t>
-            </a:r>
-            <a:r>
-              <a:rPr lang="de-DE" altLang="de-DE" dirty="0" err="1">
-                <a:latin typeface="Consolas" panose="020B0609020204030204" pitchFamily="49" charset="0"/>
-              </a:rPr>
-              <a:t>git</a:t>
-            </a:r>
-            <a:r>
-              <a:rPr lang="de-DE" altLang="de-DE" dirty="0">
-                <a:latin typeface="Consolas" panose="020B0609020204030204" pitchFamily="49" charset="0"/>
-              </a:rPr>
-              <a:t> tag -d &lt;tag-name&gt; </a:t>
-            </a:r>
-            <a:r>
-              <a:rPr lang="de-DE" altLang="de-DE" dirty="0"/>
-              <a:t>möglich</a:t>
+              <a:t>Note: switching to 'release-v0.0.1'.</a:t>
             </a:r>
           </a:p>
           <a:p>
@@ -6222,7 +6185,7 @@
               <a:rPr lang="en-US" altLang="de-DE" sz="1200" dirty="0">
                 <a:latin typeface="Consolas" panose="020B0609020204030204" pitchFamily="49" charset="0"/>
               </a:rPr>
-              <a:t>$ git tag -d release-v0.0.0</a:t>
+              <a:t>You are in 'detached HEAD' state. You can look around, make experimental</a:t>
             </a:r>
           </a:p>
           <a:p>
@@ -6236,11 +6199,210 @@
               <a:rPr lang="en-US" altLang="de-DE" sz="1200" dirty="0">
                 <a:latin typeface="Consolas" panose="020B0609020204030204" pitchFamily="49" charset="0"/>
               </a:rPr>
-              <a:t>Deleted tag 'release-v0.0.0' (was a908be7)</a:t>
+              <a:t>changes and commit them, and you can discard any commits you make in this</a:t>
+            </a:r>
+          </a:p>
+          <a:p>
+            <a:pPr marL="457200" lvl="1" indent="0">
+              <a:spcBef>
+                <a:spcPts val="0"/>
+              </a:spcBef>
+              <a:buNone/>
+            </a:pPr>
+            <a:r>
+              <a:rPr lang="en-US" altLang="de-DE" sz="1200" dirty="0">
+                <a:latin typeface="Consolas" panose="020B0609020204030204" pitchFamily="49" charset="0"/>
+              </a:rPr>
+              <a:t>state without impacting any branches by switching back to a branch.</a:t>
+            </a:r>
+          </a:p>
+          <a:p>
+            <a:pPr marL="457200" lvl="1" indent="0">
+              <a:spcBef>
+                <a:spcPts val="0"/>
+              </a:spcBef>
+              <a:buNone/>
+            </a:pPr>
+            <a:endParaRPr lang="en-US" altLang="de-DE" sz="1200" dirty="0">
+              <a:latin typeface="Consolas" panose="020B0609020204030204" pitchFamily="49" charset="0"/>
+            </a:endParaRPr>
+          </a:p>
+          <a:p>
+            <a:pPr marL="457200" lvl="1" indent="0">
+              <a:spcBef>
+                <a:spcPts val="0"/>
+              </a:spcBef>
+              <a:buNone/>
+            </a:pPr>
+            <a:r>
+              <a:rPr lang="en-US" altLang="de-DE" sz="1200" dirty="0">
+                <a:latin typeface="Consolas" panose="020B0609020204030204" pitchFamily="49" charset="0"/>
+              </a:rPr>
+              <a:t>If you want to create a new branch to retain commits you create, you may</a:t>
+            </a:r>
+          </a:p>
+          <a:p>
+            <a:pPr marL="457200" lvl="1" indent="0">
+              <a:spcBef>
+                <a:spcPts val="0"/>
+              </a:spcBef>
+              <a:buNone/>
+            </a:pPr>
+            <a:r>
+              <a:rPr lang="en-US" altLang="de-DE" sz="1200" dirty="0">
+                <a:latin typeface="Consolas" panose="020B0609020204030204" pitchFamily="49" charset="0"/>
+              </a:rPr>
+              <a:t>do so (now or later) by using -c with the switch command. Example:</a:t>
+            </a:r>
+          </a:p>
+          <a:p>
+            <a:pPr marL="457200" lvl="1" indent="0">
+              <a:spcBef>
+                <a:spcPts val="0"/>
+              </a:spcBef>
+              <a:buNone/>
+            </a:pPr>
+            <a:endParaRPr lang="en-US" altLang="de-DE" sz="1200" dirty="0">
+              <a:latin typeface="Consolas" panose="020B0609020204030204" pitchFamily="49" charset="0"/>
+            </a:endParaRPr>
+          </a:p>
+          <a:p>
+            <a:pPr marL="457200" lvl="1" indent="0">
+              <a:spcBef>
+                <a:spcPts val="0"/>
+              </a:spcBef>
+              <a:buNone/>
+            </a:pPr>
+            <a:r>
+              <a:rPr lang="en-US" altLang="de-DE" sz="1200" dirty="0">
+                <a:latin typeface="Consolas" panose="020B0609020204030204" pitchFamily="49" charset="0"/>
+              </a:rPr>
+              <a:t>  git switch -c &lt;new-branch-name&gt;</a:t>
+            </a:r>
+          </a:p>
+          <a:p>
+            <a:pPr marL="457200" lvl="1" indent="0">
+              <a:spcBef>
+                <a:spcPts val="0"/>
+              </a:spcBef>
+              <a:buNone/>
+            </a:pPr>
+            <a:endParaRPr lang="en-US" altLang="de-DE" sz="1200" dirty="0">
+              <a:latin typeface="Consolas" panose="020B0609020204030204" pitchFamily="49" charset="0"/>
+            </a:endParaRPr>
+          </a:p>
+          <a:p>
+            <a:pPr marL="457200" lvl="1" indent="0">
+              <a:spcBef>
+                <a:spcPts val="0"/>
+              </a:spcBef>
+              <a:buNone/>
+            </a:pPr>
+            <a:r>
+              <a:rPr lang="en-US" altLang="de-DE" sz="1200" dirty="0">
+                <a:latin typeface="Consolas" panose="020B0609020204030204" pitchFamily="49" charset="0"/>
+              </a:rPr>
+              <a:t>Or undo this operation with:</a:t>
+            </a:r>
+          </a:p>
+          <a:p>
+            <a:pPr marL="457200" lvl="1" indent="0">
+              <a:spcBef>
+                <a:spcPts val="0"/>
+              </a:spcBef>
+              <a:buNone/>
+            </a:pPr>
+            <a:endParaRPr lang="en-US" altLang="de-DE" sz="1200" dirty="0">
+              <a:latin typeface="Consolas" panose="020B0609020204030204" pitchFamily="49" charset="0"/>
+            </a:endParaRPr>
+          </a:p>
+          <a:p>
+            <a:pPr marL="457200" lvl="1" indent="0">
+              <a:spcBef>
+                <a:spcPts val="0"/>
+              </a:spcBef>
+              <a:buNone/>
+            </a:pPr>
+            <a:r>
+              <a:rPr lang="en-US" altLang="de-DE" sz="1200" dirty="0">
+                <a:latin typeface="Consolas" panose="020B0609020204030204" pitchFamily="49" charset="0"/>
+              </a:rPr>
+              <a:t>  git switch -</a:t>
+            </a:r>
+          </a:p>
+          <a:p>
+            <a:pPr marL="457200" lvl="1" indent="0">
+              <a:spcBef>
+                <a:spcPts val="0"/>
+              </a:spcBef>
+              <a:buNone/>
+            </a:pPr>
+            <a:endParaRPr lang="en-US" altLang="de-DE" sz="1200" dirty="0">
+              <a:latin typeface="Consolas" panose="020B0609020204030204" pitchFamily="49" charset="0"/>
+            </a:endParaRPr>
+          </a:p>
+          <a:p>
+            <a:pPr marL="457200" lvl="1" indent="0">
+              <a:spcBef>
+                <a:spcPts val="0"/>
+              </a:spcBef>
+              <a:buNone/>
+            </a:pPr>
+            <a:r>
+              <a:rPr lang="en-US" altLang="de-DE" sz="1200" dirty="0">
+                <a:latin typeface="Consolas" panose="020B0609020204030204" pitchFamily="49" charset="0"/>
+              </a:rPr>
+              <a:t>Turn off this advice by setting config variable </a:t>
+            </a:r>
+            <a:r>
+              <a:rPr lang="en-US" altLang="de-DE" sz="1200" dirty="0" err="1">
+                <a:latin typeface="Consolas" panose="020B0609020204030204" pitchFamily="49" charset="0"/>
+              </a:rPr>
+              <a:t>advice.detachedHead</a:t>
+            </a:r>
+            <a:r>
+              <a:rPr lang="en-US" altLang="de-DE" sz="1200" dirty="0">
+                <a:latin typeface="Consolas" panose="020B0609020204030204" pitchFamily="49" charset="0"/>
+              </a:rPr>
+              <a:t> to false</a:t>
+            </a:r>
+          </a:p>
+          <a:p>
+            <a:pPr marL="457200" lvl="1" indent="0">
+              <a:spcBef>
+                <a:spcPts val="0"/>
+              </a:spcBef>
+              <a:buNone/>
+            </a:pPr>
+            <a:endParaRPr lang="en-US" altLang="de-DE" sz="1200" dirty="0">
+              <a:latin typeface="Consolas" panose="020B0609020204030204" pitchFamily="49" charset="0"/>
+            </a:endParaRPr>
+          </a:p>
+          <a:p>
+            <a:pPr marL="457200" lvl="1" indent="0">
+              <a:spcBef>
+                <a:spcPts val="0"/>
+              </a:spcBef>
+              <a:buNone/>
+            </a:pPr>
+            <a:r>
+              <a:rPr lang="en-US" altLang="de-DE" sz="1200" dirty="0">
+                <a:latin typeface="Consolas" panose="020B0609020204030204" pitchFamily="49" charset="0"/>
+              </a:rPr>
+              <a:t>HEAD is now at c3a059e Add </a:t>
+            </a:r>
+            <a:r>
+              <a:rPr lang="en-US" altLang="de-DE" sz="1200" dirty="0" err="1">
+                <a:latin typeface="Consolas" panose="020B0609020204030204" pitchFamily="49" charset="0"/>
+              </a:rPr>
+              <a:t>final_file</a:t>
             </a:r>
             <a:endParaRPr lang="de-DE" altLang="de-DE" sz="1200" dirty="0">
               <a:latin typeface="Consolas" panose="020B0609020204030204" pitchFamily="49" charset="0"/>
             </a:endParaRPr>
+          </a:p>
+          <a:p>
+            <a:endParaRPr lang="de-DE" altLang="de-DE" dirty="0"/>
           </a:p>
         </p:txBody>
       </p:sp>
@@ -6284,7 +6446,7 @@
     </p:spTree>
     <p:extLst>
       <p:ext uri="{BB962C8B-B14F-4D97-AF65-F5344CB8AC3E}">
-        <p14:creationId xmlns:p14="http://schemas.microsoft.com/office/powerpoint/2010/main" val="1311074186"/>
+        <p14:creationId xmlns:p14="http://schemas.microsoft.com/office/powerpoint/2010/main" val="1904022772"/>
       </p:ext>
     </p:extLst>
   </p:cSld>
@@ -6337,97 +6499,160 @@
           <a:bodyPr/>
           <a:lstStyle/>
           <a:p>
-            <a:pPr marL="0" indent="0">
+            <a:r>
+              <a:rPr lang="de-DE" altLang="de-DE" dirty="0" err="1">
+                <a:latin typeface="Consolas" panose="020B0609020204030204" pitchFamily="49" charset="0"/>
+              </a:rPr>
+              <a:t>git</a:t>
+            </a:r>
+            <a:r>
+              <a:rPr lang="de-DE" altLang="de-DE" dirty="0">
+                <a:latin typeface="Consolas" panose="020B0609020204030204" pitchFamily="49" charset="0"/>
+              </a:rPr>
+              <a:t> </a:t>
+            </a:r>
+            <a:r>
+              <a:rPr lang="de-DE" altLang="de-DE" dirty="0" err="1">
+                <a:latin typeface="Consolas" panose="020B0609020204030204" pitchFamily="49" charset="0"/>
+              </a:rPr>
+              <a:t>checkout</a:t>
+            </a:r>
+            <a:r>
+              <a:rPr lang="de-DE" altLang="de-DE" dirty="0">
+                <a:latin typeface="Consolas" panose="020B0609020204030204" pitchFamily="49" charset="0"/>
+              </a:rPr>
+              <a:t> –b &lt;</a:t>
+            </a:r>
+            <a:r>
+              <a:rPr lang="de-DE" altLang="de-DE" dirty="0" err="1">
+                <a:latin typeface="Consolas" panose="020B0609020204030204" pitchFamily="49" charset="0"/>
+              </a:rPr>
+              <a:t>branch</a:t>
+            </a:r>
+            <a:r>
+              <a:rPr lang="de-DE" altLang="de-DE" dirty="0">
+                <a:latin typeface="Consolas" panose="020B0609020204030204" pitchFamily="49" charset="0"/>
+              </a:rPr>
+              <a:t>-name&gt; &lt;tag-name&gt; </a:t>
+            </a:r>
+            <a:r>
+              <a:rPr lang="de-DE" altLang="de-DE" dirty="0"/>
+              <a:t>ermöglicht das Erstellen eines </a:t>
+            </a:r>
+            <a:r>
+              <a:rPr lang="de-DE" altLang="de-DE" dirty="0" err="1"/>
+              <a:t>Branches</a:t>
+            </a:r>
+            <a:r>
+              <a:rPr lang="de-DE" altLang="de-DE" dirty="0"/>
+              <a:t> abzweigend vom getaggten Commit</a:t>
+            </a:r>
+          </a:p>
+          <a:p>
+            <a:pPr marL="457200" lvl="1" indent="0">
+              <a:spcBef>
+                <a:spcPts val="0"/>
+              </a:spcBef>
               <a:buNone/>
             </a:pPr>
-            <a:r>
-              <a:rPr lang="de-DE" altLang="de-DE" b="1" dirty="0" err="1"/>
-              <a:t>Annotated</a:t>
-            </a:r>
-            <a:r>
-              <a:rPr lang="de-DE" altLang="de-DE" b="1" dirty="0"/>
-              <a:t> und Lightweight Tags</a:t>
-            </a:r>
+            <a:endParaRPr lang="en-US" altLang="de-DE" sz="1200" dirty="0">
+              <a:latin typeface="Consolas" panose="020B0609020204030204" pitchFamily="49" charset="0"/>
+            </a:endParaRPr>
+          </a:p>
+          <a:p>
+            <a:pPr marL="457200" lvl="1" indent="0">
+              <a:spcBef>
+                <a:spcPts val="0"/>
+              </a:spcBef>
+              <a:buNone/>
+            </a:pPr>
+            <a:r>
+              <a:rPr lang="en-US" altLang="de-DE" sz="1200" dirty="0">
+                <a:latin typeface="Consolas" panose="020B0609020204030204" pitchFamily="49" charset="0"/>
+              </a:rPr>
+              <a:t>$ git checkout -b hotfix release-v0.0.1</a:t>
+            </a:r>
+          </a:p>
+          <a:p>
+            <a:pPr marL="457200" lvl="1" indent="0">
+              <a:spcBef>
+                <a:spcPts val="0"/>
+              </a:spcBef>
+              <a:buNone/>
+            </a:pPr>
+            <a:r>
+              <a:rPr lang="en-US" altLang="de-DE" sz="1200" dirty="0">
+                <a:latin typeface="Consolas" panose="020B0609020204030204" pitchFamily="49" charset="0"/>
+              </a:rPr>
+              <a:t>Switched to a new branch 'hotfix‘</a:t>
+            </a:r>
+            <a:endParaRPr lang="de-DE" altLang="de-DE" sz="1200" dirty="0">
+              <a:latin typeface="Consolas" panose="020B0609020204030204" pitchFamily="49" charset="0"/>
+            </a:endParaRPr>
           </a:p>
           <a:p>
             <a:r>
               <a:rPr lang="de-DE" altLang="de-DE" dirty="0"/>
-              <a:t>Lightweight Tags geben dem jeweiligen Commit nur ein Alias</a:t>
-            </a:r>
-          </a:p>
-          <a:p>
-            <a:r>
-              <a:rPr lang="de-DE" altLang="de-DE" dirty="0" err="1"/>
-              <a:t>Annotated</a:t>
+              <a:t>Löschen eines Tags ist mit dem Befehl </a:t>
+            </a:r>
+            <a:r>
+              <a:rPr lang="de-DE" altLang="de-DE" dirty="0" err="1">
+                <a:latin typeface="Consolas" panose="020B0609020204030204" pitchFamily="49" charset="0"/>
+              </a:rPr>
+              <a:t>git</a:t>
+            </a:r>
+            <a:r>
+              <a:rPr lang="de-DE" altLang="de-DE" dirty="0">
+                <a:latin typeface="Consolas" panose="020B0609020204030204" pitchFamily="49" charset="0"/>
+              </a:rPr>
+              <a:t> tag -d &lt;tag-name&gt; </a:t>
             </a:r>
             <a:r>
               <a:rPr lang="de-DE" altLang="de-DE" dirty="0"/>
-              <a:t> Tags sind schwergewichtiger und enthalten daher mehr Informationen</a:t>
-            </a:r>
-          </a:p>
-          <a:p>
-            <a:pPr lvl="1"/>
-            <a:r>
-              <a:rPr lang="de-DE" altLang="de-DE" dirty="0"/>
-              <a:t>Tagger Name</a:t>
-            </a:r>
-          </a:p>
-          <a:p>
-            <a:pPr lvl="1"/>
-            <a:r>
-              <a:rPr lang="de-DE" altLang="de-DE" dirty="0"/>
-              <a:t>Tagger E-Mail</a:t>
-            </a:r>
-          </a:p>
-          <a:p>
-            <a:pPr lvl="1"/>
-            <a:r>
-              <a:rPr lang="de-DE" altLang="de-DE" dirty="0"/>
-              <a:t>Datum</a:t>
-            </a:r>
-          </a:p>
-          <a:p>
-            <a:pPr lvl="1"/>
-            <a:r>
-              <a:rPr lang="de-DE" altLang="de-DE" dirty="0"/>
-              <a:t>Tagging Message</a:t>
-            </a:r>
-          </a:p>
-          <a:p>
-            <a:pPr lvl="1"/>
-            <a:r>
-              <a:rPr lang="de-DE" altLang="de-DE" dirty="0"/>
-              <a:t>Checksumme</a:t>
-            </a:r>
-          </a:p>
-          <a:p>
-            <a:pPr lvl="1"/>
-            <a:r>
-              <a:rPr lang="de-DE" altLang="de-DE" dirty="0"/>
-              <a:t>Signierung</a:t>
-            </a:r>
-          </a:p>
-          <a:p>
-            <a:r>
-              <a:rPr lang="de-DE" altLang="de-DE" dirty="0"/>
-              <a:t>Sinnvoll bei </a:t>
-            </a:r>
-            <a:r>
-              <a:rPr lang="de-DE" altLang="de-DE" dirty="0" err="1"/>
-              <a:t>Mulit</a:t>
-            </a:r>
-            <a:r>
-              <a:rPr lang="de-DE" altLang="de-DE" dirty="0"/>
-              <a:t>-Developer oder </a:t>
-            </a:r>
-            <a:r>
-              <a:rPr lang="de-DE" altLang="de-DE" dirty="0" err="1"/>
-              <a:t>Mulit</a:t>
-            </a:r>
-            <a:r>
-              <a:rPr lang="de-DE" altLang="de-DE" dirty="0"/>
-              <a:t>-Repository Umgebungen, um bspw. Releases zu markieren</a:t>
-            </a:r>
+              <a:t>möglich</a:t>
+            </a:r>
+          </a:p>
+          <a:p>
+            <a:pPr marL="457200" lvl="1" indent="0">
+              <a:spcBef>
+                <a:spcPts val="0"/>
+              </a:spcBef>
+              <a:buNone/>
+            </a:pPr>
+            <a:endParaRPr lang="en-US" altLang="de-DE" sz="1200" dirty="0">
+              <a:latin typeface="Consolas" panose="020B0609020204030204" pitchFamily="49" charset="0"/>
+            </a:endParaRPr>
+          </a:p>
+          <a:p>
+            <a:pPr marL="457200" lvl="1" indent="0">
+              <a:spcBef>
+                <a:spcPts val="0"/>
+              </a:spcBef>
+              <a:buNone/>
+            </a:pPr>
+            <a:r>
+              <a:rPr lang="en-US" altLang="de-DE" sz="1200" dirty="0">
+                <a:latin typeface="Consolas" panose="020B0609020204030204" pitchFamily="49" charset="0"/>
+              </a:rPr>
+              <a:t>$ git tag -d release-v0.0.0</a:t>
+            </a:r>
+          </a:p>
+          <a:p>
+            <a:pPr marL="457200" lvl="1" indent="0">
+              <a:spcBef>
+                <a:spcPts val="0"/>
+              </a:spcBef>
+              <a:buNone/>
+            </a:pPr>
+            <a:r>
+              <a:rPr lang="en-US" altLang="de-DE" sz="1200" dirty="0">
+                <a:latin typeface="Consolas" panose="020B0609020204030204" pitchFamily="49" charset="0"/>
+              </a:rPr>
+              <a:t>Deleted tag 'release-v0.0.0' (was a908be7)</a:t>
+            </a:r>
+            <a:endParaRPr lang="de-DE" altLang="de-DE" sz="1200" dirty="0">
+              <a:latin typeface="Consolas" panose="020B0609020204030204" pitchFamily="49" charset="0"/>
+            </a:endParaRPr>
           </a:p>
         </p:txBody>
       </p:sp>
@@ -6471,7 +6696,7 @@
     </p:spTree>
     <p:extLst>
       <p:ext uri="{BB962C8B-B14F-4D97-AF65-F5344CB8AC3E}">
-        <p14:creationId xmlns:p14="http://schemas.microsoft.com/office/powerpoint/2010/main" val="968504568"/>
+        <p14:creationId xmlns:p14="http://schemas.microsoft.com/office/powerpoint/2010/main" val="1311074186"/>
       </p:ext>
     </p:extLst>
   </p:cSld>
@@ -6524,432 +6749,96 @@
           <a:bodyPr/>
           <a:lstStyle/>
           <a:p>
+            <a:pPr marL="0" indent="0">
+              <a:buNone/>
+            </a:pPr>
+            <a:r>
+              <a:rPr lang="de-DE" altLang="de-DE" b="1" dirty="0" err="1"/>
+              <a:t>Annotated</a:t>
+            </a:r>
+            <a:r>
+              <a:rPr lang="de-DE" altLang="de-DE" b="1" dirty="0"/>
+              <a:t> und Lightweight Tags</a:t>
+            </a:r>
+          </a:p>
+          <a:p>
+            <a:r>
+              <a:rPr lang="de-DE" altLang="de-DE" dirty="0"/>
+              <a:t>Lightweight Tags geben dem jeweiligen Commit nur ein Alias</a:t>
+            </a:r>
+          </a:p>
+          <a:p>
             <a:r>
               <a:rPr lang="de-DE" altLang="de-DE" dirty="0" err="1"/>
               <a:t>Annotated</a:t>
             </a:r>
             <a:r>
               <a:rPr lang="de-DE" altLang="de-DE" dirty="0"/>
-              <a:t> Tag erstellen mittels</a:t>
-            </a:r>
-          </a:p>
-          <a:p>
-            <a:pPr marL="0" indent="0">
-              <a:buNone/>
-            </a:pPr>
+              <a:t> Tags sind schwergewichtiger und enthalten daher mehr Informationen</a:t>
+            </a:r>
+          </a:p>
+          <a:p>
+            <a:pPr lvl="1"/>
             <a:r>
               <a:rPr lang="de-DE" altLang="de-DE" dirty="0"/>
-              <a:t>	</a:t>
-            </a:r>
-            <a:r>
-              <a:rPr lang="de-DE" altLang="de-DE" dirty="0" err="1">
-                <a:latin typeface="Consolas" panose="020B0609020204030204" pitchFamily="49" charset="0"/>
-              </a:rPr>
-              <a:t>git</a:t>
-            </a:r>
-            <a:r>
-              <a:rPr lang="de-DE" altLang="de-DE" dirty="0">
-                <a:latin typeface="Consolas" panose="020B0609020204030204" pitchFamily="49" charset="0"/>
-              </a:rPr>
-              <a:t> tag -a &lt;tag-name&gt;</a:t>
-            </a:r>
-          </a:p>
-          <a:p>
-            <a:pPr marL="457200" lvl="1" indent="0">
-              <a:buNone/>
-            </a:pPr>
-            <a:endParaRPr lang="de-DE" altLang="de-DE" sz="1200" dirty="0">
-              <a:latin typeface="Consolas" panose="020B0609020204030204" pitchFamily="49" charset="0"/>
-            </a:endParaRPr>
-          </a:p>
-          <a:p>
-            <a:pPr marL="457200" lvl="1" indent="0">
-              <a:spcBef>
-                <a:spcPts val="0"/>
-              </a:spcBef>
-              <a:buNone/>
-            </a:pPr>
-            <a:r>
-              <a:rPr lang="de-DE" altLang="de-DE" sz="1200" dirty="0">
-                <a:latin typeface="Consolas" panose="020B0609020204030204" pitchFamily="49" charset="0"/>
-              </a:rPr>
-              <a:t>$ </a:t>
-            </a:r>
-            <a:r>
-              <a:rPr lang="de-DE" altLang="de-DE" sz="1200" dirty="0" err="1">
-                <a:latin typeface="Consolas" panose="020B0609020204030204" pitchFamily="49" charset="0"/>
-              </a:rPr>
-              <a:t>git</a:t>
-            </a:r>
-            <a:r>
-              <a:rPr lang="de-DE" altLang="de-DE" sz="1200" dirty="0">
-                <a:latin typeface="Consolas" panose="020B0609020204030204" pitchFamily="49" charset="0"/>
-              </a:rPr>
-              <a:t> tag -a release-v1.0.0 -m "</a:t>
-            </a:r>
-            <a:r>
-              <a:rPr lang="de-DE" altLang="de-DE" sz="1200" dirty="0" err="1">
-                <a:latin typeface="Consolas" panose="020B0609020204030204" pitchFamily="49" charset="0"/>
-              </a:rPr>
-              <a:t>Latest</a:t>
-            </a:r>
-            <a:r>
-              <a:rPr lang="de-DE" altLang="de-DE" sz="1200" dirty="0">
-                <a:latin typeface="Consolas" panose="020B0609020204030204" pitchFamily="49" charset="0"/>
-              </a:rPr>
-              <a:t> v1 release"</a:t>
-            </a:r>
-          </a:p>
-          <a:p>
-            <a:pPr marL="457200" lvl="1" indent="0">
-              <a:spcBef>
-                <a:spcPts val="0"/>
-              </a:spcBef>
-              <a:buNone/>
-            </a:pPr>
-            <a:endParaRPr lang="de-DE" altLang="de-DE" sz="1200" dirty="0">
-              <a:latin typeface="Consolas" panose="020B0609020204030204" pitchFamily="49" charset="0"/>
-            </a:endParaRPr>
-          </a:p>
-          <a:p>
-            <a:pPr marL="457200" lvl="1" indent="0">
-              <a:spcBef>
-                <a:spcPts val="0"/>
-              </a:spcBef>
-              <a:buNone/>
-            </a:pPr>
-            <a:r>
-              <a:rPr lang="de-DE" altLang="de-DE" sz="1200" dirty="0">
-                <a:latin typeface="Consolas" panose="020B0609020204030204" pitchFamily="49" charset="0"/>
-              </a:rPr>
-              <a:t>$ </a:t>
-            </a:r>
-            <a:r>
-              <a:rPr lang="de-DE" altLang="de-DE" sz="1200" dirty="0" err="1">
-                <a:latin typeface="Consolas" panose="020B0609020204030204" pitchFamily="49" charset="0"/>
-              </a:rPr>
-              <a:t>git</a:t>
-            </a:r>
-            <a:r>
-              <a:rPr lang="de-DE" altLang="de-DE" sz="1200" dirty="0">
-                <a:latin typeface="Consolas" panose="020B0609020204030204" pitchFamily="49" charset="0"/>
-              </a:rPr>
-              <a:t> </a:t>
-            </a:r>
-            <a:r>
-              <a:rPr lang="de-DE" altLang="de-DE" sz="1200" dirty="0" err="1">
-                <a:latin typeface="Consolas" panose="020B0609020204030204" pitchFamily="49" charset="0"/>
-              </a:rPr>
-              <a:t>show</a:t>
-            </a:r>
-            <a:r>
-              <a:rPr lang="de-DE" altLang="de-DE" sz="1200" dirty="0">
-                <a:latin typeface="Consolas" panose="020B0609020204030204" pitchFamily="49" charset="0"/>
-              </a:rPr>
-              <a:t> release-v1.0.0</a:t>
-            </a:r>
-          </a:p>
-          <a:p>
-            <a:pPr marL="457200" lvl="1" indent="0">
-              <a:spcBef>
-                <a:spcPts val="0"/>
-              </a:spcBef>
-              <a:buNone/>
-            </a:pPr>
-            <a:r>
-              <a:rPr lang="de-DE" altLang="de-DE" sz="1200" dirty="0">
-                <a:latin typeface="Consolas" panose="020B0609020204030204" pitchFamily="49" charset="0"/>
-              </a:rPr>
-              <a:t>tag release-v1.0.0</a:t>
-            </a:r>
-          </a:p>
-          <a:p>
-            <a:pPr marL="457200" lvl="1" indent="0">
-              <a:spcBef>
-                <a:spcPts val="0"/>
-              </a:spcBef>
-              <a:buNone/>
-            </a:pPr>
-            <a:r>
-              <a:rPr lang="de-DE" altLang="de-DE" sz="1200" dirty="0">
-                <a:latin typeface="Consolas" panose="020B0609020204030204" pitchFamily="49" charset="0"/>
-              </a:rPr>
-              <a:t>Tagger: Christopher Keutner &lt;christopher.keutner@alumni.fh-aachen.de&gt;</a:t>
-            </a:r>
-          </a:p>
-          <a:p>
-            <a:pPr marL="457200" lvl="1" indent="0">
-              <a:spcBef>
-                <a:spcPts val="0"/>
-              </a:spcBef>
-              <a:buNone/>
-            </a:pPr>
-            <a:r>
-              <a:rPr lang="de-DE" altLang="de-DE" sz="1200" dirty="0">
-                <a:latin typeface="Consolas" panose="020B0609020204030204" pitchFamily="49" charset="0"/>
-              </a:rPr>
-              <a:t>Date:   Tue May 28 15:13:44 2024 +0200</a:t>
-            </a:r>
-          </a:p>
-          <a:p>
-            <a:pPr marL="457200" lvl="1" indent="0">
-              <a:spcBef>
-                <a:spcPts val="0"/>
-              </a:spcBef>
-              <a:buNone/>
-            </a:pPr>
-            <a:endParaRPr lang="de-DE" altLang="de-DE" sz="1200" dirty="0">
-              <a:latin typeface="Consolas" panose="020B0609020204030204" pitchFamily="49" charset="0"/>
-            </a:endParaRPr>
-          </a:p>
-          <a:p>
-            <a:pPr marL="457200" lvl="1" indent="0">
-              <a:spcBef>
-                <a:spcPts val="0"/>
-              </a:spcBef>
-              <a:buNone/>
-            </a:pPr>
-            <a:r>
-              <a:rPr lang="de-DE" altLang="de-DE" sz="1200" dirty="0" err="1">
-                <a:latin typeface="Consolas" panose="020B0609020204030204" pitchFamily="49" charset="0"/>
-              </a:rPr>
-              <a:t>Latest</a:t>
-            </a:r>
-            <a:r>
-              <a:rPr lang="de-DE" altLang="de-DE" sz="1200" dirty="0">
-                <a:latin typeface="Consolas" panose="020B0609020204030204" pitchFamily="49" charset="0"/>
-              </a:rPr>
-              <a:t> v1 release</a:t>
-            </a:r>
-          </a:p>
-          <a:p>
-            <a:pPr marL="457200" lvl="1" indent="0">
-              <a:spcBef>
-                <a:spcPts val="0"/>
-              </a:spcBef>
-              <a:buNone/>
-            </a:pPr>
-            <a:endParaRPr lang="de-DE" altLang="de-DE" sz="1200" dirty="0">
-              <a:latin typeface="Consolas" panose="020B0609020204030204" pitchFamily="49" charset="0"/>
-            </a:endParaRPr>
-          </a:p>
-          <a:p>
-            <a:pPr marL="457200" lvl="1" indent="0">
-              <a:spcBef>
-                <a:spcPts val="0"/>
-              </a:spcBef>
-              <a:buNone/>
-            </a:pPr>
-            <a:r>
-              <a:rPr lang="de-DE" altLang="de-DE" sz="1200" dirty="0" err="1">
-                <a:latin typeface="Consolas" panose="020B0609020204030204" pitchFamily="49" charset="0"/>
-              </a:rPr>
-              <a:t>commit</a:t>
-            </a:r>
-            <a:r>
-              <a:rPr lang="de-DE" altLang="de-DE" sz="1200" dirty="0">
-                <a:latin typeface="Consolas" panose="020B0609020204030204" pitchFamily="49" charset="0"/>
-              </a:rPr>
-              <a:t> 11f6b62f8bc7a3403ceae4e8923d7a54abab7b6d (HEAD -&gt; </a:t>
-            </a:r>
-            <a:r>
-              <a:rPr lang="de-DE" altLang="de-DE" sz="1200" dirty="0" err="1">
-                <a:latin typeface="Consolas" panose="020B0609020204030204" pitchFamily="49" charset="0"/>
-              </a:rPr>
-              <a:t>main</a:t>
-            </a:r>
-            <a:r>
-              <a:rPr lang="de-DE" altLang="de-DE" sz="1200" dirty="0">
-                <a:latin typeface="Consolas" panose="020B0609020204030204" pitchFamily="49" charset="0"/>
-              </a:rPr>
-              <a:t>, tag: release-v1.0.0)</a:t>
-            </a:r>
-          </a:p>
-          <a:p>
-            <a:pPr marL="457200" lvl="1" indent="0">
-              <a:spcBef>
-                <a:spcPts val="0"/>
-              </a:spcBef>
-              <a:buNone/>
-            </a:pPr>
-            <a:r>
-              <a:rPr lang="de-DE" altLang="de-DE" sz="1200" dirty="0" err="1">
-                <a:latin typeface="Consolas" panose="020B0609020204030204" pitchFamily="49" charset="0"/>
-              </a:rPr>
-              <a:t>Author</a:t>
-            </a:r>
-            <a:r>
-              <a:rPr lang="de-DE" altLang="de-DE" sz="1200" dirty="0">
-                <a:latin typeface="Consolas" panose="020B0609020204030204" pitchFamily="49" charset="0"/>
-              </a:rPr>
-              <a:t>: Christopher Keutner &lt;christopher.keutner@alumni.fh-aachen.de&gt;</a:t>
-            </a:r>
-          </a:p>
-          <a:p>
-            <a:pPr marL="457200" lvl="1" indent="0">
-              <a:spcBef>
-                <a:spcPts val="0"/>
-              </a:spcBef>
-              <a:buNone/>
-            </a:pPr>
-            <a:r>
-              <a:rPr lang="de-DE" altLang="de-DE" sz="1200" dirty="0">
-                <a:latin typeface="Consolas" panose="020B0609020204030204" pitchFamily="49" charset="0"/>
-              </a:rPr>
-              <a:t>Date:   Tue May 28 15:13:10 2024 +0200</a:t>
-            </a:r>
-          </a:p>
-          <a:p>
-            <a:pPr marL="457200" lvl="1" indent="0">
-              <a:spcBef>
-                <a:spcPts val="0"/>
-              </a:spcBef>
-              <a:buNone/>
-            </a:pPr>
-            <a:endParaRPr lang="de-DE" altLang="de-DE" sz="1200" dirty="0">
-              <a:latin typeface="Consolas" panose="020B0609020204030204" pitchFamily="49" charset="0"/>
-            </a:endParaRPr>
-          </a:p>
-          <a:p>
-            <a:pPr marL="457200" lvl="1" indent="0">
-              <a:spcBef>
-                <a:spcPts val="0"/>
-              </a:spcBef>
-              <a:buNone/>
-            </a:pPr>
-            <a:r>
-              <a:rPr lang="de-DE" altLang="de-DE" sz="1200" dirty="0">
-                <a:latin typeface="Consolas" panose="020B0609020204030204" pitchFamily="49" charset="0"/>
-              </a:rPr>
-              <a:t>    Add </a:t>
-            </a:r>
-            <a:r>
-              <a:rPr lang="de-DE" altLang="de-DE" sz="1200" dirty="0" err="1">
-                <a:latin typeface="Consolas" panose="020B0609020204030204" pitchFamily="49" charset="0"/>
-              </a:rPr>
-              <a:t>new</a:t>
-            </a:r>
-            <a:r>
-              <a:rPr lang="de-DE" altLang="de-DE" sz="1200" dirty="0">
-                <a:latin typeface="Consolas" panose="020B0609020204030204" pitchFamily="49" charset="0"/>
-              </a:rPr>
-              <a:t> </a:t>
-            </a:r>
-            <a:r>
-              <a:rPr lang="de-DE" altLang="de-DE" sz="1200" dirty="0" err="1">
-                <a:latin typeface="Consolas" panose="020B0609020204030204" pitchFamily="49" charset="0"/>
-              </a:rPr>
-              <a:t>file</a:t>
-            </a:r>
-            <a:endParaRPr lang="de-DE" altLang="de-DE" sz="1200" dirty="0">
-              <a:latin typeface="Consolas" panose="020B0609020204030204" pitchFamily="49" charset="0"/>
-            </a:endParaRPr>
-          </a:p>
-          <a:p>
-            <a:pPr marL="457200" lvl="1" indent="0">
-              <a:spcBef>
-                <a:spcPts val="0"/>
-              </a:spcBef>
-              <a:buNone/>
-            </a:pPr>
-            <a:endParaRPr lang="de-DE" altLang="de-DE" sz="1200" dirty="0">
-              <a:latin typeface="Consolas" panose="020B0609020204030204" pitchFamily="49" charset="0"/>
-            </a:endParaRPr>
-          </a:p>
-          <a:p>
-            <a:pPr marL="457200" lvl="1" indent="0">
-              <a:spcBef>
-                <a:spcPts val="0"/>
-              </a:spcBef>
-              <a:buNone/>
-            </a:pPr>
-            <a:r>
-              <a:rPr lang="de-DE" altLang="de-DE" sz="1200" dirty="0" err="1">
-                <a:latin typeface="Consolas" panose="020B0609020204030204" pitchFamily="49" charset="0"/>
-              </a:rPr>
-              <a:t>diff</a:t>
-            </a:r>
-            <a:r>
-              <a:rPr lang="de-DE" altLang="de-DE" sz="1200" dirty="0">
-                <a:latin typeface="Consolas" panose="020B0609020204030204" pitchFamily="49" charset="0"/>
-              </a:rPr>
-              <a:t> --</a:t>
-            </a:r>
-            <a:r>
-              <a:rPr lang="de-DE" altLang="de-DE" sz="1200" dirty="0" err="1">
-                <a:latin typeface="Consolas" panose="020B0609020204030204" pitchFamily="49" charset="0"/>
-              </a:rPr>
-              <a:t>git</a:t>
-            </a:r>
-            <a:r>
-              <a:rPr lang="de-DE" altLang="de-DE" sz="1200" dirty="0">
-                <a:latin typeface="Consolas" panose="020B0609020204030204" pitchFamily="49" charset="0"/>
-              </a:rPr>
-              <a:t> a/file8.txt b/file8.txt</a:t>
-            </a:r>
-          </a:p>
-          <a:p>
-            <a:pPr marL="457200" lvl="1" indent="0">
-              <a:spcBef>
-                <a:spcPts val="0"/>
-              </a:spcBef>
-              <a:buNone/>
-            </a:pPr>
-            <a:r>
-              <a:rPr lang="de-DE" altLang="de-DE" sz="1200" dirty="0" err="1">
-                <a:latin typeface="Consolas" panose="020B0609020204030204" pitchFamily="49" charset="0"/>
-              </a:rPr>
-              <a:t>new</a:t>
-            </a:r>
-            <a:r>
-              <a:rPr lang="de-DE" altLang="de-DE" sz="1200" dirty="0">
-                <a:latin typeface="Consolas" panose="020B0609020204030204" pitchFamily="49" charset="0"/>
-              </a:rPr>
-              <a:t> </a:t>
-            </a:r>
-            <a:r>
-              <a:rPr lang="de-DE" altLang="de-DE" sz="1200" dirty="0" err="1">
-                <a:latin typeface="Consolas" panose="020B0609020204030204" pitchFamily="49" charset="0"/>
-              </a:rPr>
-              <a:t>file</a:t>
-            </a:r>
-            <a:r>
-              <a:rPr lang="de-DE" altLang="de-DE" sz="1200" dirty="0">
-                <a:latin typeface="Consolas" panose="020B0609020204030204" pitchFamily="49" charset="0"/>
-              </a:rPr>
-              <a:t> </a:t>
-            </a:r>
-            <a:r>
-              <a:rPr lang="de-DE" altLang="de-DE" sz="1200" dirty="0" err="1">
-                <a:latin typeface="Consolas" panose="020B0609020204030204" pitchFamily="49" charset="0"/>
-              </a:rPr>
-              <a:t>mode</a:t>
-            </a:r>
-            <a:r>
-              <a:rPr lang="de-DE" altLang="de-DE" sz="1200" dirty="0">
-                <a:latin typeface="Consolas" panose="020B0609020204030204" pitchFamily="49" charset="0"/>
-              </a:rPr>
-              <a:t> 100644</a:t>
-            </a:r>
-          </a:p>
-          <a:p>
-            <a:pPr marL="457200" lvl="1" indent="0">
-              <a:spcBef>
-                <a:spcPts val="0"/>
-              </a:spcBef>
-              <a:buNone/>
-            </a:pPr>
-            <a:r>
-              <a:rPr lang="de-DE" altLang="de-DE" sz="1200" dirty="0" err="1">
-                <a:latin typeface="Consolas" panose="020B0609020204030204" pitchFamily="49" charset="0"/>
-              </a:rPr>
-              <a:t>index</a:t>
-            </a:r>
-            <a:r>
-              <a:rPr lang="de-DE" altLang="de-DE" sz="1200" dirty="0">
-                <a:latin typeface="Consolas" panose="020B0609020204030204" pitchFamily="49" charset="0"/>
-              </a:rPr>
-              <a:t> 0000000..e69de29</a:t>
+              <a:t>Tagger Name</a:t>
+            </a:r>
+          </a:p>
+          <a:p>
+            <a:pPr lvl="1"/>
+            <a:r>
+              <a:rPr lang="de-DE" altLang="de-DE" dirty="0"/>
+              <a:t>Tagger E-Mail</a:t>
+            </a:r>
+          </a:p>
+          <a:p>
+            <a:pPr lvl="1"/>
+            <a:r>
+              <a:rPr lang="de-DE" altLang="de-DE" dirty="0"/>
+              <a:t>Datum</a:t>
+            </a:r>
+          </a:p>
+          <a:p>
+            <a:pPr lvl="1"/>
+            <a:r>
+              <a:rPr lang="de-DE" altLang="de-DE" dirty="0"/>
+              <a:t>Tagging Message</a:t>
+            </a:r>
+          </a:p>
+          <a:p>
+            <a:pPr lvl="1"/>
+            <a:r>
+              <a:rPr lang="de-DE" altLang="de-DE" dirty="0"/>
+              <a:t>Checksumme</a:t>
+            </a:r>
+          </a:p>
+          <a:p>
+            <a:pPr lvl="1"/>
+            <a:r>
+              <a:rPr lang="de-DE" altLang="de-DE" dirty="0"/>
+              <a:t>Signierung</a:t>
+            </a:r>
+          </a:p>
+          <a:p>
+            <a:r>
+              <a:rPr lang="de-DE" altLang="de-DE" dirty="0"/>
+              <a:t>Sinnvoll bei </a:t>
+            </a:r>
+            <a:r>
+              <a:rPr lang="de-DE" altLang="de-DE" dirty="0" err="1"/>
+              <a:t>Mulit</a:t>
+            </a:r>
+            <a:r>
+              <a:rPr lang="de-DE" altLang="de-DE" dirty="0"/>
+              <a:t>-Developer oder </a:t>
+            </a:r>
+            <a:r>
+              <a:rPr lang="de-DE" altLang="de-DE" dirty="0" err="1"/>
+              <a:t>Mulit</a:t>
+            </a:r>
+            <a:r>
+              <a:rPr lang="de-DE" altLang="de-DE" dirty="0"/>
+              <a:t>-Repository Umgebungen, um bspw. Releases zu markieren</a:t>
             </a:r>
           </a:p>
         </p:txBody>
@@ -6994,7 +6883,7 @@
     </p:spTree>
     <p:extLst>
       <p:ext uri="{BB962C8B-B14F-4D97-AF65-F5344CB8AC3E}">
-        <p14:creationId xmlns:p14="http://schemas.microsoft.com/office/powerpoint/2010/main" val="641179957"/>
+        <p14:creationId xmlns:p14="http://schemas.microsoft.com/office/powerpoint/2010/main" val="968504568"/>
       </p:ext>
     </p:extLst>
   </p:cSld>
@@ -7005,86 +6894,6 @@
 </file>
 
 <file path=ppt/slides/slide14.xml><?xml version="1.0" encoding="utf-8"?>
-<p:sld xmlns:a="http://schemas.openxmlformats.org/drawingml/2006/main" xmlns:r="http://schemas.openxmlformats.org/officeDocument/2006/relationships" xmlns:p="http://schemas.openxmlformats.org/presentationml/2006/main">
-  <p:cSld>
-    <p:spTree>
-      <p:nvGrpSpPr>
-        <p:cNvPr id="1" name=""/>
-        <p:cNvGrpSpPr/>
-        <p:nvPr/>
-      </p:nvGrpSpPr>
-      <p:grpSpPr>
-        <a:xfrm>
-          <a:off x="0" y="0"/>
-          <a:ext cx="0" cy="0"/>
-          <a:chOff x="0" y="0"/>
-          <a:chExt cx="0" cy="0"/>
-        </a:xfrm>
-      </p:grpSpPr>
-      <p:sp>
-        <p:nvSpPr>
-          <p:cNvPr id="2" name="Titel 1"/>
-          <p:cNvSpPr>
-            <a:spLocks noGrp="1"/>
-          </p:cNvSpPr>
-          <p:nvPr>
-            <p:ph type="title"/>
-          </p:nvPr>
-        </p:nvSpPr>
-        <p:spPr/>
-        <p:txBody>
-          <a:bodyPr/>
-          <a:lstStyle/>
-          <a:p>
-            <a:r>
-              <a:rPr lang="de-DE" cap="none" dirty="0"/>
-              <a:t>Tags in </a:t>
-            </a:r>
-            <a:r>
-              <a:rPr lang="de-DE" cap="none" dirty="0" err="1"/>
-              <a:t>GitLab</a:t>
-            </a:r>
-            <a:endParaRPr lang="de-DE" cap="none" dirty="0"/>
-          </a:p>
-        </p:txBody>
-      </p:sp>
-      <p:sp>
-        <p:nvSpPr>
-          <p:cNvPr id="3" name="Untertitel 2"/>
-          <p:cNvSpPr>
-            <a:spLocks noGrp="1"/>
-          </p:cNvSpPr>
-          <p:nvPr>
-            <p:ph type="body" idx="1"/>
-          </p:nvPr>
-        </p:nvSpPr>
-        <p:spPr/>
-        <p:txBody>
-          <a:bodyPr/>
-          <a:lstStyle/>
-          <a:p>
-            <a:r>
-              <a:rPr lang="de-DE" dirty="0" err="1"/>
-              <a:t>Git</a:t>
-            </a:r>
-            <a:endParaRPr lang="de-DE" dirty="0"/>
-          </a:p>
-        </p:txBody>
-      </p:sp>
-    </p:spTree>
-    <p:extLst>
-      <p:ext uri="{BB962C8B-B14F-4D97-AF65-F5344CB8AC3E}">
-        <p14:creationId xmlns:p14="http://schemas.microsoft.com/office/powerpoint/2010/main" val="4094180652"/>
-      </p:ext>
-    </p:extLst>
-  </p:cSld>
-  <p:clrMapOvr>
-    <a:masterClrMapping/>
-  </p:clrMapOvr>
-</p:sld>
-</file>
-
-<file path=ppt/slides/slide15.xml><?xml version="1.0" encoding="utf-8"?>
 <p:sld xmlns:a="http://schemas.openxmlformats.org/drawingml/2006/main" xmlns:r="http://schemas.openxmlformats.org/officeDocument/2006/relationships" xmlns:p="http://schemas.openxmlformats.org/presentationml/2006/main">
   <p:cSld>
     <p:spTree>
@@ -7128,22 +6937,431 @@
           <a:lstStyle/>
           <a:p>
             <a:r>
+              <a:rPr lang="de-DE" altLang="de-DE" dirty="0" err="1"/>
+              <a:t>Annotated</a:t>
+            </a:r>
+            <a:r>
               <a:rPr lang="de-DE" altLang="de-DE" dirty="0"/>
-              <a:t>Tags können ebenfalls in </a:t>
-            </a:r>
-            <a:r>
-              <a:rPr lang="de-DE" altLang="de-DE" dirty="0" err="1"/>
-              <a:t>GitLab</a:t>
-            </a:r>
+              <a:t> Tag erstellen mittels</a:t>
+            </a:r>
+          </a:p>
+          <a:p>
+            <a:pPr marL="0" indent="0">
+              <a:buNone/>
+            </a:pPr>
             <a:r>
               <a:rPr lang="de-DE" altLang="de-DE" dirty="0"/>
-              <a:t> zum Repository hinzugefügt werden</a:t>
-            </a:r>
-          </a:p>
-          <a:p>
-            <a:r>
-              <a:rPr lang="de-DE" altLang="de-DE" dirty="0"/>
-              <a:t>Erzeugt gleichwertige Tags im Vergleich zu Command Line</a:t>
+              <a:t>	</a:t>
+            </a:r>
+            <a:r>
+              <a:rPr lang="de-DE" altLang="de-DE" dirty="0" err="1">
+                <a:latin typeface="Consolas" panose="020B0609020204030204" pitchFamily="49" charset="0"/>
+              </a:rPr>
+              <a:t>git</a:t>
+            </a:r>
+            <a:r>
+              <a:rPr lang="de-DE" altLang="de-DE" dirty="0">
+                <a:latin typeface="Consolas" panose="020B0609020204030204" pitchFamily="49" charset="0"/>
+              </a:rPr>
+              <a:t> tag -a &lt;tag-name&gt;</a:t>
+            </a:r>
+          </a:p>
+          <a:p>
+            <a:pPr marL="457200" lvl="1" indent="0">
+              <a:buNone/>
+            </a:pPr>
+            <a:endParaRPr lang="de-DE" altLang="de-DE" sz="1200" dirty="0">
+              <a:latin typeface="Consolas" panose="020B0609020204030204" pitchFamily="49" charset="0"/>
+            </a:endParaRPr>
+          </a:p>
+          <a:p>
+            <a:pPr marL="457200" lvl="1" indent="0">
+              <a:spcBef>
+                <a:spcPts val="0"/>
+              </a:spcBef>
+              <a:buNone/>
+            </a:pPr>
+            <a:r>
+              <a:rPr lang="de-DE" altLang="de-DE" sz="1200" dirty="0">
+                <a:latin typeface="Consolas" panose="020B0609020204030204" pitchFamily="49" charset="0"/>
+              </a:rPr>
+              <a:t>$ </a:t>
+            </a:r>
+            <a:r>
+              <a:rPr lang="de-DE" altLang="de-DE" sz="1200" dirty="0" err="1">
+                <a:latin typeface="Consolas" panose="020B0609020204030204" pitchFamily="49" charset="0"/>
+              </a:rPr>
+              <a:t>git</a:t>
+            </a:r>
+            <a:r>
+              <a:rPr lang="de-DE" altLang="de-DE" sz="1200" dirty="0">
+                <a:latin typeface="Consolas" panose="020B0609020204030204" pitchFamily="49" charset="0"/>
+              </a:rPr>
+              <a:t> tag -a release-v1.0.0 -m "</a:t>
+            </a:r>
+            <a:r>
+              <a:rPr lang="de-DE" altLang="de-DE" sz="1200" dirty="0" err="1">
+                <a:latin typeface="Consolas" panose="020B0609020204030204" pitchFamily="49" charset="0"/>
+              </a:rPr>
+              <a:t>Latest</a:t>
+            </a:r>
+            <a:r>
+              <a:rPr lang="de-DE" altLang="de-DE" sz="1200" dirty="0">
+                <a:latin typeface="Consolas" panose="020B0609020204030204" pitchFamily="49" charset="0"/>
+              </a:rPr>
+              <a:t> v1 release"</a:t>
+            </a:r>
+          </a:p>
+          <a:p>
+            <a:pPr marL="457200" lvl="1" indent="0">
+              <a:spcBef>
+                <a:spcPts val="0"/>
+              </a:spcBef>
+              <a:buNone/>
+            </a:pPr>
+            <a:endParaRPr lang="de-DE" altLang="de-DE" sz="1200" dirty="0">
+              <a:latin typeface="Consolas" panose="020B0609020204030204" pitchFamily="49" charset="0"/>
+            </a:endParaRPr>
+          </a:p>
+          <a:p>
+            <a:pPr marL="457200" lvl="1" indent="0">
+              <a:spcBef>
+                <a:spcPts val="0"/>
+              </a:spcBef>
+              <a:buNone/>
+            </a:pPr>
+            <a:r>
+              <a:rPr lang="de-DE" altLang="de-DE" sz="1200" dirty="0">
+                <a:latin typeface="Consolas" panose="020B0609020204030204" pitchFamily="49" charset="0"/>
+              </a:rPr>
+              <a:t>$ </a:t>
+            </a:r>
+            <a:r>
+              <a:rPr lang="de-DE" altLang="de-DE" sz="1200" dirty="0" err="1">
+                <a:latin typeface="Consolas" panose="020B0609020204030204" pitchFamily="49" charset="0"/>
+              </a:rPr>
+              <a:t>git</a:t>
+            </a:r>
+            <a:r>
+              <a:rPr lang="de-DE" altLang="de-DE" sz="1200" dirty="0">
+                <a:latin typeface="Consolas" panose="020B0609020204030204" pitchFamily="49" charset="0"/>
+              </a:rPr>
+              <a:t> </a:t>
+            </a:r>
+            <a:r>
+              <a:rPr lang="de-DE" altLang="de-DE" sz="1200" dirty="0" err="1">
+                <a:latin typeface="Consolas" panose="020B0609020204030204" pitchFamily="49" charset="0"/>
+              </a:rPr>
+              <a:t>show</a:t>
+            </a:r>
+            <a:r>
+              <a:rPr lang="de-DE" altLang="de-DE" sz="1200" dirty="0">
+                <a:latin typeface="Consolas" panose="020B0609020204030204" pitchFamily="49" charset="0"/>
+              </a:rPr>
+              <a:t> release-v1.0.0</a:t>
+            </a:r>
+          </a:p>
+          <a:p>
+            <a:pPr marL="457200" lvl="1" indent="0">
+              <a:spcBef>
+                <a:spcPts val="0"/>
+              </a:spcBef>
+              <a:buNone/>
+            </a:pPr>
+            <a:r>
+              <a:rPr lang="de-DE" altLang="de-DE" sz="1200" dirty="0">
+                <a:latin typeface="Consolas" panose="020B0609020204030204" pitchFamily="49" charset="0"/>
+              </a:rPr>
+              <a:t>tag release-v1.0.0</a:t>
+            </a:r>
+          </a:p>
+          <a:p>
+            <a:pPr marL="457200" lvl="1" indent="0">
+              <a:spcBef>
+                <a:spcPts val="0"/>
+              </a:spcBef>
+              <a:buNone/>
+            </a:pPr>
+            <a:r>
+              <a:rPr lang="de-DE" altLang="de-DE" sz="1200" dirty="0">
+                <a:latin typeface="Consolas" panose="020B0609020204030204" pitchFamily="49" charset="0"/>
+              </a:rPr>
+              <a:t>Tagger: Christopher Keutner &lt;christopher.keutner@alumni.fh-aachen.de&gt;</a:t>
+            </a:r>
+          </a:p>
+          <a:p>
+            <a:pPr marL="457200" lvl="1" indent="0">
+              <a:spcBef>
+                <a:spcPts val="0"/>
+              </a:spcBef>
+              <a:buNone/>
+            </a:pPr>
+            <a:r>
+              <a:rPr lang="de-DE" altLang="de-DE" sz="1200" dirty="0">
+                <a:latin typeface="Consolas" panose="020B0609020204030204" pitchFamily="49" charset="0"/>
+              </a:rPr>
+              <a:t>Date:   Tue May 28 15:13:44 2024 +0200</a:t>
+            </a:r>
+          </a:p>
+          <a:p>
+            <a:pPr marL="457200" lvl="1" indent="0">
+              <a:spcBef>
+                <a:spcPts val="0"/>
+              </a:spcBef>
+              <a:buNone/>
+            </a:pPr>
+            <a:endParaRPr lang="de-DE" altLang="de-DE" sz="1200" dirty="0">
+              <a:latin typeface="Consolas" panose="020B0609020204030204" pitchFamily="49" charset="0"/>
+            </a:endParaRPr>
+          </a:p>
+          <a:p>
+            <a:pPr marL="457200" lvl="1" indent="0">
+              <a:spcBef>
+                <a:spcPts val="0"/>
+              </a:spcBef>
+              <a:buNone/>
+            </a:pPr>
+            <a:r>
+              <a:rPr lang="de-DE" altLang="de-DE" sz="1200" dirty="0" err="1">
+                <a:latin typeface="Consolas" panose="020B0609020204030204" pitchFamily="49" charset="0"/>
+              </a:rPr>
+              <a:t>Latest</a:t>
+            </a:r>
+            <a:r>
+              <a:rPr lang="de-DE" altLang="de-DE" sz="1200" dirty="0">
+                <a:latin typeface="Consolas" panose="020B0609020204030204" pitchFamily="49" charset="0"/>
+              </a:rPr>
+              <a:t> v1 release</a:t>
+            </a:r>
+          </a:p>
+          <a:p>
+            <a:pPr marL="457200" lvl="1" indent="0">
+              <a:spcBef>
+                <a:spcPts val="0"/>
+              </a:spcBef>
+              <a:buNone/>
+            </a:pPr>
+            <a:endParaRPr lang="de-DE" altLang="de-DE" sz="1200" dirty="0">
+              <a:latin typeface="Consolas" panose="020B0609020204030204" pitchFamily="49" charset="0"/>
+            </a:endParaRPr>
+          </a:p>
+          <a:p>
+            <a:pPr marL="457200" lvl="1" indent="0">
+              <a:spcBef>
+                <a:spcPts val="0"/>
+              </a:spcBef>
+              <a:buNone/>
+            </a:pPr>
+            <a:r>
+              <a:rPr lang="de-DE" altLang="de-DE" sz="1200" dirty="0" err="1">
+                <a:latin typeface="Consolas" panose="020B0609020204030204" pitchFamily="49" charset="0"/>
+              </a:rPr>
+              <a:t>commit</a:t>
+            </a:r>
+            <a:r>
+              <a:rPr lang="de-DE" altLang="de-DE" sz="1200" dirty="0">
+                <a:latin typeface="Consolas" panose="020B0609020204030204" pitchFamily="49" charset="0"/>
+              </a:rPr>
+              <a:t> 11f6b62f8bc7a3403ceae4e8923d7a54abab7b6d (HEAD -&gt; </a:t>
+            </a:r>
+            <a:r>
+              <a:rPr lang="de-DE" altLang="de-DE" sz="1200" dirty="0" err="1">
+                <a:latin typeface="Consolas" panose="020B0609020204030204" pitchFamily="49" charset="0"/>
+              </a:rPr>
+              <a:t>main</a:t>
+            </a:r>
+            <a:r>
+              <a:rPr lang="de-DE" altLang="de-DE" sz="1200" dirty="0">
+                <a:latin typeface="Consolas" panose="020B0609020204030204" pitchFamily="49" charset="0"/>
+              </a:rPr>
+              <a:t>, tag: release-v1.0.0)</a:t>
+            </a:r>
+          </a:p>
+          <a:p>
+            <a:pPr marL="457200" lvl="1" indent="0">
+              <a:spcBef>
+                <a:spcPts val="0"/>
+              </a:spcBef>
+              <a:buNone/>
+            </a:pPr>
+            <a:r>
+              <a:rPr lang="de-DE" altLang="de-DE" sz="1200" dirty="0" err="1">
+                <a:latin typeface="Consolas" panose="020B0609020204030204" pitchFamily="49" charset="0"/>
+              </a:rPr>
+              <a:t>Author</a:t>
+            </a:r>
+            <a:r>
+              <a:rPr lang="de-DE" altLang="de-DE" sz="1200" dirty="0">
+                <a:latin typeface="Consolas" panose="020B0609020204030204" pitchFamily="49" charset="0"/>
+              </a:rPr>
+              <a:t>: Christopher Keutner &lt;christopher.keutner@alumni.fh-aachen.de&gt;</a:t>
+            </a:r>
+          </a:p>
+          <a:p>
+            <a:pPr marL="457200" lvl="1" indent="0">
+              <a:spcBef>
+                <a:spcPts val="0"/>
+              </a:spcBef>
+              <a:buNone/>
+            </a:pPr>
+            <a:r>
+              <a:rPr lang="de-DE" altLang="de-DE" sz="1200" dirty="0">
+                <a:latin typeface="Consolas" panose="020B0609020204030204" pitchFamily="49" charset="0"/>
+              </a:rPr>
+              <a:t>Date:   Tue May 28 15:13:10 2024 +0200</a:t>
+            </a:r>
+          </a:p>
+          <a:p>
+            <a:pPr marL="457200" lvl="1" indent="0">
+              <a:spcBef>
+                <a:spcPts val="0"/>
+              </a:spcBef>
+              <a:buNone/>
+            </a:pPr>
+            <a:endParaRPr lang="de-DE" altLang="de-DE" sz="1200" dirty="0">
+              <a:latin typeface="Consolas" panose="020B0609020204030204" pitchFamily="49" charset="0"/>
+            </a:endParaRPr>
+          </a:p>
+          <a:p>
+            <a:pPr marL="457200" lvl="1" indent="0">
+              <a:spcBef>
+                <a:spcPts val="0"/>
+              </a:spcBef>
+              <a:buNone/>
+            </a:pPr>
+            <a:r>
+              <a:rPr lang="de-DE" altLang="de-DE" sz="1200" dirty="0">
+                <a:latin typeface="Consolas" panose="020B0609020204030204" pitchFamily="49" charset="0"/>
+              </a:rPr>
+              <a:t>    Add </a:t>
+            </a:r>
+            <a:r>
+              <a:rPr lang="de-DE" altLang="de-DE" sz="1200" dirty="0" err="1">
+                <a:latin typeface="Consolas" panose="020B0609020204030204" pitchFamily="49" charset="0"/>
+              </a:rPr>
+              <a:t>new</a:t>
+            </a:r>
+            <a:r>
+              <a:rPr lang="de-DE" altLang="de-DE" sz="1200" dirty="0">
+                <a:latin typeface="Consolas" panose="020B0609020204030204" pitchFamily="49" charset="0"/>
+              </a:rPr>
+              <a:t> </a:t>
+            </a:r>
+            <a:r>
+              <a:rPr lang="de-DE" altLang="de-DE" sz="1200" dirty="0" err="1">
+                <a:latin typeface="Consolas" panose="020B0609020204030204" pitchFamily="49" charset="0"/>
+              </a:rPr>
+              <a:t>file</a:t>
+            </a:r>
+            <a:endParaRPr lang="de-DE" altLang="de-DE" sz="1200" dirty="0">
+              <a:latin typeface="Consolas" panose="020B0609020204030204" pitchFamily="49" charset="0"/>
+            </a:endParaRPr>
+          </a:p>
+          <a:p>
+            <a:pPr marL="457200" lvl="1" indent="0">
+              <a:spcBef>
+                <a:spcPts val="0"/>
+              </a:spcBef>
+              <a:buNone/>
+            </a:pPr>
+            <a:endParaRPr lang="de-DE" altLang="de-DE" sz="1200" dirty="0">
+              <a:latin typeface="Consolas" panose="020B0609020204030204" pitchFamily="49" charset="0"/>
+            </a:endParaRPr>
+          </a:p>
+          <a:p>
+            <a:pPr marL="457200" lvl="1" indent="0">
+              <a:spcBef>
+                <a:spcPts val="0"/>
+              </a:spcBef>
+              <a:buNone/>
+            </a:pPr>
+            <a:r>
+              <a:rPr lang="de-DE" altLang="de-DE" sz="1200" dirty="0" err="1">
+                <a:latin typeface="Consolas" panose="020B0609020204030204" pitchFamily="49" charset="0"/>
+              </a:rPr>
+              <a:t>diff</a:t>
+            </a:r>
+            <a:r>
+              <a:rPr lang="de-DE" altLang="de-DE" sz="1200" dirty="0">
+                <a:latin typeface="Consolas" panose="020B0609020204030204" pitchFamily="49" charset="0"/>
+              </a:rPr>
+              <a:t> --</a:t>
+            </a:r>
+            <a:r>
+              <a:rPr lang="de-DE" altLang="de-DE" sz="1200" dirty="0" err="1">
+                <a:latin typeface="Consolas" panose="020B0609020204030204" pitchFamily="49" charset="0"/>
+              </a:rPr>
+              <a:t>git</a:t>
+            </a:r>
+            <a:r>
+              <a:rPr lang="de-DE" altLang="de-DE" sz="1200" dirty="0">
+                <a:latin typeface="Consolas" panose="020B0609020204030204" pitchFamily="49" charset="0"/>
+              </a:rPr>
+              <a:t> a/file8.txt b/file8.txt</a:t>
+            </a:r>
+          </a:p>
+          <a:p>
+            <a:pPr marL="457200" lvl="1" indent="0">
+              <a:spcBef>
+                <a:spcPts val="0"/>
+              </a:spcBef>
+              <a:buNone/>
+            </a:pPr>
+            <a:r>
+              <a:rPr lang="de-DE" altLang="de-DE" sz="1200" dirty="0" err="1">
+                <a:latin typeface="Consolas" panose="020B0609020204030204" pitchFamily="49" charset="0"/>
+              </a:rPr>
+              <a:t>new</a:t>
+            </a:r>
+            <a:r>
+              <a:rPr lang="de-DE" altLang="de-DE" sz="1200" dirty="0">
+                <a:latin typeface="Consolas" panose="020B0609020204030204" pitchFamily="49" charset="0"/>
+              </a:rPr>
+              <a:t> </a:t>
+            </a:r>
+            <a:r>
+              <a:rPr lang="de-DE" altLang="de-DE" sz="1200" dirty="0" err="1">
+                <a:latin typeface="Consolas" panose="020B0609020204030204" pitchFamily="49" charset="0"/>
+              </a:rPr>
+              <a:t>file</a:t>
+            </a:r>
+            <a:r>
+              <a:rPr lang="de-DE" altLang="de-DE" sz="1200" dirty="0">
+                <a:latin typeface="Consolas" panose="020B0609020204030204" pitchFamily="49" charset="0"/>
+              </a:rPr>
+              <a:t> </a:t>
+            </a:r>
+            <a:r>
+              <a:rPr lang="de-DE" altLang="de-DE" sz="1200" dirty="0" err="1">
+                <a:latin typeface="Consolas" panose="020B0609020204030204" pitchFamily="49" charset="0"/>
+              </a:rPr>
+              <a:t>mode</a:t>
+            </a:r>
+            <a:r>
+              <a:rPr lang="de-DE" altLang="de-DE" sz="1200" dirty="0">
+                <a:latin typeface="Consolas" panose="020B0609020204030204" pitchFamily="49" charset="0"/>
+              </a:rPr>
+              <a:t> 100644</a:t>
+            </a:r>
+          </a:p>
+          <a:p>
+            <a:pPr marL="457200" lvl="1" indent="0">
+              <a:spcBef>
+                <a:spcPts val="0"/>
+              </a:spcBef>
+              <a:buNone/>
+            </a:pPr>
+            <a:r>
+              <a:rPr lang="de-DE" altLang="de-DE" sz="1200" dirty="0" err="1">
+                <a:latin typeface="Consolas" panose="020B0609020204030204" pitchFamily="49" charset="0"/>
+              </a:rPr>
+              <a:t>index</a:t>
+            </a:r>
+            <a:r>
+              <a:rPr lang="de-DE" altLang="de-DE" sz="1200" dirty="0">
+                <a:latin typeface="Consolas" panose="020B0609020204030204" pitchFamily="49" charset="0"/>
+              </a:rPr>
+              <a:t> 0000000..e69de29</a:t>
             </a:r>
           </a:p>
         </p:txBody>
@@ -7175,51 +7393,100 @@
           <a:lstStyle/>
           <a:p>
             <a:r>
+              <a:rPr lang="de-DE" altLang="de-DE" dirty="0" err="1"/>
+              <a:t>Git</a:t>
+            </a:r>
+            <a:r>
               <a:rPr lang="de-DE" altLang="de-DE" dirty="0"/>
-              <a:t>Tags in </a:t>
-            </a:r>
-            <a:r>
-              <a:rPr lang="de-DE" altLang="de-DE" dirty="0" err="1"/>
-              <a:t>GitLab</a:t>
-            </a:r>
-            <a:endParaRPr lang="de-DE" altLang="de-DE" dirty="0"/>
+              <a:t> – Tags </a:t>
+            </a:r>
           </a:p>
         </p:txBody>
       </p:sp>
-      <p:pic>
-        <p:nvPicPr>
-          <p:cNvPr id="3" name="Grafik 2">
-            <a:extLst>
-              <a:ext uri="{FF2B5EF4-FFF2-40B4-BE49-F238E27FC236}">
-                <a16:creationId xmlns:a16="http://schemas.microsoft.com/office/drawing/2014/main" id="{F6AF7D67-CC47-CBA1-9A93-DC357E462460}"/>
-              </a:ext>
-            </a:extLst>
-          </p:cNvPr>
-          <p:cNvPicPr>
-            <a:picLocks noChangeAspect="1"/>
-          </p:cNvPicPr>
-          <p:nvPr/>
-        </p:nvPicPr>
-        <p:blipFill>
-          <a:blip r:embed="rId2"/>
-          <a:stretch>
-            <a:fillRect/>
-          </a:stretch>
-        </p:blipFill>
-        <p:spPr>
-          <a:xfrm>
-            <a:off x="303213" y="1916832"/>
-            <a:ext cx="8489003" cy="4248472"/>
-          </a:xfrm>
-          <a:prstGeom prst="rect">
-            <a:avLst/>
-          </a:prstGeom>
-        </p:spPr>
-      </p:pic>
     </p:spTree>
     <p:extLst>
       <p:ext uri="{BB962C8B-B14F-4D97-AF65-F5344CB8AC3E}">
-        <p14:creationId xmlns:p14="http://schemas.microsoft.com/office/powerpoint/2010/main" val="2194428032"/>
+        <p14:creationId xmlns:p14="http://schemas.microsoft.com/office/powerpoint/2010/main" val="641179957"/>
+      </p:ext>
+    </p:extLst>
+  </p:cSld>
+  <p:clrMapOvr>
+    <a:masterClrMapping/>
+  </p:clrMapOvr>
+</p:sld>
+</file>
+
+<file path=ppt/slides/slide15.xml><?xml version="1.0" encoding="utf-8"?>
+<p:sld xmlns:a="http://schemas.openxmlformats.org/drawingml/2006/main" xmlns:r="http://schemas.openxmlformats.org/officeDocument/2006/relationships" xmlns:p="http://schemas.openxmlformats.org/presentationml/2006/main">
+  <p:cSld>
+    <p:spTree>
+      <p:nvGrpSpPr>
+        <p:cNvPr id="1" name=""/>
+        <p:cNvGrpSpPr/>
+        <p:nvPr/>
+      </p:nvGrpSpPr>
+      <p:grpSpPr>
+        <a:xfrm>
+          <a:off x="0" y="0"/>
+          <a:ext cx="0" cy="0"/>
+          <a:chOff x="0" y="0"/>
+          <a:chExt cx="0" cy="0"/>
+        </a:xfrm>
+      </p:grpSpPr>
+      <p:sp>
+        <p:nvSpPr>
+          <p:cNvPr id="2" name="Titel 1"/>
+          <p:cNvSpPr>
+            <a:spLocks noGrp="1"/>
+          </p:cNvSpPr>
+          <p:nvPr>
+            <p:ph type="title"/>
+          </p:nvPr>
+        </p:nvSpPr>
+        <p:spPr/>
+        <p:txBody>
+          <a:bodyPr/>
+          <a:lstStyle/>
+          <a:p>
+            <a:r>
+              <a:rPr lang="de-DE" cap="none" dirty="0"/>
+              <a:t>Tags in </a:t>
+            </a:r>
+            <a:r>
+              <a:rPr lang="de-DE" cap="none" dirty="0" err="1"/>
+              <a:t>GitLab</a:t>
+            </a:r>
+            <a:endParaRPr lang="de-DE" cap="none" dirty="0"/>
+          </a:p>
+        </p:txBody>
+      </p:sp>
+      <p:sp>
+        <p:nvSpPr>
+          <p:cNvPr id="3" name="Untertitel 2"/>
+          <p:cNvSpPr>
+            <a:spLocks noGrp="1"/>
+          </p:cNvSpPr>
+          <p:nvPr>
+            <p:ph type="body" idx="1"/>
+          </p:nvPr>
+        </p:nvSpPr>
+        <p:spPr/>
+        <p:txBody>
+          <a:bodyPr/>
+          <a:lstStyle/>
+          <a:p>
+            <a:r>
+              <a:rPr lang="de-DE" dirty="0" err="1"/>
+              <a:t>Git</a:t>
+            </a:r>
+            <a:endParaRPr lang="de-DE" dirty="0"/>
+          </a:p>
+        </p:txBody>
+      </p:sp>
+    </p:spTree>
+    <p:extLst>
+      <p:ext uri="{BB962C8B-B14F-4D97-AF65-F5344CB8AC3E}">
+        <p14:creationId xmlns:p14="http://schemas.microsoft.com/office/powerpoint/2010/main" val="4094180652"/>
       </p:ext>
     </p:extLst>
   </p:cSld>
@@ -7274,6 +7541,151 @@
           <a:p>
             <a:r>
               <a:rPr lang="de-DE" altLang="de-DE" dirty="0"/>
+              <a:t>Tags können ebenfalls in </a:t>
+            </a:r>
+            <a:r>
+              <a:rPr lang="de-DE" altLang="de-DE" dirty="0" err="1"/>
+              <a:t>GitLab</a:t>
+            </a:r>
+            <a:r>
+              <a:rPr lang="de-DE" altLang="de-DE" dirty="0"/>
+              <a:t> zum Repository hinzugefügt werden</a:t>
+            </a:r>
+          </a:p>
+          <a:p>
+            <a:r>
+              <a:rPr lang="de-DE" altLang="de-DE" dirty="0"/>
+              <a:t>Erzeugt gleichwertige Tags im Vergleich zu Command Line</a:t>
+            </a:r>
+          </a:p>
+        </p:txBody>
+      </p:sp>
+      <p:sp>
+        <p:nvSpPr>
+          <p:cNvPr id="6147" name="Rectangle 1062">
+            <a:extLst>
+              <a:ext uri="{FF2B5EF4-FFF2-40B4-BE49-F238E27FC236}">
+                <a16:creationId xmlns:a16="http://schemas.microsoft.com/office/drawing/2014/main" id="{C46E9340-3256-8D55-A265-94F2F41E288E}"/>
+              </a:ext>
+            </a:extLst>
+          </p:cNvPr>
+          <p:cNvSpPr>
+            <a:spLocks noGrp="1" noChangeArrowheads="1"/>
+          </p:cNvSpPr>
+          <p:nvPr>
+            <p:ph type="title"/>
+          </p:nvPr>
+        </p:nvSpPr>
+        <p:spPr>
+          <a:xfrm>
+            <a:off x="285750" y="142875"/>
+            <a:ext cx="5654675" cy="706438"/>
+          </a:xfrm>
+        </p:spPr>
+        <p:txBody>
+          <a:bodyPr/>
+          <a:lstStyle/>
+          <a:p>
+            <a:r>
+              <a:rPr lang="de-DE" altLang="de-DE" dirty="0"/>
+              <a:t>Tags in </a:t>
+            </a:r>
+            <a:r>
+              <a:rPr lang="de-DE" altLang="de-DE" dirty="0" err="1"/>
+              <a:t>GitLab</a:t>
+            </a:r>
+            <a:endParaRPr lang="de-DE" altLang="de-DE" dirty="0"/>
+          </a:p>
+        </p:txBody>
+      </p:sp>
+      <p:pic>
+        <p:nvPicPr>
+          <p:cNvPr id="3" name="Grafik 2">
+            <a:extLst>
+              <a:ext uri="{FF2B5EF4-FFF2-40B4-BE49-F238E27FC236}">
+                <a16:creationId xmlns:a16="http://schemas.microsoft.com/office/drawing/2014/main" id="{F6AF7D67-CC47-CBA1-9A93-DC357E462460}"/>
+              </a:ext>
+            </a:extLst>
+          </p:cNvPr>
+          <p:cNvPicPr>
+            <a:picLocks noChangeAspect="1"/>
+          </p:cNvPicPr>
+          <p:nvPr/>
+        </p:nvPicPr>
+        <p:blipFill>
+          <a:blip r:embed="rId2"/>
+          <a:stretch>
+            <a:fillRect/>
+          </a:stretch>
+        </p:blipFill>
+        <p:spPr>
+          <a:xfrm>
+            <a:off x="303213" y="1916832"/>
+            <a:ext cx="8489003" cy="4248472"/>
+          </a:xfrm>
+          <a:prstGeom prst="rect">
+            <a:avLst/>
+          </a:prstGeom>
+        </p:spPr>
+      </p:pic>
+    </p:spTree>
+    <p:extLst>
+      <p:ext uri="{BB962C8B-B14F-4D97-AF65-F5344CB8AC3E}">
+        <p14:creationId xmlns:p14="http://schemas.microsoft.com/office/powerpoint/2010/main" val="2194428032"/>
+      </p:ext>
+    </p:extLst>
+  </p:cSld>
+  <p:clrMapOvr>
+    <a:masterClrMapping/>
+  </p:clrMapOvr>
+</p:sld>
+</file>
+
+<file path=ppt/slides/slide17.xml><?xml version="1.0" encoding="utf-8"?>
+<p:sld xmlns:a="http://schemas.openxmlformats.org/drawingml/2006/main" xmlns:r="http://schemas.openxmlformats.org/officeDocument/2006/relationships" xmlns:p="http://schemas.openxmlformats.org/presentationml/2006/main">
+  <p:cSld>
+    <p:spTree>
+      <p:nvGrpSpPr>
+        <p:cNvPr id="1" name=""/>
+        <p:cNvGrpSpPr/>
+        <p:nvPr/>
+      </p:nvGrpSpPr>
+      <p:grpSpPr>
+        <a:xfrm>
+          <a:off x="0" y="0"/>
+          <a:ext cx="0" cy="0"/>
+          <a:chOff x="0" y="0"/>
+          <a:chExt cx="0" cy="0"/>
+        </a:xfrm>
+      </p:grpSpPr>
+      <p:sp>
+        <p:nvSpPr>
+          <p:cNvPr id="6146" name="Inhaltsplatzhalter 18">
+            <a:extLst>
+              <a:ext uri="{FF2B5EF4-FFF2-40B4-BE49-F238E27FC236}">
+                <a16:creationId xmlns:a16="http://schemas.microsoft.com/office/drawing/2014/main" id="{BE3C4C95-FD5D-27F0-ED0C-AB8113CAC9F1}"/>
+              </a:ext>
+            </a:extLst>
+          </p:cNvPr>
+          <p:cNvSpPr>
+            <a:spLocks noGrp="1"/>
+          </p:cNvSpPr>
+          <p:nvPr>
+            <p:ph idx="1"/>
+          </p:nvPr>
+        </p:nvSpPr>
+        <p:spPr>
+          <a:xfrm>
+            <a:off x="303214" y="981075"/>
+            <a:ext cx="8517258" cy="5400675"/>
+          </a:xfrm>
+        </p:spPr>
+        <p:txBody>
+          <a:bodyPr/>
+          <a:lstStyle/>
+          <a:p>
+            <a:r>
+              <a:rPr lang="de-DE" altLang="de-DE" dirty="0"/>
               <a:t>Tags können auch hier aus </a:t>
             </a:r>
             <a:r>
@@ -7382,7 +7794,7 @@
 </p:sld>
 </file>
 
-<file path=ppt/slides/slide17.xml><?xml version="1.0" encoding="utf-8"?>
+<file path=ppt/slides/slide18.xml><?xml version="1.0" encoding="utf-8"?>
 <p:sld xmlns:a="http://schemas.openxmlformats.org/drawingml/2006/main" xmlns:r="http://schemas.openxmlformats.org/officeDocument/2006/relationships" xmlns:p="http://schemas.openxmlformats.org/presentationml/2006/main">
   <p:cSld>
     <p:spTree>
@@ -7448,192 +7860,6 @@
     <p:extLst>
       <p:ext uri="{BB962C8B-B14F-4D97-AF65-F5344CB8AC3E}">
         <p14:creationId xmlns:p14="http://schemas.microsoft.com/office/powerpoint/2010/main" val="725577135"/>
-      </p:ext>
-    </p:extLst>
-  </p:cSld>
-  <p:clrMapOvr>
-    <a:masterClrMapping/>
-  </p:clrMapOvr>
-</p:sld>
-</file>
-
-<file path=ppt/slides/slide18.xml><?xml version="1.0" encoding="utf-8"?>
-<p:sld xmlns:a="http://schemas.openxmlformats.org/drawingml/2006/main" xmlns:r="http://schemas.openxmlformats.org/officeDocument/2006/relationships" xmlns:p="http://schemas.openxmlformats.org/presentationml/2006/main">
-  <p:cSld>
-    <p:spTree>
-      <p:nvGrpSpPr>
-        <p:cNvPr id="1" name=""/>
-        <p:cNvGrpSpPr/>
-        <p:nvPr/>
-      </p:nvGrpSpPr>
-      <p:grpSpPr>
-        <a:xfrm>
-          <a:off x="0" y="0"/>
-          <a:ext cx="0" cy="0"/>
-          <a:chOff x="0" y="0"/>
-          <a:chExt cx="0" cy="0"/>
-        </a:xfrm>
-      </p:grpSpPr>
-      <p:sp>
-        <p:nvSpPr>
-          <p:cNvPr id="6146" name="Inhaltsplatzhalter 18">
-            <a:extLst>
-              <a:ext uri="{FF2B5EF4-FFF2-40B4-BE49-F238E27FC236}">
-                <a16:creationId xmlns:a16="http://schemas.microsoft.com/office/drawing/2014/main" id="{BE3C4C95-FD5D-27F0-ED0C-AB8113CAC9F1}"/>
-              </a:ext>
-            </a:extLst>
-          </p:cNvPr>
-          <p:cNvSpPr>
-            <a:spLocks noGrp="1"/>
-          </p:cNvSpPr>
-          <p:nvPr>
-            <p:ph idx="1"/>
-          </p:nvPr>
-        </p:nvSpPr>
-        <p:spPr>
-          <a:xfrm>
-            <a:off x="303214" y="981075"/>
-            <a:ext cx="8517258" cy="5400675"/>
-          </a:xfrm>
-        </p:spPr>
-        <p:txBody>
-          <a:bodyPr/>
-          <a:lstStyle/>
-          <a:p>
-            <a:r>
-              <a:rPr lang="de-DE" altLang="de-DE" dirty="0" err="1"/>
-              <a:t>GitLab</a:t>
-            </a:r>
-            <a:r>
-              <a:rPr lang="de-DE" altLang="de-DE" dirty="0"/>
-              <a:t> Releases erstellen einen Snapshot des aktuellen Projektes</a:t>
-            </a:r>
-          </a:p>
-          <a:p>
-            <a:r>
-              <a:rPr lang="de-DE" altLang="de-DE" dirty="0"/>
-              <a:t>Werden aus einem bestimmten Tag erstellt</a:t>
-            </a:r>
-          </a:p>
-          <a:p>
-            <a:r>
-              <a:rPr lang="de-DE" altLang="de-DE" dirty="0"/>
-              <a:t>Ein </a:t>
-            </a:r>
-            <a:r>
-              <a:rPr lang="de-DE" altLang="de-DE" dirty="0" err="1"/>
-              <a:t>GitLab</a:t>
-            </a:r>
-            <a:r>
-              <a:rPr lang="de-DE" altLang="de-DE" dirty="0"/>
-              <a:t> Release kann beinhalten</a:t>
-            </a:r>
-          </a:p>
-          <a:p>
-            <a:pPr lvl="1"/>
-            <a:r>
-              <a:rPr lang="de-DE" altLang="de-DE" dirty="0"/>
-              <a:t>Einen Snapshot des Source Codes im Repository</a:t>
-            </a:r>
-          </a:p>
-          <a:p>
-            <a:pPr lvl="1"/>
-            <a:r>
-              <a:rPr lang="de-DE" altLang="de-DE" dirty="0"/>
-              <a:t>Packages aus Job Artefakten</a:t>
-            </a:r>
-          </a:p>
-          <a:p>
-            <a:pPr lvl="1"/>
-            <a:r>
-              <a:rPr lang="de-DE" altLang="de-DE" dirty="0"/>
-              <a:t>Metadaten</a:t>
-            </a:r>
-          </a:p>
-          <a:p>
-            <a:pPr lvl="1"/>
-            <a:r>
-              <a:rPr lang="de-DE" altLang="de-DE" dirty="0"/>
-              <a:t>Release Notes</a:t>
-            </a:r>
-          </a:p>
-          <a:p>
-            <a:r>
-              <a:rPr lang="de-DE" altLang="de-DE" dirty="0" err="1"/>
-              <a:t>GitLab</a:t>
-            </a:r>
-            <a:r>
-              <a:rPr lang="de-DE" altLang="de-DE" dirty="0"/>
-              <a:t> archiviert beim Erstellen eines Releases automatisch den Source Code und verknüpft diesen mit dem Release</a:t>
-            </a:r>
-          </a:p>
-          <a:p>
-            <a:r>
-              <a:rPr lang="de-DE" altLang="de-DE" dirty="0" err="1"/>
-              <a:t>GitLab</a:t>
-            </a:r>
-            <a:r>
-              <a:rPr lang="de-DE" altLang="de-DE" dirty="0"/>
-              <a:t> erstellt ebenfalls eine JSON Datei, welche den gesamten Release Inhalt auflistet (release </a:t>
-            </a:r>
-            <a:r>
-              <a:rPr lang="de-DE" altLang="de-DE" dirty="0" err="1"/>
-              <a:t>evidence</a:t>
-            </a:r>
-            <a:r>
-              <a:rPr lang="de-DE" altLang="de-DE" dirty="0"/>
-              <a:t>)</a:t>
-            </a:r>
-          </a:p>
-          <a:p>
-            <a:r>
-              <a:rPr lang="de-DE" altLang="de-DE" dirty="0"/>
-              <a:t>Löschung des Tags führt auch zur Löschung des Releases</a:t>
-            </a:r>
-          </a:p>
-        </p:txBody>
-      </p:sp>
-      <p:sp>
-        <p:nvSpPr>
-          <p:cNvPr id="6147" name="Rectangle 1062">
-            <a:extLst>
-              <a:ext uri="{FF2B5EF4-FFF2-40B4-BE49-F238E27FC236}">
-                <a16:creationId xmlns:a16="http://schemas.microsoft.com/office/drawing/2014/main" id="{C46E9340-3256-8D55-A265-94F2F41E288E}"/>
-              </a:ext>
-            </a:extLst>
-          </p:cNvPr>
-          <p:cNvSpPr>
-            <a:spLocks noGrp="1" noChangeArrowheads="1"/>
-          </p:cNvSpPr>
-          <p:nvPr>
-            <p:ph type="title"/>
-          </p:nvPr>
-        </p:nvSpPr>
-        <p:spPr>
-          <a:xfrm>
-            <a:off x="285750" y="142875"/>
-            <a:ext cx="5654675" cy="706438"/>
-          </a:xfrm>
-        </p:spPr>
-        <p:txBody>
-          <a:bodyPr/>
-          <a:lstStyle/>
-          <a:p>
-            <a:r>
-              <a:rPr lang="de-DE" altLang="de-DE" dirty="0" err="1"/>
-              <a:t>GitLab</a:t>
-            </a:r>
-            <a:r>
-              <a:rPr lang="de-DE" altLang="de-DE" dirty="0"/>
-              <a:t> Releases</a:t>
-            </a:r>
-          </a:p>
-        </p:txBody>
-      </p:sp>
-    </p:spTree>
-    <p:extLst>
-      <p:ext uri="{BB962C8B-B14F-4D97-AF65-F5344CB8AC3E}">
-        <p14:creationId xmlns:p14="http://schemas.microsoft.com/office/powerpoint/2010/main" val="1056702386"/>
       </p:ext>
     </p:extLst>
   </p:cSld>
@@ -7687,36 +7913,95 @@
           <a:lstStyle/>
           <a:p>
             <a:r>
+              <a:rPr lang="de-DE" altLang="de-DE" dirty="0" err="1"/>
+              <a:t>GitLab</a:t>
+            </a:r>
+            <a:r>
               <a:rPr lang="de-DE" altLang="de-DE" dirty="0"/>
-              <a:t>Releases können unter </a:t>
-            </a:r>
-            <a:r>
-              <a:rPr lang="de-DE" altLang="de-DE" b="1" dirty="0"/>
-              <a:t>Deploy</a:t>
-            </a:r>
+              <a:t> Releases erstellen einen Snapshot des aktuellen Projektes</a:t>
+            </a:r>
+          </a:p>
+          <a:p>
             <a:r>
               <a:rPr lang="de-DE" altLang="de-DE" dirty="0"/>
-              <a:t> </a:t>
-            </a:r>
-            <a:r>
-              <a:rPr lang="de-DE" altLang="de-DE" dirty="0">
-                <a:sym typeface="Wingdings" panose="05000000000000000000" pitchFamily="2" charset="2"/>
-              </a:rPr>
-              <a:t> </a:t>
-            </a:r>
-            <a:r>
-              <a:rPr lang="de-DE" altLang="de-DE" b="1" dirty="0">
-                <a:sym typeface="Wingdings" panose="05000000000000000000" pitchFamily="2" charset="2"/>
-              </a:rPr>
-              <a:t>Releases</a:t>
-            </a:r>
-            <a:r>
-              <a:rPr lang="de-DE" altLang="de-DE" dirty="0">
-                <a:sym typeface="Wingdings" panose="05000000000000000000" pitchFamily="2" charset="2"/>
-              </a:rPr>
-              <a:t> angelegt werden</a:t>
-            </a:r>
-            <a:endParaRPr lang="de-DE" altLang="de-DE" dirty="0"/>
+              <a:t>Werden aus einem bestimmten Tag erstellt</a:t>
+            </a:r>
+          </a:p>
+          <a:p>
+            <a:r>
+              <a:rPr lang="de-DE" altLang="de-DE" dirty="0"/>
+              <a:t>Ein </a:t>
+            </a:r>
+            <a:r>
+              <a:rPr lang="de-DE" altLang="de-DE" dirty="0" err="1"/>
+              <a:t>GitLab</a:t>
+            </a:r>
+            <a:r>
+              <a:rPr lang="de-DE" altLang="de-DE" dirty="0"/>
+              <a:t> Release kann beinhalten</a:t>
+            </a:r>
+          </a:p>
+          <a:p>
+            <a:pPr lvl="1"/>
+            <a:r>
+              <a:rPr lang="de-DE" altLang="de-DE" dirty="0"/>
+              <a:t>Einen Snapshot des Source Codes im Repository</a:t>
+            </a:r>
+          </a:p>
+          <a:p>
+            <a:pPr lvl="1"/>
+            <a:r>
+              <a:rPr lang="de-DE" altLang="de-DE" dirty="0"/>
+              <a:t>Packages aus Job Artefakten</a:t>
+            </a:r>
+          </a:p>
+          <a:p>
+            <a:pPr lvl="1"/>
+            <a:r>
+              <a:rPr lang="de-DE" altLang="de-DE" dirty="0"/>
+              <a:t>Metadaten</a:t>
+            </a:r>
+          </a:p>
+          <a:p>
+            <a:pPr lvl="1"/>
+            <a:r>
+              <a:rPr lang="de-DE" altLang="de-DE" dirty="0"/>
+              <a:t>Release Notes</a:t>
+            </a:r>
+          </a:p>
+          <a:p>
+            <a:r>
+              <a:rPr lang="de-DE" altLang="de-DE" dirty="0" err="1"/>
+              <a:t>GitLab</a:t>
+            </a:r>
+            <a:r>
+              <a:rPr lang="de-DE" altLang="de-DE" dirty="0"/>
+              <a:t> archiviert beim Erstellen eines Releases automatisch den Source Code und verknüpft diesen mit dem Release</a:t>
+            </a:r>
+          </a:p>
+          <a:p>
+            <a:r>
+              <a:rPr lang="de-DE" altLang="de-DE" dirty="0" err="1"/>
+              <a:t>GitLab</a:t>
+            </a:r>
+            <a:r>
+              <a:rPr lang="de-DE" altLang="de-DE" dirty="0"/>
+              <a:t> erstellt ebenfalls eine JSON Datei, welche den gesamten Release Inhalt auflistet (release </a:t>
+            </a:r>
+            <a:r>
+              <a:rPr lang="de-DE" altLang="de-DE" dirty="0" err="1"/>
+              <a:t>evidence</a:t>
+            </a:r>
+            <a:r>
+              <a:rPr lang="de-DE" altLang="de-DE" dirty="0"/>
+              <a:t>)</a:t>
+            </a:r>
+          </a:p>
+          <a:p>
+            <a:r>
+              <a:rPr lang="de-DE" altLang="de-DE" dirty="0"/>
+              <a:t>Löschung des Tags führt auch zur Löschung des Releases</a:t>
+            </a:r>
           </a:p>
         </p:txBody>
       </p:sp>
@@ -7757,39 +8042,10 @@
           </a:p>
         </p:txBody>
       </p:sp>
-      <p:pic>
-        <p:nvPicPr>
-          <p:cNvPr id="5" name="Grafik 4">
-            <a:extLst>
-              <a:ext uri="{FF2B5EF4-FFF2-40B4-BE49-F238E27FC236}">
-                <a16:creationId xmlns:a16="http://schemas.microsoft.com/office/drawing/2014/main" id="{134E5B83-0C7F-E287-EA72-D380E173405C}"/>
-              </a:ext>
-            </a:extLst>
-          </p:cNvPr>
-          <p:cNvPicPr>
-            <a:picLocks noChangeAspect="1"/>
-          </p:cNvPicPr>
-          <p:nvPr/>
-        </p:nvPicPr>
-        <p:blipFill rotWithShape="1">
-          <a:blip r:embed="rId2"/>
-          <a:srcRect b="31114"/>
-          <a:stretch/>
-        </p:blipFill>
-        <p:spPr>
-          <a:xfrm>
-            <a:off x="285750" y="1493564"/>
-            <a:ext cx="7888549" cy="4392489"/>
-          </a:xfrm>
-          <a:prstGeom prst="rect">
-            <a:avLst/>
-          </a:prstGeom>
-        </p:spPr>
-      </p:pic>
     </p:spTree>
     <p:extLst>
       <p:ext uri="{BB962C8B-B14F-4D97-AF65-F5344CB8AC3E}">
-        <p14:creationId xmlns:p14="http://schemas.microsoft.com/office/powerpoint/2010/main" val="1285262812"/>
+        <p14:creationId xmlns:p14="http://schemas.microsoft.com/office/powerpoint/2010/main" val="1056702386"/>
       </p:ext>
     </p:extLst>
   </p:cSld>
@@ -7841,7 +8097,132 @@
               <a:buFont typeface="Arial" panose="020B0604020202020204" pitchFamily="34" charset="0"/>
               <a:buChar char="•"/>
             </a:pPr>
-            <a:endParaRPr lang="de-DE" altLang="de-DE" sz="1800" b="1" dirty="0"/>
+            <a:r>
+              <a:rPr lang="de-DE" altLang="de-DE" sz="1800" b="1" dirty="0"/>
+              <a:t>Tag 1 – Einführung in </a:t>
+            </a:r>
+            <a:r>
+              <a:rPr lang="de-DE" altLang="de-DE" sz="1800" b="1" dirty="0" err="1"/>
+              <a:t>Git</a:t>
+            </a:r>
+            <a:r>
+              <a:rPr lang="de-DE" altLang="de-DE" sz="1800" b="1" dirty="0"/>
+              <a:t> und </a:t>
+            </a:r>
+            <a:r>
+              <a:rPr lang="de-DE" altLang="de-DE" sz="1800" b="1" dirty="0" err="1"/>
+              <a:t>GitLab</a:t>
+            </a:r>
+            <a:r>
+              <a:rPr lang="de-DE" altLang="de-DE" sz="1800" b="1" dirty="0"/>
+              <a:t>, </a:t>
+            </a:r>
+            <a:r>
+              <a:rPr lang="de-DE" altLang="de-DE" sz="1800" b="1" dirty="0" err="1"/>
+              <a:t>Git</a:t>
+            </a:r>
+            <a:r>
+              <a:rPr lang="de-DE" altLang="de-DE" sz="1800" b="1" dirty="0"/>
+              <a:t>-Workflow im Team</a:t>
+            </a:r>
+          </a:p>
+          <a:p>
+            <a:pPr lvl="1">
+              <a:buFont typeface="Arial" panose="020B0604020202020204" pitchFamily="34" charset="0"/>
+              <a:buChar char="•"/>
+            </a:pPr>
+            <a:r>
+              <a:rPr lang="de-DE" altLang="de-DE" sz="1400" dirty="0"/>
+              <a:t>Einführung &amp; Kursüberblick</a:t>
+            </a:r>
+          </a:p>
+          <a:p>
+            <a:pPr lvl="1">
+              <a:buFont typeface="Arial" panose="020B0604020202020204" pitchFamily="34" charset="0"/>
+              <a:buChar char="•"/>
+            </a:pPr>
+            <a:r>
+              <a:rPr lang="de-DE" altLang="de-DE" sz="1400" dirty="0"/>
+              <a:t>Grundlagen von </a:t>
+            </a:r>
+            <a:r>
+              <a:rPr lang="de-DE" altLang="de-DE" sz="1400" dirty="0" err="1"/>
+              <a:t>Git</a:t>
+            </a:r>
+            <a:endParaRPr lang="de-DE" altLang="de-DE" sz="1400" dirty="0"/>
+          </a:p>
+          <a:p>
+            <a:pPr lvl="1">
+              <a:buFont typeface="Arial" panose="020B0604020202020204" pitchFamily="34" charset="0"/>
+              <a:buChar char="•"/>
+            </a:pPr>
+            <a:r>
+              <a:rPr lang="de-DE" altLang="de-DE" sz="1400" dirty="0" err="1"/>
+              <a:t>Git</a:t>
+            </a:r>
+            <a:r>
+              <a:rPr lang="de-DE" altLang="de-DE" sz="1400" dirty="0"/>
+              <a:t> </a:t>
+            </a:r>
+            <a:r>
+              <a:rPr lang="de-DE" altLang="de-DE" sz="1400" dirty="0" err="1"/>
+              <a:t>Rebase</a:t>
+            </a:r>
+            <a:r>
+              <a:rPr lang="de-DE" altLang="de-DE" sz="1400" dirty="0"/>
+              <a:t> und </a:t>
+            </a:r>
+            <a:r>
+              <a:rPr lang="de-DE" altLang="de-DE" sz="1400" dirty="0" err="1"/>
+              <a:t>Merge</a:t>
+            </a:r>
+            <a:r>
+              <a:rPr lang="de-DE" altLang="de-DE" sz="1400" dirty="0"/>
+              <a:t>-Strategien</a:t>
+            </a:r>
+          </a:p>
+          <a:p>
+            <a:pPr lvl="1">
+              <a:buFont typeface="Arial" panose="020B0604020202020204" pitchFamily="34" charset="0"/>
+              <a:buChar char="•"/>
+            </a:pPr>
+            <a:r>
+              <a:rPr lang="de-DE" altLang="de-DE" sz="1400" dirty="0" err="1"/>
+              <a:t>Git</a:t>
+            </a:r>
+            <a:r>
+              <a:rPr lang="de-DE" altLang="de-DE" sz="1400" dirty="0"/>
+              <a:t> Remote</a:t>
+            </a:r>
+          </a:p>
+          <a:p>
+            <a:pPr lvl="1">
+              <a:buFont typeface="Arial" panose="020B0604020202020204" pitchFamily="34" charset="0"/>
+              <a:buChar char="•"/>
+            </a:pPr>
+            <a:r>
+              <a:rPr lang="de-DE" altLang="de-DE" sz="1400" dirty="0"/>
+              <a:t>Grundlagen von </a:t>
+            </a:r>
+            <a:r>
+              <a:rPr lang="de-DE" altLang="de-DE" sz="1400" dirty="0" err="1"/>
+              <a:t>GitLab</a:t>
+            </a:r>
+            <a:endParaRPr lang="de-DE" altLang="de-DE" sz="1400" dirty="0"/>
+          </a:p>
+          <a:p>
+            <a:pPr lvl="1">
+              <a:buFont typeface="Arial" panose="020B0604020202020204" pitchFamily="34" charset="0"/>
+              <a:buChar char="•"/>
+            </a:pPr>
+            <a:r>
+              <a:rPr lang="de-DE" altLang="de-DE" sz="1400" dirty="0" err="1"/>
+              <a:t>Git</a:t>
+            </a:r>
+            <a:r>
+              <a:rPr lang="de-DE" altLang="de-DE" sz="1400" dirty="0"/>
+              <a:t>-Workflow im Team</a:t>
+            </a:r>
           </a:p>
           <a:p>
             <a:pPr>
@@ -7850,7 +8231,7 @@
             </a:pPr>
             <a:r>
               <a:rPr lang="de-DE" altLang="de-DE" sz="1800" b="1" dirty="0"/>
-              <a:t>Tag 1 – Einführung in </a:t>
+              <a:t>Tag 2 – Vertiefung </a:t>
             </a:r>
             <a:r>
               <a:rPr lang="de-DE" altLang="de-DE" sz="1800" b="1" dirty="0" err="1"/>
@@ -7858,7 +8239,7 @@
             </a:r>
             <a:r>
               <a:rPr lang="de-DE" altLang="de-DE" sz="1800" b="1" dirty="0"/>
-              <a:t> und </a:t>
+              <a:t>-Workflow, CI/CD &amp; </a:t>
             </a:r>
             <a:r>
               <a:rPr lang="de-DE" altLang="de-DE" sz="1800" b="1" dirty="0" err="1"/>
@@ -7866,15 +8247,7 @@
             </a:r>
             <a:r>
               <a:rPr lang="de-DE" altLang="de-DE" sz="1800" b="1" dirty="0"/>
-              <a:t>, </a:t>
-            </a:r>
-            <a:r>
-              <a:rPr lang="de-DE" altLang="de-DE" sz="1800" b="1" dirty="0" err="1"/>
-              <a:t>Git</a:t>
-            </a:r>
-            <a:r>
-              <a:rPr lang="de-DE" altLang="de-DE" sz="1800" b="1" dirty="0"/>
-              <a:t>-Workflow im Team</a:t>
+              <a:t> CI </a:t>
             </a:r>
           </a:p>
           <a:p>
@@ -7883,8 +8256,12 @@
               <a:buChar char="•"/>
             </a:pPr>
             <a:r>
+              <a:rPr lang="de-DE" altLang="de-DE" sz="1400" dirty="0" err="1"/>
+              <a:t>Gitflow</a:t>
+            </a:r>
+            <a:r>
               <a:rPr lang="de-DE" altLang="de-DE" sz="1400" dirty="0"/>
-              <a:t>Einführung &amp; Kursüberblick</a:t>
+              <a:t>-Workflow</a:t>
             </a:r>
           </a:p>
           <a:p>
@@ -7894,21 +8271,8 @@
             </a:pPr>
             <a:r>
               <a:rPr lang="de-DE" altLang="de-DE" sz="1400" dirty="0"/>
-              <a:t>Grundlagen von </a:t>
-            </a:r>
-            <a:r>
-              <a:rPr lang="de-DE" altLang="de-DE" sz="1400" dirty="0" err="1"/>
-              <a:t>Git</a:t>
-            </a:r>
-            <a:r>
-              <a:rPr lang="de-DE" altLang="de-DE" sz="1400" dirty="0"/>
-              <a:t> und </a:t>
-            </a:r>
-            <a:r>
-              <a:rPr lang="de-DE" altLang="de-DE" sz="1400" dirty="0" err="1"/>
-              <a:t>GitLab</a:t>
-            </a:r>
-            <a:endParaRPr lang="de-DE" altLang="de-DE" sz="1400" dirty="0"/>
+              <a:t>Tags, Releases &amp; deren Verwaltung</a:t>
+            </a:r>
           </a:p>
           <a:p>
             <a:pPr lvl="1">
@@ -7917,27 +8281,11 @@
             </a:pPr>
             <a:r>
               <a:rPr lang="de-DE" altLang="de-DE" sz="1400" dirty="0" err="1"/>
-              <a:t>Git</a:t>
+              <a:t>GitLab</a:t>
             </a:r>
             <a:r>
               <a:rPr lang="de-DE" altLang="de-DE" sz="1400" dirty="0"/>
-              <a:t> </a:t>
-            </a:r>
-            <a:r>
-              <a:rPr lang="de-DE" altLang="de-DE" sz="1400" dirty="0" err="1"/>
-              <a:t>Rebase</a:t>
-            </a:r>
-            <a:r>
-              <a:rPr lang="de-DE" altLang="de-DE" sz="1400" dirty="0"/>
-              <a:t> &amp; </a:t>
-            </a:r>
-            <a:r>
-              <a:rPr lang="de-DE" altLang="de-DE" sz="1400" dirty="0" err="1"/>
-              <a:t>Merge</a:t>
-            </a:r>
-            <a:r>
-              <a:rPr lang="de-DE" altLang="de-DE" sz="1400" dirty="0"/>
-              <a:t>-Strategien</a:t>
+              <a:t>-Runner</a:t>
             </a:r>
           </a:p>
           <a:p>
@@ -7946,12 +8294,47 @@
               <a:buChar char="•"/>
             </a:pPr>
             <a:r>
+              <a:rPr lang="de-DE" altLang="de-DE" sz="1400" dirty="0"/>
+              <a:t>Einführung in </a:t>
+            </a:r>
+            <a:r>
               <a:rPr lang="de-DE" altLang="de-DE" sz="1400" dirty="0" err="1"/>
-              <a:t>Git</a:t>
+              <a:t>GitLab</a:t>
             </a:r>
             <a:r>
               <a:rPr lang="de-DE" altLang="de-DE" sz="1400" dirty="0"/>
-              <a:t>-Workflow im Team</a:t>
+              <a:t> CI/CD &amp; </a:t>
+            </a:r>
+            <a:r>
+              <a:rPr lang="de-DE" altLang="de-DE" sz="1400" dirty="0" err="1"/>
+              <a:t>gitlab.yml</a:t>
+            </a:r>
+            <a:endParaRPr lang="de-DE" altLang="de-DE" sz="1400" dirty="0"/>
+          </a:p>
+          <a:p>
+            <a:pPr>
+              <a:buFont typeface="Arial" panose="020B0604020202020204" pitchFamily="34" charset="0"/>
+              <a:buChar char="•"/>
+            </a:pPr>
+            <a:r>
+              <a:rPr lang="de-DE" altLang="de-DE" sz="1800" b="1" dirty="0"/>
+              <a:t>Tag 3 – </a:t>
+            </a:r>
+            <a:r>
+              <a:rPr lang="de-DE" altLang="de-DE" sz="1800" b="1" dirty="0" err="1"/>
+              <a:t>GitOps</a:t>
+            </a:r>
+            <a:r>
+              <a:rPr lang="de-DE" altLang="de-DE" sz="1800" b="1" dirty="0"/>
+              <a:t>, Docker in der Entwicklung und </a:t>
+            </a:r>
+            <a:r>
+              <a:rPr lang="de-DE" altLang="de-DE" sz="1800" b="1" dirty="0" err="1"/>
+              <a:t>Deployment</a:t>
+            </a:r>
+            <a:r>
+              <a:rPr lang="de-DE" altLang="de-DE" sz="1800" b="1" dirty="0"/>
+              <a:t>-Strategien</a:t>
             </a:r>
           </a:p>
           <a:p>
@@ -7959,30 +8342,14 @@
               <a:buFont typeface="Arial" panose="020B0604020202020204" pitchFamily="34" charset="0"/>
               <a:buChar char="•"/>
             </a:pPr>
-            <a:endParaRPr lang="de-DE" altLang="de-DE" sz="1400" dirty="0"/>
-          </a:p>
-          <a:p>
-            <a:pPr>
-              <a:buFont typeface="Arial" panose="020B0604020202020204" pitchFamily="34" charset="0"/>
-              <a:buChar char="•"/>
-            </a:pPr>
-            <a:r>
-              <a:rPr lang="de-DE" altLang="de-DE" sz="1800" b="1" dirty="0"/>
-              <a:t>Tag 2 – Vertiefung </a:t>
-            </a:r>
-            <a:r>
-              <a:rPr lang="de-DE" altLang="de-DE" sz="1800" b="1" dirty="0" err="1"/>
-              <a:t>Git</a:t>
-            </a:r>
-            <a:r>
-              <a:rPr lang="de-DE" altLang="de-DE" sz="1800" b="1" dirty="0"/>
-              <a:t>-Workflow, CI/CD &amp; </a:t>
-            </a:r>
-            <a:r>
-              <a:rPr lang="de-DE" altLang="de-DE" sz="1800" b="1" dirty="0" err="1"/>
+            <a:r>
+              <a:rPr lang="de-DE" altLang="de-DE" sz="1400" dirty="0" err="1"/>
               <a:t>GitOps</a:t>
             </a:r>
-            <a:endParaRPr lang="de-DE" altLang="de-DE" sz="1800" b="1" dirty="0"/>
+            <a:r>
+              <a:rPr lang="de-DE" altLang="de-DE" sz="1400" dirty="0"/>
+              <a:t> Grundlagen</a:t>
+            </a:r>
           </a:p>
           <a:p>
             <a:pPr lvl="1">
@@ -7990,12 +8357,8 @@
               <a:buChar char="•"/>
             </a:pPr>
             <a:r>
-              <a:rPr lang="de-DE" altLang="de-DE" sz="1400" dirty="0" err="1"/>
-              <a:t>Gitflow</a:t>
-            </a:r>
-            <a:r>
               <a:rPr lang="de-DE" altLang="de-DE" sz="1400" dirty="0"/>
-              <a:t>-Workflow</a:t>
+              <a:t>Lokale Entwicklung mit Docker</a:t>
             </a:r>
           </a:p>
           <a:p>
@@ -8005,7 +8368,7 @@
             </a:pPr>
             <a:r>
               <a:rPr lang="de-DE" altLang="de-DE" sz="1400" dirty="0"/>
-              <a:t>Tags, Releases &amp; deren Verwaltung</a:t>
+              <a:t>Container/Docker-Registry</a:t>
             </a:r>
           </a:p>
           <a:p>
@@ -8015,21 +8378,16 @@
             </a:pPr>
             <a:r>
               <a:rPr lang="de-DE" altLang="de-DE" sz="1400" dirty="0"/>
-              <a:t>Einführung in </a:t>
+              <a:t>Erstellen von Release- und </a:t>
             </a:r>
             <a:r>
               <a:rPr lang="de-DE" altLang="de-DE" sz="1400" dirty="0" err="1"/>
-              <a:t>GitLab</a:t>
+              <a:t>Tagged</a:t>
             </a:r>
             <a:r>
               <a:rPr lang="de-DE" altLang="de-DE" sz="1400" dirty="0"/>
-              <a:t> CI/CD &amp; </a:t>
-            </a:r>
-            <a:r>
-              <a:rPr lang="de-DE" altLang="de-DE" sz="1400" dirty="0" err="1"/>
-              <a:t>gitlab.yml</a:t>
-            </a:r>
-            <a:endParaRPr lang="de-DE" altLang="de-DE" sz="1400" dirty="0"/>
+              <a:t>-Images</a:t>
+            </a:r>
           </a:p>
           <a:p>
             <a:pPr lvl="1">
@@ -8038,105 +8396,25 @@
             </a:pPr>
             <a:r>
               <a:rPr lang="de-DE" altLang="de-DE" sz="1400" dirty="0"/>
-              <a:t>Grundlagen von </a:t>
+              <a:t>Möglichkeiten des </a:t>
             </a:r>
             <a:r>
               <a:rPr lang="de-DE" altLang="de-DE" sz="1400" dirty="0" err="1"/>
-              <a:t>GitOps</a:t>
-            </a:r>
-            <a:endParaRPr lang="de-DE" altLang="de-DE" sz="1400" dirty="0"/>
+              <a:t>Deployments</a:t>
+            </a:r>
+            <a:r>
+              <a:rPr lang="de-DE" altLang="de-DE" sz="1400" dirty="0"/>
+              <a:t> &amp; Verwaltung von Konfiguration</a:t>
+            </a:r>
           </a:p>
           <a:p>
             <a:pPr lvl="1">
               <a:buFont typeface="Arial" panose="020B0604020202020204" pitchFamily="34" charset="0"/>
               <a:buChar char="•"/>
             </a:pPr>
-            <a:endParaRPr lang="de-DE" altLang="de-DE" sz="1400" dirty="0"/>
-          </a:p>
-          <a:p>
-            <a:pPr>
-              <a:buFont typeface="Arial" panose="020B0604020202020204" pitchFamily="34" charset="0"/>
-              <a:buChar char="•"/>
-            </a:pPr>
-            <a:r>
-              <a:rPr lang="de-DE" altLang="de-DE" sz="1800" b="1" dirty="0"/>
-              <a:t>Tag 3 – Docker in der Entwicklung, </a:t>
-            </a:r>
-            <a:r>
-              <a:rPr lang="de-DE" altLang="de-DE" sz="1800" b="1" dirty="0" err="1"/>
-              <a:t>GitLab</a:t>
-            </a:r>
-            <a:r>
-              <a:rPr lang="de-DE" altLang="de-DE" sz="1800" b="1" dirty="0"/>
-              <a:t> CI und </a:t>
-            </a:r>
-            <a:r>
-              <a:rPr lang="de-DE" altLang="de-DE" sz="1800" b="1" dirty="0" err="1"/>
-              <a:t>Deployment</a:t>
-            </a:r>
-            <a:r>
-              <a:rPr lang="de-DE" altLang="de-DE" sz="1800" b="1" dirty="0"/>
-              <a:t>-Strategien</a:t>
-            </a:r>
-          </a:p>
-          <a:p>
-            <a:pPr lvl="1">
-              <a:buFont typeface="Arial" panose="020B0604020202020204" pitchFamily="34" charset="0"/>
-              <a:buChar char="•"/>
-            </a:pPr>
             <a:r>
               <a:rPr lang="de-DE" altLang="de-DE" sz="1400" dirty="0"/>
-              <a:t>Lokale Entwicklung mit Docker</a:t>
-            </a:r>
-          </a:p>
-          <a:p>
-            <a:pPr lvl="1">
-              <a:buFont typeface="Arial" panose="020B0604020202020204" pitchFamily="34" charset="0"/>
-              <a:buChar char="•"/>
-            </a:pPr>
-            <a:r>
-              <a:rPr lang="de-DE" altLang="de-DE" sz="1400" dirty="0" err="1"/>
-              <a:t>GitLab</a:t>
-            </a:r>
-            <a:r>
-              <a:rPr lang="de-DE" altLang="de-DE" sz="1400" dirty="0"/>
-              <a:t>-Runner &amp; Docker-Registry</a:t>
-            </a:r>
-          </a:p>
-          <a:p>
-            <a:pPr lvl="1">
-              <a:buFont typeface="Arial" panose="020B0604020202020204" pitchFamily="34" charset="0"/>
-              <a:buChar char="•"/>
-            </a:pPr>
-            <a:r>
-              <a:rPr lang="de-DE" altLang="de-DE" sz="1400" dirty="0"/>
-              <a:t>Erstellen von Release- und </a:t>
-            </a:r>
-            <a:r>
-              <a:rPr lang="de-DE" altLang="de-DE" sz="1400" dirty="0" err="1"/>
-              <a:t>Tagged</a:t>
-            </a:r>
-            <a:r>
-              <a:rPr lang="de-DE" altLang="de-DE" sz="1400" dirty="0"/>
-              <a:t>-Images</a:t>
-            </a:r>
-          </a:p>
-          <a:p>
-            <a:pPr lvl="1">
-              <a:buFont typeface="Arial" panose="020B0604020202020204" pitchFamily="34" charset="0"/>
-              <a:buChar char="•"/>
-            </a:pPr>
-            <a:r>
-              <a:rPr lang="de-DE" altLang="de-DE" sz="1400" dirty="0"/>
-              <a:t>Möglichkeiten des </a:t>
-            </a:r>
-            <a:r>
-              <a:rPr lang="de-DE" altLang="de-DE" sz="1400" dirty="0" err="1"/>
-              <a:t>Deployments</a:t>
-            </a:r>
-            <a:r>
-              <a:rPr lang="de-DE" altLang="de-DE" sz="1400" dirty="0"/>
-              <a:t> &amp; Verwaltung von Konfiguration</a:t>
+              <a:t>Abschlussübung &amp; Diskussion</a:t>
             </a:r>
           </a:p>
           <a:p>
@@ -8190,6 +8468,162 @@
 </file>
 
 <file path=ppt/slides/slide20.xml><?xml version="1.0" encoding="utf-8"?>
+<p:sld xmlns:a="http://schemas.openxmlformats.org/drawingml/2006/main" xmlns:r="http://schemas.openxmlformats.org/officeDocument/2006/relationships" xmlns:p="http://schemas.openxmlformats.org/presentationml/2006/main">
+  <p:cSld>
+    <p:spTree>
+      <p:nvGrpSpPr>
+        <p:cNvPr id="1" name=""/>
+        <p:cNvGrpSpPr/>
+        <p:nvPr/>
+      </p:nvGrpSpPr>
+      <p:grpSpPr>
+        <a:xfrm>
+          <a:off x="0" y="0"/>
+          <a:ext cx="0" cy="0"/>
+          <a:chOff x="0" y="0"/>
+          <a:chExt cx="0" cy="0"/>
+        </a:xfrm>
+      </p:grpSpPr>
+      <p:sp>
+        <p:nvSpPr>
+          <p:cNvPr id="6146" name="Inhaltsplatzhalter 18">
+            <a:extLst>
+              <a:ext uri="{FF2B5EF4-FFF2-40B4-BE49-F238E27FC236}">
+                <a16:creationId xmlns:a16="http://schemas.microsoft.com/office/drawing/2014/main" id="{BE3C4C95-FD5D-27F0-ED0C-AB8113CAC9F1}"/>
+              </a:ext>
+            </a:extLst>
+          </p:cNvPr>
+          <p:cNvSpPr>
+            <a:spLocks noGrp="1"/>
+          </p:cNvSpPr>
+          <p:nvPr>
+            <p:ph idx="1"/>
+          </p:nvPr>
+        </p:nvSpPr>
+        <p:spPr>
+          <a:xfrm>
+            <a:off x="303214" y="981075"/>
+            <a:ext cx="8517258" cy="5400675"/>
+          </a:xfrm>
+        </p:spPr>
+        <p:txBody>
+          <a:bodyPr/>
+          <a:lstStyle/>
+          <a:p>
+            <a:r>
+              <a:rPr lang="de-DE" altLang="de-DE" dirty="0"/>
+              <a:t>Releases können unter </a:t>
+            </a:r>
+            <a:r>
+              <a:rPr lang="de-DE" altLang="de-DE" b="1" dirty="0"/>
+              <a:t>Deploy</a:t>
+            </a:r>
+            <a:r>
+              <a:rPr lang="de-DE" altLang="de-DE" dirty="0"/>
+              <a:t> </a:t>
+            </a:r>
+            <a:r>
+              <a:rPr lang="de-DE" altLang="de-DE" dirty="0">
+                <a:sym typeface="Wingdings" panose="05000000000000000000" pitchFamily="2" charset="2"/>
+              </a:rPr>
+              <a:t> </a:t>
+            </a:r>
+            <a:r>
+              <a:rPr lang="de-DE" altLang="de-DE" b="1" dirty="0">
+                <a:sym typeface="Wingdings" panose="05000000000000000000" pitchFamily="2" charset="2"/>
+              </a:rPr>
+              <a:t>Releases</a:t>
+            </a:r>
+            <a:r>
+              <a:rPr lang="de-DE" altLang="de-DE" dirty="0">
+                <a:sym typeface="Wingdings" panose="05000000000000000000" pitchFamily="2" charset="2"/>
+              </a:rPr>
+              <a:t> angelegt werden</a:t>
+            </a:r>
+            <a:endParaRPr lang="de-DE" altLang="de-DE" dirty="0"/>
+          </a:p>
+        </p:txBody>
+      </p:sp>
+      <p:sp>
+        <p:nvSpPr>
+          <p:cNvPr id="6147" name="Rectangle 1062">
+            <a:extLst>
+              <a:ext uri="{FF2B5EF4-FFF2-40B4-BE49-F238E27FC236}">
+                <a16:creationId xmlns:a16="http://schemas.microsoft.com/office/drawing/2014/main" id="{C46E9340-3256-8D55-A265-94F2F41E288E}"/>
+              </a:ext>
+            </a:extLst>
+          </p:cNvPr>
+          <p:cNvSpPr>
+            <a:spLocks noGrp="1" noChangeArrowheads="1"/>
+          </p:cNvSpPr>
+          <p:nvPr>
+            <p:ph type="title"/>
+          </p:nvPr>
+        </p:nvSpPr>
+        <p:spPr>
+          <a:xfrm>
+            <a:off x="285750" y="142875"/>
+            <a:ext cx="5654675" cy="706438"/>
+          </a:xfrm>
+        </p:spPr>
+        <p:txBody>
+          <a:bodyPr/>
+          <a:lstStyle/>
+          <a:p>
+            <a:r>
+              <a:rPr lang="de-DE" altLang="de-DE" dirty="0" err="1"/>
+              <a:t>GitLab</a:t>
+            </a:r>
+            <a:r>
+              <a:rPr lang="de-DE" altLang="de-DE" dirty="0"/>
+              <a:t> Releases</a:t>
+            </a:r>
+          </a:p>
+        </p:txBody>
+      </p:sp>
+      <p:pic>
+        <p:nvPicPr>
+          <p:cNvPr id="5" name="Grafik 4">
+            <a:extLst>
+              <a:ext uri="{FF2B5EF4-FFF2-40B4-BE49-F238E27FC236}">
+                <a16:creationId xmlns:a16="http://schemas.microsoft.com/office/drawing/2014/main" id="{134E5B83-0C7F-E287-EA72-D380E173405C}"/>
+              </a:ext>
+            </a:extLst>
+          </p:cNvPr>
+          <p:cNvPicPr>
+            <a:picLocks noChangeAspect="1"/>
+          </p:cNvPicPr>
+          <p:nvPr/>
+        </p:nvPicPr>
+        <p:blipFill rotWithShape="1">
+          <a:blip r:embed="rId2"/>
+          <a:srcRect b="31114"/>
+          <a:stretch/>
+        </p:blipFill>
+        <p:spPr>
+          <a:xfrm>
+            <a:off x="285750" y="1493564"/>
+            <a:ext cx="7888549" cy="4392489"/>
+          </a:xfrm>
+          <a:prstGeom prst="rect">
+            <a:avLst/>
+          </a:prstGeom>
+        </p:spPr>
+      </p:pic>
+    </p:spTree>
+    <p:extLst>
+      <p:ext uri="{BB962C8B-B14F-4D97-AF65-F5344CB8AC3E}">
+        <p14:creationId xmlns:p14="http://schemas.microsoft.com/office/powerpoint/2010/main" val="1285262812"/>
+      </p:ext>
+    </p:extLst>
+  </p:cSld>
+  <p:clrMapOvr>
+    <a:masterClrMapping/>
+  </p:clrMapOvr>
+</p:sld>
+</file>
+
+<file path=ppt/slides/slide21.xml><?xml version="1.0" encoding="utf-8"?>
 <p:sld xmlns:a="http://schemas.openxmlformats.org/drawingml/2006/main" xmlns:r="http://schemas.openxmlformats.org/officeDocument/2006/relationships" xmlns:p="http://schemas.openxmlformats.org/presentationml/2006/main">
   <p:cSld>
     <p:spTree>
@@ -8286,7 +8720,7 @@
 </p:sld>
 </file>
 
-<file path=ppt/slides/slide21.xml><?xml version="1.0" encoding="utf-8"?>
+<file path=ppt/slides/slide22.xml><?xml version="1.0" encoding="utf-8"?>
 <p:sld xmlns:a="http://schemas.openxmlformats.org/drawingml/2006/main" xmlns:r="http://schemas.openxmlformats.org/officeDocument/2006/relationships" xmlns:p="http://schemas.openxmlformats.org/presentationml/2006/main">
   <p:cSld>
     <p:spTree>
@@ -8504,10 +8938,364 @@
       </p:grpSpPr>
       <p:sp>
         <p:nvSpPr>
-          <p:cNvPr id="5123" name="Rectangle 6">
+          <p:cNvPr id="6146" name="Inhaltsplatzhalter 18">
             <a:extLst>
               <a:ext uri="{FF2B5EF4-FFF2-40B4-BE49-F238E27FC236}">
-                <a16:creationId xmlns:a16="http://schemas.microsoft.com/office/drawing/2014/main" id="{BC4BC2CC-AA18-345B-63ED-7D24CA6BD3B5}"/>
+                <a16:creationId xmlns:a16="http://schemas.microsoft.com/office/drawing/2014/main" id="{BE3C4C95-FD5D-27F0-ED0C-AB8113CAC9F1}"/>
+              </a:ext>
+            </a:extLst>
+          </p:cNvPr>
+          <p:cNvSpPr>
+            <a:spLocks noGrp="1"/>
+          </p:cNvSpPr>
+          <p:nvPr>
+            <p:ph idx="1"/>
+          </p:nvPr>
+        </p:nvSpPr>
+        <p:spPr/>
+        <p:txBody>
+          <a:bodyPr/>
+          <a:lstStyle/>
+          <a:p>
+            <a:pPr>
+              <a:buFont typeface="Arial" panose="020B0604020202020204" pitchFamily="34" charset="0"/>
+              <a:buChar char="•"/>
+            </a:pPr>
+            <a:r>
+              <a:rPr lang="de-DE" altLang="de-DE" sz="1800" b="1" dirty="0"/>
+              <a:t>Tag 1 – Einführung in </a:t>
+            </a:r>
+            <a:r>
+              <a:rPr lang="de-DE" altLang="de-DE" sz="1800" b="1" dirty="0" err="1"/>
+              <a:t>Git</a:t>
+            </a:r>
+            <a:r>
+              <a:rPr lang="de-DE" altLang="de-DE" sz="1800" b="1" dirty="0"/>
+              <a:t> und </a:t>
+            </a:r>
+            <a:r>
+              <a:rPr lang="de-DE" altLang="de-DE" sz="1800" b="1" dirty="0" err="1"/>
+              <a:t>GitLab</a:t>
+            </a:r>
+            <a:r>
+              <a:rPr lang="de-DE" altLang="de-DE" sz="1800" b="1" dirty="0"/>
+              <a:t>, </a:t>
+            </a:r>
+            <a:r>
+              <a:rPr lang="de-DE" altLang="de-DE" sz="1800" b="1" dirty="0" err="1"/>
+              <a:t>Git</a:t>
+            </a:r>
+            <a:r>
+              <a:rPr lang="de-DE" altLang="de-DE" sz="1800" b="1" dirty="0"/>
+              <a:t>-Workflow im Team</a:t>
+            </a:r>
+          </a:p>
+          <a:p>
+            <a:pPr lvl="1">
+              <a:buFont typeface="Arial" panose="020B0604020202020204" pitchFamily="34" charset="0"/>
+              <a:buChar char="•"/>
+            </a:pPr>
+            <a:r>
+              <a:rPr lang="de-DE" altLang="de-DE" sz="1400" dirty="0"/>
+              <a:t>Einführung &amp; Kursüberblick</a:t>
+            </a:r>
+          </a:p>
+          <a:p>
+            <a:pPr lvl="1">
+              <a:buFont typeface="Arial" panose="020B0604020202020204" pitchFamily="34" charset="0"/>
+              <a:buChar char="•"/>
+            </a:pPr>
+            <a:r>
+              <a:rPr lang="de-DE" altLang="de-DE" sz="1400" dirty="0"/>
+              <a:t>Grundlagen von </a:t>
+            </a:r>
+            <a:r>
+              <a:rPr lang="de-DE" altLang="de-DE" sz="1400" dirty="0" err="1"/>
+              <a:t>Git</a:t>
+            </a:r>
+            <a:endParaRPr lang="de-DE" altLang="de-DE" sz="1400" dirty="0"/>
+          </a:p>
+          <a:p>
+            <a:pPr lvl="1">
+              <a:buFont typeface="Arial" panose="020B0604020202020204" pitchFamily="34" charset="0"/>
+              <a:buChar char="•"/>
+            </a:pPr>
+            <a:r>
+              <a:rPr lang="de-DE" altLang="de-DE" sz="1400" dirty="0" err="1"/>
+              <a:t>Git</a:t>
+            </a:r>
+            <a:r>
+              <a:rPr lang="de-DE" altLang="de-DE" sz="1400" dirty="0"/>
+              <a:t> </a:t>
+            </a:r>
+            <a:r>
+              <a:rPr lang="de-DE" altLang="de-DE" sz="1400" dirty="0" err="1"/>
+              <a:t>Rebase</a:t>
+            </a:r>
+            <a:r>
+              <a:rPr lang="de-DE" altLang="de-DE" sz="1400" dirty="0"/>
+              <a:t> und </a:t>
+            </a:r>
+            <a:r>
+              <a:rPr lang="de-DE" altLang="de-DE" sz="1400" dirty="0" err="1"/>
+              <a:t>Merge</a:t>
+            </a:r>
+            <a:r>
+              <a:rPr lang="de-DE" altLang="de-DE" sz="1400" dirty="0"/>
+              <a:t>-Strategien</a:t>
+            </a:r>
+          </a:p>
+          <a:p>
+            <a:pPr lvl="1">
+              <a:buFont typeface="Arial" panose="020B0604020202020204" pitchFamily="34" charset="0"/>
+              <a:buChar char="•"/>
+            </a:pPr>
+            <a:r>
+              <a:rPr lang="de-DE" altLang="de-DE" sz="1400" dirty="0" err="1"/>
+              <a:t>Git</a:t>
+            </a:r>
+            <a:r>
+              <a:rPr lang="de-DE" altLang="de-DE" sz="1400" dirty="0"/>
+              <a:t> Remote</a:t>
+            </a:r>
+          </a:p>
+          <a:p>
+            <a:pPr lvl="1">
+              <a:buFont typeface="Arial" panose="020B0604020202020204" pitchFamily="34" charset="0"/>
+              <a:buChar char="•"/>
+            </a:pPr>
+            <a:r>
+              <a:rPr lang="de-DE" altLang="de-DE" sz="1400" dirty="0"/>
+              <a:t>Grundlagen von </a:t>
+            </a:r>
+            <a:r>
+              <a:rPr lang="de-DE" altLang="de-DE" sz="1400" dirty="0" err="1"/>
+              <a:t>GitLab</a:t>
+            </a:r>
+            <a:endParaRPr lang="de-DE" altLang="de-DE" sz="1400" dirty="0"/>
+          </a:p>
+          <a:p>
+            <a:pPr lvl="1">
+              <a:buFont typeface="Arial" panose="020B0604020202020204" pitchFamily="34" charset="0"/>
+              <a:buChar char="•"/>
+            </a:pPr>
+            <a:r>
+              <a:rPr lang="de-DE" altLang="de-DE" sz="1400" dirty="0" err="1"/>
+              <a:t>Git</a:t>
+            </a:r>
+            <a:r>
+              <a:rPr lang="de-DE" altLang="de-DE" sz="1400" dirty="0"/>
+              <a:t>-Workflow im Team</a:t>
+            </a:r>
+          </a:p>
+          <a:p>
+            <a:pPr>
+              <a:buFont typeface="Arial" panose="020B0604020202020204" pitchFamily="34" charset="0"/>
+              <a:buChar char="•"/>
+            </a:pPr>
+            <a:r>
+              <a:rPr lang="de-DE" altLang="de-DE" sz="1800" b="1" dirty="0"/>
+              <a:t>Tag 2 – Vertiefung </a:t>
+            </a:r>
+            <a:r>
+              <a:rPr lang="de-DE" altLang="de-DE" sz="1800" b="1" dirty="0" err="1"/>
+              <a:t>Git</a:t>
+            </a:r>
+            <a:r>
+              <a:rPr lang="de-DE" altLang="de-DE" sz="1800" b="1" dirty="0"/>
+              <a:t>-Workflow, CI/CD &amp; </a:t>
+            </a:r>
+            <a:r>
+              <a:rPr lang="de-DE" altLang="de-DE" sz="1800" b="1" dirty="0" err="1"/>
+              <a:t>GitLab</a:t>
+            </a:r>
+            <a:r>
+              <a:rPr lang="de-DE" altLang="de-DE" sz="1800" b="1" dirty="0"/>
+              <a:t> CI </a:t>
+            </a:r>
+          </a:p>
+          <a:p>
+            <a:pPr lvl="1">
+              <a:buFont typeface="Arial" panose="020B0604020202020204" pitchFamily="34" charset="0"/>
+              <a:buChar char="•"/>
+            </a:pPr>
+            <a:r>
+              <a:rPr lang="de-DE" altLang="de-DE" sz="1400" dirty="0" err="1"/>
+              <a:t>Gitflow</a:t>
+            </a:r>
+            <a:r>
+              <a:rPr lang="de-DE" altLang="de-DE" sz="1400" dirty="0"/>
+              <a:t>-Workflow</a:t>
+            </a:r>
+          </a:p>
+          <a:p>
+            <a:pPr lvl="1">
+              <a:buFont typeface="Arial" panose="020B0604020202020204" pitchFamily="34" charset="0"/>
+              <a:buChar char="•"/>
+            </a:pPr>
+            <a:r>
+              <a:rPr lang="de-DE" altLang="de-DE" sz="1400" u="sng" dirty="0"/>
+              <a:t>Tags, Releases &amp; deren Verwaltung</a:t>
+            </a:r>
+          </a:p>
+          <a:p>
+            <a:pPr lvl="1">
+              <a:buFont typeface="Arial" panose="020B0604020202020204" pitchFamily="34" charset="0"/>
+              <a:buChar char="•"/>
+            </a:pPr>
+            <a:r>
+              <a:rPr lang="de-DE" altLang="de-DE" sz="1400" dirty="0" err="1"/>
+              <a:t>GitLab</a:t>
+            </a:r>
+            <a:r>
+              <a:rPr lang="de-DE" altLang="de-DE" sz="1400" dirty="0"/>
+              <a:t>-Runner</a:t>
+            </a:r>
+          </a:p>
+          <a:p>
+            <a:pPr lvl="1">
+              <a:buFont typeface="Arial" panose="020B0604020202020204" pitchFamily="34" charset="0"/>
+              <a:buChar char="•"/>
+            </a:pPr>
+            <a:r>
+              <a:rPr lang="de-DE" altLang="de-DE" sz="1400" dirty="0"/>
+              <a:t>Einführung in </a:t>
+            </a:r>
+            <a:r>
+              <a:rPr lang="de-DE" altLang="de-DE" sz="1400" dirty="0" err="1"/>
+              <a:t>GitLab</a:t>
+            </a:r>
+            <a:r>
+              <a:rPr lang="de-DE" altLang="de-DE" sz="1400" dirty="0"/>
+              <a:t> CI/CD &amp; </a:t>
+            </a:r>
+            <a:r>
+              <a:rPr lang="de-DE" altLang="de-DE" sz="1400" dirty="0" err="1"/>
+              <a:t>gitlab.yml</a:t>
+            </a:r>
+            <a:endParaRPr lang="de-DE" altLang="de-DE" sz="1400" dirty="0"/>
+          </a:p>
+          <a:p>
+            <a:pPr>
+              <a:buFont typeface="Arial" panose="020B0604020202020204" pitchFamily="34" charset="0"/>
+              <a:buChar char="•"/>
+            </a:pPr>
+            <a:r>
+              <a:rPr lang="de-DE" altLang="de-DE" sz="1800" b="1" dirty="0"/>
+              <a:t>Tag 3 – </a:t>
+            </a:r>
+            <a:r>
+              <a:rPr lang="de-DE" altLang="de-DE" sz="1800" b="1" dirty="0" err="1"/>
+              <a:t>GitOps</a:t>
+            </a:r>
+            <a:r>
+              <a:rPr lang="de-DE" altLang="de-DE" sz="1800" b="1" dirty="0"/>
+              <a:t>, Docker in der Entwicklung und </a:t>
+            </a:r>
+            <a:r>
+              <a:rPr lang="de-DE" altLang="de-DE" sz="1800" b="1" dirty="0" err="1"/>
+              <a:t>Deployment</a:t>
+            </a:r>
+            <a:r>
+              <a:rPr lang="de-DE" altLang="de-DE" sz="1800" b="1" dirty="0"/>
+              <a:t>-Strategien</a:t>
+            </a:r>
+          </a:p>
+          <a:p>
+            <a:pPr lvl="1">
+              <a:buFont typeface="Arial" panose="020B0604020202020204" pitchFamily="34" charset="0"/>
+              <a:buChar char="•"/>
+            </a:pPr>
+            <a:r>
+              <a:rPr lang="de-DE" altLang="de-DE" sz="1400" dirty="0" err="1"/>
+              <a:t>GitOps</a:t>
+            </a:r>
+            <a:r>
+              <a:rPr lang="de-DE" altLang="de-DE" sz="1400" dirty="0"/>
+              <a:t> Grundlagen</a:t>
+            </a:r>
+          </a:p>
+          <a:p>
+            <a:pPr lvl="1">
+              <a:buFont typeface="Arial" panose="020B0604020202020204" pitchFamily="34" charset="0"/>
+              <a:buChar char="•"/>
+            </a:pPr>
+            <a:r>
+              <a:rPr lang="de-DE" altLang="de-DE" sz="1400" dirty="0"/>
+              <a:t>Lokale Entwicklung mit Docker</a:t>
+            </a:r>
+          </a:p>
+          <a:p>
+            <a:pPr lvl="1">
+              <a:buFont typeface="Arial" panose="020B0604020202020204" pitchFamily="34" charset="0"/>
+              <a:buChar char="•"/>
+            </a:pPr>
+            <a:r>
+              <a:rPr lang="de-DE" altLang="de-DE" sz="1400" dirty="0"/>
+              <a:t>Container/Docker-Registry</a:t>
+            </a:r>
+          </a:p>
+          <a:p>
+            <a:pPr lvl="1">
+              <a:buFont typeface="Arial" panose="020B0604020202020204" pitchFamily="34" charset="0"/>
+              <a:buChar char="•"/>
+            </a:pPr>
+            <a:r>
+              <a:rPr lang="de-DE" altLang="de-DE" sz="1400" dirty="0"/>
+              <a:t>Erstellen von Release- und </a:t>
+            </a:r>
+            <a:r>
+              <a:rPr lang="de-DE" altLang="de-DE" sz="1400" dirty="0" err="1"/>
+              <a:t>Tagged</a:t>
+            </a:r>
+            <a:r>
+              <a:rPr lang="de-DE" altLang="de-DE" sz="1400" dirty="0"/>
+              <a:t>-Images</a:t>
+            </a:r>
+          </a:p>
+          <a:p>
+            <a:pPr lvl="1">
+              <a:buFont typeface="Arial" panose="020B0604020202020204" pitchFamily="34" charset="0"/>
+              <a:buChar char="•"/>
+            </a:pPr>
+            <a:r>
+              <a:rPr lang="de-DE" altLang="de-DE" sz="1400" dirty="0"/>
+              <a:t>Möglichkeiten des </a:t>
+            </a:r>
+            <a:r>
+              <a:rPr lang="de-DE" altLang="de-DE" sz="1400" dirty="0" err="1"/>
+              <a:t>Deployments</a:t>
+            </a:r>
+            <a:r>
+              <a:rPr lang="de-DE" altLang="de-DE" sz="1400" dirty="0"/>
+              <a:t> &amp; Verwaltung von Konfiguration</a:t>
+            </a:r>
+          </a:p>
+          <a:p>
+            <a:pPr lvl="1">
+              <a:buFont typeface="Arial" panose="020B0604020202020204" pitchFamily="34" charset="0"/>
+              <a:buChar char="•"/>
+            </a:pPr>
+            <a:r>
+              <a:rPr lang="de-DE" altLang="de-DE" sz="1400" dirty="0"/>
+              <a:t>Abschlussübung &amp; Diskussion</a:t>
+            </a:r>
+          </a:p>
+          <a:p>
+            <a:pPr lvl="1">
+              <a:buFont typeface="Arial" panose="020B0604020202020204" pitchFamily="34" charset="0"/>
+              <a:buChar char="•"/>
+            </a:pPr>
+            <a:endParaRPr lang="de-DE" altLang="de-DE" sz="1400" dirty="0"/>
+          </a:p>
+        </p:txBody>
+      </p:sp>
+      <p:sp>
+        <p:nvSpPr>
+          <p:cNvPr id="6147" name="Rectangle 1062">
+            <a:extLst>
+              <a:ext uri="{FF2B5EF4-FFF2-40B4-BE49-F238E27FC236}">
+                <a16:creationId xmlns:a16="http://schemas.microsoft.com/office/drawing/2014/main" id="{C46E9340-3256-8D55-A265-94F2F41E288E}"/>
               </a:ext>
             </a:extLst>
           </p:cNvPr>
@@ -8520,8 +9308,8 @@
         </p:nvSpPr>
         <p:spPr>
           <a:xfrm>
-            <a:off x="457200" y="115888"/>
-            <a:ext cx="3409950" cy="706437"/>
+            <a:off x="285750" y="142875"/>
+            <a:ext cx="5654675" cy="706438"/>
           </a:xfrm>
         </p:spPr>
         <p:txBody>
@@ -8529,150 +9317,18 @@
           <a:lstStyle/>
           <a:p>
             <a:r>
-              <a:rPr lang="de-DE" altLang="de-DE"/>
-              <a:t>Inhalt</a:t>
-            </a:r>
-          </a:p>
-        </p:txBody>
-      </p:sp>
-      <p:sp>
-        <p:nvSpPr>
-          <p:cNvPr id="3" name="Inhaltsplatzhalter 18">
-            <a:extLst>
-              <a:ext uri="{FF2B5EF4-FFF2-40B4-BE49-F238E27FC236}">
-                <a16:creationId xmlns:a16="http://schemas.microsoft.com/office/drawing/2014/main" id="{722A59E8-4DC4-18C6-04BE-E59EF5F3246C}"/>
-              </a:ext>
-            </a:extLst>
-          </p:cNvPr>
-          <p:cNvSpPr>
-            <a:spLocks noGrp="1"/>
-          </p:cNvSpPr>
-          <p:nvPr>
-            <p:ph idx="1"/>
-          </p:nvPr>
-        </p:nvSpPr>
-        <p:spPr>
-          <a:xfrm>
-            <a:off x="303214" y="981075"/>
-            <a:ext cx="8517258" cy="5400675"/>
-          </a:xfrm>
-        </p:spPr>
-        <p:txBody>
-          <a:bodyPr/>
-          <a:lstStyle/>
-          <a:p>
-            <a:pPr>
-              <a:spcBef>
-                <a:spcPts val="300"/>
-              </a:spcBef>
-            </a:pPr>
-            <a:r>
               <a:rPr lang="de-DE" altLang="de-DE" dirty="0"/>
-              <a:t>Tags in </a:t>
-            </a:r>
-            <a:r>
-              <a:rPr lang="de-DE" altLang="de-DE" dirty="0" err="1"/>
-              <a:t>Git</a:t>
-            </a:r>
-            <a:endParaRPr lang="de-DE" altLang="de-DE" dirty="0"/>
-          </a:p>
-          <a:p>
-            <a:pPr lvl="1">
-              <a:spcBef>
-                <a:spcPts val="300"/>
-              </a:spcBef>
-            </a:pPr>
-            <a:r>
-              <a:rPr lang="de-DE" altLang="de-DE" dirty="0"/>
-              <a:t>Tagging Konzept</a:t>
-            </a:r>
-          </a:p>
-          <a:p>
-            <a:pPr lvl="1">
-              <a:spcBef>
-                <a:spcPts val="300"/>
-              </a:spcBef>
-            </a:pPr>
-            <a:r>
-              <a:rPr lang="de-DE" altLang="de-DE" dirty="0"/>
-              <a:t>Erstellen von </a:t>
-            </a:r>
-            <a:r>
-              <a:rPr lang="de-DE" altLang="de-DE" dirty="0" err="1"/>
-              <a:t>Git</a:t>
-            </a:r>
-            <a:r>
-              <a:rPr lang="de-DE" altLang="de-DE" dirty="0"/>
-              <a:t> Tags</a:t>
-            </a:r>
-          </a:p>
-          <a:p>
-            <a:pPr lvl="1">
-              <a:spcBef>
-                <a:spcPts val="300"/>
-              </a:spcBef>
-            </a:pPr>
-            <a:r>
-              <a:rPr lang="de-DE" altLang="de-DE" dirty="0" err="1"/>
-              <a:t>Annotated</a:t>
-            </a:r>
-            <a:r>
-              <a:rPr lang="de-DE" altLang="de-DE" dirty="0"/>
-              <a:t> Tags</a:t>
-            </a:r>
-          </a:p>
-          <a:p>
-            <a:pPr>
-              <a:spcBef>
-                <a:spcPts val="600"/>
-              </a:spcBef>
-            </a:pPr>
-            <a:r>
-              <a:rPr lang="de-DE" altLang="de-DE" dirty="0"/>
-              <a:t>Tags in </a:t>
-            </a:r>
-            <a:r>
-              <a:rPr lang="de-DE" altLang="de-DE" dirty="0" err="1"/>
-              <a:t>GitLab</a:t>
-            </a:r>
-            <a:endParaRPr lang="de-DE" altLang="de-DE" dirty="0"/>
-          </a:p>
-          <a:p>
-            <a:pPr>
-              <a:spcBef>
-                <a:spcPts val="600"/>
-              </a:spcBef>
-            </a:pPr>
-            <a:r>
-              <a:rPr lang="de-DE" altLang="de-DE" dirty="0" err="1"/>
-              <a:t>GitLab</a:t>
-            </a:r>
-            <a:r>
-              <a:rPr lang="de-DE" altLang="de-DE" dirty="0"/>
-              <a:t> Releases</a:t>
-            </a:r>
-          </a:p>
-          <a:p>
-            <a:pPr>
-              <a:spcBef>
-                <a:spcPts val="300"/>
-              </a:spcBef>
-            </a:pPr>
-            <a:endParaRPr lang="de-DE" altLang="de-DE" dirty="0"/>
-          </a:p>
-          <a:p>
-            <a:pPr lvl="1"/>
-            <a:endParaRPr lang="de-DE" altLang="de-DE" dirty="0"/>
-          </a:p>
-          <a:p>
-            <a:pPr marL="0" indent="0">
-              <a:buNone/>
-            </a:pPr>
-            <a:endParaRPr lang="de-DE" altLang="de-DE" dirty="0"/>
+              <a:t>Agenda</a:t>
+            </a:r>
           </a:p>
         </p:txBody>
       </p:sp>
     </p:spTree>
+    <p:extLst>
+      <p:ext uri="{BB962C8B-B14F-4D97-AF65-F5344CB8AC3E}">
+        <p14:creationId xmlns:p14="http://schemas.microsoft.com/office/powerpoint/2010/main" val="1235500680"/>
+      </p:ext>
+    </p:extLst>
   </p:cSld>
   <p:clrMapOvr>
     <a:masterClrMapping/>
@@ -8774,10 +9430,43 @@
       </p:grpSpPr>
       <p:sp>
         <p:nvSpPr>
-          <p:cNvPr id="6146" name="Inhaltsplatzhalter 18">
+          <p:cNvPr id="5123" name="Rectangle 6">
             <a:extLst>
               <a:ext uri="{FF2B5EF4-FFF2-40B4-BE49-F238E27FC236}">
-                <a16:creationId xmlns:a16="http://schemas.microsoft.com/office/drawing/2014/main" id="{BE3C4C95-FD5D-27F0-ED0C-AB8113CAC9F1}"/>
+                <a16:creationId xmlns:a16="http://schemas.microsoft.com/office/drawing/2014/main" id="{BC4BC2CC-AA18-345B-63ED-7D24CA6BD3B5}"/>
+              </a:ext>
+            </a:extLst>
+          </p:cNvPr>
+          <p:cNvSpPr>
+            <a:spLocks noGrp="1" noChangeArrowheads="1"/>
+          </p:cNvSpPr>
+          <p:nvPr>
+            <p:ph type="title"/>
+          </p:nvPr>
+        </p:nvSpPr>
+        <p:spPr>
+          <a:xfrm>
+            <a:off x="457200" y="115888"/>
+            <a:ext cx="3409950" cy="706437"/>
+          </a:xfrm>
+        </p:spPr>
+        <p:txBody>
+          <a:bodyPr/>
+          <a:lstStyle/>
+          <a:p>
+            <a:r>
+              <a:rPr lang="de-DE" altLang="de-DE" dirty="0"/>
+              <a:t>Tags &amp; Releases</a:t>
+            </a:r>
+          </a:p>
+        </p:txBody>
+      </p:sp>
+      <p:sp>
+        <p:nvSpPr>
+          <p:cNvPr id="3" name="Inhaltsplatzhalter 18">
+            <a:extLst>
+              <a:ext uri="{FF2B5EF4-FFF2-40B4-BE49-F238E27FC236}">
+                <a16:creationId xmlns:a16="http://schemas.microsoft.com/office/drawing/2014/main" id="{722A59E8-4DC4-18C6-04BE-E59EF5F3246C}"/>
               </a:ext>
             </a:extLst>
           </p:cNvPr>
@@ -8798,87 +9487,130 @@
           <a:bodyPr/>
           <a:lstStyle/>
           <a:p>
+            <a:pPr marL="0" indent="0">
+              <a:spcBef>
+                <a:spcPts val="300"/>
+              </a:spcBef>
+              <a:buNone/>
+            </a:pPr>
+            <a:r>
+              <a:rPr lang="de-DE" altLang="de-DE" b="1" dirty="0"/>
+              <a:t>Inhalt</a:t>
+            </a:r>
+          </a:p>
+          <a:p>
+            <a:pPr>
+              <a:spcBef>
+                <a:spcPts val="300"/>
+              </a:spcBef>
+            </a:pPr>
             <a:r>
               <a:rPr lang="de-DE" altLang="de-DE" dirty="0"/>
-              <a:t>Tagging ist ein wichtiges Konzept der </a:t>
-            </a:r>
-            <a:r>
-              <a:rPr lang="de-DE" altLang="de-DE" dirty="0" err="1"/>
-              <a:t>Versionverwaltung</a:t>
-            </a:r>
-            <a:endParaRPr lang="de-DE" altLang="de-DE" dirty="0"/>
-          </a:p>
-          <a:p>
-            <a:r>
-              <a:rPr lang="de-DE" altLang="de-DE" dirty="0"/>
-              <a:t>Wird verwendet, um einen spezifischen Entwicklungsstand zu markieren und mit einem Label zu versehen</a:t>
-            </a:r>
-          </a:p>
-          <a:p>
-            <a:r>
-              <a:rPr lang="de-DE" altLang="de-DE" dirty="0"/>
-              <a:t>Entwicklungsstand wird als „</a:t>
-            </a:r>
-            <a:r>
-              <a:rPr lang="de-DE" altLang="de-DE" dirty="0" err="1"/>
-              <a:t>snapshot</a:t>
-            </a:r>
-            <a:r>
-              <a:rPr lang="de-DE" altLang="de-DE" dirty="0"/>
-              <a:t>“ bezeichnet</a:t>
-            </a:r>
-          </a:p>
-          <a:p>
-            <a:r>
-              <a:rPr lang="de-DE" altLang="de-DE" dirty="0"/>
-              <a:t>Einsatz häufig, um spezifische Releases in einem Projekt zu markieren </a:t>
-            </a:r>
-          </a:p>
-        </p:txBody>
-      </p:sp>
-      <p:sp>
-        <p:nvSpPr>
-          <p:cNvPr id="6147" name="Rectangle 1062">
-            <a:extLst>
-              <a:ext uri="{FF2B5EF4-FFF2-40B4-BE49-F238E27FC236}">
-                <a16:creationId xmlns:a16="http://schemas.microsoft.com/office/drawing/2014/main" id="{C46E9340-3256-8D55-A265-94F2F41E288E}"/>
-              </a:ext>
-            </a:extLst>
-          </p:cNvPr>
-          <p:cNvSpPr>
-            <a:spLocks noGrp="1" noChangeArrowheads="1"/>
-          </p:cNvSpPr>
-          <p:nvPr>
-            <p:ph type="title"/>
-          </p:nvPr>
-        </p:nvSpPr>
-        <p:spPr>
-          <a:xfrm>
-            <a:off x="285750" y="142875"/>
-            <a:ext cx="5654675" cy="706438"/>
-          </a:xfrm>
-        </p:spPr>
-        <p:txBody>
-          <a:bodyPr/>
-          <a:lstStyle/>
-          <a:p>
+              <a:t>Tags in </a:t>
+            </a:r>
             <a:r>
               <a:rPr lang="de-DE" altLang="de-DE" dirty="0" err="1"/>
               <a:t>Git</a:t>
             </a:r>
+            <a:endParaRPr lang="de-DE" altLang="de-DE" dirty="0"/>
+          </a:p>
+          <a:p>
+            <a:pPr lvl="1">
+              <a:spcBef>
+                <a:spcPts val="300"/>
+              </a:spcBef>
+            </a:pPr>
             <a:r>
               <a:rPr lang="de-DE" altLang="de-DE" dirty="0"/>
-              <a:t> – Tags </a:t>
-            </a:r>
+              <a:t>Tagging Konzept</a:t>
+            </a:r>
+          </a:p>
+          <a:p>
+            <a:pPr lvl="1">
+              <a:spcBef>
+                <a:spcPts val="300"/>
+              </a:spcBef>
+            </a:pPr>
+            <a:r>
+              <a:rPr lang="de-DE" altLang="de-DE" dirty="0"/>
+              <a:t>Erstellen von </a:t>
+            </a:r>
+            <a:r>
+              <a:rPr lang="de-DE" altLang="de-DE" dirty="0" err="1"/>
+              <a:t>Git</a:t>
+            </a:r>
+            <a:r>
+              <a:rPr lang="de-DE" altLang="de-DE" dirty="0"/>
+              <a:t> Tags</a:t>
+            </a:r>
+          </a:p>
+          <a:p>
+            <a:pPr lvl="1">
+              <a:spcBef>
+                <a:spcPts val="300"/>
+              </a:spcBef>
+            </a:pPr>
+            <a:r>
+              <a:rPr lang="de-DE" altLang="de-DE" dirty="0" err="1"/>
+              <a:t>Annotated</a:t>
+            </a:r>
+            <a:r>
+              <a:rPr lang="de-DE" altLang="de-DE" dirty="0"/>
+              <a:t> Tags</a:t>
+            </a:r>
+          </a:p>
+          <a:p>
+            <a:pPr>
+              <a:spcBef>
+                <a:spcPts val="600"/>
+              </a:spcBef>
+            </a:pPr>
+            <a:r>
+              <a:rPr lang="de-DE" altLang="de-DE" dirty="0"/>
+              <a:t>Tags in </a:t>
+            </a:r>
+            <a:r>
+              <a:rPr lang="de-DE" altLang="de-DE" dirty="0" err="1"/>
+              <a:t>GitLab</a:t>
+            </a:r>
+            <a:endParaRPr lang="de-DE" altLang="de-DE" dirty="0"/>
+          </a:p>
+          <a:p>
+            <a:pPr>
+              <a:spcBef>
+                <a:spcPts val="600"/>
+              </a:spcBef>
+            </a:pPr>
+            <a:r>
+              <a:rPr lang="de-DE" altLang="de-DE" dirty="0" err="1"/>
+              <a:t>GitLab</a:t>
+            </a:r>
+            <a:r>
+              <a:rPr lang="de-DE" altLang="de-DE" dirty="0"/>
+              <a:t> Releases</a:t>
+            </a:r>
+          </a:p>
+          <a:p>
+            <a:pPr>
+              <a:spcBef>
+                <a:spcPts val="300"/>
+              </a:spcBef>
+            </a:pPr>
+            <a:endParaRPr lang="de-DE" altLang="de-DE" dirty="0"/>
+          </a:p>
+          <a:p>
+            <a:pPr lvl="1"/>
+            <a:endParaRPr lang="de-DE" altLang="de-DE" dirty="0"/>
+          </a:p>
+          <a:p>
+            <a:pPr marL="0" indent="0">
+              <a:buNone/>
+            </a:pPr>
+            <a:endParaRPr lang="de-DE" altLang="de-DE" dirty="0"/>
           </a:p>
         </p:txBody>
       </p:sp>
     </p:spTree>
-    <p:extLst>
-      <p:ext uri="{BB962C8B-B14F-4D97-AF65-F5344CB8AC3E}">
-        <p14:creationId xmlns:p14="http://schemas.microsoft.com/office/powerpoint/2010/main" val="3020803649"/>
-      </p:ext>
-    </p:extLst>
   </p:cSld>
   <p:clrMapOvr>
     <a:masterClrMapping/>
@@ -8931,277 +9663,38 @@
           <a:p>
             <a:r>
               <a:rPr lang="de-DE" altLang="de-DE" dirty="0"/>
-              <a:t>Mit den Befehl </a:t>
-            </a:r>
-            <a:r>
-              <a:rPr lang="de-DE" altLang="de-DE" dirty="0" err="1">
-                <a:latin typeface="Consolas" panose="020B0609020204030204" pitchFamily="49" charset="0"/>
-              </a:rPr>
-              <a:t>git</a:t>
-            </a:r>
-            <a:r>
-              <a:rPr lang="de-DE" altLang="de-DE" dirty="0">
-                <a:latin typeface="Consolas" panose="020B0609020204030204" pitchFamily="49" charset="0"/>
-              </a:rPr>
-              <a:t> tag &lt;tag-name&gt; </a:t>
-            </a:r>
+              <a:t>Tagging ist ein wichtiges Konzept der </a:t>
+            </a:r>
+            <a:r>
+              <a:rPr lang="de-DE" altLang="de-DE" dirty="0" err="1"/>
+              <a:t>Versionverwaltung</a:t>
+            </a:r>
+            <a:endParaRPr lang="de-DE" altLang="de-DE" dirty="0"/>
+          </a:p>
+          <a:p>
             <a:r>
               <a:rPr lang="de-DE" altLang="de-DE" dirty="0"/>
-              <a:t>lässt sich zum letzten </a:t>
+              <a:t>Wird verwendet, um einen spezifischen Entwicklungsstand zu markieren und mit einem Label zu versehen</a:t>
+            </a:r>
+          </a:p>
+          <a:p>
+            <a:r>
+              <a:rPr lang="de-DE" altLang="de-DE" dirty="0"/>
+              <a:t>Entwicklungsstand wird als „</a:t>
             </a:r>
             <a:r>
               <a:rPr lang="de-DE" altLang="de-DE" dirty="0" err="1"/>
-              <a:t>Commits</a:t>
+              <a:t>snapshot</a:t>
             </a:r>
             <a:r>
               <a:rPr lang="de-DE" altLang="de-DE" dirty="0"/>
-              <a:t> des aktiven </a:t>
-            </a:r>
-            <a:r>
-              <a:rPr lang="de-DE" altLang="de-DE" dirty="0" err="1"/>
-              <a:t>Branches</a:t>
-            </a:r>
+              <a:t>“ bezeichnet</a:t>
+            </a:r>
+          </a:p>
+          <a:p>
             <a:r>
               <a:rPr lang="de-DE" altLang="de-DE" dirty="0"/>
-              <a:t> ein Tag hinzufügen</a:t>
-            </a:r>
-          </a:p>
-          <a:p>
-            <a:pPr marL="457200" lvl="1" indent="0">
-              <a:spcBef>
-                <a:spcPts val="0"/>
-              </a:spcBef>
-              <a:buNone/>
-            </a:pPr>
-            <a:endParaRPr lang="en-US" altLang="de-DE" sz="1200" dirty="0">
-              <a:latin typeface="Consolas" panose="020B0609020204030204" pitchFamily="49" charset="0"/>
-            </a:endParaRPr>
-          </a:p>
-          <a:p>
-            <a:pPr marL="457200" lvl="1" indent="0">
-              <a:spcBef>
-                <a:spcPts val="0"/>
-              </a:spcBef>
-              <a:buNone/>
-            </a:pPr>
-            <a:r>
-              <a:rPr lang="en-US" altLang="de-DE" sz="1200" dirty="0">
-                <a:latin typeface="Consolas" panose="020B0609020204030204" pitchFamily="49" charset="0"/>
-              </a:rPr>
-              <a:t>$ git log --</a:t>
-            </a:r>
-            <a:r>
-              <a:rPr lang="en-US" altLang="de-DE" sz="1200" dirty="0" err="1">
-                <a:latin typeface="Consolas" panose="020B0609020204030204" pitchFamily="49" charset="0"/>
-              </a:rPr>
-              <a:t>oneline</a:t>
-            </a:r>
-            <a:endParaRPr lang="en-US" altLang="de-DE" sz="1200" dirty="0">
-              <a:latin typeface="Consolas" panose="020B0609020204030204" pitchFamily="49" charset="0"/>
-            </a:endParaRPr>
-          </a:p>
-          <a:p>
-            <a:pPr marL="457200" lvl="1" indent="0">
-              <a:spcBef>
-                <a:spcPts val="0"/>
-              </a:spcBef>
-              <a:buNone/>
-            </a:pPr>
-            <a:r>
-              <a:rPr lang="en-US" altLang="de-DE" sz="1200" dirty="0">
-                <a:latin typeface="Consolas" panose="020B0609020204030204" pitchFamily="49" charset="0"/>
-              </a:rPr>
-              <a:t>c3a059e (HEAD -&gt; main) Add </a:t>
-            </a:r>
-            <a:r>
-              <a:rPr lang="en-US" altLang="de-DE" sz="1200" dirty="0" err="1">
-                <a:latin typeface="Consolas" panose="020B0609020204030204" pitchFamily="49" charset="0"/>
-              </a:rPr>
-              <a:t>final_file</a:t>
-            </a:r>
-            <a:endParaRPr lang="en-US" altLang="de-DE" sz="1200" dirty="0">
-              <a:latin typeface="Consolas" panose="020B0609020204030204" pitchFamily="49" charset="0"/>
-            </a:endParaRPr>
-          </a:p>
-          <a:p>
-            <a:pPr marL="457200" lvl="1" indent="0">
-              <a:spcBef>
-                <a:spcPts val="0"/>
-              </a:spcBef>
-              <a:buNone/>
-            </a:pPr>
-            <a:r>
-              <a:rPr lang="en-US" altLang="de-DE" sz="1200" dirty="0">
-                <a:latin typeface="Consolas" panose="020B0609020204030204" pitchFamily="49" charset="0"/>
-              </a:rPr>
-              <a:t>a908be7 Add file3</a:t>
-            </a:r>
-          </a:p>
-          <a:p>
-            <a:pPr marL="457200" lvl="1" indent="0">
-              <a:spcBef>
-                <a:spcPts val="0"/>
-              </a:spcBef>
-              <a:buNone/>
-            </a:pPr>
-            <a:r>
-              <a:rPr lang="en-US" altLang="de-DE" sz="1200" dirty="0">
-                <a:latin typeface="Consolas" panose="020B0609020204030204" pitchFamily="49" charset="0"/>
-              </a:rPr>
-              <a:t>722eaf0 Add file from main</a:t>
-            </a:r>
-          </a:p>
-          <a:p>
-            <a:pPr marL="457200" lvl="1" indent="0">
-              <a:spcBef>
-                <a:spcPts val="0"/>
-              </a:spcBef>
-              <a:buNone/>
-            </a:pPr>
-            <a:r>
-              <a:rPr lang="en-US" altLang="de-DE" sz="1200" dirty="0">
-                <a:latin typeface="Consolas" panose="020B0609020204030204" pitchFamily="49" charset="0"/>
-              </a:rPr>
-              <a:t>c61ef14 Initial commit</a:t>
-            </a:r>
-          </a:p>
-          <a:p>
-            <a:pPr marL="457200" lvl="1" indent="0">
-              <a:spcBef>
-                <a:spcPts val="0"/>
-              </a:spcBef>
-              <a:buNone/>
-            </a:pPr>
-            <a:endParaRPr lang="en-US" altLang="de-DE" sz="1200" dirty="0">
-              <a:latin typeface="Consolas" panose="020B0609020204030204" pitchFamily="49" charset="0"/>
-            </a:endParaRPr>
-          </a:p>
-          <a:p>
-            <a:pPr marL="457200" lvl="1" indent="0">
-              <a:spcBef>
-                <a:spcPts val="0"/>
-              </a:spcBef>
-              <a:buNone/>
-            </a:pPr>
-            <a:r>
-              <a:rPr lang="en-US" altLang="de-DE" sz="1200" dirty="0">
-                <a:latin typeface="Consolas" panose="020B0609020204030204" pitchFamily="49" charset="0"/>
-              </a:rPr>
-              <a:t>$ git tag "release-v0.0.1"</a:t>
-            </a:r>
-          </a:p>
-          <a:p>
-            <a:pPr marL="457200" lvl="1" indent="0">
-              <a:spcBef>
-                <a:spcPts val="0"/>
-              </a:spcBef>
-              <a:buNone/>
-            </a:pPr>
-            <a:endParaRPr lang="en-US" altLang="de-DE" sz="1200" dirty="0">
-              <a:latin typeface="Consolas" panose="020B0609020204030204" pitchFamily="49" charset="0"/>
-            </a:endParaRPr>
-          </a:p>
-          <a:p>
-            <a:pPr marL="457200" lvl="1" indent="0">
-              <a:spcBef>
-                <a:spcPts val="0"/>
-              </a:spcBef>
-              <a:buNone/>
-            </a:pPr>
-            <a:r>
-              <a:rPr lang="en-US" altLang="de-DE" sz="1200" dirty="0">
-                <a:latin typeface="Consolas" panose="020B0609020204030204" pitchFamily="49" charset="0"/>
-              </a:rPr>
-              <a:t>$ git log --</a:t>
-            </a:r>
-            <a:r>
-              <a:rPr lang="en-US" altLang="de-DE" sz="1200" dirty="0" err="1">
-                <a:latin typeface="Consolas" panose="020B0609020204030204" pitchFamily="49" charset="0"/>
-              </a:rPr>
-              <a:t>oneline</a:t>
-            </a:r>
-            <a:endParaRPr lang="en-US" altLang="de-DE" sz="1200" dirty="0">
-              <a:latin typeface="Consolas" panose="020B0609020204030204" pitchFamily="49" charset="0"/>
-            </a:endParaRPr>
-          </a:p>
-          <a:p>
-            <a:pPr marL="457200" lvl="1" indent="0">
-              <a:spcBef>
-                <a:spcPts val="0"/>
-              </a:spcBef>
-              <a:buNone/>
-            </a:pPr>
-            <a:r>
-              <a:rPr lang="en-US" altLang="de-DE" sz="1200" dirty="0">
-                <a:latin typeface="Consolas" panose="020B0609020204030204" pitchFamily="49" charset="0"/>
-              </a:rPr>
-              <a:t>c3a059e (HEAD -&gt; main, tag: release-v0.0.1) Add </a:t>
-            </a:r>
-            <a:r>
-              <a:rPr lang="en-US" altLang="de-DE" sz="1200" dirty="0" err="1">
-                <a:latin typeface="Consolas" panose="020B0609020204030204" pitchFamily="49" charset="0"/>
-              </a:rPr>
-              <a:t>final_file</a:t>
-            </a:r>
-            <a:endParaRPr lang="en-US" altLang="de-DE" sz="1200" dirty="0">
-              <a:latin typeface="Consolas" panose="020B0609020204030204" pitchFamily="49" charset="0"/>
-            </a:endParaRPr>
-          </a:p>
-          <a:p>
-            <a:pPr marL="457200" lvl="1" indent="0">
-              <a:spcBef>
-                <a:spcPts val="0"/>
-              </a:spcBef>
-              <a:buNone/>
-            </a:pPr>
-            <a:r>
-              <a:rPr lang="en-US" altLang="de-DE" sz="1200" dirty="0">
-                <a:latin typeface="Consolas" panose="020B0609020204030204" pitchFamily="49" charset="0"/>
-              </a:rPr>
-              <a:t>a908be7 Add file3</a:t>
-            </a:r>
-          </a:p>
-          <a:p>
-            <a:pPr marL="457200" lvl="1" indent="0">
-              <a:spcBef>
-                <a:spcPts val="0"/>
-              </a:spcBef>
-              <a:buNone/>
-            </a:pPr>
-            <a:r>
-              <a:rPr lang="en-US" altLang="de-DE" sz="1200" dirty="0">
-                <a:latin typeface="Consolas" panose="020B0609020204030204" pitchFamily="49" charset="0"/>
-              </a:rPr>
-              <a:t>722eaf0 Add file from main</a:t>
-            </a:r>
-          </a:p>
-          <a:p>
-            <a:pPr marL="457200" lvl="1" indent="0">
-              <a:spcBef>
-                <a:spcPts val="0"/>
-              </a:spcBef>
-              <a:buNone/>
-            </a:pPr>
-            <a:r>
-              <a:rPr lang="en-US" altLang="de-DE" sz="1200" dirty="0">
-                <a:latin typeface="Consolas" panose="020B0609020204030204" pitchFamily="49" charset="0"/>
-              </a:rPr>
-              <a:t>c61ef14 Initial commit</a:t>
-            </a:r>
-            <a:endParaRPr lang="de-DE" altLang="de-DE" sz="1200" dirty="0">
-              <a:latin typeface="Consolas" panose="020B0609020204030204" pitchFamily="49" charset="0"/>
-            </a:endParaRPr>
-          </a:p>
-          <a:p>
-            <a:r>
-              <a:rPr lang="de-DE" altLang="de-DE" dirty="0"/>
-              <a:t>Fügt leichtgewichtigen Tag hinzu</a:t>
-            </a:r>
-          </a:p>
-          <a:p>
-            <a:r>
-              <a:rPr lang="de-DE" altLang="de-DE" dirty="0"/>
-              <a:t>Tag wird an allen Files im Repository gesetzt, nicht nur solche, die beim Commit verändert wurden</a:t>
+              <a:t>Einsatz häufig, um spezifische Releases in einem Projekt zu markieren </a:t>
             </a:r>
           </a:p>
         </p:txBody>
@@ -9246,7 +9739,7 @@
     </p:spTree>
     <p:extLst>
       <p:ext uri="{BB962C8B-B14F-4D97-AF65-F5344CB8AC3E}">
-        <p14:creationId xmlns:p14="http://schemas.microsoft.com/office/powerpoint/2010/main" val="95346933"/>
+        <p14:creationId xmlns:p14="http://schemas.microsoft.com/office/powerpoint/2010/main" val="3020803649"/>
       </p:ext>
     </p:extLst>
   </p:cSld>
@@ -9300,6 +9793,10 @@
           <a:lstStyle/>
           <a:p>
             <a:r>
+              <a:rPr lang="de-DE" altLang="de-DE" dirty="0"/>
+              <a:t>Mit den Befehl </a:t>
+            </a:r>
+            <a:r>
               <a:rPr lang="de-DE" altLang="de-DE" dirty="0" err="1">
                 <a:latin typeface="Consolas" panose="020B0609020204030204" pitchFamily="49" charset="0"/>
               </a:rPr>
@@ -9309,11 +9806,27 @@
               <a:rPr lang="de-DE" altLang="de-DE" dirty="0">
                 <a:latin typeface="Consolas" panose="020B0609020204030204" pitchFamily="49" charset="0"/>
               </a:rPr>
-              <a:t> tag </a:t>
+              <a:t> tag &lt;tag-name&gt; </a:t>
             </a:r>
             <a:r>
               <a:rPr lang="de-DE" altLang="de-DE" dirty="0"/>
-              <a:t>zeigt alle Tags im aktuellen Projekt</a:t>
+              <a:t>lässt sich zum letzten </a:t>
+            </a:r>
+            <a:r>
+              <a:rPr lang="de-DE" altLang="de-DE" dirty="0" err="1"/>
+              <a:t>Commits</a:t>
+            </a:r>
+            <a:r>
+              <a:rPr lang="de-DE" altLang="de-DE" dirty="0"/>
+              <a:t> des aktiven </a:t>
+            </a:r>
+            <a:r>
+              <a:rPr lang="de-DE" altLang="de-DE" dirty="0" err="1"/>
+              <a:t>Branches</a:t>
+            </a:r>
+            <a:r>
+              <a:rPr lang="de-DE" altLang="de-DE" dirty="0"/>
+              <a:t> ein Tag hinzufügen</a:t>
             </a:r>
           </a:p>
           <a:p>
@@ -9361,8 +9874,17 @@
               <a:rPr lang="en-US" altLang="de-DE" sz="1200" dirty="0">
                 <a:latin typeface="Consolas" panose="020B0609020204030204" pitchFamily="49" charset="0"/>
               </a:rPr>
-              <a:t>89c1108 (HEAD -&gt; main, tag: release-v0.0.2) Add release2_file</a:t>
-            </a:r>
+              <a:t>c3a059e (HEAD -&gt; main) Add </a:t>
+            </a:r>
+            <a:r>
+              <a:rPr lang="en-US" altLang="de-DE" sz="1200" dirty="0" err="1">
+                <a:latin typeface="Consolas" panose="020B0609020204030204" pitchFamily="49" charset="0"/>
+              </a:rPr>
+              <a:t>final_file</a:t>
+            </a:r>
+            <a:endParaRPr lang="en-US" altLang="de-DE" sz="1200" dirty="0">
+              <a:latin typeface="Consolas" panose="020B0609020204030204" pitchFamily="49" charset="0"/>
+            </a:endParaRPr>
           </a:p>
           <a:p>
             <a:pPr marL="457200" lvl="1" indent="0">
@@ -9375,17 +9897,8 @@
               <a:rPr lang="en-US" altLang="de-DE" sz="1200" dirty="0">
                 <a:latin typeface="Consolas" panose="020B0609020204030204" pitchFamily="49" charset="0"/>
               </a:rPr>
-              <a:t>c3a059e (tag: release-v0.0.1) Add </a:t>
-            </a:r>
-            <a:r>
-              <a:rPr lang="en-US" altLang="de-DE" sz="1200" dirty="0" err="1">
-                <a:latin typeface="Consolas" panose="020B0609020204030204" pitchFamily="49" charset="0"/>
-              </a:rPr>
-              <a:t>final_file</a:t>
-            </a:r>
-            <a:endParaRPr lang="en-US" altLang="de-DE" sz="1200" dirty="0">
-              <a:latin typeface="Consolas" panose="020B0609020204030204" pitchFamily="49" charset="0"/>
-            </a:endParaRPr>
+              <a:t>a908be7 Add file3</a:t>
+            </a:r>
           </a:p>
           <a:p>
             <a:pPr marL="457200" lvl="1" indent="0">
@@ -9398,7 +9911,7 @@
               <a:rPr lang="en-US" altLang="de-DE" sz="1200" dirty="0">
                 <a:latin typeface="Consolas" panose="020B0609020204030204" pitchFamily="49" charset="0"/>
               </a:rPr>
-              <a:t>a908be7 Add file3</a:t>
+              <a:t>722eaf0 Add file from main</a:t>
             </a:r>
           </a:p>
           <a:p>
@@ -9412,7 +9925,7 @@
               <a:rPr lang="en-US" altLang="de-DE" sz="1200" dirty="0">
                 <a:latin typeface="Consolas" panose="020B0609020204030204" pitchFamily="49" charset="0"/>
               </a:rPr>
-              <a:t>722eaf0 Add file from main</a:t>
+              <a:t>c61ef14 Initial commit</a:t>
             </a:r>
           </a:p>
           <a:p>
@@ -9422,12 +9935,9 @@
               </a:spcBef>
               <a:buNone/>
             </a:pPr>
-            <a:r>
-              <a:rPr lang="en-US" altLang="de-DE" sz="1200" dirty="0">
-                <a:latin typeface="Consolas" panose="020B0609020204030204" pitchFamily="49" charset="0"/>
-              </a:rPr>
-              <a:t>c61ef14 Initial commit</a:t>
-            </a:r>
+            <a:endParaRPr lang="en-US" altLang="de-DE" sz="1200" dirty="0">
+              <a:latin typeface="Consolas" panose="020B0609020204030204" pitchFamily="49" charset="0"/>
+            </a:endParaRPr>
           </a:p>
           <a:p>
             <a:pPr marL="457200" lvl="1" indent="0">
@@ -9436,9 +9946,12 @@
               </a:spcBef>
               <a:buNone/>
             </a:pPr>
-            <a:endParaRPr lang="en-US" altLang="de-DE" sz="1200" dirty="0">
-              <a:latin typeface="Consolas" panose="020B0609020204030204" pitchFamily="49" charset="0"/>
-            </a:endParaRPr>
+            <a:r>
+              <a:rPr lang="en-US" altLang="de-DE" sz="1200" dirty="0">
+                <a:latin typeface="Consolas" panose="020B0609020204030204" pitchFamily="49" charset="0"/>
+              </a:rPr>
+              <a:t>$ git tag "release-v0.0.1"</a:t>
+            </a:r>
           </a:p>
           <a:p>
             <a:pPr marL="457200" lvl="1" indent="0">
@@ -9447,12 +9960,9 @@
               </a:spcBef>
               <a:buNone/>
             </a:pPr>
-            <a:r>
-              <a:rPr lang="en-US" altLang="de-DE" sz="1200" dirty="0">
-                <a:latin typeface="Consolas" panose="020B0609020204030204" pitchFamily="49" charset="0"/>
-              </a:rPr>
-              <a:t>$ git tag release-0.0.0 a908be7</a:t>
-            </a:r>
+            <a:endParaRPr lang="en-US" altLang="de-DE" sz="1200" dirty="0">
+              <a:latin typeface="Consolas" panose="020B0609020204030204" pitchFamily="49" charset="0"/>
+            </a:endParaRPr>
           </a:p>
           <a:p>
             <a:pPr marL="457200" lvl="1" indent="0">
@@ -9461,6 +9971,18 @@
               </a:spcBef>
               <a:buNone/>
             </a:pPr>
+            <a:r>
+              <a:rPr lang="en-US" altLang="de-DE" sz="1200" dirty="0">
+                <a:latin typeface="Consolas" panose="020B0609020204030204" pitchFamily="49" charset="0"/>
+              </a:rPr>
+              <a:t>$ git log --</a:t>
+            </a:r>
+            <a:r>
+              <a:rPr lang="en-US" altLang="de-DE" sz="1200" dirty="0" err="1">
+                <a:latin typeface="Consolas" panose="020B0609020204030204" pitchFamily="49" charset="0"/>
+              </a:rPr>
+              <a:t>oneline</a:t>
+            </a:r>
             <a:endParaRPr lang="en-US" altLang="de-DE" sz="1200" dirty="0">
               <a:latin typeface="Consolas" panose="020B0609020204030204" pitchFamily="49" charset="0"/>
             </a:endParaRPr>
@@ -9476,13 +9998,13 @@
               <a:rPr lang="en-US" altLang="de-DE" sz="1200" dirty="0">
                 <a:latin typeface="Consolas" panose="020B0609020204030204" pitchFamily="49" charset="0"/>
               </a:rPr>
-              <a:t>$ git log --</a:t>
+              <a:t>c3a059e (HEAD -&gt; main, tag: release-v0.0.1) Add </a:t>
             </a:r>
             <a:r>
               <a:rPr lang="en-US" altLang="de-DE" sz="1200" dirty="0" err="1">
                 <a:latin typeface="Consolas" panose="020B0609020204030204" pitchFamily="49" charset="0"/>
               </a:rPr>
-              <a:t>oneline</a:t>
+              <a:t>final_file</a:t>
             </a:r>
             <a:endParaRPr lang="en-US" altLang="de-DE" sz="1200" dirty="0">
               <a:latin typeface="Consolas" panose="020B0609020204030204" pitchFamily="49" charset="0"/>
@@ -9499,7 +10021,7 @@
               <a:rPr lang="en-US" altLang="de-DE" sz="1200" dirty="0">
                 <a:latin typeface="Consolas" panose="020B0609020204030204" pitchFamily="49" charset="0"/>
               </a:rPr>
-              <a:t>89c1108 (HEAD -&gt; main, tag: release-v0.0.2) Add release2_file</a:t>
+              <a:t>a908be7 Add file3</a:t>
             </a:r>
           </a:p>
           <a:p>
@@ -9513,17 +10035,8 @@
               <a:rPr lang="en-US" altLang="de-DE" sz="1200" dirty="0">
                 <a:latin typeface="Consolas" panose="020B0609020204030204" pitchFamily="49" charset="0"/>
               </a:rPr>
-              <a:t>c3a059e (tag: release-v0.0.1) Add </a:t>
-            </a:r>
-            <a:r>
-              <a:rPr lang="en-US" altLang="de-DE" sz="1200" dirty="0" err="1">
-                <a:latin typeface="Consolas" panose="020B0609020204030204" pitchFamily="49" charset="0"/>
-              </a:rPr>
-              <a:t>final_file</a:t>
-            </a:r>
-            <a:endParaRPr lang="en-US" altLang="de-DE" sz="1200" dirty="0">
-              <a:latin typeface="Consolas" panose="020B0609020204030204" pitchFamily="49" charset="0"/>
-            </a:endParaRPr>
+              <a:t>722eaf0 Add file from main</a:t>
+            </a:r>
           </a:p>
           <a:p>
             <a:pPr marL="457200" lvl="1" indent="0">
@@ -9536,34 +10049,6 @@
               <a:rPr lang="en-US" altLang="de-DE" sz="1200" dirty="0">
                 <a:latin typeface="Consolas" panose="020B0609020204030204" pitchFamily="49" charset="0"/>
               </a:rPr>
-              <a:t>a908be7 (tag: release-0.0.0) Add file3</a:t>
-            </a:r>
-          </a:p>
-          <a:p>
-            <a:pPr marL="457200" lvl="1" indent="0">
-              <a:spcBef>
-                <a:spcPts val="0"/>
-              </a:spcBef>
-              <a:buNone/>
-            </a:pPr>
-            <a:r>
-              <a:rPr lang="en-US" altLang="de-DE" sz="1200" dirty="0">
-                <a:latin typeface="Consolas" panose="020B0609020204030204" pitchFamily="49" charset="0"/>
-              </a:rPr>
-              <a:t>722eaf0 Add file from main</a:t>
-            </a:r>
-          </a:p>
-          <a:p>
-            <a:pPr marL="457200" lvl="1" indent="0">
-              <a:spcBef>
-                <a:spcPts val="0"/>
-              </a:spcBef>
-              <a:buNone/>
-            </a:pPr>
-            <a:r>
-              <a:rPr lang="en-US" altLang="de-DE" sz="1200" dirty="0">
-                <a:latin typeface="Consolas" panose="020B0609020204030204" pitchFamily="49" charset="0"/>
-              </a:rPr>
               <a:t>c61ef14 Initial commit</a:t>
             </a:r>
             <a:endParaRPr lang="de-DE" altLang="de-DE" sz="1200" dirty="0">
@@ -9571,10 +10056,16 @@
             </a:endParaRPr>
           </a:p>
           <a:p>
-            <a:pPr marL="0" indent="0">
-              <a:buNone/>
-            </a:pPr>
-            <a:endParaRPr lang="de-DE" altLang="de-DE" dirty="0"/>
+            <a:r>
+              <a:rPr lang="de-DE" altLang="de-DE" dirty="0"/>
+              <a:t>Fügt leichtgewichtigen Tag hinzu</a:t>
+            </a:r>
+          </a:p>
+          <a:p>
+            <a:r>
+              <a:rPr lang="de-DE" altLang="de-DE" dirty="0"/>
+              <a:t>Tag wird an allen Files im Repository gesetzt, nicht nur solche, die beim Commit verändert wurden</a:t>
+            </a:r>
           </a:p>
         </p:txBody>
       </p:sp>
@@ -9618,7 +10109,7 @@
     </p:spTree>
     <p:extLst>
       <p:ext uri="{BB962C8B-B14F-4D97-AF65-F5344CB8AC3E}">
-        <p14:creationId xmlns:p14="http://schemas.microsoft.com/office/powerpoint/2010/main" val="1109548834"/>
+        <p14:creationId xmlns:p14="http://schemas.microsoft.com/office/powerpoint/2010/main" val="95346933"/>
       </p:ext>
     </p:extLst>
   </p:cSld>
@@ -9681,23 +10172,11 @@
               <a:rPr lang="de-DE" altLang="de-DE" dirty="0">
                 <a:latin typeface="Consolas" panose="020B0609020204030204" pitchFamily="49" charset="0"/>
               </a:rPr>
-              <a:t> </a:t>
-            </a:r>
-            <a:r>
-              <a:rPr lang="de-DE" altLang="de-DE" dirty="0" err="1">
-                <a:latin typeface="Consolas" panose="020B0609020204030204" pitchFamily="49" charset="0"/>
-              </a:rPr>
-              <a:t>show</a:t>
-            </a:r>
-            <a:r>
-              <a:rPr lang="de-DE" altLang="de-DE" dirty="0">
-                <a:latin typeface="Consolas" panose="020B0609020204030204" pitchFamily="49" charset="0"/>
-              </a:rPr>
-              <a:t> &lt;tag-name&gt; </a:t>
+              <a:t> tag </a:t>
             </a:r>
             <a:r>
               <a:rPr lang="de-DE" altLang="de-DE" dirty="0"/>
-              <a:t>zeigt den Commit zum angegebenen Tag</a:t>
+              <a:t>zeigt alle Tags im aktuellen Projekt</a:t>
             </a:r>
           </a:p>
           <a:p>
@@ -9707,7 +10186,7 @@
               </a:spcBef>
               <a:buNone/>
             </a:pPr>
-            <a:endParaRPr lang="de-DE" altLang="de-DE" sz="1200" dirty="0">
+            <a:endParaRPr lang="en-US" altLang="de-DE" sz="1200" dirty="0">
               <a:latin typeface="Consolas" panose="020B0609020204030204" pitchFamily="49" charset="0"/>
             </a:endParaRPr>
           </a:p>
@@ -9719,35 +10198,20 @@
               <a:buNone/>
             </a:pPr>
             <a:r>
-              <a:rPr lang="de-DE" altLang="de-DE" sz="1200" dirty="0">
-                <a:latin typeface="Consolas" panose="020B0609020204030204" pitchFamily="49" charset="0"/>
-              </a:rPr>
-              <a:t>$ </a:t>
-            </a:r>
-            <a:r>
-              <a:rPr lang="de-DE" altLang="de-DE" sz="1200" dirty="0" err="1">
-                <a:latin typeface="Consolas" panose="020B0609020204030204" pitchFamily="49" charset="0"/>
-              </a:rPr>
-              <a:t>git</a:t>
-            </a:r>
-            <a:r>
-              <a:rPr lang="de-DE" altLang="de-DE" sz="1200" dirty="0">
-                <a:latin typeface="Consolas" panose="020B0609020204030204" pitchFamily="49" charset="0"/>
-              </a:rPr>
-              <a:t> </a:t>
-            </a:r>
-            <a:r>
-              <a:rPr lang="de-DE" altLang="de-DE" sz="1200" dirty="0" err="1">
-                <a:latin typeface="Consolas" panose="020B0609020204030204" pitchFamily="49" charset="0"/>
-              </a:rPr>
-              <a:t>show</a:t>
-            </a:r>
-            <a:r>
-              <a:rPr lang="de-DE" altLang="de-DE" sz="1200" dirty="0">
-                <a:latin typeface="Consolas" panose="020B0609020204030204" pitchFamily="49" charset="0"/>
-              </a:rPr>
-              <a:t> release-v0.0.1</a:t>
-            </a:r>
+              <a:rPr lang="en-US" altLang="de-DE" sz="1200" dirty="0">
+                <a:latin typeface="Consolas" panose="020B0609020204030204" pitchFamily="49" charset="0"/>
+              </a:rPr>
+              <a:t>$ git log --</a:t>
+            </a:r>
+            <a:r>
+              <a:rPr lang="en-US" altLang="de-DE" sz="1200" dirty="0" err="1">
+                <a:latin typeface="Consolas" panose="020B0609020204030204" pitchFamily="49" charset="0"/>
+              </a:rPr>
+              <a:t>oneline</a:t>
+            </a:r>
+            <a:endParaRPr lang="en-US" altLang="de-DE" sz="1200" dirty="0">
+              <a:latin typeface="Consolas" panose="020B0609020204030204" pitchFamily="49" charset="0"/>
+            </a:endParaRPr>
           </a:p>
           <a:p>
             <a:pPr marL="457200" lvl="1" indent="0">
@@ -9757,16 +10221,10 @@
               <a:buNone/>
             </a:pPr>
             <a:r>
-              <a:rPr lang="de-DE" altLang="de-DE" sz="1200" dirty="0" err="1">
-                <a:latin typeface="Consolas" panose="020B0609020204030204" pitchFamily="49" charset="0"/>
-              </a:rPr>
-              <a:t>commit</a:t>
-            </a:r>
-            <a:r>
-              <a:rPr lang="de-DE" altLang="de-DE" sz="1200" dirty="0">
-                <a:latin typeface="Consolas" panose="020B0609020204030204" pitchFamily="49" charset="0"/>
-              </a:rPr>
-              <a:t> c3a059e2d6e4acfdca1295104b4d6a55f8bd00e4 (tag: release-v0.0.1)</a:t>
+              <a:rPr lang="en-US" altLang="de-DE" sz="1200" dirty="0">
+                <a:latin typeface="Consolas" panose="020B0609020204030204" pitchFamily="49" charset="0"/>
+              </a:rPr>
+              <a:t>89c1108 (HEAD -&gt; main, tag: release-v0.0.2) Add release2_file</a:t>
             </a:r>
           </a:p>
           <a:p>
@@ -9777,29 +10235,20 @@
               <a:buNone/>
             </a:pPr>
             <a:r>
-              <a:rPr lang="de-DE" altLang="de-DE" sz="1200" dirty="0" err="1">
-                <a:latin typeface="Consolas" panose="020B0609020204030204" pitchFamily="49" charset="0"/>
-              </a:rPr>
-              <a:t>Author</a:t>
-            </a:r>
-            <a:r>
-              <a:rPr lang="de-DE" altLang="de-DE" sz="1200" dirty="0">
-                <a:latin typeface="Consolas" panose="020B0609020204030204" pitchFamily="49" charset="0"/>
-              </a:rPr>
-              <a:t>: </a:t>
-            </a:r>
-            <a:r>
-              <a:rPr lang="de-DE" altLang="de-DE" sz="1200" dirty="0" err="1">
-                <a:latin typeface="Consolas" panose="020B0609020204030204" pitchFamily="49" charset="0"/>
-              </a:rPr>
-              <a:t>Example</a:t>
-            </a:r>
-            <a:r>
-              <a:rPr lang="de-DE" altLang="de-DE" sz="1200" dirty="0">
-                <a:latin typeface="Consolas" panose="020B0609020204030204" pitchFamily="49" charset="0"/>
-              </a:rPr>
-              <a:t> User &lt;example.user@example.de&gt;</a:t>
-            </a:r>
+              <a:rPr lang="en-US" altLang="de-DE" sz="1200" dirty="0">
+                <a:latin typeface="Consolas" panose="020B0609020204030204" pitchFamily="49" charset="0"/>
+              </a:rPr>
+              <a:t>c3a059e (tag: release-v0.0.1) Add </a:t>
+            </a:r>
+            <a:r>
+              <a:rPr lang="en-US" altLang="de-DE" sz="1200" dirty="0" err="1">
+                <a:latin typeface="Consolas" panose="020B0609020204030204" pitchFamily="49" charset="0"/>
+              </a:rPr>
+              <a:t>final_file</a:t>
+            </a:r>
+            <a:endParaRPr lang="en-US" altLang="de-DE" sz="1200" dirty="0">
+              <a:latin typeface="Consolas" panose="020B0609020204030204" pitchFamily="49" charset="0"/>
+            </a:endParaRPr>
           </a:p>
           <a:p>
             <a:pPr marL="457200" lvl="1" indent="0">
@@ -9809,10 +10258,10 @@
               <a:buNone/>
             </a:pPr>
             <a:r>
-              <a:rPr lang="de-DE" altLang="de-DE" sz="1200" dirty="0">
-                <a:latin typeface="Consolas" panose="020B0609020204030204" pitchFamily="49" charset="0"/>
-              </a:rPr>
-              <a:t>Date:   Tue May 28 14:47:28 2024 +0200</a:t>
+              <a:rPr lang="en-US" altLang="de-DE" sz="1200" dirty="0">
+                <a:latin typeface="Consolas" panose="020B0609020204030204" pitchFamily="49" charset="0"/>
+              </a:rPr>
+              <a:t>a908be7 Add file3</a:t>
             </a:r>
           </a:p>
           <a:p>
@@ -9822,9 +10271,12 @@
               </a:spcBef>
               <a:buNone/>
             </a:pPr>
-            <a:endParaRPr lang="de-DE" altLang="de-DE" sz="1200" dirty="0">
-              <a:latin typeface="Consolas" panose="020B0609020204030204" pitchFamily="49" charset="0"/>
-            </a:endParaRPr>
+            <a:r>
+              <a:rPr lang="en-US" altLang="de-DE" sz="1200" dirty="0">
+                <a:latin typeface="Consolas" panose="020B0609020204030204" pitchFamily="49" charset="0"/>
+              </a:rPr>
+              <a:t>722eaf0 Add file from main</a:t>
+            </a:r>
           </a:p>
           <a:p>
             <a:pPr marL="457200" lvl="1" indent="0">
@@ -9834,20 +10286,11 @@
               <a:buNone/>
             </a:pPr>
             <a:r>
-              <a:rPr lang="de-DE" altLang="de-DE" sz="1200" dirty="0">
-                <a:latin typeface="Consolas" panose="020B0609020204030204" pitchFamily="49" charset="0"/>
-              </a:rPr>
-              <a:t>    Add </a:t>
-            </a:r>
-            <a:r>
-              <a:rPr lang="de-DE" altLang="de-DE" sz="1200" dirty="0" err="1">
-                <a:latin typeface="Consolas" panose="020B0609020204030204" pitchFamily="49" charset="0"/>
-              </a:rPr>
-              <a:t>final_file</a:t>
-            </a:r>
-            <a:endParaRPr lang="de-DE" altLang="de-DE" sz="1200" dirty="0">
-              <a:latin typeface="Consolas" panose="020B0609020204030204" pitchFamily="49" charset="0"/>
-            </a:endParaRPr>
+              <a:rPr lang="en-US" altLang="de-DE" sz="1200" dirty="0">
+                <a:latin typeface="Consolas" panose="020B0609020204030204" pitchFamily="49" charset="0"/>
+              </a:rPr>
+              <a:t>c61ef14 Initial commit</a:t>
+            </a:r>
           </a:p>
           <a:p>
             <a:pPr marL="457200" lvl="1" indent="0">
@@ -9856,7 +10299,7 @@
               </a:spcBef>
               <a:buNone/>
             </a:pPr>
-            <a:endParaRPr lang="de-DE" altLang="de-DE" sz="1200" dirty="0">
+            <a:endParaRPr lang="en-US" altLang="de-DE" sz="1200" dirty="0">
               <a:latin typeface="Consolas" panose="020B0609020204030204" pitchFamily="49" charset="0"/>
             </a:endParaRPr>
           </a:p>
@@ -9868,28 +10311,10 @@
               <a:buNone/>
             </a:pPr>
             <a:r>
-              <a:rPr lang="de-DE" altLang="de-DE" sz="1200" dirty="0" err="1">
-                <a:latin typeface="Consolas" panose="020B0609020204030204" pitchFamily="49" charset="0"/>
-              </a:rPr>
-              <a:t>diff</a:t>
-            </a:r>
-            <a:r>
-              <a:rPr lang="de-DE" altLang="de-DE" sz="1200" dirty="0">
-                <a:latin typeface="Consolas" panose="020B0609020204030204" pitchFamily="49" charset="0"/>
-              </a:rPr>
-              <a:t> --</a:t>
-            </a:r>
-            <a:r>
-              <a:rPr lang="de-DE" altLang="de-DE" sz="1200" dirty="0" err="1">
-                <a:latin typeface="Consolas" panose="020B0609020204030204" pitchFamily="49" charset="0"/>
-              </a:rPr>
-              <a:t>git</a:t>
-            </a:r>
-            <a:r>
-              <a:rPr lang="de-DE" altLang="de-DE" sz="1200" dirty="0">
-                <a:latin typeface="Consolas" panose="020B0609020204030204" pitchFamily="49" charset="0"/>
-              </a:rPr>
-              <a:t> a/final_file.txt b/final_file.txt</a:t>
+              <a:rPr lang="en-US" altLang="de-DE" sz="1200" dirty="0">
+                <a:latin typeface="Consolas" panose="020B0609020204030204" pitchFamily="49" charset="0"/>
+              </a:rPr>
+              <a:t>$ git tag release-0.0.0 a908be7</a:t>
             </a:r>
           </a:p>
           <a:p>
@@ -9899,42 +10324,9 @@
               </a:spcBef>
               <a:buNone/>
             </a:pPr>
-            <a:r>
-              <a:rPr lang="de-DE" altLang="de-DE" sz="1200" dirty="0" err="1">
-                <a:latin typeface="Consolas" panose="020B0609020204030204" pitchFamily="49" charset="0"/>
-              </a:rPr>
-              <a:t>new</a:t>
-            </a:r>
-            <a:r>
-              <a:rPr lang="de-DE" altLang="de-DE" sz="1200" dirty="0">
-                <a:latin typeface="Consolas" panose="020B0609020204030204" pitchFamily="49" charset="0"/>
-              </a:rPr>
-              <a:t> </a:t>
-            </a:r>
-            <a:r>
-              <a:rPr lang="de-DE" altLang="de-DE" sz="1200" dirty="0" err="1">
-                <a:latin typeface="Consolas" panose="020B0609020204030204" pitchFamily="49" charset="0"/>
-              </a:rPr>
-              <a:t>file</a:t>
-            </a:r>
-            <a:r>
-              <a:rPr lang="de-DE" altLang="de-DE" sz="1200" dirty="0">
-                <a:latin typeface="Consolas" panose="020B0609020204030204" pitchFamily="49" charset="0"/>
-              </a:rPr>
-              <a:t> </a:t>
-            </a:r>
-            <a:r>
-              <a:rPr lang="de-DE" altLang="de-DE" sz="1200" dirty="0" err="1">
-                <a:latin typeface="Consolas" panose="020B0609020204030204" pitchFamily="49" charset="0"/>
-              </a:rPr>
-              <a:t>mode</a:t>
-            </a:r>
-            <a:r>
-              <a:rPr lang="de-DE" altLang="de-DE" sz="1200" dirty="0">
-                <a:latin typeface="Consolas" panose="020B0609020204030204" pitchFamily="49" charset="0"/>
-              </a:rPr>
-              <a:t> 100644</a:t>
-            </a:r>
+            <a:endParaRPr lang="en-US" altLang="de-DE" sz="1200" dirty="0">
+              <a:latin typeface="Consolas" panose="020B0609020204030204" pitchFamily="49" charset="0"/>
+            </a:endParaRPr>
           </a:p>
           <a:p>
             <a:pPr marL="457200" lvl="1" indent="0">
@@ -9944,19 +10336,107 @@
               <a:buNone/>
             </a:pPr>
             <a:r>
-              <a:rPr lang="de-DE" altLang="de-DE" sz="1200" dirty="0" err="1">
-                <a:latin typeface="Consolas" panose="020B0609020204030204" pitchFamily="49" charset="0"/>
-              </a:rPr>
-              <a:t>index</a:t>
-            </a:r>
-            <a:r>
-              <a:rPr lang="de-DE" altLang="de-DE" sz="1200" dirty="0">
-                <a:latin typeface="Consolas" panose="020B0609020204030204" pitchFamily="49" charset="0"/>
-              </a:rPr>
-              <a:t> 0000000..e69de29</a:t>
-            </a:r>
-          </a:p>
-          <a:p>
+              <a:rPr lang="en-US" altLang="de-DE" sz="1200" dirty="0">
+                <a:latin typeface="Consolas" panose="020B0609020204030204" pitchFamily="49" charset="0"/>
+              </a:rPr>
+              <a:t>$ git log --</a:t>
+            </a:r>
+            <a:r>
+              <a:rPr lang="en-US" altLang="de-DE" sz="1200" dirty="0" err="1">
+                <a:latin typeface="Consolas" panose="020B0609020204030204" pitchFamily="49" charset="0"/>
+              </a:rPr>
+              <a:t>oneline</a:t>
+            </a:r>
+            <a:endParaRPr lang="en-US" altLang="de-DE" sz="1200" dirty="0">
+              <a:latin typeface="Consolas" panose="020B0609020204030204" pitchFamily="49" charset="0"/>
+            </a:endParaRPr>
+          </a:p>
+          <a:p>
+            <a:pPr marL="457200" lvl="1" indent="0">
+              <a:spcBef>
+                <a:spcPts val="0"/>
+              </a:spcBef>
+              <a:buNone/>
+            </a:pPr>
+            <a:r>
+              <a:rPr lang="en-US" altLang="de-DE" sz="1200" dirty="0">
+                <a:latin typeface="Consolas" panose="020B0609020204030204" pitchFamily="49" charset="0"/>
+              </a:rPr>
+              <a:t>89c1108 (HEAD -&gt; main, tag: release-v0.0.2) Add release2_file</a:t>
+            </a:r>
+          </a:p>
+          <a:p>
+            <a:pPr marL="457200" lvl="1" indent="0">
+              <a:spcBef>
+                <a:spcPts val="0"/>
+              </a:spcBef>
+              <a:buNone/>
+            </a:pPr>
+            <a:r>
+              <a:rPr lang="en-US" altLang="de-DE" sz="1200" dirty="0">
+                <a:latin typeface="Consolas" panose="020B0609020204030204" pitchFamily="49" charset="0"/>
+              </a:rPr>
+              <a:t>c3a059e (tag: release-v0.0.1) Add </a:t>
+            </a:r>
+            <a:r>
+              <a:rPr lang="en-US" altLang="de-DE" sz="1200" dirty="0" err="1">
+                <a:latin typeface="Consolas" panose="020B0609020204030204" pitchFamily="49" charset="0"/>
+              </a:rPr>
+              <a:t>final_file</a:t>
+            </a:r>
+            <a:endParaRPr lang="en-US" altLang="de-DE" sz="1200" dirty="0">
+              <a:latin typeface="Consolas" panose="020B0609020204030204" pitchFamily="49" charset="0"/>
+            </a:endParaRPr>
+          </a:p>
+          <a:p>
+            <a:pPr marL="457200" lvl="1" indent="0">
+              <a:spcBef>
+                <a:spcPts val="0"/>
+              </a:spcBef>
+              <a:buNone/>
+            </a:pPr>
+            <a:r>
+              <a:rPr lang="en-US" altLang="de-DE" sz="1200" dirty="0">
+                <a:latin typeface="Consolas" panose="020B0609020204030204" pitchFamily="49" charset="0"/>
+              </a:rPr>
+              <a:t>a908be7 (tag: release-0.0.0) Add file3</a:t>
+            </a:r>
+          </a:p>
+          <a:p>
+            <a:pPr marL="457200" lvl="1" indent="0">
+              <a:spcBef>
+                <a:spcPts val="0"/>
+              </a:spcBef>
+              <a:buNone/>
+            </a:pPr>
+            <a:r>
+              <a:rPr lang="en-US" altLang="de-DE" sz="1200" dirty="0">
+                <a:latin typeface="Consolas" panose="020B0609020204030204" pitchFamily="49" charset="0"/>
+              </a:rPr>
+              <a:t>722eaf0 Add file from main</a:t>
+            </a:r>
+          </a:p>
+          <a:p>
+            <a:pPr marL="457200" lvl="1" indent="0">
+              <a:spcBef>
+                <a:spcPts val="0"/>
+              </a:spcBef>
+              <a:buNone/>
+            </a:pPr>
+            <a:r>
+              <a:rPr lang="en-US" altLang="de-DE" sz="1200" dirty="0">
+                <a:latin typeface="Consolas" panose="020B0609020204030204" pitchFamily="49" charset="0"/>
+              </a:rPr>
+              <a:t>c61ef14 Initial commit</a:t>
+            </a:r>
+            <a:endParaRPr lang="de-DE" altLang="de-DE" sz="1200" dirty="0">
+              <a:latin typeface="Consolas" panose="020B0609020204030204" pitchFamily="49" charset="0"/>
+            </a:endParaRPr>
+          </a:p>
+          <a:p>
+            <a:pPr marL="0" indent="0">
+              <a:buNone/>
+            </a:pPr>
             <a:endParaRPr lang="de-DE" altLang="de-DE" dirty="0"/>
           </a:p>
         </p:txBody>
@@ -10001,7 +10481,7 @@
     </p:spTree>
     <p:extLst>
       <p:ext uri="{BB962C8B-B14F-4D97-AF65-F5344CB8AC3E}">
-        <p14:creationId xmlns:p14="http://schemas.microsoft.com/office/powerpoint/2010/main" val="1126642407"/>
+        <p14:creationId xmlns:p14="http://schemas.microsoft.com/office/powerpoint/2010/main" val="1109548834"/>
       </p:ext>
     </p:extLst>
   </p:cSld>
@@ -10055,8 +10535,32 @@
           <a:lstStyle/>
           <a:p>
             <a:r>
+              <a:rPr lang="de-DE" altLang="de-DE" dirty="0" err="1">
+                <a:latin typeface="Consolas" panose="020B0609020204030204" pitchFamily="49" charset="0"/>
+              </a:rPr>
+              <a:t>git</a:t>
+            </a:r>
+            <a:r>
+              <a:rPr lang="de-DE" altLang="de-DE" dirty="0">
+                <a:latin typeface="Consolas" panose="020B0609020204030204" pitchFamily="49" charset="0"/>
+              </a:rPr>
+              <a:t> </a:t>
+            </a:r>
+            <a:r>
+              <a:rPr lang="de-DE" altLang="de-DE" dirty="0" err="1">
+                <a:latin typeface="Consolas" panose="020B0609020204030204" pitchFamily="49" charset="0"/>
+              </a:rPr>
+              <a:t>show</a:t>
+            </a:r>
+            <a:r>
+              <a:rPr lang="de-DE" altLang="de-DE" dirty="0">
+                <a:latin typeface="Consolas" panose="020B0609020204030204" pitchFamily="49" charset="0"/>
+              </a:rPr>
+              <a:t> &lt;tag-name&gt; </a:t>
+            </a:r>
+            <a:r>
               <a:rPr lang="de-DE" altLang="de-DE" dirty="0"/>
-              <a:t>Rückwirkendes Tagging ist mit Angabe der Commit-ID möglich</a:t>
+              <a:t>zeigt den Commit zum angegebenen Tag</a:t>
             </a:r>
           </a:p>
           <a:p>
@@ -10066,7 +10570,7 @@
               </a:spcBef>
               <a:buNone/>
             </a:pPr>
-            <a:endParaRPr lang="en-US" altLang="de-DE" sz="1200" dirty="0">
+            <a:endParaRPr lang="de-DE" altLang="de-DE" sz="1200" dirty="0">
               <a:latin typeface="Consolas" panose="020B0609020204030204" pitchFamily="49" charset="0"/>
             </a:endParaRPr>
           </a:p>
@@ -10078,20 +10582,35 @@
               <a:buNone/>
             </a:pPr>
             <a:r>
-              <a:rPr lang="en-US" altLang="de-DE" sz="1200" dirty="0">
-                <a:latin typeface="Consolas" panose="020B0609020204030204" pitchFamily="49" charset="0"/>
-              </a:rPr>
-              <a:t>$ git log --</a:t>
-            </a:r>
-            <a:r>
-              <a:rPr lang="en-US" altLang="de-DE" sz="1200" dirty="0" err="1">
-                <a:latin typeface="Consolas" panose="020B0609020204030204" pitchFamily="49" charset="0"/>
-              </a:rPr>
-              <a:t>oneline</a:t>
-            </a:r>
-            <a:endParaRPr lang="en-US" altLang="de-DE" sz="1200" dirty="0">
-              <a:latin typeface="Consolas" panose="020B0609020204030204" pitchFamily="49" charset="0"/>
-            </a:endParaRPr>
+              <a:rPr lang="de-DE" altLang="de-DE" sz="1200" dirty="0">
+                <a:latin typeface="Consolas" panose="020B0609020204030204" pitchFamily="49" charset="0"/>
+              </a:rPr>
+              <a:t>$ </a:t>
+            </a:r>
+            <a:r>
+              <a:rPr lang="de-DE" altLang="de-DE" sz="1200" dirty="0" err="1">
+                <a:latin typeface="Consolas" panose="020B0609020204030204" pitchFamily="49" charset="0"/>
+              </a:rPr>
+              <a:t>git</a:t>
+            </a:r>
+            <a:r>
+              <a:rPr lang="de-DE" altLang="de-DE" sz="1200" dirty="0">
+                <a:latin typeface="Consolas" panose="020B0609020204030204" pitchFamily="49" charset="0"/>
+              </a:rPr>
+              <a:t> </a:t>
+            </a:r>
+            <a:r>
+              <a:rPr lang="de-DE" altLang="de-DE" sz="1200" dirty="0" err="1">
+                <a:latin typeface="Consolas" panose="020B0609020204030204" pitchFamily="49" charset="0"/>
+              </a:rPr>
+              <a:t>show</a:t>
+            </a:r>
+            <a:r>
+              <a:rPr lang="de-DE" altLang="de-DE" sz="1200" dirty="0">
+                <a:latin typeface="Consolas" panose="020B0609020204030204" pitchFamily="49" charset="0"/>
+              </a:rPr>
+              <a:t> release-v0.0.1</a:t>
+            </a:r>
           </a:p>
           <a:p>
             <a:pPr marL="457200" lvl="1" indent="0">
@@ -10101,10 +10620,16 @@
               <a:buNone/>
             </a:pPr>
             <a:r>
-              <a:rPr lang="en-US" altLang="de-DE" sz="1200" dirty="0">
-                <a:latin typeface="Consolas" panose="020B0609020204030204" pitchFamily="49" charset="0"/>
-              </a:rPr>
-              <a:t>89c1108 (HEAD -&gt; main, tag: release-v0.0.2) Add release2_file</a:t>
+              <a:rPr lang="de-DE" altLang="de-DE" sz="1200" dirty="0" err="1">
+                <a:latin typeface="Consolas" panose="020B0609020204030204" pitchFamily="49" charset="0"/>
+              </a:rPr>
+              <a:t>commit</a:t>
+            </a:r>
+            <a:r>
+              <a:rPr lang="de-DE" altLang="de-DE" sz="1200" dirty="0">
+                <a:latin typeface="Consolas" panose="020B0609020204030204" pitchFamily="49" charset="0"/>
+              </a:rPr>
+              <a:t> c3a059e2d6e4acfdca1295104b4d6a55f8bd00e4 (tag: release-v0.0.1)</a:t>
             </a:r>
           </a:p>
           <a:p>
@@ -10115,20 +10640,29 @@
               <a:buNone/>
             </a:pPr>
             <a:r>
-              <a:rPr lang="en-US" altLang="de-DE" sz="1200" dirty="0">
-                <a:latin typeface="Consolas" panose="020B0609020204030204" pitchFamily="49" charset="0"/>
-              </a:rPr>
-              <a:t>c3a059e (tag: release-v0.0.1) Add </a:t>
-            </a:r>
-            <a:r>
-              <a:rPr lang="en-US" altLang="de-DE" sz="1200" dirty="0" err="1">
-                <a:latin typeface="Consolas" panose="020B0609020204030204" pitchFamily="49" charset="0"/>
-              </a:rPr>
-              <a:t>final_file</a:t>
-            </a:r>
-            <a:endParaRPr lang="en-US" altLang="de-DE" sz="1200" dirty="0">
-              <a:latin typeface="Consolas" panose="020B0609020204030204" pitchFamily="49" charset="0"/>
-            </a:endParaRPr>
+              <a:rPr lang="de-DE" altLang="de-DE" sz="1200" dirty="0" err="1">
+                <a:latin typeface="Consolas" panose="020B0609020204030204" pitchFamily="49" charset="0"/>
+              </a:rPr>
+              <a:t>Author</a:t>
+            </a:r>
+            <a:r>
+              <a:rPr lang="de-DE" altLang="de-DE" sz="1200" dirty="0">
+                <a:latin typeface="Consolas" panose="020B0609020204030204" pitchFamily="49" charset="0"/>
+              </a:rPr>
+              <a:t>: </a:t>
+            </a:r>
+            <a:r>
+              <a:rPr lang="de-DE" altLang="de-DE" sz="1200" dirty="0" err="1">
+                <a:latin typeface="Consolas" panose="020B0609020204030204" pitchFamily="49" charset="0"/>
+              </a:rPr>
+              <a:t>Example</a:t>
+            </a:r>
+            <a:r>
+              <a:rPr lang="de-DE" altLang="de-DE" sz="1200" dirty="0">
+                <a:latin typeface="Consolas" panose="020B0609020204030204" pitchFamily="49" charset="0"/>
+              </a:rPr>
+              <a:t> User &lt;example.user@example.de&gt;</a:t>
+            </a:r>
           </a:p>
           <a:p>
             <a:pPr marL="457200" lvl="1" indent="0">
@@ -10138,10 +10672,10 @@
               <a:buNone/>
             </a:pPr>
             <a:r>
-              <a:rPr lang="en-US" altLang="de-DE" sz="1200" dirty="0">
-                <a:latin typeface="Consolas" panose="020B0609020204030204" pitchFamily="49" charset="0"/>
-              </a:rPr>
-              <a:t>a908be7 Add file3</a:t>
+              <a:rPr lang="de-DE" altLang="de-DE" sz="1200" dirty="0">
+                <a:latin typeface="Consolas" panose="020B0609020204030204" pitchFamily="49" charset="0"/>
+              </a:rPr>
+              <a:t>Date:   Tue May 28 14:47:28 2024 +0200</a:t>
             </a:r>
           </a:p>
           <a:p>
@@ -10151,12 +10685,9 @@
               </a:spcBef>
               <a:buNone/>
             </a:pPr>
-            <a:r>
-              <a:rPr lang="en-US" altLang="de-DE" sz="1200" dirty="0">
-                <a:latin typeface="Consolas" panose="020B0609020204030204" pitchFamily="49" charset="0"/>
-              </a:rPr>
-              <a:t>722eaf0 Add file from main</a:t>
-            </a:r>
+            <a:endParaRPr lang="de-DE" altLang="de-DE" sz="1200" dirty="0">
+              <a:latin typeface="Consolas" panose="020B0609020204030204" pitchFamily="49" charset="0"/>
+            </a:endParaRPr>
           </a:p>
           <a:p>
             <a:pPr marL="457200" lvl="1" indent="0">
@@ -10166,11 +10697,20 @@
               <a:buNone/>
             </a:pPr>
             <a:r>
-              <a:rPr lang="en-US" altLang="de-DE" sz="1200" dirty="0">
-                <a:latin typeface="Consolas" panose="020B0609020204030204" pitchFamily="49" charset="0"/>
-              </a:rPr>
-              <a:t>c61ef14 Initial commit</a:t>
-            </a:r>
+              <a:rPr lang="de-DE" altLang="de-DE" sz="1200" dirty="0">
+                <a:latin typeface="Consolas" panose="020B0609020204030204" pitchFamily="49" charset="0"/>
+              </a:rPr>
+              <a:t>    Add </a:t>
+            </a:r>
+            <a:r>
+              <a:rPr lang="de-DE" altLang="de-DE" sz="1200" dirty="0" err="1">
+                <a:latin typeface="Consolas" panose="020B0609020204030204" pitchFamily="49" charset="0"/>
+              </a:rPr>
+              <a:t>final_file</a:t>
+            </a:r>
+            <a:endParaRPr lang="de-DE" altLang="de-DE" sz="1200" dirty="0">
+              <a:latin typeface="Consolas" panose="020B0609020204030204" pitchFamily="49" charset="0"/>
+            </a:endParaRPr>
           </a:p>
           <a:p>
             <a:pPr marL="457200" lvl="1" indent="0">
@@ -10179,7 +10719,7 @@
               </a:spcBef>
               <a:buNone/>
             </a:pPr>
-            <a:endParaRPr lang="en-US" altLang="de-DE" sz="1200" dirty="0">
+            <a:endParaRPr lang="de-DE" altLang="de-DE" sz="1200" dirty="0">
               <a:latin typeface="Consolas" panose="020B0609020204030204" pitchFamily="49" charset="0"/>
             </a:endParaRPr>
           </a:p>
@@ -10191,10 +10731,28 @@
               <a:buNone/>
             </a:pPr>
             <a:r>
-              <a:rPr lang="en-US" altLang="de-DE" sz="1200" dirty="0">
-                <a:latin typeface="Consolas" panose="020B0609020204030204" pitchFamily="49" charset="0"/>
-              </a:rPr>
-              <a:t>$ git tag release-v0.0.0 a908be7</a:t>
+              <a:rPr lang="de-DE" altLang="de-DE" sz="1200" dirty="0" err="1">
+                <a:latin typeface="Consolas" panose="020B0609020204030204" pitchFamily="49" charset="0"/>
+              </a:rPr>
+              <a:t>diff</a:t>
+            </a:r>
+            <a:r>
+              <a:rPr lang="de-DE" altLang="de-DE" sz="1200" dirty="0">
+                <a:latin typeface="Consolas" panose="020B0609020204030204" pitchFamily="49" charset="0"/>
+              </a:rPr>
+              <a:t> --</a:t>
+            </a:r>
+            <a:r>
+              <a:rPr lang="de-DE" altLang="de-DE" sz="1200" dirty="0" err="1">
+                <a:latin typeface="Consolas" panose="020B0609020204030204" pitchFamily="49" charset="0"/>
+              </a:rPr>
+              <a:t>git</a:t>
+            </a:r>
+            <a:r>
+              <a:rPr lang="de-DE" altLang="de-DE" sz="1200" dirty="0">
+                <a:latin typeface="Consolas" panose="020B0609020204030204" pitchFamily="49" charset="0"/>
+              </a:rPr>
+              <a:t> a/final_file.txt b/final_file.txt</a:t>
             </a:r>
           </a:p>
           <a:p>
@@ -10204,9 +10762,42 @@
               </a:spcBef>
               <a:buNone/>
             </a:pPr>
-            <a:endParaRPr lang="en-US" altLang="de-DE" sz="1200" dirty="0">
-              <a:latin typeface="Consolas" panose="020B0609020204030204" pitchFamily="49" charset="0"/>
-            </a:endParaRPr>
+            <a:r>
+              <a:rPr lang="de-DE" altLang="de-DE" sz="1200" dirty="0" err="1">
+                <a:latin typeface="Consolas" panose="020B0609020204030204" pitchFamily="49" charset="0"/>
+              </a:rPr>
+              <a:t>new</a:t>
+            </a:r>
+            <a:r>
+              <a:rPr lang="de-DE" altLang="de-DE" sz="1200" dirty="0">
+                <a:latin typeface="Consolas" panose="020B0609020204030204" pitchFamily="49" charset="0"/>
+              </a:rPr>
+              <a:t> </a:t>
+            </a:r>
+            <a:r>
+              <a:rPr lang="de-DE" altLang="de-DE" sz="1200" dirty="0" err="1">
+                <a:latin typeface="Consolas" panose="020B0609020204030204" pitchFamily="49" charset="0"/>
+              </a:rPr>
+              <a:t>file</a:t>
+            </a:r>
+            <a:r>
+              <a:rPr lang="de-DE" altLang="de-DE" sz="1200" dirty="0">
+                <a:latin typeface="Consolas" panose="020B0609020204030204" pitchFamily="49" charset="0"/>
+              </a:rPr>
+              <a:t> </a:t>
+            </a:r>
+            <a:r>
+              <a:rPr lang="de-DE" altLang="de-DE" sz="1200" dirty="0" err="1">
+                <a:latin typeface="Consolas" panose="020B0609020204030204" pitchFamily="49" charset="0"/>
+              </a:rPr>
+              <a:t>mode</a:t>
+            </a:r>
+            <a:r>
+              <a:rPr lang="de-DE" altLang="de-DE" sz="1200" dirty="0">
+                <a:latin typeface="Consolas" panose="020B0609020204030204" pitchFamily="49" charset="0"/>
+              </a:rPr>
+              <a:t> 100644</a:t>
+            </a:r>
           </a:p>
           <a:p>
             <a:pPr marL="457200" lvl="1" indent="0">
@@ -10216,113 +10807,17 @@
               <a:buNone/>
             </a:pPr>
             <a:r>
-              <a:rPr lang="en-US" altLang="de-DE" sz="1200" dirty="0">
-                <a:latin typeface="Consolas" panose="020B0609020204030204" pitchFamily="49" charset="0"/>
-              </a:rPr>
-              <a:t>$ git log --</a:t>
-            </a:r>
-            <a:r>
-              <a:rPr lang="en-US" altLang="de-DE" sz="1200" dirty="0" err="1">
-                <a:latin typeface="Consolas" panose="020B0609020204030204" pitchFamily="49" charset="0"/>
-              </a:rPr>
-              <a:t>oneline</a:t>
-            </a:r>
-            <a:endParaRPr lang="en-US" altLang="de-DE" sz="1200" dirty="0">
-              <a:latin typeface="Consolas" panose="020B0609020204030204" pitchFamily="49" charset="0"/>
-            </a:endParaRPr>
-          </a:p>
-          <a:p>
-            <a:pPr marL="457200" lvl="1" indent="0">
-              <a:spcBef>
-                <a:spcPts val="0"/>
-              </a:spcBef>
-              <a:buNone/>
-            </a:pPr>
-            <a:r>
-              <a:rPr lang="en-US" altLang="de-DE" sz="1200" dirty="0">
-                <a:latin typeface="Consolas" panose="020B0609020204030204" pitchFamily="49" charset="0"/>
-              </a:rPr>
-              <a:t>89c1108 (HEAD -&gt; main, tag: release-v0.0.2) Add release2_file</a:t>
-            </a:r>
-          </a:p>
-          <a:p>
-            <a:pPr marL="457200" lvl="1" indent="0">
-              <a:spcBef>
-                <a:spcPts val="0"/>
-              </a:spcBef>
-              <a:buNone/>
-            </a:pPr>
-            <a:r>
-              <a:rPr lang="en-US" altLang="de-DE" sz="1200" dirty="0">
-                <a:latin typeface="Consolas" panose="020B0609020204030204" pitchFamily="49" charset="0"/>
-              </a:rPr>
-              <a:t>c3a059e (tag: release-v0.0.1) Add </a:t>
-            </a:r>
-            <a:r>
-              <a:rPr lang="en-US" altLang="de-DE" sz="1200" dirty="0" err="1">
-                <a:latin typeface="Consolas" panose="020B0609020204030204" pitchFamily="49" charset="0"/>
-              </a:rPr>
-              <a:t>final_file</a:t>
-            </a:r>
-            <a:endParaRPr lang="en-US" altLang="de-DE" sz="1200" dirty="0">
-              <a:latin typeface="Consolas" panose="020B0609020204030204" pitchFamily="49" charset="0"/>
-            </a:endParaRPr>
-          </a:p>
-          <a:p>
-            <a:pPr marL="457200" lvl="1" indent="0">
-              <a:spcBef>
-                <a:spcPts val="0"/>
-              </a:spcBef>
-              <a:buNone/>
-            </a:pPr>
-            <a:r>
-              <a:rPr lang="en-US" altLang="de-DE" sz="1200" dirty="0">
-                <a:latin typeface="Consolas" panose="020B0609020204030204" pitchFamily="49" charset="0"/>
-              </a:rPr>
-              <a:t>a908be7 (tag: release-v0.0.0) Add file3</a:t>
-            </a:r>
-          </a:p>
-          <a:p>
-            <a:pPr marL="457200" lvl="1" indent="0">
-              <a:spcBef>
-                <a:spcPts val="0"/>
-              </a:spcBef>
-              <a:buNone/>
-            </a:pPr>
-            <a:r>
-              <a:rPr lang="en-US" altLang="de-DE" sz="1200" dirty="0">
-                <a:latin typeface="Consolas" panose="020B0609020204030204" pitchFamily="49" charset="0"/>
-              </a:rPr>
-              <a:t>722eaf0 Add file from main</a:t>
-            </a:r>
-          </a:p>
-          <a:p>
-            <a:pPr marL="457200" lvl="1" indent="0">
-              <a:spcBef>
-                <a:spcPts val="0"/>
-              </a:spcBef>
-              <a:buNone/>
-            </a:pPr>
-            <a:r>
-              <a:rPr lang="en-US" altLang="de-DE" sz="1200" dirty="0">
-                <a:latin typeface="Consolas" panose="020B0609020204030204" pitchFamily="49" charset="0"/>
-              </a:rPr>
-              <a:t>c61ef14 Initial commit</a:t>
-            </a:r>
-            <a:endParaRPr lang="de-DE" altLang="de-DE" sz="1200" dirty="0">
-              <a:latin typeface="Consolas" panose="020B0609020204030204" pitchFamily="49" charset="0"/>
-            </a:endParaRPr>
-          </a:p>
-          <a:p>
-            <a:pPr marL="457200" lvl="1" indent="0">
-              <a:spcBef>
-                <a:spcPts val="0"/>
-              </a:spcBef>
-              <a:buNone/>
-            </a:pPr>
-            <a:endParaRPr lang="de-DE" altLang="de-DE" sz="1200" dirty="0">
-              <a:latin typeface="Consolas" panose="020B0609020204030204" pitchFamily="49" charset="0"/>
-            </a:endParaRPr>
+              <a:rPr lang="de-DE" altLang="de-DE" sz="1200" dirty="0" err="1">
+                <a:latin typeface="Consolas" panose="020B0609020204030204" pitchFamily="49" charset="0"/>
+              </a:rPr>
+              <a:t>index</a:t>
+            </a:r>
+            <a:r>
+              <a:rPr lang="de-DE" altLang="de-DE" sz="1200" dirty="0">
+                <a:latin typeface="Consolas" panose="020B0609020204030204" pitchFamily="49" charset="0"/>
+              </a:rPr>
+              <a:t> 0000000..e69de29</a:t>
+            </a:r>
           </a:p>
           <a:p>
             <a:endParaRPr lang="de-DE" altLang="de-DE" dirty="0"/>
@@ -10369,7 +10864,7 @@
     </p:spTree>
     <p:extLst>
       <p:ext uri="{BB962C8B-B14F-4D97-AF65-F5344CB8AC3E}">
-        <p14:creationId xmlns:p14="http://schemas.microsoft.com/office/powerpoint/2010/main" val="1475861676"/>
+        <p14:creationId xmlns:p14="http://schemas.microsoft.com/office/powerpoint/2010/main" val="1126642407"/>
       </p:ext>
     </p:extLst>
   </p:cSld>

--- a/slides/Tag-2_2-Tags-und-Releases.pptx
+++ b/slides/Tag-2_2-Tags-und-Releases.pptx
@@ -7,34 +7,32 @@
     <p:sldMasterId id="2147483897" r:id="rId3"/>
   </p:sldMasterIdLst>
   <p:notesMasterIdLst>
-    <p:notesMasterId r:id="rId26"/>
+    <p:notesMasterId r:id="rId24"/>
   </p:notesMasterIdLst>
   <p:handoutMasterIdLst>
-    <p:handoutMasterId r:id="rId27"/>
+    <p:handoutMasterId r:id="rId25"/>
   </p:handoutMasterIdLst>
   <p:sldIdLst>
-    <p:sldId id="604" r:id="rId4"/>
-    <p:sldId id="606" r:id="rId5"/>
-    <p:sldId id="726" r:id="rId6"/>
+    <p:sldId id="288" r:id="rId4"/>
+    <p:sldId id="387" r:id="rId5"/>
+    <p:sldId id="287" r:id="rId6"/>
     <p:sldId id="596" r:id="rId7"/>
-    <p:sldId id="287" r:id="rId8"/>
-    <p:sldId id="368" r:id="rId9"/>
-    <p:sldId id="420" r:id="rId10"/>
-    <p:sldId id="421" r:id="rId11"/>
-    <p:sldId id="422" r:id="rId12"/>
-    <p:sldId id="424" r:id="rId13"/>
-    <p:sldId id="423" r:id="rId14"/>
-    <p:sldId id="425" r:id="rId15"/>
-    <p:sldId id="426" r:id="rId16"/>
-    <p:sldId id="427" r:id="rId17"/>
-    <p:sldId id="597" r:id="rId18"/>
-    <p:sldId id="428" r:id="rId19"/>
-    <p:sldId id="429" r:id="rId20"/>
-    <p:sldId id="598" r:id="rId21"/>
-    <p:sldId id="430" r:id="rId22"/>
-    <p:sldId id="431" r:id="rId23"/>
-    <p:sldId id="432" r:id="rId24"/>
-    <p:sldId id="433" r:id="rId25"/>
+    <p:sldId id="368" r:id="rId8"/>
+    <p:sldId id="420" r:id="rId9"/>
+    <p:sldId id="421" r:id="rId10"/>
+    <p:sldId id="424" r:id="rId11"/>
+    <p:sldId id="423" r:id="rId12"/>
+    <p:sldId id="425" r:id="rId13"/>
+    <p:sldId id="426" r:id="rId14"/>
+    <p:sldId id="427" r:id="rId15"/>
+    <p:sldId id="597" r:id="rId16"/>
+    <p:sldId id="428" r:id="rId17"/>
+    <p:sldId id="429" r:id="rId18"/>
+    <p:sldId id="598" r:id="rId19"/>
+    <p:sldId id="430" r:id="rId20"/>
+    <p:sldId id="431" r:id="rId21"/>
+    <p:sldId id="432" r:id="rId22"/>
+    <p:sldId id="433" r:id="rId23"/>
   </p:sldIdLst>
   <p:sldSz cx="9144000" cy="6858000" type="screen4x3"/>
   <p:notesSz cx="6784975" cy="9921875"/>
@@ -1104,7 +1102,7 @@
                 <a:latin typeface="Arial" panose="020B0604020202020204" pitchFamily="34" charset="0"/>
               </a:rPr>
               <a:pPr/>
-              <a:t>5</a:t>
+              <a:t>3</a:t>
             </a:fld>
             <a:endParaRPr lang="de-DE" altLang="de-DE" sz="1000">
               <a:latin typeface="Arial" panose="020B0604020202020204" pitchFamily="34" charset="0"/>
@@ -2314,7 +2312,7 @@
                 </a:solidFill>
                 <a:latin typeface="Arial" charset="0"/>
               </a:rPr>
-              <a:t>Daniel Krämer &amp; Malte Fischer</a:t>
+              <a:t>&lt;Autor&gt;</a:t>
             </a:r>
           </a:p>
         </p:txBody>
@@ -2336,7 +2334,7 @@
         <p:spPr bwMode="auto">
           <a:xfrm>
             <a:off x="4252913" y="6424613"/>
-            <a:ext cx="2092239" cy="246221"/>
+            <a:ext cx="1163637" cy="246062"/>
           </a:xfrm>
           <a:prstGeom prst="rect">
             <a:avLst/>
@@ -2366,7 +2364,16 @@
                 </a:solidFill>
                 <a:latin typeface="Arial" charset="0"/>
               </a:rPr>
-              <a:t>Tag-2_2-Tags-und-Releases.pptx</a:t>
+              <a:t>&lt;Dateiname&gt;.</a:t>
+            </a:r>
+            <a:r>
+              <a:rPr lang="de-DE" sz="1000" dirty="0" err="1">
+                <a:solidFill>
+                  <a:schemeClr val="bg1"/>
+                </a:solidFill>
+                <a:latin typeface="Arial" charset="0"/>
+              </a:rPr>
+              <a:t>ppt</a:t>
             </a:r>
             <a:endParaRPr lang="de-DE" dirty="0">
               <a:solidFill>
@@ -4412,7 +4419,7 @@
                 </a:solidFill>
                 <a:latin typeface="Arial" charset="0"/>
               </a:rPr>
-              <a:t>Daniel Krämer &amp; Malte Fischer</a:t>
+              <a:t>&lt;Autor&gt;</a:t>
             </a:r>
           </a:p>
         </p:txBody>
@@ -4434,7 +4441,7 @@
         <p:spPr bwMode="auto">
           <a:xfrm>
             <a:off x="4252913" y="6424613"/>
-            <a:ext cx="2092239" cy="246221"/>
+            <a:ext cx="1891865" cy="246221"/>
           </a:xfrm>
           <a:prstGeom prst="rect">
             <a:avLst/>
@@ -4464,7 +4471,7 @@
                 </a:solidFill>
                 <a:latin typeface="Arial" charset="0"/>
               </a:rPr>
-              <a:t>Tag-2_2-Tags-und-Releases.pptx</a:t>
+              <a:t>Tag-3_2_1-GitLab-Runner.ppt</a:t>
             </a:r>
             <a:endParaRPr lang="de-DE" dirty="0">
               <a:solidFill>
@@ -5366,7 +5373,7 @@
         <p:spPr bwMode="auto">
           <a:xfrm>
             <a:off x="468313" y="2562225"/>
-            <a:ext cx="5471839" cy="938213"/>
+            <a:ext cx="4967287" cy="938213"/>
           </a:xfrm>
           <a:prstGeom prst="rect">
             <a:avLst/>
@@ -5398,24 +5405,8 @@
           <a:p>
             <a:pPr algn="l" eaLnBrk="1" hangingPunct="1"/>
             <a:r>
-              <a:rPr lang="de-DE" altLang="de-DE" sz="3200" dirty="0"/>
-              <a:t>Tag 2: Vertiefung </a:t>
-            </a:r>
-            <a:r>
-              <a:rPr lang="de-DE" altLang="de-DE" sz="3200" dirty="0" err="1"/>
-              <a:t>Git</a:t>
-            </a:r>
-            <a:r>
-              <a:rPr lang="de-DE" altLang="de-DE" sz="3200" dirty="0"/>
-              <a:t>-Workflow, CI/CD &amp; </a:t>
-            </a:r>
-            <a:r>
-              <a:rPr lang="de-DE" altLang="de-DE" sz="3200" dirty="0" err="1"/>
-              <a:t>GitLab</a:t>
-            </a:r>
-            <a:r>
-              <a:rPr lang="de-DE" altLang="de-DE" sz="3200" dirty="0"/>
-              <a:t> CI </a:t>
+              <a:rPr lang="de-DE" altLang="de-DE" dirty="0"/>
+              <a:t>Tags und Releases</a:t>
             </a:r>
           </a:p>
         </p:txBody>
@@ -5438,8 +5429,8 @@
         </p:nvSpPr>
         <p:spPr bwMode="auto">
           <a:xfrm>
-            <a:off x="468312" y="4462463"/>
-            <a:ext cx="4190603" cy="622300"/>
+            <a:off x="468313" y="4462463"/>
+            <a:ext cx="2159000" cy="622300"/>
           </a:xfrm>
           <a:prstGeom prst="rect">
             <a:avLst/>
@@ -5474,8 +5465,8 @@
               <a:buNone/>
             </a:pPr>
             <a:r>
-              <a:rPr lang="de-DE" altLang="de-DE" sz="1600" dirty="0"/>
-              <a:t>18.06.2024, Daniel Krämer &amp; Malte Fischer</a:t>
+              <a:rPr lang="de-DE" altLang="de-DE" sz="1600"/>
+              <a:t>&lt;Datum, Autor&gt;</a:t>
             </a:r>
           </a:p>
         </p:txBody>
@@ -5628,54 +5619,18 @@
           </a:lstStyle>
           <a:p>
             <a:pPr eaLnBrk="1" hangingPunct="1"/>
-            <a:endParaRPr lang="de-DE" altLang="de-DE" sz="4400" dirty="0">
-              <a:solidFill>
-                <a:schemeClr val="tx2"/>
-              </a:solidFill>
-              <a:latin typeface="Arial" panose="020B0604020202020204" pitchFamily="34" charset="0"/>
-            </a:endParaRPr>
+            <a:r>
+              <a:rPr lang="de-DE" altLang="de-DE" sz="4400">
+                <a:solidFill>
+                  <a:schemeClr val="tx2"/>
+                </a:solidFill>
+                <a:latin typeface="Arial" panose="020B0604020202020204" pitchFamily="34" charset="0"/>
+              </a:rPr>
+              <a:t>&lt;Kundenlogo&gt;</a:t>
+            </a:r>
           </a:p>
         </p:txBody>
       </p:sp>
-      <p:pic>
-        <p:nvPicPr>
-          <p:cNvPr id="3" name="Grafik 2">
-            <a:extLst>
-              <a:ext uri="{FF2B5EF4-FFF2-40B4-BE49-F238E27FC236}">
-                <a16:creationId xmlns:a16="http://schemas.microsoft.com/office/drawing/2014/main" id="{F795EC6A-86ED-78D6-3916-EC81E8315965}"/>
-              </a:ext>
-            </a:extLst>
-          </p:cNvPr>
-          <p:cNvPicPr>
-            <a:picLocks noChangeAspect="1"/>
-          </p:cNvPicPr>
-          <p:nvPr/>
-        </p:nvPicPr>
-        <p:blipFill>
-          <a:blip r:embed="rId2">
-            <a:extLst>
-              <a:ext uri="{28A0092B-C50C-407E-A947-70E740481C1C}">
-                <a14:useLocalDpi xmlns:a14="http://schemas.microsoft.com/office/drawing/2010/main" val="0"/>
-              </a:ext>
-              <a:ext uri="{96DAC541-7B7A-43D3-8B79-37D633B846F1}">
-                <asvg:svgBlip xmlns:asvg="http://schemas.microsoft.com/office/drawing/2016/SVG/main" r:embed="rId3"/>
-              </a:ext>
-            </a:extLst>
-          </a:blip>
-          <a:stretch>
-            <a:fillRect/>
-          </a:stretch>
-        </p:blipFill>
-        <p:spPr>
-          <a:xfrm>
-            <a:off x="309959" y="263970"/>
-            <a:ext cx="4348957" cy="1508822"/>
-          </a:xfrm>
-          <a:prstGeom prst="rect">
-            <a:avLst/>
-          </a:prstGeom>
-        </p:spPr>
-      </p:pic>
     </p:spTree>
   </p:cSld>
   <p:clrMapOvr>
@@ -5728,8 +5683,52 @@
           <a:lstStyle/>
           <a:p>
             <a:r>
+              <a:rPr lang="de-DE" altLang="de-DE" dirty="0" err="1">
+                <a:latin typeface="Consolas" panose="020B0609020204030204" pitchFamily="49" charset="0"/>
+              </a:rPr>
+              <a:t>git</a:t>
+            </a:r>
+            <a:r>
+              <a:rPr lang="de-DE" altLang="de-DE" dirty="0">
+                <a:latin typeface="Consolas" panose="020B0609020204030204" pitchFamily="49" charset="0"/>
+              </a:rPr>
+              <a:t> </a:t>
+            </a:r>
+            <a:r>
+              <a:rPr lang="de-DE" altLang="de-DE" dirty="0" err="1">
+                <a:latin typeface="Consolas" panose="020B0609020204030204" pitchFamily="49" charset="0"/>
+              </a:rPr>
+              <a:t>checkout</a:t>
+            </a:r>
+            <a:r>
+              <a:rPr lang="de-DE" altLang="de-DE" dirty="0">
+                <a:latin typeface="Consolas" panose="020B0609020204030204" pitchFamily="49" charset="0"/>
+              </a:rPr>
+              <a:t> –b &lt;</a:t>
+            </a:r>
+            <a:r>
+              <a:rPr lang="de-DE" altLang="de-DE" dirty="0" err="1">
+                <a:latin typeface="Consolas" panose="020B0609020204030204" pitchFamily="49" charset="0"/>
+              </a:rPr>
+              <a:t>branch</a:t>
+            </a:r>
+            <a:r>
+              <a:rPr lang="de-DE" altLang="de-DE" dirty="0">
+                <a:latin typeface="Consolas" panose="020B0609020204030204" pitchFamily="49" charset="0"/>
+              </a:rPr>
+              <a:t>-name&gt; &lt;tag-name&gt; </a:t>
+            </a:r>
+            <a:r>
               <a:rPr lang="de-DE" altLang="de-DE" dirty="0"/>
-              <a:t>Rückwirkendes Tagging ist mit Angabe der Commit-ID möglich</a:t>
+              <a:t>ermöglicht das Erstellen eines </a:t>
+            </a:r>
+            <a:r>
+              <a:rPr lang="de-DE" altLang="de-DE" dirty="0" err="1"/>
+              <a:t>Branches</a:t>
+            </a:r>
+            <a:r>
+              <a:rPr lang="de-DE" altLang="de-DE" dirty="0"/>
+              <a:t> abzweigend vom getaggten Commit</a:t>
             </a:r>
           </a:p>
           <a:p>
@@ -5754,17 +5753,8 @@
               <a:rPr lang="en-US" altLang="de-DE" sz="1200" dirty="0">
                 <a:latin typeface="Consolas" panose="020B0609020204030204" pitchFamily="49" charset="0"/>
               </a:rPr>
-              <a:t>$ git log --</a:t>
-            </a:r>
-            <a:r>
-              <a:rPr lang="en-US" altLang="de-DE" sz="1200" dirty="0" err="1">
-                <a:latin typeface="Consolas" panose="020B0609020204030204" pitchFamily="49" charset="0"/>
-              </a:rPr>
-              <a:t>oneline</a:t>
-            </a:r>
-            <a:endParaRPr lang="en-US" altLang="de-DE" sz="1200" dirty="0">
-              <a:latin typeface="Consolas" panose="020B0609020204030204" pitchFamily="49" charset="0"/>
-            </a:endParaRPr>
+              <a:t>$ git checkout -b hotfix release-v0.0.1</a:t>
+            </a:r>
           </a:p>
           <a:p>
             <a:pPr marL="457200" lvl="1" indent="0">
@@ -5777,7 +5767,32 @@
               <a:rPr lang="en-US" altLang="de-DE" sz="1200" dirty="0">
                 <a:latin typeface="Consolas" panose="020B0609020204030204" pitchFamily="49" charset="0"/>
               </a:rPr>
-              <a:t>89c1108 (HEAD -&gt; main, tag: release-v0.0.2) Add release2_file</a:t>
+              <a:t>Switched to a new branch 'hotfix‘</a:t>
+            </a:r>
+            <a:endParaRPr lang="de-DE" altLang="de-DE" sz="1200" dirty="0">
+              <a:latin typeface="Consolas" panose="020B0609020204030204" pitchFamily="49" charset="0"/>
+            </a:endParaRPr>
+          </a:p>
+          <a:p>
+            <a:r>
+              <a:rPr lang="de-DE" altLang="de-DE" dirty="0"/>
+              <a:t>Löschen eines Tags ist mit dem Befehl </a:t>
+            </a:r>
+            <a:r>
+              <a:rPr lang="de-DE" altLang="de-DE" dirty="0" err="1">
+                <a:latin typeface="Consolas" panose="020B0609020204030204" pitchFamily="49" charset="0"/>
+              </a:rPr>
+              <a:t>git</a:t>
+            </a:r>
+            <a:r>
+              <a:rPr lang="de-DE" altLang="de-DE" dirty="0">
+                <a:latin typeface="Consolas" panose="020B0609020204030204" pitchFamily="49" charset="0"/>
+              </a:rPr>
+              <a:t> tag -d &lt;tag-name&gt; </a:t>
+            </a:r>
+            <a:r>
+              <a:rPr lang="de-DE" altLang="de-DE" dirty="0"/>
+              <a:t>möglich</a:t>
             </a:r>
           </a:p>
           <a:p>
@@ -5787,18 +5802,6 @@
               </a:spcBef>
               <a:buNone/>
             </a:pPr>
-            <a:r>
-              <a:rPr lang="en-US" altLang="de-DE" sz="1200" dirty="0">
-                <a:latin typeface="Consolas" panose="020B0609020204030204" pitchFamily="49" charset="0"/>
-              </a:rPr>
-              <a:t>c3a059e (tag: release-v0.0.1) Add </a:t>
-            </a:r>
-            <a:r>
-              <a:rPr lang="en-US" altLang="de-DE" sz="1200" dirty="0" err="1">
-                <a:latin typeface="Consolas" panose="020B0609020204030204" pitchFamily="49" charset="0"/>
-              </a:rPr>
-              <a:t>final_file</a:t>
-            </a:r>
             <a:endParaRPr lang="en-US" altLang="de-DE" sz="1200" dirty="0">
               <a:latin typeface="Consolas" panose="020B0609020204030204" pitchFamily="49" charset="0"/>
             </a:endParaRPr>
@@ -5814,7 +5817,7 @@
               <a:rPr lang="en-US" altLang="de-DE" sz="1200" dirty="0">
                 <a:latin typeface="Consolas" panose="020B0609020204030204" pitchFamily="49" charset="0"/>
               </a:rPr>
-              <a:t>a908be7 Add file3</a:t>
+              <a:t>$ git tag -d release-v0.0.0</a:t>
             </a:r>
           </a:p>
           <a:p>
@@ -5828,177 +5831,11 @@
               <a:rPr lang="en-US" altLang="de-DE" sz="1200" dirty="0">
                 <a:latin typeface="Consolas" panose="020B0609020204030204" pitchFamily="49" charset="0"/>
               </a:rPr>
-              <a:t>722eaf0 Add file from main</a:t>
-            </a:r>
-          </a:p>
-          <a:p>
-            <a:pPr marL="457200" lvl="1" indent="0">
-              <a:spcBef>
-                <a:spcPts val="0"/>
-              </a:spcBef>
-              <a:buNone/>
-            </a:pPr>
-            <a:r>
-              <a:rPr lang="en-US" altLang="de-DE" sz="1200" dirty="0">
-                <a:latin typeface="Consolas" panose="020B0609020204030204" pitchFamily="49" charset="0"/>
-              </a:rPr>
-              <a:t>c61ef14 Initial commit</a:t>
-            </a:r>
-          </a:p>
-          <a:p>
-            <a:pPr marL="457200" lvl="1" indent="0">
-              <a:spcBef>
-                <a:spcPts val="0"/>
-              </a:spcBef>
-              <a:buNone/>
-            </a:pPr>
-            <a:endParaRPr lang="en-US" altLang="de-DE" sz="1200" dirty="0">
-              <a:latin typeface="Consolas" panose="020B0609020204030204" pitchFamily="49" charset="0"/>
-            </a:endParaRPr>
-          </a:p>
-          <a:p>
-            <a:pPr marL="457200" lvl="1" indent="0">
-              <a:spcBef>
-                <a:spcPts val="0"/>
-              </a:spcBef>
-              <a:buNone/>
-            </a:pPr>
-            <a:r>
-              <a:rPr lang="en-US" altLang="de-DE" sz="1200" dirty="0">
-                <a:latin typeface="Consolas" panose="020B0609020204030204" pitchFamily="49" charset="0"/>
-              </a:rPr>
-              <a:t>$ git tag release-v0.0.0 a908be7</a:t>
-            </a:r>
-          </a:p>
-          <a:p>
-            <a:pPr marL="457200" lvl="1" indent="0">
-              <a:spcBef>
-                <a:spcPts val="0"/>
-              </a:spcBef>
-              <a:buNone/>
-            </a:pPr>
-            <a:endParaRPr lang="en-US" altLang="de-DE" sz="1200" dirty="0">
-              <a:latin typeface="Consolas" panose="020B0609020204030204" pitchFamily="49" charset="0"/>
-            </a:endParaRPr>
-          </a:p>
-          <a:p>
-            <a:pPr marL="457200" lvl="1" indent="0">
-              <a:spcBef>
-                <a:spcPts val="0"/>
-              </a:spcBef>
-              <a:buNone/>
-            </a:pPr>
-            <a:r>
-              <a:rPr lang="en-US" altLang="de-DE" sz="1200" dirty="0">
-                <a:latin typeface="Consolas" panose="020B0609020204030204" pitchFamily="49" charset="0"/>
-              </a:rPr>
-              <a:t>$ git log --</a:t>
-            </a:r>
-            <a:r>
-              <a:rPr lang="en-US" altLang="de-DE" sz="1200" dirty="0" err="1">
-                <a:latin typeface="Consolas" panose="020B0609020204030204" pitchFamily="49" charset="0"/>
-              </a:rPr>
-              <a:t>oneline</a:t>
-            </a:r>
-            <a:endParaRPr lang="en-US" altLang="de-DE" sz="1200" dirty="0">
-              <a:latin typeface="Consolas" panose="020B0609020204030204" pitchFamily="49" charset="0"/>
-            </a:endParaRPr>
-          </a:p>
-          <a:p>
-            <a:pPr marL="457200" lvl="1" indent="0">
-              <a:spcBef>
-                <a:spcPts val="0"/>
-              </a:spcBef>
-              <a:buNone/>
-            </a:pPr>
-            <a:r>
-              <a:rPr lang="en-US" altLang="de-DE" sz="1200" dirty="0">
-                <a:latin typeface="Consolas" panose="020B0609020204030204" pitchFamily="49" charset="0"/>
-              </a:rPr>
-              <a:t>89c1108 (HEAD -&gt; main, tag: release-v0.0.2) Add release2_file</a:t>
-            </a:r>
-          </a:p>
-          <a:p>
-            <a:pPr marL="457200" lvl="1" indent="0">
-              <a:spcBef>
-                <a:spcPts val="0"/>
-              </a:spcBef>
-              <a:buNone/>
-            </a:pPr>
-            <a:r>
-              <a:rPr lang="en-US" altLang="de-DE" sz="1200" dirty="0">
-                <a:latin typeface="Consolas" panose="020B0609020204030204" pitchFamily="49" charset="0"/>
-              </a:rPr>
-              <a:t>c3a059e (tag: release-v0.0.1) Add </a:t>
-            </a:r>
-            <a:r>
-              <a:rPr lang="en-US" altLang="de-DE" sz="1200" dirty="0" err="1">
-                <a:latin typeface="Consolas" panose="020B0609020204030204" pitchFamily="49" charset="0"/>
-              </a:rPr>
-              <a:t>final_file</a:t>
-            </a:r>
-            <a:endParaRPr lang="en-US" altLang="de-DE" sz="1200" dirty="0">
-              <a:latin typeface="Consolas" panose="020B0609020204030204" pitchFamily="49" charset="0"/>
-            </a:endParaRPr>
-          </a:p>
-          <a:p>
-            <a:pPr marL="457200" lvl="1" indent="0">
-              <a:spcBef>
-                <a:spcPts val="0"/>
-              </a:spcBef>
-              <a:buNone/>
-            </a:pPr>
-            <a:r>
-              <a:rPr lang="en-US" altLang="de-DE" sz="1200" dirty="0">
-                <a:latin typeface="Consolas" panose="020B0609020204030204" pitchFamily="49" charset="0"/>
-              </a:rPr>
-              <a:t>a908be7 (tag: release-v0.0.0) Add file3</a:t>
-            </a:r>
-          </a:p>
-          <a:p>
-            <a:pPr marL="457200" lvl="1" indent="0">
-              <a:spcBef>
-                <a:spcPts val="0"/>
-              </a:spcBef>
-              <a:buNone/>
-            </a:pPr>
-            <a:r>
-              <a:rPr lang="en-US" altLang="de-DE" sz="1200" dirty="0">
-                <a:latin typeface="Consolas" panose="020B0609020204030204" pitchFamily="49" charset="0"/>
-              </a:rPr>
-              <a:t>722eaf0 Add file from main</a:t>
-            </a:r>
-          </a:p>
-          <a:p>
-            <a:pPr marL="457200" lvl="1" indent="0">
-              <a:spcBef>
-                <a:spcPts val="0"/>
-              </a:spcBef>
-              <a:buNone/>
-            </a:pPr>
-            <a:r>
-              <a:rPr lang="en-US" altLang="de-DE" sz="1200" dirty="0">
-                <a:latin typeface="Consolas" panose="020B0609020204030204" pitchFamily="49" charset="0"/>
-              </a:rPr>
-              <a:t>c61ef14 Initial commit</a:t>
+              <a:t>Deleted tag 'release-v0.0.0' (was a908be7)</a:t>
             </a:r>
             <a:endParaRPr lang="de-DE" altLang="de-DE" sz="1200" dirty="0">
               <a:latin typeface="Consolas" panose="020B0609020204030204" pitchFamily="49" charset="0"/>
             </a:endParaRPr>
-          </a:p>
-          <a:p>
-            <a:pPr marL="457200" lvl="1" indent="0">
-              <a:spcBef>
-                <a:spcPts val="0"/>
-              </a:spcBef>
-              <a:buNone/>
-            </a:pPr>
-            <a:endParaRPr lang="de-DE" altLang="de-DE" sz="1200" dirty="0">
-              <a:latin typeface="Consolas" panose="020B0609020204030204" pitchFamily="49" charset="0"/>
-            </a:endParaRPr>
-          </a:p>
-          <a:p>
-            <a:endParaRPr lang="de-DE" altLang="de-DE" dirty="0"/>
           </a:p>
         </p:txBody>
       </p:sp>
@@ -6042,7 +5879,7 @@
     </p:spTree>
     <p:extLst>
       <p:ext uri="{BB962C8B-B14F-4D97-AF65-F5344CB8AC3E}">
-        <p14:creationId xmlns:p14="http://schemas.microsoft.com/office/powerpoint/2010/main" val="1475861676"/>
+        <p14:creationId xmlns:p14="http://schemas.microsoft.com/office/powerpoint/2010/main" val="1311074186"/>
       </p:ext>
     </p:extLst>
   </p:cSld>
@@ -6095,314 +5932,97 @@
           <a:bodyPr/>
           <a:lstStyle/>
           <a:p>
-            <a:r>
-              <a:rPr lang="de-DE" altLang="de-DE" dirty="0" err="1">
-                <a:latin typeface="Consolas" panose="020B0609020204030204" pitchFamily="49" charset="0"/>
-              </a:rPr>
-              <a:t>git</a:t>
-            </a:r>
-            <a:r>
-              <a:rPr lang="de-DE" altLang="de-DE" dirty="0">
-                <a:latin typeface="Consolas" panose="020B0609020204030204" pitchFamily="49" charset="0"/>
-              </a:rPr>
-              <a:t> </a:t>
-            </a:r>
-            <a:r>
-              <a:rPr lang="de-DE" altLang="de-DE" dirty="0" err="1">
-                <a:latin typeface="Consolas" panose="020B0609020204030204" pitchFamily="49" charset="0"/>
-              </a:rPr>
-              <a:t>checkout</a:t>
-            </a:r>
-            <a:r>
-              <a:rPr lang="de-DE" altLang="de-DE" dirty="0">
-                <a:latin typeface="Consolas" panose="020B0609020204030204" pitchFamily="49" charset="0"/>
-              </a:rPr>
-              <a:t> &lt;tag-name&gt; </a:t>
-            </a:r>
+            <a:pPr marL="0" indent="0">
+              <a:buNone/>
+            </a:pPr>
+            <a:r>
+              <a:rPr lang="de-DE" altLang="de-DE" b="1" dirty="0" err="1"/>
+              <a:t>Annotated</a:t>
+            </a:r>
+            <a:r>
+              <a:rPr lang="de-DE" altLang="de-DE" b="1" dirty="0"/>
+              <a:t> und Lightweight Tags</a:t>
+            </a:r>
+          </a:p>
+          <a:p>
             <a:r>
               <a:rPr lang="de-DE" altLang="de-DE" dirty="0"/>
-              <a:t>ermöglicht das Auschecken eines getaggten Commit</a:t>
-            </a:r>
-          </a:p>
-          <a:p>
-            <a:pPr marL="457200" lvl="1" indent="0">
-              <a:spcBef>
-                <a:spcPts val="0"/>
-              </a:spcBef>
-              <a:buNone/>
-            </a:pPr>
-            <a:endParaRPr lang="en-US" altLang="de-DE" sz="1200" dirty="0">
-              <a:latin typeface="Consolas" panose="020B0609020204030204" pitchFamily="49" charset="0"/>
-            </a:endParaRPr>
-          </a:p>
-          <a:p>
-            <a:pPr marL="457200" lvl="1" indent="0">
-              <a:spcBef>
-                <a:spcPts val="0"/>
-              </a:spcBef>
-              <a:buNone/>
-            </a:pPr>
-            <a:r>
-              <a:rPr lang="en-US" altLang="de-DE" sz="1200" dirty="0">
-                <a:latin typeface="Consolas" panose="020B0609020204030204" pitchFamily="49" charset="0"/>
-              </a:rPr>
-              <a:t>$ git checkout release-v0.0.1</a:t>
-            </a:r>
-          </a:p>
-          <a:p>
-            <a:pPr marL="457200" lvl="1" indent="0">
-              <a:spcBef>
-                <a:spcPts val="0"/>
-              </a:spcBef>
-              <a:buNone/>
-            </a:pPr>
-            <a:r>
-              <a:rPr lang="en-US" altLang="de-DE" sz="1200" dirty="0">
-                <a:latin typeface="Consolas" panose="020B0609020204030204" pitchFamily="49" charset="0"/>
-              </a:rPr>
-              <a:t>Note: switching to 'release-v0.0.1'.</a:t>
-            </a:r>
-          </a:p>
-          <a:p>
-            <a:pPr marL="457200" lvl="1" indent="0">
-              <a:spcBef>
-                <a:spcPts val="0"/>
-              </a:spcBef>
-              <a:buNone/>
-            </a:pPr>
-            <a:endParaRPr lang="en-US" altLang="de-DE" sz="1200" dirty="0">
-              <a:latin typeface="Consolas" panose="020B0609020204030204" pitchFamily="49" charset="0"/>
-            </a:endParaRPr>
-          </a:p>
-          <a:p>
-            <a:pPr marL="457200" lvl="1" indent="0">
-              <a:spcBef>
-                <a:spcPts val="0"/>
-              </a:spcBef>
-              <a:buNone/>
-            </a:pPr>
-            <a:r>
-              <a:rPr lang="en-US" altLang="de-DE" sz="1200" dirty="0">
-                <a:latin typeface="Consolas" panose="020B0609020204030204" pitchFamily="49" charset="0"/>
-              </a:rPr>
-              <a:t>You are in 'detached HEAD' state. You can look around, make experimental</a:t>
-            </a:r>
-          </a:p>
-          <a:p>
-            <a:pPr marL="457200" lvl="1" indent="0">
-              <a:spcBef>
-                <a:spcPts val="0"/>
-              </a:spcBef>
-              <a:buNone/>
-            </a:pPr>
-            <a:r>
-              <a:rPr lang="en-US" altLang="de-DE" sz="1200" dirty="0">
-                <a:latin typeface="Consolas" panose="020B0609020204030204" pitchFamily="49" charset="0"/>
-              </a:rPr>
-              <a:t>changes and commit them, and you can discard any commits you make in this</a:t>
-            </a:r>
-          </a:p>
-          <a:p>
-            <a:pPr marL="457200" lvl="1" indent="0">
-              <a:spcBef>
-                <a:spcPts val="0"/>
-              </a:spcBef>
-              <a:buNone/>
-            </a:pPr>
-            <a:r>
-              <a:rPr lang="en-US" altLang="de-DE" sz="1200" dirty="0">
-                <a:latin typeface="Consolas" panose="020B0609020204030204" pitchFamily="49" charset="0"/>
-              </a:rPr>
-              <a:t>state without impacting any branches by switching back to a branch.</a:t>
-            </a:r>
-          </a:p>
-          <a:p>
-            <a:pPr marL="457200" lvl="1" indent="0">
-              <a:spcBef>
-                <a:spcPts val="0"/>
-              </a:spcBef>
-              <a:buNone/>
-            </a:pPr>
-            <a:endParaRPr lang="en-US" altLang="de-DE" sz="1200" dirty="0">
-              <a:latin typeface="Consolas" panose="020B0609020204030204" pitchFamily="49" charset="0"/>
-            </a:endParaRPr>
-          </a:p>
-          <a:p>
-            <a:pPr marL="457200" lvl="1" indent="0">
-              <a:spcBef>
-                <a:spcPts val="0"/>
-              </a:spcBef>
-              <a:buNone/>
-            </a:pPr>
-            <a:r>
-              <a:rPr lang="en-US" altLang="de-DE" sz="1200" dirty="0">
-                <a:latin typeface="Consolas" panose="020B0609020204030204" pitchFamily="49" charset="0"/>
-              </a:rPr>
-              <a:t>If you want to create a new branch to retain commits you create, you may</a:t>
-            </a:r>
-          </a:p>
-          <a:p>
-            <a:pPr marL="457200" lvl="1" indent="0">
-              <a:spcBef>
-                <a:spcPts val="0"/>
-              </a:spcBef>
-              <a:buNone/>
-            </a:pPr>
-            <a:r>
-              <a:rPr lang="en-US" altLang="de-DE" sz="1200" dirty="0">
-                <a:latin typeface="Consolas" panose="020B0609020204030204" pitchFamily="49" charset="0"/>
-              </a:rPr>
-              <a:t>do so (now or later) by using -c with the switch command. Example:</a:t>
-            </a:r>
-          </a:p>
-          <a:p>
-            <a:pPr marL="457200" lvl="1" indent="0">
-              <a:spcBef>
-                <a:spcPts val="0"/>
-              </a:spcBef>
-              <a:buNone/>
-            </a:pPr>
-            <a:endParaRPr lang="en-US" altLang="de-DE" sz="1200" dirty="0">
-              <a:latin typeface="Consolas" panose="020B0609020204030204" pitchFamily="49" charset="0"/>
-            </a:endParaRPr>
-          </a:p>
-          <a:p>
-            <a:pPr marL="457200" lvl="1" indent="0">
-              <a:spcBef>
-                <a:spcPts val="0"/>
-              </a:spcBef>
-              <a:buNone/>
-            </a:pPr>
-            <a:r>
-              <a:rPr lang="en-US" altLang="de-DE" sz="1200" dirty="0">
-                <a:latin typeface="Consolas" panose="020B0609020204030204" pitchFamily="49" charset="0"/>
-              </a:rPr>
-              <a:t>  git switch -c &lt;new-branch-name&gt;</a:t>
-            </a:r>
-          </a:p>
-          <a:p>
-            <a:pPr marL="457200" lvl="1" indent="0">
-              <a:spcBef>
-                <a:spcPts val="0"/>
-              </a:spcBef>
-              <a:buNone/>
-            </a:pPr>
-            <a:endParaRPr lang="en-US" altLang="de-DE" sz="1200" dirty="0">
-              <a:latin typeface="Consolas" panose="020B0609020204030204" pitchFamily="49" charset="0"/>
-            </a:endParaRPr>
-          </a:p>
-          <a:p>
-            <a:pPr marL="457200" lvl="1" indent="0">
-              <a:spcBef>
-                <a:spcPts val="0"/>
-              </a:spcBef>
-              <a:buNone/>
-            </a:pPr>
-            <a:r>
-              <a:rPr lang="en-US" altLang="de-DE" sz="1200" dirty="0">
-                <a:latin typeface="Consolas" panose="020B0609020204030204" pitchFamily="49" charset="0"/>
-              </a:rPr>
-              <a:t>Or undo this operation with:</a:t>
-            </a:r>
-          </a:p>
-          <a:p>
-            <a:pPr marL="457200" lvl="1" indent="0">
-              <a:spcBef>
-                <a:spcPts val="0"/>
-              </a:spcBef>
-              <a:buNone/>
-            </a:pPr>
-            <a:endParaRPr lang="en-US" altLang="de-DE" sz="1200" dirty="0">
-              <a:latin typeface="Consolas" panose="020B0609020204030204" pitchFamily="49" charset="0"/>
-            </a:endParaRPr>
-          </a:p>
-          <a:p>
-            <a:pPr marL="457200" lvl="1" indent="0">
-              <a:spcBef>
-                <a:spcPts val="0"/>
-              </a:spcBef>
-              <a:buNone/>
-            </a:pPr>
-            <a:r>
-              <a:rPr lang="en-US" altLang="de-DE" sz="1200" dirty="0">
-                <a:latin typeface="Consolas" panose="020B0609020204030204" pitchFamily="49" charset="0"/>
-              </a:rPr>
-              <a:t>  git switch -</a:t>
-            </a:r>
-          </a:p>
-          <a:p>
-            <a:pPr marL="457200" lvl="1" indent="0">
-              <a:spcBef>
-                <a:spcPts val="0"/>
-              </a:spcBef>
-              <a:buNone/>
-            </a:pPr>
-            <a:endParaRPr lang="en-US" altLang="de-DE" sz="1200" dirty="0">
-              <a:latin typeface="Consolas" panose="020B0609020204030204" pitchFamily="49" charset="0"/>
-            </a:endParaRPr>
-          </a:p>
-          <a:p>
-            <a:pPr marL="457200" lvl="1" indent="0">
-              <a:spcBef>
-                <a:spcPts val="0"/>
-              </a:spcBef>
-              <a:buNone/>
-            </a:pPr>
-            <a:r>
-              <a:rPr lang="en-US" altLang="de-DE" sz="1200" dirty="0">
-                <a:latin typeface="Consolas" panose="020B0609020204030204" pitchFamily="49" charset="0"/>
-              </a:rPr>
-              <a:t>Turn off this advice by setting config variable </a:t>
-            </a:r>
-            <a:r>
-              <a:rPr lang="en-US" altLang="de-DE" sz="1200" dirty="0" err="1">
-                <a:latin typeface="Consolas" panose="020B0609020204030204" pitchFamily="49" charset="0"/>
-              </a:rPr>
-              <a:t>advice.detachedHead</a:t>
-            </a:r>
-            <a:r>
-              <a:rPr lang="en-US" altLang="de-DE" sz="1200" dirty="0">
-                <a:latin typeface="Consolas" panose="020B0609020204030204" pitchFamily="49" charset="0"/>
-              </a:rPr>
-              <a:t> to false</a:t>
-            </a:r>
-          </a:p>
-          <a:p>
-            <a:pPr marL="457200" lvl="1" indent="0">
-              <a:spcBef>
-                <a:spcPts val="0"/>
-              </a:spcBef>
-              <a:buNone/>
-            </a:pPr>
-            <a:endParaRPr lang="en-US" altLang="de-DE" sz="1200" dirty="0">
-              <a:latin typeface="Consolas" panose="020B0609020204030204" pitchFamily="49" charset="0"/>
-            </a:endParaRPr>
-          </a:p>
-          <a:p>
-            <a:pPr marL="457200" lvl="1" indent="0">
-              <a:spcBef>
-                <a:spcPts val="0"/>
-              </a:spcBef>
-              <a:buNone/>
-            </a:pPr>
-            <a:r>
-              <a:rPr lang="en-US" altLang="de-DE" sz="1200" dirty="0">
-                <a:latin typeface="Consolas" panose="020B0609020204030204" pitchFamily="49" charset="0"/>
-              </a:rPr>
-              <a:t>HEAD is now at c3a059e Add </a:t>
-            </a:r>
-            <a:r>
-              <a:rPr lang="en-US" altLang="de-DE" sz="1200" dirty="0" err="1">
-                <a:latin typeface="Consolas" panose="020B0609020204030204" pitchFamily="49" charset="0"/>
-              </a:rPr>
-              <a:t>final_file</a:t>
-            </a:r>
-            <a:endParaRPr lang="de-DE" altLang="de-DE" sz="1200" dirty="0">
-              <a:latin typeface="Consolas" panose="020B0609020204030204" pitchFamily="49" charset="0"/>
-            </a:endParaRPr>
-          </a:p>
-          <a:p>
-            <a:endParaRPr lang="de-DE" altLang="de-DE" dirty="0"/>
+              <a:t>Lightweight Tags geben dem jeweiligen Commit nur ein Alias</a:t>
+            </a:r>
+          </a:p>
+          <a:p>
+            <a:r>
+              <a:rPr lang="de-DE" altLang="de-DE" dirty="0" err="1"/>
+              <a:t>Annotated</a:t>
+            </a:r>
+            <a:r>
+              <a:rPr lang="de-DE" altLang="de-DE" dirty="0"/>
+              <a:t> Tags sind schwergewichtiger und enthalten daher mehr Informationen</a:t>
+            </a:r>
+          </a:p>
+          <a:p>
+            <a:pPr lvl="1"/>
+            <a:r>
+              <a:rPr lang="de-DE" altLang="de-DE" dirty="0"/>
+              <a:t>Tagger Name</a:t>
+            </a:r>
+          </a:p>
+          <a:p>
+            <a:pPr lvl="1"/>
+            <a:r>
+              <a:rPr lang="de-DE" altLang="de-DE" dirty="0"/>
+              <a:t>Tagger E-Mail</a:t>
+            </a:r>
+          </a:p>
+          <a:p>
+            <a:pPr lvl="1"/>
+            <a:r>
+              <a:rPr lang="de-DE" altLang="de-DE" dirty="0"/>
+              <a:t>Datum</a:t>
+            </a:r>
+          </a:p>
+          <a:p>
+            <a:pPr lvl="1"/>
+            <a:r>
+              <a:rPr lang="de-DE" altLang="de-DE" dirty="0"/>
+              <a:t>Tagging Message</a:t>
+            </a:r>
+          </a:p>
+          <a:p>
+            <a:pPr lvl="1"/>
+            <a:r>
+              <a:rPr lang="de-DE" altLang="de-DE" dirty="0"/>
+              <a:t>Checksumme</a:t>
+            </a:r>
+          </a:p>
+          <a:p>
+            <a:pPr lvl="1"/>
+            <a:r>
+              <a:rPr lang="de-DE" altLang="de-DE" dirty="0"/>
+              <a:t>Signierung</a:t>
+            </a:r>
+          </a:p>
+          <a:p>
+            <a:r>
+              <a:rPr lang="de-DE" altLang="de-DE" dirty="0"/>
+              <a:t>Sinnvoll bei </a:t>
+            </a:r>
+            <a:r>
+              <a:rPr lang="de-DE" altLang="de-DE" dirty="0" err="1"/>
+              <a:t>Mulit</a:t>
+            </a:r>
+            <a:r>
+              <a:rPr lang="de-DE" altLang="de-DE" dirty="0"/>
+              <a:t>-Developer oder </a:t>
+            </a:r>
+            <a:r>
+              <a:rPr lang="de-DE" altLang="de-DE" dirty="0" err="1"/>
+              <a:t>Mulit</a:t>
+            </a:r>
+            <a:r>
+              <a:rPr lang="de-DE" altLang="de-DE" dirty="0"/>
+              <a:t>-Repository Umgebungen, um bspw. Releases zu markieren</a:t>
+            </a:r>
           </a:p>
         </p:txBody>
       </p:sp>
@@ -6446,7 +6066,7 @@
     </p:spTree>
     <p:extLst>
       <p:ext uri="{BB962C8B-B14F-4D97-AF65-F5344CB8AC3E}">
-        <p14:creationId xmlns:p14="http://schemas.microsoft.com/office/powerpoint/2010/main" val="1904022772"/>
+        <p14:creationId xmlns:p14="http://schemas.microsoft.com/office/powerpoint/2010/main" val="968504568"/>
       </p:ext>
     </p:extLst>
   </p:cSld>
@@ -6500,6 +6120,23 @@
           <a:lstStyle/>
           <a:p>
             <a:r>
+              <a:rPr lang="de-DE" altLang="de-DE" dirty="0" err="1"/>
+              <a:t>Annotated</a:t>
+            </a:r>
+            <a:r>
+              <a:rPr lang="de-DE" altLang="de-DE" dirty="0"/>
+              <a:t> Tag erstellen mittels</a:t>
+            </a:r>
+          </a:p>
+          <a:p>
+            <a:pPr marL="0" indent="0">
+              <a:buNone/>
+            </a:pPr>
+            <a:r>
+              <a:rPr lang="de-DE" altLang="de-DE" dirty="0"/>
+              <a:t>	</a:t>
+            </a:r>
+            <a:r>
               <a:rPr lang="de-DE" altLang="de-DE" dirty="0" err="1">
                 <a:latin typeface="Consolas" panose="020B0609020204030204" pitchFamily="49" charset="0"/>
               </a:rPr>
@@ -6509,44 +6146,16 @@
               <a:rPr lang="de-DE" altLang="de-DE" dirty="0">
                 <a:latin typeface="Consolas" panose="020B0609020204030204" pitchFamily="49" charset="0"/>
               </a:rPr>
-              <a:t> </a:t>
-            </a:r>
-            <a:r>
-              <a:rPr lang="de-DE" altLang="de-DE" dirty="0" err="1">
-                <a:latin typeface="Consolas" panose="020B0609020204030204" pitchFamily="49" charset="0"/>
-              </a:rPr>
-              <a:t>checkout</a:t>
-            </a:r>
-            <a:r>
-              <a:rPr lang="de-DE" altLang="de-DE" dirty="0">
-                <a:latin typeface="Consolas" panose="020B0609020204030204" pitchFamily="49" charset="0"/>
-              </a:rPr>
-              <a:t> –b &lt;</a:t>
-            </a:r>
-            <a:r>
-              <a:rPr lang="de-DE" altLang="de-DE" dirty="0" err="1">
-                <a:latin typeface="Consolas" panose="020B0609020204030204" pitchFamily="49" charset="0"/>
-              </a:rPr>
-              <a:t>branch</a:t>
-            </a:r>
-            <a:r>
-              <a:rPr lang="de-DE" altLang="de-DE" dirty="0">
-                <a:latin typeface="Consolas" panose="020B0609020204030204" pitchFamily="49" charset="0"/>
-              </a:rPr>
-              <a:t>-name&gt; &lt;tag-name&gt; </a:t>
-            </a:r>
-            <a:r>
-              <a:rPr lang="de-DE" altLang="de-DE" dirty="0"/>
-              <a:t>ermöglicht das Erstellen eines </a:t>
-            </a:r>
-            <a:r>
-              <a:rPr lang="de-DE" altLang="de-DE" dirty="0" err="1"/>
-              <a:t>Branches</a:t>
-            </a:r>
-            <a:r>
-              <a:rPr lang="de-DE" altLang="de-DE" dirty="0"/>
-              <a:t> abzweigend vom getaggten Commit</a:t>
-            </a:r>
+              <a:t> tag -a &lt;tag-name&gt;</a:t>
+            </a:r>
+          </a:p>
+          <a:p>
+            <a:pPr marL="457200" lvl="1" indent="0">
+              <a:buNone/>
+            </a:pPr>
+            <a:endParaRPr lang="de-DE" altLang="de-DE" sz="1200" dirty="0">
+              <a:latin typeface="Consolas" panose="020B0609020204030204" pitchFamily="49" charset="0"/>
+            </a:endParaRPr>
           </a:p>
           <a:p>
             <a:pPr marL="457200" lvl="1" indent="0">
@@ -6555,9 +6164,36 @@
               </a:spcBef>
               <a:buNone/>
             </a:pPr>
-            <a:endParaRPr lang="en-US" altLang="de-DE" sz="1200" dirty="0">
-              <a:latin typeface="Consolas" panose="020B0609020204030204" pitchFamily="49" charset="0"/>
-            </a:endParaRPr>
+            <a:r>
+              <a:rPr lang="de-DE" altLang="de-DE" sz="1200" dirty="0">
+                <a:latin typeface="Consolas" panose="020B0609020204030204" pitchFamily="49" charset="0"/>
+              </a:rPr>
+              <a:t>$ </a:t>
+            </a:r>
+            <a:r>
+              <a:rPr lang="de-DE" altLang="de-DE" sz="1200" dirty="0" err="1">
+                <a:latin typeface="Consolas" panose="020B0609020204030204" pitchFamily="49" charset="0"/>
+              </a:rPr>
+              <a:t>git</a:t>
+            </a:r>
+            <a:r>
+              <a:rPr lang="de-DE" altLang="de-DE" sz="1200" dirty="0">
+                <a:latin typeface="Consolas" panose="020B0609020204030204" pitchFamily="49" charset="0"/>
+              </a:rPr>
+              <a:t> tag -a release-v1.0.0 -m "</a:t>
+            </a:r>
+            <a:r>
+              <a:rPr lang="de-DE" altLang="de-DE" sz="1200" dirty="0" err="1">
+                <a:latin typeface="Consolas" panose="020B0609020204030204" pitchFamily="49" charset="0"/>
+              </a:rPr>
+              <a:t>Latest</a:t>
+            </a:r>
+            <a:r>
+              <a:rPr lang="de-DE" altLang="de-DE" sz="1200" dirty="0">
+                <a:latin typeface="Consolas" panose="020B0609020204030204" pitchFamily="49" charset="0"/>
+              </a:rPr>
+              <a:t> v1 release"</a:t>
+            </a:r>
           </a:p>
           <a:p>
             <a:pPr marL="457200" lvl="1" indent="0">
@@ -6566,12 +6202,9 @@
               </a:spcBef>
               <a:buNone/>
             </a:pPr>
-            <a:r>
-              <a:rPr lang="en-US" altLang="de-DE" sz="1200" dirty="0">
-                <a:latin typeface="Consolas" panose="020B0609020204030204" pitchFamily="49" charset="0"/>
-              </a:rPr>
-              <a:t>$ git checkout -b hotfix release-v0.0.1</a:t>
-            </a:r>
+            <a:endParaRPr lang="de-DE" altLang="de-DE" sz="1200" dirty="0">
+              <a:latin typeface="Consolas" panose="020B0609020204030204" pitchFamily="49" charset="0"/>
+            </a:endParaRPr>
           </a:p>
           <a:p>
             <a:pPr marL="457200" lvl="1" indent="0">
@@ -6581,35 +6214,34 @@
               <a:buNone/>
             </a:pPr>
             <a:r>
-              <a:rPr lang="en-US" altLang="de-DE" sz="1200" dirty="0">
-                <a:latin typeface="Consolas" panose="020B0609020204030204" pitchFamily="49" charset="0"/>
-              </a:rPr>
-              <a:t>Switched to a new branch 'hotfix‘</a:t>
-            </a:r>
-            <a:endParaRPr lang="de-DE" altLang="de-DE" sz="1200" dirty="0">
-              <a:latin typeface="Consolas" panose="020B0609020204030204" pitchFamily="49" charset="0"/>
-            </a:endParaRPr>
-          </a:p>
-          <a:p>
-            <a:r>
-              <a:rPr lang="de-DE" altLang="de-DE" dirty="0"/>
-              <a:t>Löschen eines Tags ist mit dem Befehl </a:t>
-            </a:r>
-            <a:r>
-              <a:rPr lang="de-DE" altLang="de-DE" dirty="0" err="1">
+              <a:rPr lang="de-DE" altLang="de-DE" sz="1200" dirty="0">
+                <a:latin typeface="Consolas" panose="020B0609020204030204" pitchFamily="49" charset="0"/>
+              </a:rPr>
+              <a:t>$ </a:t>
+            </a:r>
+            <a:r>
+              <a:rPr lang="de-DE" altLang="de-DE" sz="1200" dirty="0" err="1">
                 <a:latin typeface="Consolas" panose="020B0609020204030204" pitchFamily="49" charset="0"/>
               </a:rPr>
               <a:t>git</a:t>
             </a:r>
             <a:r>
-              <a:rPr lang="de-DE" altLang="de-DE" dirty="0">
-                <a:latin typeface="Consolas" panose="020B0609020204030204" pitchFamily="49" charset="0"/>
-              </a:rPr>
-              <a:t> tag -d &lt;tag-name&gt; </a:t>
-            </a:r>
-            <a:r>
-              <a:rPr lang="de-DE" altLang="de-DE" dirty="0"/>
-              <a:t>möglich</a:t>
+              <a:rPr lang="de-DE" altLang="de-DE" sz="1200" dirty="0">
+                <a:latin typeface="Consolas" panose="020B0609020204030204" pitchFamily="49" charset="0"/>
+              </a:rPr>
+              <a:t> </a:t>
+            </a:r>
+            <a:r>
+              <a:rPr lang="de-DE" altLang="de-DE" sz="1200" dirty="0" err="1">
+                <a:latin typeface="Consolas" panose="020B0609020204030204" pitchFamily="49" charset="0"/>
+              </a:rPr>
+              <a:t>show</a:t>
+            </a:r>
+            <a:r>
+              <a:rPr lang="de-DE" altLang="de-DE" sz="1200" dirty="0">
+                <a:latin typeface="Consolas" panose="020B0609020204030204" pitchFamily="49" charset="0"/>
+              </a:rPr>
+              <a:t> release-v1.0.0</a:t>
             </a:r>
           </a:p>
           <a:p>
@@ -6619,9 +6251,12 @@
               </a:spcBef>
               <a:buNone/>
             </a:pPr>
-            <a:endParaRPr lang="en-US" altLang="de-DE" sz="1200" dirty="0">
-              <a:latin typeface="Consolas" panose="020B0609020204030204" pitchFamily="49" charset="0"/>
-            </a:endParaRPr>
+            <a:r>
+              <a:rPr lang="de-DE" altLang="de-DE" sz="1200" dirty="0">
+                <a:latin typeface="Consolas" panose="020B0609020204030204" pitchFamily="49" charset="0"/>
+              </a:rPr>
+              <a:t>tag release-v1.0.0</a:t>
+            </a:r>
           </a:p>
           <a:p>
             <a:pPr marL="457200" lvl="1" indent="0">
@@ -6631,10 +6266,10 @@
               <a:buNone/>
             </a:pPr>
             <a:r>
-              <a:rPr lang="en-US" altLang="de-DE" sz="1200" dirty="0">
-                <a:latin typeface="Consolas" panose="020B0609020204030204" pitchFamily="49" charset="0"/>
-              </a:rPr>
-              <a:t>$ git tag -d release-v0.0.0</a:t>
+              <a:rPr lang="de-DE" altLang="de-DE" sz="1200" dirty="0">
+                <a:latin typeface="Consolas" panose="020B0609020204030204" pitchFamily="49" charset="0"/>
+              </a:rPr>
+              <a:t>Tagger: Christopher Keutner &lt;christopher.keutner@alumni.fh-aachen.de&gt;</a:t>
             </a:r>
           </a:p>
           <a:p>
@@ -6645,14 +6280,272 @@
               <a:buNone/>
             </a:pPr>
             <a:r>
-              <a:rPr lang="en-US" altLang="de-DE" sz="1200" dirty="0">
-                <a:latin typeface="Consolas" panose="020B0609020204030204" pitchFamily="49" charset="0"/>
-              </a:rPr>
-              <a:t>Deleted tag 'release-v0.0.0' (was a908be7)</a:t>
-            </a:r>
+              <a:rPr lang="de-DE" altLang="de-DE" sz="1200" dirty="0">
+                <a:latin typeface="Consolas" panose="020B0609020204030204" pitchFamily="49" charset="0"/>
+              </a:rPr>
+              <a:t>Date:   Tue May 28 15:13:44 2024 +0200</a:t>
+            </a:r>
+          </a:p>
+          <a:p>
+            <a:pPr marL="457200" lvl="1" indent="0">
+              <a:spcBef>
+                <a:spcPts val="0"/>
+              </a:spcBef>
+              <a:buNone/>
+            </a:pPr>
             <a:endParaRPr lang="de-DE" altLang="de-DE" sz="1200" dirty="0">
               <a:latin typeface="Consolas" panose="020B0609020204030204" pitchFamily="49" charset="0"/>
             </a:endParaRPr>
+          </a:p>
+          <a:p>
+            <a:pPr marL="457200" lvl="1" indent="0">
+              <a:spcBef>
+                <a:spcPts val="0"/>
+              </a:spcBef>
+              <a:buNone/>
+            </a:pPr>
+            <a:r>
+              <a:rPr lang="de-DE" altLang="de-DE" sz="1200" dirty="0" err="1">
+                <a:latin typeface="Consolas" panose="020B0609020204030204" pitchFamily="49" charset="0"/>
+              </a:rPr>
+              <a:t>Latest</a:t>
+            </a:r>
+            <a:r>
+              <a:rPr lang="de-DE" altLang="de-DE" sz="1200" dirty="0">
+                <a:latin typeface="Consolas" panose="020B0609020204030204" pitchFamily="49" charset="0"/>
+              </a:rPr>
+              <a:t> v1 release</a:t>
+            </a:r>
+          </a:p>
+          <a:p>
+            <a:pPr marL="457200" lvl="1" indent="0">
+              <a:spcBef>
+                <a:spcPts val="0"/>
+              </a:spcBef>
+              <a:buNone/>
+            </a:pPr>
+            <a:endParaRPr lang="de-DE" altLang="de-DE" sz="1200" dirty="0">
+              <a:latin typeface="Consolas" panose="020B0609020204030204" pitchFamily="49" charset="0"/>
+            </a:endParaRPr>
+          </a:p>
+          <a:p>
+            <a:pPr marL="457200" lvl="1" indent="0">
+              <a:spcBef>
+                <a:spcPts val="0"/>
+              </a:spcBef>
+              <a:buNone/>
+            </a:pPr>
+            <a:r>
+              <a:rPr lang="de-DE" altLang="de-DE" sz="1200" dirty="0" err="1">
+                <a:latin typeface="Consolas" panose="020B0609020204030204" pitchFamily="49" charset="0"/>
+              </a:rPr>
+              <a:t>commit</a:t>
+            </a:r>
+            <a:r>
+              <a:rPr lang="de-DE" altLang="de-DE" sz="1200" dirty="0">
+                <a:latin typeface="Consolas" panose="020B0609020204030204" pitchFamily="49" charset="0"/>
+              </a:rPr>
+              <a:t> 11f6b62f8bc7a3403ceae4e8923d7a54abab7b6d (HEAD -&gt; </a:t>
+            </a:r>
+            <a:r>
+              <a:rPr lang="de-DE" altLang="de-DE" sz="1200" dirty="0" err="1">
+                <a:latin typeface="Consolas" panose="020B0609020204030204" pitchFamily="49" charset="0"/>
+              </a:rPr>
+              <a:t>main</a:t>
+            </a:r>
+            <a:r>
+              <a:rPr lang="de-DE" altLang="de-DE" sz="1200" dirty="0">
+                <a:latin typeface="Consolas" panose="020B0609020204030204" pitchFamily="49" charset="0"/>
+              </a:rPr>
+              <a:t>, tag: release-v1.0.0)</a:t>
+            </a:r>
+          </a:p>
+          <a:p>
+            <a:pPr marL="457200" lvl="1" indent="0">
+              <a:spcBef>
+                <a:spcPts val="0"/>
+              </a:spcBef>
+              <a:buNone/>
+            </a:pPr>
+            <a:r>
+              <a:rPr lang="de-DE" altLang="de-DE" sz="1200" dirty="0" err="1">
+                <a:latin typeface="Consolas" panose="020B0609020204030204" pitchFamily="49" charset="0"/>
+              </a:rPr>
+              <a:t>Author</a:t>
+            </a:r>
+            <a:r>
+              <a:rPr lang="de-DE" altLang="de-DE" sz="1200" dirty="0">
+                <a:latin typeface="Consolas" panose="020B0609020204030204" pitchFamily="49" charset="0"/>
+              </a:rPr>
+              <a:t>: Christopher Keutner &lt;christopher.keutner@alumni.fh-aachen.de&gt;</a:t>
+            </a:r>
+          </a:p>
+          <a:p>
+            <a:pPr marL="457200" lvl="1" indent="0">
+              <a:spcBef>
+                <a:spcPts val="0"/>
+              </a:spcBef>
+              <a:buNone/>
+            </a:pPr>
+            <a:r>
+              <a:rPr lang="de-DE" altLang="de-DE" sz="1200" dirty="0">
+                <a:latin typeface="Consolas" panose="020B0609020204030204" pitchFamily="49" charset="0"/>
+              </a:rPr>
+              <a:t>Date:   Tue May 28 15:13:10 2024 +0200</a:t>
+            </a:r>
+          </a:p>
+          <a:p>
+            <a:pPr marL="457200" lvl="1" indent="0">
+              <a:spcBef>
+                <a:spcPts val="0"/>
+              </a:spcBef>
+              <a:buNone/>
+            </a:pPr>
+            <a:endParaRPr lang="de-DE" altLang="de-DE" sz="1200" dirty="0">
+              <a:latin typeface="Consolas" panose="020B0609020204030204" pitchFamily="49" charset="0"/>
+            </a:endParaRPr>
+          </a:p>
+          <a:p>
+            <a:pPr marL="457200" lvl="1" indent="0">
+              <a:spcBef>
+                <a:spcPts val="0"/>
+              </a:spcBef>
+              <a:buNone/>
+            </a:pPr>
+            <a:r>
+              <a:rPr lang="de-DE" altLang="de-DE" sz="1200" dirty="0">
+                <a:latin typeface="Consolas" panose="020B0609020204030204" pitchFamily="49" charset="0"/>
+              </a:rPr>
+              <a:t>    Add </a:t>
+            </a:r>
+            <a:r>
+              <a:rPr lang="de-DE" altLang="de-DE" sz="1200" dirty="0" err="1">
+                <a:latin typeface="Consolas" panose="020B0609020204030204" pitchFamily="49" charset="0"/>
+              </a:rPr>
+              <a:t>new</a:t>
+            </a:r>
+            <a:r>
+              <a:rPr lang="de-DE" altLang="de-DE" sz="1200" dirty="0">
+                <a:latin typeface="Consolas" panose="020B0609020204030204" pitchFamily="49" charset="0"/>
+              </a:rPr>
+              <a:t> </a:t>
+            </a:r>
+            <a:r>
+              <a:rPr lang="de-DE" altLang="de-DE" sz="1200" dirty="0" err="1">
+                <a:latin typeface="Consolas" panose="020B0609020204030204" pitchFamily="49" charset="0"/>
+              </a:rPr>
+              <a:t>file</a:t>
+            </a:r>
+            <a:endParaRPr lang="de-DE" altLang="de-DE" sz="1200" dirty="0">
+              <a:latin typeface="Consolas" panose="020B0609020204030204" pitchFamily="49" charset="0"/>
+            </a:endParaRPr>
+          </a:p>
+          <a:p>
+            <a:pPr marL="457200" lvl="1" indent="0">
+              <a:spcBef>
+                <a:spcPts val="0"/>
+              </a:spcBef>
+              <a:buNone/>
+            </a:pPr>
+            <a:endParaRPr lang="de-DE" altLang="de-DE" sz="1200" dirty="0">
+              <a:latin typeface="Consolas" panose="020B0609020204030204" pitchFamily="49" charset="0"/>
+            </a:endParaRPr>
+          </a:p>
+          <a:p>
+            <a:pPr marL="457200" lvl="1" indent="0">
+              <a:spcBef>
+                <a:spcPts val="0"/>
+              </a:spcBef>
+              <a:buNone/>
+            </a:pPr>
+            <a:r>
+              <a:rPr lang="de-DE" altLang="de-DE" sz="1200" dirty="0" err="1">
+                <a:latin typeface="Consolas" panose="020B0609020204030204" pitchFamily="49" charset="0"/>
+              </a:rPr>
+              <a:t>diff</a:t>
+            </a:r>
+            <a:r>
+              <a:rPr lang="de-DE" altLang="de-DE" sz="1200" dirty="0">
+                <a:latin typeface="Consolas" panose="020B0609020204030204" pitchFamily="49" charset="0"/>
+              </a:rPr>
+              <a:t> --</a:t>
+            </a:r>
+            <a:r>
+              <a:rPr lang="de-DE" altLang="de-DE" sz="1200" dirty="0" err="1">
+                <a:latin typeface="Consolas" panose="020B0609020204030204" pitchFamily="49" charset="0"/>
+              </a:rPr>
+              <a:t>git</a:t>
+            </a:r>
+            <a:r>
+              <a:rPr lang="de-DE" altLang="de-DE" sz="1200" dirty="0">
+                <a:latin typeface="Consolas" panose="020B0609020204030204" pitchFamily="49" charset="0"/>
+              </a:rPr>
+              <a:t> a/file8.txt b/file8.txt</a:t>
+            </a:r>
+          </a:p>
+          <a:p>
+            <a:pPr marL="457200" lvl="1" indent="0">
+              <a:spcBef>
+                <a:spcPts val="0"/>
+              </a:spcBef>
+              <a:buNone/>
+            </a:pPr>
+            <a:r>
+              <a:rPr lang="de-DE" altLang="de-DE" sz="1200" dirty="0" err="1">
+                <a:latin typeface="Consolas" panose="020B0609020204030204" pitchFamily="49" charset="0"/>
+              </a:rPr>
+              <a:t>new</a:t>
+            </a:r>
+            <a:r>
+              <a:rPr lang="de-DE" altLang="de-DE" sz="1200" dirty="0">
+                <a:latin typeface="Consolas" panose="020B0609020204030204" pitchFamily="49" charset="0"/>
+              </a:rPr>
+              <a:t> </a:t>
+            </a:r>
+            <a:r>
+              <a:rPr lang="de-DE" altLang="de-DE" sz="1200" dirty="0" err="1">
+                <a:latin typeface="Consolas" panose="020B0609020204030204" pitchFamily="49" charset="0"/>
+              </a:rPr>
+              <a:t>file</a:t>
+            </a:r>
+            <a:r>
+              <a:rPr lang="de-DE" altLang="de-DE" sz="1200" dirty="0">
+                <a:latin typeface="Consolas" panose="020B0609020204030204" pitchFamily="49" charset="0"/>
+              </a:rPr>
+              <a:t> </a:t>
+            </a:r>
+            <a:r>
+              <a:rPr lang="de-DE" altLang="de-DE" sz="1200" dirty="0" err="1">
+                <a:latin typeface="Consolas" panose="020B0609020204030204" pitchFamily="49" charset="0"/>
+              </a:rPr>
+              <a:t>mode</a:t>
+            </a:r>
+            <a:r>
+              <a:rPr lang="de-DE" altLang="de-DE" sz="1200" dirty="0">
+                <a:latin typeface="Consolas" panose="020B0609020204030204" pitchFamily="49" charset="0"/>
+              </a:rPr>
+              <a:t> 100644</a:t>
+            </a:r>
+          </a:p>
+          <a:p>
+            <a:pPr marL="457200" lvl="1" indent="0">
+              <a:spcBef>
+                <a:spcPts val="0"/>
+              </a:spcBef>
+              <a:buNone/>
+            </a:pPr>
+            <a:r>
+              <a:rPr lang="de-DE" altLang="de-DE" sz="1200" dirty="0" err="1">
+                <a:latin typeface="Consolas" panose="020B0609020204030204" pitchFamily="49" charset="0"/>
+              </a:rPr>
+              <a:t>index</a:t>
+            </a:r>
+            <a:r>
+              <a:rPr lang="de-DE" altLang="de-DE" sz="1200" dirty="0">
+                <a:latin typeface="Consolas" panose="020B0609020204030204" pitchFamily="49" charset="0"/>
+              </a:rPr>
+              <a:t> 0000000..e69de29</a:t>
+            </a:r>
           </a:p>
         </p:txBody>
       </p:sp>
@@ -6696,7 +6589,7 @@
     </p:spTree>
     <p:extLst>
       <p:ext uri="{BB962C8B-B14F-4D97-AF65-F5344CB8AC3E}">
-        <p14:creationId xmlns:p14="http://schemas.microsoft.com/office/powerpoint/2010/main" val="1311074186"/>
+        <p14:creationId xmlns:p14="http://schemas.microsoft.com/office/powerpoint/2010/main" val="641179957"/>
       </p:ext>
     </p:extLst>
   </p:cSld>
@@ -6725,165 +6618,58 @@
       </p:grpSpPr>
       <p:sp>
         <p:nvSpPr>
-          <p:cNvPr id="6146" name="Inhaltsplatzhalter 18">
-            <a:extLst>
-              <a:ext uri="{FF2B5EF4-FFF2-40B4-BE49-F238E27FC236}">
-                <a16:creationId xmlns:a16="http://schemas.microsoft.com/office/drawing/2014/main" id="{BE3C4C95-FD5D-27F0-ED0C-AB8113CAC9F1}"/>
-              </a:ext>
-            </a:extLst>
-          </p:cNvPr>
+          <p:cNvPr id="2" name="Titel 1"/>
           <p:cNvSpPr>
             <a:spLocks noGrp="1"/>
-          </p:cNvSpPr>
-          <p:nvPr>
-            <p:ph idx="1"/>
-          </p:nvPr>
-        </p:nvSpPr>
-        <p:spPr>
-          <a:xfrm>
-            <a:off x="303214" y="981075"/>
-            <a:ext cx="8517258" cy="5400675"/>
-          </a:xfrm>
-        </p:spPr>
-        <p:txBody>
-          <a:bodyPr/>
-          <a:lstStyle/>
-          <a:p>
-            <a:pPr marL="0" indent="0">
-              <a:buNone/>
-            </a:pPr>
-            <a:r>
-              <a:rPr lang="de-DE" altLang="de-DE" b="1" dirty="0" err="1"/>
-              <a:t>Annotated</a:t>
-            </a:r>
-            <a:r>
-              <a:rPr lang="de-DE" altLang="de-DE" b="1" dirty="0"/>
-              <a:t> und Lightweight Tags</a:t>
-            </a:r>
-          </a:p>
-          <a:p>
-            <a:r>
-              <a:rPr lang="de-DE" altLang="de-DE" dirty="0"/>
-              <a:t>Lightweight Tags geben dem jeweiligen Commit nur ein Alias</a:t>
-            </a:r>
-          </a:p>
-          <a:p>
-            <a:r>
-              <a:rPr lang="de-DE" altLang="de-DE" dirty="0" err="1"/>
-              <a:t>Annotated</a:t>
-            </a:r>
-            <a:r>
-              <a:rPr lang="de-DE" altLang="de-DE" dirty="0"/>
-              <a:t> Tags sind schwergewichtiger und enthalten daher mehr Informationen</a:t>
-            </a:r>
-          </a:p>
-          <a:p>
-            <a:pPr lvl="1"/>
-            <a:r>
-              <a:rPr lang="de-DE" altLang="de-DE" dirty="0"/>
-              <a:t>Tagger Name</a:t>
-            </a:r>
-          </a:p>
-          <a:p>
-            <a:pPr lvl="1"/>
-            <a:r>
-              <a:rPr lang="de-DE" altLang="de-DE" dirty="0"/>
-              <a:t>Tagger E-Mail</a:t>
-            </a:r>
-          </a:p>
-          <a:p>
-            <a:pPr lvl="1"/>
-            <a:r>
-              <a:rPr lang="de-DE" altLang="de-DE" dirty="0"/>
-              <a:t>Datum</a:t>
-            </a:r>
-          </a:p>
-          <a:p>
-            <a:pPr lvl="1"/>
-            <a:r>
-              <a:rPr lang="de-DE" altLang="de-DE" dirty="0"/>
-              <a:t>Tagging Message</a:t>
-            </a:r>
-          </a:p>
-          <a:p>
-            <a:pPr lvl="1"/>
-            <a:r>
-              <a:rPr lang="de-DE" altLang="de-DE" dirty="0"/>
-              <a:t>Checksumme</a:t>
-            </a:r>
-          </a:p>
-          <a:p>
-            <a:pPr lvl="1"/>
-            <a:r>
-              <a:rPr lang="de-DE" altLang="de-DE" dirty="0"/>
-              <a:t>Signierung</a:t>
-            </a:r>
-          </a:p>
-          <a:p>
-            <a:r>
-              <a:rPr lang="de-DE" altLang="de-DE" dirty="0"/>
-              <a:t>Sinnvoll bei </a:t>
-            </a:r>
-            <a:r>
-              <a:rPr lang="de-DE" altLang="de-DE" dirty="0" err="1"/>
-              <a:t>Mulit</a:t>
-            </a:r>
-            <a:r>
-              <a:rPr lang="de-DE" altLang="de-DE" dirty="0"/>
-              <a:t>-Developer oder </a:t>
-            </a:r>
-            <a:r>
-              <a:rPr lang="de-DE" altLang="de-DE" dirty="0" err="1"/>
-              <a:t>Mulit</a:t>
-            </a:r>
-            <a:r>
-              <a:rPr lang="de-DE" altLang="de-DE" dirty="0"/>
-              <a:t>-Repository Umgebungen, um bspw. Releases zu markieren</a:t>
-            </a:r>
-          </a:p>
-        </p:txBody>
-      </p:sp>
-      <p:sp>
-        <p:nvSpPr>
-          <p:cNvPr id="6147" name="Rectangle 1062">
-            <a:extLst>
-              <a:ext uri="{FF2B5EF4-FFF2-40B4-BE49-F238E27FC236}">
-                <a16:creationId xmlns:a16="http://schemas.microsoft.com/office/drawing/2014/main" id="{C46E9340-3256-8D55-A265-94F2F41E288E}"/>
-              </a:ext>
-            </a:extLst>
-          </p:cNvPr>
-          <p:cNvSpPr>
-            <a:spLocks noGrp="1" noChangeArrowheads="1"/>
           </p:cNvSpPr>
           <p:nvPr>
             <p:ph type="title"/>
           </p:nvPr>
         </p:nvSpPr>
-        <p:spPr>
-          <a:xfrm>
-            <a:off x="285750" y="142875"/>
-            <a:ext cx="5654675" cy="706438"/>
-          </a:xfrm>
-        </p:spPr>
+        <p:spPr/>
         <p:txBody>
           <a:bodyPr/>
           <a:lstStyle/>
           <a:p>
             <a:r>
-              <a:rPr lang="de-DE" altLang="de-DE" dirty="0" err="1"/>
+              <a:rPr lang="de-DE" cap="none" dirty="0"/>
+              <a:t>Tags in </a:t>
+            </a:r>
+            <a:r>
+              <a:rPr lang="de-DE" cap="none" dirty="0" err="1"/>
+              <a:t>GitLab</a:t>
+            </a:r>
+            <a:endParaRPr lang="de-DE" cap="none" dirty="0"/>
+          </a:p>
+        </p:txBody>
+      </p:sp>
+      <p:sp>
+        <p:nvSpPr>
+          <p:cNvPr id="3" name="Untertitel 2"/>
+          <p:cNvSpPr>
+            <a:spLocks noGrp="1"/>
+          </p:cNvSpPr>
+          <p:nvPr>
+            <p:ph type="body" idx="1"/>
+          </p:nvPr>
+        </p:nvSpPr>
+        <p:spPr/>
+        <p:txBody>
+          <a:bodyPr/>
+          <a:lstStyle/>
+          <a:p>
+            <a:r>
+              <a:rPr lang="de-DE" dirty="0" err="1"/>
               <a:t>Git</a:t>
             </a:r>
-            <a:r>
-              <a:rPr lang="de-DE" altLang="de-DE" dirty="0"/>
-              <a:t> – Tags </a:t>
-            </a:r>
+            <a:endParaRPr lang="de-DE" dirty="0"/>
           </a:p>
         </p:txBody>
       </p:sp>
     </p:spTree>
     <p:extLst>
       <p:ext uri="{BB962C8B-B14F-4D97-AF65-F5344CB8AC3E}">
-        <p14:creationId xmlns:p14="http://schemas.microsoft.com/office/powerpoint/2010/main" val="968504568"/>
+        <p14:creationId xmlns:p14="http://schemas.microsoft.com/office/powerpoint/2010/main" val="4094180652"/>
       </p:ext>
     </p:extLst>
   </p:cSld>
@@ -6937,431 +6723,22 @@
           <a:lstStyle/>
           <a:p>
             <a:r>
+              <a:rPr lang="de-DE" altLang="de-DE" dirty="0"/>
+              <a:t>Tags können ebenfalls in </a:t>
+            </a:r>
+            <a:r>
               <a:rPr lang="de-DE" altLang="de-DE" dirty="0" err="1"/>
-              <a:t>Annotated</a:t>
+              <a:t>GitLab</a:t>
             </a:r>
             <a:r>
               <a:rPr lang="de-DE" altLang="de-DE" dirty="0"/>
-              <a:t> Tag erstellen mittels</a:t>
-            </a:r>
-          </a:p>
-          <a:p>
-            <a:pPr marL="0" indent="0">
-              <a:buNone/>
-            </a:pPr>
+              <a:t> zum Repository hinzugefügt werden</a:t>
+            </a:r>
+          </a:p>
+          <a:p>
             <a:r>
               <a:rPr lang="de-DE" altLang="de-DE" dirty="0"/>
-              <a:t>	</a:t>
-            </a:r>
-            <a:r>
-              <a:rPr lang="de-DE" altLang="de-DE" dirty="0" err="1">
-                <a:latin typeface="Consolas" panose="020B0609020204030204" pitchFamily="49" charset="0"/>
-              </a:rPr>
-              <a:t>git</a:t>
-            </a:r>
-            <a:r>
-              <a:rPr lang="de-DE" altLang="de-DE" dirty="0">
-                <a:latin typeface="Consolas" panose="020B0609020204030204" pitchFamily="49" charset="0"/>
-              </a:rPr>
-              <a:t> tag -a &lt;tag-name&gt;</a:t>
-            </a:r>
-          </a:p>
-          <a:p>
-            <a:pPr marL="457200" lvl="1" indent="0">
-              <a:buNone/>
-            </a:pPr>
-            <a:endParaRPr lang="de-DE" altLang="de-DE" sz="1200" dirty="0">
-              <a:latin typeface="Consolas" panose="020B0609020204030204" pitchFamily="49" charset="0"/>
-            </a:endParaRPr>
-          </a:p>
-          <a:p>
-            <a:pPr marL="457200" lvl="1" indent="0">
-              <a:spcBef>
-                <a:spcPts val="0"/>
-              </a:spcBef>
-              <a:buNone/>
-            </a:pPr>
-            <a:r>
-              <a:rPr lang="de-DE" altLang="de-DE" sz="1200" dirty="0">
-                <a:latin typeface="Consolas" panose="020B0609020204030204" pitchFamily="49" charset="0"/>
-              </a:rPr>
-              <a:t>$ </a:t>
-            </a:r>
-            <a:r>
-              <a:rPr lang="de-DE" altLang="de-DE" sz="1200" dirty="0" err="1">
-                <a:latin typeface="Consolas" panose="020B0609020204030204" pitchFamily="49" charset="0"/>
-              </a:rPr>
-              <a:t>git</a:t>
-            </a:r>
-            <a:r>
-              <a:rPr lang="de-DE" altLang="de-DE" sz="1200" dirty="0">
-                <a:latin typeface="Consolas" panose="020B0609020204030204" pitchFamily="49" charset="0"/>
-              </a:rPr>
-              <a:t> tag -a release-v1.0.0 -m "</a:t>
-            </a:r>
-            <a:r>
-              <a:rPr lang="de-DE" altLang="de-DE" sz="1200" dirty="0" err="1">
-                <a:latin typeface="Consolas" panose="020B0609020204030204" pitchFamily="49" charset="0"/>
-              </a:rPr>
-              <a:t>Latest</a:t>
-            </a:r>
-            <a:r>
-              <a:rPr lang="de-DE" altLang="de-DE" sz="1200" dirty="0">
-                <a:latin typeface="Consolas" panose="020B0609020204030204" pitchFamily="49" charset="0"/>
-              </a:rPr>
-              <a:t> v1 release"</a:t>
-            </a:r>
-          </a:p>
-          <a:p>
-            <a:pPr marL="457200" lvl="1" indent="0">
-              <a:spcBef>
-                <a:spcPts val="0"/>
-              </a:spcBef>
-              <a:buNone/>
-            </a:pPr>
-            <a:endParaRPr lang="de-DE" altLang="de-DE" sz="1200" dirty="0">
-              <a:latin typeface="Consolas" panose="020B0609020204030204" pitchFamily="49" charset="0"/>
-            </a:endParaRPr>
-          </a:p>
-          <a:p>
-            <a:pPr marL="457200" lvl="1" indent="0">
-              <a:spcBef>
-                <a:spcPts val="0"/>
-              </a:spcBef>
-              <a:buNone/>
-            </a:pPr>
-            <a:r>
-              <a:rPr lang="de-DE" altLang="de-DE" sz="1200" dirty="0">
-                <a:latin typeface="Consolas" panose="020B0609020204030204" pitchFamily="49" charset="0"/>
-              </a:rPr>
-              <a:t>$ </a:t>
-            </a:r>
-            <a:r>
-              <a:rPr lang="de-DE" altLang="de-DE" sz="1200" dirty="0" err="1">
-                <a:latin typeface="Consolas" panose="020B0609020204030204" pitchFamily="49" charset="0"/>
-              </a:rPr>
-              <a:t>git</a:t>
-            </a:r>
-            <a:r>
-              <a:rPr lang="de-DE" altLang="de-DE" sz="1200" dirty="0">
-                <a:latin typeface="Consolas" panose="020B0609020204030204" pitchFamily="49" charset="0"/>
-              </a:rPr>
-              <a:t> </a:t>
-            </a:r>
-            <a:r>
-              <a:rPr lang="de-DE" altLang="de-DE" sz="1200" dirty="0" err="1">
-                <a:latin typeface="Consolas" panose="020B0609020204030204" pitchFamily="49" charset="0"/>
-              </a:rPr>
-              <a:t>show</a:t>
-            </a:r>
-            <a:r>
-              <a:rPr lang="de-DE" altLang="de-DE" sz="1200" dirty="0">
-                <a:latin typeface="Consolas" panose="020B0609020204030204" pitchFamily="49" charset="0"/>
-              </a:rPr>
-              <a:t> release-v1.0.0</a:t>
-            </a:r>
-          </a:p>
-          <a:p>
-            <a:pPr marL="457200" lvl="1" indent="0">
-              <a:spcBef>
-                <a:spcPts val="0"/>
-              </a:spcBef>
-              <a:buNone/>
-            </a:pPr>
-            <a:r>
-              <a:rPr lang="de-DE" altLang="de-DE" sz="1200" dirty="0">
-                <a:latin typeface="Consolas" panose="020B0609020204030204" pitchFamily="49" charset="0"/>
-              </a:rPr>
-              <a:t>tag release-v1.0.0</a:t>
-            </a:r>
-          </a:p>
-          <a:p>
-            <a:pPr marL="457200" lvl="1" indent="0">
-              <a:spcBef>
-                <a:spcPts val="0"/>
-              </a:spcBef>
-              <a:buNone/>
-            </a:pPr>
-            <a:r>
-              <a:rPr lang="de-DE" altLang="de-DE" sz="1200" dirty="0">
-                <a:latin typeface="Consolas" panose="020B0609020204030204" pitchFamily="49" charset="0"/>
-              </a:rPr>
-              <a:t>Tagger: Christopher Keutner &lt;christopher.keutner@alumni.fh-aachen.de&gt;</a:t>
-            </a:r>
-          </a:p>
-          <a:p>
-            <a:pPr marL="457200" lvl="1" indent="0">
-              <a:spcBef>
-                <a:spcPts val="0"/>
-              </a:spcBef>
-              <a:buNone/>
-            </a:pPr>
-            <a:r>
-              <a:rPr lang="de-DE" altLang="de-DE" sz="1200" dirty="0">
-                <a:latin typeface="Consolas" panose="020B0609020204030204" pitchFamily="49" charset="0"/>
-              </a:rPr>
-              <a:t>Date:   Tue May 28 15:13:44 2024 +0200</a:t>
-            </a:r>
-          </a:p>
-          <a:p>
-            <a:pPr marL="457200" lvl="1" indent="0">
-              <a:spcBef>
-                <a:spcPts val="0"/>
-              </a:spcBef>
-              <a:buNone/>
-            </a:pPr>
-            <a:endParaRPr lang="de-DE" altLang="de-DE" sz="1200" dirty="0">
-              <a:latin typeface="Consolas" panose="020B0609020204030204" pitchFamily="49" charset="0"/>
-            </a:endParaRPr>
-          </a:p>
-          <a:p>
-            <a:pPr marL="457200" lvl="1" indent="0">
-              <a:spcBef>
-                <a:spcPts val="0"/>
-              </a:spcBef>
-              <a:buNone/>
-            </a:pPr>
-            <a:r>
-              <a:rPr lang="de-DE" altLang="de-DE" sz="1200" dirty="0" err="1">
-                <a:latin typeface="Consolas" panose="020B0609020204030204" pitchFamily="49" charset="0"/>
-              </a:rPr>
-              <a:t>Latest</a:t>
-            </a:r>
-            <a:r>
-              <a:rPr lang="de-DE" altLang="de-DE" sz="1200" dirty="0">
-                <a:latin typeface="Consolas" panose="020B0609020204030204" pitchFamily="49" charset="0"/>
-              </a:rPr>
-              <a:t> v1 release</a:t>
-            </a:r>
-          </a:p>
-          <a:p>
-            <a:pPr marL="457200" lvl="1" indent="0">
-              <a:spcBef>
-                <a:spcPts val="0"/>
-              </a:spcBef>
-              <a:buNone/>
-            </a:pPr>
-            <a:endParaRPr lang="de-DE" altLang="de-DE" sz="1200" dirty="0">
-              <a:latin typeface="Consolas" panose="020B0609020204030204" pitchFamily="49" charset="0"/>
-            </a:endParaRPr>
-          </a:p>
-          <a:p>
-            <a:pPr marL="457200" lvl="1" indent="0">
-              <a:spcBef>
-                <a:spcPts val="0"/>
-              </a:spcBef>
-              <a:buNone/>
-            </a:pPr>
-            <a:r>
-              <a:rPr lang="de-DE" altLang="de-DE" sz="1200" dirty="0" err="1">
-                <a:latin typeface="Consolas" panose="020B0609020204030204" pitchFamily="49" charset="0"/>
-              </a:rPr>
-              <a:t>commit</a:t>
-            </a:r>
-            <a:r>
-              <a:rPr lang="de-DE" altLang="de-DE" sz="1200" dirty="0">
-                <a:latin typeface="Consolas" panose="020B0609020204030204" pitchFamily="49" charset="0"/>
-              </a:rPr>
-              <a:t> 11f6b62f8bc7a3403ceae4e8923d7a54abab7b6d (HEAD -&gt; </a:t>
-            </a:r>
-            <a:r>
-              <a:rPr lang="de-DE" altLang="de-DE" sz="1200" dirty="0" err="1">
-                <a:latin typeface="Consolas" panose="020B0609020204030204" pitchFamily="49" charset="0"/>
-              </a:rPr>
-              <a:t>main</a:t>
-            </a:r>
-            <a:r>
-              <a:rPr lang="de-DE" altLang="de-DE" sz="1200" dirty="0">
-                <a:latin typeface="Consolas" panose="020B0609020204030204" pitchFamily="49" charset="0"/>
-              </a:rPr>
-              <a:t>, tag: release-v1.0.0)</a:t>
-            </a:r>
-          </a:p>
-          <a:p>
-            <a:pPr marL="457200" lvl="1" indent="0">
-              <a:spcBef>
-                <a:spcPts val="0"/>
-              </a:spcBef>
-              <a:buNone/>
-            </a:pPr>
-            <a:r>
-              <a:rPr lang="de-DE" altLang="de-DE" sz="1200" dirty="0" err="1">
-                <a:latin typeface="Consolas" panose="020B0609020204030204" pitchFamily="49" charset="0"/>
-              </a:rPr>
-              <a:t>Author</a:t>
-            </a:r>
-            <a:r>
-              <a:rPr lang="de-DE" altLang="de-DE" sz="1200" dirty="0">
-                <a:latin typeface="Consolas" panose="020B0609020204030204" pitchFamily="49" charset="0"/>
-              </a:rPr>
-              <a:t>: Christopher Keutner &lt;christopher.keutner@alumni.fh-aachen.de&gt;</a:t>
-            </a:r>
-          </a:p>
-          <a:p>
-            <a:pPr marL="457200" lvl="1" indent="0">
-              <a:spcBef>
-                <a:spcPts val="0"/>
-              </a:spcBef>
-              <a:buNone/>
-            </a:pPr>
-            <a:r>
-              <a:rPr lang="de-DE" altLang="de-DE" sz="1200" dirty="0">
-                <a:latin typeface="Consolas" panose="020B0609020204030204" pitchFamily="49" charset="0"/>
-              </a:rPr>
-              <a:t>Date:   Tue May 28 15:13:10 2024 +0200</a:t>
-            </a:r>
-          </a:p>
-          <a:p>
-            <a:pPr marL="457200" lvl="1" indent="0">
-              <a:spcBef>
-                <a:spcPts val="0"/>
-              </a:spcBef>
-              <a:buNone/>
-            </a:pPr>
-            <a:endParaRPr lang="de-DE" altLang="de-DE" sz="1200" dirty="0">
-              <a:latin typeface="Consolas" panose="020B0609020204030204" pitchFamily="49" charset="0"/>
-            </a:endParaRPr>
-          </a:p>
-          <a:p>
-            <a:pPr marL="457200" lvl="1" indent="0">
-              <a:spcBef>
-                <a:spcPts val="0"/>
-              </a:spcBef>
-              <a:buNone/>
-            </a:pPr>
-            <a:r>
-              <a:rPr lang="de-DE" altLang="de-DE" sz="1200" dirty="0">
-                <a:latin typeface="Consolas" panose="020B0609020204030204" pitchFamily="49" charset="0"/>
-              </a:rPr>
-              <a:t>    Add </a:t>
-            </a:r>
-            <a:r>
-              <a:rPr lang="de-DE" altLang="de-DE" sz="1200" dirty="0" err="1">
-                <a:latin typeface="Consolas" panose="020B0609020204030204" pitchFamily="49" charset="0"/>
-              </a:rPr>
-              <a:t>new</a:t>
-            </a:r>
-            <a:r>
-              <a:rPr lang="de-DE" altLang="de-DE" sz="1200" dirty="0">
-                <a:latin typeface="Consolas" panose="020B0609020204030204" pitchFamily="49" charset="0"/>
-              </a:rPr>
-              <a:t> </a:t>
-            </a:r>
-            <a:r>
-              <a:rPr lang="de-DE" altLang="de-DE" sz="1200" dirty="0" err="1">
-                <a:latin typeface="Consolas" panose="020B0609020204030204" pitchFamily="49" charset="0"/>
-              </a:rPr>
-              <a:t>file</a:t>
-            </a:r>
-            <a:endParaRPr lang="de-DE" altLang="de-DE" sz="1200" dirty="0">
-              <a:latin typeface="Consolas" panose="020B0609020204030204" pitchFamily="49" charset="0"/>
-            </a:endParaRPr>
-          </a:p>
-          <a:p>
-            <a:pPr marL="457200" lvl="1" indent="0">
-              <a:spcBef>
-                <a:spcPts val="0"/>
-              </a:spcBef>
-              <a:buNone/>
-            </a:pPr>
-            <a:endParaRPr lang="de-DE" altLang="de-DE" sz="1200" dirty="0">
-              <a:latin typeface="Consolas" panose="020B0609020204030204" pitchFamily="49" charset="0"/>
-            </a:endParaRPr>
-          </a:p>
-          <a:p>
-            <a:pPr marL="457200" lvl="1" indent="0">
-              <a:spcBef>
-                <a:spcPts val="0"/>
-              </a:spcBef>
-              <a:buNone/>
-            </a:pPr>
-            <a:r>
-              <a:rPr lang="de-DE" altLang="de-DE" sz="1200" dirty="0" err="1">
-                <a:latin typeface="Consolas" panose="020B0609020204030204" pitchFamily="49" charset="0"/>
-              </a:rPr>
-              <a:t>diff</a:t>
-            </a:r>
-            <a:r>
-              <a:rPr lang="de-DE" altLang="de-DE" sz="1200" dirty="0">
-                <a:latin typeface="Consolas" panose="020B0609020204030204" pitchFamily="49" charset="0"/>
-              </a:rPr>
-              <a:t> --</a:t>
-            </a:r>
-            <a:r>
-              <a:rPr lang="de-DE" altLang="de-DE" sz="1200" dirty="0" err="1">
-                <a:latin typeface="Consolas" panose="020B0609020204030204" pitchFamily="49" charset="0"/>
-              </a:rPr>
-              <a:t>git</a:t>
-            </a:r>
-            <a:r>
-              <a:rPr lang="de-DE" altLang="de-DE" sz="1200" dirty="0">
-                <a:latin typeface="Consolas" panose="020B0609020204030204" pitchFamily="49" charset="0"/>
-              </a:rPr>
-              <a:t> a/file8.txt b/file8.txt</a:t>
-            </a:r>
-          </a:p>
-          <a:p>
-            <a:pPr marL="457200" lvl="1" indent="0">
-              <a:spcBef>
-                <a:spcPts val="0"/>
-              </a:spcBef>
-              <a:buNone/>
-            </a:pPr>
-            <a:r>
-              <a:rPr lang="de-DE" altLang="de-DE" sz="1200" dirty="0" err="1">
-                <a:latin typeface="Consolas" panose="020B0609020204030204" pitchFamily="49" charset="0"/>
-              </a:rPr>
-              <a:t>new</a:t>
-            </a:r>
-            <a:r>
-              <a:rPr lang="de-DE" altLang="de-DE" sz="1200" dirty="0">
-                <a:latin typeface="Consolas" panose="020B0609020204030204" pitchFamily="49" charset="0"/>
-              </a:rPr>
-              <a:t> </a:t>
-            </a:r>
-            <a:r>
-              <a:rPr lang="de-DE" altLang="de-DE" sz="1200" dirty="0" err="1">
-                <a:latin typeface="Consolas" panose="020B0609020204030204" pitchFamily="49" charset="0"/>
-              </a:rPr>
-              <a:t>file</a:t>
-            </a:r>
-            <a:r>
-              <a:rPr lang="de-DE" altLang="de-DE" sz="1200" dirty="0">
-                <a:latin typeface="Consolas" panose="020B0609020204030204" pitchFamily="49" charset="0"/>
-              </a:rPr>
-              <a:t> </a:t>
-            </a:r>
-            <a:r>
-              <a:rPr lang="de-DE" altLang="de-DE" sz="1200" dirty="0" err="1">
-                <a:latin typeface="Consolas" panose="020B0609020204030204" pitchFamily="49" charset="0"/>
-              </a:rPr>
-              <a:t>mode</a:t>
-            </a:r>
-            <a:r>
-              <a:rPr lang="de-DE" altLang="de-DE" sz="1200" dirty="0">
-                <a:latin typeface="Consolas" panose="020B0609020204030204" pitchFamily="49" charset="0"/>
-              </a:rPr>
-              <a:t> 100644</a:t>
-            </a:r>
-          </a:p>
-          <a:p>
-            <a:pPr marL="457200" lvl="1" indent="0">
-              <a:spcBef>
-                <a:spcPts val="0"/>
-              </a:spcBef>
-              <a:buNone/>
-            </a:pPr>
-            <a:r>
-              <a:rPr lang="de-DE" altLang="de-DE" sz="1200" dirty="0" err="1">
-                <a:latin typeface="Consolas" panose="020B0609020204030204" pitchFamily="49" charset="0"/>
-              </a:rPr>
-              <a:t>index</a:t>
-            </a:r>
-            <a:r>
-              <a:rPr lang="de-DE" altLang="de-DE" sz="1200" dirty="0">
-                <a:latin typeface="Consolas" panose="020B0609020204030204" pitchFamily="49" charset="0"/>
-              </a:rPr>
-              <a:t> 0000000..e69de29</a:t>
+              <a:t>Erzeugt gleichwertige Tags im Vergleich zu Command Line</a:t>
             </a:r>
           </a:p>
         </p:txBody>
@@ -7393,20 +6770,51 @@
           <a:lstStyle/>
           <a:p>
             <a:r>
+              <a:rPr lang="de-DE" altLang="de-DE" dirty="0"/>
+              <a:t>Tags in </a:t>
+            </a:r>
+            <a:r>
               <a:rPr lang="de-DE" altLang="de-DE" dirty="0" err="1"/>
-              <a:t>Git</a:t>
-            </a:r>
-            <a:r>
-              <a:rPr lang="de-DE" altLang="de-DE" dirty="0"/>
-              <a:t> – Tags </a:t>
-            </a:r>
+              <a:t>GitLab</a:t>
+            </a:r>
+            <a:endParaRPr lang="de-DE" altLang="de-DE" dirty="0"/>
           </a:p>
         </p:txBody>
       </p:sp>
+      <p:pic>
+        <p:nvPicPr>
+          <p:cNvPr id="3" name="Grafik 2">
+            <a:extLst>
+              <a:ext uri="{FF2B5EF4-FFF2-40B4-BE49-F238E27FC236}">
+                <a16:creationId xmlns:a16="http://schemas.microsoft.com/office/drawing/2014/main" id="{F6AF7D67-CC47-CBA1-9A93-DC357E462460}"/>
+              </a:ext>
+            </a:extLst>
+          </p:cNvPr>
+          <p:cNvPicPr>
+            <a:picLocks noChangeAspect="1"/>
+          </p:cNvPicPr>
+          <p:nvPr/>
+        </p:nvPicPr>
+        <p:blipFill>
+          <a:blip r:embed="rId2"/>
+          <a:stretch>
+            <a:fillRect/>
+          </a:stretch>
+        </p:blipFill>
+        <p:spPr>
+          <a:xfrm>
+            <a:off x="303213" y="1916832"/>
+            <a:ext cx="8489003" cy="4248472"/>
+          </a:xfrm>
+          <a:prstGeom prst="rect">
+            <a:avLst/>
+          </a:prstGeom>
+        </p:spPr>
+      </p:pic>
     </p:spTree>
     <p:extLst>
       <p:ext uri="{BB962C8B-B14F-4D97-AF65-F5344CB8AC3E}">
-        <p14:creationId xmlns:p14="http://schemas.microsoft.com/office/powerpoint/2010/main" val="641179957"/>
+        <p14:creationId xmlns:p14="http://schemas.microsoft.com/office/powerpoint/2010/main" val="2194428032"/>
       </p:ext>
     </p:extLst>
   </p:cSld>
@@ -7417,86 +6825,6 @@
 </file>
 
 <file path=ppt/slides/slide15.xml><?xml version="1.0" encoding="utf-8"?>
-<p:sld xmlns:a="http://schemas.openxmlformats.org/drawingml/2006/main" xmlns:r="http://schemas.openxmlformats.org/officeDocument/2006/relationships" xmlns:p="http://schemas.openxmlformats.org/presentationml/2006/main">
-  <p:cSld>
-    <p:spTree>
-      <p:nvGrpSpPr>
-        <p:cNvPr id="1" name=""/>
-        <p:cNvGrpSpPr/>
-        <p:nvPr/>
-      </p:nvGrpSpPr>
-      <p:grpSpPr>
-        <a:xfrm>
-          <a:off x="0" y="0"/>
-          <a:ext cx="0" cy="0"/>
-          <a:chOff x="0" y="0"/>
-          <a:chExt cx="0" cy="0"/>
-        </a:xfrm>
-      </p:grpSpPr>
-      <p:sp>
-        <p:nvSpPr>
-          <p:cNvPr id="2" name="Titel 1"/>
-          <p:cNvSpPr>
-            <a:spLocks noGrp="1"/>
-          </p:cNvSpPr>
-          <p:nvPr>
-            <p:ph type="title"/>
-          </p:nvPr>
-        </p:nvSpPr>
-        <p:spPr/>
-        <p:txBody>
-          <a:bodyPr/>
-          <a:lstStyle/>
-          <a:p>
-            <a:r>
-              <a:rPr lang="de-DE" cap="none" dirty="0"/>
-              <a:t>Tags in </a:t>
-            </a:r>
-            <a:r>
-              <a:rPr lang="de-DE" cap="none" dirty="0" err="1"/>
-              <a:t>GitLab</a:t>
-            </a:r>
-            <a:endParaRPr lang="de-DE" cap="none" dirty="0"/>
-          </a:p>
-        </p:txBody>
-      </p:sp>
-      <p:sp>
-        <p:nvSpPr>
-          <p:cNvPr id="3" name="Untertitel 2"/>
-          <p:cNvSpPr>
-            <a:spLocks noGrp="1"/>
-          </p:cNvSpPr>
-          <p:nvPr>
-            <p:ph type="body" idx="1"/>
-          </p:nvPr>
-        </p:nvSpPr>
-        <p:spPr/>
-        <p:txBody>
-          <a:bodyPr/>
-          <a:lstStyle/>
-          <a:p>
-            <a:r>
-              <a:rPr lang="de-DE" dirty="0" err="1"/>
-              <a:t>Git</a:t>
-            </a:r>
-            <a:endParaRPr lang="de-DE" dirty="0"/>
-          </a:p>
-        </p:txBody>
-      </p:sp>
-    </p:spTree>
-    <p:extLst>
-      <p:ext uri="{BB962C8B-B14F-4D97-AF65-F5344CB8AC3E}">
-        <p14:creationId xmlns:p14="http://schemas.microsoft.com/office/powerpoint/2010/main" val="4094180652"/>
-      </p:ext>
-    </p:extLst>
-  </p:cSld>
-  <p:clrMapOvr>
-    <a:masterClrMapping/>
-  </p:clrMapOvr>
-</p:sld>
-</file>
-
-<file path=ppt/slides/slide16.xml><?xml version="1.0" encoding="utf-8"?>
 <p:sld xmlns:a="http://schemas.openxmlformats.org/drawingml/2006/main" xmlns:r="http://schemas.openxmlformats.org/officeDocument/2006/relationships" xmlns:p="http://schemas.openxmlformats.org/presentationml/2006/main">
   <p:cSld>
     <p:spTree>
@@ -7541,21 +6869,29 @@
           <a:p>
             <a:r>
               <a:rPr lang="de-DE" altLang="de-DE" dirty="0"/>
-              <a:t>Tags können ebenfalls in </a:t>
+              <a:t>Tags können auch hier aus </a:t>
             </a:r>
             <a:r>
               <a:rPr lang="de-DE" altLang="de-DE" dirty="0" err="1"/>
-              <a:t>GitLab</a:t>
+              <a:t>Commits</a:t>
             </a:r>
             <a:r>
               <a:rPr lang="de-DE" altLang="de-DE" dirty="0"/>
-              <a:t> zum Repository hinzugefügt werden</a:t>
-            </a:r>
-          </a:p>
-          <a:p>
+              <a:t>, </a:t>
+            </a:r>
+            <a:r>
+              <a:rPr lang="de-DE" altLang="de-DE" dirty="0" err="1"/>
+              <a:t>Branches</a:t>
+            </a:r>
             <a:r>
               <a:rPr lang="de-DE" altLang="de-DE" dirty="0"/>
-              <a:t>Erzeugt gleichwertige Tags im Vergleich zu Command Line</a:t>
+              <a:t> oder anderen Tags erstellt werden</a:t>
+            </a:r>
+          </a:p>
+          <a:p>
+            <a:r>
+              <a:rPr lang="de-DE" altLang="de-DE" dirty="0"/>
+              <a:t>Ohne Nachricht wird ein Lightweight Tag erstellt</a:t>
             </a:r>
           </a:p>
         </p:txBody>
@@ -7600,10 +6936,10 @@
       </p:sp>
       <p:pic>
         <p:nvPicPr>
-          <p:cNvPr id="3" name="Grafik 2">
+          <p:cNvPr id="6" name="Grafik 5">
             <a:extLst>
               <a:ext uri="{FF2B5EF4-FFF2-40B4-BE49-F238E27FC236}">
-                <a16:creationId xmlns:a16="http://schemas.microsoft.com/office/drawing/2014/main" id="{F6AF7D67-CC47-CBA1-9A93-DC357E462460}"/>
+                <a16:creationId xmlns:a16="http://schemas.microsoft.com/office/drawing/2014/main" id="{F6D80E1D-3947-79E0-5666-CBC400228DEE}"/>
               </a:ext>
             </a:extLst>
           </p:cNvPr>
@@ -7620,8 +6956,8 @@
         </p:blipFill>
         <p:spPr>
           <a:xfrm>
-            <a:off x="303213" y="1916832"/>
-            <a:ext cx="8489003" cy="4248472"/>
+            <a:off x="323528" y="2279193"/>
+            <a:ext cx="8568952" cy="3598079"/>
           </a:xfrm>
           <a:prstGeom prst="rect">
             <a:avLst/>
@@ -7631,7 +6967,82 @@
     </p:spTree>
     <p:extLst>
       <p:ext uri="{BB962C8B-B14F-4D97-AF65-F5344CB8AC3E}">
-        <p14:creationId xmlns:p14="http://schemas.microsoft.com/office/powerpoint/2010/main" val="2194428032"/>
+        <p14:creationId xmlns:p14="http://schemas.microsoft.com/office/powerpoint/2010/main" val="3715177656"/>
+      </p:ext>
+    </p:extLst>
+  </p:cSld>
+  <p:clrMapOvr>
+    <a:masterClrMapping/>
+  </p:clrMapOvr>
+</p:sld>
+</file>
+
+<file path=ppt/slides/slide16.xml><?xml version="1.0" encoding="utf-8"?>
+<p:sld xmlns:a="http://schemas.openxmlformats.org/drawingml/2006/main" xmlns:r="http://schemas.openxmlformats.org/officeDocument/2006/relationships" xmlns:p="http://schemas.openxmlformats.org/presentationml/2006/main">
+  <p:cSld>
+    <p:spTree>
+      <p:nvGrpSpPr>
+        <p:cNvPr id="1" name=""/>
+        <p:cNvGrpSpPr/>
+        <p:nvPr/>
+      </p:nvGrpSpPr>
+      <p:grpSpPr>
+        <a:xfrm>
+          <a:off x="0" y="0"/>
+          <a:ext cx="0" cy="0"/>
+          <a:chOff x="0" y="0"/>
+          <a:chExt cx="0" cy="0"/>
+        </a:xfrm>
+      </p:grpSpPr>
+      <p:sp>
+        <p:nvSpPr>
+          <p:cNvPr id="2" name="Titel 1"/>
+          <p:cNvSpPr>
+            <a:spLocks noGrp="1"/>
+          </p:cNvSpPr>
+          <p:nvPr>
+            <p:ph type="title"/>
+          </p:nvPr>
+        </p:nvSpPr>
+        <p:spPr/>
+        <p:txBody>
+          <a:bodyPr/>
+          <a:lstStyle/>
+          <a:p>
+            <a:r>
+              <a:rPr lang="de-DE" cap="none" dirty="0"/>
+              <a:t>Releases</a:t>
+            </a:r>
+          </a:p>
+        </p:txBody>
+      </p:sp>
+      <p:sp>
+        <p:nvSpPr>
+          <p:cNvPr id="3" name="Untertitel 2"/>
+          <p:cNvSpPr>
+            <a:spLocks noGrp="1"/>
+          </p:cNvSpPr>
+          <p:nvPr>
+            <p:ph type="body" idx="1"/>
+          </p:nvPr>
+        </p:nvSpPr>
+        <p:spPr/>
+        <p:txBody>
+          <a:bodyPr/>
+          <a:lstStyle/>
+          <a:p>
+            <a:r>
+              <a:rPr lang="de-DE" dirty="0" err="1"/>
+              <a:t>GitLab</a:t>
+            </a:r>
+            <a:endParaRPr lang="de-DE" dirty="0"/>
+          </a:p>
+        </p:txBody>
+      </p:sp>
+    </p:spTree>
+    <p:extLst>
+      <p:ext uri="{BB962C8B-B14F-4D97-AF65-F5344CB8AC3E}">
+        <p14:creationId xmlns:p14="http://schemas.microsoft.com/office/powerpoint/2010/main" val="725577135"/>
       </p:ext>
     </p:extLst>
   </p:cSld>
@@ -7685,30 +7096,94 @@
           <a:lstStyle/>
           <a:p>
             <a:r>
+              <a:rPr lang="de-DE" altLang="de-DE" dirty="0" err="1"/>
+              <a:t>GitLab</a:t>
+            </a:r>
+            <a:r>
               <a:rPr lang="de-DE" altLang="de-DE" dirty="0"/>
-              <a:t>Tags können auch hier aus </a:t>
+              <a:t> Releases erstellen einen Snapshot des aktuellen Projektes</a:t>
+            </a:r>
+          </a:p>
+          <a:p>
+            <a:r>
+              <a:rPr lang="de-DE" altLang="de-DE" dirty="0"/>
+              <a:t>Werden aus einem bestimmten Tag erstellt</a:t>
+            </a:r>
+          </a:p>
+          <a:p>
+            <a:r>
+              <a:rPr lang="de-DE" altLang="de-DE" dirty="0"/>
+              <a:t>Ein </a:t>
             </a:r>
             <a:r>
               <a:rPr lang="de-DE" altLang="de-DE" dirty="0" err="1"/>
-              <a:t>Commits</a:t>
+              <a:t>GitLab</a:t>
             </a:r>
             <a:r>
               <a:rPr lang="de-DE" altLang="de-DE" dirty="0"/>
-              <a:t>, </a:t>
-            </a:r>
+              <a:t> Release kann beinhalten</a:t>
+            </a:r>
+          </a:p>
+          <a:p>
+            <a:pPr lvl="1"/>
+            <a:r>
+              <a:rPr lang="de-DE" altLang="de-DE" dirty="0"/>
+              <a:t>Einen Snapshot des Source Codes im Repository</a:t>
+            </a:r>
+          </a:p>
+          <a:p>
+            <a:pPr lvl="1"/>
+            <a:r>
+              <a:rPr lang="de-DE" altLang="de-DE" dirty="0"/>
+              <a:t>Packages aus Job Artefakten</a:t>
+            </a:r>
+          </a:p>
+          <a:p>
+            <a:pPr lvl="1"/>
+            <a:r>
+              <a:rPr lang="de-DE" altLang="de-DE" dirty="0"/>
+              <a:t>Metadaten</a:t>
+            </a:r>
+          </a:p>
+          <a:p>
+            <a:pPr lvl="1"/>
+            <a:r>
+              <a:rPr lang="de-DE" altLang="de-DE" dirty="0"/>
+              <a:t>Release Notes</a:t>
+            </a:r>
+          </a:p>
+          <a:p>
             <a:r>
               <a:rPr lang="de-DE" altLang="de-DE" dirty="0" err="1"/>
-              <a:t>Branches</a:t>
+              <a:t>GitLab</a:t>
             </a:r>
             <a:r>
               <a:rPr lang="de-DE" altLang="de-DE" dirty="0"/>
-              <a:t> oder anderen Tags erstellt werden</a:t>
-            </a:r>
-          </a:p>
-          <a:p>
+              <a:t> archiviert beim Erstellen eines Releases automatisch den Source Code und verknüpft diesen mit dem Release</a:t>
+            </a:r>
+          </a:p>
+          <a:p>
+            <a:r>
+              <a:rPr lang="de-DE" altLang="de-DE" dirty="0" err="1"/>
+              <a:t>GitLab</a:t>
+            </a:r>
             <a:r>
               <a:rPr lang="de-DE" altLang="de-DE" dirty="0"/>
-              <a:t>Ohne Nachricht wird ein Lightweight Tag erstellt</a:t>
+              <a:t> erstellt ebenfalls eine JSON Datei, welche den gesamten Release Inhalt auflistet (release </a:t>
+            </a:r>
+            <a:r>
+              <a:rPr lang="de-DE" altLang="de-DE" dirty="0" err="1"/>
+              <a:t>evidence</a:t>
+            </a:r>
+            <a:r>
+              <a:rPr lang="de-DE" altLang="de-DE" dirty="0"/>
+              <a:t>)</a:t>
+            </a:r>
+          </a:p>
+          <a:p>
+            <a:r>
+              <a:rPr lang="de-DE" altLang="de-DE" dirty="0"/>
+              <a:t>Löschung des Tags führt auch zur Löschung des Releases</a:t>
             </a:r>
           </a:p>
         </p:txBody>
@@ -7740,51 +7215,20 @@
           <a:lstStyle/>
           <a:p>
             <a:r>
-              <a:rPr lang="de-DE" altLang="de-DE" dirty="0"/>
-              <a:t>Tags in </a:t>
-            </a:r>
-            <a:r>
               <a:rPr lang="de-DE" altLang="de-DE" dirty="0" err="1"/>
               <a:t>GitLab</a:t>
             </a:r>
-            <a:endParaRPr lang="de-DE" altLang="de-DE" dirty="0"/>
+            <a:r>
+              <a:rPr lang="de-DE" altLang="de-DE" dirty="0"/>
+              <a:t> Releases</a:t>
+            </a:r>
           </a:p>
         </p:txBody>
       </p:sp>
-      <p:pic>
-        <p:nvPicPr>
-          <p:cNvPr id="6" name="Grafik 5">
-            <a:extLst>
-              <a:ext uri="{FF2B5EF4-FFF2-40B4-BE49-F238E27FC236}">
-                <a16:creationId xmlns:a16="http://schemas.microsoft.com/office/drawing/2014/main" id="{F6D80E1D-3947-79E0-5666-CBC400228DEE}"/>
-              </a:ext>
-            </a:extLst>
-          </p:cNvPr>
-          <p:cNvPicPr>
-            <a:picLocks noChangeAspect="1"/>
-          </p:cNvPicPr>
-          <p:nvPr/>
-        </p:nvPicPr>
-        <p:blipFill>
-          <a:blip r:embed="rId2"/>
-          <a:stretch>
-            <a:fillRect/>
-          </a:stretch>
-        </p:blipFill>
-        <p:spPr>
-          <a:xfrm>
-            <a:off x="323528" y="2279193"/>
-            <a:ext cx="8568952" cy="3598079"/>
-          </a:xfrm>
-          <a:prstGeom prst="rect">
-            <a:avLst/>
-          </a:prstGeom>
-        </p:spPr>
-      </p:pic>
     </p:spTree>
     <p:extLst>
       <p:ext uri="{BB962C8B-B14F-4D97-AF65-F5344CB8AC3E}">
-        <p14:creationId xmlns:p14="http://schemas.microsoft.com/office/powerpoint/2010/main" val="3715177656"/>
+        <p14:creationId xmlns:p14="http://schemas.microsoft.com/office/powerpoint/2010/main" val="1056702386"/>
       </p:ext>
     </p:extLst>
   </p:cSld>
@@ -7795,81 +7239,6 @@
 </file>
 
 <file path=ppt/slides/slide18.xml><?xml version="1.0" encoding="utf-8"?>
-<p:sld xmlns:a="http://schemas.openxmlformats.org/drawingml/2006/main" xmlns:r="http://schemas.openxmlformats.org/officeDocument/2006/relationships" xmlns:p="http://schemas.openxmlformats.org/presentationml/2006/main">
-  <p:cSld>
-    <p:spTree>
-      <p:nvGrpSpPr>
-        <p:cNvPr id="1" name=""/>
-        <p:cNvGrpSpPr/>
-        <p:nvPr/>
-      </p:nvGrpSpPr>
-      <p:grpSpPr>
-        <a:xfrm>
-          <a:off x="0" y="0"/>
-          <a:ext cx="0" cy="0"/>
-          <a:chOff x="0" y="0"/>
-          <a:chExt cx="0" cy="0"/>
-        </a:xfrm>
-      </p:grpSpPr>
-      <p:sp>
-        <p:nvSpPr>
-          <p:cNvPr id="2" name="Titel 1"/>
-          <p:cNvSpPr>
-            <a:spLocks noGrp="1"/>
-          </p:cNvSpPr>
-          <p:nvPr>
-            <p:ph type="title"/>
-          </p:nvPr>
-        </p:nvSpPr>
-        <p:spPr/>
-        <p:txBody>
-          <a:bodyPr/>
-          <a:lstStyle/>
-          <a:p>
-            <a:r>
-              <a:rPr lang="de-DE" cap="none" dirty="0"/>
-              <a:t>Releases</a:t>
-            </a:r>
-          </a:p>
-        </p:txBody>
-      </p:sp>
-      <p:sp>
-        <p:nvSpPr>
-          <p:cNvPr id="3" name="Untertitel 2"/>
-          <p:cNvSpPr>
-            <a:spLocks noGrp="1"/>
-          </p:cNvSpPr>
-          <p:nvPr>
-            <p:ph type="body" idx="1"/>
-          </p:nvPr>
-        </p:nvSpPr>
-        <p:spPr/>
-        <p:txBody>
-          <a:bodyPr/>
-          <a:lstStyle/>
-          <a:p>
-            <a:r>
-              <a:rPr lang="de-DE" dirty="0" err="1"/>
-              <a:t>GitLab</a:t>
-            </a:r>
-            <a:endParaRPr lang="de-DE" dirty="0"/>
-          </a:p>
-        </p:txBody>
-      </p:sp>
-    </p:spTree>
-    <p:extLst>
-      <p:ext uri="{BB962C8B-B14F-4D97-AF65-F5344CB8AC3E}">
-        <p14:creationId xmlns:p14="http://schemas.microsoft.com/office/powerpoint/2010/main" val="725577135"/>
-      </p:ext>
-    </p:extLst>
-  </p:cSld>
-  <p:clrMapOvr>
-    <a:masterClrMapping/>
-  </p:clrMapOvr>
-</p:sld>
-</file>
-
-<file path=ppt/slides/slide19.xml><?xml version="1.0" encoding="utf-8"?>
 <p:sld xmlns:a="http://schemas.openxmlformats.org/drawingml/2006/main" xmlns:r="http://schemas.openxmlformats.org/officeDocument/2006/relationships" xmlns:p="http://schemas.openxmlformats.org/presentationml/2006/main">
   <p:cSld>
     <p:spTree>
@@ -7913,95 +7282,36 @@
           <a:lstStyle/>
           <a:p>
             <a:r>
-              <a:rPr lang="de-DE" altLang="de-DE" dirty="0" err="1"/>
-              <a:t>GitLab</a:t>
-            </a:r>
-            <a:r>
               <a:rPr lang="de-DE" altLang="de-DE" dirty="0"/>
-              <a:t> Releases erstellen einen Snapshot des aktuellen Projektes</a:t>
-            </a:r>
-          </a:p>
-          <a:p>
+              <a:t>Releases können unter </a:t>
+            </a:r>
+            <a:r>
+              <a:rPr lang="de-DE" altLang="de-DE" b="1" dirty="0"/>
+              <a:t>Deploy</a:t>
+            </a:r>
             <a:r>
               <a:rPr lang="de-DE" altLang="de-DE" dirty="0"/>
-              <a:t>Werden aus einem bestimmten Tag erstellt</a:t>
-            </a:r>
-          </a:p>
-          <a:p>
-            <a:r>
-              <a:rPr lang="de-DE" altLang="de-DE" dirty="0"/>
-              <a:t>Ein </a:t>
-            </a:r>
-            <a:r>
-              <a:rPr lang="de-DE" altLang="de-DE" dirty="0" err="1"/>
-              <a:t>GitLab</a:t>
-            </a:r>
-            <a:r>
-              <a:rPr lang="de-DE" altLang="de-DE" dirty="0"/>
-              <a:t> Release kann beinhalten</a:t>
-            </a:r>
-          </a:p>
-          <a:p>
-            <a:pPr lvl="1"/>
-            <a:r>
-              <a:rPr lang="de-DE" altLang="de-DE" dirty="0"/>
-              <a:t>Einen Snapshot des Source Codes im Repository</a:t>
-            </a:r>
-          </a:p>
-          <a:p>
-            <a:pPr lvl="1"/>
-            <a:r>
-              <a:rPr lang="de-DE" altLang="de-DE" dirty="0"/>
-              <a:t>Packages aus Job Artefakten</a:t>
-            </a:r>
-          </a:p>
-          <a:p>
-            <a:pPr lvl="1"/>
-            <a:r>
-              <a:rPr lang="de-DE" altLang="de-DE" dirty="0"/>
-              <a:t>Metadaten</a:t>
-            </a:r>
-          </a:p>
-          <a:p>
-            <a:pPr lvl="1"/>
-            <a:r>
-              <a:rPr lang="de-DE" altLang="de-DE" dirty="0"/>
-              <a:t>Release Notes</a:t>
-            </a:r>
-          </a:p>
-          <a:p>
-            <a:r>
-              <a:rPr lang="de-DE" altLang="de-DE" dirty="0" err="1"/>
-              <a:t>GitLab</a:t>
-            </a:r>
-            <a:r>
-              <a:rPr lang="de-DE" altLang="de-DE" dirty="0"/>
-              <a:t> archiviert beim Erstellen eines Releases automatisch den Source Code und verknüpft diesen mit dem Release</a:t>
-            </a:r>
-          </a:p>
-          <a:p>
-            <a:r>
-              <a:rPr lang="de-DE" altLang="de-DE" dirty="0" err="1"/>
-              <a:t>GitLab</a:t>
-            </a:r>
-            <a:r>
-              <a:rPr lang="de-DE" altLang="de-DE" dirty="0"/>
-              <a:t> erstellt ebenfalls eine JSON Datei, welche den gesamten Release Inhalt auflistet (release </a:t>
-            </a:r>
-            <a:r>
-              <a:rPr lang="de-DE" altLang="de-DE" dirty="0" err="1"/>
-              <a:t>evidence</a:t>
-            </a:r>
-            <a:r>
-              <a:rPr lang="de-DE" altLang="de-DE" dirty="0"/>
-              <a:t>)</a:t>
-            </a:r>
-          </a:p>
-          <a:p>
-            <a:r>
-              <a:rPr lang="de-DE" altLang="de-DE" dirty="0"/>
-              <a:t>Löschung des Tags führt auch zur Löschung des Releases</a:t>
-            </a:r>
+              <a:t> </a:t>
+            </a:r>
+            <a:r>
+              <a:rPr lang="de-DE" altLang="de-DE" dirty="0">
+                <a:sym typeface="Wingdings" panose="05000000000000000000" pitchFamily="2" charset="2"/>
+              </a:rPr>
+              <a:t> </a:t>
+            </a:r>
+            <a:r>
+              <a:rPr lang="de-DE" altLang="de-DE" b="1" dirty="0">
+                <a:sym typeface="Wingdings" panose="05000000000000000000" pitchFamily="2" charset="2"/>
+              </a:rPr>
+              <a:t>Releases</a:t>
+            </a:r>
+            <a:r>
+              <a:rPr lang="de-DE" altLang="de-DE" dirty="0">
+                <a:sym typeface="Wingdings" panose="05000000000000000000" pitchFamily="2" charset="2"/>
+              </a:rPr>
+              <a:t> angelegt werden</a:t>
+            </a:r>
+            <a:endParaRPr lang="de-DE" altLang="de-DE" dirty="0"/>
           </a:p>
         </p:txBody>
       </p:sp>
@@ -8042,10 +7352,136 @@
           </a:p>
         </p:txBody>
       </p:sp>
+      <p:pic>
+        <p:nvPicPr>
+          <p:cNvPr id="5" name="Grafik 4">
+            <a:extLst>
+              <a:ext uri="{FF2B5EF4-FFF2-40B4-BE49-F238E27FC236}">
+                <a16:creationId xmlns:a16="http://schemas.microsoft.com/office/drawing/2014/main" id="{134E5B83-0C7F-E287-EA72-D380E173405C}"/>
+              </a:ext>
+            </a:extLst>
+          </p:cNvPr>
+          <p:cNvPicPr>
+            <a:picLocks noChangeAspect="1"/>
+          </p:cNvPicPr>
+          <p:nvPr/>
+        </p:nvPicPr>
+        <p:blipFill rotWithShape="1">
+          <a:blip r:embed="rId2"/>
+          <a:srcRect b="31114"/>
+          <a:stretch/>
+        </p:blipFill>
+        <p:spPr>
+          <a:xfrm>
+            <a:off x="285750" y="1493564"/>
+            <a:ext cx="7888549" cy="4392489"/>
+          </a:xfrm>
+          <a:prstGeom prst="rect">
+            <a:avLst/>
+          </a:prstGeom>
+        </p:spPr>
+      </p:pic>
     </p:spTree>
     <p:extLst>
       <p:ext uri="{BB962C8B-B14F-4D97-AF65-F5344CB8AC3E}">
-        <p14:creationId xmlns:p14="http://schemas.microsoft.com/office/powerpoint/2010/main" val="1056702386"/>
+        <p14:creationId xmlns:p14="http://schemas.microsoft.com/office/powerpoint/2010/main" val="1285262812"/>
+      </p:ext>
+    </p:extLst>
+  </p:cSld>
+  <p:clrMapOvr>
+    <a:masterClrMapping/>
+  </p:clrMapOvr>
+</p:sld>
+</file>
+
+<file path=ppt/slides/slide19.xml><?xml version="1.0" encoding="utf-8"?>
+<p:sld xmlns:a="http://schemas.openxmlformats.org/drawingml/2006/main" xmlns:r="http://schemas.openxmlformats.org/officeDocument/2006/relationships" xmlns:p="http://schemas.openxmlformats.org/presentationml/2006/main">
+  <p:cSld>
+    <p:spTree>
+      <p:nvGrpSpPr>
+        <p:cNvPr id="1" name=""/>
+        <p:cNvGrpSpPr/>
+        <p:nvPr/>
+      </p:nvGrpSpPr>
+      <p:grpSpPr>
+        <a:xfrm>
+          <a:off x="0" y="0"/>
+          <a:ext cx="0" cy="0"/>
+          <a:chOff x="0" y="0"/>
+          <a:chExt cx="0" cy="0"/>
+        </a:xfrm>
+      </p:grpSpPr>
+      <p:sp>
+        <p:nvSpPr>
+          <p:cNvPr id="6147" name="Rectangle 1062">
+            <a:extLst>
+              <a:ext uri="{FF2B5EF4-FFF2-40B4-BE49-F238E27FC236}">
+                <a16:creationId xmlns:a16="http://schemas.microsoft.com/office/drawing/2014/main" id="{C46E9340-3256-8D55-A265-94F2F41E288E}"/>
+              </a:ext>
+            </a:extLst>
+          </p:cNvPr>
+          <p:cNvSpPr>
+            <a:spLocks noGrp="1" noChangeArrowheads="1"/>
+          </p:cNvSpPr>
+          <p:nvPr>
+            <p:ph type="title"/>
+          </p:nvPr>
+        </p:nvSpPr>
+        <p:spPr>
+          <a:xfrm>
+            <a:off x="285750" y="142875"/>
+            <a:ext cx="5654675" cy="706438"/>
+          </a:xfrm>
+        </p:spPr>
+        <p:txBody>
+          <a:bodyPr/>
+          <a:lstStyle/>
+          <a:p>
+            <a:r>
+              <a:rPr lang="de-DE" altLang="de-DE" dirty="0" err="1"/>
+              <a:t>GitLab</a:t>
+            </a:r>
+            <a:r>
+              <a:rPr lang="de-DE" altLang="de-DE" dirty="0"/>
+              <a:t> Releases</a:t>
+            </a:r>
+          </a:p>
+        </p:txBody>
+      </p:sp>
+      <p:pic>
+        <p:nvPicPr>
+          <p:cNvPr id="6" name="Grafik 5">
+            <a:extLst>
+              <a:ext uri="{FF2B5EF4-FFF2-40B4-BE49-F238E27FC236}">
+                <a16:creationId xmlns:a16="http://schemas.microsoft.com/office/drawing/2014/main" id="{7C90D3BA-42A3-A771-49E5-FDC2FBB8925D}"/>
+              </a:ext>
+            </a:extLst>
+          </p:cNvPr>
+          <p:cNvPicPr>
+            <a:picLocks noChangeAspect="1"/>
+          </p:cNvPicPr>
+          <p:nvPr/>
+        </p:nvPicPr>
+        <p:blipFill>
+          <a:blip r:embed="rId2"/>
+          <a:stretch>
+            <a:fillRect/>
+          </a:stretch>
+        </p:blipFill>
+        <p:spPr>
+          <a:xfrm>
+            <a:off x="259502" y="1694732"/>
+            <a:ext cx="8532440" cy="3468536"/>
+          </a:xfrm>
+          <a:prstGeom prst="rect">
+            <a:avLst/>
+          </a:prstGeom>
+        </p:spPr>
+      </p:pic>
+    </p:spTree>
+    <p:extLst>
+      <p:ext uri="{BB962C8B-B14F-4D97-AF65-F5344CB8AC3E}">
+        <p14:creationId xmlns:p14="http://schemas.microsoft.com/office/powerpoint/2010/main" val="1776497351"/>
       </p:ext>
     </p:extLst>
   </p:cSld>
@@ -8097,6 +7533,13 @@
               <a:buFont typeface="Arial" panose="020B0604020202020204" pitchFamily="34" charset="0"/>
               <a:buChar char="•"/>
             </a:pPr>
+            <a:endParaRPr lang="de-DE" altLang="de-DE" sz="1800" b="1" dirty="0"/>
+          </a:p>
+          <a:p>
+            <a:pPr>
+              <a:buFont typeface="Arial" panose="020B0604020202020204" pitchFamily="34" charset="0"/>
+              <a:buChar char="•"/>
+            </a:pPr>
             <a:r>
               <a:rPr lang="de-DE" altLang="de-DE" sz="1800" b="1" dirty="0"/>
               <a:t>Tag 1 – Einführung in </a:t>
@@ -8149,6 +7592,14 @@
               <a:rPr lang="de-DE" altLang="de-DE" sz="1400" dirty="0" err="1"/>
               <a:t>Git</a:t>
             </a:r>
+            <a:r>
+              <a:rPr lang="de-DE" altLang="de-DE" sz="1400" dirty="0"/>
+              <a:t> und </a:t>
+            </a:r>
+            <a:r>
+              <a:rPr lang="de-DE" altLang="de-DE" sz="1400" dirty="0" err="1"/>
+              <a:t>GitLab</a:t>
+            </a:r>
             <a:endParaRPr lang="de-DE" altLang="de-DE" sz="1400" dirty="0"/>
           </a:p>
           <a:p>
@@ -8170,7 +7621,7 @@
             </a:r>
             <a:r>
               <a:rPr lang="de-DE" altLang="de-DE" sz="1400" dirty="0"/>
-              <a:t> und </a:t>
+              <a:t> &amp; </a:t>
             </a:r>
             <a:r>
               <a:rPr lang="de-DE" altLang="de-DE" sz="1400" dirty="0" err="1"/>
@@ -8192,7 +7643,7 @@
             </a:r>
             <a:r>
               <a:rPr lang="de-DE" altLang="de-DE" sz="1400" dirty="0"/>
-              <a:t> Remote</a:t>
+              <a:t>-Workflow im Team</a:t>
             </a:r>
           </a:p>
           <a:p>
@@ -8200,15 +7651,30 @@
               <a:buFont typeface="Arial" panose="020B0604020202020204" pitchFamily="34" charset="0"/>
               <a:buChar char="•"/>
             </a:pPr>
-            <a:r>
-              <a:rPr lang="de-DE" altLang="de-DE" sz="1400" dirty="0"/>
-              <a:t>Grundlagen von </a:t>
-            </a:r>
-            <a:r>
-              <a:rPr lang="de-DE" altLang="de-DE" sz="1400" dirty="0" err="1"/>
-              <a:t>GitLab</a:t>
-            </a:r>
             <a:endParaRPr lang="de-DE" altLang="de-DE" sz="1400" dirty="0"/>
+          </a:p>
+          <a:p>
+            <a:pPr>
+              <a:buFont typeface="Arial" panose="020B0604020202020204" pitchFamily="34" charset="0"/>
+              <a:buChar char="•"/>
+            </a:pPr>
+            <a:r>
+              <a:rPr lang="de-DE" altLang="de-DE" sz="1800" b="1" dirty="0"/>
+              <a:t>Tag 2 – Vertiefung </a:t>
+            </a:r>
+            <a:r>
+              <a:rPr lang="de-DE" altLang="de-DE" sz="1800" b="1" dirty="0" err="1"/>
+              <a:t>Git</a:t>
+            </a:r>
+            <a:r>
+              <a:rPr lang="de-DE" altLang="de-DE" sz="1800" b="1" dirty="0"/>
+              <a:t>-Workflow, CI/CD &amp; </a:t>
+            </a:r>
+            <a:r>
+              <a:rPr lang="de-DE" altLang="de-DE" sz="1800" b="1" dirty="0" err="1"/>
+              <a:t>GitOps</a:t>
+            </a:r>
+            <a:endParaRPr lang="de-DE" altLang="de-DE" sz="1800" b="1" dirty="0"/>
           </a:p>
           <a:p>
             <a:pPr lvl="1">
@@ -8217,12 +7683,67 @@
             </a:pPr>
             <a:r>
               <a:rPr lang="de-DE" altLang="de-DE" sz="1400" dirty="0" err="1"/>
-              <a:t>Git</a:t>
+              <a:t>Gitflow</a:t>
             </a:r>
             <a:r>
               <a:rPr lang="de-DE" altLang="de-DE" sz="1400" dirty="0"/>
-              <a:t>-Workflow im Team</a:t>
-            </a:r>
+              <a:t>-Workflow</a:t>
+            </a:r>
+          </a:p>
+          <a:p>
+            <a:pPr lvl="1">
+              <a:buFont typeface="Arial" panose="020B0604020202020204" pitchFamily="34" charset="0"/>
+              <a:buChar char="•"/>
+            </a:pPr>
+            <a:r>
+              <a:rPr lang="de-DE" altLang="de-DE" sz="1400" dirty="0"/>
+              <a:t>Tags, Releases &amp; deren Verwaltung</a:t>
+            </a:r>
+          </a:p>
+          <a:p>
+            <a:pPr lvl="1">
+              <a:buFont typeface="Arial" panose="020B0604020202020204" pitchFamily="34" charset="0"/>
+              <a:buChar char="•"/>
+            </a:pPr>
+            <a:r>
+              <a:rPr lang="de-DE" altLang="de-DE" sz="1400" dirty="0"/>
+              <a:t>Einführung in </a:t>
+            </a:r>
+            <a:r>
+              <a:rPr lang="de-DE" altLang="de-DE" sz="1400" dirty="0" err="1"/>
+              <a:t>GitLab</a:t>
+            </a:r>
+            <a:r>
+              <a:rPr lang="de-DE" altLang="de-DE" sz="1400" dirty="0"/>
+              <a:t> CI/CD &amp; </a:t>
+            </a:r>
+            <a:r>
+              <a:rPr lang="de-DE" altLang="de-DE" sz="1400" dirty="0" err="1"/>
+              <a:t>gitlab.yml</a:t>
+            </a:r>
+            <a:endParaRPr lang="de-DE" altLang="de-DE" sz="1400" dirty="0"/>
+          </a:p>
+          <a:p>
+            <a:pPr lvl="1">
+              <a:buFont typeface="Arial" panose="020B0604020202020204" pitchFamily="34" charset="0"/>
+              <a:buChar char="•"/>
+            </a:pPr>
+            <a:r>
+              <a:rPr lang="de-DE" altLang="de-DE" sz="1400" dirty="0"/>
+              <a:t>Grundlagen von </a:t>
+            </a:r>
+            <a:r>
+              <a:rPr lang="de-DE" altLang="de-DE" sz="1400" dirty="0" err="1"/>
+              <a:t>GitOps</a:t>
+            </a:r>
+            <a:endParaRPr lang="de-DE" altLang="de-DE" sz="1400" dirty="0"/>
+          </a:p>
+          <a:p>
+            <a:pPr lvl="1">
+              <a:buFont typeface="Arial" panose="020B0604020202020204" pitchFamily="34" charset="0"/>
+              <a:buChar char="•"/>
+            </a:pPr>
+            <a:endParaRPr lang="de-DE" altLang="de-DE" sz="1400" dirty="0"/>
           </a:p>
           <a:p>
             <a:pPr>
@@ -8231,15 +7752,7 @@
             </a:pPr>
             <a:r>
               <a:rPr lang="de-DE" altLang="de-DE" sz="1800" b="1" dirty="0"/>
-              <a:t>Tag 2 – Vertiefung </a:t>
-            </a:r>
-            <a:r>
-              <a:rPr lang="de-DE" altLang="de-DE" sz="1800" b="1" dirty="0" err="1"/>
-              <a:t>Git</a:t>
-            </a:r>
-            <a:r>
-              <a:rPr lang="de-DE" altLang="de-DE" sz="1800" b="1" dirty="0"/>
-              <a:t>-Workflow, CI/CD &amp; </a:t>
+              <a:t>Tag 3 – Docker in der Entwicklung, </a:t>
             </a:r>
             <a:r>
               <a:rPr lang="de-DE" altLang="de-DE" sz="1800" b="1" dirty="0" err="1"/>
@@ -8247,7 +7760,15 @@
             </a:r>
             <a:r>
               <a:rPr lang="de-DE" altLang="de-DE" sz="1800" b="1" dirty="0"/>
-              <a:t> CI </a:t>
+              <a:t> CI und </a:t>
+            </a:r>
+            <a:r>
+              <a:rPr lang="de-DE" altLang="de-DE" sz="1800" b="1" dirty="0" err="1"/>
+              <a:t>Deployment</a:t>
+            </a:r>
+            <a:r>
+              <a:rPr lang="de-DE" altLang="de-DE" sz="1800" b="1" dirty="0"/>
+              <a:t>-Strategien</a:t>
             </a:r>
           </a:p>
           <a:p>
@@ -8256,12 +7777,8 @@
               <a:buChar char="•"/>
             </a:pPr>
             <a:r>
-              <a:rPr lang="de-DE" altLang="de-DE" sz="1400" dirty="0" err="1"/>
-              <a:t>Gitflow</a:t>
-            </a:r>
-            <a:r>
               <a:rPr lang="de-DE" altLang="de-DE" sz="1400" dirty="0"/>
-              <a:t>-Workflow</a:t>
+              <a:t>Lokale Entwicklung mit Docker</a:t>
             </a:r>
           </a:p>
           <a:p>
@@ -8270,8 +7787,12 @@
               <a:buChar char="•"/>
             </a:pPr>
             <a:r>
+              <a:rPr lang="de-DE" altLang="de-DE" sz="1400" dirty="0" err="1"/>
+              <a:t>GitLab</a:t>
+            </a:r>
+            <a:r>
               <a:rPr lang="de-DE" altLang="de-DE" sz="1400" dirty="0"/>
-              <a:t>Tags, Releases &amp; deren Verwaltung</a:t>
+              <a:t>-Runner &amp; Docker-Registry</a:t>
             </a:r>
           </a:p>
           <a:p>
@@ -8280,12 +7801,16 @@
               <a:buChar char="•"/>
             </a:pPr>
             <a:r>
+              <a:rPr lang="de-DE" altLang="de-DE" sz="1400" dirty="0"/>
+              <a:t>Erstellen von Release- und </a:t>
+            </a:r>
+            <a:r>
               <a:rPr lang="de-DE" altLang="de-DE" sz="1400" dirty="0" err="1"/>
-              <a:t>GitLab</a:t>
+              <a:t>Tagged</a:t>
             </a:r>
             <a:r>
               <a:rPr lang="de-DE" altLang="de-DE" sz="1400" dirty="0"/>
-              <a:t>-Runner</a:t>
+              <a:t>-Images</a:t>
             </a:r>
           </a:p>
           <a:p>
@@ -8295,107 +7820,6 @@
             </a:pPr>
             <a:r>
               <a:rPr lang="de-DE" altLang="de-DE" sz="1400" dirty="0"/>
-              <a:t>Einführung in </a:t>
-            </a:r>
-            <a:r>
-              <a:rPr lang="de-DE" altLang="de-DE" sz="1400" dirty="0" err="1"/>
-              <a:t>GitLab</a:t>
-            </a:r>
-            <a:r>
-              <a:rPr lang="de-DE" altLang="de-DE" sz="1400" dirty="0"/>
-              <a:t> CI/CD &amp; </a:t>
-            </a:r>
-            <a:r>
-              <a:rPr lang="de-DE" altLang="de-DE" sz="1400" dirty="0" err="1"/>
-              <a:t>gitlab.yml</a:t>
-            </a:r>
-            <a:endParaRPr lang="de-DE" altLang="de-DE" sz="1400" dirty="0"/>
-          </a:p>
-          <a:p>
-            <a:pPr>
-              <a:buFont typeface="Arial" panose="020B0604020202020204" pitchFamily="34" charset="0"/>
-              <a:buChar char="•"/>
-            </a:pPr>
-            <a:r>
-              <a:rPr lang="de-DE" altLang="de-DE" sz="1800" b="1" dirty="0"/>
-              <a:t>Tag 3 – </a:t>
-            </a:r>
-            <a:r>
-              <a:rPr lang="de-DE" altLang="de-DE" sz="1800" b="1" dirty="0" err="1"/>
-              <a:t>GitOps</a:t>
-            </a:r>
-            <a:r>
-              <a:rPr lang="de-DE" altLang="de-DE" sz="1800" b="1" dirty="0"/>
-              <a:t>, Docker in der Entwicklung und </a:t>
-            </a:r>
-            <a:r>
-              <a:rPr lang="de-DE" altLang="de-DE" sz="1800" b="1" dirty="0" err="1"/>
-              <a:t>Deployment</a:t>
-            </a:r>
-            <a:r>
-              <a:rPr lang="de-DE" altLang="de-DE" sz="1800" b="1" dirty="0"/>
-              <a:t>-Strategien</a:t>
-            </a:r>
-          </a:p>
-          <a:p>
-            <a:pPr lvl="1">
-              <a:buFont typeface="Arial" panose="020B0604020202020204" pitchFamily="34" charset="0"/>
-              <a:buChar char="•"/>
-            </a:pPr>
-            <a:r>
-              <a:rPr lang="de-DE" altLang="de-DE" sz="1400" dirty="0" err="1"/>
-              <a:t>GitOps</a:t>
-            </a:r>
-            <a:r>
-              <a:rPr lang="de-DE" altLang="de-DE" sz="1400" dirty="0"/>
-              <a:t> Grundlagen</a:t>
-            </a:r>
-          </a:p>
-          <a:p>
-            <a:pPr lvl="1">
-              <a:buFont typeface="Arial" panose="020B0604020202020204" pitchFamily="34" charset="0"/>
-              <a:buChar char="•"/>
-            </a:pPr>
-            <a:r>
-              <a:rPr lang="de-DE" altLang="de-DE" sz="1400" dirty="0"/>
-              <a:t>Lokale Entwicklung mit Docker</a:t>
-            </a:r>
-          </a:p>
-          <a:p>
-            <a:pPr lvl="1">
-              <a:buFont typeface="Arial" panose="020B0604020202020204" pitchFamily="34" charset="0"/>
-              <a:buChar char="•"/>
-            </a:pPr>
-            <a:r>
-              <a:rPr lang="de-DE" altLang="de-DE" sz="1400" dirty="0"/>
-              <a:t>Container/Docker-Registry</a:t>
-            </a:r>
-          </a:p>
-          <a:p>
-            <a:pPr lvl="1">
-              <a:buFont typeface="Arial" panose="020B0604020202020204" pitchFamily="34" charset="0"/>
-              <a:buChar char="•"/>
-            </a:pPr>
-            <a:r>
-              <a:rPr lang="de-DE" altLang="de-DE" sz="1400" dirty="0"/>
-              <a:t>Erstellen von Release- und </a:t>
-            </a:r>
-            <a:r>
-              <a:rPr lang="de-DE" altLang="de-DE" sz="1400" dirty="0" err="1"/>
-              <a:t>Tagged</a:t>
-            </a:r>
-            <a:r>
-              <a:rPr lang="de-DE" altLang="de-DE" sz="1400" dirty="0"/>
-              <a:t>-Images</a:t>
-            </a:r>
-          </a:p>
-          <a:p>
-            <a:pPr lvl="1">
-              <a:buFont typeface="Arial" panose="020B0604020202020204" pitchFamily="34" charset="0"/>
-              <a:buChar char="•"/>
-            </a:pPr>
-            <a:r>
-              <a:rPr lang="de-DE" altLang="de-DE" sz="1400" dirty="0"/>
               <a:t>Möglichkeiten des </a:t>
             </a:r>
             <a:r>
@@ -8405,16 +7829,6 @@
             <a:r>
               <a:rPr lang="de-DE" altLang="de-DE" sz="1400" dirty="0"/>
               <a:t> &amp; Verwaltung von Konfiguration</a:t>
-            </a:r>
-          </a:p>
-          <a:p>
-            <a:pPr lvl="1">
-              <a:buFont typeface="Arial" panose="020B0604020202020204" pitchFamily="34" charset="0"/>
-              <a:buChar char="•"/>
-            </a:pPr>
-            <a:r>
-              <a:rPr lang="de-DE" altLang="de-DE" sz="1400" dirty="0"/>
-              <a:t>Abschlussübung &amp; Diskussion</a:t>
             </a:r>
           </a:p>
           <a:p>
@@ -8468,259 +7882,6 @@
 </file>
 
 <file path=ppt/slides/slide20.xml><?xml version="1.0" encoding="utf-8"?>
-<p:sld xmlns:a="http://schemas.openxmlformats.org/drawingml/2006/main" xmlns:r="http://schemas.openxmlformats.org/officeDocument/2006/relationships" xmlns:p="http://schemas.openxmlformats.org/presentationml/2006/main">
-  <p:cSld>
-    <p:spTree>
-      <p:nvGrpSpPr>
-        <p:cNvPr id="1" name=""/>
-        <p:cNvGrpSpPr/>
-        <p:nvPr/>
-      </p:nvGrpSpPr>
-      <p:grpSpPr>
-        <a:xfrm>
-          <a:off x="0" y="0"/>
-          <a:ext cx="0" cy="0"/>
-          <a:chOff x="0" y="0"/>
-          <a:chExt cx="0" cy="0"/>
-        </a:xfrm>
-      </p:grpSpPr>
-      <p:sp>
-        <p:nvSpPr>
-          <p:cNvPr id="6146" name="Inhaltsplatzhalter 18">
-            <a:extLst>
-              <a:ext uri="{FF2B5EF4-FFF2-40B4-BE49-F238E27FC236}">
-                <a16:creationId xmlns:a16="http://schemas.microsoft.com/office/drawing/2014/main" id="{BE3C4C95-FD5D-27F0-ED0C-AB8113CAC9F1}"/>
-              </a:ext>
-            </a:extLst>
-          </p:cNvPr>
-          <p:cNvSpPr>
-            <a:spLocks noGrp="1"/>
-          </p:cNvSpPr>
-          <p:nvPr>
-            <p:ph idx="1"/>
-          </p:nvPr>
-        </p:nvSpPr>
-        <p:spPr>
-          <a:xfrm>
-            <a:off x="303214" y="981075"/>
-            <a:ext cx="8517258" cy="5400675"/>
-          </a:xfrm>
-        </p:spPr>
-        <p:txBody>
-          <a:bodyPr/>
-          <a:lstStyle/>
-          <a:p>
-            <a:r>
-              <a:rPr lang="de-DE" altLang="de-DE" dirty="0"/>
-              <a:t>Releases können unter </a:t>
-            </a:r>
-            <a:r>
-              <a:rPr lang="de-DE" altLang="de-DE" b="1" dirty="0"/>
-              <a:t>Deploy</a:t>
-            </a:r>
-            <a:r>
-              <a:rPr lang="de-DE" altLang="de-DE" dirty="0"/>
-              <a:t> </a:t>
-            </a:r>
-            <a:r>
-              <a:rPr lang="de-DE" altLang="de-DE" dirty="0">
-                <a:sym typeface="Wingdings" panose="05000000000000000000" pitchFamily="2" charset="2"/>
-              </a:rPr>
-              <a:t> </a:t>
-            </a:r>
-            <a:r>
-              <a:rPr lang="de-DE" altLang="de-DE" b="1" dirty="0">
-                <a:sym typeface="Wingdings" panose="05000000000000000000" pitchFamily="2" charset="2"/>
-              </a:rPr>
-              <a:t>Releases</a:t>
-            </a:r>
-            <a:r>
-              <a:rPr lang="de-DE" altLang="de-DE" dirty="0">
-                <a:sym typeface="Wingdings" panose="05000000000000000000" pitchFamily="2" charset="2"/>
-              </a:rPr>
-              <a:t> angelegt werden</a:t>
-            </a:r>
-            <a:endParaRPr lang="de-DE" altLang="de-DE" dirty="0"/>
-          </a:p>
-        </p:txBody>
-      </p:sp>
-      <p:sp>
-        <p:nvSpPr>
-          <p:cNvPr id="6147" name="Rectangle 1062">
-            <a:extLst>
-              <a:ext uri="{FF2B5EF4-FFF2-40B4-BE49-F238E27FC236}">
-                <a16:creationId xmlns:a16="http://schemas.microsoft.com/office/drawing/2014/main" id="{C46E9340-3256-8D55-A265-94F2F41E288E}"/>
-              </a:ext>
-            </a:extLst>
-          </p:cNvPr>
-          <p:cNvSpPr>
-            <a:spLocks noGrp="1" noChangeArrowheads="1"/>
-          </p:cNvSpPr>
-          <p:nvPr>
-            <p:ph type="title"/>
-          </p:nvPr>
-        </p:nvSpPr>
-        <p:spPr>
-          <a:xfrm>
-            <a:off x="285750" y="142875"/>
-            <a:ext cx="5654675" cy="706438"/>
-          </a:xfrm>
-        </p:spPr>
-        <p:txBody>
-          <a:bodyPr/>
-          <a:lstStyle/>
-          <a:p>
-            <a:r>
-              <a:rPr lang="de-DE" altLang="de-DE" dirty="0" err="1"/>
-              <a:t>GitLab</a:t>
-            </a:r>
-            <a:r>
-              <a:rPr lang="de-DE" altLang="de-DE" dirty="0"/>
-              <a:t> Releases</a:t>
-            </a:r>
-          </a:p>
-        </p:txBody>
-      </p:sp>
-      <p:pic>
-        <p:nvPicPr>
-          <p:cNvPr id="5" name="Grafik 4">
-            <a:extLst>
-              <a:ext uri="{FF2B5EF4-FFF2-40B4-BE49-F238E27FC236}">
-                <a16:creationId xmlns:a16="http://schemas.microsoft.com/office/drawing/2014/main" id="{134E5B83-0C7F-E287-EA72-D380E173405C}"/>
-              </a:ext>
-            </a:extLst>
-          </p:cNvPr>
-          <p:cNvPicPr>
-            <a:picLocks noChangeAspect="1"/>
-          </p:cNvPicPr>
-          <p:nvPr/>
-        </p:nvPicPr>
-        <p:blipFill rotWithShape="1">
-          <a:blip r:embed="rId2"/>
-          <a:srcRect b="31114"/>
-          <a:stretch/>
-        </p:blipFill>
-        <p:spPr>
-          <a:xfrm>
-            <a:off x="285750" y="1493564"/>
-            <a:ext cx="7888549" cy="4392489"/>
-          </a:xfrm>
-          <a:prstGeom prst="rect">
-            <a:avLst/>
-          </a:prstGeom>
-        </p:spPr>
-      </p:pic>
-    </p:spTree>
-    <p:extLst>
-      <p:ext uri="{BB962C8B-B14F-4D97-AF65-F5344CB8AC3E}">
-        <p14:creationId xmlns:p14="http://schemas.microsoft.com/office/powerpoint/2010/main" val="1285262812"/>
-      </p:ext>
-    </p:extLst>
-  </p:cSld>
-  <p:clrMapOvr>
-    <a:masterClrMapping/>
-  </p:clrMapOvr>
-</p:sld>
-</file>
-
-<file path=ppt/slides/slide21.xml><?xml version="1.0" encoding="utf-8"?>
-<p:sld xmlns:a="http://schemas.openxmlformats.org/drawingml/2006/main" xmlns:r="http://schemas.openxmlformats.org/officeDocument/2006/relationships" xmlns:p="http://schemas.openxmlformats.org/presentationml/2006/main">
-  <p:cSld>
-    <p:spTree>
-      <p:nvGrpSpPr>
-        <p:cNvPr id="1" name=""/>
-        <p:cNvGrpSpPr/>
-        <p:nvPr/>
-      </p:nvGrpSpPr>
-      <p:grpSpPr>
-        <a:xfrm>
-          <a:off x="0" y="0"/>
-          <a:ext cx="0" cy="0"/>
-          <a:chOff x="0" y="0"/>
-          <a:chExt cx="0" cy="0"/>
-        </a:xfrm>
-      </p:grpSpPr>
-      <p:sp>
-        <p:nvSpPr>
-          <p:cNvPr id="6147" name="Rectangle 1062">
-            <a:extLst>
-              <a:ext uri="{FF2B5EF4-FFF2-40B4-BE49-F238E27FC236}">
-                <a16:creationId xmlns:a16="http://schemas.microsoft.com/office/drawing/2014/main" id="{C46E9340-3256-8D55-A265-94F2F41E288E}"/>
-              </a:ext>
-            </a:extLst>
-          </p:cNvPr>
-          <p:cNvSpPr>
-            <a:spLocks noGrp="1" noChangeArrowheads="1"/>
-          </p:cNvSpPr>
-          <p:nvPr>
-            <p:ph type="title"/>
-          </p:nvPr>
-        </p:nvSpPr>
-        <p:spPr>
-          <a:xfrm>
-            <a:off x="285750" y="142875"/>
-            <a:ext cx="5654675" cy="706438"/>
-          </a:xfrm>
-        </p:spPr>
-        <p:txBody>
-          <a:bodyPr/>
-          <a:lstStyle/>
-          <a:p>
-            <a:r>
-              <a:rPr lang="de-DE" altLang="de-DE" dirty="0" err="1"/>
-              <a:t>GitLab</a:t>
-            </a:r>
-            <a:r>
-              <a:rPr lang="de-DE" altLang="de-DE" dirty="0"/>
-              <a:t> Releases</a:t>
-            </a:r>
-          </a:p>
-        </p:txBody>
-      </p:sp>
-      <p:pic>
-        <p:nvPicPr>
-          <p:cNvPr id="6" name="Grafik 5">
-            <a:extLst>
-              <a:ext uri="{FF2B5EF4-FFF2-40B4-BE49-F238E27FC236}">
-                <a16:creationId xmlns:a16="http://schemas.microsoft.com/office/drawing/2014/main" id="{7C90D3BA-42A3-A771-49E5-FDC2FBB8925D}"/>
-              </a:ext>
-            </a:extLst>
-          </p:cNvPr>
-          <p:cNvPicPr>
-            <a:picLocks noChangeAspect="1"/>
-          </p:cNvPicPr>
-          <p:nvPr/>
-        </p:nvPicPr>
-        <p:blipFill>
-          <a:blip r:embed="rId2"/>
-          <a:stretch>
-            <a:fillRect/>
-          </a:stretch>
-        </p:blipFill>
-        <p:spPr>
-          <a:xfrm>
-            <a:off x="259502" y="1694732"/>
-            <a:ext cx="8532440" cy="3468536"/>
-          </a:xfrm>
-          <a:prstGeom prst="rect">
-            <a:avLst/>
-          </a:prstGeom>
-        </p:spPr>
-      </p:pic>
-    </p:spTree>
-    <p:extLst>
-      <p:ext uri="{BB962C8B-B14F-4D97-AF65-F5344CB8AC3E}">
-        <p14:creationId xmlns:p14="http://schemas.microsoft.com/office/powerpoint/2010/main" val="1776497351"/>
-      </p:ext>
-    </p:extLst>
-  </p:cSld>
-  <p:clrMapOvr>
-    <a:masterClrMapping/>
-  </p:clrMapOvr>
-</p:sld>
-</file>
-
-<file path=ppt/slides/slide22.xml><?xml version="1.0" encoding="utf-8"?>
 <p:sld xmlns:a="http://schemas.openxmlformats.org/drawingml/2006/main" xmlns:r="http://schemas.openxmlformats.org/officeDocument/2006/relationships" xmlns:p="http://schemas.openxmlformats.org/presentationml/2006/main">
   <p:cSld>
     <p:spTree>
@@ -8938,364 +8099,10 @@
       </p:grpSpPr>
       <p:sp>
         <p:nvSpPr>
-          <p:cNvPr id="6146" name="Inhaltsplatzhalter 18">
+          <p:cNvPr id="5123" name="Rectangle 6">
             <a:extLst>
               <a:ext uri="{FF2B5EF4-FFF2-40B4-BE49-F238E27FC236}">
-                <a16:creationId xmlns:a16="http://schemas.microsoft.com/office/drawing/2014/main" id="{BE3C4C95-FD5D-27F0-ED0C-AB8113CAC9F1}"/>
-              </a:ext>
-            </a:extLst>
-          </p:cNvPr>
-          <p:cNvSpPr>
-            <a:spLocks noGrp="1"/>
-          </p:cNvSpPr>
-          <p:nvPr>
-            <p:ph idx="1"/>
-          </p:nvPr>
-        </p:nvSpPr>
-        <p:spPr/>
-        <p:txBody>
-          <a:bodyPr/>
-          <a:lstStyle/>
-          <a:p>
-            <a:pPr>
-              <a:buFont typeface="Arial" panose="020B0604020202020204" pitchFamily="34" charset="0"/>
-              <a:buChar char="•"/>
-            </a:pPr>
-            <a:r>
-              <a:rPr lang="de-DE" altLang="de-DE" sz="1800" b="1" dirty="0"/>
-              <a:t>Tag 1 – Einführung in </a:t>
-            </a:r>
-            <a:r>
-              <a:rPr lang="de-DE" altLang="de-DE" sz="1800" b="1" dirty="0" err="1"/>
-              <a:t>Git</a:t>
-            </a:r>
-            <a:r>
-              <a:rPr lang="de-DE" altLang="de-DE" sz="1800" b="1" dirty="0"/>
-              <a:t> und </a:t>
-            </a:r>
-            <a:r>
-              <a:rPr lang="de-DE" altLang="de-DE" sz="1800" b="1" dirty="0" err="1"/>
-              <a:t>GitLab</a:t>
-            </a:r>
-            <a:r>
-              <a:rPr lang="de-DE" altLang="de-DE" sz="1800" b="1" dirty="0"/>
-              <a:t>, </a:t>
-            </a:r>
-            <a:r>
-              <a:rPr lang="de-DE" altLang="de-DE" sz="1800" b="1" dirty="0" err="1"/>
-              <a:t>Git</a:t>
-            </a:r>
-            <a:r>
-              <a:rPr lang="de-DE" altLang="de-DE" sz="1800" b="1" dirty="0"/>
-              <a:t>-Workflow im Team</a:t>
-            </a:r>
-          </a:p>
-          <a:p>
-            <a:pPr lvl="1">
-              <a:buFont typeface="Arial" panose="020B0604020202020204" pitchFamily="34" charset="0"/>
-              <a:buChar char="•"/>
-            </a:pPr>
-            <a:r>
-              <a:rPr lang="de-DE" altLang="de-DE" sz="1400" dirty="0"/>
-              <a:t>Einführung &amp; Kursüberblick</a:t>
-            </a:r>
-          </a:p>
-          <a:p>
-            <a:pPr lvl="1">
-              <a:buFont typeface="Arial" panose="020B0604020202020204" pitchFamily="34" charset="0"/>
-              <a:buChar char="•"/>
-            </a:pPr>
-            <a:r>
-              <a:rPr lang="de-DE" altLang="de-DE" sz="1400" dirty="0"/>
-              <a:t>Grundlagen von </a:t>
-            </a:r>
-            <a:r>
-              <a:rPr lang="de-DE" altLang="de-DE" sz="1400" dirty="0" err="1"/>
-              <a:t>Git</a:t>
-            </a:r>
-            <a:endParaRPr lang="de-DE" altLang="de-DE" sz="1400" dirty="0"/>
-          </a:p>
-          <a:p>
-            <a:pPr lvl="1">
-              <a:buFont typeface="Arial" panose="020B0604020202020204" pitchFamily="34" charset="0"/>
-              <a:buChar char="•"/>
-            </a:pPr>
-            <a:r>
-              <a:rPr lang="de-DE" altLang="de-DE" sz="1400" dirty="0" err="1"/>
-              <a:t>Git</a:t>
-            </a:r>
-            <a:r>
-              <a:rPr lang="de-DE" altLang="de-DE" sz="1400" dirty="0"/>
-              <a:t> </a:t>
-            </a:r>
-            <a:r>
-              <a:rPr lang="de-DE" altLang="de-DE" sz="1400" dirty="0" err="1"/>
-              <a:t>Rebase</a:t>
-            </a:r>
-            <a:r>
-              <a:rPr lang="de-DE" altLang="de-DE" sz="1400" dirty="0"/>
-              <a:t> und </a:t>
-            </a:r>
-            <a:r>
-              <a:rPr lang="de-DE" altLang="de-DE" sz="1400" dirty="0" err="1"/>
-              <a:t>Merge</a:t>
-            </a:r>
-            <a:r>
-              <a:rPr lang="de-DE" altLang="de-DE" sz="1400" dirty="0"/>
-              <a:t>-Strategien</a:t>
-            </a:r>
-          </a:p>
-          <a:p>
-            <a:pPr lvl="1">
-              <a:buFont typeface="Arial" panose="020B0604020202020204" pitchFamily="34" charset="0"/>
-              <a:buChar char="•"/>
-            </a:pPr>
-            <a:r>
-              <a:rPr lang="de-DE" altLang="de-DE" sz="1400" dirty="0" err="1"/>
-              <a:t>Git</a:t>
-            </a:r>
-            <a:r>
-              <a:rPr lang="de-DE" altLang="de-DE" sz="1400" dirty="0"/>
-              <a:t> Remote</a:t>
-            </a:r>
-          </a:p>
-          <a:p>
-            <a:pPr lvl="1">
-              <a:buFont typeface="Arial" panose="020B0604020202020204" pitchFamily="34" charset="0"/>
-              <a:buChar char="•"/>
-            </a:pPr>
-            <a:r>
-              <a:rPr lang="de-DE" altLang="de-DE" sz="1400" dirty="0"/>
-              <a:t>Grundlagen von </a:t>
-            </a:r>
-            <a:r>
-              <a:rPr lang="de-DE" altLang="de-DE" sz="1400" dirty="0" err="1"/>
-              <a:t>GitLab</a:t>
-            </a:r>
-            <a:endParaRPr lang="de-DE" altLang="de-DE" sz="1400" dirty="0"/>
-          </a:p>
-          <a:p>
-            <a:pPr lvl="1">
-              <a:buFont typeface="Arial" panose="020B0604020202020204" pitchFamily="34" charset="0"/>
-              <a:buChar char="•"/>
-            </a:pPr>
-            <a:r>
-              <a:rPr lang="de-DE" altLang="de-DE" sz="1400" dirty="0" err="1"/>
-              <a:t>Git</a:t>
-            </a:r>
-            <a:r>
-              <a:rPr lang="de-DE" altLang="de-DE" sz="1400" dirty="0"/>
-              <a:t>-Workflow im Team</a:t>
-            </a:r>
-          </a:p>
-          <a:p>
-            <a:pPr>
-              <a:buFont typeface="Arial" panose="020B0604020202020204" pitchFamily="34" charset="0"/>
-              <a:buChar char="•"/>
-            </a:pPr>
-            <a:r>
-              <a:rPr lang="de-DE" altLang="de-DE" sz="1800" b="1" dirty="0"/>
-              <a:t>Tag 2 – Vertiefung </a:t>
-            </a:r>
-            <a:r>
-              <a:rPr lang="de-DE" altLang="de-DE" sz="1800" b="1" dirty="0" err="1"/>
-              <a:t>Git</a:t>
-            </a:r>
-            <a:r>
-              <a:rPr lang="de-DE" altLang="de-DE" sz="1800" b="1" dirty="0"/>
-              <a:t>-Workflow, CI/CD &amp; </a:t>
-            </a:r>
-            <a:r>
-              <a:rPr lang="de-DE" altLang="de-DE" sz="1800" b="1" dirty="0" err="1"/>
-              <a:t>GitLab</a:t>
-            </a:r>
-            <a:r>
-              <a:rPr lang="de-DE" altLang="de-DE" sz="1800" b="1" dirty="0"/>
-              <a:t> CI </a:t>
-            </a:r>
-          </a:p>
-          <a:p>
-            <a:pPr lvl="1">
-              <a:buFont typeface="Arial" panose="020B0604020202020204" pitchFamily="34" charset="0"/>
-              <a:buChar char="•"/>
-            </a:pPr>
-            <a:r>
-              <a:rPr lang="de-DE" altLang="de-DE" sz="1400" dirty="0" err="1"/>
-              <a:t>Gitflow</a:t>
-            </a:r>
-            <a:r>
-              <a:rPr lang="de-DE" altLang="de-DE" sz="1400" dirty="0"/>
-              <a:t>-Workflow</a:t>
-            </a:r>
-          </a:p>
-          <a:p>
-            <a:pPr lvl="1">
-              <a:buFont typeface="Arial" panose="020B0604020202020204" pitchFamily="34" charset="0"/>
-              <a:buChar char="•"/>
-            </a:pPr>
-            <a:r>
-              <a:rPr lang="de-DE" altLang="de-DE" sz="1400" u="sng" dirty="0"/>
-              <a:t>Tags, Releases &amp; deren Verwaltung</a:t>
-            </a:r>
-          </a:p>
-          <a:p>
-            <a:pPr lvl="1">
-              <a:buFont typeface="Arial" panose="020B0604020202020204" pitchFamily="34" charset="0"/>
-              <a:buChar char="•"/>
-            </a:pPr>
-            <a:r>
-              <a:rPr lang="de-DE" altLang="de-DE" sz="1400" dirty="0" err="1"/>
-              <a:t>GitLab</a:t>
-            </a:r>
-            <a:r>
-              <a:rPr lang="de-DE" altLang="de-DE" sz="1400" dirty="0"/>
-              <a:t>-Runner</a:t>
-            </a:r>
-          </a:p>
-          <a:p>
-            <a:pPr lvl="1">
-              <a:buFont typeface="Arial" panose="020B0604020202020204" pitchFamily="34" charset="0"/>
-              <a:buChar char="•"/>
-            </a:pPr>
-            <a:r>
-              <a:rPr lang="de-DE" altLang="de-DE" sz="1400" dirty="0"/>
-              <a:t>Einführung in </a:t>
-            </a:r>
-            <a:r>
-              <a:rPr lang="de-DE" altLang="de-DE" sz="1400" dirty="0" err="1"/>
-              <a:t>GitLab</a:t>
-            </a:r>
-            <a:r>
-              <a:rPr lang="de-DE" altLang="de-DE" sz="1400" dirty="0"/>
-              <a:t> CI/CD &amp; </a:t>
-            </a:r>
-            <a:r>
-              <a:rPr lang="de-DE" altLang="de-DE" sz="1400" dirty="0" err="1"/>
-              <a:t>gitlab.yml</a:t>
-            </a:r>
-            <a:endParaRPr lang="de-DE" altLang="de-DE" sz="1400" dirty="0"/>
-          </a:p>
-          <a:p>
-            <a:pPr>
-              <a:buFont typeface="Arial" panose="020B0604020202020204" pitchFamily="34" charset="0"/>
-              <a:buChar char="•"/>
-            </a:pPr>
-            <a:r>
-              <a:rPr lang="de-DE" altLang="de-DE" sz="1800" b="1" dirty="0"/>
-              <a:t>Tag 3 – </a:t>
-            </a:r>
-            <a:r>
-              <a:rPr lang="de-DE" altLang="de-DE" sz="1800" b="1" dirty="0" err="1"/>
-              <a:t>GitOps</a:t>
-            </a:r>
-            <a:r>
-              <a:rPr lang="de-DE" altLang="de-DE" sz="1800" b="1" dirty="0"/>
-              <a:t>, Docker in der Entwicklung und </a:t>
-            </a:r>
-            <a:r>
-              <a:rPr lang="de-DE" altLang="de-DE" sz="1800" b="1" dirty="0" err="1"/>
-              <a:t>Deployment</a:t>
-            </a:r>
-            <a:r>
-              <a:rPr lang="de-DE" altLang="de-DE" sz="1800" b="1" dirty="0"/>
-              <a:t>-Strategien</a:t>
-            </a:r>
-          </a:p>
-          <a:p>
-            <a:pPr lvl="1">
-              <a:buFont typeface="Arial" panose="020B0604020202020204" pitchFamily="34" charset="0"/>
-              <a:buChar char="•"/>
-            </a:pPr>
-            <a:r>
-              <a:rPr lang="de-DE" altLang="de-DE" sz="1400" dirty="0" err="1"/>
-              <a:t>GitOps</a:t>
-            </a:r>
-            <a:r>
-              <a:rPr lang="de-DE" altLang="de-DE" sz="1400" dirty="0"/>
-              <a:t> Grundlagen</a:t>
-            </a:r>
-          </a:p>
-          <a:p>
-            <a:pPr lvl="1">
-              <a:buFont typeface="Arial" panose="020B0604020202020204" pitchFamily="34" charset="0"/>
-              <a:buChar char="•"/>
-            </a:pPr>
-            <a:r>
-              <a:rPr lang="de-DE" altLang="de-DE" sz="1400" dirty="0"/>
-              <a:t>Lokale Entwicklung mit Docker</a:t>
-            </a:r>
-          </a:p>
-          <a:p>
-            <a:pPr lvl="1">
-              <a:buFont typeface="Arial" panose="020B0604020202020204" pitchFamily="34" charset="0"/>
-              <a:buChar char="•"/>
-            </a:pPr>
-            <a:r>
-              <a:rPr lang="de-DE" altLang="de-DE" sz="1400" dirty="0"/>
-              <a:t>Container/Docker-Registry</a:t>
-            </a:r>
-          </a:p>
-          <a:p>
-            <a:pPr lvl="1">
-              <a:buFont typeface="Arial" panose="020B0604020202020204" pitchFamily="34" charset="0"/>
-              <a:buChar char="•"/>
-            </a:pPr>
-            <a:r>
-              <a:rPr lang="de-DE" altLang="de-DE" sz="1400" dirty="0"/>
-              <a:t>Erstellen von Release- und </a:t>
-            </a:r>
-            <a:r>
-              <a:rPr lang="de-DE" altLang="de-DE" sz="1400" dirty="0" err="1"/>
-              <a:t>Tagged</a:t>
-            </a:r>
-            <a:r>
-              <a:rPr lang="de-DE" altLang="de-DE" sz="1400" dirty="0"/>
-              <a:t>-Images</a:t>
-            </a:r>
-          </a:p>
-          <a:p>
-            <a:pPr lvl="1">
-              <a:buFont typeface="Arial" panose="020B0604020202020204" pitchFamily="34" charset="0"/>
-              <a:buChar char="•"/>
-            </a:pPr>
-            <a:r>
-              <a:rPr lang="de-DE" altLang="de-DE" sz="1400" dirty="0"/>
-              <a:t>Möglichkeiten des </a:t>
-            </a:r>
-            <a:r>
-              <a:rPr lang="de-DE" altLang="de-DE" sz="1400" dirty="0" err="1"/>
-              <a:t>Deployments</a:t>
-            </a:r>
-            <a:r>
-              <a:rPr lang="de-DE" altLang="de-DE" sz="1400" dirty="0"/>
-              <a:t> &amp; Verwaltung von Konfiguration</a:t>
-            </a:r>
-          </a:p>
-          <a:p>
-            <a:pPr lvl="1">
-              <a:buFont typeface="Arial" panose="020B0604020202020204" pitchFamily="34" charset="0"/>
-              <a:buChar char="•"/>
-            </a:pPr>
-            <a:r>
-              <a:rPr lang="de-DE" altLang="de-DE" sz="1400" dirty="0"/>
-              <a:t>Abschlussübung &amp; Diskussion</a:t>
-            </a:r>
-          </a:p>
-          <a:p>
-            <a:pPr lvl="1">
-              <a:buFont typeface="Arial" panose="020B0604020202020204" pitchFamily="34" charset="0"/>
-              <a:buChar char="•"/>
-            </a:pPr>
-            <a:endParaRPr lang="de-DE" altLang="de-DE" sz="1400" dirty="0"/>
-          </a:p>
-        </p:txBody>
-      </p:sp>
-      <p:sp>
-        <p:nvSpPr>
-          <p:cNvPr id="6147" name="Rectangle 1062">
-            <a:extLst>
-              <a:ext uri="{FF2B5EF4-FFF2-40B4-BE49-F238E27FC236}">
-                <a16:creationId xmlns:a16="http://schemas.microsoft.com/office/drawing/2014/main" id="{C46E9340-3256-8D55-A265-94F2F41E288E}"/>
+                <a16:creationId xmlns:a16="http://schemas.microsoft.com/office/drawing/2014/main" id="{BC4BC2CC-AA18-345B-63ED-7D24CA6BD3B5}"/>
               </a:ext>
             </a:extLst>
           </p:cNvPr>
@@ -9308,8 +8115,8 @@
         </p:nvSpPr>
         <p:spPr>
           <a:xfrm>
-            <a:off x="285750" y="142875"/>
-            <a:ext cx="5654675" cy="706438"/>
+            <a:off x="457200" y="115888"/>
+            <a:ext cx="3409950" cy="706437"/>
           </a:xfrm>
         </p:spPr>
         <p:txBody>
@@ -9317,18 +8124,150 @@
           <a:lstStyle/>
           <a:p>
             <a:r>
+              <a:rPr lang="de-DE" altLang="de-DE"/>
+              <a:t>Inhalt</a:t>
+            </a:r>
+          </a:p>
+        </p:txBody>
+      </p:sp>
+      <p:sp>
+        <p:nvSpPr>
+          <p:cNvPr id="3" name="Inhaltsplatzhalter 18">
+            <a:extLst>
+              <a:ext uri="{FF2B5EF4-FFF2-40B4-BE49-F238E27FC236}">
+                <a16:creationId xmlns:a16="http://schemas.microsoft.com/office/drawing/2014/main" id="{722A59E8-4DC4-18C6-04BE-E59EF5F3246C}"/>
+              </a:ext>
+            </a:extLst>
+          </p:cNvPr>
+          <p:cNvSpPr>
+            <a:spLocks noGrp="1"/>
+          </p:cNvSpPr>
+          <p:nvPr>
+            <p:ph idx="1"/>
+          </p:nvPr>
+        </p:nvSpPr>
+        <p:spPr>
+          <a:xfrm>
+            <a:off x="303214" y="981075"/>
+            <a:ext cx="8517258" cy="5400675"/>
+          </a:xfrm>
+        </p:spPr>
+        <p:txBody>
+          <a:bodyPr/>
+          <a:lstStyle/>
+          <a:p>
+            <a:pPr>
+              <a:spcBef>
+                <a:spcPts val="300"/>
+              </a:spcBef>
+            </a:pPr>
+            <a:r>
               <a:rPr lang="de-DE" altLang="de-DE" dirty="0"/>
-              <a:t>Agenda</a:t>
-            </a:r>
+              <a:t>Tags in </a:t>
+            </a:r>
+            <a:r>
+              <a:rPr lang="de-DE" altLang="de-DE" dirty="0" err="1"/>
+              <a:t>Git</a:t>
+            </a:r>
+            <a:endParaRPr lang="de-DE" altLang="de-DE" dirty="0"/>
+          </a:p>
+          <a:p>
+            <a:pPr lvl="1">
+              <a:spcBef>
+                <a:spcPts val="300"/>
+              </a:spcBef>
+            </a:pPr>
+            <a:r>
+              <a:rPr lang="de-DE" altLang="de-DE" dirty="0"/>
+              <a:t>Tagging Konzept</a:t>
+            </a:r>
+          </a:p>
+          <a:p>
+            <a:pPr lvl="1">
+              <a:spcBef>
+                <a:spcPts val="300"/>
+              </a:spcBef>
+            </a:pPr>
+            <a:r>
+              <a:rPr lang="de-DE" altLang="de-DE" dirty="0"/>
+              <a:t>Erstellen von </a:t>
+            </a:r>
+            <a:r>
+              <a:rPr lang="de-DE" altLang="de-DE" dirty="0" err="1"/>
+              <a:t>Git</a:t>
+            </a:r>
+            <a:r>
+              <a:rPr lang="de-DE" altLang="de-DE" dirty="0"/>
+              <a:t> Tags</a:t>
+            </a:r>
+          </a:p>
+          <a:p>
+            <a:pPr lvl="1">
+              <a:spcBef>
+                <a:spcPts val="300"/>
+              </a:spcBef>
+            </a:pPr>
+            <a:r>
+              <a:rPr lang="de-DE" altLang="de-DE" dirty="0" err="1"/>
+              <a:t>Annotated</a:t>
+            </a:r>
+            <a:r>
+              <a:rPr lang="de-DE" altLang="de-DE" dirty="0"/>
+              <a:t> Tags</a:t>
+            </a:r>
+          </a:p>
+          <a:p>
+            <a:pPr>
+              <a:spcBef>
+                <a:spcPts val="600"/>
+              </a:spcBef>
+            </a:pPr>
+            <a:r>
+              <a:rPr lang="de-DE" altLang="de-DE" dirty="0"/>
+              <a:t>Tags in </a:t>
+            </a:r>
+            <a:r>
+              <a:rPr lang="de-DE" altLang="de-DE" dirty="0" err="1"/>
+              <a:t>GitLab</a:t>
+            </a:r>
+            <a:endParaRPr lang="de-DE" altLang="de-DE" dirty="0"/>
+          </a:p>
+          <a:p>
+            <a:pPr>
+              <a:spcBef>
+                <a:spcPts val="600"/>
+              </a:spcBef>
+            </a:pPr>
+            <a:r>
+              <a:rPr lang="de-DE" altLang="de-DE" dirty="0" err="1"/>
+              <a:t>GitLab</a:t>
+            </a:r>
+            <a:r>
+              <a:rPr lang="de-DE" altLang="de-DE" dirty="0"/>
+              <a:t> Releases</a:t>
+            </a:r>
+          </a:p>
+          <a:p>
+            <a:pPr>
+              <a:spcBef>
+                <a:spcPts val="300"/>
+              </a:spcBef>
+            </a:pPr>
+            <a:endParaRPr lang="de-DE" altLang="de-DE" dirty="0"/>
+          </a:p>
+          <a:p>
+            <a:pPr lvl="1"/>
+            <a:endParaRPr lang="de-DE" altLang="de-DE" dirty="0"/>
+          </a:p>
+          <a:p>
+            <a:pPr marL="0" indent="0">
+              <a:buNone/>
+            </a:pPr>
+            <a:endParaRPr lang="de-DE" altLang="de-DE" dirty="0"/>
           </a:p>
         </p:txBody>
       </p:sp>
     </p:spTree>
-    <p:extLst>
-      <p:ext uri="{BB962C8B-B14F-4D97-AF65-F5344CB8AC3E}">
-        <p14:creationId xmlns:p14="http://schemas.microsoft.com/office/powerpoint/2010/main" val="1235500680"/>
-      </p:ext>
-    </p:extLst>
   </p:cSld>
   <p:clrMapOvr>
     <a:masterClrMapping/>
@@ -9430,43 +8369,10 @@
       </p:grpSpPr>
       <p:sp>
         <p:nvSpPr>
-          <p:cNvPr id="5123" name="Rectangle 6">
+          <p:cNvPr id="6146" name="Inhaltsplatzhalter 18">
             <a:extLst>
               <a:ext uri="{FF2B5EF4-FFF2-40B4-BE49-F238E27FC236}">
-                <a16:creationId xmlns:a16="http://schemas.microsoft.com/office/drawing/2014/main" id="{BC4BC2CC-AA18-345B-63ED-7D24CA6BD3B5}"/>
-              </a:ext>
-            </a:extLst>
-          </p:cNvPr>
-          <p:cNvSpPr>
-            <a:spLocks noGrp="1" noChangeArrowheads="1"/>
-          </p:cNvSpPr>
-          <p:nvPr>
-            <p:ph type="title"/>
-          </p:nvPr>
-        </p:nvSpPr>
-        <p:spPr>
-          <a:xfrm>
-            <a:off x="457200" y="115888"/>
-            <a:ext cx="3409950" cy="706437"/>
-          </a:xfrm>
-        </p:spPr>
-        <p:txBody>
-          <a:bodyPr/>
-          <a:lstStyle/>
-          <a:p>
-            <a:r>
-              <a:rPr lang="de-DE" altLang="de-DE" dirty="0"/>
-              <a:t>Tags &amp; Releases</a:t>
-            </a:r>
-          </a:p>
-        </p:txBody>
-      </p:sp>
-      <p:sp>
-        <p:nvSpPr>
-          <p:cNvPr id="3" name="Inhaltsplatzhalter 18">
-            <a:extLst>
-              <a:ext uri="{FF2B5EF4-FFF2-40B4-BE49-F238E27FC236}">
-                <a16:creationId xmlns:a16="http://schemas.microsoft.com/office/drawing/2014/main" id="{722A59E8-4DC4-18C6-04BE-E59EF5F3246C}"/>
+                <a16:creationId xmlns:a16="http://schemas.microsoft.com/office/drawing/2014/main" id="{BE3C4C95-FD5D-27F0-ED0C-AB8113CAC9F1}"/>
               </a:ext>
             </a:extLst>
           </p:cNvPr>
@@ -9487,130 +8393,87 @@
           <a:bodyPr/>
           <a:lstStyle/>
           <a:p>
-            <a:pPr marL="0" indent="0">
-              <a:spcBef>
-                <a:spcPts val="300"/>
-              </a:spcBef>
-              <a:buNone/>
-            </a:pPr>
-            <a:r>
-              <a:rPr lang="de-DE" altLang="de-DE" b="1" dirty="0"/>
-              <a:t>Inhalt</a:t>
-            </a:r>
-          </a:p>
-          <a:p>
-            <a:pPr>
-              <a:spcBef>
-                <a:spcPts val="300"/>
-              </a:spcBef>
-            </a:pPr>
             <a:r>
               <a:rPr lang="de-DE" altLang="de-DE" dirty="0"/>
-              <a:t>Tags in </a:t>
-            </a:r>
+              <a:t>Tagging ist ein wichtiges Konzept der </a:t>
+            </a:r>
+            <a:r>
+              <a:rPr lang="de-DE" altLang="de-DE" dirty="0" err="1"/>
+              <a:t>Versionverwaltung</a:t>
+            </a:r>
+            <a:endParaRPr lang="de-DE" altLang="de-DE" dirty="0"/>
+          </a:p>
+          <a:p>
+            <a:r>
+              <a:rPr lang="de-DE" altLang="de-DE" dirty="0"/>
+              <a:t>Wird verwendet, um einen spezifischen Entwicklungsstand zu markieren und mit einem Label zu versehen</a:t>
+            </a:r>
+          </a:p>
+          <a:p>
+            <a:r>
+              <a:rPr lang="de-DE" altLang="de-DE" dirty="0"/>
+              <a:t>Entwicklungsstand wird als „</a:t>
+            </a:r>
+            <a:r>
+              <a:rPr lang="de-DE" altLang="de-DE" dirty="0" err="1"/>
+              <a:t>snapshot</a:t>
+            </a:r>
+            <a:r>
+              <a:rPr lang="de-DE" altLang="de-DE" dirty="0"/>
+              <a:t>“ bezeichnet</a:t>
+            </a:r>
+          </a:p>
+          <a:p>
+            <a:r>
+              <a:rPr lang="de-DE" altLang="de-DE" dirty="0"/>
+              <a:t>Einsatz häufig, um spezifische Releases in einem Projekt zu markieren </a:t>
+            </a:r>
+          </a:p>
+        </p:txBody>
+      </p:sp>
+      <p:sp>
+        <p:nvSpPr>
+          <p:cNvPr id="6147" name="Rectangle 1062">
+            <a:extLst>
+              <a:ext uri="{FF2B5EF4-FFF2-40B4-BE49-F238E27FC236}">
+                <a16:creationId xmlns:a16="http://schemas.microsoft.com/office/drawing/2014/main" id="{C46E9340-3256-8D55-A265-94F2F41E288E}"/>
+              </a:ext>
+            </a:extLst>
+          </p:cNvPr>
+          <p:cNvSpPr>
+            <a:spLocks noGrp="1" noChangeArrowheads="1"/>
+          </p:cNvSpPr>
+          <p:nvPr>
+            <p:ph type="title"/>
+          </p:nvPr>
+        </p:nvSpPr>
+        <p:spPr>
+          <a:xfrm>
+            <a:off x="285750" y="142875"/>
+            <a:ext cx="5654675" cy="706438"/>
+          </a:xfrm>
+        </p:spPr>
+        <p:txBody>
+          <a:bodyPr/>
+          <a:lstStyle/>
+          <a:p>
             <a:r>
               <a:rPr lang="de-DE" altLang="de-DE" dirty="0" err="1"/>
               <a:t>Git</a:t>
             </a:r>
-            <a:endParaRPr lang="de-DE" altLang="de-DE" dirty="0"/>
-          </a:p>
-          <a:p>
-            <a:pPr lvl="1">
-              <a:spcBef>
-                <a:spcPts val="300"/>
-              </a:spcBef>
-            </a:pPr>
             <a:r>
               <a:rPr lang="de-DE" altLang="de-DE" dirty="0"/>
-              <a:t>Tagging Konzept</a:t>
-            </a:r>
-          </a:p>
-          <a:p>
-            <a:pPr lvl="1">
-              <a:spcBef>
-                <a:spcPts val="300"/>
-              </a:spcBef>
-            </a:pPr>
-            <a:r>
-              <a:rPr lang="de-DE" altLang="de-DE" dirty="0"/>
-              <a:t>Erstellen von </a:t>
-            </a:r>
-            <a:r>
-              <a:rPr lang="de-DE" altLang="de-DE" dirty="0" err="1"/>
-              <a:t>Git</a:t>
-            </a:r>
-            <a:r>
-              <a:rPr lang="de-DE" altLang="de-DE" dirty="0"/>
-              <a:t> Tags</a:t>
-            </a:r>
-          </a:p>
-          <a:p>
-            <a:pPr lvl="1">
-              <a:spcBef>
-                <a:spcPts val="300"/>
-              </a:spcBef>
-            </a:pPr>
-            <a:r>
-              <a:rPr lang="de-DE" altLang="de-DE" dirty="0" err="1"/>
-              <a:t>Annotated</a:t>
-            </a:r>
-            <a:r>
-              <a:rPr lang="de-DE" altLang="de-DE" dirty="0"/>
-              <a:t> Tags</a:t>
-            </a:r>
-          </a:p>
-          <a:p>
-            <a:pPr>
-              <a:spcBef>
-                <a:spcPts val="600"/>
-              </a:spcBef>
-            </a:pPr>
-            <a:r>
-              <a:rPr lang="de-DE" altLang="de-DE" dirty="0"/>
-              <a:t>Tags in </a:t>
-            </a:r>
-            <a:r>
-              <a:rPr lang="de-DE" altLang="de-DE" dirty="0" err="1"/>
-              <a:t>GitLab</a:t>
-            </a:r>
-            <a:endParaRPr lang="de-DE" altLang="de-DE" dirty="0"/>
-          </a:p>
-          <a:p>
-            <a:pPr>
-              <a:spcBef>
-                <a:spcPts val="600"/>
-              </a:spcBef>
-            </a:pPr>
-            <a:r>
-              <a:rPr lang="de-DE" altLang="de-DE" dirty="0" err="1"/>
-              <a:t>GitLab</a:t>
-            </a:r>
-            <a:r>
-              <a:rPr lang="de-DE" altLang="de-DE" dirty="0"/>
-              <a:t> Releases</a:t>
-            </a:r>
-          </a:p>
-          <a:p>
-            <a:pPr>
-              <a:spcBef>
-                <a:spcPts val="300"/>
-              </a:spcBef>
-            </a:pPr>
-            <a:endParaRPr lang="de-DE" altLang="de-DE" dirty="0"/>
-          </a:p>
-          <a:p>
-            <a:pPr lvl="1"/>
-            <a:endParaRPr lang="de-DE" altLang="de-DE" dirty="0"/>
-          </a:p>
-          <a:p>
-            <a:pPr marL="0" indent="0">
-              <a:buNone/>
-            </a:pPr>
-            <a:endParaRPr lang="de-DE" altLang="de-DE" dirty="0"/>
+              <a:t> – Tags </a:t>
+            </a:r>
           </a:p>
         </p:txBody>
       </p:sp>
     </p:spTree>
+    <p:extLst>
+      <p:ext uri="{BB962C8B-B14F-4D97-AF65-F5344CB8AC3E}">
+        <p14:creationId xmlns:p14="http://schemas.microsoft.com/office/powerpoint/2010/main" val="3020803649"/>
+      </p:ext>
+    </p:extLst>
   </p:cSld>
   <p:clrMapOvr>
     <a:masterClrMapping/>
@@ -9663,38 +8526,277 @@
           <a:p>
             <a:r>
               <a:rPr lang="de-DE" altLang="de-DE" dirty="0"/>
-              <a:t>Tagging ist ein wichtiges Konzept der </a:t>
+              <a:t>Mit den Befehl </a:t>
+            </a:r>
+            <a:r>
+              <a:rPr lang="de-DE" altLang="de-DE" dirty="0" err="1">
+                <a:latin typeface="Consolas" panose="020B0609020204030204" pitchFamily="49" charset="0"/>
+              </a:rPr>
+              <a:t>git</a:t>
+            </a:r>
+            <a:r>
+              <a:rPr lang="de-DE" altLang="de-DE" dirty="0">
+                <a:latin typeface="Consolas" panose="020B0609020204030204" pitchFamily="49" charset="0"/>
+              </a:rPr>
+              <a:t> tag &lt;tag-name&gt; </a:t>
+            </a:r>
+            <a:r>
+              <a:rPr lang="de-DE" altLang="de-DE" dirty="0"/>
+              <a:t>lässt sich zum letzten </a:t>
             </a:r>
             <a:r>
               <a:rPr lang="de-DE" altLang="de-DE" dirty="0" err="1"/>
-              <a:t>Versionverwaltung</a:t>
-            </a:r>
-            <a:endParaRPr lang="de-DE" altLang="de-DE" dirty="0"/>
-          </a:p>
-          <a:p>
+              <a:t>Commits</a:t>
+            </a:r>
             <a:r>
               <a:rPr lang="de-DE" altLang="de-DE" dirty="0"/>
-              <a:t>Wird verwendet, um einen spezifischen Entwicklungsstand zu markieren und mit einem Label zu versehen</a:t>
-            </a:r>
-          </a:p>
-          <a:p>
+              <a:t> des aktiven </a:t>
+            </a:r>
+            <a:r>
+              <a:rPr lang="de-DE" altLang="de-DE" dirty="0" err="1"/>
+              <a:t>Branches</a:t>
+            </a:r>
             <a:r>
               <a:rPr lang="de-DE" altLang="de-DE" dirty="0"/>
-              <a:t>Entwicklungsstand wird als „</a:t>
-            </a:r>
-            <a:r>
-              <a:rPr lang="de-DE" altLang="de-DE" dirty="0" err="1"/>
-              <a:t>snapshot</a:t>
-            </a:r>
+              <a:t> ein Tag hinzufügen</a:t>
+            </a:r>
+          </a:p>
+          <a:p>
+            <a:pPr marL="457200" lvl="1" indent="0">
+              <a:spcBef>
+                <a:spcPts val="0"/>
+              </a:spcBef>
+              <a:buNone/>
+            </a:pPr>
+            <a:endParaRPr lang="en-US" altLang="de-DE" sz="1200" dirty="0">
+              <a:latin typeface="Consolas" panose="020B0609020204030204" pitchFamily="49" charset="0"/>
+            </a:endParaRPr>
+          </a:p>
+          <a:p>
+            <a:pPr marL="457200" lvl="1" indent="0">
+              <a:spcBef>
+                <a:spcPts val="0"/>
+              </a:spcBef>
+              <a:buNone/>
+            </a:pPr>
+            <a:r>
+              <a:rPr lang="en-US" altLang="de-DE" sz="1200" dirty="0">
+                <a:latin typeface="Consolas" panose="020B0609020204030204" pitchFamily="49" charset="0"/>
+              </a:rPr>
+              <a:t>$ git log --</a:t>
+            </a:r>
+            <a:r>
+              <a:rPr lang="en-US" altLang="de-DE" sz="1200" dirty="0" err="1">
+                <a:latin typeface="Consolas" panose="020B0609020204030204" pitchFamily="49" charset="0"/>
+              </a:rPr>
+              <a:t>oneline</a:t>
+            </a:r>
+            <a:endParaRPr lang="en-US" altLang="de-DE" sz="1200" dirty="0">
+              <a:latin typeface="Consolas" panose="020B0609020204030204" pitchFamily="49" charset="0"/>
+            </a:endParaRPr>
+          </a:p>
+          <a:p>
+            <a:pPr marL="457200" lvl="1" indent="0">
+              <a:spcBef>
+                <a:spcPts val="0"/>
+              </a:spcBef>
+              <a:buNone/>
+            </a:pPr>
+            <a:r>
+              <a:rPr lang="en-US" altLang="de-DE" sz="1200" dirty="0">
+                <a:latin typeface="Consolas" panose="020B0609020204030204" pitchFamily="49" charset="0"/>
+              </a:rPr>
+              <a:t>c3a059e (HEAD -&gt; main) Add </a:t>
+            </a:r>
+            <a:r>
+              <a:rPr lang="en-US" altLang="de-DE" sz="1200" dirty="0" err="1">
+                <a:latin typeface="Consolas" panose="020B0609020204030204" pitchFamily="49" charset="0"/>
+              </a:rPr>
+              <a:t>final_file</a:t>
+            </a:r>
+            <a:endParaRPr lang="en-US" altLang="de-DE" sz="1200" dirty="0">
+              <a:latin typeface="Consolas" panose="020B0609020204030204" pitchFamily="49" charset="0"/>
+            </a:endParaRPr>
+          </a:p>
+          <a:p>
+            <a:pPr marL="457200" lvl="1" indent="0">
+              <a:spcBef>
+                <a:spcPts val="0"/>
+              </a:spcBef>
+              <a:buNone/>
+            </a:pPr>
+            <a:r>
+              <a:rPr lang="en-US" altLang="de-DE" sz="1200" dirty="0">
+                <a:latin typeface="Consolas" panose="020B0609020204030204" pitchFamily="49" charset="0"/>
+              </a:rPr>
+              <a:t>a908be7 Add file3</a:t>
+            </a:r>
+          </a:p>
+          <a:p>
+            <a:pPr marL="457200" lvl="1" indent="0">
+              <a:spcBef>
+                <a:spcPts val="0"/>
+              </a:spcBef>
+              <a:buNone/>
+            </a:pPr>
+            <a:r>
+              <a:rPr lang="en-US" altLang="de-DE" sz="1200" dirty="0">
+                <a:latin typeface="Consolas" panose="020B0609020204030204" pitchFamily="49" charset="0"/>
+              </a:rPr>
+              <a:t>722eaf0 Add file from main</a:t>
+            </a:r>
+          </a:p>
+          <a:p>
+            <a:pPr marL="457200" lvl="1" indent="0">
+              <a:spcBef>
+                <a:spcPts val="0"/>
+              </a:spcBef>
+              <a:buNone/>
+            </a:pPr>
+            <a:r>
+              <a:rPr lang="en-US" altLang="de-DE" sz="1200" dirty="0">
+                <a:latin typeface="Consolas" panose="020B0609020204030204" pitchFamily="49" charset="0"/>
+              </a:rPr>
+              <a:t>c61ef14 Initial commit</a:t>
+            </a:r>
+          </a:p>
+          <a:p>
+            <a:pPr marL="457200" lvl="1" indent="0">
+              <a:spcBef>
+                <a:spcPts val="0"/>
+              </a:spcBef>
+              <a:buNone/>
+            </a:pPr>
+            <a:endParaRPr lang="en-US" altLang="de-DE" sz="1200" dirty="0">
+              <a:latin typeface="Consolas" panose="020B0609020204030204" pitchFamily="49" charset="0"/>
+            </a:endParaRPr>
+          </a:p>
+          <a:p>
+            <a:pPr marL="457200" lvl="1" indent="0">
+              <a:spcBef>
+                <a:spcPts val="0"/>
+              </a:spcBef>
+              <a:buNone/>
+            </a:pPr>
+            <a:r>
+              <a:rPr lang="en-US" altLang="de-DE" sz="1200" dirty="0">
+                <a:latin typeface="Consolas" panose="020B0609020204030204" pitchFamily="49" charset="0"/>
+              </a:rPr>
+              <a:t>$ git tag "release-v0.0.1"</a:t>
+            </a:r>
+          </a:p>
+          <a:p>
+            <a:pPr marL="457200" lvl="1" indent="0">
+              <a:spcBef>
+                <a:spcPts val="0"/>
+              </a:spcBef>
+              <a:buNone/>
+            </a:pPr>
+            <a:endParaRPr lang="en-US" altLang="de-DE" sz="1200" dirty="0">
+              <a:latin typeface="Consolas" panose="020B0609020204030204" pitchFamily="49" charset="0"/>
+            </a:endParaRPr>
+          </a:p>
+          <a:p>
+            <a:pPr marL="457200" lvl="1" indent="0">
+              <a:spcBef>
+                <a:spcPts val="0"/>
+              </a:spcBef>
+              <a:buNone/>
+            </a:pPr>
+            <a:r>
+              <a:rPr lang="en-US" altLang="de-DE" sz="1200" dirty="0">
+                <a:latin typeface="Consolas" panose="020B0609020204030204" pitchFamily="49" charset="0"/>
+              </a:rPr>
+              <a:t>$ git log --</a:t>
+            </a:r>
+            <a:r>
+              <a:rPr lang="en-US" altLang="de-DE" sz="1200" dirty="0" err="1">
+                <a:latin typeface="Consolas" panose="020B0609020204030204" pitchFamily="49" charset="0"/>
+              </a:rPr>
+              <a:t>oneline</a:t>
+            </a:r>
+            <a:endParaRPr lang="en-US" altLang="de-DE" sz="1200" dirty="0">
+              <a:latin typeface="Consolas" panose="020B0609020204030204" pitchFamily="49" charset="0"/>
+            </a:endParaRPr>
+          </a:p>
+          <a:p>
+            <a:pPr marL="457200" lvl="1" indent="0">
+              <a:spcBef>
+                <a:spcPts val="0"/>
+              </a:spcBef>
+              <a:buNone/>
+            </a:pPr>
+            <a:r>
+              <a:rPr lang="en-US" altLang="de-DE" sz="1200" dirty="0">
+                <a:latin typeface="Consolas" panose="020B0609020204030204" pitchFamily="49" charset="0"/>
+              </a:rPr>
+              <a:t>c3a059e (HEAD -&gt; main, tag: release-v0.0.1) Add </a:t>
+            </a:r>
+            <a:r>
+              <a:rPr lang="en-US" altLang="de-DE" sz="1200" dirty="0" err="1">
+                <a:latin typeface="Consolas" panose="020B0609020204030204" pitchFamily="49" charset="0"/>
+              </a:rPr>
+              <a:t>final_file</a:t>
+            </a:r>
+            <a:endParaRPr lang="en-US" altLang="de-DE" sz="1200" dirty="0">
+              <a:latin typeface="Consolas" panose="020B0609020204030204" pitchFamily="49" charset="0"/>
+            </a:endParaRPr>
+          </a:p>
+          <a:p>
+            <a:pPr marL="457200" lvl="1" indent="0">
+              <a:spcBef>
+                <a:spcPts val="0"/>
+              </a:spcBef>
+              <a:buNone/>
+            </a:pPr>
+            <a:r>
+              <a:rPr lang="en-US" altLang="de-DE" sz="1200" dirty="0">
+                <a:latin typeface="Consolas" panose="020B0609020204030204" pitchFamily="49" charset="0"/>
+              </a:rPr>
+              <a:t>a908be7 Add file3</a:t>
+            </a:r>
+          </a:p>
+          <a:p>
+            <a:pPr marL="457200" lvl="1" indent="0">
+              <a:spcBef>
+                <a:spcPts val="0"/>
+              </a:spcBef>
+              <a:buNone/>
+            </a:pPr>
+            <a:r>
+              <a:rPr lang="en-US" altLang="de-DE" sz="1200" dirty="0">
+                <a:latin typeface="Consolas" panose="020B0609020204030204" pitchFamily="49" charset="0"/>
+              </a:rPr>
+              <a:t>722eaf0 Add file from main</a:t>
+            </a:r>
+          </a:p>
+          <a:p>
+            <a:pPr marL="457200" lvl="1" indent="0">
+              <a:spcBef>
+                <a:spcPts val="0"/>
+              </a:spcBef>
+              <a:buNone/>
+            </a:pPr>
+            <a:r>
+              <a:rPr lang="en-US" altLang="de-DE" sz="1200" dirty="0">
+                <a:latin typeface="Consolas" panose="020B0609020204030204" pitchFamily="49" charset="0"/>
+              </a:rPr>
+              <a:t>c61ef14 Initial commit</a:t>
+            </a:r>
+            <a:endParaRPr lang="de-DE" altLang="de-DE" sz="1200" dirty="0">
+              <a:latin typeface="Consolas" panose="020B0609020204030204" pitchFamily="49" charset="0"/>
+            </a:endParaRPr>
+          </a:p>
+          <a:p>
             <a:r>
               <a:rPr lang="de-DE" altLang="de-DE" dirty="0"/>
-              <a:t>“ bezeichnet</a:t>
+              <a:t>Fügt leichtgewichtigen Tag hinzu</a:t>
             </a:r>
           </a:p>
           <a:p>
             <a:r>
               <a:rPr lang="de-DE" altLang="de-DE" dirty="0"/>
-              <a:t>Einsatz häufig, um spezifische Releases in einem Projekt zu markieren </a:t>
+              <a:t>Tag wird an allen Files im Repository gesetzt, nicht nur solche, die beim Commit verändert wurden</a:t>
             </a:r>
           </a:p>
         </p:txBody>
@@ -9739,7 +8841,7 @@
     </p:spTree>
     <p:extLst>
       <p:ext uri="{BB962C8B-B14F-4D97-AF65-F5344CB8AC3E}">
-        <p14:creationId xmlns:p14="http://schemas.microsoft.com/office/powerpoint/2010/main" val="3020803649"/>
+        <p14:creationId xmlns:p14="http://schemas.microsoft.com/office/powerpoint/2010/main" val="95346933"/>
       </p:ext>
     </p:extLst>
   </p:cSld>
@@ -9793,40 +8895,20 @@
           <a:lstStyle/>
           <a:p>
             <a:r>
+              <a:rPr lang="de-DE" altLang="de-DE" dirty="0" err="1">
+                <a:latin typeface="Consolas" panose="020B0609020204030204" pitchFamily="49" charset="0"/>
+              </a:rPr>
+              <a:t>git</a:t>
+            </a:r>
+            <a:r>
+              <a:rPr lang="de-DE" altLang="de-DE" dirty="0">
+                <a:latin typeface="Consolas" panose="020B0609020204030204" pitchFamily="49" charset="0"/>
+              </a:rPr>
+              <a:t> tag </a:t>
+            </a:r>
+            <a:r>
               <a:rPr lang="de-DE" altLang="de-DE" dirty="0"/>
-              <a:t>Mit den Befehl </a:t>
-            </a:r>
-            <a:r>
-              <a:rPr lang="de-DE" altLang="de-DE" dirty="0" err="1">
-                <a:latin typeface="Consolas" panose="020B0609020204030204" pitchFamily="49" charset="0"/>
-              </a:rPr>
-              <a:t>git</a:t>
-            </a:r>
-            <a:r>
-              <a:rPr lang="de-DE" altLang="de-DE" dirty="0">
-                <a:latin typeface="Consolas" panose="020B0609020204030204" pitchFamily="49" charset="0"/>
-              </a:rPr>
-              <a:t> tag &lt;tag-name&gt; </a:t>
-            </a:r>
-            <a:r>
-              <a:rPr lang="de-DE" altLang="de-DE" dirty="0"/>
-              <a:t>lässt sich zum letzten </a:t>
-            </a:r>
-            <a:r>
-              <a:rPr lang="de-DE" altLang="de-DE" dirty="0" err="1"/>
-              <a:t>Commits</a:t>
-            </a:r>
-            <a:r>
-              <a:rPr lang="de-DE" altLang="de-DE" dirty="0"/>
-              <a:t> des aktiven </a:t>
-            </a:r>
-            <a:r>
-              <a:rPr lang="de-DE" altLang="de-DE" dirty="0" err="1"/>
-              <a:t>Branches</a:t>
-            </a:r>
-            <a:r>
-              <a:rPr lang="de-DE" altLang="de-DE" dirty="0"/>
-              <a:t> ein Tag hinzufügen</a:t>
+              <a:t>zeigt alle Tags im aktuellen Projekt</a:t>
             </a:r>
           </a:p>
           <a:p>
@@ -9851,17 +8933,8 @@
               <a:rPr lang="en-US" altLang="de-DE" sz="1200" dirty="0">
                 <a:latin typeface="Consolas" panose="020B0609020204030204" pitchFamily="49" charset="0"/>
               </a:rPr>
-              <a:t>$ git log --</a:t>
-            </a:r>
-            <a:r>
-              <a:rPr lang="en-US" altLang="de-DE" sz="1200" dirty="0" err="1">
-                <a:latin typeface="Consolas" panose="020B0609020204030204" pitchFamily="49" charset="0"/>
-              </a:rPr>
-              <a:t>oneline</a:t>
-            </a:r>
-            <a:endParaRPr lang="en-US" altLang="de-DE" sz="1200" dirty="0">
-              <a:latin typeface="Consolas" panose="020B0609020204030204" pitchFamily="49" charset="0"/>
-            </a:endParaRPr>
+              <a:t>$ git tag</a:t>
+            </a:r>
           </a:p>
           <a:p>
             <a:pPr marL="457200" lvl="1" indent="0">
@@ -9874,17 +8947,8 @@
               <a:rPr lang="en-US" altLang="de-DE" sz="1200" dirty="0">
                 <a:latin typeface="Consolas" panose="020B0609020204030204" pitchFamily="49" charset="0"/>
               </a:rPr>
-              <a:t>c3a059e (HEAD -&gt; main) Add </a:t>
-            </a:r>
-            <a:r>
-              <a:rPr lang="en-US" altLang="de-DE" sz="1200" dirty="0" err="1">
-                <a:latin typeface="Consolas" panose="020B0609020204030204" pitchFamily="49" charset="0"/>
-              </a:rPr>
-              <a:t>final_file</a:t>
-            </a:r>
-            <a:endParaRPr lang="en-US" altLang="de-DE" sz="1200" dirty="0">
-              <a:latin typeface="Consolas" panose="020B0609020204030204" pitchFamily="49" charset="0"/>
-            </a:endParaRPr>
+              <a:t>release-v0.0.1</a:t>
+            </a:r>
           </a:p>
           <a:p>
             <a:pPr marL="457200" lvl="1" indent="0">
@@ -9897,7 +8961,7 @@
               <a:rPr lang="en-US" altLang="de-DE" sz="1200" dirty="0">
                 <a:latin typeface="Consolas" panose="020B0609020204030204" pitchFamily="49" charset="0"/>
               </a:rPr>
-              <a:t>a908be7 Add file3</a:t>
+              <a:t>release-v0.0.2</a:t>
             </a:r>
           </a:p>
           <a:p>
@@ -9911,7 +8975,40 @@
               <a:rPr lang="en-US" altLang="de-DE" sz="1200" dirty="0">
                 <a:latin typeface="Consolas" panose="020B0609020204030204" pitchFamily="49" charset="0"/>
               </a:rPr>
-              <a:t>722eaf0 Add file from main</a:t>
+              <a:t>release-v1.0.0</a:t>
+            </a:r>
+            <a:endParaRPr lang="de-DE" altLang="de-DE" dirty="0">
+              <a:latin typeface="Consolas" panose="020B0609020204030204" pitchFamily="49" charset="0"/>
+            </a:endParaRPr>
+          </a:p>
+          <a:p>
+            <a:r>
+              <a:rPr lang="de-DE" altLang="de-DE" dirty="0" err="1">
+                <a:latin typeface="Consolas" panose="020B0609020204030204" pitchFamily="49" charset="0"/>
+              </a:rPr>
+              <a:t>git</a:t>
+            </a:r>
+            <a:r>
+              <a:rPr lang="de-DE" altLang="de-DE" dirty="0">
+                <a:latin typeface="Consolas" panose="020B0609020204030204" pitchFamily="49" charset="0"/>
+              </a:rPr>
+              <a:t> </a:t>
+            </a:r>
+            <a:r>
+              <a:rPr lang="de-DE" altLang="de-DE" dirty="0" err="1">
+                <a:latin typeface="Consolas" panose="020B0609020204030204" pitchFamily="49" charset="0"/>
+              </a:rPr>
+              <a:t>show</a:t>
+            </a:r>
+            <a:r>
+              <a:rPr lang="de-DE" altLang="de-DE" dirty="0">
+                <a:latin typeface="Consolas" panose="020B0609020204030204" pitchFamily="49" charset="0"/>
+              </a:rPr>
+              <a:t> &lt;tag-name&gt; </a:t>
+            </a:r>
+            <a:r>
+              <a:rPr lang="de-DE" altLang="de-DE" dirty="0"/>
+              <a:t>zeigt den Commit zum angegebenen Tag</a:t>
             </a:r>
           </a:p>
           <a:p>
@@ -9921,12 +9018,9 @@
               </a:spcBef>
               <a:buNone/>
             </a:pPr>
-            <a:r>
-              <a:rPr lang="en-US" altLang="de-DE" sz="1200" dirty="0">
-                <a:latin typeface="Consolas" panose="020B0609020204030204" pitchFamily="49" charset="0"/>
-              </a:rPr>
-              <a:t>c61ef14 Initial commit</a:t>
-            </a:r>
+            <a:endParaRPr lang="de-DE" altLang="de-DE" sz="1200" dirty="0">
+              <a:latin typeface="Consolas" panose="020B0609020204030204" pitchFamily="49" charset="0"/>
+            </a:endParaRPr>
           </a:p>
           <a:p>
             <a:pPr marL="457200" lvl="1" indent="0">
@@ -9935,9 +9029,36 @@
               </a:spcBef>
               <a:buNone/>
             </a:pPr>
-            <a:endParaRPr lang="en-US" altLang="de-DE" sz="1200" dirty="0">
-              <a:latin typeface="Consolas" panose="020B0609020204030204" pitchFamily="49" charset="0"/>
-            </a:endParaRPr>
+            <a:r>
+              <a:rPr lang="de-DE" altLang="de-DE" sz="1200" dirty="0">
+                <a:latin typeface="Consolas" panose="020B0609020204030204" pitchFamily="49" charset="0"/>
+              </a:rPr>
+              <a:t>$ </a:t>
+            </a:r>
+            <a:r>
+              <a:rPr lang="de-DE" altLang="de-DE" sz="1200" dirty="0" err="1">
+                <a:latin typeface="Consolas" panose="020B0609020204030204" pitchFamily="49" charset="0"/>
+              </a:rPr>
+              <a:t>git</a:t>
+            </a:r>
+            <a:r>
+              <a:rPr lang="de-DE" altLang="de-DE" sz="1200" dirty="0">
+                <a:latin typeface="Consolas" panose="020B0609020204030204" pitchFamily="49" charset="0"/>
+              </a:rPr>
+              <a:t> </a:t>
+            </a:r>
+            <a:r>
+              <a:rPr lang="de-DE" altLang="de-DE" sz="1200" dirty="0" err="1">
+                <a:latin typeface="Consolas" panose="020B0609020204030204" pitchFamily="49" charset="0"/>
+              </a:rPr>
+              <a:t>show</a:t>
+            </a:r>
+            <a:r>
+              <a:rPr lang="de-DE" altLang="de-DE" sz="1200" dirty="0">
+                <a:latin typeface="Consolas" panose="020B0609020204030204" pitchFamily="49" charset="0"/>
+              </a:rPr>
+              <a:t> release-v0.0.1</a:t>
+            </a:r>
           </a:p>
           <a:p>
             <a:pPr marL="457200" lvl="1" indent="0">
@@ -9947,10 +9068,16 @@
               <a:buNone/>
             </a:pPr>
             <a:r>
-              <a:rPr lang="en-US" altLang="de-DE" sz="1200" dirty="0">
-                <a:latin typeface="Consolas" panose="020B0609020204030204" pitchFamily="49" charset="0"/>
-              </a:rPr>
-              <a:t>$ git tag "release-v0.0.1"</a:t>
+              <a:rPr lang="de-DE" altLang="de-DE" sz="1200" dirty="0" err="1">
+                <a:latin typeface="Consolas" panose="020B0609020204030204" pitchFamily="49" charset="0"/>
+              </a:rPr>
+              <a:t>commit</a:t>
+            </a:r>
+            <a:r>
+              <a:rPr lang="de-DE" altLang="de-DE" sz="1200" dirty="0">
+                <a:latin typeface="Consolas" panose="020B0609020204030204" pitchFamily="49" charset="0"/>
+              </a:rPr>
+              <a:t> c3a059e2d6e4acfdca1295104b4d6a55f8bd00e4 (tag: release-v0.0.1)</a:t>
             </a:r>
           </a:p>
           <a:p>
@@ -9960,9 +9087,30 @@
               </a:spcBef>
               <a:buNone/>
             </a:pPr>
-            <a:endParaRPr lang="en-US" altLang="de-DE" sz="1200" dirty="0">
-              <a:latin typeface="Consolas" panose="020B0609020204030204" pitchFamily="49" charset="0"/>
-            </a:endParaRPr>
+            <a:r>
+              <a:rPr lang="de-DE" altLang="de-DE" sz="1200" dirty="0" err="1">
+                <a:latin typeface="Consolas" panose="020B0609020204030204" pitchFamily="49" charset="0"/>
+              </a:rPr>
+              <a:t>Author</a:t>
+            </a:r>
+            <a:r>
+              <a:rPr lang="de-DE" altLang="de-DE" sz="1200" dirty="0">
+                <a:latin typeface="Consolas" panose="020B0609020204030204" pitchFamily="49" charset="0"/>
+              </a:rPr>
+              <a:t>: </a:t>
+            </a:r>
+            <a:r>
+              <a:rPr lang="de-DE" altLang="de-DE" sz="1200" dirty="0" err="1">
+                <a:latin typeface="Consolas" panose="020B0609020204030204" pitchFamily="49" charset="0"/>
+              </a:rPr>
+              <a:t>Example</a:t>
+            </a:r>
+            <a:r>
+              <a:rPr lang="de-DE" altLang="de-DE" sz="1200" dirty="0">
+                <a:latin typeface="Consolas" panose="020B0609020204030204" pitchFamily="49" charset="0"/>
+              </a:rPr>
+              <a:t> User &lt;example.user@example.de&gt;</a:t>
+            </a:r>
           </a:p>
           <a:p>
             <a:pPr marL="457200" lvl="1" indent="0">
@@ -9972,20 +9120,11 @@
               <a:buNone/>
             </a:pPr>
             <a:r>
-              <a:rPr lang="en-US" altLang="de-DE" sz="1200" dirty="0">
-                <a:latin typeface="Consolas" panose="020B0609020204030204" pitchFamily="49" charset="0"/>
-              </a:rPr>
-              <a:t>$ git log --</a:t>
-            </a:r>
-            <a:r>
-              <a:rPr lang="en-US" altLang="de-DE" sz="1200" dirty="0" err="1">
-                <a:latin typeface="Consolas" panose="020B0609020204030204" pitchFamily="49" charset="0"/>
-              </a:rPr>
-              <a:t>oneline</a:t>
-            </a:r>
-            <a:endParaRPr lang="en-US" altLang="de-DE" sz="1200" dirty="0">
-              <a:latin typeface="Consolas" panose="020B0609020204030204" pitchFamily="49" charset="0"/>
-            </a:endParaRPr>
+              <a:rPr lang="de-DE" altLang="de-DE" sz="1200" dirty="0">
+                <a:latin typeface="Consolas" panose="020B0609020204030204" pitchFamily="49" charset="0"/>
+              </a:rPr>
+              <a:t>Date:   Tue May 28 14:47:28 2024 +0200</a:t>
+            </a:r>
           </a:p>
           <a:p>
             <a:pPr marL="457200" lvl="1" indent="0">
@@ -9994,19 +9133,7 @@
               </a:spcBef>
               <a:buNone/>
             </a:pPr>
-            <a:r>
-              <a:rPr lang="en-US" altLang="de-DE" sz="1200" dirty="0">
-                <a:latin typeface="Consolas" panose="020B0609020204030204" pitchFamily="49" charset="0"/>
-              </a:rPr>
-              <a:t>c3a059e (HEAD -&gt; main, tag: release-v0.0.1) Add </a:t>
-            </a:r>
-            <a:r>
-              <a:rPr lang="en-US" altLang="de-DE" sz="1200" dirty="0" err="1">
-                <a:latin typeface="Consolas" panose="020B0609020204030204" pitchFamily="49" charset="0"/>
-              </a:rPr>
-              <a:t>final_file</a:t>
-            </a:r>
-            <a:endParaRPr lang="en-US" altLang="de-DE" sz="1200" dirty="0">
+            <a:endParaRPr lang="de-DE" altLang="de-DE" sz="1200" dirty="0">
               <a:latin typeface="Consolas" panose="020B0609020204030204" pitchFamily="49" charset="0"/>
             </a:endParaRPr>
           </a:p>
@@ -10018,11 +9145,20 @@
               <a:buNone/>
             </a:pPr>
             <a:r>
-              <a:rPr lang="en-US" altLang="de-DE" sz="1200" dirty="0">
-                <a:latin typeface="Consolas" panose="020B0609020204030204" pitchFamily="49" charset="0"/>
-              </a:rPr>
-              <a:t>a908be7 Add file3</a:t>
-            </a:r>
+              <a:rPr lang="de-DE" altLang="de-DE" sz="1200" dirty="0">
+                <a:latin typeface="Consolas" panose="020B0609020204030204" pitchFamily="49" charset="0"/>
+              </a:rPr>
+              <a:t>    Add </a:t>
+            </a:r>
+            <a:r>
+              <a:rPr lang="de-DE" altLang="de-DE" sz="1200" dirty="0" err="1">
+                <a:latin typeface="Consolas" panose="020B0609020204030204" pitchFamily="49" charset="0"/>
+              </a:rPr>
+              <a:t>final_file</a:t>
+            </a:r>
+            <a:endParaRPr lang="de-DE" altLang="de-DE" sz="1200" dirty="0">
+              <a:latin typeface="Consolas" panose="020B0609020204030204" pitchFamily="49" charset="0"/>
+            </a:endParaRPr>
           </a:p>
           <a:p>
             <a:pPr marL="457200" lvl="1" indent="0">
@@ -10031,12 +9167,9 @@
               </a:spcBef>
               <a:buNone/>
             </a:pPr>
-            <a:r>
-              <a:rPr lang="en-US" altLang="de-DE" sz="1200" dirty="0">
-                <a:latin typeface="Consolas" panose="020B0609020204030204" pitchFamily="49" charset="0"/>
-              </a:rPr>
-              <a:t>722eaf0 Add file from main</a:t>
-            </a:r>
+            <a:endParaRPr lang="de-DE" altLang="de-DE" sz="1200" dirty="0">
+              <a:latin typeface="Consolas" panose="020B0609020204030204" pitchFamily="49" charset="0"/>
+            </a:endParaRPr>
           </a:p>
           <a:p>
             <a:pPr marL="457200" lvl="1" indent="0">
@@ -10046,25 +9179,92 @@
               <a:buNone/>
             </a:pPr>
             <a:r>
-              <a:rPr lang="en-US" altLang="de-DE" sz="1200" dirty="0">
-                <a:latin typeface="Consolas" panose="020B0609020204030204" pitchFamily="49" charset="0"/>
-              </a:rPr>
-              <a:t>c61ef14 Initial commit</a:t>
-            </a:r>
-            <a:endParaRPr lang="de-DE" altLang="de-DE" sz="1200" dirty="0">
-              <a:latin typeface="Consolas" panose="020B0609020204030204" pitchFamily="49" charset="0"/>
-            </a:endParaRPr>
-          </a:p>
-          <a:p>
-            <a:r>
-              <a:rPr lang="de-DE" altLang="de-DE" dirty="0"/>
-              <a:t>Fügt leichtgewichtigen Tag hinzu</a:t>
-            </a:r>
-          </a:p>
-          <a:p>
-            <a:r>
-              <a:rPr lang="de-DE" altLang="de-DE" dirty="0"/>
-              <a:t>Tag wird an allen Files im Repository gesetzt, nicht nur solche, die beim Commit verändert wurden</a:t>
+              <a:rPr lang="de-DE" altLang="de-DE" sz="1200" dirty="0" err="1">
+                <a:latin typeface="Consolas" panose="020B0609020204030204" pitchFamily="49" charset="0"/>
+              </a:rPr>
+              <a:t>diff</a:t>
+            </a:r>
+            <a:r>
+              <a:rPr lang="de-DE" altLang="de-DE" sz="1200" dirty="0">
+                <a:latin typeface="Consolas" panose="020B0609020204030204" pitchFamily="49" charset="0"/>
+              </a:rPr>
+              <a:t> --</a:t>
+            </a:r>
+            <a:r>
+              <a:rPr lang="de-DE" altLang="de-DE" sz="1200" dirty="0" err="1">
+                <a:latin typeface="Consolas" panose="020B0609020204030204" pitchFamily="49" charset="0"/>
+              </a:rPr>
+              <a:t>git</a:t>
+            </a:r>
+            <a:r>
+              <a:rPr lang="de-DE" altLang="de-DE" sz="1200" dirty="0">
+                <a:latin typeface="Consolas" panose="020B0609020204030204" pitchFamily="49" charset="0"/>
+              </a:rPr>
+              <a:t> a/final_file.txt b/final_file.txt</a:t>
+            </a:r>
+          </a:p>
+          <a:p>
+            <a:pPr marL="457200" lvl="1" indent="0">
+              <a:spcBef>
+                <a:spcPts val="0"/>
+              </a:spcBef>
+              <a:buNone/>
+            </a:pPr>
+            <a:r>
+              <a:rPr lang="de-DE" altLang="de-DE" sz="1200" dirty="0" err="1">
+                <a:latin typeface="Consolas" panose="020B0609020204030204" pitchFamily="49" charset="0"/>
+              </a:rPr>
+              <a:t>new</a:t>
+            </a:r>
+            <a:r>
+              <a:rPr lang="de-DE" altLang="de-DE" sz="1200" dirty="0">
+                <a:latin typeface="Consolas" panose="020B0609020204030204" pitchFamily="49" charset="0"/>
+              </a:rPr>
+              <a:t> </a:t>
+            </a:r>
+            <a:r>
+              <a:rPr lang="de-DE" altLang="de-DE" sz="1200" dirty="0" err="1">
+                <a:latin typeface="Consolas" panose="020B0609020204030204" pitchFamily="49" charset="0"/>
+              </a:rPr>
+              <a:t>file</a:t>
+            </a:r>
+            <a:r>
+              <a:rPr lang="de-DE" altLang="de-DE" sz="1200" dirty="0">
+                <a:latin typeface="Consolas" panose="020B0609020204030204" pitchFamily="49" charset="0"/>
+              </a:rPr>
+              <a:t> </a:t>
+            </a:r>
+            <a:r>
+              <a:rPr lang="de-DE" altLang="de-DE" sz="1200" dirty="0" err="1">
+                <a:latin typeface="Consolas" panose="020B0609020204030204" pitchFamily="49" charset="0"/>
+              </a:rPr>
+              <a:t>mode</a:t>
+            </a:r>
+            <a:r>
+              <a:rPr lang="de-DE" altLang="de-DE" sz="1200" dirty="0">
+                <a:latin typeface="Consolas" panose="020B0609020204030204" pitchFamily="49" charset="0"/>
+              </a:rPr>
+              <a:t> 100644</a:t>
+            </a:r>
+          </a:p>
+          <a:p>
+            <a:pPr marL="457200" lvl="1" indent="0">
+              <a:spcBef>
+                <a:spcPts val="0"/>
+              </a:spcBef>
+              <a:buNone/>
+            </a:pPr>
+            <a:r>
+              <a:rPr lang="de-DE" altLang="de-DE" sz="1200" dirty="0" err="1">
+                <a:latin typeface="Consolas" panose="020B0609020204030204" pitchFamily="49" charset="0"/>
+              </a:rPr>
+              <a:t>index</a:t>
+            </a:r>
+            <a:r>
+              <a:rPr lang="de-DE" altLang="de-DE" sz="1200" dirty="0">
+                <a:latin typeface="Consolas" panose="020B0609020204030204" pitchFamily="49" charset="0"/>
+              </a:rPr>
+              <a:t> 0000000..e69de29</a:t>
             </a:r>
           </a:p>
         </p:txBody>
@@ -10109,7 +9309,7 @@
     </p:spTree>
     <p:extLst>
       <p:ext uri="{BB962C8B-B14F-4D97-AF65-F5344CB8AC3E}">
-        <p14:creationId xmlns:p14="http://schemas.microsoft.com/office/powerpoint/2010/main" val="95346933"/>
+        <p14:creationId xmlns:p14="http://schemas.microsoft.com/office/powerpoint/2010/main" val="1109548834"/>
       </p:ext>
     </p:extLst>
   </p:cSld>
@@ -10163,20 +9363,8 @@
           <a:lstStyle/>
           <a:p>
             <a:r>
-              <a:rPr lang="de-DE" altLang="de-DE" dirty="0" err="1">
-                <a:latin typeface="Consolas" panose="020B0609020204030204" pitchFamily="49" charset="0"/>
-              </a:rPr>
-              <a:t>git</a:t>
-            </a:r>
-            <a:r>
-              <a:rPr lang="de-DE" altLang="de-DE" dirty="0">
-                <a:latin typeface="Consolas" panose="020B0609020204030204" pitchFamily="49" charset="0"/>
-              </a:rPr>
-              <a:t> tag </a:t>
-            </a:r>
-            <a:r>
               <a:rPr lang="de-DE" altLang="de-DE" dirty="0"/>
-              <a:t>zeigt alle Tags im aktuellen Projekt</a:t>
+              <a:t>Rückwirkendes Tagging ist mit Angabe der Commit-ID möglich</a:t>
             </a:r>
           </a:p>
           <a:p>
@@ -10314,7 +9502,7 @@
               <a:rPr lang="en-US" altLang="de-DE" sz="1200" dirty="0">
                 <a:latin typeface="Consolas" panose="020B0609020204030204" pitchFamily="49" charset="0"/>
               </a:rPr>
-              <a:t>$ git tag release-0.0.0 a908be7</a:t>
+              <a:t>$ git tag release-v0.0.0 a908be7</a:t>
             </a:r>
           </a:p>
           <a:p>
@@ -10399,7 +9587,7 @@
               <a:rPr lang="en-US" altLang="de-DE" sz="1200" dirty="0">
                 <a:latin typeface="Consolas" panose="020B0609020204030204" pitchFamily="49" charset="0"/>
               </a:rPr>
-              <a:t>a908be7 (tag: release-0.0.0) Add file3</a:t>
+              <a:t>a908be7 (tag: release-v0.0.0) Add file3</a:t>
             </a:r>
           </a:p>
           <a:p>
@@ -10434,9 +9622,17 @@
             </a:endParaRPr>
           </a:p>
           <a:p>
-            <a:pPr marL="0" indent="0">
+            <a:pPr marL="457200" lvl="1" indent="0">
+              <a:spcBef>
+                <a:spcPts val="0"/>
+              </a:spcBef>
               <a:buNone/>
             </a:pPr>
+            <a:endParaRPr lang="de-DE" altLang="de-DE" sz="1200" dirty="0">
+              <a:latin typeface="Consolas" panose="020B0609020204030204" pitchFamily="49" charset="0"/>
+            </a:endParaRPr>
+          </a:p>
+          <a:p>
             <a:endParaRPr lang="de-DE" altLang="de-DE" dirty="0"/>
           </a:p>
         </p:txBody>
@@ -10481,7 +9677,7 @@
     </p:spTree>
     <p:extLst>
       <p:ext uri="{BB962C8B-B14F-4D97-AF65-F5344CB8AC3E}">
-        <p14:creationId xmlns:p14="http://schemas.microsoft.com/office/powerpoint/2010/main" val="1109548834"/>
+        <p14:creationId xmlns:p14="http://schemas.microsoft.com/office/powerpoint/2010/main" val="1475861676"/>
       </p:ext>
     </p:extLst>
   </p:cSld>
@@ -10550,7 +9746,7 @@
               <a:rPr lang="de-DE" altLang="de-DE" dirty="0" err="1">
                 <a:latin typeface="Consolas" panose="020B0609020204030204" pitchFamily="49" charset="0"/>
               </a:rPr>
-              <a:t>show</a:t>
+              <a:t>checkout</a:t>
             </a:r>
             <a:r>
               <a:rPr lang="de-DE" altLang="de-DE" dirty="0">
@@ -10560,7 +9756,7 @@
             </a:r>
             <a:r>
               <a:rPr lang="de-DE" altLang="de-DE" dirty="0"/>
-              <a:t>zeigt den Commit zum angegebenen Tag</a:t>
+              <a:t>ermöglicht das Auschecken eines getaggten Commit</a:t>
             </a:r>
           </a:p>
           <a:p>
@@ -10570,7 +9766,7 @@
               </a:spcBef>
               <a:buNone/>
             </a:pPr>
-            <a:endParaRPr lang="de-DE" altLang="de-DE" sz="1200" dirty="0">
+            <a:endParaRPr lang="en-US" altLang="de-DE" sz="1200" dirty="0">
               <a:latin typeface="Consolas" panose="020B0609020204030204" pitchFamily="49" charset="0"/>
             </a:endParaRPr>
           </a:p>
@@ -10582,34 +9778,10 @@
               <a:buNone/>
             </a:pPr>
             <a:r>
-              <a:rPr lang="de-DE" altLang="de-DE" sz="1200" dirty="0">
-                <a:latin typeface="Consolas" panose="020B0609020204030204" pitchFamily="49" charset="0"/>
-              </a:rPr>
-              <a:t>$ </a:t>
-            </a:r>
-            <a:r>
-              <a:rPr lang="de-DE" altLang="de-DE" sz="1200" dirty="0" err="1">
-                <a:latin typeface="Consolas" panose="020B0609020204030204" pitchFamily="49" charset="0"/>
-              </a:rPr>
-              <a:t>git</a:t>
-            </a:r>
-            <a:r>
-              <a:rPr lang="de-DE" altLang="de-DE" sz="1200" dirty="0">
-                <a:latin typeface="Consolas" panose="020B0609020204030204" pitchFamily="49" charset="0"/>
-              </a:rPr>
-              <a:t> </a:t>
-            </a:r>
-            <a:r>
-              <a:rPr lang="de-DE" altLang="de-DE" sz="1200" dirty="0" err="1">
-                <a:latin typeface="Consolas" panose="020B0609020204030204" pitchFamily="49" charset="0"/>
-              </a:rPr>
-              <a:t>show</a:t>
-            </a:r>
-            <a:r>
-              <a:rPr lang="de-DE" altLang="de-DE" sz="1200" dirty="0">
-                <a:latin typeface="Consolas" panose="020B0609020204030204" pitchFamily="49" charset="0"/>
-              </a:rPr>
-              <a:t> release-v0.0.1</a:t>
+              <a:rPr lang="en-US" altLang="de-DE" sz="1200" dirty="0">
+                <a:latin typeface="Consolas" panose="020B0609020204030204" pitchFamily="49" charset="0"/>
+              </a:rPr>
+              <a:t>$ git checkout release-v0.0.1</a:t>
             </a:r>
           </a:p>
           <a:p>
@@ -10620,16 +9792,10 @@
               <a:buNone/>
             </a:pPr>
             <a:r>
-              <a:rPr lang="de-DE" altLang="de-DE" sz="1200" dirty="0" err="1">
-                <a:latin typeface="Consolas" panose="020B0609020204030204" pitchFamily="49" charset="0"/>
-              </a:rPr>
-              <a:t>commit</a:t>
-            </a:r>
-            <a:r>
-              <a:rPr lang="de-DE" altLang="de-DE" sz="1200" dirty="0">
-                <a:latin typeface="Consolas" panose="020B0609020204030204" pitchFamily="49" charset="0"/>
-              </a:rPr>
-              <a:t> c3a059e2d6e4acfdca1295104b4d6a55f8bd00e4 (tag: release-v0.0.1)</a:t>
+              <a:rPr lang="en-US" altLang="de-DE" sz="1200" dirty="0">
+                <a:latin typeface="Consolas" panose="020B0609020204030204" pitchFamily="49" charset="0"/>
+              </a:rPr>
+              <a:t>Note: switching to 'release-v0.0.1'.</a:t>
             </a:r>
           </a:p>
           <a:p>
@@ -10639,30 +9805,9 @@
               </a:spcBef>
               <a:buNone/>
             </a:pPr>
-            <a:r>
-              <a:rPr lang="de-DE" altLang="de-DE" sz="1200" dirty="0" err="1">
-                <a:latin typeface="Consolas" panose="020B0609020204030204" pitchFamily="49" charset="0"/>
-              </a:rPr>
-              <a:t>Author</a:t>
-            </a:r>
-            <a:r>
-              <a:rPr lang="de-DE" altLang="de-DE" sz="1200" dirty="0">
-                <a:latin typeface="Consolas" panose="020B0609020204030204" pitchFamily="49" charset="0"/>
-              </a:rPr>
-              <a:t>: </a:t>
-            </a:r>
-            <a:r>
-              <a:rPr lang="de-DE" altLang="de-DE" sz="1200" dirty="0" err="1">
-                <a:latin typeface="Consolas" panose="020B0609020204030204" pitchFamily="49" charset="0"/>
-              </a:rPr>
-              <a:t>Example</a:t>
-            </a:r>
-            <a:r>
-              <a:rPr lang="de-DE" altLang="de-DE" sz="1200" dirty="0">
-                <a:latin typeface="Consolas" panose="020B0609020204030204" pitchFamily="49" charset="0"/>
-              </a:rPr>
-              <a:t> User &lt;example.user@example.de&gt;</a:t>
-            </a:r>
+            <a:endParaRPr lang="en-US" altLang="de-DE" sz="1200" dirty="0">
+              <a:latin typeface="Consolas" panose="020B0609020204030204" pitchFamily="49" charset="0"/>
+            </a:endParaRPr>
           </a:p>
           <a:p>
             <a:pPr marL="457200" lvl="1" indent="0">
@@ -10672,10 +9817,10 @@
               <a:buNone/>
             </a:pPr>
             <a:r>
-              <a:rPr lang="de-DE" altLang="de-DE" sz="1200" dirty="0">
-                <a:latin typeface="Consolas" panose="020B0609020204030204" pitchFamily="49" charset="0"/>
-              </a:rPr>
-              <a:t>Date:   Tue May 28 14:47:28 2024 +0200</a:t>
+              <a:rPr lang="en-US" altLang="de-DE" sz="1200" dirty="0">
+                <a:latin typeface="Consolas" panose="020B0609020204030204" pitchFamily="49" charset="0"/>
+              </a:rPr>
+              <a:t>You are in 'detached HEAD' state. You can look around, make experimental</a:t>
             </a:r>
           </a:p>
           <a:p>
@@ -10685,9 +9830,12 @@
               </a:spcBef>
               <a:buNone/>
             </a:pPr>
-            <a:endParaRPr lang="de-DE" altLang="de-DE" sz="1200" dirty="0">
-              <a:latin typeface="Consolas" panose="020B0609020204030204" pitchFamily="49" charset="0"/>
-            </a:endParaRPr>
+            <a:r>
+              <a:rPr lang="en-US" altLang="de-DE" sz="1200" dirty="0">
+                <a:latin typeface="Consolas" panose="020B0609020204030204" pitchFamily="49" charset="0"/>
+              </a:rPr>
+              <a:t>changes and commit them, and you can discard any commits you make in this</a:t>
+            </a:r>
           </a:p>
           <a:p>
             <a:pPr marL="457200" lvl="1" indent="0">
@@ -10697,20 +9845,11 @@
               <a:buNone/>
             </a:pPr>
             <a:r>
-              <a:rPr lang="de-DE" altLang="de-DE" sz="1200" dirty="0">
-                <a:latin typeface="Consolas" panose="020B0609020204030204" pitchFamily="49" charset="0"/>
-              </a:rPr>
-              <a:t>    Add </a:t>
-            </a:r>
-            <a:r>
-              <a:rPr lang="de-DE" altLang="de-DE" sz="1200" dirty="0" err="1">
-                <a:latin typeface="Consolas" panose="020B0609020204030204" pitchFamily="49" charset="0"/>
-              </a:rPr>
-              <a:t>final_file</a:t>
-            </a:r>
-            <a:endParaRPr lang="de-DE" altLang="de-DE" sz="1200" dirty="0">
-              <a:latin typeface="Consolas" panose="020B0609020204030204" pitchFamily="49" charset="0"/>
-            </a:endParaRPr>
+              <a:rPr lang="en-US" altLang="de-DE" sz="1200" dirty="0">
+                <a:latin typeface="Consolas" panose="020B0609020204030204" pitchFamily="49" charset="0"/>
+              </a:rPr>
+              <a:t>state without impacting any branches by switching back to a branch.</a:t>
+            </a:r>
           </a:p>
           <a:p>
             <a:pPr marL="457200" lvl="1" indent="0">
@@ -10719,7 +9858,7 @@
               </a:spcBef>
               <a:buNone/>
             </a:pPr>
-            <a:endParaRPr lang="de-DE" altLang="de-DE" sz="1200" dirty="0">
+            <a:endParaRPr lang="en-US" altLang="de-DE" sz="1200" dirty="0">
               <a:latin typeface="Consolas" panose="020B0609020204030204" pitchFamily="49" charset="0"/>
             </a:endParaRPr>
           </a:p>
@@ -10731,28 +9870,10 @@
               <a:buNone/>
             </a:pPr>
             <a:r>
-              <a:rPr lang="de-DE" altLang="de-DE" sz="1200" dirty="0" err="1">
-                <a:latin typeface="Consolas" panose="020B0609020204030204" pitchFamily="49" charset="0"/>
-              </a:rPr>
-              <a:t>diff</a:t>
-            </a:r>
-            <a:r>
-              <a:rPr lang="de-DE" altLang="de-DE" sz="1200" dirty="0">
-                <a:latin typeface="Consolas" panose="020B0609020204030204" pitchFamily="49" charset="0"/>
-              </a:rPr>
-              <a:t> --</a:t>
-            </a:r>
-            <a:r>
-              <a:rPr lang="de-DE" altLang="de-DE" sz="1200" dirty="0" err="1">
-                <a:latin typeface="Consolas" panose="020B0609020204030204" pitchFamily="49" charset="0"/>
-              </a:rPr>
-              <a:t>git</a:t>
-            </a:r>
-            <a:r>
-              <a:rPr lang="de-DE" altLang="de-DE" sz="1200" dirty="0">
-                <a:latin typeface="Consolas" panose="020B0609020204030204" pitchFamily="49" charset="0"/>
-              </a:rPr>
-              <a:t> a/final_file.txt b/final_file.txt</a:t>
+              <a:rPr lang="en-US" altLang="de-DE" sz="1200" dirty="0">
+                <a:latin typeface="Consolas" panose="020B0609020204030204" pitchFamily="49" charset="0"/>
+              </a:rPr>
+              <a:t>If you want to create a new branch to retain commits you create, you may</a:t>
             </a:r>
           </a:p>
           <a:p>
@@ -10763,40 +9884,10 @@
               <a:buNone/>
             </a:pPr>
             <a:r>
-              <a:rPr lang="de-DE" altLang="de-DE" sz="1200" dirty="0" err="1">
-                <a:latin typeface="Consolas" panose="020B0609020204030204" pitchFamily="49" charset="0"/>
-              </a:rPr>
-              <a:t>new</a:t>
-            </a:r>
-            <a:r>
-              <a:rPr lang="de-DE" altLang="de-DE" sz="1200" dirty="0">
-                <a:latin typeface="Consolas" panose="020B0609020204030204" pitchFamily="49" charset="0"/>
-              </a:rPr>
-              <a:t> </a:t>
-            </a:r>
-            <a:r>
-              <a:rPr lang="de-DE" altLang="de-DE" sz="1200" dirty="0" err="1">
-                <a:latin typeface="Consolas" panose="020B0609020204030204" pitchFamily="49" charset="0"/>
-              </a:rPr>
-              <a:t>file</a:t>
-            </a:r>
-            <a:r>
-              <a:rPr lang="de-DE" altLang="de-DE" sz="1200" dirty="0">
-                <a:latin typeface="Consolas" panose="020B0609020204030204" pitchFamily="49" charset="0"/>
-              </a:rPr>
-              <a:t> </a:t>
-            </a:r>
-            <a:r>
-              <a:rPr lang="de-DE" altLang="de-DE" sz="1200" dirty="0" err="1">
-                <a:latin typeface="Consolas" panose="020B0609020204030204" pitchFamily="49" charset="0"/>
-              </a:rPr>
-              <a:t>mode</a:t>
-            </a:r>
-            <a:r>
-              <a:rPr lang="de-DE" altLang="de-DE" sz="1200" dirty="0">
-                <a:latin typeface="Consolas" panose="020B0609020204030204" pitchFamily="49" charset="0"/>
-              </a:rPr>
-              <a:t> 100644</a:t>
+              <a:rPr lang="en-US" altLang="de-DE" sz="1200" dirty="0">
+                <a:latin typeface="Consolas" panose="020B0609020204030204" pitchFamily="49" charset="0"/>
+              </a:rPr>
+              <a:t>do so (now or later) by using -c with the switch command. Example:</a:t>
             </a:r>
           </a:p>
           <a:p>
@@ -10806,18 +9897,144 @@
               </a:spcBef>
               <a:buNone/>
             </a:pPr>
-            <a:r>
-              <a:rPr lang="de-DE" altLang="de-DE" sz="1200" dirty="0" err="1">
-                <a:latin typeface="Consolas" panose="020B0609020204030204" pitchFamily="49" charset="0"/>
-              </a:rPr>
-              <a:t>index</a:t>
-            </a:r>
-            <a:r>
-              <a:rPr lang="de-DE" altLang="de-DE" sz="1200" dirty="0">
-                <a:latin typeface="Consolas" panose="020B0609020204030204" pitchFamily="49" charset="0"/>
-              </a:rPr>
-              <a:t> 0000000..e69de29</a:t>
-            </a:r>
+            <a:endParaRPr lang="en-US" altLang="de-DE" sz="1200" dirty="0">
+              <a:latin typeface="Consolas" panose="020B0609020204030204" pitchFamily="49" charset="0"/>
+            </a:endParaRPr>
+          </a:p>
+          <a:p>
+            <a:pPr marL="457200" lvl="1" indent="0">
+              <a:spcBef>
+                <a:spcPts val="0"/>
+              </a:spcBef>
+              <a:buNone/>
+            </a:pPr>
+            <a:r>
+              <a:rPr lang="en-US" altLang="de-DE" sz="1200" dirty="0">
+                <a:latin typeface="Consolas" panose="020B0609020204030204" pitchFamily="49" charset="0"/>
+              </a:rPr>
+              <a:t>  git switch -c &lt;new-branch-name&gt;</a:t>
+            </a:r>
+          </a:p>
+          <a:p>
+            <a:pPr marL="457200" lvl="1" indent="0">
+              <a:spcBef>
+                <a:spcPts val="0"/>
+              </a:spcBef>
+              <a:buNone/>
+            </a:pPr>
+            <a:endParaRPr lang="en-US" altLang="de-DE" sz="1200" dirty="0">
+              <a:latin typeface="Consolas" panose="020B0609020204030204" pitchFamily="49" charset="0"/>
+            </a:endParaRPr>
+          </a:p>
+          <a:p>
+            <a:pPr marL="457200" lvl="1" indent="0">
+              <a:spcBef>
+                <a:spcPts val="0"/>
+              </a:spcBef>
+              <a:buNone/>
+            </a:pPr>
+            <a:r>
+              <a:rPr lang="en-US" altLang="de-DE" sz="1200" dirty="0">
+                <a:latin typeface="Consolas" panose="020B0609020204030204" pitchFamily="49" charset="0"/>
+              </a:rPr>
+              <a:t>Or undo this operation with:</a:t>
+            </a:r>
+          </a:p>
+          <a:p>
+            <a:pPr marL="457200" lvl="1" indent="0">
+              <a:spcBef>
+                <a:spcPts val="0"/>
+              </a:spcBef>
+              <a:buNone/>
+            </a:pPr>
+            <a:endParaRPr lang="en-US" altLang="de-DE" sz="1200" dirty="0">
+              <a:latin typeface="Consolas" panose="020B0609020204030204" pitchFamily="49" charset="0"/>
+            </a:endParaRPr>
+          </a:p>
+          <a:p>
+            <a:pPr marL="457200" lvl="1" indent="0">
+              <a:spcBef>
+                <a:spcPts val="0"/>
+              </a:spcBef>
+              <a:buNone/>
+            </a:pPr>
+            <a:r>
+              <a:rPr lang="en-US" altLang="de-DE" sz="1200" dirty="0">
+                <a:latin typeface="Consolas" panose="020B0609020204030204" pitchFamily="49" charset="0"/>
+              </a:rPr>
+              <a:t>  git switch -</a:t>
+            </a:r>
+          </a:p>
+          <a:p>
+            <a:pPr marL="457200" lvl="1" indent="0">
+              <a:spcBef>
+                <a:spcPts val="0"/>
+              </a:spcBef>
+              <a:buNone/>
+            </a:pPr>
+            <a:endParaRPr lang="en-US" altLang="de-DE" sz="1200" dirty="0">
+              <a:latin typeface="Consolas" panose="020B0609020204030204" pitchFamily="49" charset="0"/>
+            </a:endParaRPr>
+          </a:p>
+          <a:p>
+            <a:pPr marL="457200" lvl="1" indent="0">
+              <a:spcBef>
+                <a:spcPts val="0"/>
+              </a:spcBef>
+              <a:buNone/>
+            </a:pPr>
+            <a:r>
+              <a:rPr lang="en-US" altLang="de-DE" sz="1200" dirty="0">
+                <a:latin typeface="Consolas" panose="020B0609020204030204" pitchFamily="49" charset="0"/>
+              </a:rPr>
+              <a:t>Turn off this advice by setting config variable </a:t>
+            </a:r>
+            <a:r>
+              <a:rPr lang="en-US" altLang="de-DE" sz="1200" dirty="0" err="1">
+                <a:latin typeface="Consolas" panose="020B0609020204030204" pitchFamily="49" charset="0"/>
+              </a:rPr>
+              <a:t>advice.detachedHead</a:t>
+            </a:r>
+            <a:r>
+              <a:rPr lang="en-US" altLang="de-DE" sz="1200" dirty="0">
+                <a:latin typeface="Consolas" panose="020B0609020204030204" pitchFamily="49" charset="0"/>
+              </a:rPr>
+              <a:t> to false</a:t>
+            </a:r>
+          </a:p>
+          <a:p>
+            <a:pPr marL="457200" lvl="1" indent="0">
+              <a:spcBef>
+                <a:spcPts val="0"/>
+              </a:spcBef>
+              <a:buNone/>
+            </a:pPr>
+            <a:endParaRPr lang="en-US" altLang="de-DE" sz="1200" dirty="0">
+              <a:latin typeface="Consolas" panose="020B0609020204030204" pitchFamily="49" charset="0"/>
+            </a:endParaRPr>
+          </a:p>
+          <a:p>
+            <a:pPr marL="457200" lvl="1" indent="0">
+              <a:spcBef>
+                <a:spcPts val="0"/>
+              </a:spcBef>
+              <a:buNone/>
+            </a:pPr>
+            <a:r>
+              <a:rPr lang="en-US" altLang="de-DE" sz="1200" dirty="0">
+                <a:latin typeface="Consolas" panose="020B0609020204030204" pitchFamily="49" charset="0"/>
+              </a:rPr>
+              <a:t>HEAD is now at c3a059e Add </a:t>
+            </a:r>
+            <a:r>
+              <a:rPr lang="en-US" altLang="de-DE" sz="1200" dirty="0" err="1">
+                <a:latin typeface="Consolas" panose="020B0609020204030204" pitchFamily="49" charset="0"/>
+              </a:rPr>
+              <a:t>final_file</a:t>
+            </a:r>
+            <a:endParaRPr lang="de-DE" altLang="de-DE" sz="1200" dirty="0">
+              <a:latin typeface="Consolas" panose="020B0609020204030204" pitchFamily="49" charset="0"/>
+            </a:endParaRPr>
           </a:p>
           <a:p>
             <a:endParaRPr lang="de-DE" altLang="de-DE" dirty="0"/>
@@ -10864,7 +10081,7 @@
     </p:spTree>
     <p:extLst>
       <p:ext uri="{BB962C8B-B14F-4D97-AF65-F5344CB8AC3E}">
-        <p14:creationId xmlns:p14="http://schemas.microsoft.com/office/powerpoint/2010/main" val="1126642407"/>
+        <p14:creationId xmlns:p14="http://schemas.microsoft.com/office/powerpoint/2010/main" val="1904022772"/>
       </p:ext>
     </p:extLst>
   </p:cSld>

--- a/slides/Tag-2_2-Tags-und-Releases.pptx
+++ b/slides/Tag-2_2-Tags-und-Releases.pptx
@@ -7,32 +7,33 @@
     <p:sldMasterId id="2147483897" r:id="rId3"/>
   </p:sldMasterIdLst>
   <p:notesMasterIdLst>
-    <p:notesMasterId r:id="rId24"/>
+    <p:notesMasterId r:id="rId25"/>
   </p:notesMasterIdLst>
   <p:handoutMasterIdLst>
-    <p:handoutMasterId r:id="rId25"/>
+    <p:handoutMasterId r:id="rId26"/>
   </p:handoutMasterIdLst>
   <p:sldIdLst>
-    <p:sldId id="288" r:id="rId4"/>
-    <p:sldId id="387" r:id="rId5"/>
-    <p:sldId id="287" r:id="rId6"/>
+    <p:sldId id="604" r:id="rId4"/>
+    <p:sldId id="606" r:id="rId5"/>
+    <p:sldId id="726" r:id="rId6"/>
     <p:sldId id="596" r:id="rId7"/>
-    <p:sldId id="368" r:id="rId8"/>
-    <p:sldId id="420" r:id="rId9"/>
-    <p:sldId id="421" r:id="rId10"/>
-    <p:sldId id="424" r:id="rId11"/>
-    <p:sldId id="423" r:id="rId12"/>
-    <p:sldId id="425" r:id="rId13"/>
-    <p:sldId id="426" r:id="rId14"/>
-    <p:sldId id="427" r:id="rId15"/>
-    <p:sldId id="597" r:id="rId16"/>
-    <p:sldId id="428" r:id="rId17"/>
-    <p:sldId id="429" r:id="rId18"/>
-    <p:sldId id="598" r:id="rId19"/>
-    <p:sldId id="430" r:id="rId20"/>
-    <p:sldId id="431" r:id="rId21"/>
-    <p:sldId id="432" r:id="rId22"/>
-    <p:sldId id="433" r:id="rId23"/>
+    <p:sldId id="287" r:id="rId8"/>
+    <p:sldId id="368" r:id="rId9"/>
+    <p:sldId id="420" r:id="rId10"/>
+    <p:sldId id="421" r:id="rId11"/>
+    <p:sldId id="424" r:id="rId12"/>
+    <p:sldId id="423" r:id="rId13"/>
+    <p:sldId id="425" r:id="rId14"/>
+    <p:sldId id="426" r:id="rId15"/>
+    <p:sldId id="427" r:id="rId16"/>
+    <p:sldId id="597" r:id="rId17"/>
+    <p:sldId id="428" r:id="rId18"/>
+    <p:sldId id="429" r:id="rId19"/>
+    <p:sldId id="598" r:id="rId20"/>
+    <p:sldId id="430" r:id="rId21"/>
+    <p:sldId id="431" r:id="rId22"/>
+    <p:sldId id="432" r:id="rId23"/>
+    <p:sldId id="433" r:id="rId24"/>
   </p:sldIdLst>
   <p:sldSz cx="9144000" cy="6858000" type="screen4x3"/>
   <p:notesSz cx="6784975" cy="9921875"/>
@@ -1102,7 +1103,7 @@
                 <a:latin typeface="Arial" panose="020B0604020202020204" pitchFamily="34" charset="0"/>
               </a:rPr>
               <a:pPr/>
-              <a:t>3</a:t>
+              <a:t>5</a:t>
             </a:fld>
             <a:endParaRPr lang="de-DE" altLang="de-DE" sz="1000">
               <a:latin typeface="Arial" panose="020B0604020202020204" pitchFamily="34" charset="0"/>
@@ -2312,7 +2313,7 @@
                 </a:solidFill>
                 <a:latin typeface="Arial" charset="0"/>
               </a:rPr>
-              <a:t>&lt;Autor&gt;</a:t>
+              <a:t>Daniel Krämer &amp; Malte Fischer</a:t>
             </a:r>
           </a:p>
         </p:txBody>
@@ -2334,7 +2335,7 @@
         <p:spPr bwMode="auto">
           <a:xfrm>
             <a:off x="4252913" y="6424613"/>
-            <a:ext cx="1163637" cy="246062"/>
+            <a:ext cx="2092239" cy="246221"/>
           </a:xfrm>
           <a:prstGeom prst="rect">
             <a:avLst/>
@@ -2364,16 +2365,7 @@
                 </a:solidFill>
                 <a:latin typeface="Arial" charset="0"/>
               </a:rPr>
-              <a:t>&lt;Dateiname&gt;.</a:t>
-            </a:r>
-            <a:r>
-              <a:rPr lang="de-DE" sz="1000" dirty="0" err="1">
-                <a:solidFill>
-                  <a:schemeClr val="bg1"/>
-                </a:solidFill>
-                <a:latin typeface="Arial" charset="0"/>
-              </a:rPr>
-              <a:t>ppt</a:t>
+              <a:t>Tag-2_2-Tags-und-Releases.pptx</a:t>
             </a:r>
             <a:endParaRPr lang="de-DE" dirty="0">
               <a:solidFill>
@@ -4419,7 +4411,7 @@
                 </a:solidFill>
                 <a:latin typeface="Arial" charset="0"/>
               </a:rPr>
-              <a:t>&lt;Autor&gt;</a:t>
+              <a:t>Daniel Krämer &amp; Malte Fischer</a:t>
             </a:r>
           </a:p>
         </p:txBody>
@@ -4441,7 +4433,7 @@
         <p:spPr bwMode="auto">
           <a:xfrm>
             <a:off x="4252913" y="6424613"/>
-            <a:ext cx="1891865" cy="246221"/>
+            <a:ext cx="2092239" cy="246221"/>
           </a:xfrm>
           <a:prstGeom prst="rect">
             <a:avLst/>
@@ -4471,7 +4463,7 @@
                 </a:solidFill>
                 <a:latin typeface="Arial" charset="0"/>
               </a:rPr>
-              <a:t>Tag-3_2_1-GitLab-Runner.ppt</a:t>
+              <a:t>Tag-2_2-Tags-und-Releases.pptx</a:t>
             </a:r>
             <a:endParaRPr lang="de-DE" dirty="0">
               <a:solidFill>
@@ -5373,7 +5365,7 @@
         <p:spPr bwMode="auto">
           <a:xfrm>
             <a:off x="468313" y="2562225"/>
-            <a:ext cx="4967287" cy="938213"/>
+            <a:ext cx="5471839" cy="938213"/>
           </a:xfrm>
           <a:prstGeom prst="rect">
             <a:avLst/>
@@ -5405,8 +5397,24 @@
           <a:p>
             <a:pPr algn="l" eaLnBrk="1" hangingPunct="1"/>
             <a:r>
-              <a:rPr lang="de-DE" altLang="de-DE" dirty="0"/>
-              <a:t>Tags und Releases</a:t>
+              <a:rPr lang="de-DE" altLang="de-DE" sz="3200" dirty="0"/>
+              <a:t>Tag 2: Vertiefung </a:t>
+            </a:r>
+            <a:r>
+              <a:rPr lang="de-DE" altLang="de-DE" sz="3200" dirty="0" err="1"/>
+              <a:t>Git</a:t>
+            </a:r>
+            <a:r>
+              <a:rPr lang="de-DE" altLang="de-DE" sz="3200" dirty="0"/>
+              <a:t>-Workflow, CI/CD &amp; </a:t>
+            </a:r>
+            <a:r>
+              <a:rPr lang="de-DE" altLang="de-DE" sz="3200" dirty="0" err="1"/>
+              <a:t>GitLab</a:t>
+            </a:r>
+            <a:r>
+              <a:rPr lang="de-DE" altLang="de-DE" sz="3200" dirty="0"/>
+              <a:t> CI </a:t>
             </a:r>
           </a:p>
         </p:txBody>
@@ -5429,8 +5437,8 @@
         </p:nvSpPr>
         <p:spPr bwMode="auto">
           <a:xfrm>
-            <a:off x="468313" y="4462463"/>
-            <a:ext cx="2159000" cy="622300"/>
+            <a:off x="468312" y="4462463"/>
+            <a:ext cx="4190603" cy="622300"/>
           </a:xfrm>
           <a:prstGeom prst="rect">
             <a:avLst/>
@@ -5465,8 +5473,8 @@
               <a:buNone/>
             </a:pPr>
             <a:r>
-              <a:rPr lang="de-DE" altLang="de-DE" sz="1600"/>
-              <a:t>&lt;Datum, Autor&gt;</a:t>
+              <a:rPr lang="de-DE" altLang="de-DE" sz="1600" dirty="0"/>
+              <a:t>18.06.2024, Daniel Krämer &amp; Malte Fischer</a:t>
             </a:r>
           </a:p>
         </p:txBody>
@@ -5619,18 +5627,54 @@
           </a:lstStyle>
           <a:p>
             <a:pPr eaLnBrk="1" hangingPunct="1"/>
-            <a:r>
-              <a:rPr lang="de-DE" altLang="de-DE" sz="4400">
-                <a:solidFill>
-                  <a:schemeClr val="tx2"/>
-                </a:solidFill>
-                <a:latin typeface="Arial" panose="020B0604020202020204" pitchFamily="34" charset="0"/>
-              </a:rPr>
-              <a:t>&lt;Kundenlogo&gt;</a:t>
-            </a:r>
+            <a:endParaRPr lang="de-DE" altLang="de-DE" sz="4400" dirty="0">
+              <a:solidFill>
+                <a:schemeClr val="tx2"/>
+              </a:solidFill>
+              <a:latin typeface="Arial" panose="020B0604020202020204" pitchFamily="34" charset="0"/>
+            </a:endParaRPr>
           </a:p>
         </p:txBody>
       </p:sp>
+      <p:pic>
+        <p:nvPicPr>
+          <p:cNvPr id="3" name="Grafik 2">
+            <a:extLst>
+              <a:ext uri="{FF2B5EF4-FFF2-40B4-BE49-F238E27FC236}">
+                <a16:creationId xmlns:a16="http://schemas.microsoft.com/office/drawing/2014/main" id="{F795EC6A-86ED-78D6-3916-EC81E8315965}"/>
+              </a:ext>
+            </a:extLst>
+          </p:cNvPr>
+          <p:cNvPicPr>
+            <a:picLocks noChangeAspect="1"/>
+          </p:cNvPicPr>
+          <p:nvPr/>
+        </p:nvPicPr>
+        <p:blipFill>
+          <a:blip r:embed="rId2">
+            <a:extLst>
+              <a:ext uri="{28A0092B-C50C-407E-A947-70E740481C1C}">
+                <a14:useLocalDpi xmlns:a14="http://schemas.microsoft.com/office/drawing/2010/main" val="0"/>
+              </a:ext>
+              <a:ext uri="{96DAC541-7B7A-43D3-8B79-37D633B846F1}">
+                <asvg:svgBlip xmlns:asvg="http://schemas.microsoft.com/office/drawing/2016/SVG/main" r:embed="rId3"/>
+              </a:ext>
+            </a:extLst>
+          </a:blip>
+          <a:stretch>
+            <a:fillRect/>
+          </a:stretch>
+        </p:blipFill>
+        <p:spPr>
+          <a:xfrm>
+            <a:off x="309959" y="263970"/>
+            <a:ext cx="4348957" cy="1508822"/>
+          </a:xfrm>
+          <a:prstGeom prst="rect">
+            <a:avLst/>
+          </a:prstGeom>
+        </p:spPr>
+      </p:pic>
     </p:spTree>
   </p:cSld>
   <p:clrMapOvr>
@@ -5704,31 +5748,11 @@
               <a:rPr lang="de-DE" altLang="de-DE" dirty="0">
                 <a:latin typeface="Consolas" panose="020B0609020204030204" pitchFamily="49" charset="0"/>
               </a:rPr>
-              <a:t> –b &lt;</a:t>
-            </a:r>
-            <a:r>
-              <a:rPr lang="de-DE" altLang="de-DE" dirty="0" err="1">
-                <a:latin typeface="Consolas" panose="020B0609020204030204" pitchFamily="49" charset="0"/>
-              </a:rPr>
-              <a:t>branch</a:t>
-            </a:r>
-            <a:r>
-              <a:rPr lang="de-DE" altLang="de-DE" dirty="0">
-                <a:latin typeface="Consolas" panose="020B0609020204030204" pitchFamily="49" charset="0"/>
-              </a:rPr>
-              <a:t>-name&gt; &lt;tag-name&gt; </a:t>
+              <a:t> &lt;tag-name&gt; </a:t>
             </a:r>
             <a:r>
               <a:rPr lang="de-DE" altLang="de-DE" dirty="0"/>
-              <a:t>ermöglicht das Erstellen eines </a:t>
-            </a:r>
-            <a:r>
-              <a:rPr lang="de-DE" altLang="de-DE" dirty="0" err="1"/>
-              <a:t>Branches</a:t>
-            </a:r>
-            <a:r>
-              <a:rPr lang="de-DE" altLang="de-DE" dirty="0"/>
-              <a:t> abzweigend vom getaggten Commit</a:t>
+              <a:t>ermöglicht das Auschecken eines getaggten Commit</a:t>
             </a:r>
           </a:p>
           <a:p>
@@ -5753,7 +5777,7 @@
               <a:rPr lang="en-US" altLang="de-DE" sz="1200" dirty="0">
                 <a:latin typeface="Consolas" panose="020B0609020204030204" pitchFamily="49" charset="0"/>
               </a:rPr>
-              <a:t>$ git checkout -b hotfix release-v0.0.1</a:t>
+              <a:t>$ git checkout release-v0.0.1</a:t>
             </a:r>
           </a:p>
           <a:p>
@@ -5767,32 +5791,7 @@
               <a:rPr lang="en-US" altLang="de-DE" sz="1200" dirty="0">
                 <a:latin typeface="Consolas" panose="020B0609020204030204" pitchFamily="49" charset="0"/>
               </a:rPr>
-              <a:t>Switched to a new branch 'hotfix‘</a:t>
-            </a:r>
-            <a:endParaRPr lang="de-DE" altLang="de-DE" sz="1200" dirty="0">
-              <a:latin typeface="Consolas" panose="020B0609020204030204" pitchFamily="49" charset="0"/>
-            </a:endParaRPr>
-          </a:p>
-          <a:p>
-            <a:r>
-              <a:rPr lang="de-DE" altLang="de-DE" dirty="0"/>
-              <a:t>Löschen eines Tags ist mit dem Befehl </a:t>
-            </a:r>
-            <a:r>
-              <a:rPr lang="de-DE" altLang="de-DE" dirty="0" err="1">
-                <a:latin typeface="Consolas" panose="020B0609020204030204" pitchFamily="49" charset="0"/>
-              </a:rPr>
-              <a:t>git</a:t>
-            </a:r>
-            <a:r>
-              <a:rPr lang="de-DE" altLang="de-DE" dirty="0">
-                <a:latin typeface="Consolas" panose="020B0609020204030204" pitchFamily="49" charset="0"/>
-              </a:rPr>
-              <a:t> tag -d &lt;tag-name&gt; </a:t>
-            </a:r>
-            <a:r>
-              <a:rPr lang="de-DE" altLang="de-DE" dirty="0"/>
-              <a:t>möglich</a:t>
+              <a:t>Note: switching to 'release-v0.0.1'.</a:t>
             </a:r>
           </a:p>
           <a:p>
@@ -5817,7 +5816,7 @@
               <a:rPr lang="en-US" altLang="de-DE" sz="1200" dirty="0">
                 <a:latin typeface="Consolas" panose="020B0609020204030204" pitchFamily="49" charset="0"/>
               </a:rPr>
-              <a:t>$ git tag -d release-v0.0.0</a:t>
+              <a:t>You are in 'detached HEAD' state. You can look around, make experimental</a:t>
             </a:r>
           </a:p>
           <a:p>
@@ -5831,11 +5830,210 @@
               <a:rPr lang="en-US" altLang="de-DE" sz="1200" dirty="0">
                 <a:latin typeface="Consolas" panose="020B0609020204030204" pitchFamily="49" charset="0"/>
               </a:rPr>
-              <a:t>Deleted tag 'release-v0.0.0' (was a908be7)</a:t>
+              <a:t>changes and commit them, and you can discard any commits you make in this</a:t>
+            </a:r>
+          </a:p>
+          <a:p>
+            <a:pPr marL="457200" lvl="1" indent="0">
+              <a:spcBef>
+                <a:spcPts val="0"/>
+              </a:spcBef>
+              <a:buNone/>
+            </a:pPr>
+            <a:r>
+              <a:rPr lang="en-US" altLang="de-DE" sz="1200" dirty="0">
+                <a:latin typeface="Consolas" panose="020B0609020204030204" pitchFamily="49" charset="0"/>
+              </a:rPr>
+              <a:t>state without impacting any branches by switching back to a branch.</a:t>
+            </a:r>
+          </a:p>
+          <a:p>
+            <a:pPr marL="457200" lvl="1" indent="0">
+              <a:spcBef>
+                <a:spcPts val="0"/>
+              </a:spcBef>
+              <a:buNone/>
+            </a:pPr>
+            <a:endParaRPr lang="en-US" altLang="de-DE" sz="1200" dirty="0">
+              <a:latin typeface="Consolas" panose="020B0609020204030204" pitchFamily="49" charset="0"/>
+            </a:endParaRPr>
+          </a:p>
+          <a:p>
+            <a:pPr marL="457200" lvl="1" indent="0">
+              <a:spcBef>
+                <a:spcPts val="0"/>
+              </a:spcBef>
+              <a:buNone/>
+            </a:pPr>
+            <a:r>
+              <a:rPr lang="en-US" altLang="de-DE" sz="1200" dirty="0">
+                <a:latin typeface="Consolas" panose="020B0609020204030204" pitchFamily="49" charset="0"/>
+              </a:rPr>
+              <a:t>If you want to create a new branch to retain commits you create, you may</a:t>
+            </a:r>
+          </a:p>
+          <a:p>
+            <a:pPr marL="457200" lvl="1" indent="0">
+              <a:spcBef>
+                <a:spcPts val="0"/>
+              </a:spcBef>
+              <a:buNone/>
+            </a:pPr>
+            <a:r>
+              <a:rPr lang="en-US" altLang="de-DE" sz="1200" dirty="0">
+                <a:latin typeface="Consolas" panose="020B0609020204030204" pitchFamily="49" charset="0"/>
+              </a:rPr>
+              <a:t>do so (now or later) by using -c with the switch command. Example:</a:t>
+            </a:r>
+          </a:p>
+          <a:p>
+            <a:pPr marL="457200" lvl="1" indent="0">
+              <a:spcBef>
+                <a:spcPts val="0"/>
+              </a:spcBef>
+              <a:buNone/>
+            </a:pPr>
+            <a:endParaRPr lang="en-US" altLang="de-DE" sz="1200" dirty="0">
+              <a:latin typeface="Consolas" panose="020B0609020204030204" pitchFamily="49" charset="0"/>
+            </a:endParaRPr>
+          </a:p>
+          <a:p>
+            <a:pPr marL="457200" lvl="1" indent="0">
+              <a:spcBef>
+                <a:spcPts val="0"/>
+              </a:spcBef>
+              <a:buNone/>
+            </a:pPr>
+            <a:r>
+              <a:rPr lang="en-US" altLang="de-DE" sz="1200" dirty="0">
+                <a:latin typeface="Consolas" panose="020B0609020204030204" pitchFamily="49" charset="0"/>
+              </a:rPr>
+              <a:t>  git switch -c &lt;new-branch-name&gt;</a:t>
+            </a:r>
+          </a:p>
+          <a:p>
+            <a:pPr marL="457200" lvl="1" indent="0">
+              <a:spcBef>
+                <a:spcPts val="0"/>
+              </a:spcBef>
+              <a:buNone/>
+            </a:pPr>
+            <a:endParaRPr lang="en-US" altLang="de-DE" sz="1200" dirty="0">
+              <a:latin typeface="Consolas" panose="020B0609020204030204" pitchFamily="49" charset="0"/>
+            </a:endParaRPr>
+          </a:p>
+          <a:p>
+            <a:pPr marL="457200" lvl="1" indent="0">
+              <a:spcBef>
+                <a:spcPts val="0"/>
+              </a:spcBef>
+              <a:buNone/>
+            </a:pPr>
+            <a:r>
+              <a:rPr lang="en-US" altLang="de-DE" sz="1200" dirty="0">
+                <a:latin typeface="Consolas" panose="020B0609020204030204" pitchFamily="49" charset="0"/>
+              </a:rPr>
+              <a:t>Or undo this operation with:</a:t>
+            </a:r>
+          </a:p>
+          <a:p>
+            <a:pPr marL="457200" lvl="1" indent="0">
+              <a:spcBef>
+                <a:spcPts val="0"/>
+              </a:spcBef>
+              <a:buNone/>
+            </a:pPr>
+            <a:endParaRPr lang="en-US" altLang="de-DE" sz="1200" dirty="0">
+              <a:latin typeface="Consolas" panose="020B0609020204030204" pitchFamily="49" charset="0"/>
+            </a:endParaRPr>
+          </a:p>
+          <a:p>
+            <a:pPr marL="457200" lvl="1" indent="0">
+              <a:spcBef>
+                <a:spcPts val="0"/>
+              </a:spcBef>
+              <a:buNone/>
+            </a:pPr>
+            <a:r>
+              <a:rPr lang="en-US" altLang="de-DE" sz="1200" dirty="0">
+                <a:latin typeface="Consolas" panose="020B0609020204030204" pitchFamily="49" charset="0"/>
+              </a:rPr>
+              <a:t>  git switch -</a:t>
+            </a:r>
+          </a:p>
+          <a:p>
+            <a:pPr marL="457200" lvl="1" indent="0">
+              <a:spcBef>
+                <a:spcPts val="0"/>
+              </a:spcBef>
+              <a:buNone/>
+            </a:pPr>
+            <a:endParaRPr lang="en-US" altLang="de-DE" sz="1200" dirty="0">
+              <a:latin typeface="Consolas" panose="020B0609020204030204" pitchFamily="49" charset="0"/>
+            </a:endParaRPr>
+          </a:p>
+          <a:p>
+            <a:pPr marL="457200" lvl="1" indent="0">
+              <a:spcBef>
+                <a:spcPts val="0"/>
+              </a:spcBef>
+              <a:buNone/>
+            </a:pPr>
+            <a:r>
+              <a:rPr lang="en-US" altLang="de-DE" sz="1200" dirty="0">
+                <a:latin typeface="Consolas" panose="020B0609020204030204" pitchFamily="49" charset="0"/>
+              </a:rPr>
+              <a:t>Turn off this advice by setting config variable </a:t>
+            </a:r>
+            <a:r>
+              <a:rPr lang="en-US" altLang="de-DE" sz="1200" dirty="0" err="1">
+                <a:latin typeface="Consolas" panose="020B0609020204030204" pitchFamily="49" charset="0"/>
+              </a:rPr>
+              <a:t>advice.detachedHead</a:t>
+            </a:r>
+            <a:r>
+              <a:rPr lang="en-US" altLang="de-DE" sz="1200" dirty="0">
+                <a:latin typeface="Consolas" panose="020B0609020204030204" pitchFamily="49" charset="0"/>
+              </a:rPr>
+              <a:t> to false</a:t>
+            </a:r>
+          </a:p>
+          <a:p>
+            <a:pPr marL="457200" lvl="1" indent="0">
+              <a:spcBef>
+                <a:spcPts val="0"/>
+              </a:spcBef>
+              <a:buNone/>
+            </a:pPr>
+            <a:endParaRPr lang="en-US" altLang="de-DE" sz="1200" dirty="0">
+              <a:latin typeface="Consolas" panose="020B0609020204030204" pitchFamily="49" charset="0"/>
+            </a:endParaRPr>
+          </a:p>
+          <a:p>
+            <a:pPr marL="457200" lvl="1" indent="0">
+              <a:spcBef>
+                <a:spcPts val="0"/>
+              </a:spcBef>
+              <a:buNone/>
+            </a:pPr>
+            <a:r>
+              <a:rPr lang="en-US" altLang="de-DE" sz="1200" dirty="0">
+                <a:latin typeface="Consolas" panose="020B0609020204030204" pitchFamily="49" charset="0"/>
+              </a:rPr>
+              <a:t>HEAD is now at c3a059e Add </a:t>
+            </a:r>
+            <a:r>
+              <a:rPr lang="en-US" altLang="de-DE" sz="1200" dirty="0" err="1">
+                <a:latin typeface="Consolas" panose="020B0609020204030204" pitchFamily="49" charset="0"/>
+              </a:rPr>
+              <a:t>final_file</a:t>
             </a:r>
             <a:endParaRPr lang="de-DE" altLang="de-DE" sz="1200" dirty="0">
               <a:latin typeface="Consolas" panose="020B0609020204030204" pitchFamily="49" charset="0"/>
             </a:endParaRPr>
+          </a:p>
+          <a:p>
+            <a:endParaRPr lang="de-DE" altLang="de-DE" dirty="0"/>
           </a:p>
         </p:txBody>
       </p:sp>
@@ -5879,7 +6077,7 @@
     </p:spTree>
     <p:extLst>
       <p:ext uri="{BB962C8B-B14F-4D97-AF65-F5344CB8AC3E}">
-        <p14:creationId xmlns:p14="http://schemas.microsoft.com/office/powerpoint/2010/main" val="1311074186"/>
+        <p14:creationId xmlns:p14="http://schemas.microsoft.com/office/powerpoint/2010/main" val="1904022772"/>
       </p:ext>
     </p:extLst>
   </p:cSld>
@@ -5932,97 +6130,160 @@
           <a:bodyPr/>
           <a:lstStyle/>
           <a:p>
-            <a:pPr marL="0" indent="0">
+            <a:r>
+              <a:rPr lang="de-DE" altLang="de-DE" dirty="0" err="1">
+                <a:latin typeface="Consolas" panose="020B0609020204030204" pitchFamily="49" charset="0"/>
+              </a:rPr>
+              <a:t>git</a:t>
+            </a:r>
+            <a:r>
+              <a:rPr lang="de-DE" altLang="de-DE" dirty="0">
+                <a:latin typeface="Consolas" panose="020B0609020204030204" pitchFamily="49" charset="0"/>
+              </a:rPr>
+              <a:t> </a:t>
+            </a:r>
+            <a:r>
+              <a:rPr lang="de-DE" altLang="de-DE" dirty="0" err="1">
+                <a:latin typeface="Consolas" panose="020B0609020204030204" pitchFamily="49" charset="0"/>
+              </a:rPr>
+              <a:t>checkout</a:t>
+            </a:r>
+            <a:r>
+              <a:rPr lang="de-DE" altLang="de-DE" dirty="0">
+                <a:latin typeface="Consolas" panose="020B0609020204030204" pitchFamily="49" charset="0"/>
+              </a:rPr>
+              <a:t> –b &lt;</a:t>
+            </a:r>
+            <a:r>
+              <a:rPr lang="de-DE" altLang="de-DE" dirty="0" err="1">
+                <a:latin typeface="Consolas" panose="020B0609020204030204" pitchFamily="49" charset="0"/>
+              </a:rPr>
+              <a:t>branch</a:t>
+            </a:r>
+            <a:r>
+              <a:rPr lang="de-DE" altLang="de-DE" dirty="0">
+                <a:latin typeface="Consolas" panose="020B0609020204030204" pitchFamily="49" charset="0"/>
+              </a:rPr>
+              <a:t>-name&gt; &lt;tag-name&gt; </a:t>
+            </a:r>
+            <a:r>
+              <a:rPr lang="de-DE" altLang="de-DE" dirty="0"/>
+              <a:t>ermöglicht das Erstellen eines </a:t>
+            </a:r>
+            <a:r>
+              <a:rPr lang="de-DE" altLang="de-DE" dirty="0" err="1"/>
+              <a:t>Branches</a:t>
+            </a:r>
+            <a:r>
+              <a:rPr lang="de-DE" altLang="de-DE" dirty="0"/>
+              <a:t> abzweigend vom getaggten Commit</a:t>
+            </a:r>
+          </a:p>
+          <a:p>
+            <a:pPr marL="457200" lvl="1" indent="0">
+              <a:spcBef>
+                <a:spcPts val="0"/>
+              </a:spcBef>
               <a:buNone/>
             </a:pPr>
-            <a:r>
-              <a:rPr lang="de-DE" altLang="de-DE" b="1" dirty="0" err="1"/>
-              <a:t>Annotated</a:t>
-            </a:r>
-            <a:r>
-              <a:rPr lang="de-DE" altLang="de-DE" b="1" dirty="0"/>
-              <a:t> und Lightweight Tags</a:t>
-            </a:r>
+            <a:endParaRPr lang="en-US" altLang="de-DE" sz="1200" dirty="0">
+              <a:latin typeface="Consolas" panose="020B0609020204030204" pitchFamily="49" charset="0"/>
+            </a:endParaRPr>
+          </a:p>
+          <a:p>
+            <a:pPr marL="457200" lvl="1" indent="0">
+              <a:spcBef>
+                <a:spcPts val="0"/>
+              </a:spcBef>
+              <a:buNone/>
+            </a:pPr>
+            <a:r>
+              <a:rPr lang="en-US" altLang="de-DE" sz="1200" dirty="0">
+                <a:latin typeface="Consolas" panose="020B0609020204030204" pitchFamily="49" charset="0"/>
+              </a:rPr>
+              <a:t>$ git checkout -b hotfix release-v0.0.1</a:t>
+            </a:r>
+          </a:p>
+          <a:p>
+            <a:pPr marL="457200" lvl="1" indent="0">
+              <a:spcBef>
+                <a:spcPts val="0"/>
+              </a:spcBef>
+              <a:buNone/>
+            </a:pPr>
+            <a:r>
+              <a:rPr lang="en-US" altLang="de-DE" sz="1200" dirty="0">
+                <a:latin typeface="Consolas" panose="020B0609020204030204" pitchFamily="49" charset="0"/>
+              </a:rPr>
+              <a:t>Switched to a new branch 'hotfix‘</a:t>
+            </a:r>
+            <a:endParaRPr lang="de-DE" altLang="de-DE" sz="1200" dirty="0">
+              <a:latin typeface="Consolas" panose="020B0609020204030204" pitchFamily="49" charset="0"/>
+            </a:endParaRPr>
           </a:p>
           <a:p>
             <a:r>
               <a:rPr lang="de-DE" altLang="de-DE" dirty="0"/>
-              <a:t>Lightweight Tags geben dem jeweiligen Commit nur ein Alias</a:t>
-            </a:r>
-          </a:p>
-          <a:p>
-            <a:r>
-              <a:rPr lang="de-DE" altLang="de-DE" dirty="0" err="1"/>
-              <a:t>Annotated</a:t>
+              <a:t>Löschen eines Tags ist mit dem Befehl </a:t>
+            </a:r>
+            <a:r>
+              <a:rPr lang="de-DE" altLang="de-DE" dirty="0" err="1">
+                <a:latin typeface="Consolas" panose="020B0609020204030204" pitchFamily="49" charset="0"/>
+              </a:rPr>
+              <a:t>git</a:t>
+            </a:r>
+            <a:r>
+              <a:rPr lang="de-DE" altLang="de-DE" dirty="0">
+                <a:latin typeface="Consolas" panose="020B0609020204030204" pitchFamily="49" charset="0"/>
+              </a:rPr>
+              <a:t> tag -d &lt;tag-name&gt; </a:t>
             </a:r>
             <a:r>
               <a:rPr lang="de-DE" altLang="de-DE" dirty="0"/>
-              <a:t> Tags sind schwergewichtiger und enthalten daher mehr Informationen</a:t>
-            </a:r>
-          </a:p>
-          <a:p>
-            <a:pPr lvl="1"/>
-            <a:r>
-              <a:rPr lang="de-DE" altLang="de-DE" dirty="0"/>
-              <a:t>Tagger Name</a:t>
-            </a:r>
-          </a:p>
-          <a:p>
-            <a:pPr lvl="1"/>
-            <a:r>
-              <a:rPr lang="de-DE" altLang="de-DE" dirty="0"/>
-              <a:t>Tagger E-Mail</a:t>
-            </a:r>
-          </a:p>
-          <a:p>
-            <a:pPr lvl="1"/>
-            <a:r>
-              <a:rPr lang="de-DE" altLang="de-DE" dirty="0"/>
-              <a:t>Datum</a:t>
-            </a:r>
-          </a:p>
-          <a:p>
-            <a:pPr lvl="1"/>
-            <a:r>
-              <a:rPr lang="de-DE" altLang="de-DE" dirty="0"/>
-              <a:t>Tagging Message</a:t>
-            </a:r>
-          </a:p>
-          <a:p>
-            <a:pPr lvl="1"/>
-            <a:r>
-              <a:rPr lang="de-DE" altLang="de-DE" dirty="0"/>
-              <a:t>Checksumme</a:t>
-            </a:r>
-          </a:p>
-          <a:p>
-            <a:pPr lvl="1"/>
-            <a:r>
-              <a:rPr lang="de-DE" altLang="de-DE" dirty="0"/>
-              <a:t>Signierung</a:t>
-            </a:r>
-          </a:p>
-          <a:p>
-            <a:r>
-              <a:rPr lang="de-DE" altLang="de-DE" dirty="0"/>
-              <a:t>Sinnvoll bei </a:t>
-            </a:r>
-            <a:r>
-              <a:rPr lang="de-DE" altLang="de-DE" dirty="0" err="1"/>
-              <a:t>Mulit</a:t>
-            </a:r>
-            <a:r>
-              <a:rPr lang="de-DE" altLang="de-DE" dirty="0"/>
-              <a:t>-Developer oder </a:t>
-            </a:r>
-            <a:r>
-              <a:rPr lang="de-DE" altLang="de-DE" dirty="0" err="1"/>
-              <a:t>Mulit</a:t>
-            </a:r>
-            <a:r>
-              <a:rPr lang="de-DE" altLang="de-DE" dirty="0"/>
-              <a:t>-Repository Umgebungen, um bspw. Releases zu markieren</a:t>
-            </a:r>
+              <a:t>möglich</a:t>
+            </a:r>
+          </a:p>
+          <a:p>
+            <a:pPr marL="457200" lvl="1" indent="0">
+              <a:spcBef>
+                <a:spcPts val="0"/>
+              </a:spcBef>
+              <a:buNone/>
+            </a:pPr>
+            <a:endParaRPr lang="en-US" altLang="de-DE" sz="1200" dirty="0">
+              <a:latin typeface="Consolas" panose="020B0609020204030204" pitchFamily="49" charset="0"/>
+            </a:endParaRPr>
+          </a:p>
+          <a:p>
+            <a:pPr marL="457200" lvl="1" indent="0">
+              <a:spcBef>
+                <a:spcPts val="0"/>
+              </a:spcBef>
+              <a:buNone/>
+            </a:pPr>
+            <a:r>
+              <a:rPr lang="en-US" altLang="de-DE" sz="1200" dirty="0">
+                <a:latin typeface="Consolas" panose="020B0609020204030204" pitchFamily="49" charset="0"/>
+              </a:rPr>
+              <a:t>$ git tag -d release-v0.0.0</a:t>
+            </a:r>
+          </a:p>
+          <a:p>
+            <a:pPr marL="457200" lvl="1" indent="0">
+              <a:spcBef>
+                <a:spcPts val="0"/>
+              </a:spcBef>
+              <a:buNone/>
+            </a:pPr>
+            <a:r>
+              <a:rPr lang="en-US" altLang="de-DE" sz="1200" dirty="0">
+                <a:latin typeface="Consolas" panose="020B0609020204030204" pitchFamily="49" charset="0"/>
+              </a:rPr>
+              <a:t>Deleted tag 'release-v0.0.0' (was a908be7)</a:t>
+            </a:r>
+            <a:endParaRPr lang="de-DE" altLang="de-DE" sz="1200" dirty="0">
+              <a:latin typeface="Consolas" panose="020B0609020204030204" pitchFamily="49" charset="0"/>
+            </a:endParaRPr>
           </a:p>
         </p:txBody>
       </p:sp>
@@ -6066,7 +6327,7 @@
     </p:spTree>
     <p:extLst>
       <p:ext uri="{BB962C8B-B14F-4D97-AF65-F5344CB8AC3E}">
-        <p14:creationId xmlns:p14="http://schemas.microsoft.com/office/powerpoint/2010/main" val="968504568"/>
+        <p14:creationId xmlns:p14="http://schemas.microsoft.com/office/powerpoint/2010/main" val="1311074186"/>
       </p:ext>
     </p:extLst>
   </p:cSld>
@@ -6119,432 +6380,96 @@
           <a:bodyPr/>
           <a:lstStyle/>
           <a:p>
+            <a:pPr marL="0" indent="0">
+              <a:buNone/>
+            </a:pPr>
+            <a:r>
+              <a:rPr lang="de-DE" altLang="de-DE" b="1" dirty="0" err="1"/>
+              <a:t>Annotated</a:t>
+            </a:r>
+            <a:r>
+              <a:rPr lang="de-DE" altLang="de-DE" b="1" dirty="0"/>
+              <a:t> und Lightweight Tags</a:t>
+            </a:r>
+          </a:p>
+          <a:p>
+            <a:r>
+              <a:rPr lang="de-DE" altLang="de-DE" dirty="0"/>
+              <a:t>Lightweight Tags geben dem jeweiligen Commit nur ein Alias</a:t>
+            </a:r>
+          </a:p>
+          <a:p>
             <a:r>
               <a:rPr lang="de-DE" altLang="de-DE" dirty="0" err="1"/>
               <a:t>Annotated</a:t>
             </a:r>
             <a:r>
               <a:rPr lang="de-DE" altLang="de-DE" dirty="0"/>
-              <a:t> Tag erstellen mittels</a:t>
-            </a:r>
-          </a:p>
-          <a:p>
-            <a:pPr marL="0" indent="0">
-              <a:buNone/>
-            </a:pPr>
+              <a:t> Tags sind schwergewichtiger und enthalten daher mehr Informationen</a:t>
+            </a:r>
+          </a:p>
+          <a:p>
+            <a:pPr lvl="1"/>
             <a:r>
               <a:rPr lang="de-DE" altLang="de-DE" dirty="0"/>
-              <a:t>	</a:t>
-            </a:r>
-            <a:r>
-              <a:rPr lang="de-DE" altLang="de-DE" dirty="0" err="1">
-                <a:latin typeface="Consolas" panose="020B0609020204030204" pitchFamily="49" charset="0"/>
-              </a:rPr>
-              <a:t>git</a:t>
-            </a:r>
-            <a:r>
-              <a:rPr lang="de-DE" altLang="de-DE" dirty="0">
-                <a:latin typeface="Consolas" panose="020B0609020204030204" pitchFamily="49" charset="0"/>
-              </a:rPr>
-              <a:t> tag -a &lt;tag-name&gt;</a:t>
-            </a:r>
-          </a:p>
-          <a:p>
-            <a:pPr marL="457200" lvl="1" indent="0">
-              <a:buNone/>
-            </a:pPr>
-            <a:endParaRPr lang="de-DE" altLang="de-DE" sz="1200" dirty="0">
-              <a:latin typeface="Consolas" panose="020B0609020204030204" pitchFamily="49" charset="0"/>
-            </a:endParaRPr>
-          </a:p>
-          <a:p>
-            <a:pPr marL="457200" lvl="1" indent="0">
-              <a:spcBef>
-                <a:spcPts val="0"/>
-              </a:spcBef>
-              <a:buNone/>
-            </a:pPr>
-            <a:r>
-              <a:rPr lang="de-DE" altLang="de-DE" sz="1200" dirty="0">
-                <a:latin typeface="Consolas" panose="020B0609020204030204" pitchFamily="49" charset="0"/>
-              </a:rPr>
-              <a:t>$ </a:t>
-            </a:r>
-            <a:r>
-              <a:rPr lang="de-DE" altLang="de-DE" sz="1200" dirty="0" err="1">
-                <a:latin typeface="Consolas" panose="020B0609020204030204" pitchFamily="49" charset="0"/>
-              </a:rPr>
-              <a:t>git</a:t>
-            </a:r>
-            <a:r>
-              <a:rPr lang="de-DE" altLang="de-DE" sz="1200" dirty="0">
-                <a:latin typeface="Consolas" panose="020B0609020204030204" pitchFamily="49" charset="0"/>
-              </a:rPr>
-              <a:t> tag -a release-v1.0.0 -m "</a:t>
-            </a:r>
-            <a:r>
-              <a:rPr lang="de-DE" altLang="de-DE" sz="1200" dirty="0" err="1">
-                <a:latin typeface="Consolas" panose="020B0609020204030204" pitchFamily="49" charset="0"/>
-              </a:rPr>
-              <a:t>Latest</a:t>
-            </a:r>
-            <a:r>
-              <a:rPr lang="de-DE" altLang="de-DE" sz="1200" dirty="0">
-                <a:latin typeface="Consolas" panose="020B0609020204030204" pitchFamily="49" charset="0"/>
-              </a:rPr>
-              <a:t> v1 release"</a:t>
-            </a:r>
-          </a:p>
-          <a:p>
-            <a:pPr marL="457200" lvl="1" indent="0">
-              <a:spcBef>
-                <a:spcPts val="0"/>
-              </a:spcBef>
-              <a:buNone/>
-            </a:pPr>
-            <a:endParaRPr lang="de-DE" altLang="de-DE" sz="1200" dirty="0">
-              <a:latin typeface="Consolas" panose="020B0609020204030204" pitchFamily="49" charset="0"/>
-            </a:endParaRPr>
-          </a:p>
-          <a:p>
-            <a:pPr marL="457200" lvl="1" indent="0">
-              <a:spcBef>
-                <a:spcPts val="0"/>
-              </a:spcBef>
-              <a:buNone/>
-            </a:pPr>
-            <a:r>
-              <a:rPr lang="de-DE" altLang="de-DE" sz="1200" dirty="0">
-                <a:latin typeface="Consolas" panose="020B0609020204030204" pitchFamily="49" charset="0"/>
-              </a:rPr>
-              <a:t>$ </a:t>
-            </a:r>
-            <a:r>
-              <a:rPr lang="de-DE" altLang="de-DE" sz="1200" dirty="0" err="1">
-                <a:latin typeface="Consolas" panose="020B0609020204030204" pitchFamily="49" charset="0"/>
-              </a:rPr>
-              <a:t>git</a:t>
-            </a:r>
-            <a:r>
-              <a:rPr lang="de-DE" altLang="de-DE" sz="1200" dirty="0">
-                <a:latin typeface="Consolas" panose="020B0609020204030204" pitchFamily="49" charset="0"/>
-              </a:rPr>
-              <a:t> </a:t>
-            </a:r>
-            <a:r>
-              <a:rPr lang="de-DE" altLang="de-DE" sz="1200" dirty="0" err="1">
-                <a:latin typeface="Consolas" panose="020B0609020204030204" pitchFamily="49" charset="0"/>
-              </a:rPr>
-              <a:t>show</a:t>
-            </a:r>
-            <a:r>
-              <a:rPr lang="de-DE" altLang="de-DE" sz="1200" dirty="0">
-                <a:latin typeface="Consolas" panose="020B0609020204030204" pitchFamily="49" charset="0"/>
-              </a:rPr>
-              <a:t> release-v1.0.0</a:t>
-            </a:r>
-          </a:p>
-          <a:p>
-            <a:pPr marL="457200" lvl="1" indent="0">
-              <a:spcBef>
-                <a:spcPts val="0"/>
-              </a:spcBef>
-              <a:buNone/>
-            </a:pPr>
-            <a:r>
-              <a:rPr lang="de-DE" altLang="de-DE" sz="1200" dirty="0">
-                <a:latin typeface="Consolas" panose="020B0609020204030204" pitchFamily="49" charset="0"/>
-              </a:rPr>
-              <a:t>tag release-v1.0.0</a:t>
-            </a:r>
-          </a:p>
-          <a:p>
-            <a:pPr marL="457200" lvl="1" indent="0">
-              <a:spcBef>
-                <a:spcPts val="0"/>
-              </a:spcBef>
-              <a:buNone/>
-            </a:pPr>
-            <a:r>
-              <a:rPr lang="de-DE" altLang="de-DE" sz="1200" dirty="0">
-                <a:latin typeface="Consolas" panose="020B0609020204030204" pitchFamily="49" charset="0"/>
-              </a:rPr>
-              <a:t>Tagger: Christopher Keutner &lt;christopher.keutner@alumni.fh-aachen.de&gt;</a:t>
-            </a:r>
-          </a:p>
-          <a:p>
-            <a:pPr marL="457200" lvl="1" indent="0">
-              <a:spcBef>
-                <a:spcPts val="0"/>
-              </a:spcBef>
-              <a:buNone/>
-            </a:pPr>
-            <a:r>
-              <a:rPr lang="de-DE" altLang="de-DE" sz="1200" dirty="0">
-                <a:latin typeface="Consolas" panose="020B0609020204030204" pitchFamily="49" charset="0"/>
-              </a:rPr>
-              <a:t>Date:   Tue May 28 15:13:44 2024 +0200</a:t>
-            </a:r>
-          </a:p>
-          <a:p>
-            <a:pPr marL="457200" lvl="1" indent="0">
-              <a:spcBef>
-                <a:spcPts val="0"/>
-              </a:spcBef>
-              <a:buNone/>
-            </a:pPr>
-            <a:endParaRPr lang="de-DE" altLang="de-DE" sz="1200" dirty="0">
-              <a:latin typeface="Consolas" panose="020B0609020204030204" pitchFamily="49" charset="0"/>
-            </a:endParaRPr>
-          </a:p>
-          <a:p>
-            <a:pPr marL="457200" lvl="1" indent="0">
-              <a:spcBef>
-                <a:spcPts val="0"/>
-              </a:spcBef>
-              <a:buNone/>
-            </a:pPr>
-            <a:r>
-              <a:rPr lang="de-DE" altLang="de-DE" sz="1200" dirty="0" err="1">
-                <a:latin typeface="Consolas" panose="020B0609020204030204" pitchFamily="49" charset="0"/>
-              </a:rPr>
-              <a:t>Latest</a:t>
-            </a:r>
-            <a:r>
-              <a:rPr lang="de-DE" altLang="de-DE" sz="1200" dirty="0">
-                <a:latin typeface="Consolas" panose="020B0609020204030204" pitchFamily="49" charset="0"/>
-              </a:rPr>
-              <a:t> v1 release</a:t>
-            </a:r>
-          </a:p>
-          <a:p>
-            <a:pPr marL="457200" lvl="1" indent="0">
-              <a:spcBef>
-                <a:spcPts val="0"/>
-              </a:spcBef>
-              <a:buNone/>
-            </a:pPr>
-            <a:endParaRPr lang="de-DE" altLang="de-DE" sz="1200" dirty="0">
-              <a:latin typeface="Consolas" panose="020B0609020204030204" pitchFamily="49" charset="0"/>
-            </a:endParaRPr>
-          </a:p>
-          <a:p>
-            <a:pPr marL="457200" lvl="1" indent="0">
-              <a:spcBef>
-                <a:spcPts val="0"/>
-              </a:spcBef>
-              <a:buNone/>
-            </a:pPr>
-            <a:r>
-              <a:rPr lang="de-DE" altLang="de-DE" sz="1200" dirty="0" err="1">
-                <a:latin typeface="Consolas" panose="020B0609020204030204" pitchFamily="49" charset="0"/>
-              </a:rPr>
-              <a:t>commit</a:t>
-            </a:r>
-            <a:r>
-              <a:rPr lang="de-DE" altLang="de-DE" sz="1200" dirty="0">
-                <a:latin typeface="Consolas" panose="020B0609020204030204" pitchFamily="49" charset="0"/>
-              </a:rPr>
-              <a:t> 11f6b62f8bc7a3403ceae4e8923d7a54abab7b6d (HEAD -&gt; </a:t>
-            </a:r>
-            <a:r>
-              <a:rPr lang="de-DE" altLang="de-DE" sz="1200" dirty="0" err="1">
-                <a:latin typeface="Consolas" panose="020B0609020204030204" pitchFamily="49" charset="0"/>
-              </a:rPr>
-              <a:t>main</a:t>
-            </a:r>
-            <a:r>
-              <a:rPr lang="de-DE" altLang="de-DE" sz="1200" dirty="0">
-                <a:latin typeface="Consolas" panose="020B0609020204030204" pitchFamily="49" charset="0"/>
-              </a:rPr>
-              <a:t>, tag: release-v1.0.0)</a:t>
-            </a:r>
-          </a:p>
-          <a:p>
-            <a:pPr marL="457200" lvl="1" indent="0">
-              <a:spcBef>
-                <a:spcPts val="0"/>
-              </a:spcBef>
-              <a:buNone/>
-            </a:pPr>
-            <a:r>
-              <a:rPr lang="de-DE" altLang="de-DE" sz="1200" dirty="0" err="1">
-                <a:latin typeface="Consolas" panose="020B0609020204030204" pitchFamily="49" charset="0"/>
-              </a:rPr>
-              <a:t>Author</a:t>
-            </a:r>
-            <a:r>
-              <a:rPr lang="de-DE" altLang="de-DE" sz="1200" dirty="0">
-                <a:latin typeface="Consolas" panose="020B0609020204030204" pitchFamily="49" charset="0"/>
-              </a:rPr>
-              <a:t>: Christopher Keutner &lt;christopher.keutner@alumni.fh-aachen.de&gt;</a:t>
-            </a:r>
-          </a:p>
-          <a:p>
-            <a:pPr marL="457200" lvl="1" indent="0">
-              <a:spcBef>
-                <a:spcPts val="0"/>
-              </a:spcBef>
-              <a:buNone/>
-            </a:pPr>
-            <a:r>
-              <a:rPr lang="de-DE" altLang="de-DE" sz="1200" dirty="0">
-                <a:latin typeface="Consolas" panose="020B0609020204030204" pitchFamily="49" charset="0"/>
-              </a:rPr>
-              <a:t>Date:   Tue May 28 15:13:10 2024 +0200</a:t>
-            </a:r>
-          </a:p>
-          <a:p>
-            <a:pPr marL="457200" lvl="1" indent="0">
-              <a:spcBef>
-                <a:spcPts val="0"/>
-              </a:spcBef>
-              <a:buNone/>
-            </a:pPr>
-            <a:endParaRPr lang="de-DE" altLang="de-DE" sz="1200" dirty="0">
-              <a:latin typeface="Consolas" panose="020B0609020204030204" pitchFamily="49" charset="0"/>
-            </a:endParaRPr>
-          </a:p>
-          <a:p>
-            <a:pPr marL="457200" lvl="1" indent="0">
-              <a:spcBef>
-                <a:spcPts val="0"/>
-              </a:spcBef>
-              <a:buNone/>
-            </a:pPr>
-            <a:r>
-              <a:rPr lang="de-DE" altLang="de-DE" sz="1200" dirty="0">
-                <a:latin typeface="Consolas" panose="020B0609020204030204" pitchFamily="49" charset="0"/>
-              </a:rPr>
-              <a:t>    Add </a:t>
-            </a:r>
-            <a:r>
-              <a:rPr lang="de-DE" altLang="de-DE" sz="1200" dirty="0" err="1">
-                <a:latin typeface="Consolas" panose="020B0609020204030204" pitchFamily="49" charset="0"/>
-              </a:rPr>
-              <a:t>new</a:t>
-            </a:r>
-            <a:r>
-              <a:rPr lang="de-DE" altLang="de-DE" sz="1200" dirty="0">
-                <a:latin typeface="Consolas" panose="020B0609020204030204" pitchFamily="49" charset="0"/>
-              </a:rPr>
-              <a:t> </a:t>
-            </a:r>
-            <a:r>
-              <a:rPr lang="de-DE" altLang="de-DE" sz="1200" dirty="0" err="1">
-                <a:latin typeface="Consolas" panose="020B0609020204030204" pitchFamily="49" charset="0"/>
-              </a:rPr>
-              <a:t>file</a:t>
-            </a:r>
-            <a:endParaRPr lang="de-DE" altLang="de-DE" sz="1200" dirty="0">
-              <a:latin typeface="Consolas" panose="020B0609020204030204" pitchFamily="49" charset="0"/>
-            </a:endParaRPr>
-          </a:p>
-          <a:p>
-            <a:pPr marL="457200" lvl="1" indent="0">
-              <a:spcBef>
-                <a:spcPts val="0"/>
-              </a:spcBef>
-              <a:buNone/>
-            </a:pPr>
-            <a:endParaRPr lang="de-DE" altLang="de-DE" sz="1200" dirty="0">
-              <a:latin typeface="Consolas" panose="020B0609020204030204" pitchFamily="49" charset="0"/>
-            </a:endParaRPr>
-          </a:p>
-          <a:p>
-            <a:pPr marL="457200" lvl="1" indent="0">
-              <a:spcBef>
-                <a:spcPts val="0"/>
-              </a:spcBef>
-              <a:buNone/>
-            </a:pPr>
-            <a:r>
-              <a:rPr lang="de-DE" altLang="de-DE" sz="1200" dirty="0" err="1">
-                <a:latin typeface="Consolas" panose="020B0609020204030204" pitchFamily="49" charset="0"/>
-              </a:rPr>
-              <a:t>diff</a:t>
-            </a:r>
-            <a:r>
-              <a:rPr lang="de-DE" altLang="de-DE" sz="1200" dirty="0">
-                <a:latin typeface="Consolas" panose="020B0609020204030204" pitchFamily="49" charset="0"/>
-              </a:rPr>
-              <a:t> --</a:t>
-            </a:r>
-            <a:r>
-              <a:rPr lang="de-DE" altLang="de-DE" sz="1200" dirty="0" err="1">
-                <a:latin typeface="Consolas" panose="020B0609020204030204" pitchFamily="49" charset="0"/>
-              </a:rPr>
-              <a:t>git</a:t>
-            </a:r>
-            <a:r>
-              <a:rPr lang="de-DE" altLang="de-DE" sz="1200" dirty="0">
-                <a:latin typeface="Consolas" panose="020B0609020204030204" pitchFamily="49" charset="0"/>
-              </a:rPr>
-              <a:t> a/file8.txt b/file8.txt</a:t>
-            </a:r>
-          </a:p>
-          <a:p>
-            <a:pPr marL="457200" lvl="1" indent="0">
-              <a:spcBef>
-                <a:spcPts val="0"/>
-              </a:spcBef>
-              <a:buNone/>
-            </a:pPr>
-            <a:r>
-              <a:rPr lang="de-DE" altLang="de-DE" sz="1200" dirty="0" err="1">
-                <a:latin typeface="Consolas" panose="020B0609020204030204" pitchFamily="49" charset="0"/>
-              </a:rPr>
-              <a:t>new</a:t>
-            </a:r>
-            <a:r>
-              <a:rPr lang="de-DE" altLang="de-DE" sz="1200" dirty="0">
-                <a:latin typeface="Consolas" panose="020B0609020204030204" pitchFamily="49" charset="0"/>
-              </a:rPr>
-              <a:t> </a:t>
-            </a:r>
-            <a:r>
-              <a:rPr lang="de-DE" altLang="de-DE" sz="1200" dirty="0" err="1">
-                <a:latin typeface="Consolas" panose="020B0609020204030204" pitchFamily="49" charset="0"/>
-              </a:rPr>
-              <a:t>file</a:t>
-            </a:r>
-            <a:r>
-              <a:rPr lang="de-DE" altLang="de-DE" sz="1200" dirty="0">
-                <a:latin typeface="Consolas" panose="020B0609020204030204" pitchFamily="49" charset="0"/>
-              </a:rPr>
-              <a:t> </a:t>
-            </a:r>
-            <a:r>
-              <a:rPr lang="de-DE" altLang="de-DE" sz="1200" dirty="0" err="1">
-                <a:latin typeface="Consolas" panose="020B0609020204030204" pitchFamily="49" charset="0"/>
-              </a:rPr>
-              <a:t>mode</a:t>
-            </a:r>
-            <a:r>
-              <a:rPr lang="de-DE" altLang="de-DE" sz="1200" dirty="0">
-                <a:latin typeface="Consolas" panose="020B0609020204030204" pitchFamily="49" charset="0"/>
-              </a:rPr>
-              <a:t> 100644</a:t>
-            </a:r>
-          </a:p>
-          <a:p>
-            <a:pPr marL="457200" lvl="1" indent="0">
-              <a:spcBef>
-                <a:spcPts val="0"/>
-              </a:spcBef>
-              <a:buNone/>
-            </a:pPr>
-            <a:r>
-              <a:rPr lang="de-DE" altLang="de-DE" sz="1200" dirty="0" err="1">
-                <a:latin typeface="Consolas" panose="020B0609020204030204" pitchFamily="49" charset="0"/>
-              </a:rPr>
-              <a:t>index</a:t>
-            </a:r>
-            <a:r>
-              <a:rPr lang="de-DE" altLang="de-DE" sz="1200" dirty="0">
-                <a:latin typeface="Consolas" panose="020B0609020204030204" pitchFamily="49" charset="0"/>
-              </a:rPr>
-              <a:t> 0000000..e69de29</a:t>
+              <a:t>Tagger Name</a:t>
+            </a:r>
+          </a:p>
+          <a:p>
+            <a:pPr lvl="1"/>
+            <a:r>
+              <a:rPr lang="de-DE" altLang="de-DE" dirty="0"/>
+              <a:t>Tagger E-Mail</a:t>
+            </a:r>
+          </a:p>
+          <a:p>
+            <a:pPr lvl="1"/>
+            <a:r>
+              <a:rPr lang="de-DE" altLang="de-DE" dirty="0"/>
+              <a:t>Datum</a:t>
+            </a:r>
+          </a:p>
+          <a:p>
+            <a:pPr lvl="1"/>
+            <a:r>
+              <a:rPr lang="de-DE" altLang="de-DE" dirty="0"/>
+              <a:t>Tagging Message</a:t>
+            </a:r>
+          </a:p>
+          <a:p>
+            <a:pPr lvl="1"/>
+            <a:r>
+              <a:rPr lang="de-DE" altLang="de-DE" dirty="0"/>
+              <a:t>Checksumme</a:t>
+            </a:r>
+          </a:p>
+          <a:p>
+            <a:pPr lvl="1"/>
+            <a:r>
+              <a:rPr lang="de-DE" altLang="de-DE" dirty="0"/>
+              <a:t>Signierung</a:t>
+            </a:r>
+          </a:p>
+          <a:p>
+            <a:r>
+              <a:rPr lang="de-DE" altLang="de-DE" dirty="0"/>
+              <a:t>Sinnvoll bei </a:t>
+            </a:r>
+            <a:r>
+              <a:rPr lang="de-DE" altLang="de-DE" dirty="0" err="1"/>
+              <a:t>Mulit</a:t>
+            </a:r>
+            <a:r>
+              <a:rPr lang="de-DE" altLang="de-DE" dirty="0"/>
+              <a:t>-Developer oder </a:t>
+            </a:r>
+            <a:r>
+              <a:rPr lang="de-DE" altLang="de-DE" dirty="0" err="1"/>
+              <a:t>Mulit</a:t>
+            </a:r>
+            <a:r>
+              <a:rPr lang="de-DE" altLang="de-DE" dirty="0"/>
+              <a:t>-Repository Umgebungen, um bspw. Releases zu markieren</a:t>
             </a:r>
           </a:p>
         </p:txBody>
@@ -6589,7 +6514,7 @@
     </p:spTree>
     <p:extLst>
       <p:ext uri="{BB962C8B-B14F-4D97-AF65-F5344CB8AC3E}">
-        <p14:creationId xmlns:p14="http://schemas.microsoft.com/office/powerpoint/2010/main" val="641179957"/>
+        <p14:creationId xmlns:p14="http://schemas.microsoft.com/office/powerpoint/2010/main" val="968504568"/>
       </p:ext>
     </p:extLst>
   </p:cSld>
@@ -6600,86 +6525,6 @@
 </file>
 
 <file path=ppt/slides/slide13.xml><?xml version="1.0" encoding="utf-8"?>
-<p:sld xmlns:a="http://schemas.openxmlformats.org/drawingml/2006/main" xmlns:r="http://schemas.openxmlformats.org/officeDocument/2006/relationships" xmlns:p="http://schemas.openxmlformats.org/presentationml/2006/main">
-  <p:cSld>
-    <p:spTree>
-      <p:nvGrpSpPr>
-        <p:cNvPr id="1" name=""/>
-        <p:cNvGrpSpPr/>
-        <p:nvPr/>
-      </p:nvGrpSpPr>
-      <p:grpSpPr>
-        <a:xfrm>
-          <a:off x="0" y="0"/>
-          <a:ext cx="0" cy="0"/>
-          <a:chOff x="0" y="0"/>
-          <a:chExt cx="0" cy="0"/>
-        </a:xfrm>
-      </p:grpSpPr>
-      <p:sp>
-        <p:nvSpPr>
-          <p:cNvPr id="2" name="Titel 1"/>
-          <p:cNvSpPr>
-            <a:spLocks noGrp="1"/>
-          </p:cNvSpPr>
-          <p:nvPr>
-            <p:ph type="title"/>
-          </p:nvPr>
-        </p:nvSpPr>
-        <p:spPr/>
-        <p:txBody>
-          <a:bodyPr/>
-          <a:lstStyle/>
-          <a:p>
-            <a:r>
-              <a:rPr lang="de-DE" cap="none" dirty="0"/>
-              <a:t>Tags in </a:t>
-            </a:r>
-            <a:r>
-              <a:rPr lang="de-DE" cap="none" dirty="0" err="1"/>
-              <a:t>GitLab</a:t>
-            </a:r>
-            <a:endParaRPr lang="de-DE" cap="none" dirty="0"/>
-          </a:p>
-        </p:txBody>
-      </p:sp>
-      <p:sp>
-        <p:nvSpPr>
-          <p:cNvPr id="3" name="Untertitel 2"/>
-          <p:cNvSpPr>
-            <a:spLocks noGrp="1"/>
-          </p:cNvSpPr>
-          <p:nvPr>
-            <p:ph type="body" idx="1"/>
-          </p:nvPr>
-        </p:nvSpPr>
-        <p:spPr/>
-        <p:txBody>
-          <a:bodyPr/>
-          <a:lstStyle/>
-          <a:p>
-            <a:r>
-              <a:rPr lang="de-DE" dirty="0" err="1"/>
-              <a:t>Git</a:t>
-            </a:r>
-            <a:endParaRPr lang="de-DE" dirty="0"/>
-          </a:p>
-        </p:txBody>
-      </p:sp>
-    </p:spTree>
-    <p:extLst>
-      <p:ext uri="{BB962C8B-B14F-4D97-AF65-F5344CB8AC3E}">
-        <p14:creationId xmlns:p14="http://schemas.microsoft.com/office/powerpoint/2010/main" val="4094180652"/>
-      </p:ext>
-    </p:extLst>
-  </p:cSld>
-  <p:clrMapOvr>
-    <a:masterClrMapping/>
-  </p:clrMapOvr>
-</p:sld>
-</file>
-
-<file path=ppt/slides/slide14.xml><?xml version="1.0" encoding="utf-8"?>
 <p:sld xmlns:a="http://schemas.openxmlformats.org/drawingml/2006/main" xmlns:r="http://schemas.openxmlformats.org/officeDocument/2006/relationships" xmlns:p="http://schemas.openxmlformats.org/presentationml/2006/main">
   <p:cSld>
     <p:spTree>
@@ -6723,22 +6568,431 @@
           <a:lstStyle/>
           <a:p>
             <a:r>
+              <a:rPr lang="de-DE" altLang="de-DE" dirty="0" err="1"/>
+              <a:t>Annotated</a:t>
+            </a:r>
+            <a:r>
               <a:rPr lang="de-DE" altLang="de-DE" dirty="0"/>
-              <a:t>Tags können ebenfalls in </a:t>
-            </a:r>
-            <a:r>
-              <a:rPr lang="de-DE" altLang="de-DE" dirty="0" err="1"/>
-              <a:t>GitLab</a:t>
-            </a:r>
+              <a:t> Tag erstellen mittels</a:t>
+            </a:r>
+          </a:p>
+          <a:p>
+            <a:pPr marL="0" indent="0">
+              <a:buNone/>
+            </a:pPr>
             <a:r>
               <a:rPr lang="de-DE" altLang="de-DE" dirty="0"/>
-              <a:t> zum Repository hinzugefügt werden</a:t>
-            </a:r>
-          </a:p>
-          <a:p>
-            <a:r>
-              <a:rPr lang="de-DE" altLang="de-DE" dirty="0"/>
-              <a:t>Erzeugt gleichwertige Tags im Vergleich zu Command Line</a:t>
+              <a:t>	</a:t>
+            </a:r>
+            <a:r>
+              <a:rPr lang="de-DE" altLang="de-DE" dirty="0" err="1">
+                <a:latin typeface="Consolas" panose="020B0609020204030204" pitchFamily="49" charset="0"/>
+              </a:rPr>
+              <a:t>git</a:t>
+            </a:r>
+            <a:r>
+              <a:rPr lang="de-DE" altLang="de-DE" dirty="0">
+                <a:latin typeface="Consolas" panose="020B0609020204030204" pitchFamily="49" charset="0"/>
+              </a:rPr>
+              <a:t> tag -a &lt;tag-name&gt;</a:t>
+            </a:r>
+          </a:p>
+          <a:p>
+            <a:pPr marL="457200" lvl="1" indent="0">
+              <a:buNone/>
+            </a:pPr>
+            <a:endParaRPr lang="de-DE" altLang="de-DE" sz="1200" dirty="0">
+              <a:latin typeface="Consolas" panose="020B0609020204030204" pitchFamily="49" charset="0"/>
+            </a:endParaRPr>
+          </a:p>
+          <a:p>
+            <a:pPr marL="457200" lvl="1" indent="0">
+              <a:spcBef>
+                <a:spcPts val="0"/>
+              </a:spcBef>
+              <a:buNone/>
+            </a:pPr>
+            <a:r>
+              <a:rPr lang="de-DE" altLang="de-DE" sz="1200" dirty="0">
+                <a:latin typeface="Consolas" panose="020B0609020204030204" pitchFamily="49" charset="0"/>
+              </a:rPr>
+              <a:t>$ </a:t>
+            </a:r>
+            <a:r>
+              <a:rPr lang="de-DE" altLang="de-DE" sz="1200" dirty="0" err="1">
+                <a:latin typeface="Consolas" panose="020B0609020204030204" pitchFamily="49" charset="0"/>
+              </a:rPr>
+              <a:t>git</a:t>
+            </a:r>
+            <a:r>
+              <a:rPr lang="de-DE" altLang="de-DE" sz="1200" dirty="0">
+                <a:latin typeface="Consolas" panose="020B0609020204030204" pitchFamily="49" charset="0"/>
+              </a:rPr>
+              <a:t> tag -a release-v1.0.0 -m "</a:t>
+            </a:r>
+            <a:r>
+              <a:rPr lang="de-DE" altLang="de-DE" sz="1200" dirty="0" err="1">
+                <a:latin typeface="Consolas" panose="020B0609020204030204" pitchFamily="49" charset="0"/>
+              </a:rPr>
+              <a:t>Latest</a:t>
+            </a:r>
+            <a:r>
+              <a:rPr lang="de-DE" altLang="de-DE" sz="1200" dirty="0">
+                <a:latin typeface="Consolas" panose="020B0609020204030204" pitchFamily="49" charset="0"/>
+              </a:rPr>
+              <a:t> v1 release"</a:t>
+            </a:r>
+          </a:p>
+          <a:p>
+            <a:pPr marL="457200" lvl="1" indent="0">
+              <a:spcBef>
+                <a:spcPts val="0"/>
+              </a:spcBef>
+              <a:buNone/>
+            </a:pPr>
+            <a:endParaRPr lang="de-DE" altLang="de-DE" sz="1200" dirty="0">
+              <a:latin typeface="Consolas" panose="020B0609020204030204" pitchFamily="49" charset="0"/>
+            </a:endParaRPr>
+          </a:p>
+          <a:p>
+            <a:pPr marL="457200" lvl="1" indent="0">
+              <a:spcBef>
+                <a:spcPts val="0"/>
+              </a:spcBef>
+              <a:buNone/>
+            </a:pPr>
+            <a:r>
+              <a:rPr lang="de-DE" altLang="de-DE" sz="1200" dirty="0">
+                <a:latin typeface="Consolas" panose="020B0609020204030204" pitchFamily="49" charset="0"/>
+              </a:rPr>
+              <a:t>$ </a:t>
+            </a:r>
+            <a:r>
+              <a:rPr lang="de-DE" altLang="de-DE" sz="1200" dirty="0" err="1">
+                <a:latin typeface="Consolas" panose="020B0609020204030204" pitchFamily="49" charset="0"/>
+              </a:rPr>
+              <a:t>git</a:t>
+            </a:r>
+            <a:r>
+              <a:rPr lang="de-DE" altLang="de-DE" sz="1200" dirty="0">
+                <a:latin typeface="Consolas" panose="020B0609020204030204" pitchFamily="49" charset="0"/>
+              </a:rPr>
+              <a:t> </a:t>
+            </a:r>
+            <a:r>
+              <a:rPr lang="de-DE" altLang="de-DE" sz="1200" dirty="0" err="1">
+                <a:latin typeface="Consolas" panose="020B0609020204030204" pitchFamily="49" charset="0"/>
+              </a:rPr>
+              <a:t>show</a:t>
+            </a:r>
+            <a:r>
+              <a:rPr lang="de-DE" altLang="de-DE" sz="1200" dirty="0">
+                <a:latin typeface="Consolas" panose="020B0609020204030204" pitchFamily="49" charset="0"/>
+              </a:rPr>
+              <a:t> release-v1.0.0</a:t>
+            </a:r>
+          </a:p>
+          <a:p>
+            <a:pPr marL="457200" lvl="1" indent="0">
+              <a:spcBef>
+                <a:spcPts val="0"/>
+              </a:spcBef>
+              <a:buNone/>
+            </a:pPr>
+            <a:r>
+              <a:rPr lang="de-DE" altLang="de-DE" sz="1200" dirty="0">
+                <a:latin typeface="Consolas" panose="020B0609020204030204" pitchFamily="49" charset="0"/>
+              </a:rPr>
+              <a:t>tag release-v1.0.0</a:t>
+            </a:r>
+          </a:p>
+          <a:p>
+            <a:pPr marL="457200" lvl="1" indent="0">
+              <a:spcBef>
+                <a:spcPts val="0"/>
+              </a:spcBef>
+              <a:buNone/>
+            </a:pPr>
+            <a:r>
+              <a:rPr lang="de-DE" altLang="de-DE" sz="1200" dirty="0">
+                <a:latin typeface="Consolas" panose="020B0609020204030204" pitchFamily="49" charset="0"/>
+              </a:rPr>
+              <a:t>Tagger: Christopher Keutner &lt;christopher.keutner@alumni.fh-aachen.de&gt;</a:t>
+            </a:r>
+          </a:p>
+          <a:p>
+            <a:pPr marL="457200" lvl="1" indent="0">
+              <a:spcBef>
+                <a:spcPts val="0"/>
+              </a:spcBef>
+              <a:buNone/>
+            </a:pPr>
+            <a:r>
+              <a:rPr lang="de-DE" altLang="de-DE" sz="1200" dirty="0">
+                <a:latin typeface="Consolas" panose="020B0609020204030204" pitchFamily="49" charset="0"/>
+              </a:rPr>
+              <a:t>Date:   Tue May 28 15:13:44 2024 +0200</a:t>
+            </a:r>
+          </a:p>
+          <a:p>
+            <a:pPr marL="457200" lvl="1" indent="0">
+              <a:spcBef>
+                <a:spcPts val="0"/>
+              </a:spcBef>
+              <a:buNone/>
+            </a:pPr>
+            <a:endParaRPr lang="de-DE" altLang="de-DE" sz="1200" dirty="0">
+              <a:latin typeface="Consolas" panose="020B0609020204030204" pitchFamily="49" charset="0"/>
+            </a:endParaRPr>
+          </a:p>
+          <a:p>
+            <a:pPr marL="457200" lvl="1" indent="0">
+              <a:spcBef>
+                <a:spcPts val="0"/>
+              </a:spcBef>
+              <a:buNone/>
+            </a:pPr>
+            <a:r>
+              <a:rPr lang="de-DE" altLang="de-DE" sz="1200" dirty="0" err="1">
+                <a:latin typeface="Consolas" panose="020B0609020204030204" pitchFamily="49" charset="0"/>
+              </a:rPr>
+              <a:t>Latest</a:t>
+            </a:r>
+            <a:r>
+              <a:rPr lang="de-DE" altLang="de-DE" sz="1200" dirty="0">
+                <a:latin typeface="Consolas" panose="020B0609020204030204" pitchFamily="49" charset="0"/>
+              </a:rPr>
+              <a:t> v1 release</a:t>
+            </a:r>
+          </a:p>
+          <a:p>
+            <a:pPr marL="457200" lvl="1" indent="0">
+              <a:spcBef>
+                <a:spcPts val="0"/>
+              </a:spcBef>
+              <a:buNone/>
+            </a:pPr>
+            <a:endParaRPr lang="de-DE" altLang="de-DE" sz="1200" dirty="0">
+              <a:latin typeface="Consolas" panose="020B0609020204030204" pitchFamily="49" charset="0"/>
+            </a:endParaRPr>
+          </a:p>
+          <a:p>
+            <a:pPr marL="457200" lvl="1" indent="0">
+              <a:spcBef>
+                <a:spcPts val="0"/>
+              </a:spcBef>
+              <a:buNone/>
+            </a:pPr>
+            <a:r>
+              <a:rPr lang="de-DE" altLang="de-DE" sz="1200" dirty="0" err="1">
+                <a:latin typeface="Consolas" panose="020B0609020204030204" pitchFamily="49" charset="0"/>
+              </a:rPr>
+              <a:t>commit</a:t>
+            </a:r>
+            <a:r>
+              <a:rPr lang="de-DE" altLang="de-DE" sz="1200" dirty="0">
+                <a:latin typeface="Consolas" panose="020B0609020204030204" pitchFamily="49" charset="0"/>
+              </a:rPr>
+              <a:t> 11f6b62f8bc7a3403ceae4e8923d7a54abab7b6d (HEAD -&gt; </a:t>
+            </a:r>
+            <a:r>
+              <a:rPr lang="de-DE" altLang="de-DE" sz="1200" dirty="0" err="1">
+                <a:latin typeface="Consolas" panose="020B0609020204030204" pitchFamily="49" charset="0"/>
+              </a:rPr>
+              <a:t>main</a:t>
+            </a:r>
+            <a:r>
+              <a:rPr lang="de-DE" altLang="de-DE" sz="1200" dirty="0">
+                <a:latin typeface="Consolas" panose="020B0609020204030204" pitchFamily="49" charset="0"/>
+              </a:rPr>
+              <a:t>, tag: release-v1.0.0)</a:t>
+            </a:r>
+          </a:p>
+          <a:p>
+            <a:pPr marL="457200" lvl="1" indent="0">
+              <a:spcBef>
+                <a:spcPts val="0"/>
+              </a:spcBef>
+              <a:buNone/>
+            </a:pPr>
+            <a:r>
+              <a:rPr lang="de-DE" altLang="de-DE" sz="1200" dirty="0" err="1">
+                <a:latin typeface="Consolas" panose="020B0609020204030204" pitchFamily="49" charset="0"/>
+              </a:rPr>
+              <a:t>Author</a:t>
+            </a:r>
+            <a:r>
+              <a:rPr lang="de-DE" altLang="de-DE" sz="1200" dirty="0">
+                <a:latin typeface="Consolas" panose="020B0609020204030204" pitchFamily="49" charset="0"/>
+              </a:rPr>
+              <a:t>: Christopher Keutner &lt;christopher.keutner@alumni.fh-aachen.de&gt;</a:t>
+            </a:r>
+          </a:p>
+          <a:p>
+            <a:pPr marL="457200" lvl="1" indent="0">
+              <a:spcBef>
+                <a:spcPts val="0"/>
+              </a:spcBef>
+              <a:buNone/>
+            </a:pPr>
+            <a:r>
+              <a:rPr lang="de-DE" altLang="de-DE" sz="1200" dirty="0">
+                <a:latin typeface="Consolas" panose="020B0609020204030204" pitchFamily="49" charset="0"/>
+              </a:rPr>
+              <a:t>Date:   Tue May 28 15:13:10 2024 +0200</a:t>
+            </a:r>
+          </a:p>
+          <a:p>
+            <a:pPr marL="457200" lvl="1" indent="0">
+              <a:spcBef>
+                <a:spcPts val="0"/>
+              </a:spcBef>
+              <a:buNone/>
+            </a:pPr>
+            <a:endParaRPr lang="de-DE" altLang="de-DE" sz="1200" dirty="0">
+              <a:latin typeface="Consolas" panose="020B0609020204030204" pitchFamily="49" charset="0"/>
+            </a:endParaRPr>
+          </a:p>
+          <a:p>
+            <a:pPr marL="457200" lvl="1" indent="0">
+              <a:spcBef>
+                <a:spcPts val="0"/>
+              </a:spcBef>
+              <a:buNone/>
+            </a:pPr>
+            <a:r>
+              <a:rPr lang="de-DE" altLang="de-DE" sz="1200" dirty="0">
+                <a:latin typeface="Consolas" panose="020B0609020204030204" pitchFamily="49" charset="0"/>
+              </a:rPr>
+              <a:t>    Add </a:t>
+            </a:r>
+            <a:r>
+              <a:rPr lang="de-DE" altLang="de-DE" sz="1200" dirty="0" err="1">
+                <a:latin typeface="Consolas" panose="020B0609020204030204" pitchFamily="49" charset="0"/>
+              </a:rPr>
+              <a:t>new</a:t>
+            </a:r>
+            <a:r>
+              <a:rPr lang="de-DE" altLang="de-DE" sz="1200" dirty="0">
+                <a:latin typeface="Consolas" panose="020B0609020204030204" pitchFamily="49" charset="0"/>
+              </a:rPr>
+              <a:t> </a:t>
+            </a:r>
+            <a:r>
+              <a:rPr lang="de-DE" altLang="de-DE" sz="1200" dirty="0" err="1">
+                <a:latin typeface="Consolas" panose="020B0609020204030204" pitchFamily="49" charset="0"/>
+              </a:rPr>
+              <a:t>file</a:t>
+            </a:r>
+            <a:endParaRPr lang="de-DE" altLang="de-DE" sz="1200" dirty="0">
+              <a:latin typeface="Consolas" panose="020B0609020204030204" pitchFamily="49" charset="0"/>
+            </a:endParaRPr>
+          </a:p>
+          <a:p>
+            <a:pPr marL="457200" lvl="1" indent="0">
+              <a:spcBef>
+                <a:spcPts val="0"/>
+              </a:spcBef>
+              <a:buNone/>
+            </a:pPr>
+            <a:endParaRPr lang="de-DE" altLang="de-DE" sz="1200" dirty="0">
+              <a:latin typeface="Consolas" panose="020B0609020204030204" pitchFamily="49" charset="0"/>
+            </a:endParaRPr>
+          </a:p>
+          <a:p>
+            <a:pPr marL="457200" lvl="1" indent="0">
+              <a:spcBef>
+                <a:spcPts val="0"/>
+              </a:spcBef>
+              <a:buNone/>
+            </a:pPr>
+            <a:r>
+              <a:rPr lang="de-DE" altLang="de-DE" sz="1200" dirty="0" err="1">
+                <a:latin typeface="Consolas" panose="020B0609020204030204" pitchFamily="49" charset="0"/>
+              </a:rPr>
+              <a:t>diff</a:t>
+            </a:r>
+            <a:r>
+              <a:rPr lang="de-DE" altLang="de-DE" sz="1200" dirty="0">
+                <a:latin typeface="Consolas" panose="020B0609020204030204" pitchFamily="49" charset="0"/>
+              </a:rPr>
+              <a:t> --</a:t>
+            </a:r>
+            <a:r>
+              <a:rPr lang="de-DE" altLang="de-DE" sz="1200" dirty="0" err="1">
+                <a:latin typeface="Consolas" panose="020B0609020204030204" pitchFamily="49" charset="0"/>
+              </a:rPr>
+              <a:t>git</a:t>
+            </a:r>
+            <a:r>
+              <a:rPr lang="de-DE" altLang="de-DE" sz="1200" dirty="0">
+                <a:latin typeface="Consolas" panose="020B0609020204030204" pitchFamily="49" charset="0"/>
+              </a:rPr>
+              <a:t> a/file8.txt b/file8.txt</a:t>
+            </a:r>
+          </a:p>
+          <a:p>
+            <a:pPr marL="457200" lvl="1" indent="0">
+              <a:spcBef>
+                <a:spcPts val="0"/>
+              </a:spcBef>
+              <a:buNone/>
+            </a:pPr>
+            <a:r>
+              <a:rPr lang="de-DE" altLang="de-DE" sz="1200" dirty="0" err="1">
+                <a:latin typeface="Consolas" panose="020B0609020204030204" pitchFamily="49" charset="0"/>
+              </a:rPr>
+              <a:t>new</a:t>
+            </a:r>
+            <a:r>
+              <a:rPr lang="de-DE" altLang="de-DE" sz="1200" dirty="0">
+                <a:latin typeface="Consolas" panose="020B0609020204030204" pitchFamily="49" charset="0"/>
+              </a:rPr>
+              <a:t> </a:t>
+            </a:r>
+            <a:r>
+              <a:rPr lang="de-DE" altLang="de-DE" sz="1200" dirty="0" err="1">
+                <a:latin typeface="Consolas" panose="020B0609020204030204" pitchFamily="49" charset="0"/>
+              </a:rPr>
+              <a:t>file</a:t>
+            </a:r>
+            <a:r>
+              <a:rPr lang="de-DE" altLang="de-DE" sz="1200" dirty="0">
+                <a:latin typeface="Consolas" panose="020B0609020204030204" pitchFamily="49" charset="0"/>
+              </a:rPr>
+              <a:t> </a:t>
+            </a:r>
+            <a:r>
+              <a:rPr lang="de-DE" altLang="de-DE" sz="1200" dirty="0" err="1">
+                <a:latin typeface="Consolas" panose="020B0609020204030204" pitchFamily="49" charset="0"/>
+              </a:rPr>
+              <a:t>mode</a:t>
+            </a:r>
+            <a:r>
+              <a:rPr lang="de-DE" altLang="de-DE" sz="1200" dirty="0">
+                <a:latin typeface="Consolas" panose="020B0609020204030204" pitchFamily="49" charset="0"/>
+              </a:rPr>
+              <a:t> 100644</a:t>
+            </a:r>
+          </a:p>
+          <a:p>
+            <a:pPr marL="457200" lvl="1" indent="0">
+              <a:spcBef>
+                <a:spcPts val="0"/>
+              </a:spcBef>
+              <a:buNone/>
+            </a:pPr>
+            <a:r>
+              <a:rPr lang="de-DE" altLang="de-DE" sz="1200" dirty="0" err="1">
+                <a:latin typeface="Consolas" panose="020B0609020204030204" pitchFamily="49" charset="0"/>
+              </a:rPr>
+              <a:t>index</a:t>
+            </a:r>
+            <a:r>
+              <a:rPr lang="de-DE" altLang="de-DE" sz="1200" dirty="0">
+                <a:latin typeface="Consolas" panose="020B0609020204030204" pitchFamily="49" charset="0"/>
+              </a:rPr>
+              <a:t> 0000000..e69de29</a:t>
             </a:r>
           </a:p>
         </p:txBody>
@@ -6770,51 +7024,100 @@
           <a:lstStyle/>
           <a:p>
             <a:r>
+              <a:rPr lang="de-DE" altLang="de-DE" dirty="0" err="1"/>
+              <a:t>Git</a:t>
+            </a:r>
+            <a:r>
               <a:rPr lang="de-DE" altLang="de-DE" dirty="0"/>
-              <a:t>Tags in </a:t>
-            </a:r>
-            <a:r>
-              <a:rPr lang="de-DE" altLang="de-DE" dirty="0" err="1"/>
-              <a:t>GitLab</a:t>
-            </a:r>
-            <a:endParaRPr lang="de-DE" altLang="de-DE" dirty="0"/>
+              <a:t> – Tags </a:t>
+            </a:r>
           </a:p>
         </p:txBody>
       </p:sp>
-      <p:pic>
-        <p:nvPicPr>
-          <p:cNvPr id="3" name="Grafik 2">
-            <a:extLst>
-              <a:ext uri="{FF2B5EF4-FFF2-40B4-BE49-F238E27FC236}">
-                <a16:creationId xmlns:a16="http://schemas.microsoft.com/office/drawing/2014/main" id="{F6AF7D67-CC47-CBA1-9A93-DC357E462460}"/>
-              </a:ext>
-            </a:extLst>
-          </p:cNvPr>
-          <p:cNvPicPr>
-            <a:picLocks noChangeAspect="1"/>
-          </p:cNvPicPr>
-          <p:nvPr/>
-        </p:nvPicPr>
-        <p:blipFill>
-          <a:blip r:embed="rId2"/>
-          <a:stretch>
-            <a:fillRect/>
-          </a:stretch>
-        </p:blipFill>
-        <p:spPr>
-          <a:xfrm>
-            <a:off x="303213" y="1916832"/>
-            <a:ext cx="8489003" cy="4248472"/>
-          </a:xfrm>
-          <a:prstGeom prst="rect">
-            <a:avLst/>
-          </a:prstGeom>
-        </p:spPr>
-      </p:pic>
     </p:spTree>
     <p:extLst>
       <p:ext uri="{BB962C8B-B14F-4D97-AF65-F5344CB8AC3E}">
-        <p14:creationId xmlns:p14="http://schemas.microsoft.com/office/powerpoint/2010/main" val="2194428032"/>
+        <p14:creationId xmlns:p14="http://schemas.microsoft.com/office/powerpoint/2010/main" val="641179957"/>
+      </p:ext>
+    </p:extLst>
+  </p:cSld>
+  <p:clrMapOvr>
+    <a:masterClrMapping/>
+  </p:clrMapOvr>
+</p:sld>
+</file>
+
+<file path=ppt/slides/slide14.xml><?xml version="1.0" encoding="utf-8"?>
+<p:sld xmlns:a="http://schemas.openxmlformats.org/drawingml/2006/main" xmlns:r="http://schemas.openxmlformats.org/officeDocument/2006/relationships" xmlns:p="http://schemas.openxmlformats.org/presentationml/2006/main">
+  <p:cSld>
+    <p:spTree>
+      <p:nvGrpSpPr>
+        <p:cNvPr id="1" name=""/>
+        <p:cNvGrpSpPr/>
+        <p:nvPr/>
+      </p:nvGrpSpPr>
+      <p:grpSpPr>
+        <a:xfrm>
+          <a:off x="0" y="0"/>
+          <a:ext cx="0" cy="0"/>
+          <a:chOff x="0" y="0"/>
+          <a:chExt cx="0" cy="0"/>
+        </a:xfrm>
+      </p:grpSpPr>
+      <p:sp>
+        <p:nvSpPr>
+          <p:cNvPr id="2" name="Titel 1"/>
+          <p:cNvSpPr>
+            <a:spLocks noGrp="1"/>
+          </p:cNvSpPr>
+          <p:nvPr>
+            <p:ph type="title"/>
+          </p:nvPr>
+        </p:nvSpPr>
+        <p:spPr/>
+        <p:txBody>
+          <a:bodyPr/>
+          <a:lstStyle/>
+          <a:p>
+            <a:r>
+              <a:rPr lang="de-DE" cap="none" dirty="0"/>
+              <a:t>Tags in </a:t>
+            </a:r>
+            <a:r>
+              <a:rPr lang="de-DE" cap="none" dirty="0" err="1"/>
+              <a:t>GitLab</a:t>
+            </a:r>
+            <a:endParaRPr lang="de-DE" cap="none" dirty="0"/>
+          </a:p>
+        </p:txBody>
+      </p:sp>
+      <p:sp>
+        <p:nvSpPr>
+          <p:cNvPr id="3" name="Untertitel 2"/>
+          <p:cNvSpPr>
+            <a:spLocks noGrp="1"/>
+          </p:cNvSpPr>
+          <p:nvPr>
+            <p:ph type="body" idx="1"/>
+          </p:nvPr>
+        </p:nvSpPr>
+        <p:spPr/>
+        <p:txBody>
+          <a:bodyPr/>
+          <a:lstStyle/>
+          <a:p>
+            <a:r>
+              <a:rPr lang="de-DE" dirty="0" err="1"/>
+              <a:t>Git</a:t>
+            </a:r>
+            <a:endParaRPr lang="de-DE" dirty="0"/>
+          </a:p>
+        </p:txBody>
+      </p:sp>
+    </p:spTree>
+    <p:extLst>
+      <p:ext uri="{BB962C8B-B14F-4D97-AF65-F5344CB8AC3E}">
+        <p14:creationId xmlns:p14="http://schemas.microsoft.com/office/powerpoint/2010/main" val="4094180652"/>
       </p:ext>
     </p:extLst>
   </p:cSld>
@@ -6869,6 +7172,151 @@
           <a:p>
             <a:r>
               <a:rPr lang="de-DE" altLang="de-DE" dirty="0"/>
+              <a:t>Tags können ebenfalls in </a:t>
+            </a:r>
+            <a:r>
+              <a:rPr lang="de-DE" altLang="de-DE" dirty="0" err="1"/>
+              <a:t>GitLab</a:t>
+            </a:r>
+            <a:r>
+              <a:rPr lang="de-DE" altLang="de-DE" dirty="0"/>
+              <a:t> zum Repository hinzugefügt werden</a:t>
+            </a:r>
+          </a:p>
+          <a:p>
+            <a:r>
+              <a:rPr lang="de-DE" altLang="de-DE" dirty="0"/>
+              <a:t>Erzeugt gleichwertige Tags im Vergleich zu Command Line</a:t>
+            </a:r>
+          </a:p>
+        </p:txBody>
+      </p:sp>
+      <p:sp>
+        <p:nvSpPr>
+          <p:cNvPr id="6147" name="Rectangle 1062">
+            <a:extLst>
+              <a:ext uri="{FF2B5EF4-FFF2-40B4-BE49-F238E27FC236}">
+                <a16:creationId xmlns:a16="http://schemas.microsoft.com/office/drawing/2014/main" id="{C46E9340-3256-8D55-A265-94F2F41E288E}"/>
+              </a:ext>
+            </a:extLst>
+          </p:cNvPr>
+          <p:cNvSpPr>
+            <a:spLocks noGrp="1" noChangeArrowheads="1"/>
+          </p:cNvSpPr>
+          <p:nvPr>
+            <p:ph type="title"/>
+          </p:nvPr>
+        </p:nvSpPr>
+        <p:spPr>
+          <a:xfrm>
+            <a:off x="285750" y="142875"/>
+            <a:ext cx="5654675" cy="706438"/>
+          </a:xfrm>
+        </p:spPr>
+        <p:txBody>
+          <a:bodyPr/>
+          <a:lstStyle/>
+          <a:p>
+            <a:r>
+              <a:rPr lang="de-DE" altLang="de-DE" dirty="0"/>
+              <a:t>Tags in </a:t>
+            </a:r>
+            <a:r>
+              <a:rPr lang="de-DE" altLang="de-DE" dirty="0" err="1"/>
+              <a:t>GitLab</a:t>
+            </a:r>
+            <a:endParaRPr lang="de-DE" altLang="de-DE" dirty="0"/>
+          </a:p>
+        </p:txBody>
+      </p:sp>
+      <p:pic>
+        <p:nvPicPr>
+          <p:cNvPr id="3" name="Grafik 2">
+            <a:extLst>
+              <a:ext uri="{FF2B5EF4-FFF2-40B4-BE49-F238E27FC236}">
+                <a16:creationId xmlns:a16="http://schemas.microsoft.com/office/drawing/2014/main" id="{F6AF7D67-CC47-CBA1-9A93-DC357E462460}"/>
+              </a:ext>
+            </a:extLst>
+          </p:cNvPr>
+          <p:cNvPicPr>
+            <a:picLocks noChangeAspect="1"/>
+          </p:cNvPicPr>
+          <p:nvPr/>
+        </p:nvPicPr>
+        <p:blipFill>
+          <a:blip r:embed="rId2"/>
+          <a:stretch>
+            <a:fillRect/>
+          </a:stretch>
+        </p:blipFill>
+        <p:spPr>
+          <a:xfrm>
+            <a:off x="303213" y="1916832"/>
+            <a:ext cx="8489003" cy="4248472"/>
+          </a:xfrm>
+          <a:prstGeom prst="rect">
+            <a:avLst/>
+          </a:prstGeom>
+        </p:spPr>
+      </p:pic>
+    </p:spTree>
+    <p:extLst>
+      <p:ext uri="{BB962C8B-B14F-4D97-AF65-F5344CB8AC3E}">
+        <p14:creationId xmlns:p14="http://schemas.microsoft.com/office/powerpoint/2010/main" val="2194428032"/>
+      </p:ext>
+    </p:extLst>
+  </p:cSld>
+  <p:clrMapOvr>
+    <a:masterClrMapping/>
+  </p:clrMapOvr>
+</p:sld>
+</file>
+
+<file path=ppt/slides/slide16.xml><?xml version="1.0" encoding="utf-8"?>
+<p:sld xmlns:a="http://schemas.openxmlformats.org/drawingml/2006/main" xmlns:r="http://schemas.openxmlformats.org/officeDocument/2006/relationships" xmlns:p="http://schemas.openxmlformats.org/presentationml/2006/main">
+  <p:cSld>
+    <p:spTree>
+      <p:nvGrpSpPr>
+        <p:cNvPr id="1" name=""/>
+        <p:cNvGrpSpPr/>
+        <p:nvPr/>
+      </p:nvGrpSpPr>
+      <p:grpSpPr>
+        <a:xfrm>
+          <a:off x="0" y="0"/>
+          <a:ext cx="0" cy="0"/>
+          <a:chOff x="0" y="0"/>
+          <a:chExt cx="0" cy="0"/>
+        </a:xfrm>
+      </p:grpSpPr>
+      <p:sp>
+        <p:nvSpPr>
+          <p:cNvPr id="6146" name="Inhaltsplatzhalter 18">
+            <a:extLst>
+              <a:ext uri="{FF2B5EF4-FFF2-40B4-BE49-F238E27FC236}">
+                <a16:creationId xmlns:a16="http://schemas.microsoft.com/office/drawing/2014/main" id="{BE3C4C95-FD5D-27F0-ED0C-AB8113CAC9F1}"/>
+              </a:ext>
+            </a:extLst>
+          </p:cNvPr>
+          <p:cNvSpPr>
+            <a:spLocks noGrp="1"/>
+          </p:cNvSpPr>
+          <p:nvPr>
+            <p:ph idx="1"/>
+          </p:nvPr>
+        </p:nvSpPr>
+        <p:spPr>
+          <a:xfrm>
+            <a:off x="303214" y="981075"/>
+            <a:ext cx="8517258" cy="5400675"/>
+          </a:xfrm>
+        </p:spPr>
+        <p:txBody>
+          <a:bodyPr/>
+          <a:lstStyle/>
+          <a:p>
+            <a:r>
+              <a:rPr lang="de-DE" altLang="de-DE" dirty="0"/>
               <a:t>Tags können auch hier aus </a:t>
             </a:r>
             <a:r>
@@ -6977,7 +7425,7 @@
 </p:sld>
 </file>
 
-<file path=ppt/slides/slide16.xml><?xml version="1.0" encoding="utf-8"?>
+<file path=ppt/slides/slide17.xml><?xml version="1.0" encoding="utf-8"?>
 <p:sld xmlns:a="http://schemas.openxmlformats.org/drawingml/2006/main" xmlns:r="http://schemas.openxmlformats.org/officeDocument/2006/relationships" xmlns:p="http://schemas.openxmlformats.org/presentationml/2006/main">
   <p:cSld>
     <p:spTree>
@@ -7043,192 +7491,6 @@
     <p:extLst>
       <p:ext uri="{BB962C8B-B14F-4D97-AF65-F5344CB8AC3E}">
         <p14:creationId xmlns:p14="http://schemas.microsoft.com/office/powerpoint/2010/main" val="725577135"/>
-      </p:ext>
-    </p:extLst>
-  </p:cSld>
-  <p:clrMapOvr>
-    <a:masterClrMapping/>
-  </p:clrMapOvr>
-</p:sld>
-</file>
-
-<file path=ppt/slides/slide17.xml><?xml version="1.0" encoding="utf-8"?>
-<p:sld xmlns:a="http://schemas.openxmlformats.org/drawingml/2006/main" xmlns:r="http://schemas.openxmlformats.org/officeDocument/2006/relationships" xmlns:p="http://schemas.openxmlformats.org/presentationml/2006/main">
-  <p:cSld>
-    <p:spTree>
-      <p:nvGrpSpPr>
-        <p:cNvPr id="1" name=""/>
-        <p:cNvGrpSpPr/>
-        <p:nvPr/>
-      </p:nvGrpSpPr>
-      <p:grpSpPr>
-        <a:xfrm>
-          <a:off x="0" y="0"/>
-          <a:ext cx="0" cy="0"/>
-          <a:chOff x="0" y="0"/>
-          <a:chExt cx="0" cy="0"/>
-        </a:xfrm>
-      </p:grpSpPr>
-      <p:sp>
-        <p:nvSpPr>
-          <p:cNvPr id="6146" name="Inhaltsplatzhalter 18">
-            <a:extLst>
-              <a:ext uri="{FF2B5EF4-FFF2-40B4-BE49-F238E27FC236}">
-                <a16:creationId xmlns:a16="http://schemas.microsoft.com/office/drawing/2014/main" id="{BE3C4C95-FD5D-27F0-ED0C-AB8113CAC9F1}"/>
-              </a:ext>
-            </a:extLst>
-          </p:cNvPr>
-          <p:cNvSpPr>
-            <a:spLocks noGrp="1"/>
-          </p:cNvSpPr>
-          <p:nvPr>
-            <p:ph idx="1"/>
-          </p:nvPr>
-        </p:nvSpPr>
-        <p:spPr>
-          <a:xfrm>
-            <a:off x="303214" y="981075"/>
-            <a:ext cx="8517258" cy="5400675"/>
-          </a:xfrm>
-        </p:spPr>
-        <p:txBody>
-          <a:bodyPr/>
-          <a:lstStyle/>
-          <a:p>
-            <a:r>
-              <a:rPr lang="de-DE" altLang="de-DE" dirty="0" err="1"/>
-              <a:t>GitLab</a:t>
-            </a:r>
-            <a:r>
-              <a:rPr lang="de-DE" altLang="de-DE" dirty="0"/>
-              <a:t> Releases erstellen einen Snapshot des aktuellen Projektes</a:t>
-            </a:r>
-          </a:p>
-          <a:p>
-            <a:r>
-              <a:rPr lang="de-DE" altLang="de-DE" dirty="0"/>
-              <a:t>Werden aus einem bestimmten Tag erstellt</a:t>
-            </a:r>
-          </a:p>
-          <a:p>
-            <a:r>
-              <a:rPr lang="de-DE" altLang="de-DE" dirty="0"/>
-              <a:t>Ein </a:t>
-            </a:r>
-            <a:r>
-              <a:rPr lang="de-DE" altLang="de-DE" dirty="0" err="1"/>
-              <a:t>GitLab</a:t>
-            </a:r>
-            <a:r>
-              <a:rPr lang="de-DE" altLang="de-DE" dirty="0"/>
-              <a:t> Release kann beinhalten</a:t>
-            </a:r>
-          </a:p>
-          <a:p>
-            <a:pPr lvl="1"/>
-            <a:r>
-              <a:rPr lang="de-DE" altLang="de-DE" dirty="0"/>
-              <a:t>Einen Snapshot des Source Codes im Repository</a:t>
-            </a:r>
-          </a:p>
-          <a:p>
-            <a:pPr lvl="1"/>
-            <a:r>
-              <a:rPr lang="de-DE" altLang="de-DE" dirty="0"/>
-              <a:t>Packages aus Job Artefakten</a:t>
-            </a:r>
-          </a:p>
-          <a:p>
-            <a:pPr lvl="1"/>
-            <a:r>
-              <a:rPr lang="de-DE" altLang="de-DE" dirty="0"/>
-              <a:t>Metadaten</a:t>
-            </a:r>
-          </a:p>
-          <a:p>
-            <a:pPr lvl="1"/>
-            <a:r>
-              <a:rPr lang="de-DE" altLang="de-DE" dirty="0"/>
-              <a:t>Release Notes</a:t>
-            </a:r>
-          </a:p>
-          <a:p>
-            <a:r>
-              <a:rPr lang="de-DE" altLang="de-DE" dirty="0" err="1"/>
-              <a:t>GitLab</a:t>
-            </a:r>
-            <a:r>
-              <a:rPr lang="de-DE" altLang="de-DE" dirty="0"/>
-              <a:t> archiviert beim Erstellen eines Releases automatisch den Source Code und verknüpft diesen mit dem Release</a:t>
-            </a:r>
-          </a:p>
-          <a:p>
-            <a:r>
-              <a:rPr lang="de-DE" altLang="de-DE" dirty="0" err="1"/>
-              <a:t>GitLab</a:t>
-            </a:r>
-            <a:r>
-              <a:rPr lang="de-DE" altLang="de-DE" dirty="0"/>
-              <a:t> erstellt ebenfalls eine JSON Datei, welche den gesamten Release Inhalt auflistet (release </a:t>
-            </a:r>
-            <a:r>
-              <a:rPr lang="de-DE" altLang="de-DE" dirty="0" err="1"/>
-              <a:t>evidence</a:t>
-            </a:r>
-            <a:r>
-              <a:rPr lang="de-DE" altLang="de-DE" dirty="0"/>
-              <a:t>)</a:t>
-            </a:r>
-          </a:p>
-          <a:p>
-            <a:r>
-              <a:rPr lang="de-DE" altLang="de-DE" dirty="0"/>
-              <a:t>Löschung des Tags führt auch zur Löschung des Releases</a:t>
-            </a:r>
-          </a:p>
-        </p:txBody>
-      </p:sp>
-      <p:sp>
-        <p:nvSpPr>
-          <p:cNvPr id="6147" name="Rectangle 1062">
-            <a:extLst>
-              <a:ext uri="{FF2B5EF4-FFF2-40B4-BE49-F238E27FC236}">
-                <a16:creationId xmlns:a16="http://schemas.microsoft.com/office/drawing/2014/main" id="{C46E9340-3256-8D55-A265-94F2F41E288E}"/>
-              </a:ext>
-            </a:extLst>
-          </p:cNvPr>
-          <p:cNvSpPr>
-            <a:spLocks noGrp="1" noChangeArrowheads="1"/>
-          </p:cNvSpPr>
-          <p:nvPr>
-            <p:ph type="title"/>
-          </p:nvPr>
-        </p:nvSpPr>
-        <p:spPr>
-          <a:xfrm>
-            <a:off x="285750" y="142875"/>
-            <a:ext cx="5654675" cy="706438"/>
-          </a:xfrm>
-        </p:spPr>
-        <p:txBody>
-          <a:bodyPr/>
-          <a:lstStyle/>
-          <a:p>
-            <a:r>
-              <a:rPr lang="de-DE" altLang="de-DE" dirty="0" err="1"/>
-              <a:t>GitLab</a:t>
-            </a:r>
-            <a:r>
-              <a:rPr lang="de-DE" altLang="de-DE" dirty="0"/>
-              <a:t> Releases</a:t>
-            </a:r>
-          </a:p>
-        </p:txBody>
-      </p:sp>
-    </p:spTree>
-    <p:extLst>
-      <p:ext uri="{BB962C8B-B14F-4D97-AF65-F5344CB8AC3E}">
-        <p14:creationId xmlns:p14="http://schemas.microsoft.com/office/powerpoint/2010/main" val="1056702386"/>
       </p:ext>
     </p:extLst>
   </p:cSld>
@@ -7282,6 +7544,192 @@
           <a:lstStyle/>
           <a:p>
             <a:r>
+              <a:rPr lang="de-DE" altLang="de-DE" dirty="0" err="1"/>
+              <a:t>GitLab</a:t>
+            </a:r>
+            <a:r>
+              <a:rPr lang="de-DE" altLang="de-DE" dirty="0"/>
+              <a:t> Releases erstellen einen Snapshot des aktuellen Projektes</a:t>
+            </a:r>
+          </a:p>
+          <a:p>
+            <a:r>
+              <a:rPr lang="de-DE" altLang="de-DE" dirty="0"/>
+              <a:t>Werden aus einem bestimmten Tag erstellt</a:t>
+            </a:r>
+          </a:p>
+          <a:p>
+            <a:r>
+              <a:rPr lang="de-DE" altLang="de-DE" dirty="0"/>
+              <a:t>Ein </a:t>
+            </a:r>
+            <a:r>
+              <a:rPr lang="de-DE" altLang="de-DE" dirty="0" err="1"/>
+              <a:t>GitLab</a:t>
+            </a:r>
+            <a:r>
+              <a:rPr lang="de-DE" altLang="de-DE" dirty="0"/>
+              <a:t> Release kann beinhalten</a:t>
+            </a:r>
+          </a:p>
+          <a:p>
+            <a:pPr lvl="1"/>
+            <a:r>
+              <a:rPr lang="de-DE" altLang="de-DE" dirty="0"/>
+              <a:t>Einen Snapshot des Source Codes im Repository</a:t>
+            </a:r>
+          </a:p>
+          <a:p>
+            <a:pPr lvl="1"/>
+            <a:r>
+              <a:rPr lang="de-DE" altLang="de-DE" dirty="0"/>
+              <a:t>Packages aus Job Artefakten</a:t>
+            </a:r>
+          </a:p>
+          <a:p>
+            <a:pPr lvl="1"/>
+            <a:r>
+              <a:rPr lang="de-DE" altLang="de-DE" dirty="0"/>
+              <a:t>Metadaten</a:t>
+            </a:r>
+          </a:p>
+          <a:p>
+            <a:pPr lvl="1"/>
+            <a:r>
+              <a:rPr lang="de-DE" altLang="de-DE" dirty="0"/>
+              <a:t>Release Notes</a:t>
+            </a:r>
+          </a:p>
+          <a:p>
+            <a:r>
+              <a:rPr lang="de-DE" altLang="de-DE" dirty="0" err="1"/>
+              <a:t>GitLab</a:t>
+            </a:r>
+            <a:r>
+              <a:rPr lang="de-DE" altLang="de-DE" dirty="0"/>
+              <a:t> archiviert beim Erstellen eines Releases automatisch den Source Code und verknüpft diesen mit dem Release</a:t>
+            </a:r>
+          </a:p>
+          <a:p>
+            <a:r>
+              <a:rPr lang="de-DE" altLang="de-DE" dirty="0" err="1"/>
+              <a:t>GitLab</a:t>
+            </a:r>
+            <a:r>
+              <a:rPr lang="de-DE" altLang="de-DE" dirty="0"/>
+              <a:t> erstellt ebenfalls eine JSON Datei, welche den gesamten Release Inhalt auflistet (release </a:t>
+            </a:r>
+            <a:r>
+              <a:rPr lang="de-DE" altLang="de-DE" dirty="0" err="1"/>
+              <a:t>evidence</a:t>
+            </a:r>
+            <a:r>
+              <a:rPr lang="de-DE" altLang="de-DE" dirty="0"/>
+              <a:t>)</a:t>
+            </a:r>
+          </a:p>
+          <a:p>
+            <a:r>
+              <a:rPr lang="de-DE" altLang="de-DE" dirty="0"/>
+              <a:t>Löschung des Tags führt auch zur Löschung des Releases</a:t>
+            </a:r>
+          </a:p>
+        </p:txBody>
+      </p:sp>
+      <p:sp>
+        <p:nvSpPr>
+          <p:cNvPr id="6147" name="Rectangle 1062">
+            <a:extLst>
+              <a:ext uri="{FF2B5EF4-FFF2-40B4-BE49-F238E27FC236}">
+                <a16:creationId xmlns:a16="http://schemas.microsoft.com/office/drawing/2014/main" id="{C46E9340-3256-8D55-A265-94F2F41E288E}"/>
+              </a:ext>
+            </a:extLst>
+          </p:cNvPr>
+          <p:cNvSpPr>
+            <a:spLocks noGrp="1" noChangeArrowheads="1"/>
+          </p:cNvSpPr>
+          <p:nvPr>
+            <p:ph type="title"/>
+          </p:nvPr>
+        </p:nvSpPr>
+        <p:spPr>
+          <a:xfrm>
+            <a:off x="285750" y="142875"/>
+            <a:ext cx="5654675" cy="706438"/>
+          </a:xfrm>
+        </p:spPr>
+        <p:txBody>
+          <a:bodyPr/>
+          <a:lstStyle/>
+          <a:p>
+            <a:r>
+              <a:rPr lang="de-DE" altLang="de-DE" dirty="0" err="1"/>
+              <a:t>GitLab</a:t>
+            </a:r>
+            <a:r>
+              <a:rPr lang="de-DE" altLang="de-DE" dirty="0"/>
+              <a:t> Releases</a:t>
+            </a:r>
+          </a:p>
+        </p:txBody>
+      </p:sp>
+    </p:spTree>
+    <p:extLst>
+      <p:ext uri="{BB962C8B-B14F-4D97-AF65-F5344CB8AC3E}">
+        <p14:creationId xmlns:p14="http://schemas.microsoft.com/office/powerpoint/2010/main" val="1056702386"/>
+      </p:ext>
+    </p:extLst>
+  </p:cSld>
+  <p:clrMapOvr>
+    <a:masterClrMapping/>
+  </p:clrMapOvr>
+</p:sld>
+</file>
+
+<file path=ppt/slides/slide19.xml><?xml version="1.0" encoding="utf-8"?>
+<p:sld xmlns:a="http://schemas.openxmlformats.org/drawingml/2006/main" xmlns:r="http://schemas.openxmlformats.org/officeDocument/2006/relationships" xmlns:p="http://schemas.openxmlformats.org/presentationml/2006/main">
+  <p:cSld>
+    <p:spTree>
+      <p:nvGrpSpPr>
+        <p:cNvPr id="1" name=""/>
+        <p:cNvGrpSpPr/>
+        <p:nvPr/>
+      </p:nvGrpSpPr>
+      <p:grpSpPr>
+        <a:xfrm>
+          <a:off x="0" y="0"/>
+          <a:ext cx="0" cy="0"/>
+          <a:chOff x="0" y="0"/>
+          <a:chExt cx="0" cy="0"/>
+        </a:xfrm>
+      </p:grpSpPr>
+      <p:sp>
+        <p:nvSpPr>
+          <p:cNvPr id="6146" name="Inhaltsplatzhalter 18">
+            <a:extLst>
+              <a:ext uri="{FF2B5EF4-FFF2-40B4-BE49-F238E27FC236}">
+                <a16:creationId xmlns:a16="http://schemas.microsoft.com/office/drawing/2014/main" id="{BE3C4C95-FD5D-27F0-ED0C-AB8113CAC9F1}"/>
+              </a:ext>
+            </a:extLst>
+          </p:cNvPr>
+          <p:cNvSpPr>
+            <a:spLocks noGrp="1"/>
+          </p:cNvSpPr>
+          <p:nvPr>
+            <p:ph idx="1"/>
+          </p:nvPr>
+        </p:nvSpPr>
+        <p:spPr>
+          <a:xfrm>
+            <a:off x="303214" y="981075"/>
+            <a:ext cx="8517258" cy="5400675"/>
+          </a:xfrm>
+        </p:spPr>
+        <p:txBody>
+          <a:bodyPr/>
+          <a:lstStyle/>
+          <a:p>
+            <a:r>
               <a:rPr lang="de-DE" altLang="de-DE" dirty="0"/>
               <a:t>Releases können unter </a:t>
             </a:r>
@@ -7385,103 +7833,6 @@
     <p:extLst>
       <p:ext uri="{BB962C8B-B14F-4D97-AF65-F5344CB8AC3E}">
         <p14:creationId xmlns:p14="http://schemas.microsoft.com/office/powerpoint/2010/main" val="1285262812"/>
-      </p:ext>
-    </p:extLst>
-  </p:cSld>
-  <p:clrMapOvr>
-    <a:masterClrMapping/>
-  </p:clrMapOvr>
-</p:sld>
-</file>
-
-<file path=ppt/slides/slide19.xml><?xml version="1.0" encoding="utf-8"?>
-<p:sld xmlns:a="http://schemas.openxmlformats.org/drawingml/2006/main" xmlns:r="http://schemas.openxmlformats.org/officeDocument/2006/relationships" xmlns:p="http://schemas.openxmlformats.org/presentationml/2006/main">
-  <p:cSld>
-    <p:spTree>
-      <p:nvGrpSpPr>
-        <p:cNvPr id="1" name=""/>
-        <p:cNvGrpSpPr/>
-        <p:nvPr/>
-      </p:nvGrpSpPr>
-      <p:grpSpPr>
-        <a:xfrm>
-          <a:off x="0" y="0"/>
-          <a:ext cx="0" cy="0"/>
-          <a:chOff x="0" y="0"/>
-          <a:chExt cx="0" cy="0"/>
-        </a:xfrm>
-      </p:grpSpPr>
-      <p:sp>
-        <p:nvSpPr>
-          <p:cNvPr id="6147" name="Rectangle 1062">
-            <a:extLst>
-              <a:ext uri="{FF2B5EF4-FFF2-40B4-BE49-F238E27FC236}">
-                <a16:creationId xmlns:a16="http://schemas.microsoft.com/office/drawing/2014/main" id="{C46E9340-3256-8D55-A265-94F2F41E288E}"/>
-              </a:ext>
-            </a:extLst>
-          </p:cNvPr>
-          <p:cNvSpPr>
-            <a:spLocks noGrp="1" noChangeArrowheads="1"/>
-          </p:cNvSpPr>
-          <p:nvPr>
-            <p:ph type="title"/>
-          </p:nvPr>
-        </p:nvSpPr>
-        <p:spPr>
-          <a:xfrm>
-            <a:off x="285750" y="142875"/>
-            <a:ext cx="5654675" cy="706438"/>
-          </a:xfrm>
-        </p:spPr>
-        <p:txBody>
-          <a:bodyPr/>
-          <a:lstStyle/>
-          <a:p>
-            <a:r>
-              <a:rPr lang="de-DE" altLang="de-DE" dirty="0" err="1"/>
-              <a:t>GitLab</a:t>
-            </a:r>
-            <a:r>
-              <a:rPr lang="de-DE" altLang="de-DE" dirty="0"/>
-              <a:t> Releases</a:t>
-            </a:r>
-          </a:p>
-        </p:txBody>
-      </p:sp>
-      <p:pic>
-        <p:nvPicPr>
-          <p:cNvPr id="6" name="Grafik 5">
-            <a:extLst>
-              <a:ext uri="{FF2B5EF4-FFF2-40B4-BE49-F238E27FC236}">
-                <a16:creationId xmlns:a16="http://schemas.microsoft.com/office/drawing/2014/main" id="{7C90D3BA-42A3-A771-49E5-FDC2FBB8925D}"/>
-              </a:ext>
-            </a:extLst>
-          </p:cNvPr>
-          <p:cNvPicPr>
-            <a:picLocks noChangeAspect="1"/>
-          </p:cNvPicPr>
-          <p:nvPr/>
-        </p:nvPicPr>
-        <p:blipFill>
-          <a:blip r:embed="rId2"/>
-          <a:stretch>
-            <a:fillRect/>
-          </a:stretch>
-        </p:blipFill>
-        <p:spPr>
-          <a:xfrm>
-            <a:off x="259502" y="1694732"/>
-            <a:ext cx="8532440" cy="3468536"/>
-          </a:xfrm>
-          <a:prstGeom prst="rect">
-            <a:avLst/>
-          </a:prstGeom>
-        </p:spPr>
-      </p:pic>
-    </p:spTree>
-    <p:extLst>
-      <p:ext uri="{BB962C8B-B14F-4D97-AF65-F5344CB8AC3E}">
-        <p14:creationId xmlns:p14="http://schemas.microsoft.com/office/powerpoint/2010/main" val="1776497351"/>
       </p:ext>
     </p:extLst>
   </p:cSld>
@@ -7533,7 +7884,132 @@
               <a:buFont typeface="Arial" panose="020B0604020202020204" pitchFamily="34" charset="0"/>
               <a:buChar char="•"/>
             </a:pPr>
-            <a:endParaRPr lang="de-DE" altLang="de-DE" sz="1800" b="1" dirty="0"/>
+            <a:r>
+              <a:rPr lang="de-DE" altLang="de-DE" sz="1800" b="1" dirty="0"/>
+              <a:t>Tag 1 – Einführung in </a:t>
+            </a:r>
+            <a:r>
+              <a:rPr lang="de-DE" altLang="de-DE" sz="1800" b="1" dirty="0" err="1"/>
+              <a:t>Git</a:t>
+            </a:r>
+            <a:r>
+              <a:rPr lang="de-DE" altLang="de-DE" sz="1800" b="1" dirty="0"/>
+              <a:t> und </a:t>
+            </a:r>
+            <a:r>
+              <a:rPr lang="de-DE" altLang="de-DE" sz="1800" b="1" dirty="0" err="1"/>
+              <a:t>GitLab</a:t>
+            </a:r>
+            <a:r>
+              <a:rPr lang="de-DE" altLang="de-DE" sz="1800" b="1" dirty="0"/>
+              <a:t>, </a:t>
+            </a:r>
+            <a:r>
+              <a:rPr lang="de-DE" altLang="de-DE" sz="1800" b="1" dirty="0" err="1"/>
+              <a:t>Git</a:t>
+            </a:r>
+            <a:r>
+              <a:rPr lang="de-DE" altLang="de-DE" sz="1800" b="1" dirty="0"/>
+              <a:t>-Workflow im Team</a:t>
+            </a:r>
+          </a:p>
+          <a:p>
+            <a:pPr lvl="1">
+              <a:buFont typeface="Arial" panose="020B0604020202020204" pitchFamily="34" charset="0"/>
+              <a:buChar char="•"/>
+            </a:pPr>
+            <a:r>
+              <a:rPr lang="de-DE" altLang="de-DE" sz="1400" dirty="0"/>
+              <a:t>Einführung &amp; Kursüberblick</a:t>
+            </a:r>
+          </a:p>
+          <a:p>
+            <a:pPr lvl="1">
+              <a:buFont typeface="Arial" panose="020B0604020202020204" pitchFamily="34" charset="0"/>
+              <a:buChar char="•"/>
+            </a:pPr>
+            <a:r>
+              <a:rPr lang="de-DE" altLang="de-DE" sz="1400" dirty="0"/>
+              <a:t>Grundlagen von </a:t>
+            </a:r>
+            <a:r>
+              <a:rPr lang="de-DE" altLang="de-DE" sz="1400" dirty="0" err="1"/>
+              <a:t>Git</a:t>
+            </a:r>
+            <a:endParaRPr lang="de-DE" altLang="de-DE" sz="1400" dirty="0"/>
+          </a:p>
+          <a:p>
+            <a:pPr lvl="1">
+              <a:buFont typeface="Arial" panose="020B0604020202020204" pitchFamily="34" charset="0"/>
+              <a:buChar char="•"/>
+            </a:pPr>
+            <a:r>
+              <a:rPr lang="de-DE" altLang="de-DE" sz="1400" dirty="0" err="1"/>
+              <a:t>Git</a:t>
+            </a:r>
+            <a:r>
+              <a:rPr lang="de-DE" altLang="de-DE" sz="1400" dirty="0"/>
+              <a:t> </a:t>
+            </a:r>
+            <a:r>
+              <a:rPr lang="de-DE" altLang="de-DE" sz="1400" dirty="0" err="1"/>
+              <a:t>Rebase</a:t>
+            </a:r>
+            <a:r>
+              <a:rPr lang="de-DE" altLang="de-DE" sz="1400" dirty="0"/>
+              <a:t> und </a:t>
+            </a:r>
+            <a:r>
+              <a:rPr lang="de-DE" altLang="de-DE" sz="1400" dirty="0" err="1"/>
+              <a:t>Merge</a:t>
+            </a:r>
+            <a:r>
+              <a:rPr lang="de-DE" altLang="de-DE" sz="1400" dirty="0"/>
+              <a:t>-Strategien</a:t>
+            </a:r>
+          </a:p>
+          <a:p>
+            <a:pPr lvl="1">
+              <a:buFont typeface="Arial" panose="020B0604020202020204" pitchFamily="34" charset="0"/>
+              <a:buChar char="•"/>
+            </a:pPr>
+            <a:r>
+              <a:rPr lang="de-DE" altLang="de-DE" sz="1400" dirty="0" err="1"/>
+              <a:t>Git</a:t>
+            </a:r>
+            <a:r>
+              <a:rPr lang="de-DE" altLang="de-DE" sz="1400" dirty="0"/>
+              <a:t> Remote</a:t>
+            </a:r>
+          </a:p>
+          <a:p>
+            <a:pPr lvl="1">
+              <a:buFont typeface="Arial" panose="020B0604020202020204" pitchFamily="34" charset="0"/>
+              <a:buChar char="•"/>
+            </a:pPr>
+            <a:r>
+              <a:rPr lang="de-DE" altLang="de-DE" sz="1400" dirty="0"/>
+              <a:t>Grundlagen von </a:t>
+            </a:r>
+            <a:r>
+              <a:rPr lang="de-DE" altLang="de-DE" sz="1400" dirty="0" err="1"/>
+              <a:t>GitLab</a:t>
+            </a:r>
+            <a:endParaRPr lang="de-DE" altLang="de-DE" sz="1400" dirty="0"/>
+          </a:p>
+          <a:p>
+            <a:pPr lvl="1">
+              <a:buFont typeface="Arial" panose="020B0604020202020204" pitchFamily="34" charset="0"/>
+              <a:buChar char="•"/>
+            </a:pPr>
+            <a:r>
+              <a:rPr lang="de-DE" altLang="de-DE" sz="1400" dirty="0" err="1"/>
+              <a:t>Git</a:t>
+            </a:r>
+            <a:r>
+              <a:rPr lang="de-DE" altLang="de-DE" sz="1400" dirty="0"/>
+              <a:t>-Workflow im Team</a:t>
+            </a:r>
           </a:p>
           <a:p>
             <a:pPr>
@@ -7542,7 +8018,7 @@
             </a:pPr>
             <a:r>
               <a:rPr lang="de-DE" altLang="de-DE" sz="1800" b="1" dirty="0"/>
-              <a:t>Tag 1 – Einführung in </a:t>
+              <a:t>Tag 2 – Vertiefung </a:t>
             </a:r>
             <a:r>
               <a:rPr lang="de-DE" altLang="de-DE" sz="1800" b="1" dirty="0" err="1"/>
@@ -7550,7 +8026,7 @@
             </a:r>
             <a:r>
               <a:rPr lang="de-DE" altLang="de-DE" sz="1800" b="1" dirty="0"/>
-              <a:t> und </a:t>
+              <a:t>-Workflow, CI/CD &amp; </a:t>
             </a:r>
             <a:r>
               <a:rPr lang="de-DE" altLang="de-DE" sz="1800" b="1" dirty="0" err="1"/>
@@ -7558,15 +8034,7 @@
             </a:r>
             <a:r>
               <a:rPr lang="de-DE" altLang="de-DE" sz="1800" b="1" dirty="0"/>
-              <a:t>, </a:t>
-            </a:r>
-            <a:r>
-              <a:rPr lang="de-DE" altLang="de-DE" sz="1800" b="1" dirty="0" err="1"/>
-              <a:t>Git</a:t>
-            </a:r>
-            <a:r>
-              <a:rPr lang="de-DE" altLang="de-DE" sz="1800" b="1" dirty="0"/>
-              <a:t>-Workflow im Team</a:t>
+              <a:t> CI </a:t>
             </a:r>
           </a:p>
           <a:p>
@@ -7575,8 +8043,12 @@
               <a:buChar char="•"/>
             </a:pPr>
             <a:r>
+              <a:rPr lang="de-DE" altLang="de-DE" sz="1400" dirty="0" err="1"/>
+              <a:t>Gitflow</a:t>
+            </a:r>
+            <a:r>
               <a:rPr lang="de-DE" altLang="de-DE" sz="1400" dirty="0"/>
-              <a:t>Einführung &amp; Kursüberblick</a:t>
+              <a:t>-Workflow</a:t>
             </a:r>
           </a:p>
           <a:p>
@@ -7586,21 +8058,8 @@
             </a:pPr>
             <a:r>
               <a:rPr lang="de-DE" altLang="de-DE" sz="1400" dirty="0"/>
-              <a:t>Grundlagen von </a:t>
-            </a:r>
-            <a:r>
-              <a:rPr lang="de-DE" altLang="de-DE" sz="1400" dirty="0" err="1"/>
-              <a:t>Git</a:t>
-            </a:r>
-            <a:r>
-              <a:rPr lang="de-DE" altLang="de-DE" sz="1400" dirty="0"/>
-              <a:t> und </a:t>
-            </a:r>
-            <a:r>
-              <a:rPr lang="de-DE" altLang="de-DE" sz="1400" dirty="0" err="1"/>
-              <a:t>GitLab</a:t>
-            </a:r>
-            <a:endParaRPr lang="de-DE" altLang="de-DE" sz="1400" dirty="0"/>
+              <a:t>Tags, Releases &amp; deren Verwaltung</a:t>
+            </a:r>
           </a:p>
           <a:p>
             <a:pPr lvl="1">
@@ -7609,27 +8068,11 @@
             </a:pPr>
             <a:r>
               <a:rPr lang="de-DE" altLang="de-DE" sz="1400" dirty="0" err="1"/>
-              <a:t>Git</a:t>
+              <a:t>GitLab</a:t>
             </a:r>
             <a:r>
               <a:rPr lang="de-DE" altLang="de-DE" sz="1400" dirty="0"/>
-              <a:t> </a:t>
-            </a:r>
-            <a:r>
-              <a:rPr lang="de-DE" altLang="de-DE" sz="1400" dirty="0" err="1"/>
-              <a:t>Rebase</a:t>
-            </a:r>
-            <a:r>
-              <a:rPr lang="de-DE" altLang="de-DE" sz="1400" dirty="0"/>
-              <a:t> &amp; </a:t>
-            </a:r>
-            <a:r>
-              <a:rPr lang="de-DE" altLang="de-DE" sz="1400" dirty="0" err="1"/>
-              <a:t>Merge</a:t>
-            </a:r>
-            <a:r>
-              <a:rPr lang="de-DE" altLang="de-DE" sz="1400" dirty="0"/>
-              <a:t>-Strategien</a:t>
+              <a:t>-Runner</a:t>
             </a:r>
           </a:p>
           <a:p>
@@ -7638,12 +8081,47 @@
               <a:buChar char="•"/>
             </a:pPr>
             <a:r>
+              <a:rPr lang="de-DE" altLang="de-DE" sz="1400" dirty="0"/>
+              <a:t>Einführung in </a:t>
+            </a:r>
+            <a:r>
               <a:rPr lang="de-DE" altLang="de-DE" sz="1400" dirty="0" err="1"/>
-              <a:t>Git</a:t>
+              <a:t>GitLab</a:t>
             </a:r>
             <a:r>
               <a:rPr lang="de-DE" altLang="de-DE" sz="1400" dirty="0"/>
-              <a:t>-Workflow im Team</a:t>
+              <a:t> CI/CD &amp; </a:t>
+            </a:r>
+            <a:r>
+              <a:rPr lang="de-DE" altLang="de-DE" sz="1400" dirty="0" err="1"/>
+              <a:t>gitlab.yml</a:t>
+            </a:r>
+            <a:endParaRPr lang="de-DE" altLang="de-DE" sz="1400" dirty="0"/>
+          </a:p>
+          <a:p>
+            <a:pPr>
+              <a:buFont typeface="Arial" panose="020B0604020202020204" pitchFamily="34" charset="0"/>
+              <a:buChar char="•"/>
+            </a:pPr>
+            <a:r>
+              <a:rPr lang="de-DE" altLang="de-DE" sz="1800" b="1" dirty="0"/>
+              <a:t>Tag 3 – </a:t>
+            </a:r>
+            <a:r>
+              <a:rPr lang="de-DE" altLang="de-DE" sz="1800" b="1" dirty="0" err="1"/>
+              <a:t>GitOps</a:t>
+            </a:r>
+            <a:r>
+              <a:rPr lang="de-DE" altLang="de-DE" sz="1800" b="1" dirty="0"/>
+              <a:t>, Docker in der Entwicklung und </a:t>
+            </a:r>
+            <a:r>
+              <a:rPr lang="de-DE" altLang="de-DE" sz="1800" b="1" dirty="0" err="1"/>
+              <a:t>Deployment</a:t>
+            </a:r>
+            <a:r>
+              <a:rPr lang="de-DE" altLang="de-DE" sz="1800" b="1" dirty="0"/>
+              <a:t>-Strategien</a:t>
             </a:r>
           </a:p>
           <a:p>
@@ -7651,30 +8129,14 @@
               <a:buFont typeface="Arial" panose="020B0604020202020204" pitchFamily="34" charset="0"/>
               <a:buChar char="•"/>
             </a:pPr>
-            <a:endParaRPr lang="de-DE" altLang="de-DE" sz="1400" dirty="0"/>
-          </a:p>
-          <a:p>
-            <a:pPr>
-              <a:buFont typeface="Arial" panose="020B0604020202020204" pitchFamily="34" charset="0"/>
-              <a:buChar char="•"/>
-            </a:pPr>
-            <a:r>
-              <a:rPr lang="de-DE" altLang="de-DE" sz="1800" b="1" dirty="0"/>
-              <a:t>Tag 2 – Vertiefung </a:t>
-            </a:r>
-            <a:r>
-              <a:rPr lang="de-DE" altLang="de-DE" sz="1800" b="1" dirty="0" err="1"/>
-              <a:t>Git</a:t>
-            </a:r>
-            <a:r>
-              <a:rPr lang="de-DE" altLang="de-DE" sz="1800" b="1" dirty="0"/>
-              <a:t>-Workflow, CI/CD &amp; </a:t>
-            </a:r>
-            <a:r>
-              <a:rPr lang="de-DE" altLang="de-DE" sz="1800" b="1" dirty="0" err="1"/>
+            <a:r>
+              <a:rPr lang="de-DE" altLang="de-DE" sz="1400" dirty="0" err="1"/>
               <a:t>GitOps</a:t>
             </a:r>
-            <a:endParaRPr lang="de-DE" altLang="de-DE" sz="1800" b="1" dirty="0"/>
+            <a:r>
+              <a:rPr lang="de-DE" altLang="de-DE" sz="1400" dirty="0"/>
+              <a:t> Grundlagen</a:t>
+            </a:r>
           </a:p>
           <a:p>
             <a:pPr lvl="1">
@@ -7682,12 +8144,8 @@
               <a:buChar char="•"/>
             </a:pPr>
             <a:r>
-              <a:rPr lang="de-DE" altLang="de-DE" sz="1400" dirty="0" err="1"/>
-              <a:t>Gitflow</a:t>
-            </a:r>
-            <a:r>
               <a:rPr lang="de-DE" altLang="de-DE" sz="1400" dirty="0"/>
-              <a:t>-Workflow</a:t>
+              <a:t>Lokale Entwicklung mit Docker</a:t>
             </a:r>
           </a:p>
           <a:p>
@@ -7697,7 +8155,7 @@
             </a:pPr>
             <a:r>
               <a:rPr lang="de-DE" altLang="de-DE" sz="1400" dirty="0"/>
-              <a:t>Tags, Releases &amp; deren Verwaltung</a:t>
+              <a:t>Container/Docker-Registry</a:t>
             </a:r>
           </a:p>
           <a:p>
@@ -7707,21 +8165,16 @@
             </a:pPr>
             <a:r>
               <a:rPr lang="de-DE" altLang="de-DE" sz="1400" dirty="0"/>
-              <a:t>Einführung in </a:t>
+              <a:t>Erstellen von Release- und </a:t>
             </a:r>
             <a:r>
               <a:rPr lang="de-DE" altLang="de-DE" sz="1400" dirty="0" err="1"/>
-              <a:t>GitLab</a:t>
+              <a:t>Tagged</a:t>
             </a:r>
             <a:r>
               <a:rPr lang="de-DE" altLang="de-DE" sz="1400" dirty="0"/>
-              <a:t> CI/CD &amp; </a:t>
-            </a:r>
-            <a:r>
-              <a:rPr lang="de-DE" altLang="de-DE" sz="1400" dirty="0" err="1"/>
-              <a:t>gitlab.yml</a:t>
-            </a:r>
-            <a:endParaRPr lang="de-DE" altLang="de-DE" sz="1400" dirty="0"/>
+              <a:t>-Images</a:t>
+            </a:r>
           </a:p>
           <a:p>
             <a:pPr lvl="1">
@@ -7730,105 +8183,25 @@
             </a:pPr>
             <a:r>
               <a:rPr lang="de-DE" altLang="de-DE" sz="1400" dirty="0"/>
-              <a:t>Grundlagen von </a:t>
+              <a:t>Möglichkeiten des </a:t>
             </a:r>
             <a:r>
               <a:rPr lang="de-DE" altLang="de-DE" sz="1400" dirty="0" err="1"/>
-              <a:t>GitOps</a:t>
-            </a:r>
-            <a:endParaRPr lang="de-DE" altLang="de-DE" sz="1400" dirty="0"/>
+              <a:t>Deployments</a:t>
+            </a:r>
+            <a:r>
+              <a:rPr lang="de-DE" altLang="de-DE" sz="1400" dirty="0"/>
+              <a:t> &amp; Verwaltung von Konfiguration</a:t>
+            </a:r>
           </a:p>
           <a:p>
             <a:pPr lvl="1">
               <a:buFont typeface="Arial" panose="020B0604020202020204" pitchFamily="34" charset="0"/>
               <a:buChar char="•"/>
             </a:pPr>
-            <a:endParaRPr lang="de-DE" altLang="de-DE" sz="1400" dirty="0"/>
-          </a:p>
-          <a:p>
-            <a:pPr>
-              <a:buFont typeface="Arial" panose="020B0604020202020204" pitchFamily="34" charset="0"/>
-              <a:buChar char="•"/>
-            </a:pPr>
-            <a:r>
-              <a:rPr lang="de-DE" altLang="de-DE" sz="1800" b="1" dirty="0"/>
-              <a:t>Tag 3 – Docker in der Entwicklung, </a:t>
-            </a:r>
-            <a:r>
-              <a:rPr lang="de-DE" altLang="de-DE" sz="1800" b="1" dirty="0" err="1"/>
-              <a:t>GitLab</a:t>
-            </a:r>
-            <a:r>
-              <a:rPr lang="de-DE" altLang="de-DE" sz="1800" b="1" dirty="0"/>
-              <a:t> CI und </a:t>
-            </a:r>
-            <a:r>
-              <a:rPr lang="de-DE" altLang="de-DE" sz="1800" b="1" dirty="0" err="1"/>
-              <a:t>Deployment</a:t>
-            </a:r>
-            <a:r>
-              <a:rPr lang="de-DE" altLang="de-DE" sz="1800" b="1" dirty="0"/>
-              <a:t>-Strategien</a:t>
-            </a:r>
-          </a:p>
-          <a:p>
-            <a:pPr lvl="1">
-              <a:buFont typeface="Arial" panose="020B0604020202020204" pitchFamily="34" charset="0"/>
-              <a:buChar char="•"/>
-            </a:pPr>
             <a:r>
               <a:rPr lang="de-DE" altLang="de-DE" sz="1400" dirty="0"/>
-              <a:t>Lokale Entwicklung mit Docker</a:t>
-            </a:r>
-          </a:p>
-          <a:p>
-            <a:pPr lvl="1">
-              <a:buFont typeface="Arial" panose="020B0604020202020204" pitchFamily="34" charset="0"/>
-              <a:buChar char="•"/>
-            </a:pPr>
-            <a:r>
-              <a:rPr lang="de-DE" altLang="de-DE" sz="1400" dirty="0" err="1"/>
-              <a:t>GitLab</a:t>
-            </a:r>
-            <a:r>
-              <a:rPr lang="de-DE" altLang="de-DE" sz="1400" dirty="0"/>
-              <a:t>-Runner &amp; Docker-Registry</a:t>
-            </a:r>
-          </a:p>
-          <a:p>
-            <a:pPr lvl="1">
-              <a:buFont typeface="Arial" panose="020B0604020202020204" pitchFamily="34" charset="0"/>
-              <a:buChar char="•"/>
-            </a:pPr>
-            <a:r>
-              <a:rPr lang="de-DE" altLang="de-DE" sz="1400" dirty="0"/>
-              <a:t>Erstellen von Release- und </a:t>
-            </a:r>
-            <a:r>
-              <a:rPr lang="de-DE" altLang="de-DE" sz="1400" dirty="0" err="1"/>
-              <a:t>Tagged</a:t>
-            </a:r>
-            <a:r>
-              <a:rPr lang="de-DE" altLang="de-DE" sz="1400" dirty="0"/>
-              <a:t>-Images</a:t>
-            </a:r>
-          </a:p>
-          <a:p>
-            <a:pPr lvl="1">
-              <a:buFont typeface="Arial" panose="020B0604020202020204" pitchFamily="34" charset="0"/>
-              <a:buChar char="•"/>
-            </a:pPr>
-            <a:r>
-              <a:rPr lang="de-DE" altLang="de-DE" sz="1400" dirty="0"/>
-              <a:t>Möglichkeiten des </a:t>
-            </a:r>
-            <a:r>
-              <a:rPr lang="de-DE" altLang="de-DE" sz="1400" dirty="0" err="1"/>
-              <a:t>Deployments</a:t>
-            </a:r>
-            <a:r>
-              <a:rPr lang="de-DE" altLang="de-DE" sz="1400" dirty="0"/>
-              <a:t> &amp; Verwaltung von Konfiguration</a:t>
+              <a:t>Abschlussübung &amp; Diskussion</a:t>
             </a:r>
           </a:p>
           <a:p>
@@ -7882,6 +8255,103 @@
 </file>
 
 <file path=ppt/slides/slide20.xml><?xml version="1.0" encoding="utf-8"?>
+<p:sld xmlns:a="http://schemas.openxmlformats.org/drawingml/2006/main" xmlns:r="http://schemas.openxmlformats.org/officeDocument/2006/relationships" xmlns:p="http://schemas.openxmlformats.org/presentationml/2006/main">
+  <p:cSld>
+    <p:spTree>
+      <p:nvGrpSpPr>
+        <p:cNvPr id="1" name=""/>
+        <p:cNvGrpSpPr/>
+        <p:nvPr/>
+      </p:nvGrpSpPr>
+      <p:grpSpPr>
+        <a:xfrm>
+          <a:off x="0" y="0"/>
+          <a:ext cx="0" cy="0"/>
+          <a:chOff x="0" y="0"/>
+          <a:chExt cx="0" cy="0"/>
+        </a:xfrm>
+      </p:grpSpPr>
+      <p:sp>
+        <p:nvSpPr>
+          <p:cNvPr id="6147" name="Rectangle 1062">
+            <a:extLst>
+              <a:ext uri="{FF2B5EF4-FFF2-40B4-BE49-F238E27FC236}">
+                <a16:creationId xmlns:a16="http://schemas.microsoft.com/office/drawing/2014/main" id="{C46E9340-3256-8D55-A265-94F2F41E288E}"/>
+              </a:ext>
+            </a:extLst>
+          </p:cNvPr>
+          <p:cNvSpPr>
+            <a:spLocks noGrp="1" noChangeArrowheads="1"/>
+          </p:cNvSpPr>
+          <p:nvPr>
+            <p:ph type="title"/>
+          </p:nvPr>
+        </p:nvSpPr>
+        <p:spPr>
+          <a:xfrm>
+            <a:off x="285750" y="142875"/>
+            <a:ext cx="5654675" cy="706438"/>
+          </a:xfrm>
+        </p:spPr>
+        <p:txBody>
+          <a:bodyPr/>
+          <a:lstStyle/>
+          <a:p>
+            <a:r>
+              <a:rPr lang="de-DE" altLang="de-DE" dirty="0" err="1"/>
+              <a:t>GitLab</a:t>
+            </a:r>
+            <a:r>
+              <a:rPr lang="de-DE" altLang="de-DE" dirty="0"/>
+              <a:t> Releases</a:t>
+            </a:r>
+          </a:p>
+        </p:txBody>
+      </p:sp>
+      <p:pic>
+        <p:nvPicPr>
+          <p:cNvPr id="6" name="Grafik 5">
+            <a:extLst>
+              <a:ext uri="{FF2B5EF4-FFF2-40B4-BE49-F238E27FC236}">
+                <a16:creationId xmlns:a16="http://schemas.microsoft.com/office/drawing/2014/main" id="{7C90D3BA-42A3-A771-49E5-FDC2FBB8925D}"/>
+              </a:ext>
+            </a:extLst>
+          </p:cNvPr>
+          <p:cNvPicPr>
+            <a:picLocks noChangeAspect="1"/>
+          </p:cNvPicPr>
+          <p:nvPr/>
+        </p:nvPicPr>
+        <p:blipFill>
+          <a:blip r:embed="rId2"/>
+          <a:stretch>
+            <a:fillRect/>
+          </a:stretch>
+        </p:blipFill>
+        <p:spPr>
+          <a:xfrm>
+            <a:off x="259502" y="1694732"/>
+            <a:ext cx="8532440" cy="3468536"/>
+          </a:xfrm>
+          <a:prstGeom prst="rect">
+            <a:avLst/>
+          </a:prstGeom>
+        </p:spPr>
+      </p:pic>
+    </p:spTree>
+    <p:extLst>
+      <p:ext uri="{BB962C8B-B14F-4D97-AF65-F5344CB8AC3E}">
+        <p14:creationId xmlns:p14="http://schemas.microsoft.com/office/powerpoint/2010/main" val="1776497351"/>
+      </p:ext>
+    </p:extLst>
+  </p:cSld>
+  <p:clrMapOvr>
+    <a:masterClrMapping/>
+  </p:clrMapOvr>
+</p:sld>
+</file>
+
+<file path=ppt/slides/slide21.xml><?xml version="1.0" encoding="utf-8"?>
 <p:sld xmlns:a="http://schemas.openxmlformats.org/drawingml/2006/main" xmlns:r="http://schemas.openxmlformats.org/officeDocument/2006/relationships" xmlns:p="http://schemas.openxmlformats.org/presentationml/2006/main">
   <p:cSld>
     <p:spTree>
@@ -8099,10 +8569,364 @@
       </p:grpSpPr>
       <p:sp>
         <p:nvSpPr>
-          <p:cNvPr id="5123" name="Rectangle 6">
+          <p:cNvPr id="6146" name="Inhaltsplatzhalter 18">
             <a:extLst>
               <a:ext uri="{FF2B5EF4-FFF2-40B4-BE49-F238E27FC236}">
-                <a16:creationId xmlns:a16="http://schemas.microsoft.com/office/drawing/2014/main" id="{BC4BC2CC-AA18-345B-63ED-7D24CA6BD3B5}"/>
+                <a16:creationId xmlns:a16="http://schemas.microsoft.com/office/drawing/2014/main" id="{BE3C4C95-FD5D-27F0-ED0C-AB8113CAC9F1}"/>
+              </a:ext>
+            </a:extLst>
+          </p:cNvPr>
+          <p:cNvSpPr>
+            <a:spLocks noGrp="1"/>
+          </p:cNvSpPr>
+          <p:nvPr>
+            <p:ph idx="1"/>
+          </p:nvPr>
+        </p:nvSpPr>
+        <p:spPr/>
+        <p:txBody>
+          <a:bodyPr/>
+          <a:lstStyle/>
+          <a:p>
+            <a:pPr>
+              <a:buFont typeface="Arial" panose="020B0604020202020204" pitchFamily="34" charset="0"/>
+              <a:buChar char="•"/>
+            </a:pPr>
+            <a:r>
+              <a:rPr lang="de-DE" altLang="de-DE" sz="1800" b="1" dirty="0"/>
+              <a:t>Tag 1 – Einführung in </a:t>
+            </a:r>
+            <a:r>
+              <a:rPr lang="de-DE" altLang="de-DE" sz="1800" b="1" dirty="0" err="1"/>
+              <a:t>Git</a:t>
+            </a:r>
+            <a:r>
+              <a:rPr lang="de-DE" altLang="de-DE" sz="1800" b="1" dirty="0"/>
+              <a:t> und </a:t>
+            </a:r>
+            <a:r>
+              <a:rPr lang="de-DE" altLang="de-DE" sz="1800" b="1" dirty="0" err="1"/>
+              <a:t>GitLab</a:t>
+            </a:r>
+            <a:r>
+              <a:rPr lang="de-DE" altLang="de-DE" sz="1800" b="1" dirty="0"/>
+              <a:t>, </a:t>
+            </a:r>
+            <a:r>
+              <a:rPr lang="de-DE" altLang="de-DE" sz="1800" b="1" dirty="0" err="1"/>
+              <a:t>Git</a:t>
+            </a:r>
+            <a:r>
+              <a:rPr lang="de-DE" altLang="de-DE" sz="1800" b="1" dirty="0"/>
+              <a:t>-Workflow im Team</a:t>
+            </a:r>
+          </a:p>
+          <a:p>
+            <a:pPr lvl="1">
+              <a:buFont typeface="Arial" panose="020B0604020202020204" pitchFamily="34" charset="0"/>
+              <a:buChar char="•"/>
+            </a:pPr>
+            <a:r>
+              <a:rPr lang="de-DE" altLang="de-DE" sz="1400" dirty="0"/>
+              <a:t>Einführung &amp; Kursüberblick</a:t>
+            </a:r>
+          </a:p>
+          <a:p>
+            <a:pPr lvl="1">
+              <a:buFont typeface="Arial" panose="020B0604020202020204" pitchFamily="34" charset="0"/>
+              <a:buChar char="•"/>
+            </a:pPr>
+            <a:r>
+              <a:rPr lang="de-DE" altLang="de-DE" sz="1400" dirty="0"/>
+              <a:t>Grundlagen von </a:t>
+            </a:r>
+            <a:r>
+              <a:rPr lang="de-DE" altLang="de-DE" sz="1400" dirty="0" err="1"/>
+              <a:t>Git</a:t>
+            </a:r>
+            <a:endParaRPr lang="de-DE" altLang="de-DE" sz="1400" dirty="0"/>
+          </a:p>
+          <a:p>
+            <a:pPr lvl="1">
+              <a:buFont typeface="Arial" panose="020B0604020202020204" pitchFamily="34" charset="0"/>
+              <a:buChar char="•"/>
+            </a:pPr>
+            <a:r>
+              <a:rPr lang="de-DE" altLang="de-DE" sz="1400" dirty="0" err="1"/>
+              <a:t>Git</a:t>
+            </a:r>
+            <a:r>
+              <a:rPr lang="de-DE" altLang="de-DE" sz="1400" dirty="0"/>
+              <a:t> </a:t>
+            </a:r>
+            <a:r>
+              <a:rPr lang="de-DE" altLang="de-DE" sz="1400" dirty="0" err="1"/>
+              <a:t>Rebase</a:t>
+            </a:r>
+            <a:r>
+              <a:rPr lang="de-DE" altLang="de-DE" sz="1400" dirty="0"/>
+              <a:t> und </a:t>
+            </a:r>
+            <a:r>
+              <a:rPr lang="de-DE" altLang="de-DE" sz="1400" dirty="0" err="1"/>
+              <a:t>Merge</a:t>
+            </a:r>
+            <a:r>
+              <a:rPr lang="de-DE" altLang="de-DE" sz="1400" dirty="0"/>
+              <a:t>-Strategien</a:t>
+            </a:r>
+          </a:p>
+          <a:p>
+            <a:pPr lvl="1">
+              <a:buFont typeface="Arial" panose="020B0604020202020204" pitchFamily="34" charset="0"/>
+              <a:buChar char="•"/>
+            </a:pPr>
+            <a:r>
+              <a:rPr lang="de-DE" altLang="de-DE" sz="1400" dirty="0" err="1"/>
+              <a:t>Git</a:t>
+            </a:r>
+            <a:r>
+              <a:rPr lang="de-DE" altLang="de-DE" sz="1400" dirty="0"/>
+              <a:t> Remote</a:t>
+            </a:r>
+          </a:p>
+          <a:p>
+            <a:pPr lvl="1">
+              <a:buFont typeface="Arial" panose="020B0604020202020204" pitchFamily="34" charset="0"/>
+              <a:buChar char="•"/>
+            </a:pPr>
+            <a:r>
+              <a:rPr lang="de-DE" altLang="de-DE" sz="1400" dirty="0"/>
+              <a:t>Grundlagen von </a:t>
+            </a:r>
+            <a:r>
+              <a:rPr lang="de-DE" altLang="de-DE" sz="1400" dirty="0" err="1"/>
+              <a:t>GitLab</a:t>
+            </a:r>
+            <a:endParaRPr lang="de-DE" altLang="de-DE" sz="1400" dirty="0"/>
+          </a:p>
+          <a:p>
+            <a:pPr lvl="1">
+              <a:buFont typeface="Arial" panose="020B0604020202020204" pitchFamily="34" charset="0"/>
+              <a:buChar char="•"/>
+            </a:pPr>
+            <a:r>
+              <a:rPr lang="de-DE" altLang="de-DE" sz="1400" dirty="0" err="1"/>
+              <a:t>Git</a:t>
+            </a:r>
+            <a:r>
+              <a:rPr lang="de-DE" altLang="de-DE" sz="1400" dirty="0"/>
+              <a:t>-Workflow im Team</a:t>
+            </a:r>
+          </a:p>
+          <a:p>
+            <a:pPr>
+              <a:buFont typeface="Arial" panose="020B0604020202020204" pitchFamily="34" charset="0"/>
+              <a:buChar char="•"/>
+            </a:pPr>
+            <a:r>
+              <a:rPr lang="de-DE" altLang="de-DE" sz="1800" b="1" dirty="0"/>
+              <a:t>Tag 2 – Vertiefung </a:t>
+            </a:r>
+            <a:r>
+              <a:rPr lang="de-DE" altLang="de-DE" sz="1800" b="1" dirty="0" err="1"/>
+              <a:t>Git</a:t>
+            </a:r>
+            <a:r>
+              <a:rPr lang="de-DE" altLang="de-DE" sz="1800" b="1" dirty="0"/>
+              <a:t>-Workflow, CI/CD &amp; </a:t>
+            </a:r>
+            <a:r>
+              <a:rPr lang="de-DE" altLang="de-DE" sz="1800" b="1" dirty="0" err="1"/>
+              <a:t>GitLab</a:t>
+            </a:r>
+            <a:r>
+              <a:rPr lang="de-DE" altLang="de-DE" sz="1800" b="1" dirty="0"/>
+              <a:t> CI </a:t>
+            </a:r>
+          </a:p>
+          <a:p>
+            <a:pPr lvl="1">
+              <a:buFont typeface="Arial" panose="020B0604020202020204" pitchFamily="34" charset="0"/>
+              <a:buChar char="•"/>
+            </a:pPr>
+            <a:r>
+              <a:rPr lang="de-DE" altLang="de-DE" sz="1400" dirty="0" err="1"/>
+              <a:t>Gitflow</a:t>
+            </a:r>
+            <a:r>
+              <a:rPr lang="de-DE" altLang="de-DE" sz="1400" dirty="0"/>
+              <a:t>-Workflow</a:t>
+            </a:r>
+          </a:p>
+          <a:p>
+            <a:pPr lvl="1">
+              <a:buFont typeface="Arial" panose="020B0604020202020204" pitchFamily="34" charset="0"/>
+              <a:buChar char="•"/>
+            </a:pPr>
+            <a:r>
+              <a:rPr lang="de-DE" altLang="de-DE" sz="1400" u="sng" dirty="0"/>
+              <a:t>Tags, Releases &amp; deren Verwaltung</a:t>
+            </a:r>
+          </a:p>
+          <a:p>
+            <a:pPr lvl="1">
+              <a:buFont typeface="Arial" panose="020B0604020202020204" pitchFamily="34" charset="0"/>
+              <a:buChar char="•"/>
+            </a:pPr>
+            <a:r>
+              <a:rPr lang="de-DE" altLang="de-DE" sz="1400" dirty="0" err="1"/>
+              <a:t>GitLab</a:t>
+            </a:r>
+            <a:r>
+              <a:rPr lang="de-DE" altLang="de-DE" sz="1400" dirty="0"/>
+              <a:t>-Runner</a:t>
+            </a:r>
+          </a:p>
+          <a:p>
+            <a:pPr lvl="1">
+              <a:buFont typeface="Arial" panose="020B0604020202020204" pitchFamily="34" charset="0"/>
+              <a:buChar char="•"/>
+            </a:pPr>
+            <a:r>
+              <a:rPr lang="de-DE" altLang="de-DE" sz="1400" dirty="0"/>
+              <a:t>Einführung in </a:t>
+            </a:r>
+            <a:r>
+              <a:rPr lang="de-DE" altLang="de-DE" sz="1400" dirty="0" err="1"/>
+              <a:t>GitLab</a:t>
+            </a:r>
+            <a:r>
+              <a:rPr lang="de-DE" altLang="de-DE" sz="1400" dirty="0"/>
+              <a:t> CI/CD &amp; </a:t>
+            </a:r>
+            <a:r>
+              <a:rPr lang="de-DE" altLang="de-DE" sz="1400" dirty="0" err="1"/>
+              <a:t>gitlab.yml</a:t>
+            </a:r>
+            <a:endParaRPr lang="de-DE" altLang="de-DE" sz="1400" dirty="0"/>
+          </a:p>
+          <a:p>
+            <a:pPr>
+              <a:buFont typeface="Arial" panose="020B0604020202020204" pitchFamily="34" charset="0"/>
+              <a:buChar char="•"/>
+            </a:pPr>
+            <a:r>
+              <a:rPr lang="de-DE" altLang="de-DE" sz="1800" b="1" dirty="0"/>
+              <a:t>Tag 3 – </a:t>
+            </a:r>
+            <a:r>
+              <a:rPr lang="de-DE" altLang="de-DE" sz="1800" b="1" dirty="0" err="1"/>
+              <a:t>GitOps</a:t>
+            </a:r>
+            <a:r>
+              <a:rPr lang="de-DE" altLang="de-DE" sz="1800" b="1" dirty="0"/>
+              <a:t>, Docker in der Entwicklung und </a:t>
+            </a:r>
+            <a:r>
+              <a:rPr lang="de-DE" altLang="de-DE" sz="1800" b="1" dirty="0" err="1"/>
+              <a:t>Deployment</a:t>
+            </a:r>
+            <a:r>
+              <a:rPr lang="de-DE" altLang="de-DE" sz="1800" b="1" dirty="0"/>
+              <a:t>-Strategien</a:t>
+            </a:r>
+          </a:p>
+          <a:p>
+            <a:pPr lvl="1">
+              <a:buFont typeface="Arial" panose="020B0604020202020204" pitchFamily="34" charset="0"/>
+              <a:buChar char="•"/>
+            </a:pPr>
+            <a:r>
+              <a:rPr lang="de-DE" altLang="de-DE" sz="1400" dirty="0" err="1"/>
+              <a:t>GitOps</a:t>
+            </a:r>
+            <a:r>
+              <a:rPr lang="de-DE" altLang="de-DE" sz="1400" dirty="0"/>
+              <a:t> Grundlagen</a:t>
+            </a:r>
+          </a:p>
+          <a:p>
+            <a:pPr lvl="1">
+              <a:buFont typeface="Arial" panose="020B0604020202020204" pitchFamily="34" charset="0"/>
+              <a:buChar char="•"/>
+            </a:pPr>
+            <a:r>
+              <a:rPr lang="de-DE" altLang="de-DE" sz="1400" dirty="0"/>
+              <a:t>Lokale Entwicklung mit Docker</a:t>
+            </a:r>
+          </a:p>
+          <a:p>
+            <a:pPr lvl="1">
+              <a:buFont typeface="Arial" panose="020B0604020202020204" pitchFamily="34" charset="0"/>
+              <a:buChar char="•"/>
+            </a:pPr>
+            <a:r>
+              <a:rPr lang="de-DE" altLang="de-DE" sz="1400" dirty="0"/>
+              <a:t>Container/Docker-Registry</a:t>
+            </a:r>
+          </a:p>
+          <a:p>
+            <a:pPr lvl="1">
+              <a:buFont typeface="Arial" panose="020B0604020202020204" pitchFamily="34" charset="0"/>
+              <a:buChar char="•"/>
+            </a:pPr>
+            <a:r>
+              <a:rPr lang="de-DE" altLang="de-DE" sz="1400" dirty="0"/>
+              <a:t>Erstellen von Release- und </a:t>
+            </a:r>
+            <a:r>
+              <a:rPr lang="de-DE" altLang="de-DE" sz="1400" dirty="0" err="1"/>
+              <a:t>Tagged</a:t>
+            </a:r>
+            <a:r>
+              <a:rPr lang="de-DE" altLang="de-DE" sz="1400" dirty="0"/>
+              <a:t>-Images</a:t>
+            </a:r>
+          </a:p>
+          <a:p>
+            <a:pPr lvl="1">
+              <a:buFont typeface="Arial" panose="020B0604020202020204" pitchFamily="34" charset="0"/>
+              <a:buChar char="•"/>
+            </a:pPr>
+            <a:r>
+              <a:rPr lang="de-DE" altLang="de-DE" sz="1400" dirty="0"/>
+              <a:t>Möglichkeiten des </a:t>
+            </a:r>
+            <a:r>
+              <a:rPr lang="de-DE" altLang="de-DE" sz="1400" dirty="0" err="1"/>
+              <a:t>Deployments</a:t>
+            </a:r>
+            <a:r>
+              <a:rPr lang="de-DE" altLang="de-DE" sz="1400" dirty="0"/>
+              <a:t> &amp; Verwaltung von Konfiguration</a:t>
+            </a:r>
+          </a:p>
+          <a:p>
+            <a:pPr lvl="1">
+              <a:buFont typeface="Arial" panose="020B0604020202020204" pitchFamily="34" charset="0"/>
+              <a:buChar char="•"/>
+            </a:pPr>
+            <a:r>
+              <a:rPr lang="de-DE" altLang="de-DE" sz="1400" dirty="0"/>
+              <a:t>Abschlussübung &amp; Diskussion</a:t>
+            </a:r>
+          </a:p>
+          <a:p>
+            <a:pPr lvl="1">
+              <a:buFont typeface="Arial" panose="020B0604020202020204" pitchFamily="34" charset="0"/>
+              <a:buChar char="•"/>
+            </a:pPr>
+            <a:endParaRPr lang="de-DE" altLang="de-DE" sz="1400" dirty="0"/>
+          </a:p>
+        </p:txBody>
+      </p:sp>
+      <p:sp>
+        <p:nvSpPr>
+          <p:cNvPr id="6147" name="Rectangle 1062">
+            <a:extLst>
+              <a:ext uri="{FF2B5EF4-FFF2-40B4-BE49-F238E27FC236}">
+                <a16:creationId xmlns:a16="http://schemas.microsoft.com/office/drawing/2014/main" id="{C46E9340-3256-8D55-A265-94F2F41E288E}"/>
               </a:ext>
             </a:extLst>
           </p:cNvPr>
@@ -8115,8 +8939,8 @@
         </p:nvSpPr>
         <p:spPr>
           <a:xfrm>
-            <a:off x="457200" y="115888"/>
-            <a:ext cx="3409950" cy="706437"/>
+            <a:off x="285750" y="142875"/>
+            <a:ext cx="5654675" cy="706438"/>
           </a:xfrm>
         </p:spPr>
         <p:txBody>
@@ -8124,150 +8948,18 @@
           <a:lstStyle/>
           <a:p>
             <a:r>
-              <a:rPr lang="de-DE" altLang="de-DE"/>
-              <a:t>Inhalt</a:t>
-            </a:r>
-          </a:p>
-        </p:txBody>
-      </p:sp>
-      <p:sp>
-        <p:nvSpPr>
-          <p:cNvPr id="3" name="Inhaltsplatzhalter 18">
-            <a:extLst>
-              <a:ext uri="{FF2B5EF4-FFF2-40B4-BE49-F238E27FC236}">
-                <a16:creationId xmlns:a16="http://schemas.microsoft.com/office/drawing/2014/main" id="{722A59E8-4DC4-18C6-04BE-E59EF5F3246C}"/>
-              </a:ext>
-            </a:extLst>
-          </p:cNvPr>
-          <p:cNvSpPr>
-            <a:spLocks noGrp="1"/>
-          </p:cNvSpPr>
-          <p:nvPr>
-            <p:ph idx="1"/>
-          </p:nvPr>
-        </p:nvSpPr>
-        <p:spPr>
-          <a:xfrm>
-            <a:off x="303214" y="981075"/>
-            <a:ext cx="8517258" cy="5400675"/>
-          </a:xfrm>
-        </p:spPr>
-        <p:txBody>
-          <a:bodyPr/>
-          <a:lstStyle/>
-          <a:p>
-            <a:pPr>
-              <a:spcBef>
-                <a:spcPts val="300"/>
-              </a:spcBef>
-            </a:pPr>
-            <a:r>
               <a:rPr lang="de-DE" altLang="de-DE" dirty="0"/>
-              <a:t>Tags in </a:t>
-            </a:r>
-            <a:r>
-              <a:rPr lang="de-DE" altLang="de-DE" dirty="0" err="1"/>
-              <a:t>Git</a:t>
-            </a:r>
-            <a:endParaRPr lang="de-DE" altLang="de-DE" dirty="0"/>
-          </a:p>
-          <a:p>
-            <a:pPr lvl="1">
-              <a:spcBef>
-                <a:spcPts val="300"/>
-              </a:spcBef>
-            </a:pPr>
-            <a:r>
-              <a:rPr lang="de-DE" altLang="de-DE" dirty="0"/>
-              <a:t>Tagging Konzept</a:t>
-            </a:r>
-          </a:p>
-          <a:p>
-            <a:pPr lvl="1">
-              <a:spcBef>
-                <a:spcPts val="300"/>
-              </a:spcBef>
-            </a:pPr>
-            <a:r>
-              <a:rPr lang="de-DE" altLang="de-DE" dirty="0"/>
-              <a:t>Erstellen von </a:t>
-            </a:r>
-            <a:r>
-              <a:rPr lang="de-DE" altLang="de-DE" dirty="0" err="1"/>
-              <a:t>Git</a:t>
-            </a:r>
-            <a:r>
-              <a:rPr lang="de-DE" altLang="de-DE" dirty="0"/>
-              <a:t> Tags</a:t>
-            </a:r>
-          </a:p>
-          <a:p>
-            <a:pPr lvl="1">
-              <a:spcBef>
-                <a:spcPts val="300"/>
-              </a:spcBef>
-            </a:pPr>
-            <a:r>
-              <a:rPr lang="de-DE" altLang="de-DE" dirty="0" err="1"/>
-              <a:t>Annotated</a:t>
-            </a:r>
-            <a:r>
-              <a:rPr lang="de-DE" altLang="de-DE" dirty="0"/>
-              <a:t> Tags</a:t>
-            </a:r>
-          </a:p>
-          <a:p>
-            <a:pPr>
-              <a:spcBef>
-                <a:spcPts val="600"/>
-              </a:spcBef>
-            </a:pPr>
-            <a:r>
-              <a:rPr lang="de-DE" altLang="de-DE" dirty="0"/>
-              <a:t>Tags in </a:t>
-            </a:r>
-            <a:r>
-              <a:rPr lang="de-DE" altLang="de-DE" dirty="0" err="1"/>
-              <a:t>GitLab</a:t>
-            </a:r>
-            <a:endParaRPr lang="de-DE" altLang="de-DE" dirty="0"/>
-          </a:p>
-          <a:p>
-            <a:pPr>
-              <a:spcBef>
-                <a:spcPts val="600"/>
-              </a:spcBef>
-            </a:pPr>
-            <a:r>
-              <a:rPr lang="de-DE" altLang="de-DE" dirty="0" err="1"/>
-              <a:t>GitLab</a:t>
-            </a:r>
-            <a:r>
-              <a:rPr lang="de-DE" altLang="de-DE" dirty="0"/>
-              <a:t> Releases</a:t>
-            </a:r>
-          </a:p>
-          <a:p>
-            <a:pPr>
-              <a:spcBef>
-                <a:spcPts val="300"/>
-              </a:spcBef>
-            </a:pPr>
-            <a:endParaRPr lang="de-DE" altLang="de-DE" dirty="0"/>
-          </a:p>
-          <a:p>
-            <a:pPr lvl="1"/>
-            <a:endParaRPr lang="de-DE" altLang="de-DE" dirty="0"/>
-          </a:p>
-          <a:p>
-            <a:pPr marL="0" indent="0">
-              <a:buNone/>
-            </a:pPr>
-            <a:endParaRPr lang="de-DE" altLang="de-DE" dirty="0"/>
+              <a:t>Agenda</a:t>
+            </a:r>
           </a:p>
         </p:txBody>
       </p:sp>
     </p:spTree>
+    <p:extLst>
+      <p:ext uri="{BB962C8B-B14F-4D97-AF65-F5344CB8AC3E}">
+        <p14:creationId xmlns:p14="http://schemas.microsoft.com/office/powerpoint/2010/main" val="1235500680"/>
+      </p:ext>
+    </p:extLst>
   </p:cSld>
   <p:clrMapOvr>
     <a:masterClrMapping/>
@@ -8369,10 +9061,43 @@
       </p:grpSpPr>
       <p:sp>
         <p:nvSpPr>
-          <p:cNvPr id="6146" name="Inhaltsplatzhalter 18">
+          <p:cNvPr id="5123" name="Rectangle 6">
             <a:extLst>
               <a:ext uri="{FF2B5EF4-FFF2-40B4-BE49-F238E27FC236}">
-                <a16:creationId xmlns:a16="http://schemas.microsoft.com/office/drawing/2014/main" id="{BE3C4C95-FD5D-27F0-ED0C-AB8113CAC9F1}"/>
+                <a16:creationId xmlns:a16="http://schemas.microsoft.com/office/drawing/2014/main" id="{BC4BC2CC-AA18-345B-63ED-7D24CA6BD3B5}"/>
+              </a:ext>
+            </a:extLst>
+          </p:cNvPr>
+          <p:cNvSpPr>
+            <a:spLocks noGrp="1" noChangeArrowheads="1"/>
+          </p:cNvSpPr>
+          <p:nvPr>
+            <p:ph type="title"/>
+          </p:nvPr>
+        </p:nvSpPr>
+        <p:spPr>
+          <a:xfrm>
+            <a:off x="457200" y="115888"/>
+            <a:ext cx="3409950" cy="706437"/>
+          </a:xfrm>
+        </p:spPr>
+        <p:txBody>
+          <a:bodyPr/>
+          <a:lstStyle/>
+          <a:p>
+            <a:r>
+              <a:rPr lang="de-DE" altLang="de-DE" dirty="0"/>
+              <a:t>Tags &amp; Releases</a:t>
+            </a:r>
+          </a:p>
+        </p:txBody>
+      </p:sp>
+      <p:sp>
+        <p:nvSpPr>
+          <p:cNvPr id="3" name="Inhaltsplatzhalter 18">
+            <a:extLst>
+              <a:ext uri="{FF2B5EF4-FFF2-40B4-BE49-F238E27FC236}">
+                <a16:creationId xmlns:a16="http://schemas.microsoft.com/office/drawing/2014/main" id="{722A59E8-4DC4-18C6-04BE-E59EF5F3246C}"/>
               </a:ext>
             </a:extLst>
           </p:cNvPr>
@@ -8393,87 +9118,130 @@
           <a:bodyPr/>
           <a:lstStyle/>
           <a:p>
+            <a:pPr marL="0" indent="0">
+              <a:spcBef>
+                <a:spcPts val="300"/>
+              </a:spcBef>
+              <a:buNone/>
+            </a:pPr>
+            <a:r>
+              <a:rPr lang="de-DE" altLang="de-DE" b="1" dirty="0"/>
+              <a:t>Inhalt</a:t>
+            </a:r>
+          </a:p>
+          <a:p>
+            <a:pPr>
+              <a:spcBef>
+                <a:spcPts val="300"/>
+              </a:spcBef>
+            </a:pPr>
             <a:r>
               <a:rPr lang="de-DE" altLang="de-DE" dirty="0"/>
-              <a:t>Tagging ist ein wichtiges Konzept der </a:t>
-            </a:r>
-            <a:r>
-              <a:rPr lang="de-DE" altLang="de-DE" dirty="0" err="1"/>
-              <a:t>Versionverwaltung</a:t>
-            </a:r>
-            <a:endParaRPr lang="de-DE" altLang="de-DE" dirty="0"/>
-          </a:p>
-          <a:p>
-            <a:r>
-              <a:rPr lang="de-DE" altLang="de-DE" dirty="0"/>
-              <a:t>Wird verwendet, um einen spezifischen Entwicklungsstand zu markieren und mit einem Label zu versehen</a:t>
-            </a:r>
-          </a:p>
-          <a:p>
-            <a:r>
-              <a:rPr lang="de-DE" altLang="de-DE" dirty="0"/>
-              <a:t>Entwicklungsstand wird als „</a:t>
-            </a:r>
-            <a:r>
-              <a:rPr lang="de-DE" altLang="de-DE" dirty="0" err="1"/>
-              <a:t>snapshot</a:t>
-            </a:r>
-            <a:r>
-              <a:rPr lang="de-DE" altLang="de-DE" dirty="0"/>
-              <a:t>“ bezeichnet</a:t>
-            </a:r>
-          </a:p>
-          <a:p>
-            <a:r>
-              <a:rPr lang="de-DE" altLang="de-DE" dirty="0"/>
-              <a:t>Einsatz häufig, um spezifische Releases in einem Projekt zu markieren </a:t>
-            </a:r>
-          </a:p>
-        </p:txBody>
-      </p:sp>
-      <p:sp>
-        <p:nvSpPr>
-          <p:cNvPr id="6147" name="Rectangle 1062">
-            <a:extLst>
-              <a:ext uri="{FF2B5EF4-FFF2-40B4-BE49-F238E27FC236}">
-                <a16:creationId xmlns:a16="http://schemas.microsoft.com/office/drawing/2014/main" id="{C46E9340-3256-8D55-A265-94F2F41E288E}"/>
-              </a:ext>
-            </a:extLst>
-          </p:cNvPr>
-          <p:cNvSpPr>
-            <a:spLocks noGrp="1" noChangeArrowheads="1"/>
-          </p:cNvSpPr>
-          <p:nvPr>
-            <p:ph type="title"/>
-          </p:nvPr>
-        </p:nvSpPr>
-        <p:spPr>
-          <a:xfrm>
-            <a:off x="285750" y="142875"/>
-            <a:ext cx="5654675" cy="706438"/>
-          </a:xfrm>
-        </p:spPr>
-        <p:txBody>
-          <a:bodyPr/>
-          <a:lstStyle/>
-          <a:p>
+              <a:t>Tags in </a:t>
+            </a:r>
             <a:r>
               <a:rPr lang="de-DE" altLang="de-DE" dirty="0" err="1"/>
               <a:t>Git</a:t>
             </a:r>
+            <a:endParaRPr lang="de-DE" altLang="de-DE" dirty="0"/>
+          </a:p>
+          <a:p>
+            <a:pPr lvl="1">
+              <a:spcBef>
+                <a:spcPts val="300"/>
+              </a:spcBef>
+            </a:pPr>
             <a:r>
               <a:rPr lang="de-DE" altLang="de-DE" dirty="0"/>
-              <a:t> – Tags </a:t>
-            </a:r>
+              <a:t>Tagging Konzept</a:t>
+            </a:r>
+          </a:p>
+          <a:p>
+            <a:pPr lvl="1">
+              <a:spcBef>
+                <a:spcPts val="300"/>
+              </a:spcBef>
+            </a:pPr>
+            <a:r>
+              <a:rPr lang="de-DE" altLang="de-DE" dirty="0"/>
+              <a:t>Erstellen von </a:t>
+            </a:r>
+            <a:r>
+              <a:rPr lang="de-DE" altLang="de-DE" dirty="0" err="1"/>
+              <a:t>Git</a:t>
+            </a:r>
+            <a:r>
+              <a:rPr lang="de-DE" altLang="de-DE" dirty="0"/>
+              <a:t> Tags</a:t>
+            </a:r>
+          </a:p>
+          <a:p>
+            <a:pPr lvl="1">
+              <a:spcBef>
+                <a:spcPts val="300"/>
+              </a:spcBef>
+            </a:pPr>
+            <a:r>
+              <a:rPr lang="de-DE" altLang="de-DE" dirty="0" err="1"/>
+              <a:t>Annotated</a:t>
+            </a:r>
+            <a:r>
+              <a:rPr lang="de-DE" altLang="de-DE" dirty="0"/>
+              <a:t> Tags</a:t>
+            </a:r>
+          </a:p>
+          <a:p>
+            <a:pPr>
+              <a:spcBef>
+                <a:spcPts val="600"/>
+              </a:spcBef>
+            </a:pPr>
+            <a:r>
+              <a:rPr lang="de-DE" altLang="de-DE" dirty="0"/>
+              <a:t>Tags in </a:t>
+            </a:r>
+            <a:r>
+              <a:rPr lang="de-DE" altLang="de-DE" dirty="0" err="1"/>
+              <a:t>GitLab</a:t>
+            </a:r>
+            <a:endParaRPr lang="de-DE" altLang="de-DE" dirty="0"/>
+          </a:p>
+          <a:p>
+            <a:pPr>
+              <a:spcBef>
+                <a:spcPts val="600"/>
+              </a:spcBef>
+            </a:pPr>
+            <a:r>
+              <a:rPr lang="de-DE" altLang="de-DE" dirty="0" err="1"/>
+              <a:t>GitLab</a:t>
+            </a:r>
+            <a:r>
+              <a:rPr lang="de-DE" altLang="de-DE" dirty="0"/>
+              <a:t> Releases</a:t>
+            </a:r>
+          </a:p>
+          <a:p>
+            <a:pPr>
+              <a:spcBef>
+                <a:spcPts val="300"/>
+              </a:spcBef>
+            </a:pPr>
+            <a:endParaRPr lang="de-DE" altLang="de-DE" dirty="0"/>
+          </a:p>
+          <a:p>
+            <a:pPr lvl="1"/>
+            <a:endParaRPr lang="de-DE" altLang="de-DE" dirty="0"/>
+          </a:p>
+          <a:p>
+            <a:pPr marL="0" indent="0">
+              <a:buNone/>
+            </a:pPr>
+            <a:endParaRPr lang="de-DE" altLang="de-DE" dirty="0"/>
           </a:p>
         </p:txBody>
       </p:sp>
     </p:spTree>
-    <p:extLst>
-      <p:ext uri="{BB962C8B-B14F-4D97-AF65-F5344CB8AC3E}">
-        <p14:creationId xmlns:p14="http://schemas.microsoft.com/office/powerpoint/2010/main" val="3020803649"/>
-      </p:ext>
-    </p:extLst>
   </p:cSld>
   <p:clrMapOvr>
     <a:masterClrMapping/>
@@ -8526,277 +9294,38 @@
           <a:p>
             <a:r>
               <a:rPr lang="de-DE" altLang="de-DE" dirty="0"/>
-              <a:t>Mit den Befehl </a:t>
-            </a:r>
-            <a:r>
-              <a:rPr lang="de-DE" altLang="de-DE" dirty="0" err="1">
-                <a:latin typeface="Consolas" panose="020B0609020204030204" pitchFamily="49" charset="0"/>
-              </a:rPr>
-              <a:t>git</a:t>
-            </a:r>
-            <a:r>
-              <a:rPr lang="de-DE" altLang="de-DE" dirty="0">
-                <a:latin typeface="Consolas" panose="020B0609020204030204" pitchFamily="49" charset="0"/>
-              </a:rPr>
-              <a:t> tag &lt;tag-name&gt; </a:t>
-            </a:r>
+              <a:t>Tagging ist ein wichtiges Konzept der </a:t>
+            </a:r>
+            <a:r>
+              <a:rPr lang="de-DE" altLang="de-DE" dirty="0" err="1"/>
+              <a:t>Versionverwaltung</a:t>
+            </a:r>
+            <a:endParaRPr lang="de-DE" altLang="de-DE" dirty="0"/>
+          </a:p>
+          <a:p>
             <a:r>
               <a:rPr lang="de-DE" altLang="de-DE" dirty="0"/>
-              <a:t>lässt sich zum letzten </a:t>
+              <a:t>Wird verwendet, um einen spezifischen Entwicklungsstand zu markieren und mit einem Label zu versehen</a:t>
+            </a:r>
+          </a:p>
+          <a:p>
+            <a:r>
+              <a:rPr lang="de-DE" altLang="de-DE" dirty="0"/>
+              <a:t>Entwicklungsstand wird als „</a:t>
             </a:r>
             <a:r>
               <a:rPr lang="de-DE" altLang="de-DE" dirty="0" err="1"/>
-              <a:t>Commits</a:t>
+              <a:t>snapshot</a:t>
             </a:r>
             <a:r>
               <a:rPr lang="de-DE" altLang="de-DE" dirty="0"/>
-              <a:t> des aktiven </a:t>
-            </a:r>
-            <a:r>
-              <a:rPr lang="de-DE" altLang="de-DE" dirty="0" err="1"/>
-              <a:t>Branches</a:t>
-            </a:r>
+              <a:t>“ bezeichnet</a:t>
+            </a:r>
+          </a:p>
+          <a:p>
             <a:r>
               <a:rPr lang="de-DE" altLang="de-DE" dirty="0"/>
-              <a:t> ein Tag hinzufügen</a:t>
-            </a:r>
-          </a:p>
-          <a:p>
-            <a:pPr marL="457200" lvl="1" indent="0">
-              <a:spcBef>
-                <a:spcPts val="0"/>
-              </a:spcBef>
-              <a:buNone/>
-            </a:pPr>
-            <a:endParaRPr lang="en-US" altLang="de-DE" sz="1200" dirty="0">
-              <a:latin typeface="Consolas" panose="020B0609020204030204" pitchFamily="49" charset="0"/>
-            </a:endParaRPr>
-          </a:p>
-          <a:p>
-            <a:pPr marL="457200" lvl="1" indent="0">
-              <a:spcBef>
-                <a:spcPts val="0"/>
-              </a:spcBef>
-              <a:buNone/>
-            </a:pPr>
-            <a:r>
-              <a:rPr lang="en-US" altLang="de-DE" sz="1200" dirty="0">
-                <a:latin typeface="Consolas" panose="020B0609020204030204" pitchFamily="49" charset="0"/>
-              </a:rPr>
-              <a:t>$ git log --</a:t>
-            </a:r>
-            <a:r>
-              <a:rPr lang="en-US" altLang="de-DE" sz="1200" dirty="0" err="1">
-                <a:latin typeface="Consolas" panose="020B0609020204030204" pitchFamily="49" charset="0"/>
-              </a:rPr>
-              <a:t>oneline</a:t>
-            </a:r>
-            <a:endParaRPr lang="en-US" altLang="de-DE" sz="1200" dirty="0">
-              <a:latin typeface="Consolas" panose="020B0609020204030204" pitchFamily="49" charset="0"/>
-            </a:endParaRPr>
-          </a:p>
-          <a:p>
-            <a:pPr marL="457200" lvl="1" indent="0">
-              <a:spcBef>
-                <a:spcPts val="0"/>
-              </a:spcBef>
-              <a:buNone/>
-            </a:pPr>
-            <a:r>
-              <a:rPr lang="en-US" altLang="de-DE" sz="1200" dirty="0">
-                <a:latin typeface="Consolas" panose="020B0609020204030204" pitchFamily="49" charset="0"/>
-              </a:rPr>
-              <a:t>c3a059e (HEAD -&gt; main) Add </a:t>
-            </a:r>
-            <a:r>
-              <a:rPr lang="en-US" altLang="de-DE" sz="1200" dirty="0" err="1">
-                <a:latin typeface="Consolas" panose="020B0609020204030204" pitchFamily="49" charset="0"/>
-              </a:rPr>
-              <a:t>final_file</a:t>
-            </a:r>
-            <a:endParaRPr lang="en-US" altLang="de-DE" sz="1200" dirty="0">
-              <a:latin typeface="Consolas" panose="020B0609020204030204" pitchFamily="49" charset="0"/>
-            </a:endParaRPr>
-          </a:p>
-          <a:p>
-            <a:pPr marL="457200" lvl="1" indent="0">
-              <a:spcBef>
-                <a:spcPts val="0"/>
-              </a:spcBef>
-              <a:buNone/>
-            </a:pPr>
-            <a:r>
-              <a:rPr lang="en-US" altLang="de-DE" sz="1200" dirty="0">
-                <a:latin typeface="Consolas" panose="020B0609020204030204" pitchFamily="49" charset="0"/>
-              </a:rPr>
-              <a:t>a908be7 Add file3</a:t>
-            </a:r>
-          </a:p>
-          <a:p>
-            <a:pPr marL="457200" lvl="1" indent="0">
-              <a:spcBef>
-                <a:spcPts val="0"/>
-              </a:spcBef>
-              <a:buNone/>
-            </a:pPr>
-            <a:r>
-              <a:rPr lang="en-US" altLang="de-DE" sz="1200" dirty="0">
-                <a:latin typeface="Consolas" panose="020B0609020204030204" pitchFamily="49" charset="0"/>
-              </a:rPr>
-              <a:t>722eaf0 Add file from main</a:t>
-            </a:r>
-          </a:p>
-          <a:p>
-            <a:pPr marL="457200" lvl="1" indent="0">
-              <a:spcBef>
-                <a:spcPts val="0"/>
-              </a:spcBef>
-              <a:buNone/>
-            </a:pPr>
-            <a:r>
-              <a:rPr lang="en-US" altLang="de-DE" sz="1200" dirty="0">
-                <a:latin typeface="Consolas" panose="020B0609020204030204" pitchFamily="49" charset="0"/>
-              </a:rPr>
-              <a:t>c61ef14 Initial commit</a:t>
-            </a:r>
-          </a:p>
-          <a:p>
-            <a:pPr marL="457200" lvl="1" indent="0">
-              <a:spcBef>
-                <a:spcPts val="0"/>
-              </a:spcBef>
-              <a:buNone/>
-            </a:pPr>
-            <a:endParaRPr lang="en-US" altLang="de-DE" sz="1200" dirty="0">
-              <a:latin typeface="Consolas" panose="020B0609020204030204" pitchFamily="49" charset="0"/>
-            </a:endParaRPr>
-          </a:p>
-          <a:p>
-            <a:pPr marL="457200" lvl="1" indent="0">
-              <a:spcBef>
-                <a:spcPts val="0"/>
-              </a:spcBef>
-              <a:buNone/>
-            </a:pPr>
-            <a:r>
-              <a:rPr lang="en-US" altLang="de-DE" sz="1200" dirty="0">
-                <a:latin typeface="Consolas" panose="020B0609020204030204" pitchFamily="49" charset="0"/>
-              </a:rPr>
-              <a:t>$ git tag "release-v0.0.1"</a:t>
-            </a:r>
-          </a:p>
-          <a:p>
-            <a:pPr marL="457200" lvl="1" indent="0">
-              <a:spcBef>
-                <a:spcPts val="0"/>
-              </a:spcBef>
-              <a:buNone/>
-            </a:pPr>
-            <a:endParaRPr lang="en-US" altLang="de-DE" sz="1200" dirty="0">
-              <a:latin typeface="Consolas" panose="020B0609020204030204" pitchFamily="49" charset="0"/>
-            </a:endParaRPr>
-          </a:p>
-          <a:p>
-            <a:pPr marL="457200" lvl="1" indent="0">
-              <a:spcBef>
-                <a:spcPts val="0"/>
-              </a:spcBef>
-              <a:buNone/>
-            </a:pPr>
-            <a:r>
-              <a:rPr lang="en-US" altLang="de-DE" sz="1200" dirty="0">
-                <a:latin typeface="Consolas" panose="020B0609020204030204" pitchFamily="49" charset="0"/>
-              </a:rPr>
-              <a:t>$ git log --</a:t>
-            </a:r>
-            <a:r>
-              <a:rPr lang="en-US" altLang="de-DE" sz="1200" dirty="0" err="1">
-                <a:latin typeface="Consolas" panose="020B0609020204030204" pitchFamily="49" charset="0"/>
-              </a:rPr>
-              <a:t>oneline</a:t>
-            </a:r>
-            <a:endParaRPr lang="en-US" altLang="de-DE" sz="1200" dirty="0">
-              <a:latin typeface="Consolas" panose="020B0609020204030204" pitchFamily="49" charset="0"/>
-            </a:endParaRPr>
-          </a:p>
-          <a:p>
-            <a:pPr marL="457200" lvl="1" indent="0">
-              <a:spcBef>
-                <a:spcPts val="0"/>
-              </a:spcBef>
-              <a:buNone/>
-            </a:pPr>
-            <a:r>
-              <a:rPr lang="en-US" altLang="de-DE" sz="1200" dirty="0">
-                <a:latin typeface="Consolas" panose="020B0609020204030204" pitchFamily="49" charset="0"/>
-              </a:rPr>
-              <a:t>c3a059e (HEAD -&gt; main, tag: release-v0.0.1) Add </a:t>
-            </a:r>
-            <a:r>
-              <a:rPr lang="en-US" altLang="de-DE" sz="1200" dirty="0" err="1">
-                <a:latin typeface="Consolas" panose="020B0609020204030204" pitchFamily="49" charset="0"/>
-              </a:rPr>
-              <a:t>final_file</a:t>
-            </a:r>
-            <a:endParaRPr lang="en-US" altLang="de-DE" sz="1200" dirty="0">
-              <a:latin typeface="Consolas" panose="020B0609020204030204" pitchFamily="49" charset="0"/>
-            </a:endParaRPr>
-          </a:p>
-          <a:p>
-            <a:pPr marL="457200" lvl="1" indent="0">
-              <a:spcBef>
-                <a:spcPts val="0"/>
-              </a:spcBef>
-              <a:buNone/>
-            </a:pPr>
-            <a:r>
-              <a:rPr lang="en-US" altLang="de-DE" sz="1200" dirty="0">
-                <a:latin typeface="Consolas" panose="020B0609020204030204" pitchFamily="49" charset="0"/>
-              </a:rPr>
-              <a:t>a908be7 Add file3</a:t>
-            </a:r>
-          </a:p>
-          <a:p>
-            <a:pPr marL="457200" lvl="1" indent="0">
-              <a:spcBef>
-                <a:spcPts val="0"/>
-              </a:spcBef>
-              <a:buNone/>
-            </a:pPr>
-            <a:r>
-              <a:rPr lang="en-US" altLang="de-DE" sz="1200" dirty="0">
-                <a:latin typeface="Consolas" panose="020B0609020204030204" pitchFamily="49" charset="0"/>
-              </a:rPr>
-              <a:t>722eaf0 Add file from main</a:t>
-            </a:r>
-          </a:p>
-          <a:p>
-            <a:pPr marL="457200" lvl="1" indent="0">
-              <a:spcBef>
-                <a:spcPts val="0"/>
-              </a:spcBef>
-              <a:buNone/>
-            </a:pPr>
-            <a:r>
-              <a:rPr lang="en-US" altLang="de-DE" sz="1200" dirty="0">
-                <a:latin typeface="Consolas" panose="020B0609020204030204" pitchFamily="49" charset="0"/>
-              </a:rPr>
-              <a:t>c61ef14 Initial commit</a:t>
-            </a:r>
-            <a:endParaRPr lang="de-DE" altLang="de-DE" sz="1200" dirty="0">
-              <a:latin typeface="Consolas" panose="020B0609020204030204" pitchFamily="49" charset="0"/>
-            </a:endParaRPr>
-          </a:p>
-          <a:p>
-            <a:r>
-              <a:rPr lang="de-DE" altLang="de-DE" dirty="0"/>
-              <a:t>Fügt leichtgewichtigen Tag hinzu</a:t>
-            </a:r>
-          </a:p>
-          <a:p>
-            <a:r>
-              <a:rPr lang="de-DE" altLang="de-DE" dirty="0"/>
-              <a:t>Tag wird an allen Files im Repository gesetzt, nicht nur solche, die beim Commit verändert wurden</a:t>
+              <a:t>Einsatz häufig, um spezifische Releases in einem Projekt zu markieren </a:t>
             </a:r>
           </a:p>
         </p:txBody>
@@ -8841,7 +9370,7 @@
     </p:spTree>
     <p:extLst>
       <p:ext uri="{BB962C8B-B14F-4D97-AF65-F5344CB8AC3E}">
-        <p14:creationId xmlns:p14="http://schemas.microsoft.com/office/powerpoint/2010/main" val="95346933"/>
+        <p14:creationId xmlns:p14="http://schemas.microsoft.com/office/powerpoint/2010/main" val="3020803649"/>
       </p:ext>
     </p:extLst>
   </p:cSld>
@@ -8895,6 +9424,10 @@
           <a:lstStyle/>
           <a:p>
             <a:r>
+              <a:rPr lang="de-DE" altLang="de-DE" dirty="0"/>
+              <a:t>Mit den Befehl </a:t>
+            </a:r>
+            <a:r>
               <a:rPr lang="de-DE" altLang="de-DE" dirty="0" err="1">
                 <a:latin typeface="Consolas" panose="020B0609020204030204" pitchFamily="49" charset="0"/>
               </a:rPr>
@@ -8904,11 +9437,27 @@
               <a:rPr lang="de-DE" altLang="de-DE" dirty="0">
                 <a:latin typeface="Consolas" panose="020B0609020204030204" pitchFamily="49" charset="0"/>
               </a:rPr>
-              <a:t> tag </a:t>
+              <a:t> tag &lt;tag-name&gt; </a:t>
             </a:r>
             <a:r>
               <a:rPr lang="de-DE" altLang="de-DE" dirty="0"/>
-              <a:t>zeigt alle Tags im aktuellen Projekt</a:t>
+              <a:t>lässt sich zum letzten </a:t>
+            </a:r>
+            <a:r>
+              <a:rPr lang="de-DE" altLang="de-DE" dirty="0" err="1"/>
+              <a:t>Commits</a:t>
+            </a:r>
+            <a:r>
+              <a:rPr lang="de-DE" altLang="de-DE" dirty="0"/>
+              <a:t> des aktiven </a:t>
+            </a:r>
+            <a:r>
+              <a:rPr lang="de-DE" altLang="de-DE" dirty="0" err="1"/>
+              <a:t>Branches</a:t>
+            </a:r>
+            <a:r>
+              <a:rPr lang="de-DE" altLang="de-DE" dirty="0"/>
+              <a:t> ein Tag hinzufügen</a:t>
             </a:r>
           </a:p>
           <a:p>
@@ -8933,8 +9482,17 @@
               <a:rPr lang="en-US" altLang="de-DE" sz="1200" dirty="0">
                 <a:latin typeface="Consolas" panose="020B0609020204030204" pitchFamily="49" charset="0"/>
               </a:rPr>
-              <a:t>$ git tag</a:t>
-            </a:r>
+              <a:t>$ git log --</a:t>
+            </a:r>
+            <a:r>
+              <a:rPr lang="en-US" altLang="de-DE" sz="1200" dirty="0" err="1">
+                <a:latin typeface="Consolas" panose="020B0609020204030204" pitchFamily="49" charset="0"/>
+              </a:rPr>
+              <a:t>oneline</a:t>
+            </a:r>
+            <a:endParaRPr lang="en-US" altLang="de-DE" sz="1200" dirty="0">
+              <a:latin typeface="Consolas" panose="020B0609020204030204" pitchFamily="49" charset="0"/>
+            </a:endParaRPr>
           </a:p>
           <a:p>
             <a:pPr marL="457200" lvl="1" indent="0">
@@ -8947,8 +9505,17 @@
               <a:rPr lang="en-US" altLang="de-DE" sz="1200" dirty="0">
                 <a:latin typeface="Consolas" panose="020B0609020204030204" pitchFamily="49" charset="0"/>
               </a:rPr>
-              <a:t>release-v0.0.1</a:t>
-            </a:r>
+              <a:t>c3a059e (HEAD -&gt; main) Add </a:t>
+            </a:r>
+            <a:r>
+              <a:rPr lang="en-US" altLang="de-DE" sz="1200" dirty="0" err="1">
+                <a:latin typeface="Consolas" panose="020B0609020204030204" pitchFamily="49" charset="0"/>
+              </a:rPr>
+              <a:t>final_file</a:t>
+            </a:r>
+            <a:endParaRPr lang="en-US" altLang="de-DE" sz="1200" dirty="0">
+              <a:latin typeface="Consolas" panose="020B0609020204030204" pitchFamily="49" charset="0"/>
+            </a:endParaRPr>
           </a:p>
           <a:p>
             <a:pPr marL="457200" lvl="1" indent="0">
@@ -8961,7 +9528,7 @@
               <a:rPr lang="en-US" altLang="de-DE" sz="1200" dirty="0">
                 <a:latin typeface="Consolas" panose="020B0609020204030204" pitchFamily="49" charset="0"/>
               </a:rPr>
-              <a:t>release-v0.0.2</a:t>
+              <a:t>a908be7 Add file3</a:t>
             </a:r>
           </a:p>
           <a:p>
@@ -8975,40 +9542,7 @@
               <a:rPr lang="en-US" altLang="de-DE" sz="1200" dirty="0">
                 <a:latin typeface="Consolas" panose="020B0609020204030204" pitchFamily="49" charset="0"/>
               </a:rPr>
-              <a:t>release-v1.0.0</a:t>
-            </a:r>
-            <a:endParaRPr lang="de-DE" altLang="de-DE" dirty="0">
-              <a:latin typeface="Consolas" panose="020B0609020204030204" pitchFamily="49" charset="0"/>
-            </a:endParaRPr>
-          </a:p>
-          <a:p>
-            <a:r>
-              <a:rPr lang="de-DE" altLang="de-DE" dirty="0" err="1">
-                <a:latin typeface="Consolas" panose="020B0609020204030204" pitchFamily="49" charset="0"/>
-              </a:rPr>
-              <a:t>git</a:t>
-            </a:r>
-            <a:r>
-              <a:rPr lang="de-DE" altLang="de-DE" dirty="0">
-                <a:latin typeface="Consolas" panose="020B0609020204030204" pitchFamily="49" charset="0"/>
-              </a:rPr>
-              <a:t> </a:t>
-            </a:r>
-            <a:r>
-              <a:rPr lang="de-DE" altLang="de-DE" dirty="0" err="1">
-                <a:latin typeface="Consolas" panose="020B0609020204030204" pitchFamily="49" charset="0"/>
-              </a:rPr>
-              <a:t>show</a:t>
-            </a:r>
-            <a:r>
-              <a:rPr lang="de-DE" altLang="de-DE" dirty="0">
-                <a:latin typeface="Consolas" panose="020B0609020204030204" pitchFamily="49" charset="0"/>
-              </a:rPr>
-              <a:t> &lt;tag-name&gt; </a:t>
-            </a:r>
-            <a:r>
-              <a:rPr lang="de-DE" altLang="de-DE" dirty="0"/>
-              <a:t>zeigt den Commit zum angegebenen Tag</a:t>
+              <a:t>722eaf0 Add file from main</a:t>
             </a:r>
           </a:p>
           <a:p>
@@ -9018,9 +9552,12 @@
               </a:spcBef>
               <a:buNone/>
             </a:pPr>
-            <a:endParaRPr lang="de-DE" altLang="de-DE" sz="1200" dirty="0">
-              <a:latin typeface="Consolas" panose="020B0609020204030204" pitchFamily="49" charset="0"/>
-            </a:endParaRPr>
+            <a:r>
+              <a:rPr lang="en-US" altLang="de-DE" sz="1200" dirty="0">
+                <a:latin typeface="Consolas" panose="020B0609020204030204" pitchFamily="49" charset="0"/>
+              </a:rPr>
+              <a:t>c61ef14 Initial commit</a:t>
+            </a:r>
           </a:p>
           <a:p>
             <a:pPr marL="457200" lvl="1" indent="0">
@@ -9029,36 +9566,9 @@
               </a:spcBef>
               <a:buNone/>
             </a:pPr>
-            <a:r>
-              <a:rPr lang="de-DE" altLang="de-DE" sz="1200" dirty="0">
-                <a:latin typeface="Consolas" panose="020B0609020204030204" pitchFamily="49" charset="0"/>
-              </a:rPr>
-              <a:t>$ </a:t>
-            </a:r>
-            <a:r>
-              <a:rPr lang="de-DE" altLang="de-DE" sz="1200" dirty="0" err="1">
-                <a:latin typeface="Consolas" panose="020B0609020204030204" pitchFamily="49" charset="0"/>
-              </a:rPr>
-              <a:t>git</a:t>
-            </a:r>
-            <a:r>
-              <a:rPr lang="de-DE" altLang="de-DE" sz="1200" dirty="0">
-                <a:latin typeface="Consolas" panose="020B0609020204030204" pitchFamily="49" charset="0"/>
-              </a:rPr>
-              <a:t> </a:t>
-            </a:r>
-            <a:r>
-              <a:rPr lang="de-DE" altLang="de-DE" sz="1200" dirty="0" err="1">
-                <a:latin typeface="Consolas" panose="020B0609020204030204" pitchFamily="49" charset="0"/>
-              </a:rPr>
-              <a:t>show</a:t>
-            </a:r>
-            <a:r>
-              <a:rPr lang="de-DE" altLang="de-DE" sz="1200" dirty="0">
-                <a:latin typeface="Consolas" panose="020B0609020204030204" pitchFamily="49" charset="0"/>
-              </a:rPr>
-              <a:t> release-v0.0.1</a:t>
-            </a:r>
+            <a:endParaRPr lang="en-US" altLang="de-DE" sz="1200" dirty="0">
+              <a:latin typeface="Consolas" panose="020B0609020204030204" pitchFamily="49" charset="0"/>
+            </a:endParaRPr>
           </a:p>
           <a:p>
             <a:pPr marL="457200" lvl="1" indent="0">
@@ -9068,16 +9578,10 @@
               <a:buNone/>
             </a:pPr>
             <a:r>
-              <a:rPr lang="de-DE" altLang="de-DE" sz="1200" dirty="0" err="1">
-                <a:latin typeface="Consolas" panose="020B0609020204030204" pitchFamily="49" charset="0"/>
-              </a:rPr>
-              <a:t>commit</a:t>
-            </a:r>
-            <a:r>
-              <a:rPr lang="de-DE" altLang="de-DE" sz="1200" dirty="0">
-                <a:latin typeface="Consolas" panose="020B0609020204030204" pitchFamily="49" charset="0"/>
-              </a:rPr>
-              <a:t> c3a059e2d6e4acfdca1295104b4d6a55f8bd00e4 (tag: release-v0.0.1)</a:t>
+              <a:rPr lang="en-US" altLang="de-DE" sz="1200" dirty="0">
+                <a:latin typeface="Consolas" panose="020B0609020204030204" pitchFamily="49" charset="0"/>
+              </a:rPr>
+              <a:t>$ git tag "release-v0.0.1"</a:t>
             </a:r>
           </a:p>
           <a:p>
@@ -9087,30 +9591,9 @@
               </a:spcBef>
               <a:buNone/>
             </a:pPr>
-            <a:r>
-              <a:rPr lang="de-DE" altLang="de-DE" sz="1200" dirty="0" err="1">
-                <a:latin typeface="Consolas" panose="020B0609020204030204" pitchFamily="49" charset="0"/>
-              </a:rPr>
-              <a:t>Author</a:t>
-            </a:r>
-            <a:r>
-              <a:rPr lang="de-DE" altLang="de-DE" sz="1200" dirty="0">
-                <a:latin typeface="Consolas" panose="020B0609020204030204" pitchFamily="49" charset="0"/>
-              </a:rPr>
-              <a:t>: </a:t>
-            </a:r>
-            <a:r>
-              <a:rPr lang="de-DE" altLang="de-DE" sz="1200" dirty="0" err="1">
-                <a:latin typeface="Consolas" panose="020B0609020204030204" pitchFamily="49" charset="0"/>
-              </a:rPr>
-              <a:t>Example</a:t>
-            </a:r>
-            <a:r>
-              <a:rPr lang="de-DE" altLang="de-DE" sz="1200" dirty="0">
-                <a:latin typeface="Consolas" panose="020B0609020204030204" pitchFamily="49" charset="0"/>
-              </a:rPr>
-              <a:t> User &lt;example.user@example.de&gt;</a:t>
-            </a:r>
+            <a:endParaRPr lang="en-US" altLang="de-DE" sz="1200" dirty="0">
+              <a:latin typeface="Consolas" panose="020B0609020204030204" pitchFamily="49" charset="0"/>
+            </a:endParaRPr>
           </a:p>
           <a:p>
             <a:pPr marL="457200" lvl="1" indent="0">
@@ -9120,11 +9603,20 @@
               <a:buNone/>
             </a:pPr>
             <a:r>
-              <a:rPr lang="de-DE" altLang="de-DE" sz="1200" dirty="0">
-                <a:latin typeface="Consolas" panose="020B0609020204030204" pitchFamily="49" charset="0"/>
-              </a:rPr>
-              <a:t>Date:   Tue May 28 14:47:28 2024 +0200</a:t>
-            </a:r>
+              <a:rPr lang="en-US" altLang="de-DE" sz="1200" dirty="0">
+                <a:latin typeface="Consolas" panose="020B0609020204030204" pitchFamily="49" charset="0"/>
+              </a:rPr>
+              <a:t>$ git log --</a:t>
+            </a:r>
+            <a:r>
+              <a:rPr lang="en-US" altLang="de-DE" sz="1200" dirty="0" err="1">
+                <a:latin typeface="Consolas" panose="020B0609020204030204" pitchFamily="49" charset="0"/>
+              </a:rPr>
+              <a:t>oneline</a:t>
+            </a:r>
+            <a:endParaRPr lang="en-US" altLang="de-DE" sz="1200" dirty="0">
+              <a:latin typeface="Consolas" panose="020B0609020204030204" pitchFamily="49" charset="0"/>
+            </a:endParaRPr>
           </a:p>
           <a:p>
             <a:pPr marL="457200" lvl="1" indent="0">
@@ -9133,7 +9625,19 @@
               </a:spcBef>
               <a:buNone/>
             </a:pPr>
-            <a:endParaRPr lang="de-DE" altLang="de-DE" sz="1200" dirty="0">
+            <a:r>
+              <a:rPr lang="en-US" altLang="de-DE" sz="1200" dirty="0">
+                <a:latin typeface="Consolas" panose="020B0609020204030204" pitchFamily="49" charset="0"/>
+              </a:rPr>
+              <a:t>c3a059e (HEAD -&gt; main, tag: release-v0.0.1) Add </a:t>
+            </a:r>
+            <a:r>
+              <a:rPr lang="en-US" altLang="de-DE" sz="1200" dirty="0" err="1">
+                <a:latin typeface="Consolas" panose="020B0609020204030204" pitchFamily="49" charset="0"/>
+              </a:rPr>
+              <a:t>final_file</a:t>
+            </a:r>
+            <a:endParaRPr lang="en-US" altLang="de-DE" sz="1200" dirty="0">
               <a:latin typeface="Consolas" panose="020B0609020204030204" pitchFamily="49" charset="0"/>
             </a:endParaRPr>
           </a:p>
@@ -9145,20 +9649,11 @@
               <a:buNone/>
             </a:pPr>
             <a:r>
-              <a:rPr lang="de-DE" altLang="de-DE" sz="1200" dirty="0">
-                <a:latin typeface="Consolas" panose="020B0609020204030204" pitchFamily="49" charset="0"/>
-              </a:rPr>
-              <a:t>    Add </a:t>
-            </a:r>
-            <a:r>
-              <a:rPr lang="de-DE" altLang="de-DE" sz="1200" dirty="0" err="1">
-                <a:latin typeface="Consolas" panose="020B0609020204030204" pitchFamily="49" charset="0"/>
-              </a:rPr>
-              <a:t>final_file</a:t>
-            </a:r>
-            <a:endParaRPr lang="de-DE" altLang="de-DE" sz="1200" dirty="0">
-              <a:latin typeface="Consolas" panose="020B0609020204030204" pitchFamily="49" charset="0"/>
-            </a:endParaRPr>
+              <a:rPr lang="en-US" altLang="de-DE" sz="1200" dirty="0">
+                <a:latin typeface="Consolas" panose="020B0609020204030204" pitchFamily="49" charset="0"/>
+              </a:rPr>
+              <a:t>a908be7 Add file3</a:t>
+            </a:r>
           </a:p>
           <a:p>
             <a:pPr marL="457200" lvl="1" indent="0">
@@ -9167,9 +9662,12 @@
               </a:spcBef>
               <a:buNone/>
             </a:pPr>
-            <a:endParaRPr lang="de-DE" altLang="de-DE" sz="1200" dirty="0">
-              <a:latin typeface="Consolas" panose="020B0609020204030204" pitchFamily="49" charset="0"/>
-            </a:endParaRPr>
+            <a:r>
+              <a:rPr lang="en-US" altLang="de-DE" sz="1200" dirty="0">
+                <a:latin typeface="Consolas" panose="020B0609020204030204" pitchFamily="49" charset="0"/>
+              </a:rPr>
+              <a:t>722eaf0 Add file from main</a:t>
+            </a:r>
           </a:p>
           <a:p>
             <a:pPr marL="457200" lvl="1" indent="0">
@@ -9179,92 +9677,25 @@
               <a:buNone/>
             </a:pPr>
             <a:r>
-              <a:rPr lang="de-DE" altLang="de-DE" sz="1200" dirty="0" err="1">
-                <a:latin typeface="Consolas" panose="020B0609020204030204" pitchFamily="49" charset="0"/>
-              </a:rPr>
-              <a:t>diff</a:t>
-            </a:r>
-            <a:r>
-              <a:rPr lang="de-DE" altLang="de-DE" sz="1200" dirty="0">
-                <a:latin typeface="Consolas" panose="020B0609020204030204" pitchFamily="49" charset="0"/>
-              </a:rPr>
-              <a:t> --</a:t>
-            </a:r>
-            <a:r>
-              <a:rPr lang="de-DE" altLang="de-DE" sz="1200" dirty="0" err="1">
-                <a:latin typeface="Consolas" panose="020B0609020204030204" pitchFamily="49" charset="0"/>
-              </a:rPr>
-              <a:t>git</a:t>
-            </a:r>
-            <a:r>
-              <a:rPr lang="de-DE" altLang="de-DE" sz="1200" dirty="0">
-                <a:latin typeface="Consolas" panose="020B0609020204030204" pitchFamily="49" charset="0"/>
-              </a:rPr>
-              <a:t> a/final_file.txt b/final_file.txt</a:t>
-            </a:r>
-          </a:p>
-          <a:p>
-            <a:pPr marL="457200" lvl="1" indent="0">
-              <a:spcBef>
-                <a:spcPts val="0"/>
-              </a:spcBef>
-              <a:buNone/>
-            </a:pPr>
-            <a:r>
-              <a:rPr lang="de-DE" altLang="de-DE" sz="1200" dirty="0" err="1">
-                <a:latin typeface="Consolas" panose="020B0609020204030204" pitchFamily="49" charset="0"/>
-              </a:rPr>
-              <a:t>new</a:t>
-            </a:r>
-            <a:r>
-              <a:rPr lang="de-DE" altLang="de-DE" sz="1200" dirty="0">
-                <a:latin typeface="Consolas" panose="020B0609020204030204" pitchFamily="49" charset="0"/>
-              </a:rPr>
-              <a:t> </a:t>
-            </a:r>
-            <a:r>
-              <a:rPr lang="de-DE" altLang="de-DE" sz="1200" dirty="0" err="1">
-                <a:latin typeface="Consolas" panose="020B0609020204030204" pitchFamily="49" charset="0"/>
-              </a:rPr>
-              <a:t>file</a:t>
-            </a:r>
-            <a:r>
-              <a:rPr lang="de-DE" altLang="de-DE" sz="1200" dirty="0">
-                <a:latin typeface="Consolas" panose="020B0609020204030204" pitchFamily="49" charset="0"/>
-              </a:rPr>
-              <a:t> </a:t>
-            </a:r>
-            <a:r>
-              <a:rPr lang="de-DE" altLang="de-DE" sz="1200" dirty="0" err="1">
-                <a:latin typeface="Consolas" panose="020B0609020204030204" pitchFamily="49" charset="0"/>
-              </a:rPr>
-              <a:t>mode</a:t>
-            </a:r>
-            <a:r>
-              <a:rPr lang="de-DE" altLang="de-DE" sz="1200" dirty="0">
-                <a:latin typeface="Consolas" panose="020B0609020204030204" pitchFamily="49" charset="0"/>
-              </a:rPr>
-              <a:t> 100644</a:t>
-            </a:r>
-          </a:p>
-          <a:p>
-            <a:pPr marL="457200" lvl="1" indent="0">
-              <a:spcBef>
-                <a:spcPts val="0"/>
-              </a:spcBef>
-              <a:buNone/>
-            </a:pPr>
-            <a:r>
-              <a:rPr lang="de-DE" altLang="de-DE" sz="1200" dirty="0" err="1">
-                <a:latin typeface="Consolas" panose="020B0609020204030204" pitchFamily="49" charset="0"/>
-              </a:rPr>
-              <a:t>index</a:t>
-            </a:r>
-            <a:r>
-              <a:rPr lang="de-DE" altLang="de-DE" sz="1200" dirty="0">
-                <a:latin typeface="Consolas" panose="020B0609020204030204" pitchFamily="49" charset="0"/>
-              </a:rPr>
-              <a:t> 0000000..e69de29</a:t>
+              <a:rPr lang="en-US" altLang="de-DE" sz="1200" dirty="0">
+                <a:latin typeface="Consolas" panose="020B0609020204030204" pitchFamily="49" charset="0"/>
+              </a:rPr>
+              <a:t>c61ef14 Initial commit</a:t>
+            </a:r>
+            <a:endParaRPr lang="de-DE" altLang="de-DE" sz="1200" dirty="0">
+              <a:latin typeface="Consolas" panose="020B0609020204030204" pitchFamily="49" charset="0"/>
+            </a:endParaRPr>
+          </a:p>
+          <a:p>
+            <a:r>
+              <a:rPr lang="de-DE" altLang="de-DE" dirty="0"/>
+              <a:t>Fügt leichtgewichtigen Tag hinzu</a:t>
+            </a:r>
+          </a:p>
+          <a:p>
+            <a:r>
+              <a:rPr lang="de-DE" altLang="de-DE" dirty="0"/>
+              <a:t>Tag wird an allen Files im Repository gesetzt, nicht nur solche, die beim Commit verändert wurden</a:t>
             </a:r>
           </a:p>
         </p:txBody>
@@ -9309,7 +9740,7 @@
     </p:spTree>
     <p:extLst>
       <p:ext uri="{BB962C8B-B14F-4D97-AF65-F5344CB8AC3E}">
-        <p14:creationId xmlns:p14="http://schemas.microsoft.com/office/powerpoint/2010/main" val="1109548834"/>
+        <p14:creationId xmlns:p14="http://schemas.microsoft.com/office/powerpoint/2010/main" val="95346933"/>
       </p:ext>
     </p:extLst>
   </p:cSld>
@@ -9363,8 +9794,20 @@
           <a:lstStyle/>
           <a:p>
             <a:r>
+              <a:rPr lang="de-DE" altLang="de-DE" dirty="0" err="1">
+                <a:latin typeface="Consolas" panose="020B0609020204030204" pitchFamily="49" charset="0"/>
+              </a:rPr>
+              <a:t>git</a:t>
+            </a:r>
+            <a:r>
+              <a:rPr lang="de-DE" altLang="de-DE" dirty="0">
+                <a:latin typeface="Consolas" panose="020B0609020204030204" pitchFamily="49" charset="0"/>
+              </a:rPr>
+              <a:t> tag </a:t>
+            </a:r>
+            <a:r>
               <a:rPr lang="de-DE" altLang="de-DE" dirty="0"/>
-              <a:t>Rückwirkendes Tagging ist mit Angabe der Commit-ID möglich</a:t>
+              <a:t>zeigt alle Tags im aktuellen Projekt</a:t>
             </a:r>
           </a:p>
           <a:p>
@@ -9389,17 +9832,8 @@
               <a:rPr lang="en-US" altLang="de-DE" sz="1200" dirty="0">
                 <a:latin typeface="Consolas" panose="020B0609020204030204" pitchFamily="49" charset="0"/>
               </a:rPr>
-              <a:t>$ git log --</a:t>
-            </a:r>
-            <a:r>
-              <a:rPr lang="en-US" altLang="de-DE" sz="1200" dirty="0" err="1">
-                <a:latin typeface="Consolas" panose="020B0609020204030204" pitchFamily="49" charset="0"/>
-              </a:rPr>
-              <a:t>oneline</a:t>
-            </a:r>
-            <a:endParaRPr lang="en-US" altLang="de-DE" sz="1200" dirty="0">
-              <a:latin typeface="Consolas" panose="020B0609020204030204" pitchFamily="49" charset="0"/>
-            </a:endParaRPr>
+              <a:t>$ git tag</a:t>
+            </a:r>
           </a:p>
           <a:p>
             <a:pPr marL="457200" lvl="1" indent="0">
@@ -9412,7 +9846,7 @@
               <a:rPr lang="en-US" altLang="de-DE" sz="1200" dirty="0">
                 <a:latin typeface="Consolas" panose="020B0609020204030204" pitchFamily="49" charset="0"/>
               </a:rPr>
-              <a:t>89c1108 (HEAD -&gt; main, tag: release-v0.0.2) Add release2_file</a:t>
+              <a:t>release-v0.0.1</a:t>
             </a:r>
           </a:p>
           <a:p>
@@ -9426,17 +9860,8 @@
               <a:rPr lang="en-US" altLang="de-DE" sz="1200" dirty="0">
                 <a:latin typeface="Consolas" panose="020B0609020204030204" pitchFamily="49" charset="0"/>
               </a:rPr>
-              <a:t>c3a059e (tag: release-v0.0.1) Add </a:t>
-            </a:r>
-            <a:r>
-              <a:rPr lang="en-US" altLang="de-DE" sz="1200" dirty="0" err="1">
-                <a:latin typeface="Consolas" panose="020B0609020204030204" pitchFamily="49" charset="0"/>
-              </a:rPr>
-              <a:t>final_file</a:t>
-            </a:r>
-            <a:endParaRPr lang="en-US" altLang="de-DE" sz="1200" dirty="0">
-              <a:latin typeface="Consolas" panose="020B0609020204030204" pitchFamily="49" charset="0"/>
-            </a:endParaRPr>
+              <a:t>release-v0.0.2</a:t>
+            </a:r>
           </a:p>
           <a:p>
             <a:pPr marL="457200" lvl="1" indent="0">
@@ -9449,7 +9874,40 @@
               <a:rPr lang="en-US" altLang="de-DE" sz="1200" dirty="0">
                 <a:latin typeface="Consolas" panose="020B0609020204030204" pitchFamily="49" charset="0"/>
               </a:rPr>
-              <a:t>a908be7 Add file3</a:t>
+              <a:t>release-v1.0.0</a:t>
+            </a:r>
+            <a:endParaRPr lang="de-DE" altLang="de-DE" dirty="0">
+              <a:latin typeface="Consolas" panose="020B0609020204030204" pitchFamily="49" charset="0"/>
+            </a:endParaRPr>
+          </a:p>
+          <a:p>
+            <a:r>
+              <a:rPr lang="de-DE" altLang="de-DE" dirty="0" err="1">
+                <a:latin typeface="Consolas" panose="020B0609020204030204" pitchFamily="49" charset="0"/>
+              </a:rPr>
+              <a:t>git</a:t>
+            </a:r>
+            <a:r>
+              <a:rPr lang="de-DE" altLang="de-DE" dirty="0">
+                <a:latin typeface="Consolas" panose="020B0609020204030204" pitchFamily="49" charset="0"/>
+              </a:rPr>
+              <a:t> </a:t>
+            </a:r>
+            <a:r>
+              <a:rPr lang="de-DE" altLang="de-DE" dirty="0" err="1">
+                <a:latin typeface="Consolas" panose="020B0609020204030204" pitchFamily="49" charset="0"/>
+              </a:rPr>
+              <a:t>show</a:t>
+            </a:r>
+            <a:r>
+              <a:rPr lang="de-DE" altLang="de-DE" dirty="0">
+                <a:latin typeface="Consolas" panose="020B0609020204030204" pitchFamily="49" charset="0"/>
+              </a:rPr>
+              <a:t> &lt;tag-name&gt; </a:t>
+            </a:r>
+            <a:r>
+              <a:rPr lang="de-DE" altLang="de-DE" dirty="0"/>
+              <a:t>zeigt den Commit zum angegebenen Tag</a:t>
             </a:r>
           </a:p>
           <a:p>
@@ -9459,12 +9917,9 @@
               </a:spcBef>
               <a:buNone/>
             </a:pPr>
-            <a:r>
-              <a:rPr lang="en-US" altLang="de-DE" sz="1200" dirty="0">
-                <a:latin typeface="Consolas" panose="020B0609020204030204" pitchFamily="49" charset="0"/>
-              </a:rPr>
-              <a:t>722eaf0 Add file from main</a:t>
-            </a:r>
+            <a:endParaRPr lang="de-DE" altLang="de-DE" sz="1200" dirty="0">
+              <a:latin typeface="Consolas" panose="020B0609020204030204" pitchFamily="49" charset="0"/>
+            </a:endParaRPr>
           </a:p>
           <a:p>
             <a:pPr marL="457200" lvl="1" indent="0">
@@ -9474,10 +9929,34 @@
               <a:buNone/>
             </a:pPr>
             <a:r>
-              <a:rPr lang="en-US" altLang="de-DE" sz="1200" dirty="0">
-                <a:latin typeface="Consolas" panose="020B0609020204030204" pitchFamily="49" charset="0"/>
-              </a:rPr>
-              <a:t>c61ef14 Initial commit</a:t>
+              <a:rPr lang="de-DE" altLang="de-DE" sz="1200" dirty="0">
+                <a:latin typeface="Consolas" panose="020B0609020204030204" pitchFamily="49" charset="0"/>
+              </a:rPr>
+              <a:t>$ </a:t>
+            </a:r>
+            <a:r>
+              <a:rPr lang="de-DE" altLang="de-DE" sz="1200" dirty="0" err="1">
+                <a:latin typeface="Consolas" panose="020B0609020204030204" pitchFamily="49" charset="0"/>
+              </a:rPr>
+              <a:t>git</a:t>
+            </a:r>
+            <a:r>
+              <a:rPr lang="de-DE" altLang="de-DE" sz="1200" dirty="0">
+                <a:latin typeface="Consolas" panose="020B0609020204030204" pitchFamily="49" charset="0"/>
+              </a:rPr>
+              <a:t> </a:t>
+            </a:r>
+            <a:r>
+              <a:rPr lang="de-DE" altLang="de-DE" sz="1200" dirty="0" err="1">
+                <a:latin typeface="Consolas" panose="020B0609020204030204" pitchFamily="49" charset="0"/>
+              </a:rPr>
+              <a:t>show</a:t>
+            </a:r>
+            <a:r>
+              <a:rPr lang="de-DE" altLang="de-DE" sz="1200" dirty="0">
+                <a:latin typeface="Consolas" panose="020B0609020204030204" pitchFamily="49" charset="0"/>
+              </a:rPr>
+              <a:t> release-v0.0.1</a:t>
             </a:r>
           </a:p>
           <a:p>
@@ -9487,9 +9966,18 @@
               </a:spcBef>
               <a:buNone/>
             </a:pPr>
-            <a:endParaRPr lang="en-US" altLang="de-DE" sz="1200" dirty="0">
-              <a:latin typeface="Consolas" panose="020B0609020204030204" pitchFamily="49" charset="0"/>
-            </a:endParaRPr>
+            <a:r>
+              <a:rPr lang="de-DE" altLang="de-DE" sz="1200" dirty="0" err="1">
+                <a:latin typeface="Consolas" panose="020B0609020204030204" pitchFamily="49" charset="0"/>
+              </a:rPr>
+              <a:t>commit</a:t>
+            </a:r>
+            <a:r>
+              <a:rPr lang="de-DE" altLang="de-DE" sz="1200" dirty="0">
+                <a:latin typeface="Consolas" panose="020B0609020204030204" pitchFamily="49" charset="0"/>
+              </a:rPr>
+              <a:t> c3a059e2d6e4acfdca1295104b4d6a55f8bd00e4 (tag: release-v0.0.1)</a:t>
+            </a:r>
           </a:p>
           <a:p>
             <a:pPr marL="457200" lvl="1" indent="0">
@@ -9499,10 +9987,28 @@
               <a:buNone/>
             </a:pPr>
             <a:r>
-              <a:rPr lang="en-US" altLang="de-DE" sz="1200" dirty="0">
-                <a:latin typeface="Consolas" panose="020B0609020204030204" pitchFamily="49" charset="0"/>
-              </a:rPr>
-              <a:t>$ git tag release-v0.0.0 a908be7</a:t>
+              <a:rPr lang="de-DE" altLang="de-DE" sz="1200" dirty="0" err="1">
+                <a:latin typeface="Consolas" panose="020B0609020204030204" pitchFamily="49" charset="0"/>
+              </a:rPr>
+              <a:t>Author</a:t>
+            </a:r>
+            <a:r>
+              <a:rPr lang="de-DE" altLang="de-DE" sz="1200" dirty="0">
+                <a:latin typeface="Consolas" panose="020B0609020204030204" pitchFamily="49" charset="0"/>
+              </a:rPr>
+              <a:t>: </a:t>
+            </a:r>
+            <a:r>
+              <a:rPr lang="de-DE" altLang="de-DE" sz="1200" dirty="0" err="1">
+                <a:latin typeface="Consolas" panose="020B0609020204030204" pitchFamily="49" charset="0"/>
+              </a:rPr>
+              <a:t>Example</a:t>
+            </a:r>
+            <a:r>
+              <a:rPr lang="de-DE" altLang="de-DE" sz="1200" dirty="0">
+                <a:latin typeface="Consolas" panose="020B0609020204030204" pitchFamily="49" charset="0"/>
+              </a:rPr>
+              <a:t> User &lt;example.user@example.de&gt;</a:t>
             </a:r>
           </a:p>
           <a:p>
@@ -9512,9 +10018,12 @@
               </a:spcBef>
               <a:buNone/>
             </a:pPr>
-            <a:endParaRPr lang="en-US" altLang="de-DE" sz="1200" dirty="0">
-              <a:latin typeface="Consolas" panose="020B0609020204030204" pitchFamily="49" charset="0"/>
-            </a:endParaRPr>
+            <a:r>
+              <a:rPr lang="de-DE" altLang="de-DE" sz="1200" dirty="0">
+                <a:latin typeface="Consolas" panose="020B0609020204030204" pitchFamily="49" charset="0"/>
+              </a:rPr>
+              <a:t>Date:   Tue May 28 14:47:28 2024 +0200</a:t>
+            </a:r>
           </a:p>
           <a:p>
             <a:pPr marL="457200" lvl="1" indent="0">
@@ -9523,19 +10032,7 @@
               </a:spcBef>
               <a:buNone/>
             </a:pPr>
-            <a:r>
-              <a:rPr lang="en-US" altLang="de-DE" sz="1200" dirty="0">
-                <a:latin typeface="Consolas" panose="020B0609020204030204" pitchFamily="49" charset="0"/>
-              </a:rPr>
-              <a:t>$ git log --</a:t>
-            </a:r>
-            <a:r>
-              <a:rPr lang="en-US" altLang="de-DE" sz="1200" dirty="0" err="1">
-                <a:latin typeface="Consolas" panose="020B0609020204030204" pitchFamily="49" charset="0"/>
-              </a:rPr>
-              <a:t>oneline</a:t>
-            </a:r>
-            <a:endParaRPr lang="en-US" altLang="de-DE" sz="1200" dirty="0">
+            <a:endParaRPr lang="de-DE" altLang="de-DE" sz="1200" dirty="0">
               <a:latin typeface="Consolas" panose="020B0609020204030204" pitchFamily="49" charset="0"/>
             </a:endParaRPr>
           </a:p>
@@ -9547,11 +10044,20 @@
               <a:buNone/>
             </a:pPr>
             <a:r>
-              <a:rPr lang="en-US" altLang="de-DE" sz="1200" dirty="0">
-                <a:latin typeface="Consolas" panose="020B0609020204030204" pitchFamily="49" charset="0"/>
-              </a:rPr>
-              <a:t>89c1108 (HEAD -&gt; main, tag: release-v0.0.2) Add release2_file</a:t>
-            </a:r>
+              <a:rPr lang="de-DE" altLang="de-DE" sz="1200" dirty="0">
+                <a:latin typeface="Consolas" panose="020B0609020204030204" pitchFamily="49" charset="0"/>
+              </a:rPr>
+              <a:t>    Add </a:t>
+            </a:r>
+            <a:r>
+              <a:rPr lang="de-DE" altLang="de-DE" sz="1200" dirty="0" err="1">
+                <a:latin typeface="Consolas" panose="020B0609020204030204" pitchFamily="49" charset="0"/>
+              </a:rPr>
+              <a:t>final_file</a:t>
+            </a:r>
+            <a:endParaRPr lang="de-DE" altLang="de-DE" sz="1200" dirty="0">
+              <a:latin typeface="Consolas" panose="020B0609020204030204" pitchFamily="49" charset="0"/>
+            </a:endParaRPr>
           </a:p>
           <a:p>
             <a:pPr marL="457200" lvl="1" indent="0">
@@ -9560,19 +10066,7 @@
               </a:spcBef>
               <a:buNone/>
             </a:pPr>
-            <a:r>
-              <a:rPr lang="en-US" altLang="de-DE" sz="1200" dirty="0">
-                <a:latin typeface="Consolas" panose="020B0609020204030204" pitchFamily="49" charset="0"/>
-              </a:rPr>
-              <a:t>c3a059e (tag: release-v0.0.1) Add </a:t>
-            </a:r>
-            <a:r>
-              <a:rPr lang="en-US" altLang="de-DE" sz="1200" dirty="0" err="1">
-                <a:latin typeface="Consolas" panose="020B0609020204030204" pitchFamily="49" charset="0"/>
-              </a:rPr>
-              <a:t>final_file</a:t>
-            </a:r>
-            <a:endParaRPr lang="en-US" altLang="de-DE" sz="1200" dirty="0">
+            <a:endParaRPr lang="de-DE" altLang="de-DE" sz="1200" dirty="0">
               <a:latin typeface="Consolas" panose="020B0609020204030204" pitchFamily="49" charset="0"/>
             </a:endParaRPr>
           </a:p>
@@ -9584,10 +10078,28 @@
               <a:buNone/>
             </a:pPr>
             <a:r>
-              <a:rPr lang="en-US" altLang="de-DE" sz="1200" dirty="0">
-                <a:latin typeface="Consolas" panose="020B0609020204030204" pitchFamily="49" charset="0"/>
-              </a:rPr>
-              <a:t>a908be7 (tag: release-v0.0.0) Add file3</a:t>
+              <a:rPr lang="de-DE" altLang="de-DE" sz="1200" dirty="0" err="1">
+                <a:latin typeface="Consolas" panose="020B0609020204030204" pitchFamily="49" charset="0"/>
+              </a:rPr>
+              <a:t>diff</a:t>
+            </a:r>
+            <a:r>
+              <a:rPr lang="de-DE" altLang="de-DE" sz="1200" dirty="0">
+                <a:latin typeface="Consolas" panose="020B0609020204030204" pitchFamily="49" charset="0"/>
+              </a:rPr>
+              <a:t> --</a:t>
+            </a:r>
+            <a:r>
+              <a:rPr lang="de-DE" altLang="de-DE" sz="1200" dirty="0" err="1">
+                <a:latin typeface="Consolas" panose="020B0609020204030204" pitchFamily="49" charset="0"/>
+              </a:rPr>
+              <a:t>git</a:t>
+            </a:r>
+            <a:r>
+              <a:rPr lang="de-DE" altLang="de-DE" sz="1200" dirty="0">
+                <a:latin typeface="Consolas" panose="020B0609020204030204" pitchFamily="49" charset="0"/>
+              </a:rPr>
+              <a:t> a/final_file.txt b/final_file.txt</a:t>
             </a:r>
           </a:p>
           <a:p>
@@ -9598,10 +10110,40 @@
               <a:buNone/>
             </a:pPr>
             <a:r>
-              <a:rPr lang="en-US" altLang="de-DE" sz="1200" dirty="0">
-                <a:latin typeface="Consolas" panose="020B0609020204030204" pitchFamily="49" charset="0"/>
-              </a:rPr>
-              <a:t>722eaf0 Add file from main</a:t>
+              <a:rPr lang="de-DE" altLang="de-DE" sz="1200" dirty="0" err="1">
+                <a:latin typeface="Consolas" panose="020B0609020204030204" pitchFamily="49" charset="0"/>
+              </a:rPr>
+              <a:t>new</a:t>
+            </a:r>
+            <a:r>
+              <a:rPr lang="de-DE" altLang="de-DE" sz="1200" dirty="0">
+                <a:latin typeface="Consolas" panose="020B0609020204030204" pitchFamily="49" charset="0"/>
+              </a:rPr>
+              <a:t> </a:t>
+            </a:r>
+            <a:r>
+              <a:rPr lang="de-DE" altLang="de-DE" sz="1200" dirty="0" err="1">
+                <a:latin typeface="Consolas" panose="020B0609020204030204" pitchFamily="49" charset="0"/>
+              </a:rPr>
+              <a:t>file</a:t>
+            </a:r>
+            <a:r>
+              <a:rPr lang="de-DE" altLang="de-DE" sz="1200" dirty="0">
+                <a:latin typeface="Consolas" panose="020B0609020204030204" pitchFamily="49" charset="0"/>
+              </a:rPr>
+              <a:t> </a:t>
+            </a:r>
+            <a:r>
+              <a:rPr lang="de-DE" altLang="de-DE" sz="1200" dirty="0" err="1">
+                <a:latin typeface="Consolas" panose="020B0609020204030204" pitchFamily="49" charset="0"/>
+              </a:rPr>
+              <a:t>mode</a:t>
+            </a:r>
+            <a:r>
+              <a:rPr lang="de-DE" altLang="de-DE" sz="1200" dirty="0">
+                <a:latin typeface="Consolas" panose="020B0609020204030204" pitchFamily="49" charset="0"/>
+              </a:rPr>
+              <a:t> 100644</a:t>
             </a:r>
           </a:p>
           <a:p>
@@ -9612,28 +10154,17 @@
               <a:buNone/>
             </a:pPr>
             <a:r>
-              <a:rPr lang="en-US" altLang="de-DE" sz="1200" dirty="0">
-                <a:latin typeface="Consolas" panose="020B0609020204030204" pitchFamily="49" charset="0"/>
-              </a:rPr>
-              <a:t>c61ef14 Initial commit</a:t>
-            </a:r>
-            <a:endParaRPr lang="de-DE" altLang="de-DE" sz="1200" dirty="0">
-              <a:latin typeface="Consolas" panose="020B0609020204030204" pitchFamily="49" charset="0"/>
-            </a:endParaRPr>
-          </a:p>
-          <a:p>
-            <a:pPr marL="457200" lvl="1" indent="0">
-              <a:spcBef>
-                <a:spcPts val="0"/>
-              </a:spcBef>
-              <a:buNone/>
-            </a:pPr>
-            <a:endParaRPr lang="de-DE" altLang="de-DE" sz="1200" dirty="0">
-              <a:latin typeface="Consolas" panose="020B0609020204030204" pitchFamily="49" charset="0"/>
-            </a:endParaRPr>
-          </a:p>
-          <a:p>
-            <a:endParaRPr lang="de-DE" altLang="de-DE" dirty="0"/>
+              <a:rPr lang="de-DE" altLang="de-DE" sz="1200" dirty="0" err="1">
+                <a:latin typeface="Consolas" panose="020B0609020204030204" pitchFamily="49" charset="0"/>
+              </a:rPr>
+              <a:t>index</a:t>
+            </a:r>
+            <a:r>
+              <a:rPr lang="de-DE" altLang="de-DE" sz="1200" dirty="0">
+                <a:latin typeface="Consolas" panose="020B0609020204030204" pitchFamily="49" charset="0"/>
+              </a:rPr>
+              <a:t> 0000000..e69de29</a:t>
+            </a:r>
           </a:p>
         </p:txBody>
       </p:sp>
@@ -9677,7 +10208,7 @@
     </p:spTree>
     <p:extLst>
       <p:ext uri="{BB962C8B-B14F-4D97-AF65-F5344CB8AC3E}">
-        <p14:creationId xmlns:p14="http://schemas.microsoft.com/office/powerpoint/2010/main" val="1475861676"/>
+        <p14:creationId xmlns:p14="http://schemas.microsoft.com/office/powerpoint/2010/main" val="1109548834"/>
       </p:ext>
     </p:extLst>
   </p:cSld>
@@ -9731,32 +10262,8 @@
           <a:lstStyle/>
           <a:p>
             <a:r>
-              <a:rPr lang="de-DE" altLang="de-DE" dirty="0" err="1">
-                <a:latin typeface="Consolas" panose="020B0609020204030204" pitchFamily="49" charset="0"/>
-              </a:rPr>
-              <a:t>git</a:t>
-            </a:r>
-            <a:r>
-              <a:rPr lang="de-DE" altLang="de-DE" dirty="0">
-                <a:latin typeface="Consolas" panose="020B0609020204030204" pitchFamily="49" charset="0"/>
-              </a:rPr>
-              <a:t> </a:t>
-            </a:r>
-            <a:r>
-              <a:rPr lang="de-DE" altLang="de-DE" dirty="0" err="1">
-                <a:latin typeface="Consolas" panose="020B0609020204030204" pitchFamily="49" charset="0"/>
-              </a:rPr>
-              <a:t>checkout</a:t>
-            </a:r>
-            <a:r>
-              <a:rPr lang="de-DE" altLang="de-DE" dirty="0">
-                <a:latin typeface="Consolas" panose="020B0609020204030204" pitchFamily="49" charset="0"/>
-              </a:rPr>
-              <a:t> &lt;tag-name&gt; </a:t>
-            </a:r>
-            <a:r>
               <a:rPr lang="de-DE" altLang="de-DE" dirty="0"/>
-              <a:t>ermöglicht das Auschecken eines getaggten Commit</a:t>
+              <a:t>Rückwirkendes Tagging ist mit Angabe der Commit-ID möglich</a:t>
             </a:r>
           </a:p>
           <a:p>
@@ -9781,8 +10288,17 @@
               <a:rPr lang="en-US" altLang="de-DE" sz="1200" dirty="0">
                 <a:latin typeface="Consolas" panose="020B0609020204030204" pitchFamily="49" charset="0"/>
               </a:rPr>
-              <a:t>$ git checkout release-v0.0.1</a:t>
-            </a:r>
+              <a:t>$ git log --</a:t>
+            </a:r>
+            <a:r>
+              <a:rPr lang="en-US" altLang="de-DE" sz="1200" dirty="0" err="1">
+                <a:latin typeface="Consolas" panose="020B0609020204030204" pitchFamily="49" charset="0"/>
+              </a:rPr>
+              <a:t>oneline</a:t>
+            </a:r>
+            <a:endParaRPr lang="en-US" altLang="de-DE" sz="1200" dirty="0">
+              <a:latin typeface="Consolas" panose="020B0609020204030204" pitchFamily="49" charset="0"/>
+            </a:endParaRPr>
           </a:p>
           <a:p>
             <a:pPr marL="457200" lvl="1" indent="0">
@@ -9795,7 +10311,7 @@
               <a:rPr lang="en-US" altLang="de-DE" sz="1200" dirty="0">
                 <a:latin typeface="Consolas" panose="020B0609020204030204" pitchFamily="49" charset="0"/>
               </a:rPr>
-              <a:t>Note: switching to 'release-v0.0.1'.</a:t>
+              <a:t>89c1108 (HEAD -&gt; main, tag: release-v0.0.2) Add release2_file</a:t>
             </a:r>
           </a:p>
           <a:p>
@@ -9805,6 +10321,18 @@
               </a:spcBef>
               <a:buNone/>
             </a:pPr>
+            <a:r>
+              <a:rPr lang="en-US" altLang="de-DE" sz="1200" dirty="0">
+                <a:latin typeface="Consolas" panose="020B0609020204030204" pitchFamily="49" charset="0"/>
+              </a:rPr>
+              <a:t>c3a059e (tag: release-v0.0.1) Add </a:t>
+            </a:r>
+            <a:r>
+              <a:rPr lang="en-US" altLang="de-DE" sz="1200" dirty="0" err="1">
+                <a:latin typeface="Consolas" panose="020B0609020204030204" pitchFamily="49" charset="0"/>
+              </a:rPr>
+              <a:t>final_file</a:t>
+            </a:r>
             <a:endParaRPr lang="en-US" altLang="de-DE" sz="1200" dirty="0">
               <a:latin typeface="Consolas" panose="020B0609020204030204" pitchFamily="49" charset="0"/>
             </a:endParaRPr>
@@ -9820,7 +10348,7 @@
               <a:rPr lang="en-US" altLang="de-DE" sz="1200" dirty="0">
                 <a:latin typeface="Consolas" panose="020B0609020204030204" pitchFamily="49" charset="0"/>
               </a:rPr>
-              <a:t>You are in 'detached HEAD' state. You can look around, make experimental</a:t>
+              <a:t>a908be7 Add file3</a:t>
             </a:r>
           </a:p>
           <a:p>
@@ -9834,7 +10362,7 @@
               <a:rPr lang="en-US" altLang="de-DE" sz="1200" dirty="0">
                 <a:latin typeface="Consolas" panose="020B0609020204030204" pitchFamily="49" charset="0"/>
               </a:rPr>
-              <a:t>changes and commit them, and you can discard any commits you make in this</a:t>
+              <a:t>722eaf0 Add file from main</a:t>
             </a:r>
           </a:p>
           <a:p>
@@ -9848,7 +10376,7 @@
               <a:rPr lang="en-US" altLang="de-DE" sz="1200" dirty="0">
                 <a:latin typeface="Consolas" panose="020B0609020204030204" pitchFamily="49" charset="0"/>
               </a:rPr>
-              <a:t>state without impacting any branches by switching back to a branch.</a:t>
+              <a:t>c61ef14 Initial commit</a:t>
             </a:r>
           </a:p>
           <a:p>
@@ -9873,7 +10401,7 @@
               <a:rPr lang="en-US" altLang="de-DE" sz="1200" dirty="0">
                 <a:latin typeface="Consolas" panose="020B0609020204030204" pitchFamily="49" charset="0"/>
               </a:rPr>
-              <a:t>If you want to create a new branch to retain commits you create, you may</a:t>
+              <a:t>$ git tag release-v0.0.0 a908be7</a:t>
             </a:r>
           </a:p>
           <a:p>
@@ -9883,12 +10411,9 @@
               </a:spcBef>
               <a:buNone/>
             </a:pPr>
-            <a:r>
-              <a:rPr lang="en-US" altLang="de-DE" sz="1200" dirty="0">
-                <a:latin typeface="Consolas" panose="020B0609020204030204" pitchFamily="49" charset="0"/>
-              </a:rPr>
-              <a:t>do so (now or later) by using -c with the switch command. Example:</a:t>
-            </a:r>
+            <a:endParaRPr lang="en-US" altLang="de-DE" sz="1200" dirty="0">
+              <a:latin typeface="Consolas" panose="020B0609020204030204" pitchFamily="49" charset="0"/>
+            </a:endParaRPr>
           </a:p>
           <a:p>
             <a:pPr marL="457200" lvl="1" indent="0">
@@ -9897,6 +10422,18 @@
               </a:spcBef>
               <a:buNone/>
             </a:pPr>
+            <a:r>
+              <a:rPr lang="en-US" altLang="de-DE" sz="1200" dirty="0">
+                <a:latin typeface="Consolas" panose="020B0609020204030204" pitchFamily="49" charset="0"/>
+              </a:rPr>
+              <a:t>$ git log --</a:t>
+            </a:r>
+            <a:r>
+              <a:rPr lang="en-US" altLang="de-DE" sz="1200" dirty="0" err="1">
+                <a:latin typeface="Consolas" panose="020B0609020204030204" pitchFamily="49" charset="0"/>
+              </a:rPr>
+              <a:t>oneline</a:t>
+            </a:r>
             <a:endParaRPr lang="en-US" altLang="de-DE" sz="1200" dirty="0">
               <a:latin typeface="Consolas" panose="020B0609020204030204" pitchFamily="49" charset="0"/>
             </a:endParaRPr>
@@ -9912,7 +10449,7 @@
               <a:rPr lang="en-US" altLang="de-DE" sz="1200" dirty="0">
                 <a:latin typeface="Consolas" panose="020B0609020204030204" pitchFamily="49" charset="0"/>
               </a:rPr>
-              <a:t>  git switch -c &lt;new-branch-name&gt;</a:t>
+              <a:t>89c1108 (HEAD -&gt; main, tag: release-v0.0.2) Add release2_file</a:t>
             </a:r>
           </a:p>
           <a:p>
@@ -9922,6 +10459,18 @@
               </a:spcBef>
               <a:buNone/>
             </a:pPr>
+            <a:r>
+              <a:rPr lang="en-US" altLang="de-DE" sz="1200" dirty="0">
+                <a:latin typeface="Consolas" panose="020B0609020204030204" pitchFamily="49" charset="0"/>
+              </a:rPr>
+              <a:t>c3a059e (tag: release-v0.0.1) Add </a:t>
+            </a:r>
+            <a:r>
+              <a:rPr lang="en-US" altLang="de-DE" sz="1200" dirty="0" err="1">
+                <a:latin typeface="Consolas" panose="020B0609020204030204" pitchFamily="49" charset="0"/>
+              </a:rPr>
+              <a:t>final_file</a:t>
+            </a:r>
             <a:endParaRPr lang="en-US" altLang="de-DE" sz="1200" dirty="0">
               <a:latin typeface="Consolas" panose="020B0609020204030204" pitchFamily="49" charset="0"/>
             </a:endParaRPr>
@@ -9937,7 +10486,7 @@
               <a:rPr lang="en-US" altLang="de-DE" sz="1200" dirty="0">
                 <a:latin typeface="Consolas" panose="020B0609020204030204" pitchFamily="49" charset="0"/>
               </a:rPr>
-              <a:t>Or undo this operation with:</a:t>
+              <a:t>a908be7 (tag: release-v0.0.0) Add file3</a:t>
             </a:r>
           </a:p>
           <a:p>
@@ -9947,9 +10496,12 @@
               </a:spcBef>
               <a:buNone/>
             </a:pPr>
-            <a:endParaRPr lang="en-US" altLang="de-DE" sz="1200" dirty="0">
-              <a:latin typeface="Consolas" panose="020B0609020204030204" pitchFamily="49" charset="0"/>
-            </a:endParaRPr>
+            <a:r>
+              <a:rPr lang="en-US" altLang="de-DE" sz="1200" dirty="0">
+                <a:latin typeface="Consolas" panose="020B0609020204030204" pitchFamily="49" charset="0"/>
+              </a:rPr>
+              <a:t>722eaf0 Add file from main</a:t>
+            </a:r>
           </a:p>
           <a:p>
             <a:pPr marL="457200" lvl="1" indent="0">
@@ -9962,8 +10514,11 @@
               <a:rPr lang="en-US" altLang="de-DE" sz="1200" dirty="0">
                 <a:latin typeface="Consolas" panose="020B0609020204030204" pitchFamily="49" charset="0"/>
               </a:rPr>
-              <a:t>  git switch -</a:t>
-            </a:r>
+              <a:t>c61ef14 Initial commit</a:t>
+            </a:r>
+            <a:endParaRPr lang="de-DE" altLang="de-DE" sz="1200" dirty="0">
+              <a:latin typeface="Consolas" panose="020B0609020204030204" pitchFamily="49" charset="0"/>
+            </a:endParaRPr>
           </a:p>
           <a:p>
             <a:pPr marL="457200" lvl="1" indent="0">
@@ -9972,66 +10527,6 @@
               </a:spcBef>
               <a:buNone/>
             </a:pPr>
-            <a:endParaRPr lang="en-US" altLang="de-DE" sz="1200" dirty="0">
-              <a:latin typeface="Consolas" panose="020B0609020204030204" pitchFamily="49" charset="0"/>
-            </a:endParaRPr>
-          </a:p>
-          <a:p>
-            <a:pPr marL="457200" lvl="1" indent="0">
-              <a:spcBef>
-                <a:spcPts val="0"/>
-              </a:spcBef>
-              <a:buNone/>
-            </a:pPr>
-            <a:r>
-              <a:rPr lang="en-US" altLang="de-DE" sz="1200" dirty="0">
-                <a:latin typeface="Consolas" panose="020B0609020204030204" pitchFamily="49" charset="0"/>
-              </a:rPr>
-              <a:t>Turn off this advice by setting config variable </a:t>
-            </a:r>
-            <a:r>
-              <a:rPr lang="en-US" altLang="de-DE" sz="1200" dirty="0" err="1">
-                <a:latin typeface="Consolas" panose="020B0609020204030204" pitchFamily="49" charset="0"/>
-              </a:rPr>
-              <a:t>advice.detachedHead</a:t>
-            </a:r>
-            <a:r>
-              <a:rPr lang="en-US" altLang="de-DE" sz="1200" dirty="0">
-                <a:latin typeface="Consolas" panose="020B0609020204030204" pitchFamily="49" charset="0"/>
-              </a:rPr>
-              <a:t> to false</a:t>
-            </a:r>
-          </a:p>
-          <a:p>
-            <a:pPr marL="457200" lvl="1" indent="0">
-              <a:spcBef>
-                <a:spcPts val="0"/>
-              </a:spcBef>
-              <a:buNone/>
-            </a:pPr>
-            <a:endParaRPr lang="en-US" altLang="de-DE" sz="1200" dirty="0">
-              <a:latin typeface="Consolas" panose="020B0609020204030204" pitchFamily="49" charset="0"/>
-            </a:endParaRPr>
-          </a:p>
-          <a:p>
-            <a:pPr marL="457200" lvl="1" indent="0">
-              <a:spcBef>
-                <a:spcPts val="0"/>
-              </a:spcBef>
-              <a:buNone/>
-            </a:pPr>
-            <a:r>
-              <a:rPr lang="en-US" altLang="de-DE" sz="1200" dirty="0">
-                <a:latin typeface="Consolas" panose="020B0609020204030204" pitchFamily="49" charset="0"/>
-              </a:rPr>
-              <a:t>HEAD is now at c3a059e Add </a:t>
-            </a:r>
-            <a:r>
-              <a:rPr lang="en-US" altLang="de-DE" sz="1200" dirty="0" err="1">
-                <a:latin typeface="Consolas" panose="020B0609020204030204" pitchFamily="49" charset="0"/>
-              </a:rPr>
-              <a:t>final_file</a:t>
-            </a:r>
             <a:endParaRPr lang="de-DE" altLang="de-DE" sz="1200" dirty="0">
               <a:latin typeface="Consolas" panose="020B0609020204030204" pitchFamily="49" charset="0"/>
             </a:endParaRPr>
@@ -10081,7 +10576,7 @@
     </p:spTree>
     <p:extLst>
       <p:ext uri="{BB962C8B-B14F-4D97-AF65-F5344CB8AC3E}">
-        <p14:creationId xmlns:p14="http://schemas.microsoft.com/office/powerpoint/2010/main" val="1904022772"/>
+        <p14:creationId xmlns:p14="http://schemas.microsoft.com/office/powerpoint/2010/main" val="1475861676"/>
       </p:ext>
     </p:extLst>
   </p:cSld>

--- a/slides/Tag-2_2-Tags-und-Releases.pptx
+++ b/slides/Tag-2_2-Tags-und-Releases.pptx
@@ -3508,6 +3508,42 @@
           </a:p>
         </p:txBody>
       </p:sp>
+      <p:pic>
+        <p:nvPicPr>
+          <p:cNvPr id="2" name="Grafik 1">
+            <a:extLst>
+              <a:ext uri="{FF2B5EF4-FFF2-40B4-BE49-F238E27FC236}">
+                <a16:creationId xmlns:a16="http://schemas.microsoft.com/office/drawing/2014/main" id="{2B97F6BE-E01A-87B6-794E-94774504014B}"/>
+              </a:ext>
+            </a:extLst>
+          </p:cNvPr>
+          <p:cNvPicPr>
+            <a:picLocks noChangeAspect="1"/>
+          </p:cNvPicPr>
+          <p:nvPr userDrawn="1"/>
+        </p:nvPicPr>
+        <p:blipFill>
+          <a:blip r:embed="rId5">
+            <a:extLst>
+              <a:ext uri="{28A0092B-C50C-407E-A947-70E740481C1C}">
+                <a14:useLocalDpi xmlns:a14="http://schemas.microsoft.com/office/drawing/2010/main" val="0"/>
+              </a:ext>
+            </a:extLst>
+          </a:blip>
+          <a:stretch>
+            <a:fillRect/>
+          </a:stretch>
+        </p:blipFill>
+        <p:spPr>
+          <a:xfrm>
+            <a:off x="3383868" y="4481736"/>
+            <a:ext cx="2376264" cy="2376264"/>
+          </a:xfrm>
+          <a:prstGeom prst="rect">
+            <a:avLst/>
+          </a:prstGeom>
+        </p:spPr>
+      </p:pic>
     </p:spTree>
   </p:cSld>
   <p:clrMap bg1="lt1" tx1="dk1" bg2="lt2" tx2="dk2" accent1="accent1" accent2="accent2" accent3="accent3" accent4="accent4" accent5="accent5" accent6="accent6" hlink="hlink" folHlink="folHlink"/>

--- a/slides/Tag-2_2-Tags-und-Releases.pptx
+++ b/slides/Tag-2_2-Tags-und-Releases.pptx
@@ -1950,7 +1950,7 @@
               <a:pPr algn="ctr">
                 <a:defRPr/>
               </a:pPr>
-              <a:t>10.06.2024</a:t>
+              <a:t>11.06.2024</a:t>
             </a:fld>
             <a:endParaRPr lang="de-DE" sz="1000" dirty="0">
               <a:solidFill>
@@ -2799,6 +2799,42 @@
           </a:p>
         </p:txBody>
       </p:sp>
+      <p:pic>
+        <p:nvPicPr>
+          <p:cNvPr id="3" name="Grafik 2">
+            <a:extLst>
+              <a:ext uri="{FF2B5EF4-FFF2-40B4-BE49-F238E27FC236}">
+                <a16:creationId xmlns:a16="http://schemas.microsoft.com/office/drawing/2014/main" id="{896238A0-CFB7-B741-F812-94FA3CDB9AE9}"/>
+              </a:ext>
+            </a:extLst>
+          </p:cNvPr>
+          <p:cNvPicPr>
+            <a:picLocks noChangeAspect="1"/>
+          </p:cNvPicPr>
+          <p:nvPr userDrawn="1"/>
+        </p:nvPicPr>
+        <p:blipFill>
+          <a:blip r:embed="rId7">
+            <a:extLst>
+              <a:ext uri="{28A0092B-C50C-407E-A947-70E740481C1C}">
+                <a14:useLocalDpi xmlns:a14="http://schemas.microsoft.com/office/drawing/2010/main" val="0"/>
+              </a:ext>
+            </a:extLst>
+          </a:blip>
+          <a:stretch>
+            <a:fillRect/>
+          </a:stretch>
+        </p:blipFill>
+        <p:spPr>
+          <a:xfrm>
+            <a:off x="8486775" y="-15729"/>
+            <a:ext cx="636272" cy="636272"/>
+          </a:xfrm>
+          <a:prstGeom prst="rect">
+            <a:avLst/>
+          </a:prstGeom>
+        </p:spPr>
+      </p:pic>
     </p:spTree>
   </p:cSld>
   <p:clrMap bg1="lt1" tx1="dk1" bg2="lt2" tx2="dk2" accent1="accent1" accent2="accent2" accent3="accent3" accent4="accent4" accent5="accent5" accent6="accent6" hlink="hlink" folHlink="folHlink"/>
@@ -4084,7 +4120,7 @@
               <a:pPr algn="ctr">
                 <a:defRPr/>
               </a:pPr>
-              <a:t>10.06.2024</a:t>
+              <a:t>11.06.2024</a:t>
             </a:fld>
             <a:endParaRPr lang="de-DE" sz="1000">
               <a:solidFill>
@@ -4933,6 +4969,42 @@
           </a:p>
         </p:txBody>
       </p:sp>
+      <p:pic>
+        <p:nvPicPr>
+          <p:cNvPr id="3" name="Grafik 2">
+            <a:extLst>
+              <a:ext uri="{FF2B5EF4-FFF2-40B4-BE49-F238E27FC236}">
+                <a16:creationId xmlns:a16="http://schemas.microsoft.com/office/drawing/2014/main" id="{FFE4AA20-60B2-8829-ADB8-FFE67578815B}"/>
+              </a:ext>
+            </a:extLst>
+          </p:cNvPr>
+          <p:cNvPicPr>
+            <a:picLocks noChangeAspect="1"/>
+          </p:cNvPicPr>
+          <p:nvPr userDrawn="1"/>
+        </p:nvPicPr>
+        <p:blipFill>
+          <a:blip r:embed="rId7">
+            <a:extLst>
+              <a:ext uri="{28A0092B-C50C-407E-A947-70E740481C1C}">
+                <a14:useLocalDpi xmlns:a14="http://schemas.microsoft.com/office/drawing/2010/main" val="0"/>
+              </a:ext>
+            </a:extLst>
+          </a:blip>
+          <a:stretch>
+            <a:fillRect/>
+          </a:stretch>
+        </p:blipFill>
+        <p:spPr>
+          <a:xfrm>
+            <a:off x="8486775" y="-15729"/>
+            <a:ext cx="636272" cy="636272"/>
+          </a:xfrm>
+          <a:prstGeom prst="rect">
+            <a:avLst/>
+          </a:prstGeom>
+        </p:spPr>
+      </p:pic>
     </p:spTree>
     <p:extLst>
       <p:ext uri="{BB962C8B-B14F-4D97-AF65-F5344CB8AC3E}">

--- a/slides/Tag-2_2-Tags-und-Releases.pptx
+++ b/slides/Tag-2_2-Tags-und-Releases.pptx
@@ -2235,7 +2235,7 @@
               <a:pPr algn="ctr">
                 <a:defRPr/>
               </a:pPr>
-              <a:t>11.06.2024</a:t>
+              <a:t>13.06.2024</a:t>
             </a:fld>
             <a:endParaRPr lang="de-DE" sz="1000" dirty="0">
               <a:solidFill>
@@ -2619,8 +2619,8 @@
         </p:nvSpPr>
         <p:spPr bwMode="auto">
           <a:xfrm>
-            <a:off x="4252913" y="6424613"/>
-            <a:ext cx="2438488" cy="246221"/>
+            <a:off x="3779912" y="6424613"/>
+            <a:ext cx="2162772" cy="246221"/>
           </a:xfrm>
           <a:prstGeom prst="rect">
             <a:avLst/>
@@ -2650,7 +2650,7 @@
                 </a:solidFill>
                 <a:latin typeface="Arial" charset="0"/>
               </a:rPr>
-              <a:t>Tag-2_2-Tags-und-Releases_Light.pptx</a:t>
+              <a:t>Tag-2_2-Tags-und-Releases.pptx</a:t>
             </a:r>
             <a:endParaRPr lang="de-DE" dirty="0">
               <a:solidFill>
@@ -4405,7 +4405,7 @@
               <a:pPr algn="ctr">
                 <a:defRPr/>
               </a:pPr>
-              <a:t>11.06.2024</a:t>
+              <a:t>13.06.2024</a:t>
             </a:fld>
             <a:endParaRPr lang="de-DE" sz="1000">
               <a:solidFill>
@@ -4770,64 +4770,6 @@
               </a:rPr>
               <a:t>Daniel Krämer &amp; Malte Fischer</a:t>
             </a:r>
-          </a:p>
-        </p:txBody>
-      </p:sp>
-      <p:sp>
-        <p:nvSpPr>
-          <p:cNvPr id="1054" name="Text Box 30">
-            <a:extLst>
-              <a:ext uri="{FF2B5EF4-FFF2-40B4-BE49-F238E27FC236}">
-                <a16:creationId xmlns:a16="http://schemas.microsoft.com/office/drawing/2014/main" id="{9346920B-D70B-3A57-06DF-529E537954C8}"/>
-              </a:ext>
-            </a:extLst>
-          </p:cNvPr>
-          <p:cNvSpPr txBox="1">
-            <a:spLocks noChangeArrowheads="1"/>
-          </p:cNvSpPr>
-          <p:nvPr/>
-        </p:nvSpPr>
-        <p:spPr bwMode="auto">
-          <a:xfrm>
-            <a:off x="4252913" y="6424613"/>
-            <a:ext cx="2438488" cy="246221"/>
-          </a:xfrm>
-          <a:prstGeom prst="rect">
-            <a:avLst/>
-          </a:prstGeom>
-          <a:noFill/>
-          <a:ln w="12700">
-            <a:noFill/>
-            <a:miter lim="800000"/>
-            <a:headEnd type="none" w="sm" len="sm"/>
-            <a:tailEnd type="none" w="sm" len="sm"/>
-          </a:ln>
-          <a:effectLst/>
-        </p:spPr>
-        <p:txBody>
-          <a:bodyPr wrap="none">
-            <a:spAutoFit/>
-          </a:bodyPr>
-          <a:lstStyle/>
-          <a:p>
-            <a:pPr defTabSz="762000">
-              <a:defRPr/>
-            </a:pPr>
-            <a:r>
-              <a:rPr lang="de-DE" sz="1000" dirty="0">
-                <a:solidFill>
-                  <a:schemeClr val="bg1"/>
-                </a:solidFill>
-                <a:latin typeface="Arial" charset="0"/>
-              </a:rPr>
-              <a:t>Tag-2_2-Tags-und-Releases_Light.pptx</a:t>
-            </a:r>
-            <a:endParaRPr lang="de-DE" dirty="0">
-              <a:solidFill>
-                <a:schemeClr val="bg1"/>
-              </a:solidFill>
-              <a:latin typeface="Arial" pitchFamily="34" charset="0"/>
-            </a:endParaRPr>
           </a:p>
         </p:txBody>
       </p:sp>
@@ -5290,6 +5232,64 @@
           </a:prstGeom>
         </p:spPr>
       </p:pic>
+      <p:sp>
+        <p:nvSpPr>
+          <p:cNvPr id="4" name="Text Box 30">
+            <a:extLst>
+              <a:ext uri="{FF2B5EF4-FFF2-40B4-BE49-F238E27FC236}">
+                <a16:creationId xmlns:a16="http://schemas.microsoft.com/office/drawing/2014/main" id="{E5BF6464-F1A7-DC17-2094-343D57C0A658}"/>
+              </a:ext>
+            </a:extLst>
+          </p:cNvPr>
+          <p:cNvSpPr txBox="1">
+            <a:spLocks noChangeArrowheads="1"/>
+          </p:cNvSpPr>
+          <p:nvPr userDrawn="1"/>
+        </p:nvSpPr>
+        <p:spPr bwMode="auto">
+          <a:xfrm>
+            <a:off x="3779912" y="6424613"/>
+            <a:ext cx="2162772" cy="246221"/>
+          </a:xfrm>
+          <a:prstGeom prst="rect">
+            <a:avLst/>
+          </a:prstGeom>
+          <a:noFill/>
+          <a:ln w="12700">
+            <a:noFill/>
+            <a:miter lim="800000"/>
+            <a:headEnd type="none" w="sm" len="sm"/>
+            <a:tailEnd type="none" w="sm" len="sm"/>
+          </a:ln>
+          <a:effectLst/>
+        </p:spPr>
+        <p:txBody>
+          <a:bodyPr wrap="none">
+            <a:spAutoFit/>
+          </a:bodyPr>
+          <a:lstStyle/>
+          <a:p>
+            <a:pPr defTabSz="762000">
+              <a:defRPr/>
+            </a:pPr>
+            <a:r>
+              <a:rPr lang="de-DE" sz="1000" dirty="0">
+                <a:solidFill>
+                  <a:schemeClr val="bg1"/>
+                </a:solidFill>
+                <a:latin typeface="Arial" charset="0"/>
+              </a:rPr>
+              <a:t>Tag-2_2-Tags-und-Releases.pptx</a:t>
+            </a:r>
+            <a:endParaRPr lang="de-DE" dirty="0">
+              <a:solidFill>
+                <a:schemeClr val="bg1"/>
+              </a:solidFill>
+              <a:latin typeface="Arial" pitchFamily="34" charset="0"/>
+            </a:endParaRPr>
+          </a:p>
+        </p:txBody>
+      </p:sp>
     </p:spTree>
     <p:extLst>
       <p:ext uri="{BB962C8B-B14F-4D97-AF65-F5344CB8AC3E}">

--- a/slides/Tag-2_2-Tags-und-Releases.pptx
+++ b/slides/Tag-2_2-Tags-und-Releases.pptx
@@ -9224,15 +9224,7 @@
             </a:r>
             <a:r>
               <a:rPr lang="de-DE" altLang="de-DE" dirty="0"/>
-              <a:t> als „</a:t>
-            </a:r>
-            <a:r>
-              <a:rPr lang="de-DE" altLang="de-DE" dirty="0" err="1"/>
-              <a:t>snapshot</a:t>
-            </a:r>
-            <a:r>
-              <a:rPr lang="de-DE" altLang="de-DE" dirty="0"/>
-              <a:t>“ bezeichnet</a:t>
+              <a:t> als „Snapshot“ bezeichnet</a:t>
             </a:r>
           </a:p>
           <a:p>

--- a/slides/Tag-2_2-Tags-und-Releases.pptx
+++ b/slides/Tag-2_2-Tags-und-Releases.pptx
@@ -2235,7 +2235,7 @@
               <a:pPr algn="ctr">
                 <a:defRPr/>
               </a:pPr>
-              <a:t>13.06.2024</a:t>
+              <a:t>14.06.2024</a:t>
             </a:fld>
             <a:endParaRPr lang="de-DE" sz="1000" dirty="0">
               <a:solidFill>
@@ -2663,53 +2663,6 @@
       </p:sp>
       <p:sp>
         <p:nvSpPr>
-          <p:cNvPr id="1063" name="Rectangle 39">
-            <a:hlinkClick r:id="rId4"/>
-            <a:extLst>
-              <a:ext uri="{FF2B5EF4-FFF2-40B4-BE49-F238E27FC236}">
-                <a16:creationId xmlns:a16="http://schemas.microsoft.com/office/drawing/2014/main" id="{613611E0-DAA0-F230-CD0B-8592F1472163}"/>
-              </a:ext>
-            </a:extLst>
-          </p:cNvPr>
-          <p:cNvSpPr>
-            <a:spLocks noChangeArrowheads="1"/>
-          </p:cNvSpPr>
-          <p:nvPr userDrawn="1"/>
-        </p:nvSpPr>
-        <p:spPr bwMode="auto">
-          <a:xfrm>
-            <a:off x="3914775" y="3105150"/>
-            <a:ext cx="9144000" cy="461963"/>
-          </a:xfrm>
-          <a:prstGeom prst="rect">
-            <a:avLst/>
-          </a:prstGeom>
-          <a:noFill/>
-          <a:ln w="12700">
-            <a:noFill/>
-            <a:miter lim="800000"/>
-            <a:headEnd type="none" w="sm" len="sm"/>
-            <a:tailEnd type="none" w="sm" len="sm"/>
-          </a:ln>
-          <a:effectLst/>
-        </p:spPr>
-        <p:txBody>
-          <a:bodyPr>
-            <a:spAutoFit/>
-          </a:bodyPr>
-          <a:lstStyle/>
-          <a:p>
-            <a:pPr>
-              <a:defRPr/>
-            </a:pPr>
-            <a:endParaRPr lang="de-DE" dirty="0">
-              <a:latin typeface="Arial" pitchFamily="34" charset="0"/>
-            </a:endParaRPr>
-          </a:p>
-        </p:txBody>
-      </p:sp>
-      <p:sp>
-        <p:nvSpPr>
           <p:cNvPr id="1064" name="Rectangle 40">
             <a:extLst>
               <a:ext uri="{FF2B5EF4-FFF2-40B4-BE49-F238E27FC236}">
@@ -2915,7 +2868,7 @@
           <p:nvPr userDrawn="1"/>
         </p:nvPicPr>
         <p:blipFill>
-          <a:blip r:embed="rId5">
+          <a:blip r:embed="rId4">
             <a:extLst>
               <a:ext uri="{28A0092B-C50C-407E-A947-70E740481C1C}">
                 <a14:useLocalDpi xmlns:a14="http://schemas.microsoft.com/office/drawing/2010/main" val="0"/>
@@ -2975,7 +2928,7 @@
           <p:nvPr userDrawn="1"/>
         </p:nvPicPr>
         <p:blipFill>
-          <a:blip r:embed="rId6">
+          <a:blip r:embed="rId5">
             <a:extLst>
               <a:ext uri="{28A0092B-C50C-407E-A947-70E740481C1C}">
                 <a14:useLocalDpi xmlns:a14="http://schemas.microsoft.com/office/drawing/2010/main" val="0"/>
@@ -3099,7 +3052,7 @@
           <p:nvPr userDrawn="1"/>
         </p:nvPicPr>
         <p:blipFill>
-          <a:blip r:embed="rId7">
+          <a:blip r:embed="rId6">
             <a:extLst>
               <a:ext uri="{28A0092B-C50C-407E-A947-70E740481C1C}">
                 <a14:useLocalDpi xmlns:a14="http://schemas.microsoft.com/office/drawing/2010/main" val="0"/>
@@ -4405,7 +4358,7 @@
               <a:pPr algn="ctr">
                 <a:defRPr/>
               </a:pPr>
-              <a:t>13.06.2024</a:t>
+              <a:t>14.06.2024</a:t>
             </a:fld>
             <a:endParaRPr lang="de-DE" sz="1000">
               <a:solidFill>
@@ -4775,53 +4728,6 @@
       </p:sp>
       <p:sp>
         <p:nvSpPr>
-          <p:cNvPr id="1063" name="Rectangle 39">
-            <a:hlinkClick r:id="rId4"/>
-            <a:extLst>
-              <a:ext uri="{FF2B5EF4-FFF2-40B4-BE49-F238E27FC236}">
-                <a16:creationId xmlns:a16="http://schemas.microsoft.com/office/drawing/2014/main" id="{613611E0-DAA0-F230-CD0B-8592F1472163}"/>
-              </a:ext>
-            </a:extLst>
-          </p:cNvPr>
-          <p:cNvSpPr>
-            <a:spLocks noChangeArrowheads="1"/>
-          </p:cNvSpPr>
-          <p:nvPr userDrawn="1"/>
-        </p:nvSpPr>
-        <p:spPr bwMode="auto">
-          <a:xfrm>
-            <a:off x="3914775" y="3105150"/>
-            <a:ext cx="9144000" cy="461963"/>
-          </a:xfrm>
-          <a:prstGeom prst="rect">
-            <a:avLst/>
-          </a:prstGeom>
-          <a:noFill/>
-          <a:ln w="12700">
-            <a:noFill/>
-            <a:miter lim="800000"/>
-            <a:headEnd type="none" w="sm" len="sm"/>
-            <a:tailEnd type="none" w="sm" len="sm"/>
-          </a:ln>
-          <a:effectLst/>
-        </p:spPr>
-        <p:txBody>
-          <a:bodyPr>
-            <a:spAutoFit/>
-          </a:bodyPr>
-          <a:lstStyle/>
-          <a:p>
-            <a:pPr>
-              <a:defRPr/>
-            </a:pPr>
-            <a:endParaRPr lang="de-DE" dirty="0">
-              <a:latin typeface="Arial" pitchFamily="34" charset="0"/>
-            </a:endParaRPr>
-          </a:p>
-        </p:txBody>
-      </p:sp>
-      <p:sp>
-        <p:nvSpPr>
           <p:cNvPr id="1064" name="Rectangle 40">
             <a:extLst>
               <a:ext uri="{FF2B5EF4-FFF2-40B4-BE49-F238E27FC236}">
@@ -5027,7 +4933,7 @@
           <p:nvPr userDrawn="1"/>
         </p:nvPicPr>
         <p:blipFill>
-          <a:blip r:embed="rId5">
+          <a:blip r:embed="rId4">
             <a:extLst>
               <a:ext uri="{28A0092B-C50C-407E-A947-70E740481C1C}">
                 <a14:useLocalDpi xmlns:a14="http://schemas.microsoft.com/office/drawing/2010/main" val="0"/>
@@ -5087,7 +4993,7 @@
           <p:nvPr userDrawn="1"/>
         </p:nvPicPr>
         <p:blipFill>
-          <a:blip r:embed="rId6">
+          <a:blip r:embed="rId5">
             <a:extLst>
               <a:ext uri="{28A0092B-C50C-407E-A947-70E740481C1C}">
                 <a14:useLocalDpi xmlns:a14="http://schemas.microsoft.com/office/drawing/2010/main" val="0"/>
@@ -5211,7 +5117,7 @@
           <p:nvPr userDrawn="1"/>
         </p:nvPicPr>
         <p:blipFill>
-          <a:blip r:embed="rId7">
+          <a:blip r:embed="rId6">
             <a:extLst>
               <a:ext uri="{28A0092B-C50C-407E-A947-70E740481C1C}">
                 <a14:useLocalDpi xmlns:a14="http://schemas.microsoft.com/office/drawing/2010/main" val="0"/>
